--- a/Memoria_pres.pptx
+++ b/Memoria_pres.pptx
@@ -13,7 +13,11 @@
     <p:sldId id="275" r:id="rId7"/>
     <p:sldId id="281" r:id="rId8"/>
     <p:sldId id="282" r:id="rId9"/>
-    <p:sldId id="273" r:id="rId10"/>
+    <p:sldId id="283" r:id="rId10"/>
+    <p:sldId id="284" r:id="rId11"/>
+    <p:sldId id="285" r:id="rId12"/>
+    <p:sldId id="286" r:id="rId13"/>
+    <p:sldId id="273" r:id="rId14"/>
   </p:sldIdLst>
   <p:sldSz cx="12192000" cy="6858000"/>
   <p:notesSz cx="6858000" cy="9144000"/>
@@ -125,6 +129,10 @@
             <p14:sldId id="275"/>
             <p14:sldId id="281"/>
             <p14:sldId id="282"/>
+            <p14:sldId id="283"/>
+            <p14:sldId id="284"/>
+            <p14:sldId id="285"/>
+            <p14:sldId id="286"/>
             <p14:sldId id="273"/>
           </p14:sldIdLst>
         </p14:section>
@@ -286,7 +294,7 @@
           <a:p>
             <a:fld id="{73A294DA-5B1F-406C-B1D4-C938C7055EF9}" type="datetimeFigureOut">
               <a:rPr lang="es-ES" smtClean="0"/>
-              <a:t>05/01/2023</a:t>
+              <a:t>06/01/2023</a:t>
             </a:fld>
             <a:endParaRPr lang="es-ES"/>
           </a:p>
@@ -486,7 +494,7 @@
           <a:p>
             <a:fld id="{73A294DA-5B1F-406C-B1D4-C938C7055EF9}" type="datetimeFigureOut">
               <a:rPr lang="es-ES" smtClean="0"/>
-              <a:t>05/01/2023</a:t>
+              <a:t>06/01/2023</a:t>
             </a:fld>
             <a:endParaRPr lang="es-ES"/>
           </a:p>
@@ -696,7 +704,7 @@
           <a:p>
             <a:fld id="{73A294DA-5B1F-406C-B1D4-C938C7055EF9}" type="datetimeFigureOut">
               <a:rPr lang="es-ES" smtClean="0"/>
-              <a:t>05/01/2023</a:t>
+              <a:t>06/01/2023</a:t>
             </a:fld>
             <a:endParaRPr lang="es-ES"/>
           </a:p>
@@ -896,7 +904,7 @@
           <a:p>
             <a:fld id="{73A294DA-5B1F-406C-B1D4-C938C7055EF9}" type="datetimeFigureOut">
               <a:rPr lang="es-ES" smtClean="0"/>
-              <a:t>05/01/2023</a:t>
+              <a:t>06/01/2023</a:t>
             </a:fld>
             <a:endParaRPr lang="es-ES"/>
           </a:p>
@@ -1172,7 +1180,7 @@
           <a:p>
             <a:fld id="{73A294DA-5B1F-406C-B1D4-C938C7055EF9}" type="datetimeFigureOut">
               <a:rPr lang="es-ES" smtClean="0"/>
-              <a:t>05/01/2023</a:t>
+              <a:t>06/01/2023</a:t>
             </a:fld>
             <a:endParaRPr lang="es-ES"/>
           </a:p>
@@ -1440,7 +1448,7 @@
           <a:p>
             <a:fld id="{73A294DA-5B1F-406C-B1D4-C938C7055EF9}" type="datetimeFigureOut">
               <a:rPr lang="es-ES" smtClean="0"/>
-              <a:t>05/01/2023</a:t>
+              <a:t>06/01/2023</a:t>
             </a:fld>
             <a:endParaRPr lang="es-ES"/>
           </a:p>
@@ -1855,7 +1863,7 @@
           <a:p>
             <a:fld id="{73A294DA-5B1F-406C-B1D4-C938C7055EF9}" type="datetimeFigureOut">
               <a:rPr lang="es-ES" smtClean="0"/>
-              <a:t>05/01/2023</a:t>
+              <a:t>06/01/2023</a:t>
             </a:fld>
             <a:endParaRPr lang="es-ES"/>
           </a:p>
@@ -1997,7 +2005,7 @@
           <a:p>
             <a:fld id="{73A294DA-5B1F-406C-B1D4-C938C7055EF9}" type="datetimeFigureOut">
               <a:rPr lang="es-ES" smtClean="0"/>
-              <a:t>05/01/2023</a:t>
+              <a:t>06/01/2023</a:t>
             </a:fld>
             <a:endParaRPr lang="es-ES"/>
           </a:p>
@@ -2110,7 +2118,7 @@
           <a:p>
             <a:fld id="{73A294DA-5B1F-406C-B1D4-C938C7055EF9}" type="datetimeFigureOut">
               <a:rPr lang="es-ES" smtClean="0"/>
-              <a:t>05/01/2023</a:t>
+              <a:t>06/01/2023</a:t>
             </a:fld>
             <a:endParaRPr lang="es-ES"/>
           </a:p>
@@ -2423,7 +2431,7 @@
           <a:p>
             <a:fld id="{73A294DA-5B1F-406C-B1D4-C938C7055EF9}" type="datetimeFigureOut">
               <a:rPr lang="es-ES" smtClean="0"/>
-              <a:t>05/01/2023</a:t>
+              <a:t>06/01/2023</a:t>
             </a:fld>
             <a:endParaRPr lang="es-ES"/>
           </a:p>
@@ -2712,7 +2720,7 @@
           <a:p>
             <a:fld id="{73A294DA-5B1F-406C-B1D4-C938C7055EF9}" type="datetimeFigureOut">
               <a:rPr lang="es-ES" smtClean="0"/>
-              <a:t>05/01/2023</a:t>
+              <a:t>06/01/2023</a:t>
             </a:fld>
             <a:endParaRPr lang="es-ES"/>
           </a:p>
@@ -2955,7 +2963,7 @@
           <a:p>
             <a:fld id="{73A294DA-5B1F-406C-B1D4-C938C7055EF9}" type="datetimeFigureOut">
               <a:rPr lang="es-ES" smtClean="0"/>
-              <a:t>05/01/2023</a:t>
+              <a:t>06/01/2023</a:t>
             </a:fld>
             <a:endParaRPr lang="es-ES"/>
           </a:p>
@@ -3727,6 +3735,595 @@
 </p:sld>
 </file>
 
+<file path=ppt/slides/slide10.xml><?xml version="1.0" encoding="utf-8"?>
+<p:sld xmlns:a="http://schemas.openxmlformats.org/drawingml/2006/main" xmlns:r="http://schemas.openxmlformats.org/officeDocument/2006/relationships" xmlns:p="http://schemas.openxmlformats.org/presentationml/2006/main">
+  <p:cSld>
+    <p:spTree>
+      <p:nvGrpSpPr>
+        <p:cNvPr id="1" name=""/>
+        <p:cNvGrpSpPr/>
+        <p:nvPr/>
+      </p:nvGrpSpPr>
+      <p:grpSpPr>
+        <a:xfrm>
+          <a:off x="0" y="0"/>
+          <a:ext cx="0" cy="0"/>
+          <a:chOff x="0" y="0"/>
+          <a:chExt cx="0" cy="0"/>
+        </a:xfrm>
+      </p:grpSpPr>
+      <p:sp>
+        <p:nvSpPr>
+          <p:cNvPr id="4" name="TextBox 3">
+            <a:extLst>
+              <a:ext uri="{FF2B5EF4-FFF2-40B4-BE49-F238E27FC236}">
+                <a16:creationId xmlns:a16="http://schemas.microsoft.com/office/drawing/2014/main" id="{1AB9453E-4605-B8C4-0C71-3B23CE9F2773}"/>
+              </a:ext>
+            </a:extLst>
+          </p:cNvPr>
+          <p:cNvSpPr txBox="1"/>
+          <p:nvPr/>
+        </p:nvSpPr>
+        <p:spPr>
+          <a:xfrm>
+            <a:off x="440456" y="143702"/>
+            <a:ext cx="9559887" cy="523220"/>
+          </a:xfrm>
+          <a:prstGeom prst="rect">
+            <a:avLst/>
+          </a:prstGeom>
+          <a:noFill/>
+        </p:spPr>
+        <p:txBody>
+          <a:bodyPr wrap="square" rtlCol="0">
+            <a:spAutoFit/>
+          </a:bodyPr>
+          <a:lstStyle/>
+          <a:p>
+            <a:r>
+              <a:rPr lang="es-ES" sz="2800" b="1" dirty="0">
+                <a:solidFill>
+                  <a:srgbClr val="002060"/>
+                </a:solidFill>
+              </a:rPr>
+              <a:t>3. INTEGRACIÓN Y SELECCIÓN</a:t>
+            </a:r>
+          </a:p>
+        </p:txBody>
+      </p:sp>
+      <p:sp>
+        <p:nvSpPr>
+          <p:cNvPr id="6" name="TextBox 5">
+            <a:extLst>
+              <a:ext uri="{FF2B5EF4-FFF2-40B4-BE49-F238E27FC236}">
+                <a16:creationId xmlns:a16="http://schemas.microsoft.com/office/drawing/2014/main" id="{1FA76770-F660-DB19-61AA-87990F00E84D}"/>
+              </a:ext>
+            </a:extLst>
+          </p:cNvPr>
+          <p:cNvSpPr txBox="1"/>
+          <p:nvPr/>
+        </p:nvSpPr>
+        <p:spPr>
+          <a:xfrm>
+            <a:off x="440456" y="798287"/>
+            <a:ext cx="10864282" cy="464871"/>
+          </a:xfrm>
+          <a:prstGeom prst="rect">
+            <a:avLst/>
+          </a:prstGeom>
+          <a:noFill/>
+        </p:spPr>
+        <p:txBody>
+          <a:bodyPr wrap="square">
+            <a:spAutoFit/>
+          </a:bodyPr>
+          <a:lstStyle/>
+          <a:p>
+            <a:pPr algn="just">
+              <a:lnSpc>
+                <a:spcPct val="150000"/>
+              </a:lnSpc>
+            </a:pPr>
+            <a:r>
+              <a:rPr lang="es-ES" b="1" dirty="0">
+                <a:solidFill>
+                  <a:srgbClr val="002060"/>
+                </a:solidFill>
+              </a:rPr>
+              <a:t>DATOS DE VUELOS</a:t>
+            </a:r>
+            <a:endParaRPr lang="es-ES" b="1" dirty="0">
+              <a:solidFill>
+                <a:srgbClr val="002060"/>
+              </a:solidFill>
+              <a:sym typeface="Wingdings" panose="05000000000000000000" pitchFamily="2" charset="2"/>
+            </a:endParaRPr>
+          </a:p>
+        </p:txBody>
+      </p:sp>
+      <p:pic>
+        <p:nvPicPr>
+          <p:cNvPr id="5" name="Picture 4" descr="Graphical user interface, text, application, chat or text message&#10;&#10;Description automatically generated">
+            <a:extLst>
+              <a:ext uri="{FF2B5EF4-FFF2-40B4-BE49-F238E27FC236}">
+                <a16:creationId xmlns:a16="http://schemas.microsoft.com/office/drawing/2014/main" id="{6DDDD5D9-A9FE-2A79-7C5E-B7D1A464A414}"/>
+              </a:ext>
+            </a:extLst>
+          </p:cNvPr>
+          <p:cNvPicPr>
+            <a:picLocks noChangeAspect="1"/>
+          </p:cNvPicPr>
+          <p:nvPr/>
+        </p:nvPicPr>
+        <p:blipFill>
+          <a:blip r:embed="rId2">
+            <a:extLst>
+              <a:ext uri="{28A0092B-C50C-407E-A947-70E740481C1C}">
+                <a14:useLocalDpi xmlns:a14="http://schemas.microsoft.com/office/drawing/2010/main" val="0"/>
+              </a:ext>
+            </a:extLst>
+          </a:blip>
+          <a:stretch>
+            <a:fillRect/>
+          </a:stretch>
+        </p:blipFill>
+        <p:spPr>
+          <a:xfrm>
+            <a:off x="10526413" y="5892800"/>
+            <a:ext cx="1536622" cy="965200"/>
+          </a:xfrm>
+          <a:prstGeom prst="rect">
+            <a:avLst/>
+          </a:prstGeom>
+        </p:spPr>
+      </p:pic>
+    </p:spTree>
+    <p:extLst>
+      <p:ext uri="{BB962C8B-B14F-4D97-AF65-F5344CB8AC3E}">
+        <p14:creationId xmlns:p14="http://schemas.microsoft.com/office/powerpoint/2010/main" val="2272010027"/>
+      </p:ext>
+    </p:extLst>
+  </p:cSld>
+  <p:clrMapOvr>
+    <a:masterClrMapping/>
+  </p:clrMapOvr>
+</p:sld>
+</file>
+
+<file path=ppt/slides/slide11.xml><?xml version="1.0" encoding="utf-8"?>
+<p:sld xmlns:a="http://schemas.openxmlformats.org/drawingml/2006/main" xmlns:r="http://schemas.openxmlformats.org/officeDocument/2006/relationships" xmlns:p="http://schemas.openxmlformats.org/presentationml/2006/main">
+  <p:cSld>
+    <p:spTree>
+      <p:nvGrpSpPr>
+        <p:cNvPr id="1" name=""/>
+        <p:cNvGrpSpPr/>
+        <p:nvPr/>
+      </p:nvGrpSpPr>
+      <p:grpSpPr>
+        <a:xfrm>
+          <a:off x="0" y="0"/>
+          <a:ext cx="0" cy="0"/>
+          <a:chOff x="0" y="0"/>
+          <a:chExt cx="0" cy="0"/>
+        </a:xfrm>
+      </p:grpSpPr>
+      <p:sp>
+        <p:nvSpPr>
+          <p:cNvPr id="4" name="TextBox 3">
+            <a:extLst>
+              <a:ext uri="{FF2B5EF4-FFF2-40B4-BE49-F238E27FC236}">
+                <a16:creationId xmlns:a16="http://schemas.microsoft.com/office/drawing/2014/main" id="{1AB9453E-4605-B8C4-0C71-3B23CE9F2773}"/>
+              </a:ext>
+            </a:extLst>
+          </p:cNvPr>
+          <p:cNvSpPr txBox="1"/>
+          <p:nvPr/>
+        </p:nvSpPr>
+        <p:spPr>
+          <a:xfrm>
+            <a:off x="440456" y="143702"/>
+            <a:ext cx="9559887" cy="523220"/>
+          </a:xfrm>
+          <a:prstGeom prst="rect">
+            <a:avLst/>
+          </a:prstGeom>
+          <a:noFill/>
+        </p:spPr>
+        <p:txBody>
+          <a:bodyPr wrap="square" rtlCol="0">
+            <a:spAutoFit/>
+          </a:bodyPr>
+          <a:lstStyle/>
+          <a:p>
+            <a:r>
+              <a:rPr lang="es-ES" sz="2800" b="1" dirty="0">
+                <a:solidFill>
+                  <a:srgbClr val="002060"/>
+                </a:solidFill>
+              </a:rPr>
+              <a:t>3. INTEGRACIÓN Y SELECCIÓN</a:t>
+            </a:r>
+          </a:p>
+        </p:txBody>
+      </p:sp>
+      <p:sp>
+        <p:nvSpPr>
+          <p:cNvPr id="6" name="TextBox 5">
+            <a:extLst>
+              <a:ext uri="{FF2B5EF4-FFF2-40B4-BE49-F238E27FC236}">
+                <a16:creationId xmlns:a16="http://schemas.microsoft.com/office/drawing/2014/main" id="{1FA76770-F660-DB19-61AA-87990F00E84D}"/>
+              </a:ext>
+            </a:extLst>
+          </p:cNvPr>
+          <p:cNvSpPr txBox="1"/>
+          <p:nvPr/>
+        </p:nvSpPr>
+        <p:spPr>
+          <a:xfrm>
+            <a:off x="440456" y="1088573"/>
+            <a:ext cx="10864282" cy="464871"/>
+          </a:xfrm>
+          <a:prstGeom prst="rect">
+            <a:avLst/>
+          </a:prstGeom>
+          <a:noFill/>
+        </p:spPr>
+        <p:txBody>
+          <a:bodyPr wrap="square">
+            <a:spAutoFit/>
+          </a:bodyPr>
+          <a:lstStyle/>
+          <a:p>
+            <a:pPr algn="just">
+              <a:lnSpc>
+                <a:spcPct val="150000"/>
+              </a:lnSpc>
+            </a:pPr>
+            <a:r>
+              <a:rPr lang="es-ES" b="1" dirty="0">
+                <a:solidFill>
+                  <a:srgbClr val="002060"/>
+                </a:solidFill>
+              </a:rPr>
+              <a:t>DATOS DE VUELOS</a:t>
+            </a:r>
+            <a:endParaRPr lang="es-ES" b="1" dirty="0">
+              <a:solidFill>
+                <a:srgbClr val="002060"/>
+              </a:solidFill>
+              <a:sym typeface="Wingdings" panose="05000000000000000000" pitchFamily="2" charset="2"/>
+            </a:endParaRPr>
+          </a:p>
+        </p:txBody>
+      </p:sp>
+      <p:pic>
+        <p:nvPicPr>
+          <p:cNvPr id="5" name="Picture 4" descr="Graphical user interface, text, application, chat or text message&#10;&#10;Description automatically generated">
+            <a:extLst>
+              <a:ext uri="{FF2B5EF4-FFF2-40B4-BE49-F238E27FC236}">
+                <a16:creationId xmlns:a16="http://schemas.microsoft.com/office/drawing/2014/main" id="{6DDDD5D9-A9FE-2A79-7C5E-B7D1A464A414}"/>
+              </a:ext>
+            </a:extLst>
+          </p:cNvPr>
+          <p:cNvPicPr>
+            <a:picLocks noChangeAspect="1"/>
+          </p:cNvPicPr>
+          <p:nvPr/>
+        </p:nvPicPr>
+        <p:blipFill>
+          <a:blip r:embed="rId2">
+            <a:extLst>
+              <a:ext uri="{28A0092B-C50C-407E-A947-70E740481C1C}">
+                <a14:useLocalDpi xmlns:a14="http://schemas.microsoft.com/office/drawing/2010/main" val="0"/>
+              </a:ext>
+            </a:extLst>
+          </a:blip>
+          <a:stretch>
+            <a:fillRect/>
+          </a:stretch>
+        </p:blipFill>
+        <p:spPr>
+          <a:xfrm>
+            <a:off x="10526413" y="5892800"/>
+            <a:ext cx="1536622" cy="965200"/>
+          </a:xfrm>
+          <a:prstGeom prst="rect">
+            <a:avLst/>
+          </a:prstGeom>
+        </p:spPr>
+      </p:pic>
+    </p:spTree>
+    <p:extLst>
+      <p:ext uri="{BB962C8B-B14F-4D97-AF65-F5344CB8AC3E}">
+        <p14:creationId xmlns:p14="http://schemas.microsoft.com/office/powerpoint/2010/main" val="580590971"/>
+      </p:ext>
+    </p:extLst>
+  </p:cSld>
+  <p:clrMapOvr>
+    <a:masterClrMapping/>
+  </p:clrMapOvr>
+</p:sld>
+</file>
+
+<file path=ppt/slides/slide12.xml><?xml version="1.0" encoding="utf-8"?>
+<p:sld xmlns:a="http://schemas.openxmlformats.org/drawingml/2006/main" xmlns:r="http://schemas.openxmlformats.org/officeDocument/2006/relationships" xmlns:p="http://schemas.openxmlformats.org/presentationml/2006/main">
+  <p:cSld>
+    <p:spTree>
+      <p:nvGrpSpPr>
+        <p:cNvPr id="1" name=""/>
+        <p:cNvGrpSpPr/>
+        <p:nvPr/>
+      </p:nvGrpSpPr>
+      <p:grpSpPr>
+        <a:xfrm>
+          <a:off x="0" y="0"/>
+          <a:ext cx="0" cy="0"/>
+          <a:chOff x="0" y="0"/>
+          <a:chExt cx="0" cy="0"/>
+        </a:xfrm>
+      </p:grpSpPr>
+      <p:sp>
+        <p:nvSpPr>
+          <p:cNvPr id="4" name="TextBox 3">
+            <a:extLst>
+              <a:ext uri="{FF2B5EF4-FFF2-40B4-BE49-F238E27FC236}">
+                <a16:creationId xmlns:a16="http://schemas.microsoft.com/office/drawing/2014/main" id="{1AB9453E-4605-B8C4-0C71-3B23CE9F2773}"/>
+              </a:ext>
+            </a:extLst>
+          </p:cNvPr>
+          <p:cNvSpPr txBox="1"/>
+          <p:nvPr/>
+        </p:nvSpPr>
+        <p:spPr>
+          <a:xfrm>
+            <a:off x="440456" y="143702"/>
+            <a:ext cx="9559887" cy="523220"/>
+          </a:xfrm>
+          <a:prstGeom prst="rect">
+            <a:avLst/>
+          </a:prstGeom>
+          <a:noFill/>
+        </p:spPr>
+        <p:txBody>
+          <a:bodyPr wrap="square" rtlCol="0">
+            <a:spAutoFit/>
+          </a:bodyPr>
+          <a:lstStyle/>
+          <a:p>
+            <a:r>
+              <a:rPr lang="es-ES" sz="2800" b="1" dirty="0">
+                <a:solidFill>
+                  <a:srgbClr val="002060"/>
+                </a:solidFill>
+              </a:rPr>
+              <a:t>3. INTEGRACIÓN Y SELECCIÓN</a:t>
+            </a:r>
+          </a:p>
+        </p:txBody>
+      </p:sp>
+      <p:sp>
+        <p:nvSpPr>
+          <p:cNvPr id="6" name="TextBox 5">
+            <a:extLst>
+              <a:ext uri="{FF2B5EF4-FFF2-40B4-BE49-F238E27FC236}">
+                <a16:creationId xmlns:a16="http://schemas.microsoft.com/office/drawing/2014/main" id="{1FA76770-F660-DB19-61AA-87990F00E84D}"/>
+              </a:ext>
+            </a:extLst>
+          </p:cNvPr>
+          <p:cNvSpPr txBox="1"/>
+          <p:nvPr/>
+        </p:nvSpPr>
+        <p:spPr>
+          <a:xfrm>
+            <a:off x="440456" y="1088573"/>
+            <a:ext cx="10864282" cy="464871"/>
+          </a:xfrm>
+          <a:prstGeom prst="rect">
+            <a:avLst/>
+          </a:prstGeom>
+          <a:noFill/>
+        </p:spPr>
+        <p:txBody>
+          <a:bodyPr wrap="square">
+            <a:spAutoFit/>
+          </a:bodyPr>
+          <a:lstStyle/>
+          <a:p>
+            <a:pPr algn="just">
+              <a:lnSpc>
+                <a:spcPct val="150000"/>
+              </a:lnSpc>
+            </a:pPr>
+            <a:r>
+              <a:rPr lang="es-ES" b="1" dirty="0">
+                <a:solidFill>
+                  <a:srgbClr val="002060"/>
+                </a:solidFill>
+              </a:rPr>
+              <a:t>DATOS DE VUELOS</a:t>
+            </a:r>
+            <a:endParaRPr lang="es-ES" b="1" dirty="0">
+              <a:solidFill>
+                <a:srgbClr val="002060"/>
+              </a:solidFill>
+              <a:sym typeface="Wingdings" panose="05000000000000000000" pitchFamily="2" charset="2"/>
+            </a:endParaRPr>
+          </a:p>
+        </p:txBody>
+      </p:sp>
+      <p:pic>
+        <p:nvPicPr>
+          <p:cNvPr id="5" name="Picture 4" descr="Graphical user interface, text, application, chat or text message&#10;&#10;Description automatically generated">
+            <a:extLst>
+              <a:ext uri="{FF2B5EF4-FFF2-40B4-BE49-F238E27FC236}">
+                <a16:creationId xmlns:a16="http://schemas.microsoft.com/office/drawing/2014/main" id="{6DDDD5D9-A9FE-2A79-7C5E-B7D1A464A414}"/>
+              </a:ext>
+            </a:extLst>
+          </p:cNvPr>
+          <p:cNvPicPr>
+            <a:picLocks noChangeAspect="1"/>
+          </p:cNvPicPr>
+          <p:nvPr/>
+        </p:nvPicPr>
+        <p:blipFill>
+          <a:blip r:embed="rId2">
+            <a:extLst>
+              <a:ext uri="{28A0092B-C50C-407E-A947-70E740481C1C}">
+                <a14:useLocalDpi xmlns:a14="http://schemas.microsoft.com/office/drawing/2010/main" val="0"/>
+              </a:ext>
+            </a:extLst>
+          </a:blip>
+          <a:stretch>
+            <a:fillRect/>
+          </a:stretch>
+        </p:blipFill>
+        <p:spPr>
+          <a:xfrm>
+            <a:off x="10526413" y="5892800"/>
+            <a:ext cx="1536622" cy="965200"/>
+          </a:xfrm>
+          <a:prstGeom prst="rect">
+            <a:avLst/>
+          </a:prstGeom>
+        </p:spPr>
+      </p:pic>
+    </p:spTree>
+    <p:extLst>
+      <p:ext uri="{BB962C8B-B14F-4D97-AF65-F5344CB8AC3E}">
+        <p14:creationId xmlns:p14="http://schemas.microsoft.com/office/powerpoint/2010/main" val="3683916807"/>
+      </p:ext>
+    </p:extLst>
+  </p:cSld>
+  <p:clrMapOvr>
+    <a:masterClrMapping/>
+  </p:clrMapOvr>
+</p:sld>
+</file>
+
+<file path=ppt/slides/slide13.xml><?xml version="1.0" encoding="utf-8"?>
+<p:sld xmlns:a="http://schemas.openxmlformats.org/drawingml/2006/main" xmlns:r="http://schemas.openxmlformats.org/officeDocument/2006/relationships" xmlns:p="http://schemas.openxmlformats.org/presentationml/2006/main">
+  <p:cSld>
+    <p:spTree>
+      <p:nvGrpSpPr>
+        <p:cNvPr id="1" name=""/>
+        <p:cNvGrpSpPr/>
+        <p:nvPr/>
+      </p:nvGrpSpPr>
+      <p:grpSpPr>
+        <a:xfrm>
+          <a:off x="0" y="0"/>
+          <a:ext cx="0" cy="0"/>
+          <a:chOff x="0" y="0"/>
+          <a:chExt cx="0" cy="0"/>
+        </a:xfrm>
+      </p:grpSpPr>
+      <p:pic>
+        <p:nvPicPr>
+          <p:cNvPr id="5" name="Picture 4" descr="A picture containing background pattern&#10;&#10;Description automatically generated">
+            <a:extLst>
+              <a:ext uri="{FF2B5EF4-FFF2-40B4-BE49-F238E27FC236}">
+                <a16:creationId xmlns:a16="http://schemas.microsoft.com/office/drawing/2014/main" id="{784C299E-8C7E-2900-BA91-FB7854EBC0F8}"/>
+              </a:ext>
+            </a:extLst>
+          </p:cNvPr>
+          <p:cNvPicPr>
+            <a:picLocks noChangeAspect="1"/>
+          </p:cNvPicPr>
+          <p:nvPr/>
+        </p:nvPicPr>
+        <p:blipFill>
+          <a:blip r:embed="rId2">
+            <a:extLst>
+              <a:ext uri="{28A0092B-C50C-407E-A947-70E740481C1C}">
+                <a14:useLocalDpi xmlns:a14="http://schemas.microsoft.com/office/drawing/2010/main" val="0"/>
+              </a:ext>
+            </a:extLst>
+          </a:blip>
+          <a:stretch>
+            <a:fillRect/>
+          </a:stretch>
+        </p:blipFill>
+        <p:spPr>
+          <a:xfrm>
+            <a:off x="0" y="0"/>
+            <a:ext cx="3598333" cy="5223933"/>
+          </a:xfrm>
+          <a:prstGeom prst="rect">
+            <a:avLst/>
+          </a:prstGeom>
+        </p:spPr>
+      </p:pic>
+      <p:sp>
+        <p:nvSpPr>
+          <p:cNvPr id="6" name="TextBox 5">
+            <a:extLst>
+              <a:ext uri="{FF2B5EF4-FFF2-40B4-BE49-F238E27FC236}">
+                <a16:creationId xmlns:a16="http://schemas.microsoft.com/office/drawing/2014/main" id="{05E71A4F-1EDC-8862-D3C2-A33F056DD973}"/>
+              </a:ext>
+            </a:extLst>
+          </p:cNvPr>
+          <p:cNvSpPr txBox="1"/>
+          <p:nvPr/>
+        </p:nvSpPr>
+        <p:spPr>
+          <a:xfrm>
+            <a:off x="2408766" y="3105834"/>
+            <a:ext cx="7374467" cy="646331"/>
+          </a:xfrm>
+          <a:prstGeom prst="rect">
+            <a:avLst/>
+          </a:prstGeom>
+          <a:noFill/>
+        </p:spPr>
+        <p:txBody>
+          <a:bodyPr wrap="square" rtlCol="0">
+            <a:spAutoFit/>
+          </a:bodyPr>
+          <a:lstStyle/>
+          <a:p>
+            <a:pPr algn="ctr"/>
+            <a:r>
+              <a:rPr lang="es-ES" sz="3600" b="1" i="1" dirty="0">
+                <a:solidFill>
+                  <a:srgbClr val="002060"/>
+                </a:solidFill>
+                <a:latin typeface="Arial" panose="020B0604020202020204" pitchFamily="34" charset="0"/>
+                <a:ea typeface="+mj-ea"/>
+                <a:cs typeface="Arial" panose="020B0604020202020204" pitchFamily="34" charset="0"/>
+              </a:rPr>
+              <a:t>GRACIAS</a:t>
+            </a:r>
+            <a:r>
+              <a:rPr lang="es-ES" dirty="0"/>
+              <a:t> </a:t>
+            </a:r>
+            <a:r>
+              <a:rPr lang="es-ES" sz="3600" b="1" i="1" dirty="0">
+                <a:solidFill>
+                  <a:srgbClr val="002060"/>
+                </a:solidFill>
+                <a:latin typeface="Arial" panose="020B0604020202020204" pitchFamily="34" charset="0"/>
+                <a:ea typeface="+mj-ea"/>
+                <a:cs typeface="Arial" panose="020B0604020202020204" pitchFamily="34" charset="0"/>
+              </a:rPr>
+              <a:t>POR LA ATENCIÓN</a:t>
+            </a:r>
+          </a:p>
+        </p:txBody>
+      </p:sp>
+    </p:spTree>
+    <p:extLst>
+      <p:ext uri="{BB962C8B-B14F-4D97-AF65-F5344CB8AC3E}">
+        <p14:creationId xmlns:p14="http://schemas.microsoft.com/office/powerpoint/2010/main" val="391206523"/>
+      </p:ext>
+    </p:extLst>
+  </p:cSld>
+  <p:clrMapOvr>
+    <a:masterClrMapping/>
+  </p:clrMapOvr>
+</p:sld>
+</file>
+
 <file path=ppt/slides/slide2.xml><?xml version="1.0" encoding="utf-8"?>
 <p:sld xmlns:a="http://schemas.openxmlformats.org/drawingml/2006/main" xmlns:r="http://schemas.openxmlformats.org/officeDocument/2006/relationships" xmlns:p="http://schemas.openxmlformats.org/presentationml/2006/main">
   <p:cSld>
@@ -8422,48 +9019,12 @@
           <a:chExt cx="0" cy="0"/>
         </a:xfrm>
       </p:grpSpPr>
-      <p:pic>
-        <p:nvPicPr>
-          <p:cNvPr id="5" name="Picture 4" descr="A picture containing background pattern&#10;&#10;Description automatically generated">
-            <a:extLst>
-              <a:ext uri="{FF2B5EF4-FFF2-40B4-BE49-F238E27FC236}">
-                <a16:creationId xmlns:a16="http://schemas.microsoft.com/office/drawing/2014/main" id="{784C299E-8C7E-2900-BA91-FB7854EBC0F8}"/>
-              </a:ext>
-            </a:extLst>
-          </p:cNvPr>
-          <p:cNvPicPr>
-            <a:picLocks noChangeAspect="1"/>
-          </p:cNvPicPr>
-          <p:nvPr/>
-        </p:nvPicPr>
-        <p:blipFill>
-          <a:blip r:embed="rId2">
-            <a:extLst>
-              <a:ext uri="{28A0092B-C50C-407E-A947-70E740481C1C}">
-                <a14:useLocalDpi xmlns:a14="http://schemas.microsoft.com/office/drawing/2010/main" val="0"/>
-              </a:ext>
-            </a:extLst>
-          </a:blip>
-          <a:stretch>
-            <a:fillRect/>
-          </a:stretch>
-        </p:blipFill>
-        <p:spPr>
-          <a:xfrm>
-            <a:off x="0" y="0"/>
-            <a:ext cx="3598333" cy="5223933"/>
-          </a:xfrm>
-          <a:prstGeom prst="rect">
-            <a:avLst/>
-          </a:prstGeom>
-        </p:spPr>
-      </p:pic>
       <p:sp>
         <p:nvSpPr>
-          <p:cNvPr id="6" name="TextBox 5">
-            <a:extLst>
-              <a:ext uri="{FF2B5EF4-FFF2-40B4-BE49-F238E27FC236}">
-                <a16:creationId xmlns:a16="http://schemas.microsoft.com/office/drawing/2014/main" id="{05E71A4F-1EDC-8862-D3C2-A33F056DD973}"/>
+          <p:cNvPr id="4" name="TextBox 3">
+            <a:extLst>
+              <a:ext uri="{FF2B5EF4-FFF2-40B4-BE49-F238E27FC236}">
+                <a16:creationId xmlns:a16="http://schemas.microsoft.com/office/drawing/2014/main" id="{1AB9453E-4605-B8C4-0C71-3B23CE9F2773}"/>
               </a:ext>
             </a:extLst>
           </p:cNvPr>
@@ -8472,8 +9033,8 @@
         </p:nvSpPr>
         <p:spPr>
           <a:xfrm>
-            <a:off x="2408766" y="3105834"/>
-            <a:ext cx="7374467" cy="646331"/>
+            <a:off x="440456" y="143702"/>
+            <a:ext cx="9559887" cy="523220"/>
           </a:xfrm>
           <a:prstGeom prst="rect">
             <a:avLst/>
@@ -8486,40 +9047,107 @@
           </a:bodyPr>
           <a:lstStyle/>
           <a:p>
-            <a:pPr algn="ctr"/>
-            <a:r>
-              <a:rPr lang="es-ES" sz="3600" b="1" i="1" dirty="0">
-                <a:solidFill>
-                  <a:srgbClr val="002060"/>
-                </a:solidFill>
-                <a:latin typeface="Arial" panose="020B0604020202020204" pitchFamily="34" charset="0"/>
-                <a:ea typeface="+mj-ea"/>
-                <a:cs typeface="Arial" panose="020B0604020202020204" pitchFamily="34" charset="0"/>
-              </a:rPr>
-              <a:t>GRACIAS</a:t>
-            </a:r>
-            <a:r>
-              <a:rPr lang="es-ES" dirty="0"/>
-              <a:t> </a:t>
-            </a:r>
-            <a:r>
-              <a:rPr lang="es-ES" sz="3600" b="1" i="1" dirty="0">
-                <a:solidFill>
-                  <a:srgbClr val="002060"/>
-                </a:solidFill>
-                <a:latin typeface="Arial" panose="020B0604020202020204" pitchFamily="34" charset="0"/>
-                <a:ea typeface="+mj-ea"/>
-                <a:cs typeface="Arial" panose="020B0604020202020204" pitchFamily="34" charset="0"/>
-              </a:rPr>
-              <a:t>POR LA ATENCIÓN</a:t>
+            <a:r>
+              <a:rPr lang="es-ES" sz="2800" b="1" dirty="0">
+                <a:solidFill>
+                  <a:srgbClr val="002060"/>
+                </a:solidFill>
+              </a:rPr>
+              <a:t>3. INTEGRACIÓN Y SELECCIÓN</a:t>
             </a:r>
           </a:p>
         </p:txBody>
       </p:sp>
+      <p:sp>
+        <p:nvSpPr>
+          <p:cNvPr id="6" name="TextBox 5">
+            <a:extLst>
+              <a:ext uri="{FF2B5EF4-FFF2-40B4-BE49-F238E27FC236}">
+                <a16:creationId xmlns:a16="http://schemas.microsoft.com/office/drawing/2014/main" id="{1FA76770-F660-DB19-61AA-87990F00E84D}"/>
+              </a:ext>
+            </a:extLst>
+          </p:cNvPr>
+          <p:cNvSpPr txBox="1"/>
+          <p:nvPr/>
+        </p:nvSpPr>
+        <p:spPr>
+          <a:xfrm>
+            <a:off x="440456" y="1088573"/>
+            <a:ext cx="10864282" cy="464871"/>
+          </a:xfrm>
+          <a:prstGeom prst="rect">
+            <a:avLst/>
+          </a:prstGeom>
+          <a:noFill/>
+        </p:spPr>
+        <p:txBody>
+          <a:bodyPr wrap="square">
+            <a:spAutoFit/>
+          </a:bodyPr>
+          <a:lstStyle/>
+          <a:p>
+            <a:pPr algn="just">
+              <a:lnSpc>
+                <a:spcPct val="150000"/>
+              </a:lnSpc>
+            </a:pPr>
+            <a:r>
+              <a:rPr lang="es-ES" b="1" dirty="0">
+                <a:solidFill>
+                  <a:srgbClr val="002060"/>
+                </a:solidFill>
+              </a:rPr>
+              <a:t>DATOS DE VUELOS</a:t>
+            </a:r>
+            <a:endParaRPr lang="es-ES" b="1" dirty="0">
+              <a:solidFill>
+                <a:srgbClr val="002060"/>
+              </a:solidFill>
+              <a:sym typeface="Wingdings" panose="05000000000000000000" pitchFamily="2" charset="2"/>
+            </a:endParaRPr>
+          </a:p>
+        </p:txBody>
+      </p:sp>
+      <p:pic>
+        <p:nvPicPr>
+          <p:cNvPr id="5" name="Picture 4" descr="Graphical user interface, text, application, chat or text message&#10;&#10;Description automatically generated">
+            <a:extLst>
+              <a:ext uri="{FF2B5EF4-FFF2-40B4-BE49-F238E27FC236}">
+                <a16:creationId xmlns:a16="http://schemas.microsoft.com/office/drawing/2014/main" id="{6DDDD5D9-A9FE-2A79-7C5E-B7D1A464A414}"/>
+              </a:ext>
+            </a:extLst>
+          </p:cNvPr>
+          <p:cNvPicPr>
+            <a:picLocks noChangeAspect="1"/>
+          </p:cNvPicPr>
+          <p:nvPr/>
+        </p:nvPicPr>
+        <p:blipFill>
+          <a:blip r:embed="rId2">
+            <a:extLst>
+              <a:ext uri="{28A0092B-C50C-407E-A947-70E740481C1C}">
+                <a14:useLocalDpi xmlns:a14="http://schemas.microsoft.com/office/drawing/2010/main" val="0"/>
+              </a:ext>
+            </a:extLst>
+          </a:blip>
+          <a:stretch>
+            <a:fillRect/>
+          </a:stretch>
+        </p:blipFill>
+        <p:spPr>
+          <a:xfrm>
+            <a:off x="10526413" y="5892800"/>
+            <a:ext cx="1536622" cy="965200"/>
+          </a:xfrm>
+          <a:prstGeom prst="rect">
+            <a:avLst/>
+          </a:prstGeom>
+        </p:spPr>
+      </p:pic>
     </p:spTree>
     <p:extLst>
       <p:ext uri="{BB962C8B-B14F-4D97-AF65-F5344CB8AC3E}">
-        <p14:creationId xmlns:p14="http://schemas.microsoft.com/office/powerpoint/2010/main" val="391206523"/>
+        <p14:creationId xmlns:p14="http://schemas.microsoft.com/office/powerpoint/2010/main" val="2243436159"/>
       </p:ext>
     </p:extLst>
   </p:cSld>

--- a/Memoria_pres.pptx
+++ b/Memoria_pres.pptx
@@ -17,7 +17,8 @@
     <p:sldId id="284" r:id="rId11"/>
     <p:sldId id="285" r:id="rId12"/>
     <p:sldId id="286" r:id="rId13"/>
-    <p:sldId id="273" r:id="rId14"/>
+    <p:sldId id="287" r:id="rId14"/>
+    <p:sldId id="273" r:id="rId15"/>
   </p:sldIdLst>
   <p:sldSz cx="12192000" cy="6858000"/>
   <p:notesSz cx="6858000" cy="9144000"/>
@@ -133,6 +134,7 @@
             <p14:sldId id="284"/>
             <p14:sldId id="285"/>
             <p14:sldId id="286"/>
+            <p14:sldId id="287"/>
             <p14:sldId id="273"/>
           </p14:sldIdLst>
         </p14:section>
@@ -143,6 +145,8158 @@
     </p:ext>
   </p:extLst>
 </p:presentation>
+</file>
+
+<file path=ppt/revisionInfo.xml><?xml version="1.0" encoding="utf-8"?>
+<p1510:revInfo xmlns:a="http://schemas.openxmlformats.org/drawingml/2006/main" xmlns:r="http://schemas.openxmlformats.org/officeDocument/2006/relationships" xmlns:p1510="http://schemas.microsoft.com/office/powerpoint/2015/10/main">
+  <p1510:revLst>
+    <p1510:client id="{6C82D168-08F4-1543-A0CB-7D06EED6125B}" v="541" dt="2023-01-07T09:52:38.728"/>
+  </p1510:revLst>
+</p1510:revInfo>
+</file>
+
+<file path=ppt/changesInfos/changesInfo1.xml><?xml version="1.0" encoding="utf-8"?>
+<pc:chgInfo xmlns:a="http://schemas.openxmlformats.org/drawingml/2006/main" xmlns:r="http://schemas.openxmlformats.org/officeDocument/2006/relationships" xmlns:ac="http://schemas.microsoft.com/office/drawing/2013/main/command" xmlns:pc="http://schemas.microsoft.com/office/powerpoint/2013/main/command">
+  <pc:docChgLst>
+    <pc:chgData name="Gerard-Josep Alcalde Gascón" userId="9d1ed6b0-d622-4a51-bd3c-00a933bae978" providerId="ADAL" clId="{6C82D168-08F4-1543-A0CB-7D06EED6125B}"/>
+    <pc:docChg chg="custSel addSld delSld modSld modSection">
+      <pc:chgData name="Gerard-Josep Alcalde Gascón" userId="9d1ed6b0-d622-4a51-bd3c-00a933bae978" providerId="ADAL" clId="{6C82D168-08F4-1543-A0CB-7D06EED6125B}" dt="2023-01-07T09:52:38.728" v="783" actId="20577"/>
+      <pc:docMkLst>
+        <pc:docMk/>
+      </pc:docMkLst>
+      <pc:sldChg chg="addSp modSp mod">
+        <pc:chgData name="Gerard-Josep Alcalde Gascón" userId="9d1ed6b0-d622-4a51-bd3c-00a933bae978" providerId="ADAL" clId="{6C82D168-08F4-1543-A0CB-7D06EED6125B}" dt="2023-01-07T09:45:03.505" v="236" actId="1076"/>
+        <pc:sldMkLst>
+          <pc:docMk/>
+          <pc:sldMk cId="2243436159" sldId="283"/>
+        </pc:sldMkLst>
+        <pc:spChg chg="mod">
+          <ac:chgData name="Gerard-Josep Alcalde Gascón" userId="9d1ed6b0-d622-4a51-bd3c-00a933bae978" providerId="ADAL" clId="{6C82D168-08F4-1543-A0CB-7D06EED6125B}" dt="2023-01-07T09:42:07.746" v="27" actId="20577"/>
+          <ac:spMkLst>
+            <pc:docMk/>
+            <pc:sldMk cId="2243436159" sldId="283"/>
+            <ac:spMk id="4" creationId="{1AB9453E-4605-B8C4-0C71-3B23CE9F2773}"/>
+          </ac:spMkLst>
+        </pc:spChg>
+        <pc:spChg chg="mod">
+          <ac:chgData name="Gerard-Josep Alcalde Gascón" userId="9d1ed6b0-d622-4a51-bd3c-00a933bae978" providerId="ADAL" clId="{6C82D168-08F4-1543-A0CB-7D06EED6125B}" dt="2023-01-07T09:44:54.091" v="234" actId="20577"/>
+          <ac:spMkLst>
+            <pc:docMk/>
+            <pc:sldMk cId="2243436159" sldId="283"/>
+            <ac:spMk id="6" creationId="{1FA76770-F660-DB19-61AA-87990F00E84D}"/>
+          </ac:spMkLst>
+        </pc:spChg>
+        <pc:graphicFrameChg chg="add mod modGraphic">
+          <ac:chgData name="Gerard-Josep Alcalde Gascón" userId="9d1ed6b0-d622-4a51-bd3c-00a933bae978" providerId="ADAL" clId="{6C82D168-08F4-1543-A0CB-7D06EED6125B}" dt="2023-01-07T09:45:03.505" v="236" actId="1076"/>
+          <ac:graphicFrameMkLst>
+            <pc:docMk/>
+            <pc:sldMk cId="2243436159" sldId="283"/>
+            <ac:graphicFrameMk id="2" creationId="{C8870AA1-3359-6A7B-7C32-103A42AA987C}"/>
+          </ac:graphicFrameMkLst>
+        </pc:graphicFrameChg>
+      </pc:sldChg>
+      <pc:sldChg chg="modSp mod">
+        <pc:chgData name="Gerard-Josep Alcalde Gascón" userId="9d1ed6b0-d622-4a51-bd3c-00a933bae978" providerId="ADAL" clId="{6C82D168-08F4-1543-A0CB-7D06EED6125B}" dt="2023-01-07T09:45:36.758" v="274" actId="20577"/>
+        <pc:sldMkLst>
+          <pc:docMk/>
+          <pc:sldMk cId="2272010027" sldId="284"/>
+        </pc:sldMkLst>
+        <pc:spChg chg="mod">
+          <ac:chgData name="Gerard-Josep Alcalde Gascón" userId="9d1ed6b0-d622-4a51-bd3c-00a933bae978" providerId="ADAL" clId="{6C82D168-08F4-1543-A0CB-7D06EED6125B}" dt="2023-01-07T09:45:19.387" v="237"/>
+          <ac:spMkLst>
+            <pc:docMk/>
+            <pc:sldMk cId="2272010027" sldId="284"/>
+            <ac:spMk id="4" creationId="{1AB9453E-4605-B8C4-0C71-3B23CE9F2773}"/>
+          </ac:spMkLst>
+        </pc:spChg>
+        <pc:spChg chg="mod">
+          <ac:chgData name="Gerard-Josep Alcalde Gascón" userId="9d1ed6b0-d622-4a51-bd3c-00a933bae978" providerId="ADAL" clId="{6C82D168-08F4-1543-A0CB-7D06EED6125B}" dt="2023-01-07T09:45:36.758" v="274" actId="20577"/>
+          <ac:spMkLst>
+            <pc:docMk/>
+            <pc:sldMk cId="2272010027" sldId="284"/>
+            <ac:spMk id="6" creationId="{1FA76770-F660-DB19-61AA-87990F00E84D}"/>
+          </ac:spMkLst>
+        </pc:spChg>
+      </pc:sldChg>
+      <pc:sldChg chg="del">
+        <pc:chgData name="Gerard-Josep Alcalde Gascón" userId="9d1ed6b0-d622-4a51-bd3c-00a933bae978" providerId="ADAL" clId="{6C82D168-08F4-1543-A0CB-7D06EED6125B}" dt="2023-01-07T09:45:40.596" v="275" actId="2696"/>
+        <pc:sldMkLst>
+          <pc:docMk/>
+          <pc:sldMk cId="580590971" sldId="285"/>
+        </pc:sldMkLst>
+      </pc:sldChg>
+      <pc:sldChg chg="modSp add mod">
+        <pc:chgData name="Gerard-Josep Alcalde Gascón" userId="9d1ed6b0-d622-4a51-bd3c-00a933bae978" providerId="ADAL" clId="{6C82D168-08F4-1543-A0CB-7D06EED6125B}" dt="2023-01-07T09:46:05.927" v="364" actId="20577"/>
+        <pc:sldMkLst>
+          <pc:docMk/>
+          <pc:sldMk cId="1116935007" sldId="285"/>
+        </pc:sldMkLst>
+        <pc:spChg chg="mod">
+          <ac:chgData name="Gerard-Josep Alcalde Gascón" userId="9d1ed6b0-d622-4a51-bd3c-00a933bae978" providerId="ADAL" clId="{6C82D168-08F4-1543-A0CB-7D06EED6125B}" dt="2023-01-07T09:46:05.927" v="364" actId="20577"/>
+          <ac:spMkLst>
+            <pc:docMk/>
+            <pc:sldMk cId="1116935007" sldId="285"/>
+            <ac:spMk id="6" creationId="{1FA76770-F660-DB19-61AA-87990F00E84D}"/>
+          </ac:spMkLst>
+        </pc:spChg>
+      </pc:sldChg>
+      <pc:sldChg chg="modSp add mod">
+        <pc:chgData name="Gerard-Josep Alcalde Gascón" userId="9d1ed6b0-d622-4a51-bd3c-00a933bae978" providerId="ADAL" clId="{6C82D168-08F4-1543-A0CB-7D06EED6125B}" dt="2023-01-07T09:46:14.509" v="389" actId="20577"/>
+        <pc:sldMkLst>
+          <pc:docMk/>
+          <pc:sldMk cId="1661860490" sldId="286"/>
+        </pc:sldMkLst>
+        <pc:spChg chg="mod">
+          <ac:chgData name="Gerard-Josep Alcalde Gascón" userId="9d1ed6b0-d622-4a51-bd3c-00a933bae978" providerId="ADAL" clId="{6C82D168-08F4-1543-A0CB-7D06EED6125B}" dt="2023-01-07T09:46:14.509" v="389" actId="20577"/>
+          <ac:spMkLst>
+            <pc:docMk/>
+            <pc:sldMk cId="1661860490" sldId="286"/>
+            <ac:spMk id="6" creationId="{1FA76770-F660-DB19-61AA-87990F00E84D}"/>
+          </ac:spMkLst>
+        </pc:spChg>
+      </pc:sldChg>
+      <pc:sldChg chg="del">
+        <pc:chgData name="Gerard-Josep Alcalde Gascón" userId="9d1ed6b0-d622-4a51-bd3c-00a933bae978" providerId="ADAL" clId="{6C82D168-08F4-1543-A0CB-7D06EED6125B}" dt="2023-01-07T09:45:41.737" v="276" actId="2696"/>
+        <pc:sldMkLst>
+          <pc:docMk/>
+          <pc:sldMk cId="3683916807" sldId="286"/>
+        </pc:sldMkLst>
+      </pc:sldChg>
+      <pc:sldChg chg="addSp delSp modSp add mod">
+        <pc:chgData name="Gerard-Josep Alcalde Gascón" userId="9d1ed6b0-d622-4a51-bd3c-00a933bae978" providerId="ADAL" clId="{6C82D168-08F4-1543-A0CB-7D06EED6125B}" dt="2023-01-07T09:52:38.728" v="783" actId="20577"/>
+        <pc:sldMkLst>
+          <pc:docMk/>
+          <pc:sldMk cId="3057827915" sldId="287"/>
+        </pc:sldMkLst>
+        <pc:spChg chg="mod">
+          <ac:chgData name="Gerard-Josep Alcalde Gascón" userId="9d1ed6b0-d622-4a51-bd3c-00a933bae978" providerId="ADAL" clId="{6C82D168-08F4-1543-A0CB-7D06EED6125B}" dt="2023-01-07T09:46:24.974" v="416" actId="20577"/>
+          <ac:spMkLst>
+            <pc:docMk/>
+            <pc:sldMk cId="3057827915" sldId="287"/>
+            <ac:spMk id="6" creationId="{1FA76770-F660-DB19-61AA-87990F00E84D}"/>
+          </ac:spMkLst>
+        </pc:spChg>
+        <pc:spChg chg="add del mod">
+          <ac:chgData name="Gerard-Josep Alcalde Gascón" userId="9d1ed6b0-d622-4a51-bd3c-00a933bae978" providerId="ADAL" clId="{6C82D168-08F4-1543-A0CB-7D06EED6125B}" dt="2023-01-07T09:51:10.627" v="688" actId="478"/>
+          <ac:spMkLst>
+            <pc:docMk/>
+            <pc:sldMk cId="3057827915" sldId="287"/>
+            <ac:spMk id="7" creationId="{75256A7A-C1F6-782E-AB02-5961FE895336}"/>
+          </ac:spMkLst>
+        </pc:spChg>
+        <pc:spChg chg="add del mod">
+          <ac:chgData name="Gerard-Josep Alcalde Gascón" userId="9d1ed6b0-d622-4a51-bd3c-00a933bae978" providerId="ADAL" clId="{6C82D168-08F4-1543-A0CB-7D06EED6125B}" dt="2023-01-07T09:52:15.677" v="770" actId="478"/>
+          <ac:spMkLst>
+            <pc:docMk/>
+            <pc:sldMk cId="3057827915" sldId="287"/>
+            <ac:spMk id="9" creationId="{D92DA6F7-D4A6-1A3A-C4F2-910AD3B9B39A}"/>
+          </ac:spMkLst>
+        </pc:spChg>
+        <pc:graphicFrameChg chg="add mod modGraphic">
+          <ac:chgData name="Gerard-Josep Alcalde Gascón" userId="9d1ed6b0-d622-4a51-bd3c-00a933bae978" providerId="ADAL" clId="{6C82D168-08F4-1543-A0CB-7D06EED6125B}" dt="2023-01-07T09:52:38.728" v="783" actId="20577"/>
+          <ac:graphicFrameMkLst>
+            <pc:docMk/>
+            <pc:sldMk cId="3057827915" sldId="287"/>
+            <ac:graphicFrameMk id="2" creationId="{2E4C0C41-A806-3D8F-CA48-3AE5CFF80721}"/>
+          </ac:graphicFrameMkLst>
+        </pc:graphicFrameChg>
+      </pc:sldChg>
+    </pc:docChg>
+  </pc:docChgLst>
+</pc:chgInfo>
+</file>
+
+<file path=ppt/diagrams/colors1.xml><?xml version="1.0" encoding="utf-8"?>
+<dgm:colorsDef xmlns:dgm="http://schemas.openxmlformats.org/drawingml/2006/diagram" xmlns:a="http://schemas.openxmlformats.org/drawingml/2006/main" uniqueId="urn:microsoft.com/office/officeart/2005/8/colors/colorful1">
+  <dgm:title val=""/>
+  <dgm:desc val=""/>
+  <dgm:catLst>
+    <dgm:cat type="colorful" pri="10100"/>
+  </dgm:catLst>
+  <dgm:styleLbl name="node0">
+    <dgm:fillClrLst meth="repeat">
+      <a:schemeClr val="accent1"/>
+    </dgm:fillClrLst>
+    <dgm:linClrLst meth="repeat">
+      <a:schemeClr val="lt1"/>
+    </dgm:linClrLst>
+    <dgm:effectClrLst/>
+    <dgm:txLinClrLst/>
+    <dgm:txFillClrLst/>
+    <dgm:txEffectClrLst/>
+  </dgm:styleLbl>
+  <dgm:styleLbl name="node1">
+    <dgm:fillClrLst meth="repeat">
+      <a:schemeClr val="accent2"/>
+      <a:schemeClr val="accent3"/>
+      <a:schemeClr val="accent4"/>
+      <a:schemeClr val="accent5"/>
+      <a:schemeClr val="accent6"/>
+    </dgm:fillClrLst>
+    <dgm:linClrLst meth="repeat">
+      <a:schemeClr val="lt1"/>
+    </dgm:linClrLst>
+    <dgm:effectClrLst/>
+    <dgm:txLinClrLst/>
+    <dgm:txFillClrLst/>
+    <dgm:txEffectClrLst/>
+  </dgm:styleLbl>
+  <dgm:styleLbl name="alignNode1">
+    <dgm:fillClrLst meth="repeat">
+      <a:schemeClr val="accent2"/>
+      <a:schemeClr val="accent3"/>
+      <a:schemeClr val="accent4"/>
+      <a:schemeClr val="accent5"/>
+      <a:schemeClr val="accent6"/>
+    </dgm:fillClrLst>
+    <dgm:linClrLst meth="repeat">
+      <a:schemeClr val="accent2"/>
+      <a:schemeClr val="accent3"/>
+      <a:schemeClr val="accent4"/>
+      <a:schemeClr val="accent5"/>
+      <a:schemeClr val="accent6"/>
+    </dgm:linClrLst>
+    <dgm:effectClrLst/>
+    <dgm:txLinClrLst/>
+    <dgm:txFillClrLst/>
+    <dgm:txEffectClrLst/>
+  </dgm:styleLbl>
+  <dgm:styleLbl name="lnNode1">
+    <dgm:fillClrLst meth="repeat">
+      <a:schemeClr val="accent2"/>
+      <a:schemeClr val="accent3"/>
+      <a:schemeClr val="accent4"/>
+      <a:schemeClr val="accent5"/>
+      <a:schemeClr val="accent6"/>
+    </dgm:fillClrLst>
+    <dgm:linClrLst meth="repeat">
+      <a:schemeClr val="lt1"/>
+    </dgm:linClrLst>
+    <dgm:effectClrLst/>
+    <dgm:txLinClrLst/>
+    <dgm:txFillClrLst/>
+    <dgm:txEffectClrLst/>
+  </dgm:styleLbl>
+  <dgm:styleLbl name="vennNode1">
+    <dgm:fillClrLst meth="repeat">
+      <a:schemeClr val="accent2">
+        <a:alpha val="50000"/>
+      </a:schemeClr>
+      <a:schemeClr val="accent3">
+        <a:alpha val="50000"/>
+      </a:schemeClr>
+      <a:schemeClr val="accent4">
+        <a:alpha val="50000"/>
+      </a:schemeClr>
+      <a:schemeClr val="accent5">
+        <a:alpha val="50000"/>
+      </a:schemeClr>
+      <a:schemeClr val="accent6">
+        <a:alpha val="50000"/>
+      </a:schemeClr>
+    </dgm:fillClrLst>
+    <dgm:linClrLst meth="repeat">
+      <a:schemeClr val="lt1"/>
+    </dgm:linClrLst>
+    <dgm:effectClrLst/>
+    <dgm:txLinClrLst/>
+    <dgm:txFillClrLst/>
+    <dgm:txEffectClrLst/>
+  </dgm:styleLbl>
+  <dgm:styleLbl name="node2">
+    <dgm:fillClrLst>
+      <a:schemeClr val="accent2"/>
+    </dgm:fillClrLst>
+    <dgm:linClrLst meth="repeat">
+      <a:schemeClr val="lt1"/>
+    </dgm:linClrLst>
+    <dgm:effectClrLst/>
+    <dgm:txLinClrLst/>
+    <dgm:txFillClrLst/>
+    <dgm:txEffectClrLst/>
+  </dgm:styleLbl>
+  <dgm:styleLbl name="node3">
+    <dgm:fillClrLst>
+      <a:schemeClr val="accent3"/>
+    </dgm:fillClrLst>
+    <dgm:linClrLst meth="repeat">
+      <a:schemeClr val="lt1"/>
+    </dgm:linClrLst>
+    <dgm:effectClrLst/>
+    <dgm:txLinClrLst/>
+    <dgm:txFillClrLst/>
+    <dgm:txEffectClrLst/>
+  </dgm:styleLbl>
+  <dgm:styleLbl name="node4">
+    <dgm:fillClrLst>
+      <a:schemeClr val="accent4"/>
+    </dgm:fillClrLst>
+    <dgm:linClrLst meth="repeat">
+      <a:schemeClr val="lt1"/>
+    </dgm:linClrLst>
+    <dgm:effectClrLst/>
+    <dgm:txLinClrLst/>
+    <dgm:txFillClrLst/>
+    <dgm:txEffectClrLst/>
+  </dgm:styleLbl>
+  <dgm:styleLbl name="fgImgPlace1">
+    <dgm:fillClrLst meth="repeat">
+      <a:schemeClr val="accent2">
+        <a:tint val="50000"/>
+      </a:schemeClr>
+      <a:schemeClr val="accent3">
+        <a:tint val="50000"/>
+      </a:schemeClr>
+      <a:schemeClr val="accent4">
+        <a:tint val="50000"/>
+      </a:schemeClr>
+      <a:schemeClr val="accent5">
+        <a:tint val="50000"/>
+      </a:schemeClr>
+      <a:schemeClr val="accent6">
+        <a:tint val="50000"/>
+      </a:schemeClr>
+    </dgm:fillClrLst>
+    <dgm:linClrLst meth="repeat">
+      <a:schemeClr val="lt1"/>
+    </dgm:linClrLst>
+    <dgm:effectClrLst/>
+    <dgm:txLinClrLst/>
+    <dgm:txFillClrLst meth="repeat">
+      <a:schemeClr val="lt1"/>
+    </dgm:txFillClrLst>
+    <dgm:txEffectClrLst/>
+  </dgm:styleLbl>
+  <dgm:styleLbl name="alignImgPlace1">
+    <dgm:fillClrLst>
+      <a:schemeClr val="accent1">
+        <a:tint val="50000"/>
+      </a:schemeClr>
+      <a:schemeClr val="accent2">
+        <a:tint val="20000"/>
+      </a:schemeClr>
+    </dgm:fillClrLst>
+    <dgm:linClrLst meth="repeat">
+      <a:schemeClr val="lt1"/>
+    </dgm:linClrLst>
+    <dgm:effectClrLst/>
+    <dgm:txLinClrLst/>
+    <dgm:txFillClrLst meth="repeat">
+      <a:schemeClr val="lt1"/>
+    </dgm:txFillClrLst>
+    <dgm:txEffectClrLst/>
+  </dgm:styleLbl>
+  <dgm:styleLbl name="bgImgPlace1">
+    <dgm:fillClrLst>
+      <a:schemeClr val="accent1">
+        <a:tint val="50000"/>
+      </a:schemeClr>
+      <a:schemeClr val="accent2">
+        <a:tint val="20000"/>
+      </a:schemeClr>
+    </dgm:fillClrLst>
+    <dgm:linClrLst meth="repeat">
+      <a:schemeClr val="lt1"/>
+    </dgm:linClrLst>
+    <dgm:effectClrLst/>
+    <dgm:txLinClrLst/>
+    <dgm:txFillClrLst meth="repeat">
+      <a:schemeClr val="lt1"/>
+    </dgm:txFillClrLst>
+    <dgm:txEffectClrLst/>
+  </dgm:styleLbl>
+  <dgm:styleLbl name="sibTrans2D1">
+    <dgm:fillClrLst meth="repeat">
+      <a:schemeClr val="accent2"/>
+      <a:schemeClr val="accent3"/>
+      <a:schemeClr val="accent4"/>
+      <a:schemeClr val="accent5"/>
+      <a:schemeClr val="accent6"/>
+    </dgm:fillClrLst>
+    <dgm:linClrLst meth="cycle">
+      <a:schemeClr val="lt1"/>
+    </dgm:linClrLst>
+    <dgm:effectClrLst/>
+    <dgm:txLinClrLst/>
+    <dgm:txFillClrLst/>
+    <dgm:txEffectClrLst/>
+  </dgm:styleLbl>
+  <dgm:styleLbl name="fgSibTrans2D1">
+    <dgm:fillClrLst meth="repeat">
+      <a:schemeClr val="accent2"/>
+      <a:schemeClr val="accent3"/>
+      <a:schemeClr val="accent4"/>
+      <a:schemeClr val="accent5"/>
+      <a:schemeClr val="accent6"/>
+    </dgm:fillClrLst>
+    <dgm:linClrLst meth="cycle">
+      <a:schemeClr val="lt1"/>
+    </dgm:linClrLst>
+    <dgm:effectClrLst/>
+    <dgm:txLinClrLst/>
+    <dgm:txFillClrLst meth="repeat">
+      <a:schemeClr val="lt1"/>
+    </dgm:txFillClrLst>
+    <dgm:txEffectClrLst/>
+  </dgm:styleLbl>
+  <dgm:styleLbl name="bgSibTrans2D1">
+    <dgm:fillClrLst meth="repeat">
+      <a:schemeClr val="accent2"/>
+      <a:schemeClr val="accent3"/>
+      <a:schemeClr val="accent4"/>
+      <a:schemeClr val="accent5"/>
+      <a:schemeClr val="accent6"/>
+    </dgm:fillClrLst>
+    <dgm:linClrLst meth="cycle">
+      <a:schemeClr val="lt1"/>
+    </dgm:linClrLst>
+    <dgm:effectClrLst/>
+    <dgm:txLinClrLst/>
+    <dgm:txFillClrLst meth="repeat">
+      <a:schemeClr val="lt1"/>
+    </dgm:txFillClrLst>
+    <dgm:txEffectClrLst/>
+  </dgm:styleLbl>
+  <dgm:styleLbl name="sibTrans1D1">
+    <dgm:fillClrLst meth="repeat">
+      <a:schemeClr val="accent2"/>
+      <a:schemeClr val="accent3"/>
+      <a:schemeClr val="accent4"/>
+      <a:schemeClr val="accent5"/>
+      <a:schemeClr val="accent6"/>
+    </dgm:fillClrLst>
+    <dgm:linClrLst meth="repeat">
+      <a:schemeClr val="accent2"/>
+      <a:schemeClr val="accent3"/>
+      <a:schemeClr val="accent4"/>
+      <a:schemeClr val="accent5"/>
+      <a:schemeClr val="accent6"/>
+    </dgm:linClrLst>
+    <dgm:effectClrLst/>
+    <dgm:txLinClrLst/>
+    <dgm:txFillClrLst meth="repeat">
+      <a:schemeClr val="tx1"/>
+    </dgm:txFillClrLst>
+    <dgm:txEffectClrLst/>
+  </dgm:styleLbl>
+  <dgm:styleLbl name="callout">
+    <dgm:fillClrLst meth="repeat">
+      <a:schemeClr val="accent2"/>
+    </dgm:fillClrLst>
+    <dgm:linClrLst meth="repeat">
+      <a:schemeClr val="accent2">
+        <a:tint val="50000"/>
+      </a:schemeClr>
+    </dgm:linClrLst>
+    <dgm:effectClrLst/>
+    <dgm:txLinClrLst/>
+    <dgm:txFillClrLst meth="repeat">
+      <a:schemeClr val="tx1"/>
+    </dgm:txFillClrLst>
+    <dgm:txEffectClrLst/>
+  </dgm:styleLbl>
+  <dgm:styleLbl name="asst0">
+    <dgm:fillClrLst meth="repeat">
+      <a:schemeClr val="accent1"/>
+    </dgm:fillClrLst>
+    <dgm:linClrLst meth="repeat">
+      <a:schemeClr val="lt1"/>
+    </dgm:linClrLst>
+    <dgm:effectClrLst/>
+    <dgm:txLinClrLst/>
+    <dgm:txFillClrLst/>
+    <dgm:txEffectClrLst/>
+  </dgm:styleLbl>
+  <dgm:styleLbl name="asst1">
+    <dgm:fillClrLst meth="repeat">
+      <a:schemeClr val="accent2"/>
+    </dgm:fillClrLst>
+    <dgm:linClrLst meth="repeat">
+      <a:schemeClr val="lt1"/>
+    </dgm:linClrLst>
+    <dgm:effectClrLst/>
+    <dgm:txLinClrLst/>
+    <dgm:txFillClrLst/>
+    <dgm:txEffectClrLst/>
+  </dgm:styleLbl>
+  <dgm:styleLbl name="asst2">
+    <dgm:fillClrLst>
+      <a:schemeClr val="accent3"/>
+    </dgm:fillClrLst>
+    <dgm:linClrLst meth="repeat">
+      <a:schemeClr val="lt1"/>
+    </dgm:linClrLst>
+    <dgm:effectClrLst/>
+    <dgm:txLinClrLst/>
+    <dgm:txFillClrLst/>
+    <dgm:txEffectClrLst/>
+  </dgm:styleLbl>
+  <dgm:styleLbl name="asst3">
+    <dgm:fillClrLst>
+      <a:schemeClr val="accent4"/>
+    </dgm:fillClrLst>
+    <dgm:linClrLst meth="repeat">
+      <a:schemeClr val="lt1"/>
+    </dgm:linClrLst>
+    <dgm:effectClrLst/>
+    <dgm:txLinClrLst/>
+    <dgm:txFillClrLst/>
+    <dgm:txEffectClrLst/>
+  </dgm:styleLbl>
+  <dgm:styleLbl name="asst4">
+    <dgm:fillClrLst>
+      <a:schemeClr val="accent5"/>
+    </dgm:fillClrLst>
+    <dgm:linClrLst meth="repeat">
+      <a:schemeClr val="lt1"/>
+    </dgm:linClrLst>
+    <dgm:effectClrLst/>
+    <dgm:txLinClrLst/>
+    <dgm:txFillClrLst/>
+    <dgm:txEffectClrLst/>
+  </dgm:styleLbl>
+  <dgm:styleLbl name="parChTrans2D1">
+    <dgm:fillClrLst meth="repeat">
+      <a:schemeClr val="accent2"/>
+    </dgm:fillClrLst>
+    <dgm:linClrLst meth="repeat">
+      <a:schemeClr val="lt1"/>
+    </dgm:linClrLst>
+    <dgm:effectClrLst/>
+    <dgm:txLinClrLst/>
+    <dgm:txFillClrLst meth="repeat">
+      <a:schemeClr val="lt1"/>
+    </dgm:txFillClrLst>
+    <dgm:txEffectClrLst/>
+  </dgm:styleLbl>
+  <dgm:styleLbl name="parChTrans2D2">
+    <dgm:fillClrLst meth="repeat">
+      <a:schemeClr val="accent3"/>
+    </dgm:fillClrLst>
+    <dgm:linClrLst meth="repeat">
+      <a:schemeClr val="lt1"/>
+    </dgm:linClrLst>
+    <dgm:effectClrLst/>
+    <dgm:txLinClrLst/>
+    <dgm:txFillClrLst/>
+    <dgm:txEffectClrLst/>
+  </dgm:styleLbl>
+  <dgm:styleLbl name="parChTrans2D3">
+    <dgm:fillClrLst meth="repeat">
+      <a:schemeClr val="accent4"/>
+    </dgm:fillClrLst>
+    <dgm:linClrLst meth="repeat">
+      <a:schemeClr val="lt1"/>
+    </dgm:linClrLst>
+    <dgm:effectClrLst/>
+    <dgm:txLinClrLst/>
+    <dgm:txFillClrLst/>
+    <dgm:txEffectClrLst/>
+  </dgm:styleLbl>
+  <dgm:styleLbl name="parChTrans2D4">
+    <dgm:fillClrLst meth="repeat">
+      <a:schemeClr val="accent5"/>
+    </dgm:fillClrLst>
+    <dgm:linClrLst meth="repeat">
+      <a:schemeClr val="lt1"/>
+    </dgm:linClrLst>
+    <dgm:effectClrLst/>
+    <dgm:txLinClrLst/>
+    <dgm:txFillClrLst meth="repeat">
+      <a:schemeClr val="lt1"/>
+    </dgm:txFillClrLst>
+    <dgm:txEffectClrLst/>
+  </dgm:styleLbl>
+  <dgm:styleLbl name="parChTrans1D1">
+    <dgm:fillClrLst meth="repeat">
+      <a:schemeClr val="accent2"/>
+    </dgm:fillClrLst>
+    <dgm:linClrLst meth="repeat">
+      <a:schemeClr val="accent1"/>
+    </dgm:linClrLst>
+    <dgm:effectClrLst/>
+    <dgm:txLinClrLst/>
+    <dgm:txFillClrLst meth="repeat">
+      <a:schemeClr val="tx1"/>
+    </dgm:txFillClrLst>
+    <dgm:txEffectClrLst/>
+  </dgm:styleLbl>
+  <dgm:styleLbl name="parChTrans1D2">
+    <dgm:fillClrLst meth="repeat">
+      <a:schemeClr val="accent3">
+        <a:tint val="90000"/>
+      </a:schemeClr>
+    </dgm:fillClrLst>
+    <dgm:linClrLst meth="repeat">
+      <a:schemeClr val="accent2"/>
+    </dgm:linClrLst>
+    <dgm:effectClrLst/>
+    <dgm:txLinClrLst/>
+    <dgm:txFillClrLst meth="repeat">
+      <a:schemeClr val="tx1"/>
+    </dgm:txFillClrLst>
+    <dgm:txEffectClrLst/>
+  </dgm:styleLbl>
+  <dgm:styleLbl name="parChTrans1D3">
+    <dgm:fillClrLst meth="repeat">
+      <a:schemeClr val="accent4">
+        <a:tint val="70000"/>
+      </a:schemeClr>
+    </dgm:fillClrLst>
+    <dgm:linClrLst meth="repeat">
+      <a:schemeClr val="accent3"/>
+    </dgm:linClrLst>
+    <dgm:effectClrLst/>
+    <dgm:txLinClrLst/>
+    <dgm:txFillClrLst meth="repeat">
+      <a:schemeClr val="tx1"/>
+    </dgm:txFillClrLst>
+    <dgm:txEffectClrLst/>
+  </dgm:styleLbl>
+  <dgm:styleLbl name="parChTrans1D4">
+    <dgm:fillClrLst meth="repeat">
+      <a:schemeClr val="accent5">
+        <a:tint val="50000"/>
+      </a:schemeClr>
+    </dgm:fillClrLst>
+    <dgm:linClrLst meth="repeat">
+      <a:schemeClr val="accent4"/>
+    </dgm:linClrLst>
+    <dgm:effectClrLst/>
+    <dgm:txLinClrLst/>
+    <dgm:txFillClrLst meth="repeat">
+      <a:schemeClr val="tx1"/>
+    </dgm:txFillClrLst>
+    <dgm:txEffectClrLst/>
+  </dgm:styleLbl>
+  <dgm:styleLbl name="fgAcc1">
+    <dgm:fillClrLst meth="repeat">
+      <a:schemeClr val="lt1">
+        <a:alpha val="90000"/>
+      </a:schemeClr>
+    </dgm:fillClrLst>
+    <dgm:linClrLst meth="repeat">
+      <a:schemeClr val="accent2"/>
+      <a:schemeClr val="accent3"/>
+      <a:schemeClr val="accent4"/>
+      <a:schemeClr val="accent5"/>
+      <a:schemeClr val="accent6"/>
+    </dgm:linClrLst>
+    <dgm:effectClrLst/>
+    <dgm:txLinClrLst/>
+    <dgm:txFillClrLst meth="repeat">
+      <a:schemeClr val="dk1"/>
+    </dgm:txFillClrLst>
+    <dgm:txEffectClrLst/>
+  </dgm:styleLbl>
+  <dgm:styleLbl name="conFgAcc1">
+    <dgm:fillClrLst meth="repeat">
+      <a:schemeClr val="lt1">
+        <a:alpha val="90000"/>
+      </a:schemeClr>
+    </dgm:fillClrLst>
+    <dgm:linClrLst meth="repeat">
+      <a:schemeClr val="accent2"/>
+      <a:schemeClr val="accent3"/>
+      <a:schemeClr val="accent4"/>
+      <a:schemeClr val="accent5"/>
+      <a:schemeClr val="accent6"/>
+    </dgm:linClrLst>
+    <dgm:effectClrLst/>
+    <dgm:txLinClrLst/>
+    <dgm:txFillClrLst meth="repeat">
+      <a:schemeClr val="dk1"/>
+    </dgm:txFillClrLst>
+    <dgm:txEffectClrLst/>
+  </dgm:styleLbl>
+  <dgm:styleLbl name="alignAcc1">
+    <dgm:fillClrLst meth="repeat">
+      <a:schemeClr val="lt1">
+        <a:alpha val="90000"/>
+      </a:schemeClr>
+    </dgm:fillClrLst>
+    <dgm:linClrLst meth="repeat">
+      <a:schemeClr val="accent2"/>
+      <a:schemeClr val="accent3"/>
+      <a:schemeClr val="accent4"/>
+      <a:schemeClr val="accent5"/>
+      <a:schemeClr val="accent6"/>
+    </dgm:linClrLst>
+    <dgm:effectClrLst/>
+    <dgm:txLinClrLst/>
+    <dgm:txFillClrLst meth="repeat">
+      <a:schemeClr val="dk1"/>
+    </dgm:txFillClrLst>
+    <dgm:txEffectClrLst/>
+  </dgm:styleLbl>
+  <dgm:styleLbl name="trAlignAcc1">
+    <dgm:fillClrLst meth="repeat">
+      <a:schemeClr val="lt1">
+        <a:alpha val="40000"/>
+      </a:schemeClr>
+    </dgm:fillClrLst>
+    <dgm:linClrLst meth="repeat">
+      <a:schemeClr val="accent1"/>
+    </dgm:linClrLst>
+    <dgm:effectClrLst/>
+    <dgm:txLinClrLst/>
+    <dgm:txFillClrLst meth="repeat">
+      <a:schemeClr val="dk1"/>
+    </dgm:txFillClrLst>
+    <dgm:txEffectClrLst/>
+  </dgm:styleLbl>
+  <dgm:styleLbl name="bgAcc1">
+    <dgm:fillClrLst meth="repeat">
+      <a:schemeClr val="lt1">
+        <a:alpha val="90000"/>
+      </a:schemeClr>
+    </dgm:fillClrLst>
+    <dgm:linClrLst meth="repeat">
+      <a:schemeClr val="accent2"/>
+      <a:schemeClr val="accent3"/>
+      <a:schemeClr val="accent4"/>
+      <a:schemeClr val="accent5"/>
+      <a:schemeClr val="accent6"/>
+    </dgm:linClrLst>
+    <dgm:effectClrLst/>
+    <dgm:txLinClrLst/>
+    <dgm:txFillClrLst meth="repeat">
+      <a:schemeClr val="dk1"/>
+    </dgm:txFillClrLst>
+    <dgm:txEffectClrLst/>
+  </dgm:styleLbl>
+  <dgm:styleLbl name="solidFgAcc1">
+    <dgm:fillClrLst meth="repeat">
+      <a:schemeClr val="lt1"/>
+    </dgm:fillClrLst>
+    <dgm:linClrLst meth="repeat">
+      <a:schemeClr val="accent2"/>
+      <a:schemeClr val="accent3"/>
+      <a:schemeClr val="accent4"/>
+      <a:schemeClr val="accent5"/>
+      <a:schemeClr val="accent6"/>
+    </dgm:linClrLst>
+    <dgm:effectClrLst/>
+    <dgm:txLinClrLst/>
+    <dgm:txFillClrLst meth="repeat">
+      <a:schemeClr val="dk1"/>
+    </dgm:txFillClrLst>
+    <dgm:txEffectClrLst/>
+  </dgm:styleLbl>
+  <dgm:styleLbl name="solidAlignAcc1">
+    <dgm:fillClrLst meth="repeat">
+      <a:schemeClr val="lt1"/>
+    </dgm:fillClrLst>
+    <dgm:linClrLst meth="repeat">
+      <a:schemeClr val="accent2"/>
+      <a:schemeClr val="accent3"/>
+      <a:schemeClr val="accent4"/>
+      <a:schemeClr val="accent5"/>
+      <a:schemeClr val="accent6"/>
+    </dgm:linClrLst>
+    <dgm:effectClrLst/>
+    <dgm:txLinClrLst/>
+    <dgm:txFillClrLst meth="repeat">
+      <a:schemeClr val="dk1"/>
+    </dgm:txFillClrLst>
+    <dgm:txEffectClrLst/>
+  </dgm:styleLbl>
+  <dgm:styleLbl name="solidBgAcc1">
+    <dgm:fillClrLst meth="repeat">
+      <a:schemeClr val="lt1"/>
+    </dgm:fillClrLst>
+    <dgm:linClrLst meth="repeat">
+      <a:schemeClr val="accent2"/>
+      <a:schemeClr val="accent3"/>
+      <a:schemeClr val="accent4"/>
+      <a:schemeClr val="accent5"/>
+      <a:schemeClr val="accent6"/>
+    </dgm:linClrLst>
+    <dgm:effectClrLst/>
+    <dgm:txLinClrLst/>
+    <dgm:txFillClrLst meth="repeat">
+      <a:schemeClr val="dk1"/>
+    </dgm:txFillClrLst>
+    <dgm:txEffectClrLst/>
+  </dgm:styleLbl>
+  <dgm:styleLbl name="fgAccFollowNode1">
+    <dgm:fillClrLst meth="repeat">
+      <a:schemeClr val="accent2">
+        <a:tint val="40000"/>
+        <a:alpha val="90000"/>
+      </a:schemeClr>
+      <a:schemeClr val="accent3">
+        <a:tint val="40000"/>
+        <a:alpha val="90000"/>
+      </a:schemeClr>
+      <a:schemeClr val="accent4">
+        <a:tint val="40000"/>
+        <a:alpha val="90000"/>
+      </a:schemeClr>
+      <a:schemeClr val="accent5">
+        <a:tint val="40000"/>
+        <a:alpha val="90000"/>
+      </a:schemeClr>
+      <a:schemeClr val="accent6">
+        <a:tint val="40000"/>
+        <a:alpha val="90000"/>
+      </a:schemeClr>
+    </dgm:fillClrLst>
+    <dgm:linClrLst meth="repeat">
+      <a:schemeClr val="accent2">
+        <a:tint val="40000"/>
+        <a:alpha val="90000"/>
+      </a:schemeClr>
+      <a:schemeClr val="accent3">
+        <a:tint val="40000"/>
+        <a:alpha val="90000"/>
+      </a:schemeClr>
+      <a:schemeClr val="accent4">
+        <a:tint val="40000"/>
+        <a:alpha val="90000"/>
+      </a:schemeClr>
+      <a:schemeClr val="accent5">
+        <a:tint val="40000"/>
+        <a:alpha val="90000"/>
+      </a:schemeClr>
+      <a:schemeClr val="accent6">
+        <a:tint val="40000"/>
+        <a:alpha val="90000"/>
+      </a:schemeClr>
+    </dgm:linClrLst>
+    <dgm:effectClrLst/>
+    <dgm:txLinClrLst/>
+    <dgm:txFillClrLst meth="repeat">
+      <a:schemeClr val="dk1"/>
+    </dgm:txFillClrLst>
+    <dgm:txEffectClrLst/>
+  </dgm:styleLbl>
+  <dgm:styleLbl name="alignAccFollowNode1">
+    <dgm:fillClrLst meth="repeat">
+      <a:schemeClr val="accent2">
+        <a:tint val="40000"/>
+        <a:alpha val="90000"/>
+      </a:schemeClr>
+      <a:schemeClr val="accent3">
+        <a:tint val="40000"/>
+        <a:alpha val="90000"/>
+      </a:schemeClr>
+      <a:schemeClr val="accent4">
+        <a:tint val="40000"/>
+        <a:alpha val="90000"/>
+      </a:schemeClr>
+      <a:schemeClr val="accent5">
+        <a:tint val="40000"/>
+        <a:alpha val="90000"/>
+      </a:schemeClr>
+      <a:schemeClr val="accent6">
+        <a:tint val="40000"/>
+        <a:alpha val="90000"/>
+      </a:schemeClr>
+    </dgm:fillClrLst>
+    <dgm:linClrLst meth="repeat">
+      <a:schemeClr val="accent2">
+        <a:tint val="40000"/>
+        <a:alpha val="90000"/>
+      </a:schemeClr>
+      <a:schemeClr val="accent3">
+        <a:tint val="40000"/>
+        <a:alpha val="90000"/>
+      </a:schemeClr>
+      <a:schemeClr val="accent4">
+        <a:tint val="40000"/>
+        <a:alpha val="90000"/>
+      </a:schemeClr>
+      <a:schemeClr val="accent5">
+        <a:tint val="40000"/>
+        <a:alpha val="90000"/>
+      </a:schemeClr>
+      <a:schemeClr val="accent6">
+        <a:tint val="40000"/>
+        <a:alpha val="90000"/>
+      </a:schemeClr>
+    </dgm:linClrLst>
+    <dgm:effectClrLst/>
+    <dgm:txLinClrLst/>
+    <dgm:txFillClrLst meth="repeat">
+      <a:schemeClr val="dk1"/>
+    </dgm:txFillClrLst>
+    <dgm:txEffectClrLst/>
+  </dgm:styleLbl>
+  <dgm:styleLbl name="bgAccFollowNode1">
+    <dgm:fillClrLst meth="repeat">
+      <a:schemeClr val="accent2">
+        <a:tint val="40000"/>
+        <a:alpha val="90000"/>
+      </a:schemeClr>
+      <a:schemeClr val="accent3">
+        <a:tint val="40000"/>
+        <a:alpha val="90000"/>
+      </a:schemeClr>
+      <a:schemeClr val="accent4">
+        <a:tint val="40000"/>
+        <a:alpha val="90000"/>
+      </a:schemeClr>
+      <a:schemeClr val="accent5">
+        <a:tint val="40000"/>
+        <a:alpha val="90000"/>
+      </a:schemeClr>
+      <a:schemeClr val="accent6">
+        <a:tint val="40000"/>
+        <a:alpha val="90000"/>
+      </a:schemeClr>
+    </dgm:fillClrLst>
+    <dgm:linClrLst meth="repeat">
+      <a:schemeClr val="accent2">
+        <a:tint val="40000"/>
+        <a:alpha val="90000"/>
+      </a:schemeClr>
+      <a:schemeClr val="accent3">
+        <a:tint val="40000"/>
+        <a:alpha val="90000"/>
+      </a:schemeClr>
+      <a:schemeClr val="accent4">
+        <a:tint val="40000"/>
+        <a:alpha val="90000"/>
+      </a:schemeClr>
+      <a:schemeClr val="accent5">
+        <a:tint val="40000"/>
+        <a:alpha val="90000"/>
+      </a:schemeClr>
+      <a:schemeClr val="accent6">
+        <a:tint val="40000"/>
+        <a:alpha val="90000"/>
+      </a:schemeClr>
+    </dgm:linClrLst>
+    <dgm:effectClrLst/>
+    <dgm:txLinClrLst/>
+    <dgm:txFillClrLst meth="repeat">
+      <a:schemeClr val="dk1"/>
+    </dgm:txFillClrLst>
+    <dgm:txEffectClrLst/>
+  </dgm:styleLbl>
+  <dgm:styleLbl name="fgAcc0">
+    <dgm:fillClrLst meth="repeat">
+      <a:schemeClr val="lt1">
+        <a:alpha val="90000"/>
+      </a:schemeClr>
+    </dgm:fillClrLst>
+    <dgm:linClrLst>
+      <a:schemeClr val="accent1"/>
+    </dgm:linClrLst>
+    <dgm:effectClrLst/>
+    <dgm:txLinClrLst/>
+    <dgm:txFillClrLst meth="repeat">
+      <a:schemeClr val="dk1"/>
+    </dgm:txFillClrLst>
+    <dgm:txEffectClrLst/>
+  </dgm:styleLbl>
+  <dgm:styleLbl name="fgAcc2">
+    <dgm:fillClrLst meth="repeat">
+      <a:schemeClr val="lt1">
+        <a:alpha val="90000"/>
+      </a:schemeClr>
+    </dgm:fillClrLst>
+    <dgm:linClrLst>
+      <a:schemeClr val="accent2"/>
+    </dgm:linClrLst>
+    <dgm:effectClrLst/>
+    <dgm:txLinClrLst/>
+    <dgm:txFillClrLst meth="repeat">
+      <a:schemeClr val="dk1"/>
+    </dgm:txFillClrLst>
+    <dgm:txEffectClrLst/>
+  </dgm:styleLbl>
+  <dgm:styleLbl name="fgAcc3">
+    <dgm:fillClrLst meth="repeat">
+      <a:schemeClr val="lt1">
+        <a:alpha val="90000"/>
+      </a:schemeClr>
+    </dgm:fillClrLst>
+    <dgm:linClrLst>
+      <a:schemeClr val="accent3"/>
+    </dgm:linClrLst>
+    <dgm:effectClrLst/>
+    <dgm:txLinClrLst/>
+    <dgm:txFillClrLst meth="repeat">
+      <a:schemeClr val="dk1"/>
+    </dgm:txFillClrLst>
+    <dgm:txEffectClrLst/>
+  </dgm:styleLbl>
+  <dgm:styleLbl name="fgAcc4">
+    <dgm:fillClrLst meth="repeat">
+      <a:schemeClr val="lt1">
+        <a:alpha val="90000"/>
+      </a:schemeClr>
+    </dgm:fillClrLst>
+    <dgm:linClrLst>
+      <a:schemeClr val="accent4"/>
+    </dgm:linClrLst>
+    <dgm:effectClrLst/>
+    <dgm:txLinClrLst/>
+    <dgm:txFillClrLst meth="repeat">
+      <a:schemeClr val="dk1"/>
+    </dgm:txFillClrLst>
+    <dgm:txEffectClrLst/>
+  </dgm:styleLbl>
+  <dgm:styleLbl name="bgShp">
+    <dgm:fillClrLst meth="repeat">
+      <a:schemeClr val="accent2">
+        <a:tint val="40000"/>
+      </a:schemeClr>
+    </dgm:fillClrLst>
+    <dgm:linClrLst meth="repeat">
+      <a:schemeClr val="dk1"/>
+    </dgm:linClrLst>
+    <dgm:effectClrLst/>
+    <dgm:txLinClrLst/>
+    <dgm:txFillClrLst meth="repeat">
+      <a:schemeClr val="dk1"/>
+    </dgm:txFillClrLst>
+    <dgm:txEffectClrLst/>
+  </dgm:styleLbl>
+  <dgm:styleLbl name="dkBgShp">
+    <dgm:fillClrLst meth="repeat">
+      <a:schemeClr val="accent2">
+        <a:shade val="90000"/>
+      </a:schemeClr>
+    </dgm:fillClrLst>
+    <dgm:linClrLst meth="repeat">
+      <a:schemeClr val="dk1"/>
+    </dgm:linClrLst>
+    <dgm:effectClrLst/>
+    <dgm:txLinClrLst/>
+    <dgm:txFillClrLst meth="repeat">
+      <a:schemeClr val="lt1"/>
+    </dgm:txFillClrLst>
+    <dgm:txEffectClrLst/>
+  </dgm:styleLbl>
+  <dgm:styleLbl name="trBgShp">
+    <dgm:fillClrLst meth="repeat">
+      <a:schemeClr val="accent1">
+        <a:tint val="50000"/>
+        <a:alpha val="40000"/>
+      </a:schemeClr>
+    </dgm:fillClrLst>
+    <dgm:linClrLst meth="repeat">
+      <a:schemeClr val="accent2"/>
+    </dgm:linClrLst>
+    <dgm:effectClrLst/>
+    <dgm:txLinClrLst/>
+    <dgm:txFillClrLst meth="repeat">
+      <a:schemeClr val="lt1"/>
+    </dgm:txFillClrLst>
+    <dgm:txEffectClrLst/>
+  </dgm:styleLbl>
+  <dgm:styleLbl name="fgShp">
+    <dgm:fillClrLst meth="repeat">
+      <a:schemeClr val="accent2">
+        <a:tint val="40000"/>
+      </a:schemeClr>
+    </dgm:fillClrLst>
+    <dgm:linClrLst meth="repeat">
+      <a:schemeClr val="lt1"/>
+    </dgm:linClrLst>
+    <dgm:effectClrLst/>
+    <dgm:txLinClrLst/>
+    <dgm:txFillClrLst meth="repeat">
+      <a:schemeClr val="dk1"/>
+    </dgm:txFillClrLst>
+    <dgm:txEffectClrLst/>
+  </dgm:styleLbl>
+  <dgm:styleLbl name="revTx">
+    <dgm:fillClrLst meth="repeat">
+      <a:schemeClr val="lt1">
+        <a:alpha val="0"/>
+      </a:schemeClr>
+    </dgm:fillClrLst>
+    <dgm:linClrLst meth="repeat">
+      <a:schemeClr val="dk1">
+        <a:alpha val="0"/>
+      </a:schemeClr>
+    </dgm:linClrLst>
+    <dgm:effectClrLst/>
+    <dgm:txLinClrLst/>
+    <dgm:txFillClrLst meth="repeat">
+      <a:schemeClr val="tx1"/>
+    </dgm:txFillClrLst>
+    <dgm:txEffectClrLst/>
+  </dgm:styleLbl>
+</dgm:colorsDef>
+</file>
+
+<file path=ppt/diagrams/colors2.xml><?xml version="1.0" encoding="utf-8"?>
+<dgm:colorsDef xmlns:dgm="http://schemas.openxmlformats.org/drawingml/2006/diagram" xmlns:a="http://schemas.openxmlformats.org/drawingml/2006/main" uniqueId="urn:microsoft.com/office/officeart/2005/8/colors/accent1_2">
+  <dgm:title val=""/>
+  <dgm:desc val=""/>
+  <dgm:catLst>
+    <dgm:cat type="accent1" pri="11200"/>
+  </dgm:catLst>
+  <dgm:styleLbl name="node0">
+    <dgm:fillClrLst meth="repeat">
+      <a:schemeClr val="accent1"/>
+    </dgm:fillClrLst>
+    <dgm:linClrLst meth="repeat">
+      <a:schemeClr val="lt1"/>
+    </dgm:linClrLst>
+    <dgm:effectClrLst/>
+    <dgm:txLinClrLst/>
+    <dgm:txFillClrLst/>
+    <dgm:txEffectClrLst/>
+  </dgm:styleLbl>
+  <dgm:styleLbl name="alignNode1">
+    <dgm:fillClrLst meth="repeat">
+      <a:schemeClr val="accent1"/>
+    </dgm:fillClrLst>
+    <dgm:linClrLst meth="repeat">
+      <a:schemeClr val="accent1"/>
+    </dgm:linClrLst>
+    <dgm:effectClrLst/>
+    <dgm:txLinClrLst/>
+    <dgm:txFillClrLst/>
+    <dgm:txEffectClrLst/>
+  </dgm:styleLbl>
+  <dgm:styleLbl name="node1">
+    <dgm:fillClrLst meth="repeat">
+      <a:schemeClr val="accent1"/>
+    </dgm:fillClrLst>
+    <dgm:linClrLst meth="repeat">
+      <a:schemeClr val="lt1"/>
+    </dgm:linClrLst>
+    <dgm:effectClrLst/>
+    <dgm:txLinClrLst/>
+    <dgm:txFillClrLst/>
+    <dgm:txEffectClrLst/>
+  </dgm:styleLbl>
+  <dgm:styleLbl name="lnNode1">
+    <dgm:fillClrLst meth="repeat">
+      <a:schemeClr val="accent1"/>
+    </dgm:fillClrLst>
+    <dgm:linClrLst meth="repeat">
+      <a:schemeClr val="lt1"/>
+    </dgm:linClrLst>
+    <dgm:effectClrLst/>
+    <dgm:txLinClrLst/>
+    <dgm:txFillClrLst/>
+    <dgm:txEffectClrLst/>
+  </dgm:styleLbl>
+  <dgm:styleLbl name="vennNode1">
+    <dgm:fillClrLst meth="repeat">
+      <a:schemeClr val="accent1">
+        <a:alpha val="50000"/>
+      </a:schemeClr>
+    </dgm:fillClrLst>
+    <dgm:linClrLst meth="repeat">
+      <a:schemeClr val="lt1"/>
+    </dgm:linClrLst>
+    <dgm:effectClrLst/>
+    <dgm:txLinClrLst/>
+    <dgm:txFillClrLst/>
+    <dgm:txEffectClrLst/>
+  </dgm:styleLbl>
+  <dgm:styleLbl name="node2">
+    <dgm:fillClrLst meth="repeat">
+      <a:schemeClr val="accent1"/>
+    </dgm:fillClrLst>
+    <dgm:linClrLst meth="repeat">
+      <a:schemeClr val="lt1"/>
+    </dgm:linClrLst>
+    <dgm:effectClrLst/>
+    <dgm:txLinClrLst/>
+    <dgm:txFillClrLst/>
+    <dgm:txEffectClrLst/>
+  </dgm:styleLbl>
+  <dgm:styleLbl name="node3">
+    <dgm:fillClrLst meth="repeat">
+      <a:schemeClr val="accent1"/>
+    </dgm:fillClrLst>
+    <dgm:linClrLst meth="repeat">
+      <a:schemeClr val="lt1"/>
+    </dgm:linClrLst>
+    <dgm:effectClrLst/>
+    <dgm:txLinClrLst/>
+    <dgm:txFillClrLst/>
+    <dgm:txEffectClrLst/>
+  </dgm:styleLbl>
+  <dgm:styleLbl name="node4">
+    <dgm:fillClrLst meth="repeat">
+      <a:schemeClr val="accent1"/>
+    </dgm:fillClrLst>
+    <dgm:linClrLst meth="repeat">
+      <a:schemeClr val="lt1"/>
+    </dgm:linClrLst>
+    <dgm:effectClrLst/>
+    <dgm:txLinClrLst/>
+    <dgm:txFillClrLst/>
+    <dgm:txEffectClrLst/>
+  </dgm:styleLbl>
+  <dgm:styleLbl name="fgImgPlace1">
+    <dgm:fillClrLst meth="repeat">
+      <a:schemeClr val="accent1">
+        <a:tint val="50000"/>
+      </a:schemeClr>
+    </dgm:fillClrLst>
+    <dgm:linClrLst meth="repeat">
+      <a:schemeClr val="lt1"/>
+    </dgm:linClrLst>
+    <dgm:effectClrLst/>
+    <dgm:txLinClrLst/>
+    <dgm:txFillClrLst meth="repeat">
+      <a:schemeClr val="lt1"/>
+    </dgm:txFillClrLst>
+    <dgm:txEffectClrLst/>
+  </dgm:styleLbl>
+  <dgm:styleLbl name="alignImgPlace1">
+    <dgm:fillClrLst meth="repeat">
+      <a:schemeClr val="accent1">
+        <a:tint val="50000"/>
+      </a:schemeClr>
+    </dgm:fillClrLst>
+    <dgm:linClrLst meth="repeat">
+      <a:schemeClr val="lt1"/>
+    </dgm:linClrLst>
+    <dgm:effectClrLst/>
+    <dgm:txLinClrLst/>
+    <dgm:txFillClrLst meth="repeat">
+      <a:schemeClr val="lt1"/>
+    </dgm:txFillClrLst>
+    <dgm:txEffectClrLst/>
+  </dgm:styleLbl>
+  <dgm:styleLbl name="bgImgPlace1">
+    <dgm:fillClrLst meth="repeat">
+      <a:schemeClr val="accent1">
+        <a:tint val="50000"/>
+      </a:schemeClr>
+    </dgm:fillClrLst>
+    <dgm:linClrLst meth="repeat">
+      <a:schemeClr val="lt1"/>
+    </dgm:linClrLst>
+    <dgm:effectClrLst/>
+    <dgm:txLinClrLst/>
+    <dgm:txFillClrLst meth="repeat">
+      <a:schemeClr val="lt1"/>
+    </dgm:txFillClrLst>
+    <dgm:txEffectClrLst/>
+  </dgm:styleLbl>
+  <dgm:styleLbl name="sibTrans2D1">
+    <dgm:fillClrLst meth="repeat">
+      <a:schemeClr val="accent1">
+        <a:tint val="60000"/>
+      </a:schemeClr>
+    </dgm:fillClrLst>
+    <dgm:linClrLst meth="repeat">
+      <a:schemeClr val="accent1">
+        <a:tint val="60000"/>
+      </a:schemeClr>
+    </dgm:linClrLst>
+    <dgm:effectClrLst/>
+    <dgm:txLinClrLst/>
+    <dgm:txFillClrLst/>
+    <dgm:txEffectClrLst/>
+  </dgm:styleLbl>
+  <dgm:styleLbl name="fgSibTrans2D1">
+    <dgm:fillClrLst meth="repeat">
+      <a:schemeClr val="accent1">
+        <a:tint val="60000"/>
+      </a:schemeClr>
+    </dgm:fillClrLst>
+    <dgm:linClrLst meth="repeat">
+      <a:schemeClr val="accent1">
+        <a:tint val="60000"/>
+      </a:schemeClr>
+    </dgm:linClrLst>
+    <dgm:effectClrLst/>
+    <dgm:txLinClrLst/>
+    <dgm:txFillClrLst/>
+    <dgm:txEffectClrLst/>
+  </dgm:styleLbl>
+  <dgm:styleLbl name="bgSibTrans2D1">
+    <dgm:fillClrLst meth="repeat">
+      <a:schemeClr val="accent1">
+        <a:tint val="60000"/>
+      </a:schemeClr>
+    </dgm:fillClrLst>
+    <dgm:linClrLst meth="repeat">
+      <a:schemeClr val="accent1">
+        <a:tint val="60000"/>
+      </a:schemeClr>
+    </dgm:linClrLst>
+    <dgm:effectClrLst/>
+    <dgm:txLinClrLst/>
+    <dgm:txFillClrLst/>
+    <dgm:txEffectClrLst/>
+  </dgm:styleLbl>
+  <dgm:styleLbl name="sibTrans1D1">
+    <dgm:fillClrLst meth="repeat">
+      <a:schemeClr val="accent1"/>
+    </dgm:fillClrLst>
+    <dgm:linClrLst meth="repeat">
+      <a:schemeClr val="accent1"/>
+    </dgm:linClrLst>
+    <dgm:effectClrLst/>
+    <dgm:txLinClrLst/>
+    <dgm:txFillClrLst meth="repeat">
+      <a:schemeClr val="tx1"/>
+    </dgm:txFillClrLst>
+    <dgm:txEffectClrLst/>
+  </dgm:styleLbl>
+  <dgm:styleLbl name="callout">
+    <dgm:fillClrLst meth="repeat">
+      <a:schemeClr val="accent1"/>
+    </dgm:fillClrLst>
+    <dgm:linClrLst meth="repeat">
+      <a:schemeClr val="accent1">
+        <a:tint val="50000"/>
+      </a:schemeClr>
+    </dgm:linClrLst>
+    <dgm:effectClrLst/>
+    <dgm:txLinClrLst/>
+    <dgm:txFillClrLst meth="repeat">
+      <a:schemeClr val="tx1"/>
+    </dgm:txFillClrLst>
+    <dgm:txEffectClrLst/>
+  </dgm:styleLbl>
+  <dgm:styleLbl name="asst0">
+    <dgm:fillClrLst meth="repeat">
+      <a:schemeClr val="accent1"/>
+    </dgm:fillClrLst>
+    <dgm:linClrLst meth="repeat">
+      <a:schemeClr val="lt1"/>
+    </dgm:linClrLst>
+    <dgm:effectClrLst/>
+    <dgm:txLinClrLst/>
+    <dgm:txFillClrLst/>
+    <dgm:txEffectClrLst/>
+  </dgm:styleLbl>
+  <dgm:styleLbl name="asst1">
+    <dgm:fillClrLst meth="repeat">
+      <a:schemeClr val="accent1"/>
+    </dgm:fillClrLst>
+    <dgm:linClrLst meth="repeat">
+      <a:schemeClr val="lt1"/>
+    </dgm:linClrLst>
+    <dgm:effectClrLst/>
+    <dgm:txLinClrLst/>
+    <dgm:txFillClrLst/>
+    <dgm:txEffectClrLst/>
+  </dgm:styleLbl>
+  <dgm:styleLbl name="asst2">
+    <dgm:fillClrLst meth="repeat">
+      <a:schemeClr val="accent1"/>
+    </dgm:fillClrLst>
+    <dgm:linClrLst meth="repeat">
+      <a:schemeClr val="lt1"/>
+    </dgm:linClrLst>
+    <dgm:effectClrLst/>
+    <dgm:txLinClrLst/>
+    <dgm:txFillClrLst/>
+    <dgm:txEffectClrLst/>
+  </dgm:styleLbl>
+  <dgm:styleLbl name="asst3">
+    <dgm:fillClrLst meth="repeat">
+      <a:schemeClr val="accent1"/>
+    </dgm:fillClrLst>
+    <dgm:linClrLst meth="repeat">
+      <a:schemeClr val="lt1"/>
+    </dgm:linClrLst>
+    <dgm:effectClrLst/>
+    <dgm:txLinClrLst/>
+    <dgm:txFillClrLst/>
+    <dgm:txEffectClrLst/>
+  </dgm:styleLbl>
+  <dgm:styleLbl name="asst4">
+    <dgm:fillClrLst meth="repeat">
+      <a:schemeClr val="accent1"/>
+    </dgm:fillClrLst>
+    <dgm:linClrLst meth="repeat">
+      <a:schemeClr val="lt1"/>
+    </dgm:linClrLst>
+    <dgm:effectClrLst/>
+    <dgm:txLinClrLst/>
+    <dgm:txFillClrLst/>
+    <dgm:txEffectClrLst/>
+  </dgm:styleLbl>
+  <dgm:styleLbl name="parChTrans2D1">
+    <dgm:fillClrLst meth="repeat">
+      <a:schemeClr val="accent1">
+        <a:tint val="60000"/>
+      </a:schemeClr>
+    </dgm:fillClrLst>
+    <dgm:linClrLst meth="repeat">
+      <a:schemeClr val="accent1">
+        <a:tint val="60000"/>
+      </a:schemeClr>
+    </dgm:linClrLst>
+    <dgm:effectClrLst/>
+    <dgm:txLinClrLst/>
+    <dgm:txFillClrLst meth="repeat">
+      <a:schemeClr val="lt1"/>
+    </dgm:txFillClrLst>
+    <dgm:txEffectClrLst/>
+  </dgm:styleLbl>
+  <dgm:styleLbl name="parChTrans2D2">
+    <dgm:fillClrLst meth="repeat">
+      <a:schemeClr val="accent1"/>
+    </dgm:fillClrLst>
+    <dgm:linClrLst meth="repeat">
+      <a:schemeClr val="accent1"/>
+    </dgm:linClrLst>
+    <dgm:effectClrLst/>
+    <dgm:txLinClrLst/>
+    <dgm:txFillClrLst meth="repeat">
+      <a:schemeClr val="lt1"/>
+    </dgm:txFillClrLst>
+    <dgm:txEffectClrLst/>
+  </dgm:styleLbl>
+  <dgm:styleLbl name="parChTrans2D3">
+    <dgm:fillClrLst meth="repeat">
+      <a:schemeClr val="accent1"/>
+    </dgm:fillClrLst>
+    <dgm:linClrLst meth="repeat">
+      <a:schemeClr val="accent1"/>
+    </dgm:linClrLst>
+    <dgm:effectClrLst/>
+    <dgm:txLinClrLst/>
+    <dgm:txFillClrLst meth="repeat">
+      <a:schemeClr val="lt1"/>
+    </dgm:txFillClrLst>
+    <dgm:txEffectClrLst/>
+  </dgm:styleLbl>
+  <dgm:styleLbl name="parChTrans2D4">
+    <dgm:fillClrLst meth="repeat">
+      <a:schemeClr val="accent1"/>
+    </dgm:fillClrLst>
+    <dgm:linClrLst meth="repeat">
+      <a:schemeClr val="accent1"/>
+    </dgm:linClrLst>
+    <dgm:effectClrLst/>
+    <dgm:txLinClrLst/>
+    <dgm:txFillClrLst meth="repeat">
+      <a:schemeClr val="lt1"/>
+    </dgm:txFillClrLst>
+    <dgm:txEffectClrLst/>
+  </dgm:styleLbl>
+  <dgm:styleLbl name="parChTrans1D1">
+    <dgm:fillClrLst meth="repeat">
+      <a:schemeClr val="accent1"/>
+    </dgm:fillClrLst>
+    <dgm:linClrLst meth="repeat">
+      <a:schemeClr val="accent1">
+        <a:shade val="60000"/>
+      </a:schemeClr>
+    </dgm:linClrLst>
+    <dgm:effectClrLst/>
+    <dgm:txLinClrLst/>
+    <dgm:txFillClrLst meth="repeat">
+      <a:schemeClr val="tx1"/>
+    </dgm:txFillClrLst>
+    <dgm:txEffectClrLst/>
+  </dgm:styleLbl>
+  <dgm:styleLbl name="parChTrans1D2">
+    <dgm:fillClrLst meth="repeat">
+      <a:schemeClr val="accent1"/>
+    </dgm:fillClrLst>
+    <dgm:linClrLst meth="repeat">
+      <a:schemeClr val="accent1">
+        <a:shade val="60000"/>
+      </a:schemeClr>
+    </dgm:linClrLst>
+    <dgm:effectClrLst/>
+    <dgm:txLinClrLst/>
+    <dgm:txFillClrLst meth="repeat">
+      <a:schemeClr val="tx1"/>
+    </dgm:txFillClrLst>
+    <dgm:txEffectClrLst/>
+  </dgm:styleLbl>
+  <dgm:styleLbl name="parChTrans1D3">
+    <dgm:fillClrLst meth="repeat">
+      <a:schemeClr val="accent1"/>
+    </dgm:fillClrLst>
+    <dgm:linClrLst meth="repeat">
+      <a:schemeClr val="accent1">
+        <a:shade val="80000"/>
+      </a:schemeClr>
+    </dgm:linClrLst>
+    <dgm:effectClrLst/>
+    <dgm:txLinClrLst/>
+    <dgm:txFillClrLst meth="repeat">
+      <a:schemeClr val="tx1"/>
+    </dgm:txFillClrLst>
+    <dgm:txEffectClrLst/>
+  </dgm:styleLbl>
+  <dgm:styleLbl name="parChTrans1D4">
+    <dgm:fillClrLst meth="repeat">
+      <a:schemeClr val="accent1"/>
+    </dgm:fillClrLst>
+    <dgm:linClrLst meth="repeat">
+      <a:schemeClr val="accent1">
+        <a:shade val="80000"/>
+      </a:schemeClr>
+    </dgm:linClrLst>
+    <dgm:effectClrLst/>
+    <dgm:txLinClrLst/>
+    <dgm:txFillClrLst meth="repeat">
+      <a:schemeClr val="tx1"/>
+    </dgm:txFillClrLst>
+    <dgm:txEffectClrLst/>
+  </dgm:styleLbl>
+  <dgm:styleLbl name="fgAcc1">
+    <dgm:fillClrLst meth="repeat">
+      <a:schemeClr val="lt1">
+        <a:alpha val="90000"/>
+      </a:schemeClr>
+    </dgm:fillClrLst>
+    <dgm:linClrLst meth="repeat">
+      <a:schemeClr val="accent1"/>
+    </dgm:linClrLst>
+    <dgm:effectClrLst/>
+    <dgm:txLinClrLst/>
+    <dgm:txFillClrLst meth="repeat">
+      <a:schemeClr val="dk1"/>
+    </dgm:txFillClrLst>
+    <dgm:txEffectClrLst/>
+  </dgm:styleLbl>
+  <dgm:styleLbl name="conFgAcc1">
+    <dgm:fillClrLst meth="repeat">
+      <a:schemeClr val="lt1">
+        <a:alpha val="90000"/>
+      </a:schemeClr>
+    </dgm:fillClrLst>
+    <dgm:linClrLst meth="repeat">
+      <a:schemeClr val="accent1"/>
+    </dgm:linClrLst>
+    <dgm:effectClrLst/>
+    <dgm:txLinClrLst/>
+    <dgm:txFillClrLst meth="repeat">
+      <a:schemeClr val="dk1"/>
+    </dgm:txFillClrLst>
+    <dgm:txEffectClrLst/>
+  </dgm:styleLbl>
+  <dgm:styleLbl name="alignAcc1">
+    <dgm:fillClrLst meth="repeat">
+      <a:schemeClr val="lt1">
+        <a:alpha val="90000"/>
+      </a:schemeClr>
+    </dgm:fillClrLst>
+    <dgm:linClrLst meth="repeat">
+      <a:schemeClr val="accent1"/>
+    </dgm:linClrLst>
+    <dgm:effectClrLst/>
+    <dgm:txLinClrLst/>
+    <dgm:txFillClrLst meth="repeat">
+      <a:schemeClr val="dk1"/>
+    </dgm:txFillClrLst>
+    <dgm:txEffectClrLst/>
+  </dgm:styleLbl>
+  <dgm:styleLbl name="trAlignAcc1">
+    <dgm:fillClrLst meth="repeat">
+      <a:schemeClr val="lt1">
+        <a:alpha val="40000"/>
+      </a:schemeClr>
+    </dgm:fillClrLst>
+    <dgm:linClrLst meth="repeat">
+      <a:schemeClr val="accent1"/>
+    </dgm:linClrLst>
+    <dgm:effectClrLst/>
+    <dgm:txLinClrLst/>
+    <dgm:txFillClrLst meth="repeat">
+      <a:schemeClr val="dk1"/>
+    </dgm:txFillClrLst>
+    <dgm:txEffectClrLst/>
+  </dgm:styleLbl>
+  <dgm:styleLbl name="bgAcc1">
+    <dgm:fillClrLst meth="repeat">
+      <a:schemeClr val="lt1">
+        <a:alpha val="90000"/>
+      </a:schemeClr>
+    </dgm:fillClrLst>
+    <dgm:linClrLst meth="repeat">
+      <a:schemeClr val="accent1"/>
+    </dgm:linClrLst>
+    <dgm:effectClrLst/>
+    <dgm:txLinClrLst/>
+    <dgm:txFillClrLst meth="repeat">
+      <a:schemeClr val="dk1"/>
+    </dgm:txFillClrLst>
+    <dgm:txEffectClrLst/>
+  </dgm:styleLbl>
+  <dgm:styleLbl name="solidFgAcc1">
+    <dgm:fillClrLst meth="repeat">
+      <a:schemeClr val="lt1"/>
+    </dgm:fillClrLst>
+    <dgm:linClrLst meth="repeat">
+      <a:schemeClr val="accent1"/>
+    </dgm:linClrLst>
+    <dgm:effectClrLst/>
+    <dgm:txLinClrLst/>
+    <dgm:txFillClrLst meth="repeat">
+      <a:schemeClr val="dk1"/>
+    </dgm:txFillClrLst>
+    <dgm:txEffectClrLst/>
+  </dgm:styleLbl>
+  <dgm:styleLbl name="solidAlignAcc1">
+    <dgm:fillClrLst meth="repeat">
+      <a:schemeClr val="lt1"/>
+    </dgm:fillClrLst>
+    <dgm:linClrLst meth="repeat">
+      <a:schemeClr val="accent1"/>
+    </dgm:linClrLst>
+    <dgm:effectClrLst/>
+    <dgm:txLinClrLst/>
+    <dgm:txFillClrLst meth="repeat">
+      <a:schemeClr val="dk1"/>
+    </dgm:txFillClrLst>
+    <dgm:txEffectClrLst/>
+  </dgm:styleLbl>
+  <dgm:styleLbl name="solidBgAcc1">
+    <dgm:fillClrLst meth="repeat">
+      <a:schemeClr val="lt1"/>
+    </dgm:fillClrLst>
+    <dgm:linClrLst meth="repeat">
+      <a:schemeClr val="accent1"/>
+    </dgm:linClrLst>
+    <dgm:effectClrLst/>
+    <dgm:txLinClrLst/>
+    <dgm:txFillClrLst meth="repeat">
+      <a:schemeClr val="dk1"/>
+    </dgm:txFillClrLst>
+    <dgm:txEffectClrLst/>
+  </dgm:styleLbl>
+  <dgm:styleLbl name="fgAccFollowNode1">
+    <dgm:fillClrLst meth="repeat">
+      <a:schemeClr val="accent1">
+        <a:alpha val="90000"/>
+        <a:tint val="40000"/>
+      </a:schemeClr>
+    </dgm:fillClrLst>
+    <dgm:linClrLst meth="repeat">
+      <a:schemeClr val="accent1">
+        <a:alpha val="90000"/>
+        <a:tint val="40000"/>
+      </a:schemeClr>
+    </dgm:linClrLst>
+    <dgm:effectClrLst/>
+    <dgm:txLinClrLst/>
+    <dgm:txFillClrLst meth="repeat">
+      <a:schemeClr val="dk1"/>
+    </dgm:txFillClrLst>
+    <dgm:txEffectClrLst/>
+  </dgm:styleLbl>
+  <dgm:styleLbl name="alignAccFollowNode1">
+    <dgm:fillClrLst meth="repeat">
+      <a:schemeClr val="accent1">
+        <a:alpha val="90000"/>
+        <a:tint val="40000"/>
+      </a:schemeClr>
+    </dgm:fillClrLst>
+    <dgm:linClrLst meth="repeat">
+      <a:schemeClr val="accent1">
+        <a:alpha val="90000"/>
+        <a:tint val="40000"/>
+      </a:schemeClr>
+    </dgm:linClrLst>
+    <dgm:effectClrLst/>
+    <dgm:txLinClrLst/>
+    <dgm:txFillClrLst meth="repeat">
+      <a:schemeClr val="dk1"/>
+    </dgm:txFillClrLst>
+    <dgm:txEffectClrLst/>
+  </dgm:styleLbl>
+  <dgm:styleLbl name="bgAccFollowNode1">
+    <dgm:fillClrLst meth="repeat">
+      <a:schemeClr val="accent1">
+        <a:alpha val="90000"/>
+        <a:tint val="40000"/>
+      </a:schemeClr>
+    </dgm:fillClrLst>
+    <dgm:linClrLst meth="repeat">
+      <a:schemeClr val="accent1">
+        <a:alpha val="90000"/>
+        <a:tint val="40000"/>
+      </a:schemeClr>
+    </dgm:linClrLst>
+    <dgm:effectClrLst/>
+    <dgm:txLinClrLst/>
+    <dgm:txFillClrLst meth="repeat">
+      <a:schemeClr val="dk1"/>
+    </dgm:txFillClrLst>
+    <dgm:txEffectClrLst/>
+  </dgm:styleLbl>
+  <dgm:styleLbl name="fgAcc0">
+    <dgm:fillClrLst meth="repeat">
+      <a:schemeClr val="lt1">
+        <a:alpha val="90000"/>
+      </a:schemeClr>
+    </dgm:fillClrLst>
+    <dgm:linClrLst meth="repeat">
+      <a:schemeClr val="accent1"/>
+    </dgm:linClrLst>
+    <dgm:effectClrLst/>
+    <dgm:txLinClrLst/>
+    <dgm:txFillClrLst meth="repeat">
+      <a:schemeClr val="dk1"/>
+    </dgm:txFillClrLst>
+    <dgm:txEffectClrLst/>
+  </dgm:styleLbl>
+  <dgm:styleLbl name="fgAcc2">
+    <dgm:fillClrLst meth="repeat">
+      <a:schemeClr val="lt1">
+        <a:alpha val="90000"/>
+      </a:schemeClr>
+    </dgm:fillClrLst>
+    <dgm:linClrLst meth="repeat">
+      <a:schemeClr val="accent1"/>
+    </dgm:linClrLst>
+    <dgm:effectClrLst/>
+    <dgm:txLinClrLst/>
+    <dgm:txFillClrLst meth="repeat">
+      <a:schemeClr val="dk1"/>
+    </dgm:txFillClrLst>
+    <dgm:txEffectClrLst/>
+  </dgm:styleLbl>
+  <dgm:styleLbl name="fgAcc3">
+    <dgm:fillClrLst meth="repeat">
+      <a:schemeClr val="lt1">
+        <a:alpha val="90000"/>
+      </a:schemeClr>
+    </dgm:fillClrLst>
+    <dgm:linClrLst meth="repeat">
+      <a:schemeClr val="accent1"/>
+    </dgm:linClrLst>
+    <dgm:effectClrLst/>
+    <dgm:txLinClrLst/>
+    <dgm:txFillClrLst meth="repeat">
+      <a:schemeClr val="dk1"/>
+    </dgm:txFillClrLst>
+    <dgm:txEffectClrLst/>
+  </dgm:styleLbl>
+  <dgm:styleLbl name="fgAcc4">
+    <dgm:fillClrLst meth="repeat">
+      <a:schemeClr val="lt1">
+        <a:alpha val="90000"/>
+      </a:schemeClr>
+    </dgm:fillClrLst>
+    <dgm:linClrLst meth="repeat">
+      <a:schemeClr val="accent1"/>
+    </dgm:linClrLst>
+    <dgm:effectClrLst/>
+    <dgm:txLinClrLst/>
+    <dgm:txFillClrLst meth="repeat">
+      <a:schemeClr val="dk1"/>
+    </dgm:txFillClrLst>
+    <dgm:txEffectClrLst/>
+  </dgm:styleLbl>
+  <dgm:styleLbl name="bgShp">
+    <dgm:fillClrLst meth="repeat">
+      <a:schemeClr val="accent1">
+        <a:tint val="40000"/>
+      </a:schemeClr>
+    </dgm:fillClrLst>
+    <dgm:linClrLst meth="repeat">
+      <a:schemeClr val="accent1"/>
+    </dgm:linClrLst>
+    <dgm:effectClrLst/>
+    <dgm:txLinClrLst/>
+    <dgm:txFillClrLst meth="repeat">
+      <a:schemeClr val="dk1"/>
+    </dgm:txFillClrLst>
+    <dgm:txEffectClrLst/>
+  </dgm:styleLbl>
+  <dgm:styleLbl name="dkBgShp">
+    <dgm:fillClrLst meth="repeat">
+      <a:schemeClr val="accent1">
+        <a:shade val="80000"/>
+      </a:schemeClr>
+    </dgm:fillClrLst>
+    <dgm:linClrLst meth="repeat">
+      <a:schemeClr val="accent1"/>
+    </dgm:linClrLst>
+    <dgm:effectClrLst/>
+    <dgm:txLinClrLst/>
+    <dgm:txFillClrLst meth="repeat">
+      <a:schemeClr val="lt1"/>
+    </dgm:txFillClrLst>
+    <dgm:txEffectClrLst/>
+  </dgm:styleLbl>
+  <dgm:styleLbl name="trBgShp">
+    <dgm:fillClrLst meth="repeat">
+      <a:schemeClr val="accent1">
+        <a:tint val="50000"/>
+        <a:alpha val="40000"/>
+      </a:schemeClr>
+    </dgm:fillClrLst>
+    <dgm:linClrLst meth="repeat">
+      <a:schemeClr val="accent1"/>
+    </dgm:linClrLst>
+    <dgm:effectClrLst/>
+    <dgm:txLinClrLst/>
+    <dgm:txFillClrLst meth="repeat">
+      <a:schemeClr val="lt1"/>
+    </dgm:txFillClrLst>
+    <dgm:txEffectClrLst/>
+  </dgm:styleLbl>
+  <dgm:styleLbl name="fgShp">
+    <dgm:fillClrLst meth="repeat">
+      <a:schemeClr val="accent1">
+        <a:tint val="60000"/>
+      </a:schemeClr>
+    </dgm:fillClrLst>
+    <dgm:linClrLst meth="repeat">
+      <a:schemeClr val="lt1"/>
+    </dgm:linClrLst>
+    <dgm:effectClrLst/>
+    <dgm:txLinClrLst/>
+    <dgm:txFillClrLst meth="repeat">
+      <a:schemeClr val="dk1"/>
+    </dgm:txFillClrLst>
+    <dgm:txEffectClrLst/>
+  </dgm:styleLbl>
+  <dgm:styleLbl name="revTx">
+    <dgm:fillClrLst meth="repeat">
+      <a:schemeClr val="lt1">
+        <a:alpha val="0"/>
+      </a:schemeClr>
+    </dgm:fillClrLst>
+    <dgm:linClrLst meth="repeat">
+      <a:schemeClr val="dk1">
+        <a:alpha val="0"/>
+      </a:schemeClr>
+    </dgm:linClrLst>
+    <dgm:effectClrLst/>
+    <dgm:txLinClrLst/>
+    <dgm:txFillClrLst meth="repeat">
+      <a:schemeClr val="tx1"/>
+    </dgm:txFillClrLst>
+    <dgm:txEffectClrLst/>
+  </dgm:styleLbl>
+</dgm:colorsDef>
+</file>
+
+<file path=ppt/diagrams/data1.xml><?xml version="1.0" encoding="utf-8"?>
+<dgm:dataModel xmlns:dgm="http://schemas.openxmlformats.org/drawingml/2006/diagram" xmlns:a="http://schemas.openxmlformats.org/drawingml/2006/main">
+  <dgm:ptLst>
+    <dgm:pt modelId="{DBD4B207-E739-4448-B73A-A1908D0C19C9}" type="doc">
+      <dgm:prSet loTypeId="urn:microsoft.com/office/officeart/2005/8/layout/hChevron3" loCatId="" qsTypeId="urn:microsoft.com/office/officeart/2005/8/quickstyle/simple1" qsCatId="simple" csTypeId="urn:microsoft.com/office/officeart/2005/8/colors/colorful1" csCatId="colorful" phldr="1"/>
+      <dgm:spPr/>
+    </dgm:pt>
+    <dgm:pt modelId="{C1C7179B-41DD-6C4A-8732-AF83FF30EE4B}">
+      <dgm:prSet phldrT="[Texto]"/>
+      <dgm:spPr/>
+      <dgm:t>
+        <a:bodyPr/>
+        <a:lstStyle/>
+        <a:p>
+          <a:r>
+            <a:rPr lang="es-ES" dirty="0"/>
+            <a:t>Estudio de la correlación</a:t>
+          </a:r>
+        </a:p>
+      </dgm:t>
+    </dgm:pt>
+    <dgm:pt modelId="{45394A11-E1C3-7E46-B577-69E5CBE10762}" type="parTrans" cxnId="{5BA0ABE0-AE37-1F4A-A9F1-F424447BD451}">
+      <dgm:prSet/>
+      <dgm:spPr/>
+      <dgm:t>
+        <a:bodyPr/>
+        <a:lstStyle/>
+        <a:p>
+          <a:endParaRPr lang="es-ES"/>
+        </a:p>
+      </dgm:t>
+    </dgm:pt>
+    <dgm:pt modelId="{9DFD5314-18D1-CB49-81D5-DA3C335C963D}" type="sibTrans" cxnId="{5BA0ABE0-AE37-1F4A-A9F1-F424447BD451}">
+      <dgm:prSet/>
+      <dgm:spPr/>
+      <dgm:t>
+        <a:bodyPr/>
+        <a:lstStyle/>
+        <a:p>
+          <a:endParaRPr lang="es-ES"/>
+        </a:p>
+      </dgm:t>
+    </dgm:pt>
+    <dgm:pt modelId="{EF1185AE-C50F-F545-A7DF-F773CFDD6ACB}">
+      <dgm:prSet phldrT="[Texto]"/>
+      <dgm:spPr/>
+      <dgm:t>
+        <a:bodyPr/>
+        <a:lstStyle/>
+        <a:p>
+          <a:r>
+            <a:rPr lang="es-ES" dirty="0"/>
+            <a:t>Contraste de hipótesis</a:t>
+          </a:r>
+        </a:p>
+      </dgm:t>
+    </dgm:pt>
+    <dgm:pt modelId="{99A88C38-D854-3045-82F3-19079F53520D}" type="parTrans" cxnId="{317337C2-33EC-0A40-B5BC-388E5CA062FF}">
+      <dgm:prSet/>
+      <dgm:spPr/>
+      <dgm:t>
+        <a:bodyPr/>
+        <a:lstStyle/>
+        <a:p>
+          <a:endParaRPr lang="es-ES"/>
+        </a:p>
+      </dgm:t>
+    </dgm:pt>
+    <dgm:pt modelId="{1E9F0BB3-D378-3A4E-A172-D5376AD90B6A}" type="sibTrans" cxnId="{317337C2-33EC-0A40-B5BC-388E5CA062FF}">
+      <dgm:prSet/>
+      <dgm:spPr/>
+      <dgm:t>
+        <a:bodyPr/>
+        <a:lstStyle/>
+        <a:p>
+          <a:endParaRPr lang="es-ES"/>
+        </a:p>
+      </dgm:t>
+    </dgm:pt>
+    <dgm:pt modelId="{C17FEE4A-8A09-5645-87B4-1B77E7E9E30B}">
+      <dgm:prSet phldrT="[Texto]"/>
+      <dgm:spPr/>
+      <dgm:t>
+        <a:bodyPr/>
+        <a:lstStyle/>
+        <a:p>
+          <a:r>
+            <a:rPr lang="es-ES" dirty="0"/>
+            <a:t>Regresión Lineal</a:t>
+          </a:r>
+        </a:p>
+      </dgm:t>
+    </dgm:pt>
+    <dgm:pt modelId="{22F68B61-F6EF-FB4A-9398-6F29B0920351}" type="parTrans" cxnId="{38DB9809-5DDB-5D43-8D76-622E0BFAC510}">
+      <dgm:prSet/>
+      <dgm:spPr/>
+      <dgm:t>
+        <a:bodyPr/>
+        <a:lstStyle/>
+        <a:p>
+          <a:endParaRPr lang="es-ES"/>
+        </a:p>
+      </dgm:t>
+    </dgm:pt>
+    <dgm:pt modelId="{E14C93D7-8A43-854E-80D0-6F7A6FE688E8}" type="sibTrans" cxnId="{38DB9809-5DDB-5D43-8D76-622E0BFAC510}">
+      <dgm:prSet/>
+      <dgm:spPr/>
+      <dgm:t>
+        <a:bodyPr/>
+        <a:lstStyle/>
+        <a:p>
+          <a:endParaRPr lang="es-ES"/>
+        </a:p>
+      </dgm:t>
+    </dgm:pt>
+    <dgm:pt modelId="{751B48B7-51CF-8F43-81E1-4E829340731D}">
+      <dgm:prSet/>
+      <dgm:spPr/>
+      <dgm:t>
+        <a:bodyPr/>
+        <a:lstStyle/>
+        <a:p>
+          <a:r>
+            <a:rPr lang="es-ES" dirty="0"/>
+            <a:t>Comprobación de la normalidad y la </a:t>
+          </a:r>
+          <a:r>
+            <a:rPr lang="es-ES" dirty="0" err="1"/>
+            <a:t>homocedesticidad</a:t>
+          </a:r>
+          <a:endParaRPr lang="es-ES" dirty="0"/>
+        </a:p>
+      </dgm:t>
+    </dgm:pt>
+    <dgm:pt modelId="{8BBB9420-C289-DF43-9FE5-244DED554876}" type="parTrans" cxnId="{3B863E9C-2326-594B-A032-7299C88654B6}">
+      <dgm:prSet/>
+      <dgm:spPr/>
+      <dgm:t>
+        <a:bodyPr/>
+        <a:lstStyle/>
+        <a:p>
+          <a:endParaRPr lang="es-ES"/>
+        </a:p>
+      </dgm:t>
+    </dgm:pt>
+    <dgm:pt modelId="{6069F0F9-2F9B-F940-A604-665D3CECDA12}" type="sibTrans" cxnId="{3B863E9C-2326-594B-A032-7299C88654B6}">
+      <dgm:prSet/>
+      <dgm:spPr/>
+      <dgm:t>
+        <a:bodyPr/>
+        <a:lstStyle/>
+        <a:p>
+          <a:endParaRPr lang="es-ES"/>
+        </a:p>
+      </dgm:t>
+    </dgm:pt>
+    <dgm:pt modelId="{0C9DB628-107A-394D-9DE4-D764D8966AE5}">
+      <dgm:prSet custT="1"/>
+      <dgm:spPr/>
+      <dgm:t>
+        <a:bodyPr/>
+        <a:lstStyle/>
+        <a:p>
+          <a:r>
+            <a:rPr lang="es-ES" sz="1400" b="1" dirty="0"/>
+            <a:t>Predicción de la posición en el buscador</a:t>
+          </a:r>
+        </a:p>
+      </dgm:t>
+    </dgm:pt>
+    <dgm:pt modelId="{15649590-0E1C-5644-B7F3-5FCC4FAD83C1}" type="parTrans" cxnId="{DE21BF2E-0195-7F4F-BB84-A3CB05658E2D}">
+      <dgm:prSet/>
+      <dgm:spPr/>
+      <dgm:t>
+        <a:bodyPr/>
+        <a:lstStyle/>
+        <a:p>
+          <a:endParaRPr lang="es-ES"/>
+        </a:p>
+      </dgm:t>
+    </dgm:pt>
+    <dgm:pt modelId="{F69DB093-57E3-7C4F-B758-960136179907}" type="sibTrans" cxnId="{DE21BF2E-0195-7F4F-BB84-A3CB05658E2D}">
+      <dgm:prSet/>
+      <dgm:spPr/>
+      <dgm:t>
+        <a:bodyPr/>
+        <a:lstStyle/>
+        <a:p>
+          <a:endParaRPr lang="es-ES"/>
+        </a:p>
+      </dgm:t>
+    </dgm:pt>
+    <dgm:pt modelId="{58AD645E-69CB-D643-9610-6F9CC55245D2}" type="pres">
+      <dgm:prSet presAssocID="{DBD4B207-E739-4448-B73A-A1908D0C19C9}" presName="Name0" presStyleCnt="0">
+        <dgm:presLayoutVars>
+          <dgm:dir/>
+          <dgm:resizeHandles val="exact"/>
+        </dgm:presLayoutVars>
+      </dgm:prSet>
+      <dgm:spPr/>
+    </dgm:pt>
+    <dgm:pt modelId="{5C456B8C-48E2-D445-9478-6BCF56204D93}" type="pres">
+      <dgm:prSet presAssocID="{C1C7179B-41DD-6C4A-8732-AF83FF30EE4B}" presName="parTxOnly" presStyleLbl="node1" presStyleIdx="0" presStyleCnt="5">
+        <dgm:presLayoutVars>
+          <dgm:bulletEnabled val="1"/>
+        </dgm:presLayoutVars>
+      </dgm:prSet>
+      <dgm:spPr/>
+    </dgm:pt>
+    <dgm:pt modelId="{5B76F060-1AC9-EE48-98DC-C48FD4D4C56E}" type="pres">
+      <dgm:prSet presAssocID="{9DFD5314-18D1-CB49-81D5-DA3C335C963D}" presName="parSpace" presStyleCnt="0"/>
+      <dgm:spPr/>
+    </dgm:pt>
+    <dgm:pt modelId="{942A33E5-8888-AE4E-8D00-F0BC9AB9D32E}" type="pres">
+      <dgm:prSet presAssocID="{751B48B7-51CF-8F43-81E1-4E829340731D}" presName="parTxOnly" presStyleLbl="node1" presStyleIdx="1" presStyleCnt="5">
+        <dgm:presLayoutVars>
+          <dgm:bulletEnabled val="1"/>
+        </dgm:presLayoutVars>
+      </dgm:prSet>
+      <dgm:spPr/>
+    </dgm:pt>
+    <dgm:pt modelId="{342AD62A-0451-3A41-9A24-04180D49BAED}" type="pres">
+      <dgm:prSet presAssocID="{6069F0F9-2F9B-F940-A604-665D3CECDA12}" presName="parSpace" presStyleCnt="0"/>
+      <dgm:spPr/>
+    </dgm:pt>
+    <dgm:pt modelId="{8E5568DC-9167-8445-99BC-DBA650E4D55C}" type="pres">
+      <dgm:prSet presAssocID="{EF1185AE-C50F-F545-A7DF-F773CFDD6ACB}" presName="parTxOnly" presStyleLbl="node1" presStyleIdx="2" presStyleCnt="5">
+        <dgm:presLayoutVars>
+          <dgm:bulletEnabled val="1"/>
+        </dgm:presLayoutVars>
+      </dgm:prSet>
+      <dgm:spPr/>
+    </dgm:pt>
+    <dgm:pt modelId="{5E8B8CE8-1130-1342-B422-71F7671A0838}" type="pres">
+      <dgm:prSet presAssocID="{1E9F0BB3-D378-3A4E-A172-D5376AD90B6A}" presName="parSpace" presStyleCnt="0"/>
+      <dgm:spPr/>
+    </dgm:pt>
+    <dgm:pt modelId="{C1DC4242-CCBD-A740-88B3-0FD5B9EC033A}" type="pres">
+      <dgm:prSet presAssocID="{C17FEE4A-8A09-5645-87B4-1B77E7E9E30B}" presName="parTxOnly" presStyleLbl="node1" presStyleIdx="3" presStyleCnt="5">
+        <dgm:presLayoutVars>
+          <dgm:bulletEnabled val="1"/>
+        </dgm:presLayoutVars>
+      </dgm:prSet>
+      <dgm:spPr/>
+    </dgm:pt>
+    <dgm:pt modelId="{AF00A3C4-8C21-674D-ABAA-72D0E8DBC83F}" type="pres">
+      <dgm:prSet presAssocID="{E14C93D7-8A43-854E-80D0-6F7A6FE688E8}" presName="parSpace" presStyleCnt="0"/>
+      <dgm:spPr/>
+    </dgm:pt>
+    <dgm:pt modelId="{B40C2E14-E936-3C47-8C10-3B392B38C359}" type="pres">
+      <dgm:prSet presAssocID="{0C9DB628-107A-394D-9DE4-D764D8966AE5}" presName="parTxOnly" presStyleLbl="node1" presStyleIdx="4" presStyleCnt="5">
+        <dgm:presLayoutVars>
+          <dgm:bulletEnabled val="1"/>
+        </dgm:presLayoutVars>
+      </dgm:prSet>
+      <dgm:spPr/>
+    </dgm:pt>
+  </dgm:ptLst>
+  <dgm:cxnLst>
+    <dgm:cxn modelId="{38DB9809-5DDB-5D43-8D76-622E0BFAC510}" srcId="{DBD4B207-E739-4448-B73A-A1908D0C19C9}" destId="{C17FEE4A-8A09-5645-87B4-1B77E7E9E30B}" srcOrd="3" destOrd="0" parTransId="{22F68B61-F6EF-FB4A-9398-6F29B0920351}" sibTransId="{E14C93D7-8A43-854E-80D0-6F7A6FE688E8}"/>
+    <dgm:cxn modelId="{68CD280F-19A5-DC4C-AA5C-D68B93757E32}" type="presOf" srcId="{0C9DB628-107A-394D-9DE4-D764D8966AE5}" destId="{B40C2E14-E936-3C47-8C10-3B392B38C359}" srcOrd="0" destOrd="0" presId="urn:microsoft.com/office/officeart/2005/8/layout/hChevron3"/>
+    <dgm:cxn modelId="{C2F73622-906D-5D43-BE0C-8F31F8A21623}" type="presOf" srcId="{C1C7179B-41DD-6C4A-8732-AF83FF30EE4B}" destId="{5C456B8C-48E2-D445-9478-6BCF56204D93}" srcOrd="0" destOrd="0" presId="urn:microsoft.com/office/officeart/2005/8/layout/hChevron3"/>
+    <dgm:cxn modelId="{DE21BF2E-0195-7F4F-BB84-A3CB05658E2D}" srcId="{DBD4B207-E739-4448-B73A-A1908D0C19C9}" destId="{0C9DB628-107A-394D-9DE4-D764D8966AE5}" srcOrd="4" destOrd="0" parTransId="{15649590-0E1C-5644-B7F3-5FCC4FAD83C1}" sibTransId="{F69DB093-57E3-7C4F-B758-960136179907}"/>
+    <dgm:cxn modelId="{835EF95D-2757-7045-8858-C8A9304B103A}" type="presOf" srcId="{751B48B7-51CF-8F43-81E1-4E829340731D}" destId="{942A33E5-8888-AE4E-8D00-F0BC9AB9D32E}" srcOrd="0" destOrd="0" presId="urn:microsoft.com/office/officeart/2005/8/layout/hChevron3"/>
+    <dgm:cxn modelId="{8C1FE775-0912-2148-A818-7CD624EA3CB9}" type="presOf" srcId="{EF1185AE-C50F-F545-A7DF-F773CFDD6ACB}" destId="{8E5568DC-9167-8445-99BC-DBA650E4D55C}" srcOrd="0" destOrd="0" presId="urn:microsoft.com/office/officeart/2005/8/layout/hChevron3"/>
+    <dgm:cxn modelId="{3B863E9C-2326-594B-A032-7299C88654B6}" srcId="{DBD4B207-E739-4448-B73A-A1908D0C19C9}" destId="{751B48B7-51CF-8F43-81E1-4E829340731D}" srcOrd="1" destOrd="0" parTransId="{8BBB9420-C289-DF43-9FE5-244DED554876}" sibTransId="{6069F0F9-2F9B-F940-A604-665D3CECDA12}"/>
+    <dgm:cxn modelId="{FFFFEBA8-6C00-2A40-9324-40F1EFAFE43D}" type="presOf" srcId="{C17FEE4A-8A09-5645-87B4-1B77E7E9E30B}" destId="{C1DC4242-CCBD-A740-88B3-0FD5B9EC033A}" srcOrd="0" destOrd="0" presId="urn:microsoft.com/office/officeart/2005/8/layout/hChevron3"/>
+    <dgm:cxn modelId="{317337C2-33EC-0A40-B5BC-388E5CA062FF}" srcId="{DBD4B207-E739-4448-B73A-A1908D0C19C9}" destId="{EF1185AE-C50F-F545-A7DF-F773CFDD6ACB}" srcOrd="2" destOrd="0" parTransId="{99A88C38-D854-3045-82F3-19079F53520D}" sibTransId="{1E9F0BB3-D378-3A4E-A172-D5376AD90B6A}"/>
+    <dgm:cxn modelId="{5BA0ABE0-AE37-1F4A-A9F1-F424447BD451}" srcId="{DBD4B207-E739-4448-B73A-A1908D0C19C9}" destId="{C1C7179B-41DD-6C4A-8732-AF83FF30EE4B}" srcOrd="0" destOrd="0" parTransId="{45394A11-E1C3-7E46-B577-69E5CBE10762}" sibTransId="{9DFD5314-18D1-CB49-81D5-DA3C335C963D}"/>
+    <dgm:cxn modelId="{AF27F2FF-53C8-B440-8819-10DB5C2153E1}" type="presOf" srcId="{DBD4B207-E739-4448-B73A-A1908D0C19C9}" destId="{58AD645E-69CB-D643-9610-6F9CC55245D2}" srcOrd="0" destOrd="0" presId="urn:microsoft.com/office/officeart/2005/8/layout/hChevron3"/>
+    <dgm:cxn modelId="{05E32725-D7D6-C748-A260-F3DB87958B1C}" type="presParOf" srcId="{58AD645E-69CB-D643-9610-6F9CC55245D2}" destId="{5C456B8C-48E2-D445-9478-6BCF56204D93}" srcOrd="0" destOrd="0" presId="urn:microsoft.com/office/officeart/2005/8/layout/hChevron3"/>
+    <dgm:cxn modelId="{A990F9C4-060F-8841-8929-DACEA389F9E0}" type="presParOf" srcId="{58AD645E-69CB-D643-9610-6F9CC55245D2}" destId="{5B76F060-1AC9-EE48-98DC-C48FD4D4C56E}" srcOrd="1" destOrd="0" presId="urn:microsoft.com/office/officeart/2005/8/layout/hChevron3"/>
+    <dgm:cxn modelId="{6E2CD00B-587B-AB48-905A-6E9EE07055F7}" type="presParOf" srcId="{58AD645E-69CB-D643-9610-6F9CC55245D2}" destId="{942A33E5-8888-AE4E-8D00-F0BC9AB9D32E}" srcOrd="2" destOrd="0" presId="urn:microsoft.com/office/officeart/2005/8/layout/hChevron3"/>
+    <dgm:cxn modelId="{68B63944-EF0D-2C41-9C7A-BACBF519BE5B}" type="presParOf" srcId="{58AD645E-69CB-D643-9610-6F9CC55245D2}" destId="{342AD62A-0451-3A41-9A24-04180D49BAED}" srcOrd="3" destOrd="0" presId="urn:microsoft.com/office/officeart/2005/8/layout/hChevron3"/>
+    <dgm:cxn modelId="{2620E8E9-64C6-9745-9F0A-264A454BB5DD}" type="presParOf" srcId="{58AD645E-69CB-D643-9610-6F9CC55245D2}" destId="{8E5568DC-9167-8445-99BC-DBA650E4D55C}" srcOrd="4" destOrd="0" presId="urn:microsoft.com/office/officeart/2005/8/layout/hChevron3"/>
+    <dgm:cxn modelId="{AA692A31-4F21-DC4B-A568-817FBE59E90D}" type="presParOf" srcId="{58AD645E-69CB-D643-9610-6F9CC55245D2}" destId="{5E8B8CE8-1130-1342-B422-71F7671A0838}" srcOrd="5" destOrd="0" presId="urn:microsoft.com/office/officeart/2005/8/layout/hChevron3"/>
+    <dgm:cxn modelId="{6CB58019-C2B7-D849-B810-3B7C0C08558A}" type="presParOf" srcId="{58AD645E-69CB-D643-9610-6F9CC55245D2}" destId="{C1DC4242-CCBD-A740-88B3-0FD5B9EC033A}" srcOrd="6" destOrd="0" presId="urn:microsoft.com/office/officeart/2005/8/layout/hChevron3"/>
+    <dgm:cxn modelId="{7D4A2B40-BD18-A34D-BB1C-C171694EB0DB}" type="presParOf" srcId="{58AD645E-69CB-D643-9610-6F9CC55245D2}" destId="{AF00A3C4-8C21-674D-ABAA-72D0E8DBC83F}" srcOrd="7" destOrd="0" presId="urn:microsoft.com/office/officeart/2005/8/layout/hChevron3"/>
+    <dgm:cxn modelId="{36FCF85C-7EA8-6544-9680-CD83C506327B}" type="presParOf" srcId="{58AD645E-69CB-D643-9610-6F9CC55245D2}" destId="{B40C2E14-E936-3C47-8C10-3B392B38C359}" srcOrd="8" destOrd="0" presId="urn:microsoft.com/office/officeart/2005/8/layout/hChevron3"/>
+  </dgm:cxnLst>
+  <dgm:bg/>
+  <dgm:whole/>
+  <dgm:extLst>
+    <a:ext uri="http://schemas.microsoft.com/office/drawing/2008/diagram">
+      <dsp:dataModelExt xmlns:dsp="http://schemas.microsoft.com/office/drawing/2008/diagram" relId="rId7" minVer="http://schemas.openxmlformats.org/drawingml/2006/diagram"/>
+    </a:ext>
+  </dgm:extLst>
+</dgm:dataModel>
+</file>
+
+<file path=ppt/diagrams/data2.xml><?xml version="1.0" encoding="utf-8"?>
+<dgm:dataModel xmlns:dgm="http://schemas.openxmlformats.org/drawingml/2006/diagram" xmlns:a="http://schemas.openxmlformats.org/drawingml/2006/main">
+  <dgm:ptLst>
+    <dgm:pt modelId="{819E0C5A-1403-8E41-AAA1-DCD6DD60F058}" type="doc">
+      <dgm:prSet loTypeId="urn:microsoft.com/office/officeart/2005/8/layout/hList1" loCatId="" qsTypeId="urn:microsoft.com/office/officeart/2005/8/quickstyle/simple1" qsCatId="simple" csTypeId="urn:microsoft.com/office/officeart/2005/8/colors/accent1_2" csCatId="accent1" phldr="1"/>
+      <dgm:spPr/>
+      <dgm:t>
+        <a:bodyPr/>
+        <a:lstStyle/>
+        <a:p>
+          <a:endParaRPr lang="es-ES"/>
+        </a:p>
+      </dgm:t>
+    </dgm:pt>
+    <dgm:pt modelId="{713F20A0-BF72-EE43-A8DD-AF185C4B82DC}">
+      <dgm:prSet phldrT="[Texto]"/>
+      <dgm:spPr/>
+      <dgm:t>
+        <a:bodyPr/>
+        <a:lstStyle/>
+        <a:p>
+          <a:r>
+            <a:rPr lang="es-ES" dirty="0"/>
+            <a:t>Regresión 1</a:t>
+          </a:r>
+        </a:p>
+      </dgm:t>
+    </dgm:pt>
+    <dgm:pt modelId="{DF1B0929-A7B6-A74C-8B69-E70C60B34C24}" type="parTrans" cxnId="{AC8952D2-129E-C149-A3DB-D28DF163DBDB}">
+      <dgm:prSet/>
+      <dgm:spPr/>
+      <dgm:t>
+        <a:bodyPr/>
+        <a:lstStyle/>
+        <a:p>
+          <a:endParaRPr lang="es-ES"/>
+        </a:p>
+      </dgm:t>
+    </dgm:pt>
+    <dgm:pt modelId="{889468A5-C505-D24D-8B87-C4B0DDE99818}" type="sibTrans" cxnId="{AC8952D2-129E-C149-A3DB-D28DF163DBDB}">
+      <dgm:prSet/>
+      <dgm:spPr/>
+      <dgm:t>
+        <a:bodyPr/>
+        <a:lstStyle/>
+        <a:p>
+          <a:endParaRPr lang="es-ES"/>
+        </a:p>
+      </dgm:t>
+    </dgm:pt>
+    <dgm:pt modelId="{FEEDF827-207B-204B-BCF6-BE71B111FA2E}">
+      <dgm:prSet phldrT="[Texto]"/>
+      <dgm:spPr/>
+      <dgm:t>
+        <a:bodyPr/>
+        <a:lstStyle/>
+        <a:p>
+          <a:r>
+            <a:rPr lang="es-ES" dirty="0"/>
+            <a:t>Variables empleadas:</a:t>
+          </a:r>
+        </a:p>
+      </dgm:t>
+    </dgm:pt>
+    <dgm:pt modelId="{B2D6999F-9B5D-E946-8A93-E9544EDAD88D}" type="parTrans" cxnId="{F4737E95-806E-FF42-AE69-B5A21681D5B3}">
+      <dgm:prSet/>
+      <dgm:spPr/>
+      <dgm:t>
+        <a:bodyPr/>
+        <a:lstStyle/>
+        <a:p>
+          <a:endParaRPr lang="es-ES"/>
+        </a:p>
+      </dgm:t>
+    </dgm:pt>
+    <dgm:pt modelId="{B21F15CE-8CEC-4F46-8FEA-7B105F083E5E}" type="sibTrans" cxnId="{F4737E95-806E-FF42-AE69-B5A21681D5B3}">
+      <dgm:prSet/>
+      <dgm:spPr/>
+      <dgm:t>
+        <a:bodyPr/>
+        <a:lstStyle/>
+        <a:p>
+          <a:endParaRPr lang="es-ES"/>
+        </a:p>
+      </dgm:t>
+    </dgm:pt>
+    <dgm:pt modelId="{EB634E8C-7C66-7248-9503-36E83DCFFDFA}">
+      <dgm:prSet phldrT="[Texto]"/>
+      <dgm:spPr/>
+      <dgm:t>
+        <a:bodyPr/>
+        <a:lstStyle/>
+        <a:p>
+          <a:r>
+            <a:rPr lang="es-ES" dirty="0"/>
+            <a:t>Resultados:</a:t>
+          </a:r>
+        </a:p>
+      </dgm:t>
+    </dgm:pt>
+    <dgm:pt modelId="{A58FFCAF-CA74-D64B-BCBC-313FD4181AC0}" type="parTrans" cxnId="{B4623368-49AF-8745-97B2-A793E8F4A78A}">
+      <dgm:prSet/>
+      <dgm:spPr/>
+      <dgm:t>
+        <a:bodyPr/>
+        <a:lstStyle/>
+        <a:p>
+          <a:endParaRPr lang="es-ES"/>
+        </a:p>
+      </dgm:t>
+    </dgm:pt>
+    <dgm:pt modelId="{C89FDDCB-23D7-5B4E-B676-48C917624C53}" type="sibTrans" cxnId="{B4623368-49AF-8745-97B2-A793E8F4A78A}">
+      <dgm:prSet/>
+      <dgm:spPr/>
+      <dgm:t>
+        <a:bodyPr/>
+        <a:lstStyle/>
+        <a:p>
+          <a:endParaRPr lang="es-ES"/>
+        </a:p>
+      </dgm:t>
+    </dgm:pt>
+    <dgm:pt modelId="{28D5221A-BD74-3D4B-AFB4-4550713B6A46}">
+      <dgm:prSet phldrT="[Texto]"/>
+      <dgm:spPr/>
+      <dgm:t>
+        <a:bodyPr/>
+        <a:lstStyle/>
+        <a:p>
+          <a:r>
+            <a:rPr lang="es-ES" dirty="0"/>
+            <a:t>Regresión 2</a:t>
+          </a:r>
+        </a:p>
+      </dgm:t>
+    </dgm:pt>
+    <dgm:pt modelId="{178A9911-7D7A-BC47-854A-AF8FEEB12C7E}" type="parTrans" cxnId="{5C25DE2E-1FBA-3948-B5D0-A31DAC1ACE6B}">
+      <dgm:prSet/>
+      <dgm:spPr/>
+      <dgm:t>
+        <a:bodyPr/>
+        <a:lstStyle/>
+        <a:p>
+          <a:endParaRPr lang="es-ES"/>
+        </a:p>
+      </dgm:t>
+    </dgm:pt>
+    <dgm:pt modelId="{B696060D-1A93-E64C-840F-EDB65A67B126}" type="sibTrans" cxnId="{5C25DE2E-1FBA-3948-B5D0-A31DAC1ACE6B}">
+      <dgm:prSet/>
+      <dgm:spPr/>
+      <dgm:t>
+        <a:bodyPr/>
+        <a:lstStyle/>
+        <a:p>
+          <a:endParaRPr lang="es-ES"/>
+        </a:p>
+      </dgm:t>
+    </dgm:pt>
+    <dgm:pt modelId="{63F9CB0A-1442-A443-A2CC-BDA05E7E2202}">
+      <dgm:prSet phldrT="[Texto]"/>
+      <dgm:spPr/>
+      <dgm:t>
+        <a:bodyPr/>
+        <a:lstStyle/>
+        <a:p>
+          <a:r>
+            <a:rPr lang="es-ES" dirty="0"/>
+            <a:t>Variables empleadas:</a:t>
+          </a:r>
+        </a:p>
+      </dgm:t>
+    </dgm:pt>
+    <dgm:pt modelId="{DEC80EDC-48A9-6F4A-91F3-FF9EC7B7432C}" type="parTrans" cxnId="{8DF24F3C-496F-4D41-90D4-4919AB497003}">
+      <dgm:prSet/>
+      <dgm:spPr/>
+      <dgm:t>
+        <a:bodyPr/>
+        <a:lstStyle/>
+        <a:p>
+          <a:endParaRPr lang="es-ES"/>
+        </a:p>
+      </dgm:t>
+    </dgm:pt>
+    <dgm:pt modelId="{C71E81B2-057C-1B40-80B5-D59FE4EC5B01}" type="sibTrans" cxnId="{8DF24F3C-496F-4D41-90D4-4919AB497003}">
+      <dgm:prSet/>
+      <dgm:spPr/>
+      <dgm:t>
+        <a:bodyPr/>
+        <a:lstStyle/>
+        <a:p>
+          <a:endParaRPr lang="es-ES"/>
+        </a:p>
+      </dgm:t>
+    </dgm:pt>
+    <dgm:pt modelId="{0A895738-3D40-E74A-B397-D507CCF0DD94}">
+      <dgm:prSet phldrT="[Texto]"/>
+      <dgm:spPr/>
+      <dgm:t>
+        <a:bodyPr/>
+        <a:lstStyle/>
+        <a:p>
+          <a:r>
+            <a:rPr lang="es-ES" dirty="0"/>
+            <a:t>Regresión 3</a:t>
+          </a:r>
+        </a:p>
+      </dgm:t>
+    </dgm:pt>
+    <dgm:pt modelId="{645C7407-81C9-974F-88A8-830A4C2D5775}" type="parTrans" cxnId="{2EA29EF6-99EB-D243-B6DD-A3EAE9D5605B}">
+      <dgm:prSet/>
+      <dgm:spPr/>
+      <dgm:t>
+        <a:bodyPr/>
+        <a:lstStyle/>
+        <a:p>
+          <a:endParaRPr lang="es-ES"/>
+        </a:p>
+      </dgm:t>
+    </dgm:pt>
+    <dgm:pt modelId="{F4CC5A28-A519-F04A-B9CC-1EA32A23FF6D}" type="sibTrans" cxnId="{2EA29EF6-99EB-D243-B6DD-A3EAE9D5605B}">
+      <dgm:prSet/>
+      <dgm:spPr/>
+      <dgm:t>
+        <a:bodyPr/>
+        <a:lstStyle/>
+        <a:p>
+          <a:endParaRPr lang="es-ES"/>
+        </a:p>
+      </dgm:t>
+    </dgm:pt>
+    <dgm:pt modelId="{74B7F226-0836-874F-A3BF-207C591BB9FB}">
+      <dgm:prSet phldrT="[Texto]"/>
+      <dgm:spPr/>
+      <dgm:t>
+        <a:bodyPr/>
+        <a:lstStyle/>
+        <a:p>
+          <a:r>
+            <a:rPr lang="es-ES" dirty="0"/>
+            <a:t>Variables empleadas:</a:t>
+          </a:r>
+        </a:p>
+      </dgm:t>
+    </dgm:pt>
+    <dgm:pt modelId="{FD7B2134-7A0B-BB4F-A6D0-B132589DB647}" type="parTrans" cxnId="{BEBE87BE-AFB9-C749-BBB5-A2C6FEDB8DF5}">
+      <dgm:prSet/>
+      <dgm:spPr/>
+      <dgm:t>
+        <a:bodyPr/>
+        <a:lstStyle/>
+        <a:p>
+          <a:endParaRPr lang="es-ES"/>
+        </a:p>
+      </dgm:t>
+    </dgm:pt>
+    <dgm:pt modelId="{501139DA-FAE9-E841-A010-7A714FF8CC34}" type="sibTrans" cxnId="{BEBE87BE-AFB9-C749-BBB5-A2C6FEDB8DF5}">
+      <dgm:prSet/>
+      <dgm:spPr/>
+      <dgm:t>
+        <a:bodyPr/>
+        <a:lstStyle/>
+        <a:p>
+          <a:endParaRPr lang="es-ES"/>
+        </a:p>
+      </dgm:t>
+    </dgm:pt>
+    <dgm:pt modelId="{8FCAC36B-883B-CB49-B2A9-1726890C69CC}">
+      <dgm:prSet phldrT="[Texto]"/>
+      <dgm:spPr/>
+      <dgm:t>
+        <a:bodyPr/>
+        <a:lstStyle/>
+        <a:p>
+          <a:r>
+            <a:rPr lang="es-ES" dirty="0"/>
+            <a:t>Regresión 4</a:t>
+          </a:r>
+        </a:p>
+      </dgm:t>
+    </dgm:pt>
+    <dgm:pt modelId="{E8A03A2C-CA25-EF4D-BF6A-78335E2FE77E}" type="parTrans" cxnId="{17C6DA72-945A-DE49-901E-57CE0D6BFAD0}">
+      <dgm:prSet/>
+      <dgm:spPr/>
+      <dgm:t>
+        <a:bodyPr/>
+        <a:lstStyle/>
+        <a:p>
+          <a:endParaRPr lang="es-ES"/>
+        </a:p>
+      </dgm:t>
+    </dgm:pt>
+    <dgm:pt modelId="{D384A8A0-6BAF-884B-BCF0-7AFB8CACFA43}" type="sibTrans" cxnId="{17C6DA72-945A-DE49-901E-57CE0D6BFAD0}">
+      <dgm:prSet/>
+      <dgm:spPr/>
+      <dgm:t>
+        <a:bodyPr/>
+        <a:lstStyle/>
+        <a:p>
+          <a:endParaRPr lang="es-ES"/>
+        </a:p>
+      </dgm:t>
+    </dgm:pt>
+    <dgm:pt modelId="{E05BD9A0-9638-2847-B21C-1F3C0B4CB50F}">
+      <dgm:prSet phldrT="[Texto]"/>
+      <dgm:spPr/>
+      <dgm:t>
+        <a:bodyPr/>
+        <a:lstStyle/>
+        <a:p>
+          <a:r>
+            <a:rPr lang="es-ES" dirty="0"/>
+            <a:t>Regresión 5</a:t>
+          </a:r>
+        </a:p>
+      </dgm:t>
+    </dgm:pt>
+    <dgm:pt modelId="{E4DC4D22-FBE9-E740-BFFA-2182F4D627F1}" type="parTrans" cxnId="{BBB0A3D7-D137-0D48-8632-8215233A8AA0}">
+      <dgm:prSet/>
+      <dgm:spPr/>
+      <dgm:t>
+        <a:bodyPr/>
+        <a:lstStyle/>
+        <a:p>
+          <a:endParaRPr lang="es-ES"/>
+        </a:p>
+      </dgm:t>
+    </dgm:pt>
+    <dgm:pt modelId="{38A24B3A-B657-AB4E-9522-6162931272E9}" type="sibTrans" cxnId="{BBB0A3D7-D137-0D48-8632-8215233A8AA0}">
+      <dgm:prSet/>
+      <dgm:spPr/>
+      <dgm:t>
+        <a:bodyPr/>
+        <a:lstStyle/>
+        <a:p>
+          <a:endParaRPr lang="es-ES"/>
+        </a:p>
+      </dgm:t>
+    </dgm:pt>
+    <dgm:pt modelId="{772D9646-FB6B-8646-816D-D874BE7D2927}">
+      <dgm:prSet phldrT="[Texto]"/>
+      <dgm:spPr/>
+      <dgm:t>
+        <a:bodyPr/>
+        <a:lstStyle/>
+        <a:p>
+          <a:r>
+            <a:rPr lang="es-ES" dirty="0" err="1"/>
+            <a:t>Comfort_score</a:t>
+          </a:r>
+          <a:endParaRPr lang="es-ES" dirty="0"/>
+        </a:p>
+      </dgm:t>
+    </dgm:pt>
+    <dgm:pt modelId="{8117E1BB-0B14-D34F-92F9-C9DC20C2A29E}" type="parTrans" cxnId="{0A911030-79D3-2748-8205-20BED9643155}">
+      <dgm:prSet/>
+      <dgm:spPr/>
+      <dgm:t>
+        <a:bodyPr/>
+        <a:lstStyle/>
+        <a:p>
+          <a:endParaRPr lang="es-ES"/>
+        </a:p>
+      </dgm:t>
+    </dgm:pt>
+    <dgm:pt modelId="{8EACAE50-97A1-6C40-BA4E-047E5884BF61}" type="sibTrans" cxnId="{0A911030-79D3-2748-8205-20BED9643155}">
+      <dgm:prSet/>
+      <dgm:spPr/>
+      <dgm:t>
+        <a:bodyPr/>
+        <a:lstStyle/>
+        <a:p>
+          <a:endParaRPr lang="es-ES"/>
+        </a:p>
+      </dgm:t>
+    </dgm:pt>
+    <dgm:pt modelId="{2E8F0239-696F-6D47-9F86-A7CCAD2A3DC2}">
+      <dgm:prSet phldrT="[Texto]"/>
+      <dgm:spPr/>
+      <dgm:t>
+        <a:bodyPr/>
+        <a:lstStyle/>
+        <a:p>
+          <a:r>
+            <a:rPr lang="es-ES" dirty="0"/>
+            <a:t>R</a:t>
+          </a:r>
+          <a:r>
+            <a:rPr lang="es-ES" baseline="30000" dirty="0"/>
+            <a:t>2</a:t>
+          </a:r>
+          <a:r>
+            <a:rPr lang="es-ES" baseline="0" dirty="0"/>
+            <a:t>: </a:t>
+          </a:r>
+          <a:r>
+            <a:rPr lang="es-ES" dirty="0"/>
+            <a:t>0.005</a:t>
+          </a:r>
+        </a:p>
+      </dgm:t>
+    </dgm:pt>
+    <dgm:pt modelId="{B5C47E38-5A0B-DF4E-8AA5-29A82AB089B1}" type="parTrans" cxnId="{0627A822-46FF-BB46-9E9E-460080046859}">
+      <dgm:prSet/>
+      <dgm:spPr/>
+      <dgm:t>
+        <a:bodyPr/>
+        <a:lstStyle/>
+        <a:p>
+          <a:endParaRPr lang="es-ES"/>
+        </a:p>
+      </dgm:t>
+    </dgm:pt>
+    <dgm:pt modelId="{725460CE-83B5-DC48-9ADD-FA2A55AE1290}" type="sibTrans" cxnId="{0627A822-46FF-BB46-9E9E-460080046859}">
+      <dgm:prSet/>
+      <dgm:spPr/>
+      <dgm:t>
+        <a:bodyPr/>
+        <a:lstStyle/>
+        <a:p>
+          <a:endParaRPr lang="es-ES"/>
+        </a:p>
+      </dgm:t>
+    </dgm:pt>
+    <dgm:pt modelId="{3426FADA-66D1-8144-BC16-D31682296B01}">
+      <dgm:prSet/>
+      <dgm:spPr/>
+      <dgm:t>
+        <a:bodyPr/>
+        <a:lstStyle/>
+        <a:p>
+          <a:r>
+            <a:rPr lang="es-ES" dirty="0" err="1"/>
+            <a:t>Comfort_score</a:t>
+          </a:r>
+          <a:endParaRPr lang="es-ES" dirty="0"/>
+        </a:p>
+      </dgm:t>
+    </dgm:pt>
+    <dgm:pt modelId="{30871425-CB33-0040-B408-442416F22D47}" type="parTrans" cxnId="{1DBAE72E-166E-AB46-B989-F961CF9FEFFB}">
+      <dgm:prSet/>
+      <dgm:spPr/>
+      <dgm:t>
+        <a:bodyPr/>
+        <a:lstStyle/>
+        <a:p>
+          <a:endParaRPr lang="es-ES"/>
+        </a:p>
+      </dgm:t>
+    </dgm:pt>
+    <dgm:pt modelId="{42DE7B8B-DD9F-9F41-A381-2F28DD1F7AC6}" type="sibTrans" cxnId="{1DBAE72E-166E-AB46-B989-F961CF9FEFFB}">
+      <dgm:prSet/>
+      <dgm:spPr/>
+      <dgm:t>
+        <a:bodyPr/>
+        <a:lstStyle/>
+        <a:p>
+          <a:endParaRPr lang="es-ES"/>
+        </a:p>
+      </dgm:t>
+    </dgm:pt>
+    <dgm:pt modelId="{C6FE8727-257A-8047-8E43-E27FCE69CC84}">
+      <dgm:prSet/>
+      <dgm:spPr/>
+      <dgm:t>
+        <a:bodyPr/>
+        <a:lstStyle/>
+        <a:p>
+          <a:r>
+            <a:rPr lang="es-ES" dirty="0"/>
+            <a:t>Resultados:</a:t>
+          </a:r>
+        </a:p>
+      </dgm:t>
+    </dgm:pt>
+    <dgm:pt modelId="{08D20137-7F82-6047-A717-A51172571DF3}" type="parTrans" cxnId="{6D7FB4F7-E26D-A04B-8372-0B97A3F49E92}">
+      <dgm:prSet/>
+      <dgm:spPr/>
+      <dgm:t>
+        <a:bodyPr/>
+        <a:lstStyle/>
+        <a:p>
+          <a:endParaRPr lang="es-ES"/>
+        </a:p>
+      </dgm:t>
+    </dgm:pt>
+    <dgm:pt modelId="{8FFB3196-6DCF-1F4E-899F-60198395C708}" type="sibTrans" cxnId="{6D7FB4F7-E26D-A04B-8372-0B97A3F49E92}">
+      <dgm:prSet/>
+      <dgm:spPr/>
+      <dgm:t>
+        <a:bodyPr/>
+        <a:lstStyle/>
+        <a:p>
+          <a:endParaRPr lang="es-ES"/>
+        </a:p>
+      </dgm:t>
+    </dgm:pt>
+    <dgm:pt modelId="{E8530632-2796-A747-A5EE-C24DB1F34B94}">
+      <dgm:prSet/>
+      <dgm:spPr/>
+      <dgm:t>
+        <a:bodyPr/>
+        <a:lstStyle/>
+        <a:p>
+          <a:r>
+            <a:rPr lang="es-ES" dirty="0"/>
+            <a:t>R</a:t>
+          </a:r>
+          <a:r>
+            <a:rPr lang="es-ES" baseline="30000" dirty="0"/>
+            <a:t>2</a:t>
+          </a:r>
+          <a:r>
+            <a:rPr lang="es-ES" baseline="0" dirty="0"/>
+            <a:t>: </a:t>
+          </a:r>
+          <a:r>
+            <a:rPr lang="es-ES" dirty="0"/>
+            <a:t>0.02143</a:t>
+          </a:r>
+        </a:p>
+      </dgm:t>
+    </dgm:pt>
+    <dgm:pt modelId="{FB61C9DB-143C-E049-878E-D9CBE31927BF}" type="parTrans" cxnId="{AA2295FC-317B-2045-A973-90BE9C85CA21}">
+      <dgm:prSet/>
+      <dgm:spPr/>
+      <dgm:t>
+        <a:bodyPr/>
+        <a:lstStyle/>
+        <a:p>
+          <a:endParaRPr lang="es-ES"/>
+        </a:p>
+      </dgm:t>
+    </dgm:pt>
+    <dgm:pt modelId="{88BB3021-E99F-264F-AD21-A2C371B6196A}" type="sibTrans" cxnId="{AA2295FC-317B-2045-A973-90BE9C85CA21}">
+      <dgm:prSet/>
+      <dgm:spPr/>
+      <dgm:t>
+        <a:bodyPr/>
+        <a:lstStyle/>
+        <a:p>
+          <a:endParaRPr lang="es-ES"/>
+        </a:p>
+      </dgm:t>
+    </dgm:pt>
+    <dgm:pt modelId="{61F17B5E-E519-B649-B7ED-1802C74DF2BD}">
+      <dgm:prSet/>
+      <dgm:spPr/>
+      <dgm:t>
+        <a:bodyPr/>
+        <a:lstStyle/>
+        <a:p>
+          <a:r>
+            <a:rPr lang="es-ES" dirty="0" err="1"/>
+            <a:t>Staff_score</a:t>
+          </a:r>
+          <a:endParaRPr lang="es-ES" dirty="0"/>
+        </a:p>
+      </dgm:t>
+    </dgm:pt>
+    <dgm:pt modelId="{225EF6CA-E2C6-AE46-9864-75B13B6717EB}" type="parTrans" cxnId="{3A731B11-815C-D64E-8B51-D80078BEEA6F}">
+      <dgm:prSet/>
+      <dgm:spPr/>
+      <dgm:t>
+        <a:bodyPr/>
+        <a:lstStyle/>
+        <a:p>
+          <a:endParaRPr lang="es-ES"/>
+        </a:p>
+      </dgm:t>
+    </dgm:pt>
+    <dgm:pt modelId="{4AD05848-A9D9-8A4E-9EB8-C056D5544D3A}" type="sibTrans" cxnId="{3A731B11-815C-D64E-8B51-D80078BEEA6F}">
+      <dgm:prSet/>
+      <dgm:spPr/>
+      <dgm:t>
+        <a:bodyPr/>
+        <a:lstStyle/>
+        <a:p>
+          <a:endParaRPr lang="es-ES"/>
+        </a:p>
+      </dgm:t>
+    </dgm:pt>
+    <dgm:pt modelId="{CFD95037-DBE9-9446-AB53-4E6BACDF12FC}">
+      <dgm:prSet/>
+      <dgm:spPr/>
+      <dgm:t>
+        <a:bodyPr/>
+        <a:lstStyle/>
+        <a:p>
+          <a:r>
+            <a:rPr lang="es-ES" dirty="0"/>
+            <a:t>Resultados:</a:t>
+          </a:r>
+        </a:p>
+      </dgm:t>
+    </dgm:pt>
+    <dgm:pt modelId="{E46D758E-046D-8F4C-A24E-EA349855564C}" type="parTrans" cxnId="{6A2AF43C-CE6C-944C-BB0D-526B75DCB36A}">
+      <dgm:prSet/>
+      <dgm:spPr/>
+      <dgm:t>
+        <a:bodyPr/>
+        <a:lstStyle/>
+        <a:p>
+          <a:endParaRPr lang="es-ES"/>
+        </a:p>
+      </dgm:t>
+    </dgm:pt>
+    <dgm:pt modelId="{59C68D5B-CC5D-F348-9F50-AF51690F1EB8}" type="sibTrans" cxnId="{6A2AF43C-CE6C-944C-BB0D-526B75DCB36A}">
+      <dgm:prSet/>
+      <dgm:spPr/>
+      <dgm:t>
+        <a:bodyPr/>
+        <a:lstStyle/>
+        <a:p>
+          <a:endParaRPr lang="es-ES"/>
+        </a:p>
+      </dgm:t>
+    </dgm:pt>
+    <dgm:pt modelId="{DE92C2D8-B338-3D4D-9994-8CB589DBF76F}">
+      <dgm:prSet/>
+      <dgm:spPr/>
+      <dgm:t>
+        <a:bodyPr/>
+        <a:lstStyle/>
+        <a:p>
+          <a:r>
+            <a:rPr lang="es-ES" dirty="0"/>
+            <a:t>R</a:t>
+          </a:r>
+          <a:r>
+            <a:rPr lang="es-ES" baseline="30000" dirty="0"/>
+            <a:t>2</a:t>
+          </a:r>
+          <a:r>
+            <a:rPr lang="es-ES" baseline="0" dirty="0"/>
+            <a:t>: </a:t>
+          </a:r>
+          <a:r>
+            <a:rPr lang="es-ES" dirty="0"/>
+            <a:t>0.0195</a:t>
+          </a:r>
+        </a:p>
+      </dgm:t>
+    </dgm:pt>
+    <dgm:pt modelId="{1A42E9A7-A031-FB48-A334-60B63C08096C}" type="parTrans" cxnId="{DA117296-CDB7-EF41-B574-0FFC51CE5F2A}">
+      <dgm:prSet/>
+      <dgm:spPr/>
+      <dgm:t>
+        <a:bodyPr/>
+        <a:lstStyle/>
+        <a:p>
+          <a:endParaRPr lang="es-ES"/>
+        </a:p>
+      </dgm:t>
+    </dgm:pt>
+    <dgm:pt modelId="{7D3BF81E-4234-5649-ADCE-E07ADDC6C5C2}" type="sibTrans" cxnId="{DA117296-CDB7-EF41-B574-0FFC51CE5F2A}">
+      <dgm:prSet/>
+      <dgm:spPr/>
+      <dgm:t>
+        <a:bodyPr/>
+        <a:lstStyle/>
+        <a:p>
+          <a:endParaRPr lang="es-ES"/>
+        </a:p>
+      </dgm:t>
+    </dgm:pt>
+    <dgm:pt modelId="{EE002E70-1BA6-414C-9812-44CC66DBF2F7}">
+      <dgm:prSet/>
+      <dgm:spPr/>
+      <dgm:t>
+        <a:bodyPr/>
+        <a:lstStyle/>
+        <a:p>
+          <a:r>
+            <a:rPr lang="es-ES"/>
+            <a:t>Variables empleadas:</a:t>
+          </a:r>
+        </a:p>
+      </dgm:t>
+    </dgm:pt>
+    <dgm:pt modelId="{372972BE-2DC7-6145-B716-D7B365EEF666}" type="parTrans" cxnId="{67687304-763C-9543-9A20-8C1B2BA46E2C}">
+      <dgm:prSet/>
+      <dgm:spPr/>
+      <dgm:t>
+        <a:bodyPr/>
+        <a:lstStyle/>
+        <a:p>
+          <a:endParaRPr lang="es-ES"/>
+        </a:p>
+      </dgm:t>
+    </dgm:pt>
+    <dgm:pt modelId="{C1AEF333-AB7C-6D44-8367-C2A1AD896572}" type="sibTrans" cxnId="{67687304-763C-9543-9A20-8C1B2BA46E2C}">
+      <dgm:prSet/>
+      <dgm:spPr/>
+      <dgm:t>
+        <a:bodyPr/>
+        <a:lstStyle/>
+        <a:p>
+          <a:endParaRPr lang="es-ES"/>
+        </a:p>
+      </dgm:t>
+    </dgm:pt>
+    <dgm:pt modelId="{8BA39BFB-6A6D-484C-9EAF-C93E7D584CD1}">
+      <dgm:prSet/>
+      <dgm:spPr/>
+      <dgm:t>
+        <a:bodyPr/>
+        <a:lstStyle/>
+        <a:p>
+          <a:r>
+            <a:rPr lang="es-ES"/>
+            <a:t>Comfort_score</a:t>
+          </a:r>
+          <a:endParaRPr lang="es-ES" dirty="0"/>
+        </a:p>
+      </dgm:t>
+    </dgm:pt>
+    <dgm:pt modelId="{150872F1-35A1-5E44-BB6A-B32857D022A7}" type="parTrans" cxnId="{288C5908-1DEA-1949-8D5A-E09CD6ACECCF}">
+      <dgm:prSet/>
+      <dgm:spPr/>
+      <dgm:t>
+        <a:bodyPr/>
+        <a:lstStyle/>
+        <a:p>
+          <a:endParaRPr lang="es-ES"/>
+        </a:p>
+      </dgm:t>
+    </dgm:pt>
+    <dgm:pt modelId="{361F1E47-7B9A-E448-ACA1-444D4CC9FE85}" type="sibTrans" cxnId="{288C5908-1DEA-1949-8D5A-E09CD6ACECCF}">
+      <dgm:prSet/>
+      <dgm:spPr/>
+      <dgm:t>
+        <a:bodyPr/>
+        <a:lstStyle/>
+        <a:p>
+          <a:endParaRPr lang="es-ES"/>
+        </a:p>
+      </dgm:t>
+    </dgm:pt>
+    <dgm:pt modelId="{A6D7846F-3016-9146-9509-5F44F23CA934}">
+      <dgm:prSet/>
+      <dgm:spPr/>
+      <dgm:t>
+        <a:bodyPr/>
+        <a:lstStyle/>
+        <a:p>
+          <a:r>
+            <a:rPr lang="es-ES"/>
+            <a:t>Resultados:</a:t>
+          </a:r>
+          <a:endParaRPr lang="es-ES" dirty="0"/>
+        </a:p>
+      </dgm:t>
+    </dgm:pt>
+    <dgm:pt modelId="{C7B8E429-BAE6-E549-A96E-B092531533E0}" type="parTrans" cxnId="{5A8B324C-9A73-EC43-AD3F-904C10AB887D}">
+      <dgm:prSet/>
+      <dgm:spPr/>
+      <dgm:t>
+        <a:bodyPr/>
+        <a:lstStyle/>
+        <a:p>
+          <a:endParaRPr lang="es-ES"/>
+        </a:p>
+      </dgm:t>
+    </dgm:pt>
+    <dgm:pt modelId="{46DE24CA-6CE7-3D46-9E35-9921E19A126E}" type="sibTrans" cxnId="{5A8B324C-9A73-EC43-AD3F-904C10AB887D}">
+      <dgm:prSet/>
+      <dgm:spPr/>
+      <dgm:t>
+        <a:bodyPr/>
+        <a:lstStyle/>
+        <a:p>
+          <a:endParaRPr lang="es-ES"/>
+        </a:p>
+      </dgm:t>
+    </dgm:pt>
+    <dgm:pt modelId="{DB8F49CC-0EAE-C943-8887-E112FC932742}">
+      <dgm:prSet/>
+      <dgm:spPr/>
+      <dgm:t>
+        <a:bodyPr/>
+        <a:lstStyle/>
+        <a:p>
+          <a:r>
+            <a:rPr lang="es-ES"/>
+            <a:t>R</a:t>
+          </a:r>
+          <a:r>
+            <a:rPr lang="es-ES" baseline="30000"/>
+            <a:t>2</a:t>
+          </a:r>
+          <a:r>
+            <a:rPr lang="es-ES" baseline="0"/>
+            <a:t>: </a:t>
+          </a:r>
+          <a:r>
+            <a:rPr lang="es-ES"/>
+            <a:t>0.005</a:t>
+          </a:r>
+          <a:endParaRPr lang="es-ES" dirty="0"/>
+        </a:p>
+      </dgm:t>
+    </dgm:pt>
+    <dgm:pt modelId="{E3E04408-6FAC-664A-9207-A94A01C510DF}" type="parTrans" cxnId="{F0A3286B-BA3C-FD4D-928F-03586CEEC86B}">
+      <dgm:prSet/>
+      <dgm:spPr/>
+      <dgm:t>
+        <a:bodyPr/>
+        <a:lstStyle/>
+        <a:p>
+          <a:endParaRPr lang="es-ES"/>
+        </a:p>
+      </dgm:t>
+    </dgm:pt>
+    <dgm:pt modelId="{6FF47A1D-092D-9048-B35D-3C0D6759CB27}" type="sibTrans" cxnId="{F0A3286B-BA3C-FD4D-928F-03586CEEC86B}">
+      <dgm:prSet/>
+      <dgm:spPr/>
+      <dgm:t>
+        <a:bodyPr/>
+        <a:lstStyle/>
+        <a:p>
+          <a:endParaRPr lang="es-ES"/>
+        </a:p>
+      </dgm:t>
+    </dgm:pt>
+    <dgm:pt modelId="{71AAE4DF-DDA9-4949-AD48-6F122CAFD057}">
+      <dgm:prSet/>
+      <dgm:spPr/>
+      <dgm:t>
+        <a:bodyPr/>
+        <a:lstStyle/>
+        <a:p>
+          <a:r>
+            <a:rPr lang="es-ES"/>
+            <a:t>Variables empleadas:</a:t>
+          </a:r>
+        </a:p>
+      </dgm:t>
+    </dgm:pt>
+    <dgm:pt modelId="{FFA32C89-FA4A-124F-9B2F-A85E7ED20A25}" type="parTrans" cxnId="{90CB2DDE-87E1-7E40-96BA-4A81183E3CEE}">
+      <dgm:prSet/>
+      <dgm:spPr/>
+      <dgm:t>
+        <a:bodyPr/>
+        <a:lstStyle/>
+        <a:p>
+          <a:endParaRPr lang="es-ES"/>
+        </a:p>
+      </dgm:t>
+    </dgm:pt>
+    <dgm:pt modelId="{5E2809A9-9023-6C4B-BA63-C605934B104D}" type="sibTrans" cxnId="{90CB2DDE-87E1-7E40-96BA-4A81183E3CEE}">
+      <dgm:prSet/>
+      <dgm:spPr/>
+      <dgm:t>
+        <a:bodyPr/>
+        <a:lstStyle/>
+        <a:p>
+          <a:endParaRPr lang="es-ES"/>
+        </a:p>
+      </dgm:t>
+    </dgm:pt>
+    <dgm:pt modelId="{DFBDC719-3909-9848-9B3E-9161F2C816B5}">
+      <dgm:prSet/>
+      <dgm:spPr/>
+      <dgm:t>
+        <a:bodyPr/>
+        <a:lstStyle/>
+        <a:p>
+          <a:r>
+            <a:rPr lang="es-ES"/>
+            <a:t>Comfort_score</a:t>
+          </a:r>
+          <a:endParaRPr lang="es-ES" dirty="0"/>
+        </a:p>
+      </dgm:t>
+    </dgm:pt>
+    <dgm:pt modelId="{E3501F49-5B79-1A42-9160-8689D5B425AE}" type="parTrans" cxnId="{AA1C1B43-00AA-CD43-BADA-3CABCF9DEA3F}">
+      <dgm:prSet/>
+      <dgm:spPr/>
+      <dgm:t>
+        <a:bodyPr/>
+        <a:lstStyle/>
+        <a:p>
+          <a:endParaRPr lang="es-ES"/>
+        </a:p>
+      </dgm:t>
+    </dgm:pt>
+    <dgm:pt modelId="{F9A939A6-370A-9646-A802-335EC3E76F01}" type="sibTrans" cxnId="{AA1C1B43-00AA-CD43-BADA-3CABCF9DEA3F}">
+      <dgm:prSet/>
+      <dgm:spPr/>
+      <dgm:t>
+        <a:bodyPr/>
+        <a:lstStyle/>
+        <a:p>
+          <a:endParaRPr lang="es-ES"/>
+        </a:p>
+      </dgm:t>
+    </dgm:pt>
+    <dgm:pt modelId="{A8B444C6-60CE-FA48-AAD1-DE301EF4E992}">
+      <dgm:prSet/>
+      <dgm:spPr/>
+      <dgm:t>
+        <a:bodyPr/>
+        <a:lstStyle/>
+        <a:p>
+          <a:r>
+            <a:rPr lang="es-ES"/>
+            <a:t>Resultados:</a:t>
+          </a:r>
+          <a:endParaRPr lang="es-ES" dirty="0"/>
+        </a:p>
+      </dgm:t>
+    </dgm:pt>
+    <dgm:pt modelId="{B0988517-3869-9342-98FE-E15B3EB287F6}" type="parTrans" cxnId="{F4296FE3-D4D7-6F4A-A1B2-2620327692AF}">
+      <dgm:prSet/>
+      <dgm:spPr/>
+      <dgm:t>
+        <a:bodyPr/>
+        <a:lstStyle/>
+        <a:p>
+          <a:endParaRPr lang="es-ES"/>
+        </a:p>
+      </dgm:t>
+    </dgm:pt>
+    <dgm:pt modelId="{2D4A4730-5205-A548-89ED-B9956F00AB43}" type="sibTrans" cxnId="{F4296FE3-D4D7-6F4A-A1B2-2620327692AF}">
+      <dgm:prSet/>
+      <dgm:spPr/>
+      <dgm:t>
+        <a:bodyPr/>
+        <a:lstStyle/>
+        <a:p>
+          <a:endParaRPr lang="es-ES"/>
+        </a:p>
+      </dgm:t>
+    </dgm:pt>
+    <dgm:pt modelId="{C835637C-F65B-4A4C-999A-7798918F06BA}">
+      <dgm:prSet/>
+      <dgm:spPr/>
+      <dgm:t>
+        <a:bodyPr/>
+        <a:lstStyle/>
+        <a:p>
+          <a:r>
+            <a:rPr lang="es-ES"/>
+            <a:t>R</a:t>
+          </a:r>
+          <a:r>
+            <a:rPr lang="es-ES" baseline="30000"/>
+            <a:t>2</a:t>
+          </a:r>
+          <a:r>
+            <a:rPr lang="es-ES" baseline="0"/>
+            <a:t>: </a:t>
+          </a:r>
+          <a:r>
+            <a:rPr lang="es-ES"/>
+            <a:t>0.005</a:t>
+          </a:r>
+          <a:endParaRPr lang="es-ES" dirty="0"/>
+        </a:p>
+      </dgm:t>
+    </dgm:pt>
+    <dgm:pt modelId="{AE56E410-E1F5-9741-9EBD-B7B2B705DA53}" type="parTrans" cxnId="{AF8C9FC6-A11B-664C-B9A6-56CC41C1EC63}">
+      <dgm:prSet/>
+      <dgm:spPr/>
+      <dgm:t>
+        <a:bodyPr/>
+        <a:lstStyle/>
+        <a:p>
+          <a:endParaRPr lang="es-ES"/>
+        </a:p>
+      </dgm:t>
+    </dgm:pt>
+    <dgm:pt modelId="{818F4537-2228-9C44-A431-4ADB20B7ECF3}" type="sibTrans" cxnId="{AF8C9FC6-A11B-664C-B9A6-56CC41C1EC63}">
+      <dgm:prSet/>
+      <dgm:spPr/>
+      <dgm:t>
+        <a:bodyPr/>
+        <a:lstStyle/>
+        <a:p>
+          <a:endParaRPr lang="es-ES"/>
+        </a:p>
+      </dgm:t>
+    </dgm:pt>
+    <dgm:pt modelId="{016DAD64-638E-6240-8EF1-2E8C1B9034C7}">
+      <dgm:prSet/>
+      <dgm:spPr/>
+      <dgm:t>
+        <a:bodyPr/>
+        <a:lstStyle/>
+        <a:p>
+          <a:r>
+            <a:rPr lang="es-ES" dirty="0" err="1"/>
+            <a:t>Hotel_score</a:t>
+          </a:r>
+          <a:endParaRPr lang="es-ES" dirty="0"/>
+        </a:p>
+      </dgm:t>
+    </dgm:pt>
+    <dgm:pt modelId="{DD27D5DA-3834-AB41-828E-98111BE13A1F}" type="parTrans" cxnId="{E2D06871-2BE9-2F41-B849-B0A88E7ED468}">
+      <dgm:prSet/>
+      <dgm:spPr/>
+      <dgm:t>
+        <a:bodyPr/>
+        <a:lstStyle/>
+        <a:p>
+          <a:endParaRPr lang="es-ES"/>
+        </a:p>
+      </dgm:t>
+    </dgm:pt>
+    <dgm:pt modelId="{85689B27-C725-8E4A-A5B6-FB715F75B1B6}" type="sibTrans" cxnId="{E2D06871-2BE9-2F41-B849-B0A88E7ED468}">
+      <dgm:prSet/>
+      <dgm:spPr/>
+      <dgm:t>
+        <a:bodyPr/>
+        <a:lstStyle/>
+        <a:p>
+          <a:endParaRPr lang="es-ES"/>
+        </a:p>
+      </dgm:t>
+    </dgm:pt>
+    <dgm:pt modelId="{210B7850-4158-8649-9890-CE1246685414}">
+      <dgm:prSet/>
+      <dgm:spPr/>
+      <dgm:t>
+        <a:bodyPr/>
+        <a:lstStyle/>
+        <a:p>
+          <a:r>
+            <a:rPr lang="es-ES" dirty="0" err="1"/>
+            <a:t>Staff_score</a:t>
+          </a:r>
+          <a:endParaRPr lang="es-ES" dirty="0"/>
+        </a:p>
+      </dgm:t>
+    </dgm:pt>
+    <dgm:pt modelId="{08C66628-8BDF-E046-A9D5-7194AC55D531}" type="parTrans" cxnId="{8DA80AA6-53EB-5243-B44B-FC3D660549FE}">
+      <dgm:prSet/>
+      <dgm:spPr/>
+      <dgm:t>
+        <a:bodyPr/>
+        <a:lstStyle/>
+        <a:p>
+          <a:endParaRPr lang="es-ES"/>
+        </a:p>
+      </dgm:t>
+    </dgm:pt>
+    <dgm:pt modelId="{B373808E-77E5-9046-8559-87C329429496}" type="sibTrans" cxnId="{8DA80AA6-53EB-5243-B44B-FC3D660549FE}">
+      <dgm:prSet/>
+      <dgm:spPr/>
+      <dgm:t>
+        <a:bodyPr/>
+        <a:lstStyle/>
+        <a:p>
+          <a:endParaRPr lang="es-ES"/>
+        </a:p>
+      </dgm:t>
+    </dgm:pt>
+    <dgm:pt modelId="{8936E120-8683-5442-AF71-AF676B1BA381}">
+      <dgm:prSet/>
+      <dgm:spPr/>
+      <dgm:t>
+        <a:bodyPr/>
+        <a:lstStyle/>
+        <a:p>
+          <a:r>
+            <a:rPr lang="es-ES" dirty="0" err="1"/>
+            <a:t>Facilites_score</a:t>
+          </a:r>
+          <a:endParaRPr lang="es-ES" dirty="0"/>
+        </a:p>
+      </dgm:t>
+    </dgm:pt>
+    <dgm:pt modelId="{BC74D007-DCC4-A643-B3DF-D635FF844E0D}" type="parTrans" cxnId="{D71611EC-7DC7-A14E-A6A9-63D373DC4FAB}">
+      <dgm:prSet/>
+      <dgm:spPr/>
+      <dgm:t>
+        <a:bodyPr/>
+        <a:lstStyle/>
+        <a:p>
+          <a:endParaRPr lang="es-ES"/>
+        </a:p>
+      </dgm:t>
+    </dgm:pt>
+    <dgm:pt modelId="{8BDC4E57-52A2-2146-AA4F-1983D3492D4A}" type="sibTrans" cxnId="{D71611EC-7DC7-A14E-A6A9-63D373DC4FAB}">
+      <dgm:prSet/>
+      <dgm:spPr/>
+      <dgm:t>
+        <a:bodyPr/>
+        <a:lstStyle/>
+        <a:p>
+          <a:endParaRPr lang="es-ES"/>
+        </a:p>
+      </dgm:t>
+    </dgm:pt>
+    <dgm:pt modelId="{9E251CFC-2A5F-6C42-99D3-BF9BD8EA3EBF}">
+      <dgm:prSet/>
+      <dgm:spPr/>
+      <dgm:t>
+        <a:bodyPr/>
+        <a:lstStyle/>
+        <a:p>
+          <a:r>
+            <a:rPr lang="es-ES" dirty="0" err="1"/>
+            <a:t>Cleanliness_score</a:t>
+          </a:r>
+          <a:endParaRPr lang="es-ES" dirty="0"/>
+        </a:p>
+      </dgm:t>
+    </dgm:pt>
+    <dgm:pt modelId="{BC34E518-ECBF-0241-9CFD-C3E49F3140D9}" type="parTrans" cxnId="{A279CBF8-EC93-6D4B-B888-22AF59AE5962}">
+      <dgm:prSet/>
+      <dgm:spPr/>
+      <dgm:t>
+        <a:bodyPr/>
+        <a:lstStyle/>
+        <a:p>
+          <a:endParaRPr lang="es-ES"/>
+        </a:p>
+      </dgm:t>
+    </dgm:pt>
+    <dgm:pt modelId="{330F649F-1BB8-8342-BB1D-0FF433BCEF30}" type="sibTrans" cxnId="{A279CBF8-EC93-6D4B-B888-22AF59AE5962}">
+      <dgm:prSet/>
+      <dgm:spPr/>
+      <dgm:t>
+        <a:bodyPr/>
+        <a:lstStyle/>
+        <a:p>
+          <a:endParaRPr lang="es-ES"/>
+        </a:p>
+      </dgm:t>
+    </dgm:pt>
+    <dgm:pt modelId="{60FFE41E-DFD6-924B-8D3B-F56661A5E1B3}">
+      <dgm:prSet/>
+      <dgm:spPr/>
+      <dgm:t>
+        <a:bodyPr/>
+        <a:lstStyle/>
+        <a:p>
+          <a:r>
+            <a:rPr lang="es-ES" dirty="0" err="1"/>
+            <a:t>Value_for_money</a:t>
+          </a:r>
+          <a:endParaRPr lang="es-ES" dirty="0"/>
+        </a:p>
+      </dgm:t>
+    </dgm:pt>
+    <dgm:pt modelId="{DB346D79-89A1-C249-B2CA-60BBC7BE6DC4}" type="parTrans" cxnId="{68E5F592-FAC1-5D41-8BA7-0CB562B0C6DA}">
+      <dgm:prSet/>
+      <dgm:spPr/>
+      <dgm:t>
+        <a:bodyPr/>
+        <a:lstStyle/>
+        <a:p>
+          <a:endParaRPr lang="es-ES"/>
+        </a:p>
+      </dgm:t>
+    </dgm:pt>
+    <dgm:pt modelId="{23F47A40-19B2-5147-B5F7-6FB169DC2CBB}" type="sibTrans" cxnId="{68E5F592-FAC1-5D41-8BA7-0CB562B0C6DA}">
+      <dgm:prSet/>
+      <dgm:spPr/>
+      <dgm:t>
+        <a:bodyPr/>
+        <a:lstStyle/>
+        <a:p>
+          <a:endParaRPr lang="es-ES"/>
+        </a:p>
+      </dgm:t>
+    </dgm:pt>
+    <dgm:pt modelId="{57C7E88D-0BEB-F14A-93B6-2B2189E1963F}">
+      <dgm:prSet/>
+      <dgm:spPr/>
+      <dgm:t>
+        <a:bodyPr/>
+        <a:lstStyle/>
+        <a:p>
+          <a:r>
+            <a:rPr lang="es-ES" dirty="0" err="1"/>
+            <a:t>Location_score</a:t>
+          </a:r>
+          <a:endParaRPr lang="es-ES" dirty="0"/>
+        </a:p>
+      </dgm:t>
+    </dgm:pt>
+    <dgm:pt modelId="{E30CABAE-3F2F-654E-B40C-408BE3985779}" type="parTrans" cxnId="{CE57E09F-968A-0249-8038-4415CC052C0E}">
+      <dgm:prSet/>
+      <dgm:spPr/>
+      <dgm:t>
+        <a:bodyPr/>
+        <a:lstStyle/>
+        <a:p>
+          <a:endParaRPr lang="es-ES"/>
+        </a:p>
+      </dgm:t>
+    </dgm:pt>
+    <dgm:pt modelId="{2A1CFAC4-B56B-F24E-8753-55954AA27DE3}" type="sibTrans" cxnId="{CE57E09F-968A-0249-8038-4415CC052C0E}">
+      <dgm:prSet/>
+      <dgm:spPr/>
+      <dgm:t>
+        <a:bodyPr/>
+        <a:lstStyle/>
+        <a:p>
+          <a:endParaRPr lang="es-ES"/>
+        </a:p>
+      </dgm:t>
+    </dgm:pt>
+    <dgm:pt modelId="{5874BF6F-27BE-2441-9AAC-DA8BC56ACF6E}">
+      <dgm:prSet/>
+      <dgm:spPr/>
+      <dgm:t>
+        <a:bodyPr/>
+        <a:lstStyle/>
+        <a:p>
+          <a:endParaRPr lang="es-ES" dirty="0"/>
+        </a:p>
+      </dgm:t>
+    </dgm:pt>
+    <dgm:pt modelId="{D021EDD8-2745-EC48-A756-24A49135AEF7}" type="parTrans" cxnId="{0B19E9C6-0139-584F-B8A0-9E1AD87A1373}">
+      <dgm:prSet/>
+      <dgm:spPr/>
+      <dgm:t>
+        <a:bodyPr/>
+        <a:lstStyle/>
+        <a:p>
+          <a:endParaRPr lang="es-ES"/>
+        </a:p>
+      </dgm:t>
+    </dgm:pt>
+    <dgm:pt modelId="{6C02F85E-1C7C-3249-9E44-79DD90D9A344}" type="sibTrans" cxnId="{0B19E9C6-0139-584F-B8A0-9E1AD87A1373}">
+      <dgm:prSet/>
+      <dgm:spPr/>
+      <dgm:t>
+        <a:bodyPr/>
+        <a:lstStyle/>
+        <a:p>
+          <a:endParaRPr lang="es-ES"/>
+        </a:p>
+      </dgm:t>
+    </dgm:pt>
+    <dgm:pt modelId="{5B289611-B3C7-5F49-B2B2-5E26789841AA}">
+      <dgm:prSet/>
+      <dgm:spPr/>
+      <dgm:t>
+        <a:bodyPr/>
+        <a:lstStyle/>
+        <a:p>
+          <a:r>
+            <a:rPr lang="es-ES" dirty="0" err="1"/>
+            <a:t>Free_wifi_score</a:t>
+          </a:r>
+          <a:endParaRPr lang="es-ES" dirty="0"/>
+        </a:p>
+      </dgm:t>
+    </dgm:pt>
+    <dgm:pt modelId="{03D39601-6438-A146-BE76-1F45672854BA}" type="parTrans" cxnId="{DA009D5F-BC16-F94D-9B7D-725A2D7BAB65}">
+      <dgm:prSet/>
+      <dgm:spPr/>
+      <dgm:t>
+        <a:bodyPr/>
+        <a:lstStyle/>
+        <a:p>
+          <a:endParaRPr lang="es-ES"/>
+        </a:p>
+      </dgm:t>
+    </dgm:pt>
+    <dgm:pt modelId="{4D2CDD66-84BF-D644-91EE-CD39B324C580}" type="sibTrans" cxnId="{DA009D5F-BC16-F94D-9B7D-725A2D7BAB65}">
+      <dgm:prSet/>
+      <dgm:spPr/>
+      <dgm:t>
+        <a:bodyPr/>
+        <a:lstStyle/>
+        <a:p>
+          <a:endParaRPr lang="es-ES"/>
+        </a:p>
+      </dgm:t>
+    </dgm:pt>
+    <dgm:pt modelId="{6DFC3944-BEA1-F940-ACC7-4FABDF550A56}">
+      <dgm:prSet phldrT="[Texto]"/>
+      <dgm:spPr/>
+      <dgm:t>
+        <a:bodyPr/>
+        <a:lstStyle/>
+        <a:p>
+          <a:endParaRPr lang="es-ES" dirty="0"/>
+        </a:p>
+      </dgm:t>
+    </dgm:pt>
+    <dgm:pt modelId="{B32BB147-B496-7949-BB9B-24AFF53A040C}" type="parTrans" cxnId="{C0C8F728-FC1E-3E48-AF4D-DF7C771350B8}">
+      <dgm:prSet/>
+      <dgm:spPr/>
+      <dgm:t>
+        <a:bodyPr/>
+        <a:lstStyle/>
+        <a:p>
+          <a:endParaRPr lang="es-ES"/>
+        </a:p>
+      </dgm:t>
+    </dgm:pt>
+    <dgm:pt modelId="{CAFBD0CA-9387-5B48-B9C2-AD03C9B5336F}" type="sibTrans" cxnId="{C0C8F728-FC1E-3E48-AF4D-DF7C771350B8}">
+      <dgm:prSet/>
+      <dgm:spPr/>
+      <dgm:t>
+        <a:bodyPr/>
+        <a:lstStyle/>
+        <a:p>
+          <a:endParaRPr lang="es-ES"/>
+        </a:p>
+      </dgm:t>
+    </dgm:pt>
+    <dgm:pt modelId="{8CE56096-17B5-2A4A-BC36-4C2181AC44D0}">
+      <dgm:prSet/>
+      <dgm:spPr/>
+      <dgm:t>
+        <a:bodyPr/>
+        <a:lstStyle/>
+        <a:p>
+          <a:r>
+            <a:rPr lang="es-ES" dirty="0" err="1"/>
+            <a:t>Value_for_money</a:t>
+          </a:r>
+          <a:endParaRPr lang="es-ES" dirty="0"/>
+        </a:p>
+      </dgm:t>
+    </dgm:pt>
+    <dgm:pt modelId="{E8F93FF8-1ECB-E546-9983-BEF9FD7A24E2}" type="parTrans" cxnId="{0C1BF526-A664-F749-9077-40B7A042A330}">
+      <dgm:prSet/>
+      <dgm:spPr/>
+      <dgm:t>
+        <a:bodyPr/>
+        <a:lstStyle/>
+        <a:p>
+          <a:endParaRPr lang="es-ES"/>
+        </a:p>
+      </dgm:t>
+    </dgm:pt>
+    <dgm:pt modelId="{F7F0C277-7CBD-D044-8D40-A5A263D9162C}" type="sibTrans" cxnId="{0C1BF526-A664-F749-9077-40B7A042A330}">
+      <dgm:prSet/>
+      <dgm:spPr/>
+      <dgm:t>
+        <a:bodyPr/>
+        <a:lstStyle/>
+        <a:p>
+          <a:endParaRPr lang="es-ES"/>
+        </a:p>
+      </dgm:t>
+    </dgm:pt>
+    <dgm:pt modelId="{33F87B13-A418-8349-B69D-B780D63F2FDA}">
+      <dgm:prSet/>
+      <dgm:spPr/>
+      <dgm:t>
+        <a:bodyPr/>
+        <a:lstStyle/>
+        <a:p>
+          <a:r>
+            <a:rPr lang="es-ES" dirty="0" err="1"/>
+            <a:t>Location_score</a:t>
+          </a:r>
+          <a:endParaRPr lang="es-ES" dirty="0"/>
+        </a:p>
+      </dgm:t>
+    </dgm:pt>
+    <dgm:pt modelId="{88415715-AF43-854A-929A-6A77E9EE154F}" type="parTrans" cxnId="{74A369EE-FB32-0C45-BEFB-6D9C9372DC5E}">
+      <dgm:prSet/>
+      <dgm:spPr/>
+      <dgm:t>
+        <a:bodyPr/>
+        <a:lstStyle/>
+        <a:p>
+          <a:endParaRPr lang="es-ES"/>
+        </a:p>
+      </dgm:t>
+    </dgm:pt>
+    <dgm:pt modelId="{2C708B59-B466-D146-8CB7-B9C74F40A7F7}" type="sibTrans" cxnId="{74A369EE-FB32-0C45-BEFB-6D9C9372DC5E}">
+      <dgm:prSet/>
+      <dgm:spPr/>
+      <dgm:t>
+        <a:bodyPr/>
+        <a:lstStyle/>
+        <a:p>
+          <a:endParaRPr lang="es-ES"/>
+        </a:p>
+      </dgm:t>
+    </dgm:pt>
+    <dgm:pt modelId="{F9F9B7D8-3D7D-B24D-9071-841ACF880BDF}">
+      <dgm:prSet/>
+      <dgm:spPr/>
+      <dgm:t>
+        <a:bodyPr/>
+        <a:lstStyle/>
+        <a:p>
+          <a:r>
+            <a:rPr lang="es-ES" dirty="0" err="1"/>
+            <a:t>Free_wifi_score</a:t>
+          </a:r>
+          <a:endParaRPr lang="es-ES" dirty="0"/>
+        </a:p>
+      </dgm:t>
+    </dgm:pt>
+    <dgm:pt modelId="{7D24AE22-42DC-4E4C-A762-AB58C8D1A996}" type="parTrans" cxnId="{3A00FFC3-BD13-5346-BF3B-004D3B9492D9}">
+      <dgm:prSet/>
+      <dgm:spPr/>
+      <dgm:t>
+        <a:bodyPr/>
+        <a:lstStyle/>
+        <a:p>
+          <a:endParaRPr lang="es-ES"/>
+        </a:p>
+      </dgm:t>
+    </dgm:pt>
+    <dgm:pt modelId="{C35982AE-2CD6-0B47-B019-0770491E2D0D}" type="sibTrans" cxnId="{3A00FFC3-BD13-5346-BF3B-004D3B9492D9}">
+      <dgm:prSet/>
+      <dgm:spPr/>
+      <dgm:t>
+        <a:bodyPr/>
+        <a:lstStyle/>
+        <a:p>
+          <a:endParaRPr lang="es-ES"/>
+        </a:p>
+      </dgm:t>
+    </dgm:pt>
+    <dgm:pt modelId="{BC9A5D7C-EEB0-E74A-99C2-C2305104874E}">
+      <dgm:prSet/>
+      <dgm:spPr/>
+      <dgm:t>
+        <a:bodyPr/>
+        <a:lstStyle/>
+        <a:p>
+          <a:endParaRPr lang="es-ES" dirty="0"/>
+        </a:p>
+      </dgm:t>
+    </dgm:pt>
+    <dgm:pt modelId="{DE41BA21-9678-F44A-BD2B-DF27AD0593C1}" type="parTrans" cxnId="{AA7E1EDE-D0E6-8949-A50F-E31EB137C63D}">
+      <dgm:prSet/>
+      <dgm:spPr/>
+      <dgm:t>
+        <a:bodyPr/>
+        <a:lstStyle/>
+        <a:p>
+          <a:endParaRPr lang="es-ES"/>
+        </a:p>
+      </dgm:t>
+    </dgm:pt>
+    <dgm:pt modelId="{E4B9248F-E1B4-3E46-B15B-163D62C9745C}" type="sibTrans" cxnId="{AA7E1EDE-D0E6-8949-A50F-E31EB137C63D}">
+      <dgm:prSet/>
+      <dgm:spPr/>
+      <dgm:t>
+        <a:bodyPr/>
+        <a:lstStyle/>
+        <a:p>
+          <a:endParaRPr lang="es-ES"/>
+        </a:p>
+      </dgm:t>
+    </dgm:pt>
+    <dgm:pt modelId="{2807EB78-8D31-3747-86B6-30FD7B633A86}" type="pres">
+      <dgm:prSet presAssocID="{819E0C5A-1403-8E41-AAA1-DCD6DD60F058}" presName="Name0" presStyleCnt="0">
+        <dgm:presLayoutVars>
+          <dgm:dir/>
+          <dgm:animLvl val="lvl"/>
+          <dgm:resizeHandles val="exact"/>
+        </dgm:presLayoutVars>
+      </dgm:prSet>
+      <dgm:spPr/>
+    </dgm:pt>
+    <dgm:pt modelId="{43B1598E-FE08-D742-A735-E9B07A50C5E8}" type="pres">
+      <dgm:prSet presAssocID="{713F20A0-BF72-EE43-A8DD-AF185C4B82DC}" presName="composite" presStyleCnt="0"/>
+      <dgm:spPr/>
+    </dgm:pt>
+    <dgm:pt modelId="{9EF34850-7F56-0E45-BB4F-0FA6645B684A}" type="pres">
+      <dgm:prSet presAssocID="{713F20A0-BF72-EE43-A8DD-AF185C4B82DC}" presName="parTx" presStyleLbl="alignNode1" presStyleIdx="0" presStyleCnt="5">
+        <dgm:presLayoutVars>
+          <dgm:chMax val="0"/>
+          <dgm:chPref val="0"/>
+          <dgm:bulletEnabled val="1"/>
+        </dgm:presLayoutVars>
+      </dgm:prSet>
+      <dgm:spPr/>
+    </dgm:pt>
+    <dgm:pt modelId="{313A1F4D-7CB2-F642-B354-0BDB9ACDF771}" type="pres">
+      <dgm:prSet presAssocID="{713F20A0-BF72-EE43-A8DD-AF185C4B82DC}" presName="desTx" presStyleLbl="alignAccFollowNode1" presStyleIdx="0" presStyleCnt="5">
+        <dgm:presLayoutVars>
+          <dgm:bulletEnabled val="1"/>
+        </dgm:presLayoutVars>
+      </dgm:prSet>
+      <dgm:spPr/>
+    </dgm:pt>
+    <dgm:pt modelId="{23F0CB1F-B742-034E-9E39-D3EA6DA9612A}" type="pres">
+      <dgm:prSet presAssocID="{889468A5-C505-D24D-8B87-C4B0DDE99818}" presName="space" presStyleCnt="0"/>
+      <dgm:spPr/>
+    </dgm:pt>
+    <dgm:pt modelId="{32E96759-F3AA-5E40-ABA3-8C81B7D6FAE3}" type="pres">
+      <dgm:prSet presAssocID="{28D5221A-BD74-3D4B-AFB4-4550713B6A46}" presName="composite" presStyleCnt="0"/>
+      <dgm:spPr/>
+    </dgm:pt>
+    <dgm:pt modelId="{A7E6C8AA-0514-4B40-8E27-2946A70F4585}" type="pres">
+      <dgm:prSet presAssocID="{28D5221A-BD74-3D4B-AFB4-4550713B6A46}" presName="parTx" presStyleLbl="alignNode1" presStyleIdx="1" presStyleCnt="5">
+        <dgm:presLayoutVars>
+          <dgm:chMax val="0"/>
+          <dgm:chPref val="0"/>
+          <dgm:bulletEnabled val="1"/>
+        </dgm:presLayoutVars>
+      </dgm:prSet>
+      <dgm:spPr/>
+    </dgm:pt>
+    <dgm:pt modelId="{DAB8C1E6-595B-3749-86CB-01C31DF4F5B6}" type="pres">
+      <dgm:prSet presAssocID="{28D5221A-BD74-3D4B-AFB4-4550713B6A46}" presName="desTx" presStyleLbl="alignAccFollowNode1" presStyleIdx="1" presStyleCnt="5">
+        <dgm:presLayoutVars>
+          <dgm:bulletEnabled val="1"/>
+        </dgm:presLayoutVars>
+      </dgm:prSet>
+      <dgm:spPr/>
+    </dgm:pt>
+    <dgm:pt modelId="{D899C2FB-F112-F849-B019-EE36CBFB183C}" type="pres">
+      <dgm:prSet presAssocID="{B696060D-1A93-E64C-840F-EDB65A67B126}" presName="space" presStyleCnt="0"/>
+      <dgm:spPr/>
+    </dgm:pt>
+    <dgm:pt modelId="{39006455-C3D4-7C49-87F6-30C882150A1A}" type="pres">
+      <dgm:prSet presAssocID="{0A895738-3D40-E74A-B397-D507CCF0DD94}" presName="composite" presStyleCnt="0"/>
+      <dgm:spPr/>
+    </dgm:pt>
+    <dgm:pt modelId="{DB4E1272-8157-C145-9949-D563A214158B}" type="pres">
+      <dgm:prSet presAssocID="{0A895738-3D40-E74A-B397-D507CCF0DD94}" presName="parTx" presStyleLbl="alignNode1" presStyleIdx="2" presStyleCnt="5">
+        <dgm:presLayoutVars>
+          <dgm:chMax val="0"/>
+          <dgm:chPref val="0"/>
+          <dgm:bulletEnabled val="1"/>
+        </dgm:presLayoutVars>
+      </dgm:prSet>
+      <dgm:spPr/>
+    </dgm:pt>
+    <dgm:pt modelId="{635F0EEB-03D4-EB4D-9D46-58D81B829861}" type="pres">
+      <dgm:prSet presAssocID="{0A895738-3D40-E74A-B397-D507CCF0DD94}" presName="desTx" presStyleLbl="alignAccFollowNode1" presStyleIdx="2" presStyleCnt="5">
+        <dgm:presLayoutVars>
+          <dgm:bulletEnabled val="1"/>
+        </dgm:presLayoutVars>
+      </dgm:prSet>
+      <dgm:spPr/>
+    </dgm:pt>
+    <dgm:pt modelId="{3F327E47-2A56-B94D-B6C4-A985FFB6F3CC}" type="pres">
+      <dgm:prSet presAssocID="{F4CC5A28-A519-F04A-B9CC-1EA32A23FF6D}" presName="space" presStyleCnt="0"/>
+      <dgm:spPr/>
+    </dgm:pt>
+    <dgm:pt modelId="{5535844E-7D04-784F-9C9B-B2A4654E4C20}" type="pres">
+      <dgm:prSet presAssocID="{8FCAC36B-883B-CB49-B2A9-1726890C69CC}" presName="composite" presStyleCnt="0"/>
+      <dgm:spPr/>
+    </dgm:pt>
+    <dgm:pt modelId="{F52438EA-4F92-C240-AFC6-A4B2AEE6AE1C}" type="pres">
+      <dgm:prSet presAssocID="{8FCAC36B-883B-CB49-B2A9-1726890C69CC}" presName="parTx" presStyleLbl="alignNode1" presStyleIdx="3" presStyleCnt="5">
+        <dgm:presLayoutVars>
+          <dgm:chMax val="0"/>
+          <dgm:chPref val="0"/>
+          <dgm:bulletEnabled val="1"/>
+        </dgm:presLayoutVars>
+      </dgm:prSet>
+      <dgm:spPr/>
+    </dgm:pt>
+    <dgm:pt modelId="{2B6E9592-A682-6345-BF16-231F2137BE1B}" type="pres">
+      <dgm:prSet presAssocID="{8FCAC36B-883B-CB49-B2A9-1726890C69CC}" presName="desTx" presStyleLbl="alignAccFollowNode1" presStyleIdx="3" presStyleCnt="5">
+        <dgm:presLayoutVars>
+          <dgm:bulletEnabled val="1"/>
+        </dgm:presLayoutVars>
+      </dgm:prSet>
+      <dgm:spPr/>
+    </dgm:pt>
+    <dgm:pt modelId="{FEB52FE5-A102-B64F-A533-08616EF93B83}" type="pres">
+      <dgm:prSet presAssocID="{D384A8A0-6BAF-884B-BCF0-7AFB8CACFA43}" presName="space" presStyleCnt="0"/>
+      <dgm:spPr/>
+    </dgm:pt>
+    <dgm:pt modelId="{3FE07C82-AE65-034F-8934-6B5BCC7F8521}" type="pres">
+      <dgm:prSet presAssocID="{E05BD9A0-9638-2847-B21C-1F3C0B4CB50F}" presName="composite" presStyleCnt="0"/>
+      <dgm:spPr/>
+    </dgm:pt>
+    <dgm:pt modelId="{053EBC9C-795D-B247-9A71-8C145122C26F}" type="pres">
+      <dgm:prSet presAssocID="{E05BD9A0-9638-2847-B21C-1F3C0B4CB50F}" presName="parTx" presStyleLbl="alignNode1" presStyleIdx="4" presStyleCnt="5">
+        <dgm:presLayoutVars>
+          <dgm:chMax val="0"/>
+          <dgm:chPref val="0"/>
+          <dgm:bulletEnabled val="1"/>
+        </dgm:presLayoutVars>
+      </dgm:prSet>
+      <dgm:spPr/>
+    </dgm:pt>
+    <dgm:pt modelId="{0ACA845D-9FC2-6344-8148-7E8CA16E5E7F}" type="pres">
+      <dgm:prSet presAssocID="{E05BD9A0-9638-2847-B21C-1F3C0B4CB50F}" presName="desTx" presStyleLbl="alignAccFollowNode1" presStyleIdx="4" presStyleCnt="5">
+        <dgm:presLayoutVars>
+          <dgm:bulletEnabled val="1"/>
+        </dgm:presLayoutVars>
+      </dgm:prSet>
+      <dgm:spPr/>
+    </dgm:pt>
+  </dgm:ptLst>
+  <dgm:cxnLst>
+    <dgm:cxn modelId="{67687304-763C-9543-9A20-8C1B2BA46E2C}" srcId="{8FCAC36B-883B-CB49-B2A9-1726890C69CC}" destId="{EE002E70-1BA6-414C-9812-44CC66DBF2F7}" srcOrd="0" destOrd="0" parTransId="{372972BE-2DC7-6145-B716-D7B365EEF666}" sibTransId="{C1AEF333-AB7C-6D44-8367-C2A1AD896572}"/>
+    <dgm:cxn modelId="{288C5908-1DEA-1949-8D5A-E09CD6ACECCF}" srcId="{EE002E70-1BA6-414C-9812-44CC66DBF2F7}" destId="{8BA39BFB-6A6D-484C-9EAF-C93E7D584CD1}" srcOrd="0" destOrd="0" parTransId="{150872F1-35A1-5E44-BB6A-B32857D022A7}" sibTransId="{361F1E47-7B9A-E448-ACA1-444D4CC9FE85}"/>
+    <dgm:cxn modelId="{2789E709-A702-4046-AEA3-52605E06A8FF}" type="presOf" srcId="{57C7E88D-0BEB-F14A-93B6-2B2189E1963F}" destId="{DAB8C1E6-595B-3749-86CB-01C31DF4F5B6}" srcOrd="0" destOrd="7" presId="urn:microsoft.com/office/officeart/2005/8/layout/hList1"/>
+    <dgm:cxn modelId="{B497810C-B05F-5A46-BD7B-8D93B7C868D8}" type="presOf" srcId="{8936E120-8683-5442-AF71-AF676B1BA381}" destId="{DAB8C1E6-595B-3749-86CB-01C31DF4F5B6}" srcOrd="0" destOrd="3" presId="urn:microsoft.com/office/officeart/2005/8/layout/hList1"/>
+    <dgm:cxn modelId="{8857E50C-A37B-EE44-8F41-C41448C52FE2}" type="presOf" srcId="{A8B444C6-60CE-FA48-AAD1-DE301EF4E992}" destId="{0ACA845D-9FC2-6344-8148-7E8CA16E5E7F}" srcOrd="0" destOrd="2" presId="urn:microsoft.com/office/officeart/2005/8/layout/hList1"/>
+    <dgm:cxn modelId="{148E3B0E-9425-7C43-A77C-C07E9A4843B6}" type="presOf" srcId="{60FFE41E-DFD6-924B-8D3B-F56661A5E1B3}" destId="{DAB8C1E6-595B-3749-86CB-01C31DF4F5B6}" srcOrd="0" destOrd="6" presId="urn:microsoft.com/office/officeart/2005/8/layout/hList1"/>
+    <dgm:cxn modelId="{3A731B11-815C-D64E-8B51-D80078BEEA6F}" srcId="{74B7F226-0836-874F-A3BF-207C591BB9FB}" destId="{61F17B5E-E519-B649-B7ED-1802C74DF2BD}" srcOrd="0" destOrd="0" parTransId="{225EF6CA-E2C6-AE46-9864-75B13B6717EB}" sibTransId="{4AD05848-A9D9-8A4E-9EB8-C056D5544D3A}"/>
+    <dgm:cxn modelId="{DB83311A-29CA-A841-828B-590F1B533419}" type="presOf" srcId="{2E8F0239-696F-6D47-9F86-A7CCAD2A3DC2}" destId="{313A1F4D-7CB2-F642-B354-0BDB9ACDF771}" srcOrd="0" destOrd="4" presId="urn:microsoft.com/office/officeart/2005/8/layout/hList1"/>
+    <dgm:cxn modelId="{F300981A-56BE-2845-B325-7DD924EC8326}" type="presOf" srcId="{0A895738-3D40-E74A-B397-D507CCF0DD94}" destId="{DB4E1272-8157-C145-9949-D563A214158B}" srcOrd="0" destOrd="0" presId="urn:microsoft.com/office/officeart/2005/8/layout/hList1"/>
+    <dgm:cxn modelId="{CF637620-3A7D-AD4D-9CBD-46A4EB295099}" type="presOf" srcId="{F9F9B7D8-3D7D-B24D-9071-841ACF880BDF}" destId="{635F0EEB-03D4-EB4D-9D46-58D81B829861}" srcOrd="0" destOrd="4" presId="urn:microsoft.com/office/officeart/2005/8/layout/hList1"/>
+    <dgm:cxn modelId="{0627A822-46FF-BB46-9E9E-460080046859}" srcId="{EB634E8C-7C66-7248-9503-36E83DCFFDFA}" destId="{2E8F0239-696F-6D47-9F86-A7CCAD2A3DC2}" srcOrd="0" destOrd="0" parTransId="{B5C47E38-5A0B-DF4E-8AA5-29A82AB089B1}" sibTransId="{725460CE-83B5-DC48-9ADD-FA2A55AE1290}"/>
+    <dgm:cxn modelId="{0C1BF526-A664-F749-9077-40B7A042A330}" srcId="{74B7F226-0836-874F-A3BF-207C591BB9FB}" destId="{8CE56096-17B5-2A4A-BC36-4C2181AC44D0}" srcOrd="1" destOrd="0" parTransId="{E8F93FF8-1ECB-E546-9983-BEF9FD7A24E2}" sibTransId="{F7F0C277-7CBD-D044-8D40-A5A263D9162C}"/>
+    <dgm:cxn modelId="{C0C8F728-FC1E-3E48-AF4D-DF7C771350B8}" srcId="{713F20A0-BF72-EE43-A8DD-AF185C4B82DC}" destId="{6DFC3944-BEA1-F940-ACC7-4FABDF550A56}" srcOrd="1" destOrd="0" parTransId="{B32BB147-B496-7949-BB9B-24AFF53A040C}" sibTransId="{CAFBD0CA-9387-5B48-B9C2-AD03C9B5336F}"/>
+    <dgm:cxn modelId="{5B4E1129-BEBE-D24E-9B4C-8591A87153FD}" type="presOf" srcId="{71AAE4DF-DDA9-4949-AD48-6F122CAFD057}" destId="{0ACA845D-9FC2-6344-8148-7E8CA16E5E7F}" srcOrd="0" destOrd="0" presId="urn:microsoft.com/office/officeart/2005/8/layout/hList1"/>
+    <dgm:cxn modelId="{5C25DE2E-1FBA-3948-B5D0-A31DAC1ACE6B}" srcId="{819E0C5A-1403-8E41-AAA1-DCD6DD60F058}" destId="{28D5221A-BD74-3D4B-AFB4-4550713B6A46}" srcOrd="1" destOrd="0" parTransId="{178A9911-7D7A-BC47-854A-AF8FEEB12C7E}" sibTransId="{B696060D-1A93-E64C-840F-EDB65A67B126}"/>
+    <dgm:cxn modelId="{1DBAE72E-166E-AB46-B989-F961CF9FEFFB}" srcId="{63F9CB0A-1442-A443-A2CC-BDA05E7E2202}" destId="{3426FADA-66D1-8144-BC16-D31682296B01}" srcOrd="4" destOrd="0" parTransId="{30871425-CB33-0040-B408-442416F22D47}" sibTransId="{42DE7B8B-DD9F-9F41-A381-2F28DD1F7AC6}"/>
+    <dgm:cxn modelId="{0A911030-79D3-2748-8205-20BED9643155}" srcId="{FEEDF827-207B-204B-BCF6-BE71B111FA2E}" destId="{772D9646-FB6B-8646-816D-D874BE7D2927}" srcOrd="0" destOrd="0" parTransId="{8117E1BB-0B14-D34F-92F9-C9DC20C2A29E}" sibTransId="{8EACAE50-97A1-6C40-BA4E-047E5884BF61}"/>
+    <dgm:cxn modelId="{562A0336-8D99-3D48-94BE-B685CF206F73}" type="presOf" srcId="{E8530632-2796-A747-A5EE-C24DB1F34B94}" destId="{DAB8C1E6-595B-3749-86CB-01C31DF4F5B6}" srcOrd="0" destOrd="11" presId="urn:microsoft.com/office/officeart/2005/8/layout/hList1"/>
+    <dgm:cxn modelId="{D5F3B438-EFD8-B840-AD8F-2C3F13A99E49}" type="presOf" srcId="{E05BD9A0-9638-2847-B21C-1F3C0B4CB50F}" destId="{053EBC9C-795D-B247-9A71-8C145122C26F}" srcOrd="0" destOrd="0" presId="urn:microsoft.com/office/officeart/2005/8/layout/hList1"/>
+    <dgm:cxn modelId="{5ED48D3A-4C4D-0048-A71A-1C6D3A855991}" type="presOf" srcId="{EB634E8C-7C66-7248-9503-36E83DCFFDFA}" destId="{313A1F4D-7CB2-F642-B354-0BDB9ACDF771}" srcOrd="0" destOrd="3" presId="urn:microsoft.com/office/officeart/2005/8/layout/hList1"/>
+    <dgm:cxn modelId="{8DF24F3C-496F-4D41-90D4-4919AB497003}" srcId="{28D5221A-BD74-3D4B-AFB4-4550713B6A46}" destId="{63F9CB0A-1442-A443-A2CC-BDA05E7E2202}" srcOrd="0" destOrd="0" parTransId="{DEC80EDC-48A9-6F4A-91F3-FF9EC7B7432C}" sibTransId="{C71E81B2-057C-1B40-80B5-D59FE4EC5B01}"/>
+    <dgm:cxn modelId="{6A2AF43C-CE6C-944C-BB0D-526B75DCB36A}" srcId="{0A895738-3D40-E74A-B397-D507CCF0DD94}" destId="{CFD95037-DBE9-9446-AB53-4E6BACDF12FC}" srcOrd="1" destOrd="0" parTransId="{E46D758E-046D-8F4C-A24E-EA349855564C}" sibTransId="{59C68D5B-CC5D-F348-9F50-AF51690F1EB8}"/>
+    <dgm:cxn modelId="{F58F9E42-9737-FD4E-8C56-50ABD310EB64}" type="presOf" srcId="{74B7F226-0836-874F-A3BF-207C591BB9FB}" destId="{635F0EEB-03D4-EB4D-9D46-58D81B829861}" srcOrd="0" destOrd="0" presId="urn:microsoft.com/office/officeart/2005/8/layout/hList1"/>
+    <dgm:cxn modelId="{AA1C1B43-00AA-CD43-BADA-3CABCF9DEA3F}" srcId="{71AAE4DF-DDA9-4949-AD48-6F122CAFD057}" destId="{DFBDC719-3909-9848-9B3E-9161F2C816B5}" srcOrd="0" destOrd="0" parTransId="{E3501F49-5B79-1A42-9160-8689D5B425AE}" sibTransId="{F9A939A6-370A-9646-A802-335EC3E76F01}"/>
+    <dgm:cxn modelId="{ACB83243-3E15-0047-B126-0DB74F786719}" type="presOf" srcId="{33F87B13-A418-8349-B69D-B780D63F2FDA}" destId="{635F0EEB-03D4-EB4D-9D46-58D81B829861}" srcOrd="0" destOrd="3" presId="urn:microsoft.com/office/officeart/2005/8/layout/hList1"/>
+    <dgm:cxn modelId="{11B74846-CE22-5F41-ADAE-817B401D7A78}" type="presOf" srcId="{DB8F49CC-0EAE-C943-8887-E112FC932742}" destId="{2B6E9592-A682-6345-BF16-231F2137BE1B}" srcOrd="0" destOrd="3" presId="urn:microsoft.com/office/officeart/2005/8/layout/hList1"/>
+    <dgm:cxn modelId="{F75B6747-C927-AC44-8EFF-83123EFDFCA4}" type="presOf" srcId="{DE92C2D8-B338-3D4D-9994-8CB589DBF76F}" destId="{635F0EEB-03D4-EB4D-9D46-58D81B829861}" srcOrd="0" destOrd="7" presId="urn:microsoft.com/office/officeart/2005/8/layout/hList1"/>
+    <dgm:cxn modelId="{5A8B324C-9A73-EC43-AD3F-904C10AB887D}" srcId="{8FCAC36B-883B-CB49-B2A9-1726890C69CC}" destId="{A6D7846F-3016-9146-9509-5F44F23CA934}" srcOrd="1" destOrd="0" parTransId="{C7B8E429-BAE6-E549-A96E-B092531533E0}" sibTransId="{46DE24CA-6CE7-3D46-9E35-9921E19A126E}"/>
+    <dgm:cxn modelId="{A62C614F-8881-024F-8DC0-C829BF89A990}" type="presOf" srcId="{016DAD64-638E-6240-8EF1-2E8C1B9034C7}" destId="{DAB8C1E6-595B-3749-86CB-01C31DF4F5B6}" srcOrd="0" destOrd="1" presId="urn:microsoft.com/office/officeart/2005/8/layout/hList1"/>
+    <dgm:cxn modelId="{4A021050-6BB4-F74E-9BD3-172BBE6445EB}" type="presOf" srcId="{8FCAC36B-883B-CB49-B2A9-1726890C69CC}" destId="{F52438EA-4F92-C240-AFC6-A4B2AEE6AE1C}" srcOrd="0" destOrd="0" presId="urn:microsoft.com/office/officeart/2005/8/layout/hList1"/>
+    <dgm:cxn modelId="{74B1EC53-1C8F-1F4A-B1CC-C8B5BE590143}" type="presOf" srcId="{6DFC3944-BEA1-F940-ACC7-4FABDF550A56}" destId="{313A1F4D-7CB2-F642-B354-0BDB9ACDF771}" srcOrd="0" destOrd="2" presId="urn:microsoft.com/office/officeart/2005/8/layout/hList1"/>
+    <dgm:cxn modelId="{E8A40256-DAA7-BE47-8BA7-2A4A854BE47B}" type="presOf" srcId="{C835637C-F65B-4A4C-999A-7798918F06BA}" destId="{0ACA845D-9FC2-6344-8148-7E8CA16E5E7F}" srcOrd="0" destOrd="3" presId="urn:microsoft.com/office/officeart/2005/8/layout/hList1"/>
+    <dgm:cxn modelId="{5A4CED5E-3FCA-DF42-B300-CBA2CCBCF4CA}" type="presOf" srcId="{C6FE8727-257A-8047-8E43-E27FCE69CC84}" destId="{DAB8C1E6-595B-3749-86CB-01C31DF4F5B6}" srcOrd="0" destOrd="10" presId="urn:microsoft.com/office/officeart/2005/8/layout/hList1"/>
+    <dgm:cxn modelId="{DA009D5F-BC16-F94D-9B7D-725A2D7BAB65}" srcId="{63F9CB0A-1442-A443-A2CC-BDA05E7E2202}" destId="{5B289611-B3C7-5F49-B2B2-5E26789841AA}" srcOrd="7" destOrd="0" parTransId="{03D39601-6438-A146-BE76-1F45672854BA}" sibTransId="{4D2CDD66-84BF-D644-91EE-CD39B324C580}"/>
+    <dgm:cxn modelId="{B4623368-49AF-8745-97B2-A793E8F4A78A}" srcId="{713F20A0-BF72-EE43-A8DD-AF185C4B82DC}" destId="{EB634E8C-7C66-7248-9503-36E83DCFFDFA}" srcOrd="2" destOrd="0" parTransId="{A58FFCAF-CA74-D64B-BCBC-313FD4181AC0}" sibTransId="{C89FDDCB-23D7-5B4E-B676-48C917624C53}"/>
+    <dgm:cxn modelId="{F0A3286B-BA3C-FD4D-928F-03586CEEC86B}" srcId="{A6D7846F-3016-9146-9509-5F44F23CA934}" destId="{DB8F49CC-0EAE-C943-8887-E112FC932742}" srcOrd="0" destOrd="0" parTransId="{E3E04408-6FAC-664A-9207-A94A01C510DF}" sibTransId="{6FF47A1D-092D-9048-B35D-3C0D6759CB27}"/>
+    <dgm:cxn modelId="{7981D070-E1DA-F441-A142-C50A813AD130}" type="presOf" srcId="{9E251CFC-2A5F-6C42-99D3-BF9BD8EA3EBF}" destId="{DAB8C1E6-595B-3749-86CB-01C31DF4F5B6}" srcOrd="0" destOrd="4" presId="urn:microsoft.com/office/officeart/2005/8/layout/hList1"/>
+    <dgm:cxn modelId="{E2D06871-2BE9-2F41-B849-B0A88E7ED468}" srcId="{63F9CB0A-1442-A443-A2CC-BDA05E7E2202}" destId="{016DAD64-638E-6240-8EF1-2E8C1B9034C7}" srcOrd="0" destOrd="0" parTransId="{DD27D5DA-3834-AB41-828E-98111BE13A1F}" sibTransId="{85689B27-C725-8E4A-A5B6-FB715F75B1B6}"/>
+    <dgm:cxn modelId="{17C6DA72-945A-DE49-901E-57CE0D6BFAD0}" srcId="{819E0C5A-1403-8E41-AAA1-DCD6DD60F058}" destId="{8FCAC36B-883B-CB49-B2A9-1726890C69CC}" srcOrd="3" destOrd="0" parTransId="{E8A03A2C-CA25-EF4D-BF6A-78335E2FE77E}" sibTransId="{D384A8A0-6BAF-884B-BCF0-7AFB8CACFA43}"/>
+    <dgm:cxn modelId="{D32AB586-3E01-B24B-93C4-3AA3F809C4E2}" type="presOf" srcId="{EE002E70-1BA6-414C-9812-44CC66DBF2F7}" destId="{2B6E9592-A682-6345-BF16-231F2137BE1B}" srcOrd="0" destOrd="0" presId="urn:microsoft.com/office/officeart/2005/8/layout/hList1"/>
+    <dgm:cxn modelId="{69D1D386-8461-FF4A-9E80-936090F2CD5E}" type="presOf" srcId="{3426FADA-66D1-8144-BC16-D31682296B01}" destId="{DAB8C1E6-595B-3749-86CB-01C31DF4F5B6}" srcOrd="0" destOrd="5" presId="urn:microsoft.com/office/officeart/2005/8/layout/hList1"/>
+    <dgm:cxn modelId="{68E5F592-FAC1-5D41-8BA7-0CB562B0C6DA}" srcId="{63F9CB0A-1442-A443-A2CC-BDA05E7E2202}" destId="{60FFE41E-DFD6-924B-8D3B-F56661A5E1B3}" srcOrd="5" destOrd="0" parTransId="{DB346D79-89A1-C249-B2CA-60BBC7BE6DC4}" sibTransId="{23F47A40-19B2-5147-B5F7-6FB169DC2CBB}"/>
+    <dgm:cxn modelId="{F4737E95-806E-FF42-AE69-B5A21681D5B3}" srcId="{713F20A0-BF72-EE43-A8DD-AF185C4B82DC}" destId="{FEEDF827-207B-204B-BCF6-BE71B111FA2E}" srcOrd="0" destOrd="0" parTransId="{B2D6999F-9B5D-E946-8A93-E9544EDAD88D}" sibTransId="{B21F15CE-8CEC-4F46-8FEA-7B105F083E5E}"/>
+    <dgm:cxn modelId="{DA117296-CDB7-EF41-B574-0FFC51CE5F2A}" srcId="{CFD95037-DBE9-9446-AB53-4E6BACDF12FC}" destId="{DE92C2D8-B338-3D4D-9994-8CB589DBF76F}" srcOrd="0" destOrd="0" parTransId="{1A42E9A7-A031-FB48-A334-60B63C08096C}" sibTransId="{7D3BF81E-4234-5649-ADCE-E07ADDC6C5C2}"/>
+    <dgm:cxn modelId="{BD7D649C-BD9C-B345-BC3F-1C555C830F1B}" type="presOf" srcId="{DFBDC719-3909-9848-9B3E-9161F2C816B5}" destId="{0ACA845D-9FC2-6344-8148-7E8CA16E5E7F}" srcOrd="0" destOrd="1" presId="urn:microsoft.com/office/officeart/2005/8/layout/hList1"/>
+    <dgm:cxn modelId="{CE57E09F-968A-0249-8038-4415CC052C0E}" srcId="{63F9CB0A-1442-A443-A2CC-BDA05E7E2202}" destId="{57C7E88D-0BEB-F14A-93B6-2B2189E1963F}" srcOrd="6" destOrd="0" parTransId="{E30CABAE-3F2F-654E-B40C-408BE3985779}" sibTransId="{2A1CFAC4-B56B-F24E-8753-55954AA27DE3}"/>
+    <dgm:cxn modelId="{9F310AA6-DB73-B948-A210-A8071B0F78F4}" type="presOf" srcId="{63F9CB0A-1442-A443-A2CC-BDA05E7E2202}" destId="{DAB8C1E6-595B-3749-86CB-01C31DF4F5B6}" srcOrd="0" destOrd="0" presId="urn:microsoft.com/office/officeart/2005/8/layout/hList1"/>
+    <dgm:cxn modelId="{8DA80AA6-53EB-5243-B44B-FC3D660549FE}" srcId="{63F9CB0A-1442-A443-A2CC-BDA05E7E2202}" destId="{210B7850-4158-8649-9890-CE1246685414}" srcOrd="1" destOrd="0" parTransId="{08C66628-8BDF-E046-A9D5-7194AC55D531}" sibTransId="{B373808E-77E5-9046-8559-87C329429496}"/>
+    <dgm:cxn modelId="{B38A7EA7-D40A-834F-BA52-55C330B0572B}" type="presOf" srcId="{A6D7846F-3016-9146-9509-5F44F23CA934}" destId="{2B6E9592-A682-6345-BF16-231F2137BE1B}" srcOrd="0" destOrd="2" presId="urn:microsoft.com/office/officeart/2005/8/layout/hList1"/>
+    <dgm:cxn modelId="{9F2BCBAE-600B-A44F-8877-A9CAE53870D0}" type="presOf" srcId="{FEEDF827-207B-204B-BCF6-BE71B111FA2E}" destId="{313A1F4D-7CB2-F642-B354-0BDB9ACDF771}" srcOrd="0" destOrd="0" presId="urn:microsoft.com/office/officeart/2005/8/layout/hList1"/>
+    <dgm:cxn modelId="{D8E8FFB5-A39E-E747-A85F-5D0EE137566A}" type="presOf" srcId="{BC9A5D7C-EEB0-E74A-99C2-C2305104874E}" destId="{635F0EEB-03D4-EB4D-9D46-58D81B829861}" srcOrd="0" destOrd="5" presId="urn:microsoft.com/office/officeart/2005/8/layout/hList1"/>
+    <dgm:cxn modelId="{A0005AB9-AF2C-EC47-97DF-6E914ED5E097}" type="presOf" srcId="{28D5221A-BD74-3D4B-AFB4-4550713B6A46}" destId="{A7E6C8AA-0514-4B40-8E27-2946A70F4585}" srcOrd="0" destOrd="0" presId="urn:microsoft.com/office/officeart/2005/8/layout/hList1"/>
+    <dgm:cxn modelId="{FAF88FBB-4FEA-4747-BA67-35D3539EB851}" type="presOf" srcId="{713F20A0-BF72-EE43-A8DD-AF185C4B82DC}" destId="{9EF34850-7F56-0E45-BB4F-0FA6645B684A}" srcOrd="0" destOrd="0" presId="urn:microsoft.com/office/officeart/2005/8/layout/hList1"/>
+    <dgm:cxn modelId="{BEBE87BE-AFB9-C749-BBB5-A2C6FEDB8DF5}" srcId="{0A895738-3D40-E74A-B397-D507CCF0DD94}" destId="{74B7F226-0836-874F-A3BF-207C591BB9FB}" srcOrd="0" destOrd="0" parTransId="{FD7B2134-7A0B-BB4F-A6D0-B132589DB647}" sibTransId="{501139DA-FAE9-E841-A010-7A714FF8CC34}"/>
+    <dgm:cxn modelId="{3A00FFC3-BD13-5346-BF3B-004D3B9492D9}" srcId="{74B7F226-0836-874F-A3BF-207C591BB9FB}" destId="{F9F9B7D8-3D7D-B24D-9071-841ACF880BDF}" srcOrd="3" destOrd="0" parTransId="{7D24AE22-42DC-4E4C-A762-AB58C8D1A996}" sibTransId="{C35982AE-2CD6-0B47-B019-0770491E2D0D}"/>
+    <dgm:cxn modelId="{C34675C5-1A36-0E45-9FAB-E5789B0FDA0F}" type="presOf" srcId="{61F17B5E-E519-B649-B7ED-1802C74DF2BD}" destId="{635F0EEB-03D4-EB4D-9D46-58D81B829861}" srcOrd="0" destOrd="1" presId="urn:microsoft.com/office/officeart/2005/8/layout/hList1"/>
+    <dgm:cxn modelId="{AF8C9FC6-A11B-664C-B9A6-56CC41C1EC63}" srcId="{A8B444C6-60CE-FA48-AAD1-DE301EF4E992}" destId="{C835637C-F65B-4A4C-999A-7798918F06BA}" srcOrd="0" destOrd="0" parTransId="{AE56E410-E1F5-9741-9EBD-B7B2B705DA53}" sibTransId="{818F4537-2228-9C44-A431-4ADB20B7ECF3}"/>
+    <dgm:cxn modelId="{0B19E9C6-0139-584F-B8A0-9E1AD87A1373}" srcId="{28D5221A-BD74-3D4B-AFB4-4550713B6A46}" destId="{5874BF6F-27BE-2441-9AAC-DA8BC56ACF6E}" srcOrd="1" destOrd="0" parTransId="{D021EDD8-2745-EC48-A756-24A49135AEF7}" sibTransId="{6C02F85E-1C7C-3249-9E44-79DD90D9A344}"/>
+    <dgm:cxn modelId="{EAFFF9D0-6815-364A-A416-683300425AC3}" type="presOf" srcId="{5874BF6F-27BE-2441-9AAC-DA8BC56ACF6E}" destId="{DAB8C1E6-595B-3749-86CB-01C31DF4F5B6}" srcOrd="0" destOrd="9" presId="urn:microsoft.com/office/officeart/2005/8/layout/hList1"/>
+    <dgm:cxn modelId="{AD8EF1D1-323F-0544-88EF-C87216BD8E89}" type="presOf" srcId="{772D9646-FB6B-8646-816D-D874BE7D2927}" destId="{313A1F4D-7CB2-F642-B354-0BDB9ACDF771}" srcOrd="0" destOrd="1" presId="urn:microsoft.com/office/officeart/2005/8/layout/hList1"/>
+    <dgm:cxn modelId="{AC8952D2-129E-C149-A3DB-D28DF163DBDB}" srcId="{819E0C5A-1403-8E41-AAA1-DCD6DD60F058}" destId="{713F20A0-BF72-EE43-A8DD-AF185C4B82DC}" srcOrd="0" destOrd="0" parTransId="{DF1B0929-A7B6-A74C-8B69-E70C60B34C24}" sibTransId="{889468A5-C505-D24D-8B87-C4B0DDE99818}"/>
+    <dgm:cxn modelId="{43380ED6-A81C-C548-8A2C-15A9BA526C8B}" type="presOf" srcId="{210B7850-4158-8649-9890-CE1246685414}" destId="{DAB8C1E6-595B-3749-86CB-01C31DF4F5B6}" srcOrd="0" destOrd="2" presId="urn:microsoft.com/office/officeart/2005/8/layout/hList1"/>
+    <dgm:cxn modelId="{BBB0A3D7-D137-0D48-8632-8215233A8AA0}" srcId="{819E0C5A-1403-8E41-AAA1-DCD6DD60F058}" destId="{E05BD9A0-9638-2847-B21C-1F3C0B4CB50F}" srcOrd="4" destOrd="0" parTransId="{E4DC4D22-FBE9-E740-BFFA-2182F4D627F1}" sibTransId="{38A24B3A-B657-AB4E-9522-6162931272E9}"/>
+    <dgm:cxn modelId="{F8ABE7D9-5203-1F40-9181-D9808D189EF1}" type="presOf" srcId="{8BA39BFB-6A6D-484C-9EAF-C93E7D584CD1}" destId="{2B6E9592-A682-6345-BF16-231F2137BE1B}" srcOrd="0" destOrd="1" presId="urn:microsoft.com/office/officeart/2005/8/layout/hList1"/>
+    <dgm:cxn modelId="{AA7E1EDE-D0E6-8949-A50F-E31EB137C63D}" srcId="{74B7F226-0836-874F-A3BF-207C591BB9FB}" destId="{BC9A5D7C-EEB0-E74A-99C2-C2305104874E}" srcOrd="4" destOrd="0" parTransId="{DE41BA21-9678-F44A-BD2B-DF27AD0593C1}" sibTransId="{E4B9248F-E1B4-3E46-B15B-163D62C9745C}"/>
+    <dgm:cxn modelId="{90CB2DDE-87E1-7E40-96BA-4A81183E3CEE}" srcId="{E05BD9A0-9638-2847-B21C-1F3C0B4CB50F}" destId="{71AAE4DF-DDA9-4949-AD48-6F122CAFD057}" srcOrd="0" destOrd="0" parTransId="{FFA32C89-FA4A-124F-9B2F-A85E7ED20A25}" sibTransId="{5E2809A9-9023-6C4B-BA63-C605934B104D}"/>
+    <dgm:cxn modelId="{F4296FE3-D4D7-6F4A-A1B2-2620327692AF}" srcId="{E05BD9A0-9638-2847-B21C-1F3C0B4CB50F}" destId="{A8B444C6-60CE-FA48-AAD1-DE301EF4E992}" srcOrd="1" destOrd="0" parTransId="{B0988517-3869-9342-98FE-E15B3EB287F6}" sibTransId="{2D4A4730-5205-A548-89ED-B9956F00AB43}"/>
+    <dgm:cxn modelId="{C1616BE6-34C0-E547-874F-F79C79E569F7}" type="presOf" srcId="{8CE56096-17B5-2A4A-BC36-4C2181AC44D0}" destId="{635F0EEB-03D4-EB4D-9D46-58D81B829861}" srcOrd="0" destOrd="2" presId="urn:microsoft.com/office/officeart/2005/8/layout/hList1"/>
+    <dgm:cxn modelId="{D71611EC-7DC7-A14E-A6A9-63D373DC4FAB}" srcId="{63F9CB0A-1442-A443-A2CC-BDA05E7E2202}" destId="{8936E120-8683-5442-AF71-AF676B1BA381}" srcOrd="2" destOrd="0" parTransId="{BC74D007-DCC4-A643-B3DF-D635FF844E0D}" sibTransId="{8BDC4E57-52A2-2146-AA4F-1983D3492D4A}"/>
+    <dgm:cxn modelId="{74A369EE-FB32-0C45-BEFB-6D9C9372DC5E}" srcId="{74B7F226-0836-874F-A3BF-207C591BB9FB}" destId="{33F87B13-A418-8349-B69D-B780D63F2FDA}" srcOrd="2" destOrd="0" parTransId="{88415715-AF43-854A-929A-6A77E9EE154F}" sibTransId="{2C708B59-B466-D146-8CB7-B9C74F40A7F7}"/>
+    <dgm:cxn modelId="{2EA29EF6-99EB-D243-B6DD-A3EAE9D5605B}" srcId="{819E0C5A-1403-8E41-AAA1-DCD6DD60F058}" destId="{0A895738-3D40-E74A-B397-D507CCF0DD94}" srcOrd="2" destOrd="0" parTransId="{645C7407-81C9-974F-88A8-830A4C2D5775}" sibTransId="{F4CC5A28-A519-F04A-B9CC-1EA32A23FF6D}"/>
+    <dgm:cxn modelId="{6D7FB4F7-E26D-A04B-8372-0B97A3F49E92}" srcId="{28D5221A-BD74-3D4B-AFB4-4550713B6A46}" destId="{C6FE8727-257A-8047-8E43-E27FCE69CC84}" srcOrd="2" destOrd="0" parTransId="{08D20137-7F82-6047-A717-A51172571DF3}" sibTransId="{8FFB3196-6DCF-1F4E-899F-60198395C708}"/>
+    <dgm:cxn modelId="{2C6F07F8-D724-2B45-856B-4268133D63CC}" type="presOf" srcId="{CFD95037-DBE9-9446-AB53-4E6BACDF12FC}" destId="{635F0EEB-03D4-EB4D-9D46-58D81B829861}" srcOrd="0" destOrd="6" presId="urn:microsoft.com/office/officeart/2005/8/layout/hList1"/>
+    <dgm:cxn modelId="{A279CBF8-EC93-6D4B-B888-22AF59AE5962}" srcId="{63F9CB0A-1442-A443-A2CC-BDA05E7E2202}" destId="{9E251CFC-2A5F-6C42-99D3-BF9BD8EA3EBF}" srcOrd="3" destOrd="0" parTransId="{BC34E518-ECBF-0241-9CFD-C3E49F3140D9}" sibTransId="{330F649F-1BB8-8342-BB1D-0FF433BCEF30}"/>
+    <dgm:cxn modelId="{B90D15FC-09F2-3442-943F-A1F276346396}" type="presOf" srcId="{5B289611-B3C7-5F49-B2B2-5E26789841AA}" destId="{DAB8C1E6-595B-3749-86CB-01C31DF4F5B6}" srcOrd="0" destOrd="8" presId="urn:microsoft.com/office/officeart/2005/8/layout/hList1"/>
+    <dgm:cxn modelId="{AA2295FC-317B-2045-A973-90BE9C85CA21}" srcId="{C6FE8727-257A-8047-8E43-E27FCE69CC84}" destId="{E8530632-2796-A747-A5EE-C24DB1F34B94}" srcOrd="0" destOrd="0" parTransId="{FB61C9DB-143C-E049-878E-D9CBE31927BF}" sibTransId="{88BB3021-E99F-264F-AD21-A2C371B6196A}"/>
+    <dgm:cxn modelId="{6FDA2CFD-5863-6145-92E8-AA5C2CCA698F}" type="presOf" srcId="{819E0C5A-1403-8E41-AAA1-DCD6DD60F058}" destId="{2807EB78-8D31-3747-86B6-30FD7B633A86}" srcOrd="0" destOrd="0" presId="urn:microsoft.com/office/officeart/2005/8/layout/hList1"/>
+    <dgm:cxn modelId="{FCF7B355-A99E-E343-BD72-5C944BE02B4F}" type="presParOf" srcId="{2807EB78-8D31-3747-86B6-30FD7B633A86}" destId="{43B1598E-FE08-D742-A735-E9B07A50C5E8}" srcOrd="0" destOrd="0" presId="urn:microsoft.com/office/officeart/2005/8/layout/hList1"/>
+    <dgm:cxn modelId="{B615181F-0E13-DB44-B381-D9A86DF8A61C}" type="presParOf" srcId="{43B1598E-FE08-D742-A735-E9B07A50C5E8}" destId="{9EF34850-7F56-0E45-BB4F-0FA6645B684A}" srcOrd="0" destOrd="0" presId="urn:microsoft.com/office/officeart/2005/8/layout/hList1"/>
+    <dgm:cxn modelId="{54ED1678-A712-0D45-9D1E-E45C99A59C24}" type="presParOf" srcId="{43B1598E-FE08-D742-A735-E9B07A50C5E8}" destId="{313A1F4D-7CB2-F642-B354-0BDB9ACDF771}" srcOrd="1" destOrd="0" presId="urn:microsoft.com/office/officeart/2005/8/layout/hList1"/>
+    <dgm:cxn modelId="{805CBAA4-AE3F-A643-8B31-42E53663F667}" type="presParOf" srcId="{2807EB78-8D31-3747-86B6-30FD7B633A86}" destId="{23F0CB1F-B742-034E-9E39-D3EA6DA9612A}" srcOrd="1" destOrd="0" presId="urn:microsoft.com/office/officeart/2005/8/layout/hList1"/>
+    <dgm:cxn modelId="{6636F81A-9B18-6445-9C20-E4FCA458B359}" type="presParOf" srcId="{2807EB78-8D31-3747-86B6-30FD7B633A86}" destId="{32E96759-F3AA-5E40-ABA3-8C81B7D6FAE3}" srcOrd="2" destOrd="0" presId="urn:microsoft.com/office/officeart/2005/8/layout/hList1"/>
+    <dgm:cxn modelId="{06FDC340-B49B-EC4E-814A-4E4EC943C90B}" type="presParOf" srcId="{32E96759-F3AA-5E40-ABA3-8C81B7D6FAE3}" destId="{A7E6C8AA-0514-4B40-8E27-2946A70F4585}" srcOrd="0" destOrd="0" presId="urn:microsoft.com/office/officeart/2005/8/layout/hList1"/>
+    <dgm:cxn modelId="{593239E8-EACF-174D-B560-C15EFB5612F5}" type="presParOf" srcId="{32E96759-F3AA-5E40-ABA3-8C81B7D6FAE3}" destId="{DAB8C1E6-595B-3749-86CB-01C31DF4F5B6}" srcOrd="1" destOrd="0" presId="urn:microsoft.com/office/officeart/2005/8/layout/hList1"/>
+    <dgm:cxn modelId="{D451C31A-66C1-D34B-8A77-1ABCD7E44737}" type="presParOf" srcId="{2807EB78-8D31-3747-86B6-30FD7B633A86}" destId="{D899C2FB-F112-F849-B019-EE36CBFB183C}" srcOrd="3" destOrd="0" presId="urn:microsoft.com/office/officeart/2005/8/layout/hList1"/>
+    <dgm:cxn modelId="{C53C9304-2CDD-9C49-9549-90398D695F7C}" type="presParOf" srcId="{2807EB78-8D31-3747-86B6-30FD7B633A86}" destId="{39006455-C3D4-7C49-87F6-30C882150A1A}" srcOrd="4" destOrd="0" presId="urn:microsoft.com/office/officeart/2005/8/layout/hList1"/>
+    <dgm:cxn modelId="{A33E06F0-046C-BA4F-AED3-5F3252814180}" type="presParOf" srcId="{39006455-C3D4-7C49-87F6-30C882150A1A}" destId="{DB4E1272-8157-C145-9949-D563A214158B}" srcOrd="0" destOrd="0" presId="urn:microsoft.com/office/officeart/2005/8/layout/hList1"/>
+    <dgm:cxn modelId="{004C89D4-2C0F-AC40-A75B-50AC57AD25D1}" type="presParOf" srcId="{39006455-C3D4-7C49-87F6-30C882150A1A}" destId="{635F0EEB-03D4-EB4D-9D46-58D81B829861}" srcOrd="1" destOrd="0" presId="urn:microsoft.com/office/officeart/2005/8/layout/hList1"/>
+    <dgm:cxn modelId="{58AD28F5-55BB-294F-AD19-D43DA95F8D11}" type="presParOf" srcId="{2807EB78-8D31-3747-86B6-30FD7B633A86}" destId="{3F327E47-2A56-B94D-B6C4-A985FFB6F3CC}" srcOrd="5" destOrd="0" presId="urn:microsoft.com/office/officeart/2005/8/layout/hList1"/>
+    <dgm:cxn modelId="{DDE4F69F-BD15-974C-BE3F-0D1844DB46FD}" type="presParOf" srcId="{2807EB78-8D31-3747-86B6-30FD7B633A86}" destId="{5535844E-7D04-784F-9C9B-B2A4654E4C20}" srcOrd="6" destOrd="0" presId="urn:microsoft.com/office/officeart/2005/8/layout/hList1"/>
+    <dgm:cxn modelId="{A3DCBACC-F0E0-6143-87E4-6DDF1D0994C3}" type="presParOf" srcId="{5535844E-7D04-784F-9C9B-B2A4654E4C20}" destId="{F52438EA-4F92-C240-AFC6-A4B2AEE6AE1C}" srcOrd="0" destOrd="0" presId="urn:microsoft.com/office/officeart/2005/8/layout/hList1"/>
+    <dgm:cxn modelId="{FD6E9AE1-7BA9-324D-9BA9-7355857C1C67}" type="presParOf" srcId="{5535844E-7D04-784F-9C9B-B2A4654E4C20}" destId="{2B6E9592-A682-6345-BF16-231F2137BE1B}" srcOrd="1" destOrd="0" presId="urn:microsoft.com/office/officeart/2005/8/layout/hList1"/>
+    <dgm:cxn modelId="{09091BA0-FE97-2C45-9DB9-0D3F6B1998E8}" type="presParOf" srcId="{2807EB78-8D31-3747-86B6-30FD7B633A86}" destId="{FEB52FE5-A102-B64F-A533-08616EF93B83}" srcOrd="7" destOrd="0" presId="urn:microsoft.com/office/officeart/2005/8/layout/hList1"/>
+    <dgm:cxn modelId="{BF0E38FB-641D-0649-9FF1-827428ACB8E8}" type="presParOf" srcId="{2807EB78-8D31-3747-86B6-30FD7B633A86}" destId="{3FE07C82-AE65-034F-8934-6B5BCC7F8521}" srcOrd="8" destOrd="0" presId="urn:microsoft.com/office/officeart/2005/8/layout/hList1"/>
+    <dgm:cxn modelId="{27B360C7-3A2E-E441-B9B0-8D4F8EAC12E4}" type="presParOf" srcId="{3FE07C82-AE65-034F-8934-6B5BCC7F8521}" destId="{053EBC9C-795D-B247-9A71-8C145122C26F}" srcOrd="0" destOrd="0" presId="urn:microsoft.com/office/officeart/2005/8/layout/hList1"/>
+    <dgm:cxn modelId="{1771A7EE-5076-8443-A575-C66EEF5B9F3F}" type="presParOf" srcId="{3FE07C82-AE65-034F-8934-6B5BCC7F8521}" destId="{0ACA845D-9FC2-6344-8148-7E8CA16E5E7F}" srcOrd="1" destOrd="0" presId="urn:microsoft.com/office/officeart/2005/8/layout/hList1"/>
+  </dgm:cxnLst>
+  <dgm:bg/>
+  <dgm:whole/>
+  <dgm:extLst>
+    <a:ext uri="http://schemas.microsoft.com/office/drawing/2008/diagram">
+      <dsp:dataModelExt xmlns:dsp="http://schemas.microsoft.com/office/drawing/2008/diagram" relId="rId7" minVer="http://schemas.openxmlformats.org/drawingml/2006/diagram"/>
+    </a:ext>
+  </dgm:extLst>
+</dgm:dataModel>
+</file>
+
+<file path=ppt/diagrams/drawing1.xml><?xml version="1.0" encoding="utf-8"?>
+<dsp:drawing xmlns:dgm="http://schemas.openxmlformats.org/drawingml/2006/diagram" xmlns:dsp="http://schemas.microsoft.com/office/drawing/2008/diagram" xmlns:a="http://schemas.openxmlformats.org/drawingml/2006/main">
+  <dsp:spTree>
+    <dsp:nvGrpSpPr>
+      <dsp:cNvPr id="0" name=""/>
+      <dsp:cNvGrpSpPr/>
+    </dsp:nvGrpSpPr>
+    <dsp:grpSpPr/>
+    <dsp:sp modelId="{5C456B8C-48E2-D445-9478-6BCF56204D93}">
+      <dsp:nvSpPr>
+        <dsp:cNvPr id="0" name=""/>
+        <dsp:cNvSpPr/>
+      </dsp:nvSpPr>
+      <dsp:spPr>
+        <a:xfrm>
+          <a:off x="1263" y="1514962"/>
+          <a:ext cx="2464234" cy="985693"/>
+        </a:xfrm>
+        <a:prstGeom prst="homePlate">
+          <a:avLst/>
+        </a:prstGeom>
+        <a:solidFill>
+          <a:schemeClr val="accent2">
+            <a:hueOff val="0"/>
+            <a:satOff val="0"/>
+            <a:lumOff val="0"/>
+            <a:alphaOff val="0"/>
+          </a:schemeClr>
+        </a:solidFill>
+        <a:ln w="12700" cap="flat" cmpd="sng" algn="ctr">
+          <a:solidFill>
+            <a:schemeClr val="lt1">
+              <a:hueOff val="0"/>
+              <a:satOff val="0"/>
+              <a:lumOff val="0"/>
+              <a:alphaOff val="0"/>
+            </a:schemeClr>
+          </a:solidFill>
+          <a:prstDash val="solid"/>
+          <a:miter lim="800000"/>
+        </a:ln>
+        <a:effectLst/>
+      </dsp:spPr>
+      <dsp:style>
+        <a:lnRef idx="2">
+          <a:scrgbClr r="0" g="0" b="0"/>
+        </a:lnRef>
+        <a:fillRef idx="1">
+          <a:scrgbClr r="0" g="0" b="0"/>
+        </a:fillRef>
+        <a:effectRef idx="0">
+          <a:scrgbClr r="0" g="0" b="0"/>
+        </a:effectRef>
+        <a:fontRef idx="minor">
+          <a:schemeClr val="lt1"/>
+        </a:fontRef>
+      </dsp:style>
+      <dsp:txBody>
+        <a:bodyPr spcFirstLastPara="0" vert="horz" wrap="square" lIns="74676" tIns="37338" rIns="18669" bIns="37338" numCol="1" spcCol="1270" anchor="ctr" anchorCtr="0">
+          <a:noAutofit/>
+        </a:bodyPr>
+        <a:lstStyle/>
+        <a:p>
+          <a:pPr marL="0" lvl="0" indent="0" algn="ctr" defTabSz="622300">
+            <a:lnSpc>
+              <a:spcPct val="90000"/>
+            </a:lnSpc>
+            <a:spcBef>
+              <a:spcPct val="0"/>
+            </a:spcBef>
+            <a:spcAft>
+              <a:spcPct val="35000"/>
+            </a:spcAft>
+            <a:buNone/>
+          </a:pPr>
+          <a:r>
+            <a:rPr lang="es-ES" sz="1400" kern="1200" dirty="0"/>
+            <a:t>Estudio de la correlación</a:t>
+          </a:r>
+        </a:p>
+      </dsp:txBody>
+      <dsp:txXfrm>
+        <a:off x="1263" y="1514962"/>
+        <a:ext cx="2217811" cy="985693"/>
+      </dsp:txXfrm>
+    </dsp:sp>
+    <dsp:sp modelId="{942A33E5-8888-AE4E-8D00-F0BC9AB9D32E}">
+      <dsp:nvSpPr>
+        <dsp:cNvPr id="0" name=""/>
+        <dsp:cNvSpPr/>
+      </dsp:nvSpPr>
+      <dsp:spPr>
+        <a:xfrm>
+          <a:off x="1972651" y="1514962"/>
+          <a:ext cx="2464234" cy="985693"/>
+        </a:xfrm>
+        <a:prstGeom prst="chevron">
+          <a:avLst/>
+        </a:prstGeom>
+        <a:solidFill>
+          <a:schemeClr val="accent3">
+            <a:hueOff val="0"/>
+            <a:satOff val="0"/>
+            <a:lumOff val="0"/>
+            <a:alphaOff val="0"/>
+          </a:schemeClr>
+        </a:solidFill>
+        <a:ln w="12700" cap="flat" cmpd="sng" algn="ctr">
+          <a:solidFill>
+            <a:schemeClr val="lt1">
+              <a:hueOff val="0"/>
+              <a:satOff val="0"/>
+              <a:lumOff val="0"/>
+              <a:alphaOff val="0"/>
+            </a:schemeClr>
+          </a:solidFill>
+          <a:prstDash val="solid"/>
+          <a:miter lim="800000"/>
+        </a:ln>
+        <a:effectLst/>
+      </dsp:spPr>
+      <dsp:style>
+        <a:lnRef idx="2">
+          <a:scrgbClr r="0" g="0" b="0"/>
+        </a:lnRef>
+        <a:fillRef idx="1">
+          <a:scrgbClr r="0" g="0" b="0"/>
+        </a:fillRef>
+        <a:effectRef idx="0">
+          <a:scrgbClr r="0" g="0" b="0"/>
+        </a:effectRef>
+        <a:fontRef idx="minor">
+          <a:schemeClr val="lt1"/>
+        </a:fontRef>
+      </dsp:style>
+      <dsp:txBody>
+        <a:bodyPr spcFirstLastPara="0" vert="horz" wrap="square" lIns="56007" tIns="37338" rIns="18669" bIns="37338" numCol="1" spcCol="1270" anchor="ctr" anchorCtr="0">
+          <a:noAutofit/>
+        </a:bodyPr>
+        <a:lstStyle/>
+        <a:p>
+          <a:pPr marL="0" lvl="0" indent="0" algn="ctr" defTabSz="622300">
+            <a:lnSpc>
+              <a:spcPct val="90000"/>
+            </a:lnSpc>
+            <a:spcBef>
+              <a:spcPct val="0"/>
+            </a:spcBef>
+            <a:spcAft>
+              <a:spcPct val="35000"/>
+            </a:spcAft>
+            <a:buNone/>
+          </a:pPr>
+          <a:r>
+            <a:rPr lang="es-ES" sz="1400" kern="1200" dirty="0"/>
+            <a:t>Comprobación de la normalidad y la </a:t>
+          </a:r>
+          <a:r>
+            <a:rPr lang="es-ES" sz="1400" kern="1200" dirty="0" err="1"/>
+            <a:t>homocedesticidad</a:t>
+          </a:r>
+          <a:endParaRPr lang="es-ES" sz="1400" kern="1200" dirty="0"/>
+        </a:p>
+      </dsp:txBody>
+      <dsp:txXfrm>
+        <a:off x="2465498" y="1514962"/>
+        <a:ext cx="1478541" cy="985693"/>
+      </dsp:txXfrm>
+    </dsp:sp>
+    <dsp:sp modelId="{8E5568DC-9167-8445-99BC-DBA650E4D55C}">
+      <dsp:nvSpPr>
+        <dsp:cNvPr id="0" name=""/>
+        <dsp:cNvSpPr/>
+      </dsp:nvSpPr>
+      <dsp:spPr>
+        <a:xfrm>
+          <a:off x="3944039" y="1514962"/>
+          <a:ext cx="2464234" cy="985693"/>
+        </a:xfrm>
+        <a:prstGeom prst="chevron">
+          <a:avLst/>
+        </a:prstGeom>
+        <a:solidFill>
+          <a:schemeClr val="accent4">
+            <a:hueOff val="0"/>
+            <a:satOff val="0"/>
+            <a:lumOff val="0"/>
+            <a:alphaOff val="0"/>
+          </a:schemeClr>
+        </a:solidFill>
+        <a:ln w="12700" cap="flat" cmpd="sng" algn="ctr">
+          <a:solidFill>
+            <a:schemeClr val="lt1">
+              <a:hueOff val="0"/>
+              <a:satOff val="0"/>
+              <a:lumOff val="0"/>
+              <a:alphaOff val="0"/>
+            </a:schemeClr>
+          </a:solidFill>
+          <a:prstDash val="solid"/>
+          <a:miter lim="800000"/>
+        </a:ln>
+        <a:effectLst/>
+      </dsp:spPr>
+      <dsp:style>
+        <a:lnRef idx="2">
+          <a:scrgbClr r="0" g="0" b="0"/>
+        </a:lnRef>
+        <a:fillRef idx="1">
+          <a:scrgbClr r="0" g="0" b="0"/>
+        </a:fillRef>
+        <a:effectRef idx="0">
+          <a:scrgbClr r="0" g="0" b="0"/>
+        </a:effectRef>
+        <a:fontRef idx="minor">
+          <a:schemeClr val="lt1"/>
+        </a:fontRef>
+      </dsp:style>
+      <dsp:txBody>
+        <a:bodyPr spcFirstLastPara="0" vert="horz" wrap="square" lIns="56007" tIns="37338" rIns="18669" bIns="37338" numCol="1" spcCol="1270" anchor="ctr" anchorCtr="0">
+          <a:noAutofit/>
+        </a:bodyPr>
+        <a:lstStyle/>
+        <a:p>
+          <a:pPr marL="0" lvl="0" indent="0" algn="ctr" defTabSz="622300">
+            <a:lnSpc>
+              <a:spcPct val="90000"/>
+            </a:lnSpc>
+            <a:spcBef>
+              <a:spcPct val="0"/>
+            </a:spcBef>
+            <a:spcAft>
+              <a:spcPct val="35000"/>
+            </a:spcAft>
+            <a:buNone/>
+          </a:pPr>
+          <a:r>
+            <a:rPr lang="es-ES" sz="1400" kern="1200" dirty="0"/>
+            <a:t>Contraste de hipótesis</a:t>
+          </a:r>
+        </a:p>
+      </dsp:txBody>
+      <dsp:txXfrm>
+        <a:off x="4436886" y="1514962"/>
+        <a:ext cx="1478541" cy="985693"/>
+      </dsp:txXfrm>
+    </dsp:sp>
+    <dsp:sp modelId="{C1DC4242-CCBD-A740-88B3-0FD5B9EC033A}">
+      <dsp:nvSpPr>
+        <dsp:cNvPr id="0" name=""/>
+        <dsp:cNvSpPr/>
+      </dsp:nvSpPr>
+      <dsp:spPr>
+        <a:xfrm>
+          <a:off x="5915427" y="1514962"/>
+          <a:ext cx="2464234" cy="985693"/>
+        </a:xfrm>
+        <a:prstGeom prst="chevron">
+          <a:avLst/>
+        </a:prstGeom>
+        <a:solidFill>
+          <a:schemeClr val="accent5">
+            <a:hueOff val="0"/>
+            <a:satOff val="0"/>
+            <a:lumOff val="0"/>
+            <a:alphaOff val="0"/>
+          </a:schemeClr>
+        </a:solidFill>
+        <a:ln w="12700" cap="flat" cmpd="sng" algn="ctr">
+          <a:solidFill>
+            <a:schemeClr val="lt1">
+              <a:hueOff val="0"/>
+              <a:satOff val="0"/>
+              <a:lumOff val="0"/>
+              <a:alphaOff val="0"/>
+            </a:schemeClr>
+          </a:solidFill>
+          <a:prstDash val="solid"/>
+          <a:miter lim="800000"/>
+        </a:ln>
+        <a:effectLst/>
+      </dsp:spPr>
+      <dsp:style>
+        <a:lnRef idx="2">
+          <a:scrgbClr r="0" g="0" b="0"/>
+        </a:lnRef>
+        <a:fillRef idx="1">
+          <a:scrgbClr r="0" g="0" b="0"/>
+        </a:fillRef>
+        <a:effectRef idx="0">
+          <a:scrgbClr r="0" g="0" b="0"/>
+        </a:effectRef>
+        <a:fontRef idx="minor">
+          <a:schemeClr val="lt1"/>
+        </a:fontRef>
+      </dsp:style>
+      <dsp:txBody>
+        <a:bodyPr spcFirstLastPara="0" vert="horz" wrap="square" lIns="56007" tIns="37338" rIns="18669" bIns="37338" numCol="1" spcCol="1270" anchor="ctr" anchorCtr="0">
+          <a:noAutofit/>
+        </a:bodyPr>
+        <a:lstStyle/>
+        <a:p>
+          <a:pPr marL="0" lvl="0" indent="0" algn="ctr" defTabSz="622300">
+            <a:lnSpc>
+              <a:spcPct val="90000"/>
+            </a:lnSpc>
+            <a:spcBef>
+              <a:spcPct val="0"/>
+            </a:spcBef>
+            <a:spcAft>
+              <a:spcPct val="35000"/>
+            </a:spcAft>
+            <a:buNone/>
+          </a:pPr>
+          <a:r>
+            <a:rPr lang="es-ES" sz="1400" kern="1200" dirty="0"/>
+            <a:t>Regresión Lineal</a:t>
+          </a:r>
+        </a:p>
+      </dsp:txBody>
+      <dsp:txXfrm>
+        <a:off x="6408274" y="1514962"/>
+        <a:ext cx="1478541" cy="985693"/>
+      </dsp:txXfrm>
+    </dsp:sp>
+    <dsp:sp modelId="{B40C2E14-E936-3C47-8C10-3B392B38C359}">
+      <dsp:nvSpPr>
+        <dsp:cNvPr id="0" name=""/>
+        <dsp:cNvSpPr/>
+      </dsp:nvSpPr>
+      <dsp:spPr>
+        <a:xfrm>
+          <a:off x="7886815" y="1514962"/>
+          <a:ext cx="2464234" cy="985693"/>
+        </a:xfrm>
+        <a:prstGeom prst="chevron">
+          <a:avLst/>
+        </a:prstGeom>
+        <a:solidFill>
+          <a:schemeClr val="accent6">
+            <a:hueOff val="0"/>
+            <a:satOff val="0"/>
+            <a:lumOff val="0"/>
+            <a:alphaOff val="0"/>
+          </a:schemeClr>
+        </a:solidFill>
+        <a:ln w="12700" cap="flat" cmpd="sng" algn="ctr">
+          <a:solidFill>
+            <a:schemeClr val="lt1">
+              <a:hueOff val="0"/>
+              <a:satOff val="0"/>
+              <a:lumOff val="0"/>
+              <a:alphaOff val="0"/>
+            </a:schemeClr>
+          </a:solidFill>
+          <a:prstDash val="solid"/>
+          <a:miter lim="800000"/>
+        </a:ln>
+        <a:effectLst/>
+      </dsp:spPr>
+      <dsp:style>
+        <a:lnRef idx="2">
+          <a:scrgbClr r="0" g="0" b="0"/>
+        </a:lnRef>
+        <a:fillRef idx="1">
+          <a:scrgbClr r="0" g="0" b="0"/>
+        </a:fillRef>
+        <a:effectRef idx="0">
+          <a:scrgbClr r="0" g="0" b="0"/>
+        </a:effectRef>
+        <a:fontRef idx="minor">
+          <a:schemeClr val="lt1"/>
+        </a:fontRef>
+      </dsp:style>
+      <dsp:txBody>
+        <a:bodyPr spcFirstLastPara="0" vert="horz" wrap="square" lIns="56007" tIns="37338" rIns="18669" bIns="37338" numCol="1" spcCol="1270" anchor="ctr" anchorCtr="0">
+          <a:noAutofit/>
+        </a:bodyPr>
+        <a:lstStyle/>
+        <a:p>
+          <a:pPr marL="0" lvl="0" indent="0" algn="ctr" defTabSz="622300">
+            <a:lnSpc>
+              <a:spcPct val="90000"/>
+            </a:lnSpc>
+            <a:spcBef>
+              <a:spcPct val="0"/>
+            </a:spcBef>
+            <a:spcAft>
+              <a:spcPct val="35000"/>
+            </a:spcAft>
+            <a:buNone/>
+          </a:pPr>
+          <a:r>
+            <a:rPr lang="es-ES" sz="1400" b="1" kern="1200" dirty="0"/>
+            <a:t>Predicción de la posición en el buscador</a:t>
+          </a:r>
+        </a:p>
+      </dsp:txBody>
+      <dsp:txXfrm>
+        <a:off x="8379662" y="1514962"/>
+        <a:ext cx="1478541" cy="985693"/>
+      </dsp:txXfrm>
+    </dsp:sp>
+  </dsp:spTree>
+</dsp:drawing>
+</file>
+
+<file path=ppt/diagrams/drawing2.xml><?xml version="1.0" encoding="utf-8"?>
+<dsp:drawing xmlns:dgm="http://schemas.openxmlformats.org/drawingml/2006/diagram" xmlns:dsp="http://schemas.microsoft.com/office/drawing/2008/diagram" xmlns:a="http://schemas.openxmlformats.org/drawingml/2006/main">
+  <dsp:spTree>
+    <dsp:nvGrpSpPr>
+      <dsp:cNvPr id="0" name=""/>
+      <dsp:cNvGrpSpPr/>
+    </dsp:nvGrpSpPr>
+    <dsp:grpSpPr/>
+    <dsp:sp modelId="{9EF34850-7F56-0E45-BB4F-0FA6645B684A}">
+      <dsp:nvSpPr>
+        <dsp:cNvPr id="0" name=""/>
+        <dsp:cNvSpPr/>
+      </dsp:nvSpPr>
+      <dsp:spPr>
+        <a:xfrm>
+          <a:off x="3810" y="1395974"/>
+          <a:ext cx="1460499" cy="316800"/>
+        </a:xfrm>
+        <a:prstGeom prst="rect">
+          <a:avLst/>
+        </a:prstGeom>
+        <a:solidFill>
+          <a:schemeClr val="accent1">
+            <a:hueOff val="0"/>
+            <a:satOff val="0"/>
+            <a:lumOff val="0"/>
+            <a:alphaOff val="0"/>
+          </a:schemeClr>
+        </a:solidFill>
+        <a:ln w="12700" cap="flat" cmpd="sng" algn="ctr">
+          <a:solidFill>
+            <a:schemeClr val="accent1">
+              <a:hueOff val="0"/>
+              <a:satOff val="0"/>
+              <a:lumOff val="0"/>
+              <a:alphaOff val="0"/>
+            </a:schemeClr>
+          </a:solidFill>
+          <a:prstDash val="solid"/>
+          <a:miter lim="800000"/>
+        </a:ln>
+        <a:effectLst/>
+      </dsp:spPr>
+      <dsp:style>
+        <a:lnRef idx="2">
+          <a:scrgbClr r="0" g="0" b="0"/>
+        </a:lnRef>
+        <a:fillRef idx="1">
+          <a:scrgbClr r="0" g="0" b="0"/>
+        </a:fillRef>
+        <a:effectRef idx="0">
+          <a:scrgbClr r="0" g="0" b="0"/>
+        </a:effectRef>
+        <a:fontRef idx="minor">
+          <a:schemeClr val="lt1"/>
+        </a:fontRef>
+      </dsp:style>
+      <dsp:txBody>
+        <a:bodyPr spcFirstLastPara="0" vert="horz" wrap="square" lIns="78232" tIns="44704" rIns="78232" bIns="44704" numCol="1" spcCol="1270" anchor="ctr" anchorCtr="0">
+          <a:noAutofit/>
+        </a:bodyPr>
+        <a:lstStyle/>
+        <a:p>
+          <a:pPr marL="0" lvl="0" indent="0" algn="ctr" defTabSz="488950">
+            <a:lnSpc>
+              <a:spcPct val="90000"/>
+            </a:lnSpc>
+            <a:spcBef>
+              <a:spcPct val="0"/>
+            </a:spcBef>
+            <a:spcAft>
+              <a:spcPct val="35000"/>
+            </a:spcAft>
+            <a:buNone/>
+          </a:pPr>
+          <a:r>
+            <a:rPr lang="es-ES" sz="1100" kern="1200" dirty="0"/>
+            <a:t>Regresión 1</a:t>
+          </a:r>
+        </a:p>
+      </dsp:txBody>
+      <dsp:txXfrm>
+        <a:off x="3810" y="1395974"/>
+        <a:ext cx="1460499" cy="316800"/>
+      </dsp:txXfrm>
+    </dsp:sp>
+    <dsp:sp modelId="{313A1F4D-7CB2-F642-B354-0BDB9ACDF771}">
+      <dsp:nvSpPr>
+        <dsp:cNvPr id="0" name=""/>
+        <dsp:cNvSpPr/>
+      </dsp:nvSpPr>
+      <dsp:spPr>
+        <a:xfrm>
+          <a:off x="3810" y="1712774"/>
+          <a:ext cx="1460499" cy="2309917"/>
+        </a:xfrm>
+        <a:prstGeom prst="rect">
+          <a:avLst/>
+        </a:prstGeom>
+        <a:solidFill>
+          <a:schemeClr val="accent1">
+            <a:alpha val="90000"/>
+            <a:tint val="40000"/>
+            <a:hueOff val="0"/>
+            <a:satOff val="0"/>
+            <a:lumOff val="0"/>
+            <a:alphaOff val="0"/>
+          </a:schemeClr>
+        </a:solidFill>
+        <a:ln w="12700" cap="flat" cmpd="sng" algn="ctr">
+          <a:solidFill>
+            <a:schemeClr val="accent1">
+              <a:alpha val="90000"/>
+              <a:tint val="40000"/>
+              <a:hueOff val="0"/>
+              <a:satOff val="0"/>
+              <a:lumOff val="0"/>
+              <a:alphaOff val="0"/>
+            </a:schemeClr>
+          </a:solidFill>
+          <a:prstDash val="solid"/>
+          <a:miter lim="800000"/>
+        </a:ln>
+        <a:effectLst/>
+      </dsp:spPr>
+      <dsp:style>
+        <a:lnRef idx="2">
+          <a:scrgbClr r="0" g="0" b="0"/>
+        </a:lnRef>
+        <a:fillRef idx="1">
+          <a:scrgbClr r="0" g="0" b="0"/>
+        </a:fillRef>
+        <a:effectRef idx="0">
+          <a:scrgbClr r="0" g="0" b="0"/>
+        </a:effectRef>
+        <a:fontRef idx="minor"/>
+      </dsp:style>
+      <dsp:txBody>
+        <a:bodyPr spcFirstLastPara="0" vert="horz" wrap="square" lIns="58674" tIns="58674" rIns="78232" bIns="88011" numCol="1" spcCol="1270" anchor="t" anchorCtr="0">
+          <a:noAutofit/>
+        </a:bodyPr>
+        <a:lstStyle/>
+        <a:p>
+          <a:pPr marL="57150" lvl="1" indent="-57150" algn="l" defTabSz="488950">
+            <a:lnSpc>
+              <a:spcPct val="90000"/>
+            </a:lnSpc>
+            <a:spcBef>
+              <a:spcPct val="0"/>
+            </a:spcBef>
+            <a:spcAft>
+              <a:spcPct val="15000"/>
+            </a:spcAft>
+            <a:buChar char="•"/>
+          </a:pPr>
+          <a:r>
+            <a:rPr lang="es-ES" sz="1100" kern="1200" dirty="0"/>
+            <a:t>Variables empleadas:</a:t>
+          </a:r>
+        </a:p>
+        <a:p>
+          <a:pPr marL="114300" lvl="2" indent="-57150" algn="l" defTabSz="488950">
+            <a:lnSpc>
+              <a:spcPct val="90000"/>
+            </a:lnSpc>
+            <a:spcBef>
+              <a:spcPct val="0"/>
+            </a:spcBef>
+            <a:spcAft>
+              <a:spcPct val="15000"/>
+            </a:spcAft>
+            <a:buChar char="•"/>
+          </a:pPr>
+          <a:r>
+            <a:rPr lang="es-ES" sz="1100" kern="1200" dirty="0" err="1"/>
+            <a:t>Comfort_score</a:t>
+          </a:r>
+          <a:endParaRPr lang="es-ES" sz="1100" kern="1200" dirty="0"/>
+        </a:p>
+        <a:p>
+          <a:pPr marL="57150" lvl="1" indent="-57150" algn="l" defTabSz="488950">
+            <a:lnSpc>
+              <a:spcPct val="90000"/>
+            </a:lnSpc>
+            <a:spcBef>
+              <a:spcPct val="0"/>
+            </a:spcBef>
+            <a:spcAft>
+              <a:spcPct val="15000"/>
+            </a:spcAft>
+            <a:buChar char="•"/>
+          </a:pPr>
+          <a:endParaRPr lang="es-ES" sz="1100" kern="1200" dirty="0"/>
+        </a:p>
+        <a:p>
+          <a:pPr marL="57150" lvl="1" indent="-57150" algn="l" defTabSz="488950">
+            <a:lnSpc>
+              <a:spcPct val="90000"/>
+            </a:lnSpc>
+            <a:spcBef>
+              <a:spcPct val="0"/>
+            </a:spcBef>
+            <a:spcAft>
+              <a:spcPct val="15000"/>
+            </a:spcAft>
+            <a:buChar char="•"/>
+          </a:pPr>
+          <a:r>
+            <a:rPr lang="es-ES" sz="1100" kern="1200" dirty="0"/>
+            <a:t>Resultados:</a:t>
+          </a:r>
+        </a:p>
+        <a:p>
+          <a:pPr marL="114300" lvl="2" indent="-57150" algn="l" defTabSz="488950">
+            <a:lnSpc>
+              <a:spcPct val="90000"/>
+            </a:lnSpc>
+            <a:spcBef>
+              <a:spcPct val="0"/>
+            </a:spcBef>
+            <a:spcAft>
+              <a:spcPct val="15000"/>
+            </a:spcAft>
+            <a:buChar char="•"/>
+          </a:pPr>
+          <a:r>
+            <a:rPr lang="es-ES" sz="1100" kern="1200" dirty="0"/>
+            <a:t>R</a:t>
+          </a:r>
+          <a:r>
+            <a:rPr lang="es-ES" sz="1100" kern="1200" baseline="30000" dirty="0"/>
+            <a:t>2</a:t>
+          </a:r>
+          <a:r>
+            <a:rPr lang="es-ES" sz="1100" kern="1200" baseline="0" dirty="0"/>
+            <a:t>: </a:t>
+          </a:r>
+          <a:r>
+            <a:rPr lang="es-ES" sz="1100" kern="1200" dirty="0"/>
+            <a:t>0.005</a:t>
+          </a:r>
+        </a:p>
+      </dsp:txBody>
+      <dsp:txXfrm>
+        <a:off x="3810" y="1712774"/>
+        <a:ext cx="1460499" cy="2309917"/>
+      </dsp:txXfrm>
+    </dsp:sp>
+    <dsp:sp modelId="{A7E6C8AA-0514-4B40-8E27-2946A70F4585}">
+      <dsp:nvSpPr>
+        <dsp:cNvPr id="0" name=""/>
+        <dsp:cNvSpPr/>
+      </dsp:nvSpPr>
+      <dsp:spPr>
+        <a:xfrm>
+          <a:off x="1668780" y="1395974"/>
+          <a:ext cx="1460499" cy="316800"/>
+        </a:xfrm>
+        <a:prstGeom prst="rect">
+          <a:avLst/>
+        </a:prstGeom>
+        <a:solidFill>
+          <a:schemeClr val="accent1">
+            <a:hueOff val="0"/>
+            <a:satOff val="0"/>
+            <a:lumOff val="0"/>
+            <a:alphaOff val="0"/>
+          </a:schemeClr>
+        </a:solidFill>
+        <a:ln w="12700" cap="flat" cmpd="sng" algn="ctr">
+          <a:solidFill>
+            <a:schemeClr val="accent1">
+              <a:hueOff val="0"/>
+              <a:satOff val="0"/>
+              <a:lumOff val="0"/>
+              <a:alphaOff val="0"/>
+            </a:schemeClr>
+          </a:solidFill>
+          <a:prstDash val="solid"/>
+          <a:miter lim="800000"/>
+        </a:ln>
+        <a:effectLst/>
+      </dsp:spPr>
+      <dsp:style>
+        <a:lnRef idx="2">
+          <a:scrgbClr r="0" g="0" b="0"/>
+        </a:lnRef>
+        <a:fillRef idx="1">
+          <a:scrgbClr r="0" g="0" b="0"/>
+        </a:fillRef>
+        <a:effectRef idx="0">
+          <a:scrgbClr r="0" g="0" b="0"/>
+        </a:effectRef>
+        <a:fontRef idx="minor">
+          <a:schemeClr val="lt1"/>
+        </a:fontRef>
+      </dsp:style>
+      <dsp:txBody>
+        <a:bodyPr spcFirstLastPara="0" vert="horz" wrap="square" lIns="78232" tIns="44704" rIns="78232" bIns="44704" numCol="1" spcCol="1270" anchor="ctr" anchorCtr="0">
+          <a:noAutofit/>
+        </a:bodyPr>
+        <a:lstStyle/>
+        <a:p>
+          <a:pPr marL="0" lvl="0" indent="0" algn="ctr" defTabSz="488950">
+            <a:lnSpc>
+              <a:spcPct val="90000"/>
+            </a:lnSpc>
+            <a:spcBef>
+              <a:spcPct val="0"/>
+            </a:spcBef>
+            <a:spcAft>
+              <a:spcPct val="35000"/>
+            </a:spcAft>
+            <a:buNone/>
+          </a:pPr>
+          <a:r>
+            <a:rPr lang="es-ES" sz="1100" kern="1200" dirty="0"/>
+            <a:t>Regresión 2</a:t>
+          </a:r>
+        </a:p>
+      </dsp:txBody>
+      <dsp:txXfrm>
+        <a:off x="1668780" y="1395974"/>
+        <a:ext cx="1460499" cy="316800"/>
+      </dsp:txXfrm>
+    </dsp:sp>
+    <dsp:sp modelId="{DAB8C1E6-595B-3749-86CB-01C31DF4F5B6}">
+      <dsp:nvSpPr>
+        <dsp:cNvPr id="0" name=""/>
+        <dsp:cNvSpPr/>
+      </dsp:nvSpPr>
+      <dsp:spPr>
+        <a:xfrm>
+          <a:off x="1668780" y="1712774"/>
+          <a:ext cx="1460499" cy="2309917"/>
+        </a:xfrm>
+        <a:prstGeom prst="rect">
+          <a:avLst/>
+        </a:prstGeom>
+        <a:solidFill>
+          <a:schemeClr val="accent1">
+            <a:alpha val="90000"/>
+            <a:tint val="40000"/>
+            <a:hueOff val="0"/>
+            <a:satOff val="0"/>
+            <a:lumOff val="0"/>
+            <a:alphaOff val="0"/>
+          </a:schemeClr>
+        </a:solidFill>
+        <a:ln w="12700" cap="flat" cmpd="sng" algn="ctr">
+          <a:solidFill>
+            <a:schemeClr val="accent1">
+              <a:alpha val="90000"/>
+              <a:tint val="40000"/>
+              <a:hueOff val="0"/>
+              <a:satOff val="0"/>
+              <a:lumOff val="0"/>
+              <a:alphaOff val="0"/>
+            </a:schemeClr>
+          </a:solidFill>
+          <a:prstDash val="solid"/>
+          <a:miter lim="800000"/>
+        </a:ln>
+        <a:effectLst/>
+      </dsp:spPr>
+      <dsp:style>
+        <a:lnRef idx="2">
+          <a:scrgbClr r="0" g="0" b="0"/>
+        </a:lnRef>
+        <a:fillRef idx="1">
+          <a:scrgbClr r="0" g="0" b="0"/>
+        </a:fillRef>
+        <a:effectRef idx="0">
+          <a:scrgbClr r="0" g="0" b="0"/>
+        </a:effectRef>
+        <a:fontRef idx="minor"/>
+      </dsp:style>
+      <dsp:txBody>
+        <a:bodyPr spcFirstLastPara="0" vert="horz" wrap="square" lIns="58674" tIns="58674" rIns="78232" bIns="88011" numCol="1" spcCol="1270" anchor="t" anchorCtr="0">
+          <a:noAutofit/>
+        </a:bodyPr>
+        <a:lstStyle/>
+        <a:p>
+          <a:pPr marL="57150" lvl="1" indent="-57150" algn="l" defTabSz="488950">
+            <a:lnSpc>
+              <a:spcPct val="90000"/>
+            </a:lnSpc>
+            <a:spcBef>
+              <a:spcPct val="0"/>
+            </a:spcBef>
+            <a:spcAft>
+              <a:spcPct val="15000"/>
+            </a:spcAft>
+            <a:buChar char="•"/>
+          </a:pPr>
+          <a:r>
+            <a:rPr lang="es-ES" sz="1100" kern="1200" dirty="0"/>
+            <a:t>Variables empleadas:</a:t>
+          </a:r>
+        </a:p>
+        <a:p>
+          <a:pPr marL="114300" lvl="2" indent="-57150" algn="l" defTabSz="488950">
+            <a:lnSpc>
+              <a:spcPct val="90000"/>
+            </a:lnSpc>
+            <a:spcBef>
+              <a:spcPct val="0"/>
+            </a:spcBef>
+            <a:spcAft>
+              <a:spcPct val="15000"/>
+            </a:spcAft>
+            <a:buChar char="•"/>
+          </a:pPr>
+          <a:r>
+            <a:rPr lang="es-ES" sz="1100" kern="1200" dirty="0" err="1"/>
+            <a:t>Hotel_score</a:t>
+          </a:r>
+          <a:endParaRPr lang="es-ES" sz="1100" kern="1200" dirty="0"/>
+        </a:p>
+        <a:p>
+          <a:pPr marL="114300" lvl="2" indent="-57150" algn="l" defTabSz="488950">
+            <a:lnSpc>
+              <a:spcPct val="90000"/>
+            </a:lnSpc>
+            <a:spcBef>
+              <a:spcPct val="0"/>
+            </a:spcBef>
+            <a:spcAft>
+              <a:spcPct val="15000"/>
+            </a:spcAft>
+            <a:buChar char="•"/>
+          </a:pPr>
+          <a:r>
+            <a:rPr lang="es-ES" sz="1100" kern="1200" dirty="0" err="1"/>
+            <a:t>Staff_score</a:t>
+          </a:r>
+          <a:endParaRPr lang="es-ES" sz="1100" kern="1200" dirty="0"/>
+        </a:p>
+        <a:p>
+          <a:pPr marL="114300" lvl="2" indent="-57150" algn="l" defTabSz="488950">
+            <a:lnSpc>
+              <a:spcPct val="90000"/>
+            </a:lnSpc>
+            <a:spcBef>
+              <a:spcPct val="0"/>
+            </a:spcBef>
+            <a:spcAft>
+              <a:spcPct val="15000"/>
+            </a:spcAft>
+            <a:buChar char="•"/>
+          </a:pPr>
+          <a:r>
+            <a:rPr lang="es-ES" sz="1100" kern="1200" dirty="0" err="1"/>
+            <a:t>Facilites_score</a:t>
+          </a:r>
+          <a:endParaRPr lang="es-ES" sz="1100" kern="1200" dirty="0"/>
+        </a:p>
+        <a:p>
+          <a:pPr marL="114300" lvl="2" indent="-57150" algn="l" defTabSz="488950">
+            <a:lnSpc>
+              <a:spcPct val="90000"/>
+            </a:lnSpc>
+            <a:spcBef>
+              <a:spcPct val="0"/>
+            </a:spcBef>
+            <a:spcAft>
+              <a:spcPct val="15000"/>
+            </a:spcAft>
+            <a:buChar char="•"/>
+          </a:pPr>
+          <a:r>
+            <a:rPr lang="es-ES" sz="1100" kern="1200" dirty="0" err="1"/>
+            <a:t>Cleanliness_score</a:t>
+          </a:r>
+          <a:endParaRPr lang="es-ES" sz="1100" kern="1200" dirty="0"/>
+        </a:p>
+        <a:p>
+          <a:pPr marL="114300" lvl="2" indent="-57150" algn="l" defTabSz="488950">
+            <a:lnSpc>
+              <a:spcPct val="90000"/>
+            </a:lnSpc>
+            <a:spcBef>
+              <a:spcPct val="0"/>
+            </a:spcBef>
+            <a:spcAft>
+              <a:spcPct val="15000"/>
+            </a:spcAft>
+            <a:buChar char="•"/>
+          </a:pPr>
+          <a:r>
+            <a:rPr lang="es-ES" sz="1100" kern="1200" dirty="0" err="1"/>
+            <a:t>Comfort_score</a:t>
+          </a:r>
+          <a:endParaRPr lang="es-ES" sz="1100" kern="1200" dirty="0"/>
+        </a:p>
+        <a:p>
+          <a:pPr marL="114300" lvl="2" indent="-57150" algn="l" defTabSz="488950">
+            <a:lnSpc>
+              <a:spcPct val="90000"/>
+            </a:lnSpc>
+            <a:spcBef>
+              <a:spcPct val="0"/>
+            </a:spcBef>
+            <a:spcAft>
+              <a:spcPct val="15000"/>
+            </a:spcAft>
+            <a:buChar char="•"/>
+          </a:pPr>
+          <a:r>
+            <a:rPr lang="es-ES" sz="1100" kern="1200" dirty="0" err="1"/>
+            <a:t>Value_for_money</a:t>
+          </a:r>
+          <a:endParaRPr lang="es-ES" sz="1100" kern="1200" dirty="0"/>
+        </a:p>
+        <a:p>
+          <a:pPr marL="114300" lvl="2" indent="-57150" algn="l" defTabSz="488950">
+            <a:lnSpc>
+              <a:spcPct val="90000"/>
+            </a:lnSpc>
+            <a:spcBef>
+              <a:spcPct val="0"/>
+            </a:spcBef>
+            <a:spcAft>
+              <a:spcPct val="15000"/>
+            </a:spcAft>
+            <a:buChar char="•"/>
+          </a:pPr>
+          <a:r>
+            <a:rPr lang="es-ES" sz="1100" kern="1200" dirty="0" err="1"/>
+            <a:t>Location_score</a:t>
+          </a:r>
+          <a:endParaRPr lang="es-ES" sz="1100" kern="1200" dirty="0"/>
+        </a:p>
+        <a:p>
+          <a:pPr marL="114300" lvl="2" indent="-57150" algn="l" defTabSz="488950">
+            <a:lnSpc>
+              <a:spcPct val="90000"/>
+            </a:lnSpc>
+            <a:spcBef>
+              <a:spcPct val="0"/>
+            </a:spcBef>
+            <a:spcAft>
+              <a:spcPct val="15000"/>
+            </a:spcAft>
+            <a:buChar char="•"/>
+          </a:pPr>
+          <a:r>
+            <a:rPr lang="es-ES" sz="1100" kern="1200" dirty="0" err="1"/>
+            <a:t>Free_wifi_score</a:t>
+          </a:r>
+          <a:endParaRPr lang="es-ES" sz="1100" kern="1200" dirty="0"/>
+        </a:p>
+        <a:p>
+          <a:pPr marL="57150" lvl="1" indent="-57150" algn="l" defTabSz="488950">
+            <a:lnSpc>
+              <a:spcPct val="90000"/>
+            </a:lnSpc>
+            <a:spcBef>
+              <a:spcPct val="0"/>
+            </a:spcBef>
+            <a:spcAft>
+              <a:spcPct val="15000"/>
+            </a:spcAft>
+            <a:buChar char="•"/>
+          </a:pPr>
+          <a:endParaRPr lang="es-ES" sz="1100" kern="1200" dirty="0"/>
+        </a:p>
+        <a:p>
+          <a:pPr marL="57150" lvl="1" indent="-57150" algn="l" defTabSz="488950">
+            <a:lnSpc>
+              <a:spcPct val="90000"/>
+            </a:lnSpc>
+            <a:spcBef>
+              <a:spcPct val="0"/>
+            </a:spcBef>
+            <a:spcAft>
+              <a:spcPct val="15000"/>
+            </a:spcAft>
+            <a:buChar char="•"/>
+          </a:pPr>
+          <a:r>
+            <a:rPr lang="es-ES" sz="1100" kern="1200" dirty="0"/>
+            <a:t>Resultados:</a:t>
+          </a:r>
+        </a:p>
+        <a:p>
+          <a:pPr marL="114300" lvl="2" indent="-57150" algn="l" defTabSz="488950">
+            <a:lnSpc>
+              <a:spcPct val="90000"/>
+            </a:lnSpc>
+            <a:spcBef>
+              <a:spcPct val="0"/>
+            </a:spcBef>
+            <a:spcAft>
+              <a:spcPct val="15000"/>
+            </a:spcAft>
+            <a:buChar char="•"/>
+          </a:pPr>
+          <a:r>
+            <a:rPr lang="es-ES" sz="1100" kern="1200" dirty="0"/>
+            <a:t>R</a:t>
+          </a:r>
+          <a:r>
+            <a:rPr lang="es-ES" sz="1100" kern="1200" baseline="30000" dirty="0"/>
+            <a:t>2</a:t>
+          </a:r>
+          <a:r>
+            <a:rPr lang="es-ES" sz="1100" kern="1200" baseline="0" dirty="0"/>
+            <a:t>: </a:t>
+          </a:r>
+          <a:r>
+            <a:rPr lang="es-ES" sz="1100" kern="1200" dirty="0"/>
+            <a:t>0.02143</a:t>
+          </a:r>
+        </a:p>
+      </dsp:txBody>
+      <dsp:txXfrm>
+        <a:off x="1668780" y="1712774"/>
+        <a:ext cx="1460499" cy="2309917"/>
+      </dsp:txXfrm>
+    </dsp:sp>
+    <dsp:sp modelId="{DB4E1272-8157-C145-9949-D563A214158B}">
+      <dsp:nvSpPr>
+        <dsp:cNvPr id="0" name=""/>
+        <dsp:cNvSpPr/>
+      </dsp:nvSpPr>
+      <dsp:spPr>
+        <a:xfrm>
+          <a:off x="3333750" y="1395974"/>
+          <a:ext cx="1460499" cy="316800"/>
+        </a:xfrm>
+        <a:prstGeom prst="rect">
+          <a:avLst/>
+        </a:prstGeom>
+        <a:solidFill>
+          <a:schemeClr val="accent1">
+            <a:hueOff val="0"/>
+            <a:satOff val="0"/>
+            <a:lumOff val="0"/>
+            <a:alphaOff val="0"/>
+          </a:schemeClr>
+        </a:solidFill>
+        <a:ln w="12700" cap="flat" cmpd="sng" algn="ctr">
+          <a:solidFill>
+            <a:schemeClr val="accent1">
+              <a:hueOff val="0"/>
+              <a:satOff val="0"/>
+              <a:lumOff val="0"/>
+              <a:alphaOff val="0"/>
+            </a:schemeClr>
+          </a:solidFill>
+          <a:prstDash val="solid"/>
+          <a:miter lim="800000"/>
+        </a:ln>
+        <a:effectLst/>
+      </dsp:spPr>
+      <dsp:style>
+        <a:lnRef idx="2">
+          <a:scrgbClr r="0" g="0" b="0"/>
+        </a:lnRef>
+        <a:fillRef idx="1">
+          <a:scrgbClr r="0" g="0" b="0"/>
+        </a:fillRef>
+        <a:effectRef idx="0">
+          <a:scrgbClr r="0" g="0" b="0"/>
+        </a:effectRef>
+        <a:fontRef idx="minor">
+          <a:schemeClr val="lt1"/>
+        </a:fontRef>
+      </dsp:style>
+      <dsp:txBody>
+        <a:bodyPr spcFirstLastPara="0" vert="horz" wrap="square" lIns="78232" tIns="44704" rIns="78232" bIns="44704" numCol="1" spcCol="1270" anchor="ctr" anchorCtr="0">
+          <a:noAutofit/>
+        </a:bodyPr>
+        <a:lstStyle/>
+        <a:p>
+          <a:pPr marL="0" lvl="0" indent="0" algn="ctr" defTabSz="488950">
+            <a:lnSpc>
+              <a:spcPct val="90000"/>
+            </a:lnSpc>
+            <a:spcBef>
+              <a:spcPct val="0"/>
+            </a:spcBef>
+            <a:spcAft>
+              <a:spcPct val="35000"/>
+            </a:spcAft>
+            <a:buNone/>
+          </a:pPr>
+          <a:r>
+            <a:rPr lang="es-ES" sz="1100" kern="1200" dirty="0"/>
+            <a:t>Regresión 3</a:t>
+          </a:r>
+        </a:p>
+      </dsp:txBody>
+      <dsp:txXfrm>
+        <a:off x="3333750" y="1395974"/>
+        <a:ext cx="1460499" cy="316800"/>
+      </dsp:txXfrm>
+    </dsp:sp>
+    <dsp:sp modelId="{635F0EEB-03D4-EB4D-9D46-58D81B829861}">
+      <dsp:nvSpPr>
+        <dsp:cNvPr id="0" name=""/>
+        <dsp:cNvSpPr/>
+      </dsp:nvSpPr>
+      <dsp:spPr>
+        <a:xfrm>
+          <a:off x="3333750" y="1712774"/>
+          <a:ext cx="1460499" cy="2309917"/>
+        </a:xfrm>
+        <a:prstGeom prst="rect">
+          <a:avLst/>
+        </a:prstGeom>
+        <a:solidFill>
+          <a:schemeClr val="accent1">
+            <a:alpha val="90000"/>
+            <a:tint val="40000"/>
+            <a:hueOff val="0"/>
+            <a:satOff val="0"/>
+            <a:lumOff val="0"/>
+            <a:alphaOff val="0"/>
+          </a:schemeClr>
+        </a:solidFill>
+        <a:ln w="12700" cap="flat" cmpd="sng" algn="ctr">
+          <a:solidFill>
+            <a:schemeClr val="accent1">
+              <a:alpha val="90000"/>
+              <a:tint val="40000"/>
+              <a:hueOff val="0"/>
+              <a:satOff val="0"/>
+              <a:lumOff val="0"/>
+              <a:alphaOff val="0"/>
+            </a:schemeClr>
+          </a:solidFill>
+          <a:prstDash val="solid"/>
+          <a:miter lim="800000"/>
+        </a:ln>
+        <a:effectLst/>
+      </dsp:spPr>
+      <dsp:style>
+        <a:lnRef idx="2">
+          <a:scrgbClr r="0" g="0" b="0"/>
+        </a:lnRef>
+        <a:fillRef idx="1">
+          <a:scrgbClr r="0" g="0" b="0"/>
+        </a:fillRef>
+        <a:effectRef idx="0">
+          <a:scrgbClr r="0" g="0" b="0"/>
+        </a:effectRef>
+        <a:fontRef idx="minor"/>
+      </dsp:style>
+      <dsp:txBody>
+        <a:bodyPr spcFirstLastPara="0" vert="horz" wrap="square" lIns="58674" tIns="58674" rIns="78232" bIns="88011" numCol="1" spcCol="1270" anchor="t" anchorCtr="0">
+          <a:noAutofit/>
+        </a:bodyPr>
+        <a:lstStyle/>
+        <a:p>
+          <a:pPr marL="57150" lvl="1" indent="-57150" algn="l" defTabSz="488950">
+            <a:lnSpc>
+              <a:spcPct val="90000"/>
+            </a:lnSpc>
+            <a:spcBef>
+              <a:spcPct val="0"/>
+            </a:spcBef>
+            <a:spcAft>
+              <a:spcPct val="15000"/>
+            </a:spcAft>
+            <a:buChar char="•"/>
+          </a:pPr>
+          <a:r>
+            <a:rPr lang="es-ES" sz="1100" kern="1200" dirty="0"/>
+            <a:t>Variables empleadas:</a:t>
+          </a:r>
+        </a:p>
+        <a:p>
+          <a:pPr marL="114300" lvl="2" indent="-57150" algn="l" defTabSz="488950">
+            <a:lnSpc>
+              <a:spcPct val="90000"/>
+            </a:lnSpc>
+            <a:spcBef>
+              <a:spcPct val="0"/>
+            </a:spcBef>
+            <a:spcAft>
+              <a:spcPct val="15000"/>
+            </a:spcAft>
+            <a:buChar char="•"/>
+          </a:pPr>
+          <a:r>
+            <a:rPr lang="es-ES" sz="1100" kern="1200" dirty="0" err="1"/>
+            <a:t>Staff_score</a:t>
+          </a:r>
+          <a:endParaRPr lang="es-ES" sz="1100" kern="1200" dirty="0"/>
+        </a:p>
+        <a:p>
+          <a:pPr marL="114300" lvl="2" indent="-57150" algn="l" defTabSz="488950">
+            <a:lnSpc>
+              <a:spcPct val="90000"/>
+            </a:lnSpc>
+            <a:spcBef>
+              <a:spcPct val="0"/>
+            </a:spcBef>
+            <a:spcAft>
+              <a:spcPct val="15000"/>
+            </a:spcAft>
+            <a:buChar char="•"/>
+          </a:pPr>
+          <a:r>
+            <a:rPr lang="es-ES" sz="1100" kern="1200" dirty="0" err="1"/>
+            <a:t>Value_for_money</a:t>
+          </a:r>
+          <a:endParaRPr lang="es-ES" sz="1100" kern="1200" dirty="0"/>
+        </a:p>
+        <a:p>
+          <a:pPr marL="114300" lvl="2" indent="-57150" algn="l" defTabSz="488950">
+            <a:lnSpc>
+              <a:spcPct val="90000"/>
+            </a:lnSpc>
+            <a:spcBef>
+              <a:spcPct val="0"/>
+            </a:spcBef>
+            <a:spcAft>
+              <a:spcPct val="15000"/>
+            </a:spcAft>
+            <a:buChar char="•"/>
+          </a:pPr>
+          <a:r>
+            <a:rPr lang="es-ES" sz="1100" kern="1200" dirty="0" err="1"/>
+            <a:t>Location_score</a:t>
+          </a:r>
+          <a:endParaRPr lang="es-ES" sz="1100" kern="1200" dirty="0"/>
+        </a:p>
+        <a:p>
+          <a:pPr marL="114300" lvl="2" indent="-57150" algn="l" defTabSz="488950">
+            <a:lnSpc>
+              <a:spcPct val="90000"/>
+            </a:lnSpc>
+            <a:spcBef>
+              <a:spcPct val="0"/>
+            </a:spcBef>
+            <a:spcAft>
+              <a:spcPct val="15000"/>
+            </a:spcAft>
+            <a:buChar char="•"/>
+          </a:pPr>
+          <a:r>
+            <a:rPr lang="es-ES" sz="1100" kern="1200" dirty="0" err="1"/>
+            <a:t>Free_wifi_score</a:t>
+          </a:r>
+          <a:endParaRPr lang="es-ES" sz="1100" kern="1200" dirty="0"/>
+        </a:p>
+        <a:p>
+          <a:pPr marL="114300" lvl="2" indent="-57150" algn="l" defTabSz="488950">
+            <a:lnSpc>
+              <a:spcPct val="90000"/>
+            </a:lnSpc>
+            <a:spcBef>
+              <a:spcPct val="0"/>
+            </a:spcBef>
+            <a:spcAft>
+              <a:spcPct val="15000"/>
+            </a:spcAft>
+            <a:buChar char="•"/>
+          </a:pPr>
+          <a:endParaRPr lang="es-ES" sz="1100" kern="1200" dirty="0"/>
+        </a:p>
+        <a:p>
+          <a:pPr marL="57150" lvl="1" indent="-57150" algn="l" defTabSz="488950">
+            <a:lnSpc>
+              <a:spcPct val="90000"/>
+            </a:lnSpc>
+            <a:spcBef>
+              <a:spcPct val="0"/>
+            </a:spcBef>
+            <a:spcAft>
+              <a:spcPct val="15000"/>
+            </a:spcAft>
+            <a:buChar char="•"/>
+          </a:pPr>
+          <a:r>
+            <a:rPr lang="es-ES" sz="1100" kern="1200" dirty="0"/>
+            <a:t>Resultados:</a:t>
+          </a:r>
+        </a:p>
+        <a:p>
+          <a:pPr marL="114300" lvl="2" indent="-57150" algn="l" defTabSz="488950">
+            <a:lnSpc>
+              <a:spcPct val="90000"/>
+            </a:lnSpc>
+            <a:spcBef>
+              <a:spcPct val="0"/>
+            </a:spcBef>
+            <a:spcAft>
+              <a:spcPct val="15000"/>
+            </a:spcAft>
+            <a:buChar char="•"/>
+          </a:pPr>
+          <a:r>
+            <a:rPr lang="es-ES" sz="1100" kern="1200" dirty="0"/>
+            <a:t>R</a:t>
+          </a:r>
+          <a:r>
+            <a:rPr lang="es-ES" sz="1100" kern="1200" baseline="30000" dirty="0"/>
+            <a:t>2</a:t>
+          </a:r>
+          <a:r>
+            <a:rPr lang="es-ES" sz="1100" kern="1200" baseline="0" dirty="0"/>
+            <a:t>: </a:t>
+          </a:r>
+          <a:r>
+            <a:rPr lang="es-ES" sz="1100" kern="1200" dirty="0"/>
+            <a:t>0.0195</a:t>
+          </a:r>
+        </a:p>
+      </dsp:txBody>
+      <dsp:txXfrm>
+        <a:off x="3333750" y="1712774"/>
+        <a:ext cx="1460499" cy="2309917"/>
+      </dsp:txXfrm>
+    </dsp:sp>
+    <dsp:sp modelId="{F52438EA-4F92-C240-AFC6-A4B2AEE6AE1C}">
+      <dsp:nvSpPr>
+        <dsp:cNvPr id="0" name=""/>
+        <dsp:cNvSpPr/>
+      </dsp:nvSpPr>
+      <dsp:spPr>
+        <a:xfrm>
+          <a:off x="4998720" y="1395974"/>
+          <a:ext cx="1460499" cy="316800"/>
+        </a:xfrm>
+        <a:prstGeom prst="rect">
+          <a:avLst/>
+        </a:prstGeom>
+        <a:solidFill>
+          <a:schemeClr val="accent1">
+            <a:hueOff val="0"/>
+            <a:satOff val="0"/>
+            <a:lumOff val="0"/>
+            <a:alphaOff val="0"/>
+          </a:schemeClr>
+        </a:solidFill>
+        <a:ln w="12700" cap="flat" cmpd="sng" algn="ctr">
+          <a:solidFill>
+            <a:schemeClr val="accent1">
+              <a:hueOff val="0"/>
+              <a:satOff val="0"/>
+              <a:lumOff val="0"/>
+              <a:alphaOff val="0"/>
+            </a:schemeClr>
+          </a:solidFill>
+          <a:prstDash val="solid"/>
+          <a:miter lim="800000"/>
+        </a:ln>
+        <a:effectLst/>
+      </dsp:spPr>
+      <dsp:style>
+        <a:lnRef idx="2">
+          <a:scrgbClr r="0" g="0" b="0"/>
+        </a:lnRef>
+        <a:fillRef idx="1">
+          <a:scrgbClr r="0" g="0" b="0"/>
+        </a:fillRef>
+        <a:effectRef idx="0">
+          <a:scrgbClr r="0" g="0" b="0"/>
+        </a:effectRef>
+        <a:fontRef idx="minor">
+          <a:schemeClr val="lt1"/>
+        </a:fontRef>
+      </dsp:style>
+      <dsp:txBody>
+        <a:bodyPr spcFirstLastPara="0" vert="horz" wrap="square" lIns="78232" tIns="44704" rIns="78232" bIns="44704" numCol="1" spcCol="1270" anchor="ctr" anchorCtr="0">
+          <a:noAutofit/>
+        </a:bodyPr>
+        <a:lstStyle/>
+        <a:p>
+          <a:pPr marL="0" lvl="0" indent="0" algn="ctr" defTabSz="488950">
+            <a:lnSpc>
+              <a:spcPct val="90000"/>
+            </a:lnSpc>
+            <a:spcBef>
+              <a:spcPct val="0"/>
+            </a:spcBef>
+            <a:spcAft>
+              <a:spcPct val="35000"/>
+            </a:spcAft>
+            <a:buNone/>
+          </a:pPr>
+          <a:r>
+            <a:rPr lang="es-ES" sz="1100" kern="1200" dirty="0"/>
+            <a:t>Regresión 4</a:t>
+          </a:r>
+        </a:p>
+      </dsp:txBody>
+      <dsp:txXfrm>
+        <a:off x="4998720" y="1395974"/>
+        <a:ext cx="1460499" cy="316800"/>
+      </dsp:txXfrm>
+    </dsp:sp>
+    <dsp:sp modelId="{2B6E9592-A682-6345-BF16-231F2137BE1B}">
+      <dsp:nvSpPr>
+        <dsp:cNvPr id="0" name=""/>
+        <dsp:cNvSpPr/>
+      </dsp:nvSpPr>
+      <dsp:spPr>
+        <a:xfrm>
+          <a:off x="4998720" y="1712774"/>
+          <a:ext cx="1460499" cy="2309917"/>
+        </a:xfrm>
+        <a:prstGeom prst="rect">
+          <a:avLst/>
+        </a:prstGeom>
+        <a:solidFill>
+          <a:schemeClr val="accent1">
+            <a:alpha val="90000"/>
+            <a:tint val="40000"/>
+            <a:hueOff val="0"/>
+            <a:satOff val="0"/>
+            <a:lumOff val="0"/>
+            <a:alphaOff val="0"/>
+          </a:schemeClr>
+        </a:solidFill>
+        <a:ln w="12700" cap="flat" cmpd="sng" algn="ctr">
+          <a:solidFill>
+            <a:schemeClr val="accent1">
+              <a:alpha val="90000"/>
+              <a:tint val="40000"/>
+              <a:hueOff val="0"/>
+              <a:satOff val="0"/>
+              <a:lumOff val="0"/>
+              <a:alphaOff val="0"/>
+            </a:schemeClr>
+          </a:solidFill>
+          <a:prstDash val="solid"/>
+          <a:miter lim="800000"/>
+        </a:ln>
+        <a:effectLst/>
+      </dsp:spPr>
+      <dsp:style>
+        <a:lnRef idx="2">
+          <a:scrgbClr r="0" g="0" b="0"/>
+        </a:lnRef>
+        <a:fillRef idx="1">
+          <a:scrgbClr r="0" g="0" b="0"/>
+        </a:fillRef>
+        <a:effectRef idx="0">
+          <a:scrgbClr r="0" g="0" b="0"/>
+        </a:effectRef>
+        <a:fontRef idx="minor"/>
+      </dsp:style>
+      <dsp:txBody>
+        <a:bodyPr spcFirstLastPara="0" vert="horz" wrap="square" lIns="58674" tIns="58674" rIns="78232" bIns="88011" numCol="1" spcCol="1270" anchor="t" anchorCtr="0">
+          <a:noAutofit/>
+        </a:bodyPr>
+        <a:lstStyle/>
+        <a:p>
+          <a:pPr marL="57150" lvl="1" indent="-57150" algn="l" defTabSz="488950">
+            <a:lnSpc>
+              <a:spcPct val="90000"/>
+            </a:lnSpc>
+            <a:spcBef>
+              <a:spcPct val="0"/>
+            </a:spcBef>
+            <a:spcAft>
+              <a:spcPct val="15000"/>
+            </a:spcAft>
+            <a:buChar char="•"/>
+          </a:pPr>
+          <a:r>
+            <a:rPr lang="es-ES" sz="1100" kern="1200"/>
+            <a:t>Variables empleadas:</a:t>
+          </a:r>
+        </a:p>
+        <a:p>
+          <a:pPr marL="114300" lvl="2" indent="-57150" algn="l" defTabSz="488950">
+            <a:lnSpc>
+              <a:spcPct val="90000"/>
+            </a:lnSpc>
+            <a:spcBef>
+              <a:spcPct val="0"/>
+            </a:spcBef>
+            <a:spcAft>
+              <a:spcPct val="15000"/>
+            </a:spcAft>
+            <a:buChar char="•"/>
+          </a:pPr>
+          <a:r>
+            <a:rPr lang="es-ES" sz="1100" kern="1200"/>
+            <a:t>Comfort_score</a:t>
+          </a:r>
+          <a:endParaRPr lang="es-ES" sz="1100" kern="1200" dirty="0"/>
+        </a:p>
+        <a:p>
+          <a:pPr marL="57150" lvl="1" indent="-57150" algn="l" defTabSz="488950">
+            <a:lnSpc>
+              <a:spcPct val="90000"/>
+            </a:lnSpc>
+            <a:spcBef>
+              <a:spcPct val="0"/>
+            </a:spcBef>
+            <a:spcAft>
+              <a:spcPct val="15000"/>
+            </a:spcAft>
+            <a:buChar char="•"/>
+          </a:pPr>
+          <a:r>
+            <a:rPr lang="es-ES" sz="1100" kern="1200"/>
+            <a:t>Resultados:</a:t>
+          </a:r>
+          <a:endParaRPr lang="es-ES" sz="1100" kern="1200" dirty="0"/>
+        </a:p>
+        <a:p>
+          <a:pPr marL="114300" lvl="2" indent="-57150" algn="l" defTabSz="488950">
+            <a:lnSpc>
+              <a:spcPct val="90000"/>
+            </a:lnSpc>
+            <a:spcBef>
+              <a:spcPct val="0"/>
+            </a:spcBef>
+            <a:spcAft>
+              <a:spcPct val="15000"/>
+            </a:spcAft>
+            <a:buChar char="•"/>
+          </a:pPr>
+          <a:r>
+            <a:rPr lang="es-ES" sz="1100" kern="1200"/>
+            <a:t>R</a:t>
+          </a:r>
+          <a:r>
+            <a:rPr lang="es-ES" sz="1100" kern="1200" baseline="30000"/>
+            <a:t>2</a:t>
+          </a:r>
+          <a:r>
+            <a:rPr lang="es-ES" sz="1100" kern="1200" baseline="0"/>
+            <a:t>: </a:t>
+          </a:r>
+          <a:r>
+            <a:rPr lang="es-ES" sz="1100" kern="1200"/>
+            <a:t>0.005</a:t>
+          </a:r>
+          <a:endParaRPr lang="es-ES" sz="1100" kern="1200" dirty="0"/>
+        </a:p>
+      </dsp:txBody>
+      <dsp:txXfrm>
+        <a:off x="4998720" y="1712774"/>
+        <a:ext cx="1460499" cy="2309917"/>
+      </dsp:txXfrm>
+    </dsp:sp>
+    <dsp:sp modelId="{053EBC9C-795D-B247-9A71-8C145122C26F}">
+      <dsp:nvSpPr>
+        <dsp:cNvPr id="0" name=""/>
+        <dsp:cNvSpPr/>
+      </dsp:nvSpPr>
+      <dsp:spPr>
+        <a:xfrm>
+          <a:off x="6663689" y="1395974"/>
+          <a:ext cx="1460499" cy="316800"/>
+        </a:xfrm>
+        <a:prstGeom prst="rect">
+          <a:avLst/>
+        </a:prstGeom>
+        <a:solidFill>
+          <a:schemeClr val="accent1">
+            <a:hueOff val="0"/>
+            <a:satOff val="0"/>
+            <a:lumOff val="0"/>
+            <a:alphaOff val="0"/>
+          </a:schemeClr>
+        </a:solidFill>
+        <a:ln w="12700" cap="flat" cmpd="sng" algn="ctr">
+          <a:solidFill>
+            <a:schemeClr val="accent1">
+              <a:hueOff val="0"/>
+              <a:satOff val="0"/>
+              <a:lumOff val="0"/>
+              <a:alphaOff val="0"/>
+            </a:schemeClr>
+          </a:solidFill>
+          <a:prstDash val="solid"/>
+          <a:miter lim="800000"/>
+        </a:ln>
+        <a:effectLst/>
+      </dsp:spPr>
+      <dsp:style>
+        <a:lnRef idx="2">
+          <a:scrgbClr r="0" g="0" b="0"/>
+        </a:lnRef>
+        <a:fillRef idx="1">
+          <a:scrgbClr r="0" g="0" b="0"/>
+        </a:fillRef>
+        <a:effectRef idx="0">
+          <a:scrgbClr r="0" g="0" b="0"/>
+        </a:effectRef>
+        <a:fontRef idx="minor">
+          <a:schemeClr val="lt1"/>
+        </a:fontRef>
+      </dsp:style>
+      <dsp:txBody>
+        <a:bodyPr spcFirstLastPara="0" vert="horz" wrap="square" lIns="78232" tIns="44704" rIns="78232" bIns="44704" numCol="1" spcCol="1270" anchor="ctr" anchorCtr="0">
+          <a:noAutofit/>
+        </a:bodyPr>
+        <a:lstStyle/>
+        <a:p>
+          <a:pPr marL="0" lvl="0" indent="0" algn="ctr" defTabSz="488950">
+            <a:lnSpc>
+              <a:spcPct val="90000"/>
+            </a:lnSpc>
+            <a:spcBef>
+              <a:spcPct val="0"/>
+            </a:spcBef>
+            <a:spcAft>
+              <a:spcPct val="35000"/>
+            </a:spcAft>
+            <a:buNone/>
+          </a:pPr>
+          <a:r>
+            <a:rPr lang="es-ES" sz="1100" kern="1200" dirty="0"/>
+            <a:t>Regresión 5</a:t>
+          </a:r>
+        </a:p>
+      </dsp:txBody>
+      <dsp:txXfrm>
+        <a:off x="6663689" y="1395974"/>
+        <a:ext cx="1460499" cy="316800"/>
+      </dsp:txXfrm>
+    </dsp:sp>
+    <dsp:sp modelId="{0ACA845D-9FC2-6344-8148-7E8CA16E5E7F}">
+      <dsp:nvSpPr>
+        <dsp:cNvPr id="0" name=""/>
+        <dsp:cNvSpPr/>
+      </dsp:nvSpPr>
+      <dsp:spPr>
+        <a:xfrm>
+          <a:off x="6663689" y="1712774"/>
+          <a:ext cx="1460499" cy="2309917"/>
+        </a:xfrm>
+        <a:prstGeom prst="rect">
+          <a:avLst/>
+        </a:prstGeom>
+        <a:solidFill>
+          <a:schemeClr val="accent1">
+            <a:alpha val="90000"/>
+            <a:tint val="40000"/>
+            <a:hueOff val="0"/>
+            <a:satOff val="0"/>
+            <a:lumOff val="0"/>
+            <a:alphaOff val="0"/>
+          </a:schemeClr>
+        </a:solidFill>
+        <a:ln w="12700" cap="flat" cmpd="sng" algn="ctr">
+          <a:solidFill>
+            <a:schemeClr val="accent1">
+              <a:alpha val="90000"/>
+              <a:tint val="40000"/>
+              <a:hueOff val="0"/>
+              <a:satOff val="0"/>
+              <a:lumOff val="0"/>
+              <a:alphaOff val="0"/>
+            </a:schemeClr>
+          </a:solidFill>
+          <a:prstDash val="solid"/>
+          <a:miter lim="800000"/>
+        </a:ln>
+        <a:effectLst/>
+      </dsp:spPr>
+      <dsp:style>
+        <a:lnRef idx="2">
+          <a:scrgbClr r="0" g="0" b="0"/>
+        </a:lnRef>
+        <a:fillRef idx="1">
+          <a:scrgbClr r="0" g="0" b="0"/>
+        </a:fillRef>
+        <a:effectRef idx="0">
+          <a:scrgbClr r="0" g="0" b="0"/>
+        </a:effectRef>
+        <a:fontRef idx="minor"/>
+      </dsp:style>
+      <dsp:txBody>
+        <a:bodyPr spcFirstLastPara="0" vert="horz" wrap="square" lIns="58674" tIns="58674" rIns="78232" bIns="88011" numCol="1" spcCol="1270" anchor="t" anchorCtr="0">
+          <a:noAutofit/>
+        </a:bodyPr>
+        <a:lstStyle/>
+        <a:p>
+          <a:pPr marL="57150" lvl="1" indent="-57150" algn="l" defTabSz="488950">
+            <a:lnSpc>
+              <a:spcPct val="90000"/>
+            </a:lnSpc>
+            <a:spcBef>
+              <a:spcPct val="0"/>
+            </a:spcBef>
+            <a:spcAft>
+              <a:spcPct val="15000"/>
+            </a:spcAft>
+            <a:buChar char="•"/>
+          </a:pPr>
+          <a:r>
+            <a:rPr lang="es-ES" sz="1100" kern="1200"/>
+            <a:t>Variables empleadas:</a:t>
+          </a:r>
+        </a:p>
+        <a:p>
+          <a:pPr marL="114300" lvl="2" indent="-57150" algn="l" defTabSz="488950">
+            <a:lnSpc>
+              <a:spcPct val="90000"/>
+            </a:lnSpc>
+            <a:spcBef>
+              <a:spcPct val="0"/>
+            </a:spcBef>
+            <a:spcAft>
+              <a:spcPct val="15000"/>
+            </a:spcAft>
+            <a:buChar char="•"/>
+          </a:pPr>
+          <a:r>
+            <a:rPr lang="es-ES" sz="1100" kern="1200"/>
+            <a:t>Comfort_score</a:t>
+          </a:r>
+          <a:endParaRPr lang="es-ES" sz="1100" kern="1200" dirty="0"/>
+        </a:p>
+        <a:p>
+          <a:pPr marL="57150" lvl="1" indent="-57150" algn="l" defTabSz="488950">
+            <a:lnSpc>
+              <a:spcPct val="90000"/>
+            </a:lnSpc>
+            <a:spcBef>
+              <a:spcPct val="0"/>
+            </a:spcBef>
+            <a:spcAft>
+              <a:spcPct val="15000"/>
+            </a:spcAft>
+            <a:buChar char="•"/>
+          </a:pPr>
+          <a:r>
+            <a:rPr lang="es-ES" sz="1100" kern="1200"/>
+            <a:t>Resultados:</a:t>
+          </a:r>
+          <a:endParaRPr lang="es-ES" sz="1100" kern="1200" dirty="0"/>
+        </a:p>
+        <a:p>
+          <a:pPr marL="114300" lvl="2" indent="-57150" algn="l" defTabSz="488950">
+            <a:lnSpc>
+              <a:spcPct val="90000"/>
+            </a:lnSpc>
+            <a:spcBef>
+              <a:spcPct val="0"/>
+            </a:spcBef>
+            <a:spcAft>
+              <a:spcPct val="15000"/>
+            </a:spcAft>
+            <a:buChar char="•"/>
+          </a:pPr>
+          <a:r>
+            <a:rPr lang="es-ES" sz="1100" kern="1200"/>
+            <a:t>R</a:t>
+          </a:r>
+          <a:r>
+            <a:rPr lang="es-ES" sz="1100" kern="1200" baseline="30000"/>
+            <a:t>2</a:t>
+          </a:r>
+          <a:r>
+            <a:rPr lang="es-ES" sz="1100" kern="1200" baseline="0"/>
+            <a:t>: </a:t>
+          </a:r>
+          <a:r>
+            <a:rPr lang="es-ES" sz="1100" kern="1200"/>
+            <a:t>0.005</a:t>
+          </a:r>
+          <a:endParaRPr lang="es-ES" sz="1100" kern="1200" dirty="0"/>
+        </a:p>
+      </dsp:txBody>
+      <dsp:txXfrm>
+        <a:off x="6663689" y="1712774"/>
+        <a:ext cx="1460499" cy="2309917"/>
+      </dsp:txXfrm>
+    </dsp:sp>
+  </dsp:spTree>
+</dsp:drawing>
+</file>
+
+<file path=ppt/diagrams/layout1.xml><?xml version="1.0" encoding="utf-8"?>
+<dgm:layoutDef xmlns:dgm="http://schemas.openxmlformats.org/drawingml/2006/diagram" xmlns:a="http://schemas.openxmlformats.org/drawingml/2006/main" uniqueId="urn:microsoft.com/office/officeart/2005/8/layout/hChevron3">
+  <dgm:title val=""/>
+  <dgm:desc val=""/>
+  <dgm:catLst>
+    <dgm:cat type="process" pri="10000"/>
+  </dgm:catLst>
+  <dgm:sampData useDef="1">
+    <dgm:dataModel>
+      <dgm:ptLst/>
+      <dgm:bg/>
+      <dgm:whole/>
+    </dgm:dataModel>
+  </dgm:sampData>
+  <dgm:styleData>
+    <dgm:dataModel>
+      <dgm:ptLst>
+        <dgm:pt modelId="0" type="doc"/>
+        <dgm:pt modelId="1"/>
+        <dgm:pt modelId="2"/>
+      </dgm:ptLst>
+      <dgm:cxnLst>
+        <dgm:cxn modelId="3" srcId="0" destId="1" srcOrd="0" destOrd="0"/>
+        <dgm:cxn modelId="4" srcId="0" destId="2" srcOrd="1" destOrd="0"/>
+      </dgm:cxnLst>
+      <dgm:bg/>
+      <dgm:whole/>
+    </dgm:dataModel>
+  </dgm:styleData>
+  <dgm:clrData>
+    <dgm:dataModel>
+      <dgm:ptLst>
+        <dgm:pt modelId="0" type="doc"/>
+        <dgm:pt modelId="1"/>
+        <dgm:pt modelId="2"/>
+        <dgm:pt modelId="3"/>
+        <dgm:pt modelId="4"/>
+      </dgm:ptLst>
+      <dgm:cxnLst>
+        <dgm:cxn modelId="5" srcId="0" destId="1" srcOrd="0" destOrd="0"/>
+        <dgm:cxn modelId="6" srcId="0" destId="2" srcOrd="1" destOrd="0"/>
+        <dgm:cxn modelId="7" srcId="0" destId="3" srcOrd="2" destOrd="0"/>
+        <dgm:cxn modelId="8" srcId="0" destId="4" srcOrd="3" destOrd="0"/>
+      </dgm:cxnLst>
+      <dgm:bg/>
+      <dgm:whole/>
+    </dgm:dataModel>
+  </dgm:clrData>
+  <dgm:layoutNode name="Name0">
+    <dgm:varLst>
+      <dgm:dir/>
+      <dgm:resizeHandles val="exact"/>
+    </dgm:varLst>
+    <dgm:choose name="Name1">
+      <dgm:if name="Name2" func="var" arg="dir" op="equ" val="norm">
+        <dgm:alg type="lin"/>
+      </dgm:if>
+      <dgm:else name="Name3">
+        <dgm:alg type="lin">
+          <dgm:param type="linDir" val="fromR"/>
+        </dgm:alg>
+      </dgm:else>
+    </dgm:choose>
+    <dgm:shape xmlns:r="http://schemas.openxmlformats.org/officeDocument/2006/relationships" r:blip="">
+      <dgm:adjLst/>
+    </dgm:shape>
+    <dgm:presOf/>
+    <dgm:choose name="Name4">
+      <dgm:if name="Name5" axis="root des" func="maxDepth" op="gte" val="2">
+        <dgm:constrLst>
+          <dgm:constr type="w" for="ch" forName="parAndChTx" refType="w"/>
+          <dgm:constr type="primFontSz" for="ch" ptType="node" op="equ"/>
+          <dgm:constr type="w" for="ch" forName="parAndChSpace" refType="w" refFor="ch" refForName="parAndChTx" fact="-0.2"/>
+          <dgm:constr type="w" for="ch" ptType="sibTrans" op="equ"/>
+        </dgm:constrLst>
+        <dgm:ruleLst/>
+        <dgm:forEach name="Name6" axis="ch" ptType="node">
+          <dgm:layoutNode name="parAndChTx">
+            <dgm:varLst>
+              <dgm:bulletEnabled val="1"/>
+            </dgm:varLst>
+            <dgm:alg type="tx"/>
+            <dgm:choose name="Name7">
+              <dgm:if name="Name8" func="var" arg="dir" op="equ" val="norm">
+                <dgm:choose name="Name9">
+                  <dgm:if name="Name10" axis="self" ptType="node" func="pos" op="equ" val="1">
+                    <dgm:shape xmlns:r="http://schemas.openxmlformats.org/officeDocument/2006/relationships" type="homePlate" r:blip="">
+                      <dgm:adjLst>
+                        <dgm:adj idx="1" val="0.25"/>
+                      </dgm:adjLst>
+                    </dgm:shape>
+                    <dgm:presOf axis="desOrSelf" ptType="node"/>
+                    <dgm:constrLst>
+                      <dgm:constr type="h" refType="w" op="equ" fact="0.8"/>
+                      <dgm:constr type="primFontSz" val="65"/>
+                      <dgm:constr type="tMarg" refType="primFontSz" fact="0.2"/>
+                      <dgm:constr type="bMarg" refType="primFontSz" fact="0.2"/>
+                      <dgm:constr type="lMarg" refType="w" fact="0.1"/>
+                      <dgm:constr type="rMarg" refType="w" fact="0.4"/>
+                    </dgm:constrLst>
+                  </dgm:if>
+                  <dgm:else name="Name11">
+                    <dgm:shape xmlns:r="http://schemas.openxmlformats.org/officeDocument/2006/relationships" type="chevron" r:blip="">
+                      <dgm:adjLst>
+                        <dgm:adj idx="1" val="0.25"/>
+                      </dgm:adjLst>
+                    </dgm:shape>
+                    <dgm:presOf axis="desOrSelf" ptType="node"/>
+                    <dgm:constrLst>
+                      <dgm:constr type="h" refType="w" op="equ" fact="0.8"/>
+                      <dgm:constr type="primFontSz" val="65"/>
+                      <dgm:constr type="tMarg" refType="primFontSz" fact="0.2"/>
+                      <dgm:constr type="bMarg" refType="primFontSz" fact="0.2"/>
+                      <dgm:constr type="lMarg" refType="w" fact="0.1"/>
+                      <dgm:constr type="rMarg" refType="w" fact="0.1"/>
+                    </dgm:constrLst>
+                  </dgm:else>
+                </dgm:choose>
+              </dgm:if>
+              <dgm:else name="Name12">
+                <dgm:choose name="Name13">
+                  <dgm:if name="Name14" axis="self" ptType="node" func="pos" op="equ" val="1">
+                    <dgm:shape xmlns:r="http://schemas.openxmlformats.org/officeDocument/2006/relationships" rot="180" type="homePlate" r:blip="">
+                      <dgm:adjLst>
+                        <dgm:adj idx="1" val="0.25"/>
+                      </dgm:adjLst>
+                    </dgm:shape>
+                    <dgm:presOf axis="desOrSelf" ptType="node"/>
+                    <dgm:constrLst>
+                      <dgm:constr type="h" refType="w" op="equ" fact="0.8"/>
+                      <dgm:constr type="primFontSz" val="65"/>
+                      <dgm:constr type="tMarg" refType="primFontSz" fact="0.2"/>
+                      <dgm:constr type="bMarg" refType="primFontSz" fact="0.2"/>
+                      <dgm:constr type="lMarg" refType="w" fact="0.4"/>
+                      <dgm:constr type="rMarg" refType="w" fact="0.1"/>
+                    </dgm:constrLst>
+                  </dgm:if>
+                  <dgm:else name="Name15">
+                    <dgm:shape xmlns:r="http://schemas.openxmlformats.org/officeDocument/2006/relationships" rot="180" type="chevron" r:blip="">
+                      <dgm:adjLst>
+                        <dgm:adj idx="1" val="0.25"/>
+                      </dgm:adjLst>
+                    </dgm:shape>
+                    <dgm:presOf axis="desOrSelf" ptType="node"/>
+                    <dgm:constrLst>
+                      <dgm:constr type="h" refType="w" op="equ" fact="0.8"/>
+                      <dgm:constr type="primFontSz" val="65"/>
+                      <dgm:constr type="tMarg" refType="primFontSz" fact="0.2"/>
+                      <dgm:constr type="bMarg" refType="primFontSz" fact="0.2"/>
+                      <dgm:constr type="lMarg" refType="w" fact="0.1"/>
+                      <dgm:constr type="rMarg" refType="w" fact="0.1"/>
+                    </dgm:constrLst>
+                  </dgm:else>
+                </dgm:choose>
+              </dgm:else>
+            </dgm:choose>
+            <dgm:ruleLst>
+              <dgm:rule type="primFontSz" val="5" fact="NaN" max="NaN"/>
+            </dgm:ruleLst>
+          </dgm:layoutNode>
+          <dgm:forEach name="Name16" axis="followSib" ptType="sibTrans" cnt="1">
+            <dgm:layoutNode name="parAndChSpace">
+              <dgm:alg type="sp"/>
+              <dgm:shape xmlns:r="http://schemas.openxmlformats.org/officeDocument/2006/relationships" r:blip="">
+                <dgm:adjLst/>
+              </dgm:shape>
+              <dgm:presOf/>
+              <dgm:constrLst/>
+              <dgm:ruleLst/>
+            </dgm:layoutNode>
+          </dgm:forEach>
+        </dgm:forEach>
+      </dgm:if>
+      <dgm:else name="Name17">
+        <dgm:constrLst>
+          <dgm:constr type="w" for="ch" forName="parTxOnly" refType="w"/>
+          <dgm:constr type="primFontSz" for="ch" ptType="node" op="equ"/>
+          <dgm:constr type="w" for="ch" forName="parSpace" refType="w" refFor="ch" refForName="parTxOnly" fact="-0.2"/>
+          <dgm:constr type="w" for="ch" ptType="sibTrans" op="equ"/>
+        </dgm:constrLst>
+        <dgm:ruleLst/>
+        <dgm:forEach name="Name18" axis="ch" ptType="node">
+          <dgm:layoutNode name="parTxOnly">
+            <dgm:varLst>
+              <dgm:bulletEnabled val="1"/>
+            </dgm:varLst>
+            <dgm:alg type="tx"/>
+            <dgm:presOf axis="desOrSelf" ptType="node"/>
+            <dgm:choose name="Name19">
+              <dgm:if name="Name20" func="var" arg="dir" op="equ" val="norm">
+                <dgm:choose name="Name21">
+                  <dgm:if name="Name22" axis="self" ptType="node" func="pos" op="equ" val="1">
+                    <dgm:shape xmlns:r="http://schemas.openxmlformats.org/officeDocument/2006/relationships" type="homePlate" r:blip="">
+                      <dgm:adjLst/>
+                    </dgm:shape>
+                    <dgm:constrLst>
+                      <dgm:constr type="h" refType="w" op="equ" fact="0.4"/>
+                      <dgm:constr type="primFontSz" val="65"/>
+                      <dgm:constr type="tMarg" refType="primFontSz" fact="0.21"/>
+                      <dgm:constr type="bMarg" refType="primFontSz" fact="0.21"/>
+                      <dgm:constr type="lMarg" refType="primFontSz" fact="0.42"/>
+                      <dgm:constr type="rMarg" refType="primFontSz" fact="0.105"/>
+                    </dgm:constrLst>
+                  </dgm:if>
+                  <dgm:else name="Name23">
+                    <dgm:shape xmlns:r="http://schemas.openxmlformats.org/officeDocument/2006/relationships" type="chevron" r:blip="">
+                      <dgm:adjLst/>
+                    </dgm:shape>
+                    <dgm:constrLst>
+                      <dgm:constr type="h" refType="w" op="equ" fact="0.4"/>
+                      <dgm:constr type="primFontSz" val="65"/>
+                      <dgm:constr type="tMarg" refType="primFontSz" fact="0.21"/>
+                      <dgm:constr type="bMarg" refType="primFontSz" fact="0.21"/>
+                      <dgm:constr type="lMarg" refType="primFontSz" fact="0.315"/>
+                      <dgm:constr type="rMarg" refType="primFontSz" fact="0.105"/>
+                    </dgm:constrLst>
+                  </dgm:else>
+                </dgm:choose>
+              </dgm:if>
+              <dgm:else name="Name24">
+                <dgm:choose name="Name25">
+                  <dgm:if name="Name26" axis="self" ptType="node" func="pos" op="equ" val="1">
+                    <dgm:shape xmlns:r="http://schemas.openxmlformats.org/officeDocument/2006/relationships" rot="180" type="homePlate" r:blip="">
+                      <dgm:adjLst/>
+                    </dgm:shape>
+                    <dgm:constrLst>
+                      <dgm:constr type="h" refType="w" op="equ" fact="0.4"/>
+                      <dgm:constr type="primFontSz" val="65"/>
+                      <dgm:constr type="tMarg" refType="primFontSz" fact="0.21"/>
+                      <dgm:constr type="bMarg" refType="primFontSz" fact="0.21"/>
+                      <dgm:constr type="lMarg" refType="primFontSz" fact="0.105"/>
+                      <dgm:constr type="rMarg" refType="primFontSz" fact="0.42"/>
+                    </dgm:constrLst>
+                  </dgm:if>
+                  <dgm:else name="Name27">
+                    <dgm:shape xmlns:r="http://schemas.openxmlformats.org/officeDocument/2006/relationships" rot="180" type="chevron" r:blip="">
+                      <dgm:adjLst/>
+                    </dgm:shape>
+                    <dgm:constrLst>
+                      <dgm:constr type="h" refType="w" op="equ" fact="0.4"/>
+                      <dgm:constr type="primFontSz" val="65"/>
+                      <dgm:constr type="tMarg" refType="primFontSz" fact="0.21"/>
+                      <dgm:constr type="bMarg" refType="primFontSz" fact="0.21"/>
+                      <dgm:constr type="lMarg" refType="primFontSz" fact="0.105"/>
+                      <dgm:constr type="rMarg" refType="primFontSz" fact="0.315"/>
+                    </dgm:constrLst>
+                  </dgm:else>
+                </dgm:choose>
+              </dgm:else>
+            </dgm:choose>
+            <dgm:ruleLst>
+              <dgm:rule type="primFontSz" val="5" fact="NaN" max="NaN"/>
+            </dgm:ruleLst>
+          </dgm:layoutNode>
+          <dgm:forEach name="Name28" axis="followSib" ptType="sibTrans" cnt="1">
+            <dgm:layoutNode name="parSpace">
+              <dgm:alg type="sp"/>
+              <dgm:shape xmlns:r="http://schemas.openxmlformats.org/officeDocument/2006/relationships" r:blip="">
+                <dgm:adjLst/>
+              </dgm:shape>
+              <dgm:presOf/>
+              <dgm:constrLst/>
+              <dgm:ruleLst/>
+            </dgm:layoutNode>
+          </dgm:forEach>
+        </dgm:forEach>
+      </dgm:else>
+    </dgm:choose>
+  </dgm:layoutNode>
+</dgm:layoutDef>
+</file>
+
+<file path=ppt/diagrams/layout2.xml><?xml version="1.0" encoding="utf-8"?>
+<dgm:layoutDef xmlns:dgm="http://schemas.openxmlformats.org/drawingml/2006/diagram" xmlns:a="http://schemas.openxmlformats.org/drawingml/2006/main" uniqueId="urn:microsoft.com/office/officeart/2005/8/layout/hList1">
+  <dgm:title val=""/>
+  <dgm:desc val=""/>
+  <dgm:catLst>
+    <dgm:cat type="list" pri="5000"/>
+    <dgm:cat type="convert" pri="5000"/>
+  </dgm:catLst>
+  <dgm:sampData>
+    <dgm:dataModel>
+      <dgm:ptLst>
+        <dgm:pt modelId="0" type="doc"/>
+        <dgm:pt modelId="1">
+          <dgm:prSet phldr="1"/>
+        </dgm:pt>
+        <dgm:pt modelId="11">
+          <dgm:prSet phldr="1"/>
+        </dgm:pt>
+        <dgm:pt modelId="12">
+          <dgm:prSet phldr="1"/>
+        </dgm:pt>
+        <dgm:pt modelId="2">
+          <dgm:prSet phldr="1"/>
+        </dgm:pt>
+        <dgm:pt modelId="21">
+          <dgm:prSet phldr="1"/>
+        </dgm:pt>
+        <dgm:pt modelId="22">
+          <dgm:prSet phldr="1"/>
+        </dgm:pt>
+        <dgm:pt modelId="3">
+          <dgm:prSet phldr="1"/>
+        </dgm:pt>
+        <dgm:pt modelId="31">
+          <dgm:prSet phldr="1"/>
+        </dgm:pt>
+        <dgm:pt modelId="32">
+          <dgm:prSet phldr="1"/>
+        </dgm:pt>
+      </dgm:ptLst>
+      <dgm:cxnLst>
+        <dgm:cxn modelId="4" srcId="0" destId="1" srcOrd="0" destOrd="0"/>
+        <dgm:cxn modelId="5" srcId="0" destId="2" srcOrd="1" destOrd="0"/>
+        <dgm:cxn modelId="6" srcId="0" destId="3" srcOrd="2" destOrd="0"/>
+        <dgm:cxn modelId="13" srcId="1" destId="11" srcOrd="0" destOrd="0"/>
+        <dgm:cxn modelId="14" srcId="1" destId="12" srcOrd="1" destOrd="0"/>
+        <dgm:cxn modelId="23" srcId="2" destId="21" srcOrd="0" destOrd="0"/>
+        <dgm:cxn modelId="24" srcId="2" destId="22" srcOrd="1" destOrd="0"/>
+        <dgm:cxn modelId="33" srcId="3" destId="31" srcOrd="0" destOrd="0"/>
+        <dgm:cxn modelId="34" srcId="3" destId="32" srcOrd="1" destOrd="0"/>
+      </dgm:cxnLst>
+      <dgm:bg/>
+      <dgm:whole/>
+    </dgm:dataModel>
+  </dgm:sampData>
+  <dgm:styleData>
+    <dgm:dataModel>
+      <dgm:ptLst>
+        <dgm:pt modelId="0" type="doc"/>
+        <dgm:pt modelId="1">
+          <dgm:prSet phldr="1"/>
+        </dgm:pt>
+        <dgm:pt modelId="2">
+          <dgm:prSet phldr="1"/>
+        </dgm:pt>
+      </dgm:ptLst>
+      <dgm:cxnLst>
+        <dgm:cxn modelId="3" srcId="0" destId="1" srcOrd="0" destOrd="0"/>
+        <dgm:cxn modelId="4" srcId="0" destId="2" srcOrd="1" destOrd="0"/>
+      </dgm:cxnLst>
+      <dgm:bg/>
+      <dgm:whole/>
+    </dgm:dataModel>
+  </dgm:styleData>
+  <dgm:clrData>
+    <dgm:dataModel>
+      <dgm:ptLst>
+        <dgm:pt modelId="0" type="doc"/>
+        <dgm:pt modelId="1">
+          <dgm:prSet phldr="1"/>
+        </dgm:pt>
+        <dgm:pt modelId="2">
+          <dgm:prSet phldr="1"/>
+        </dgm:pt>
+        <dgm:pt modelId="3">
+          <dgm:prSet phldr="1"/>
+        </dgm:pt>
+        <dgm:pt modelId="4">
+          <dgm:prSet phldr="1"/>
+        </dgm:pt>
+      </dgm:ptLst>
+      <dgm:cxnLst>
+        <dgm:cxn modelId="5" srcId="0" destId="1" srcOrd="0" destOrd="0"/>
+        <dgm:cxn modelId="6" srcId="0" destId="2" srcOrd="1" destOrd="0"/>
+        <dgm:cxn modelId="7" srcId="0" destId="3" srcOrd="2" destOrd="0"/>
+        <dgm:cxn modelId="8" srcId="0" destId="4" srcOrd="3" destOrd="0"/>
+      </dgm:cxnLst>
+      <dgm:bg/>
+      <dgm:whole/>
+    </dgm:dataModel>
+  </dgm:clrData>
+  <dgm:layoutNode name="Name0">
+    <dgm:varLst>
+      <dgm:dir/>
+      <dgm:animLvl val="lvl"/>
+      <dgm:resizeHandles val="exact"/>
+    </dgm:varLst>
+    <dgm:choose name="Name1">
+      <dgm:if name="Name2" func="var" arg="dir" op="equ" val="norm">
+        <dgm:alg type="lin"/>
+      </dgm:if>
+      <dgm:else name="Name3">
+        <dgm:alg type="lin">
+          <dgm:param type="linDir" val="fromR"/>
+        </dgm:alg>
+      </dgm:else>
+    </dgm:choose>
+    <dgm:shape xmlns:r="http://schemas.openxmlformats.org/officeDocument/2006/relationships" r:blip="">
+      <dgm:adjLst/>
+    </dgm:shape>
+    <dgm:presOf/>
+    <dgm:constrLst>
+      <dgm:constr type="h" for="ch" forName="composite" refType="h"/>
+      <dgm:constr type="w" for="ch" forName="composite" refType="w"/>
+      <dgm:constr type="w" for="des" forName="parTx"/>
+      <dgm:constr type="h" for="des" forName="parTx" op="equ"/>
+      <dgm:constr type="w" for="des" forName="desTx"/>
+      <dgm:constr type="h" for="des" forName="desTx" op="equ"/>
+      <dgm:constr type="primFontSz" for="des" forName="parTx" val="65"/>
+      <dgm:constr type="secFontSz" for="des" forName="desTx" refType="primFontSz" refFor="des" refForName="parTx" op="equ"/>
+      <dgm:constr type="h" for="des" forName="parTx" refType="primFontSz" refFor="des" refForName="parTx" fact="0.8"/>
+      <dgm:constr type="h" for="des" forName="desTx" refType="primFontSz" refFor="des" refForName="parTx" fact="1.22"/>
+      <dgm:constr type="w" for="ch" forName="space" refType="w" refFor="ch" refForName="composite" op="equ" fact="0.14"/>
+    </dgm:constrLst>
+    <dgm:ruleLst>
+      <dgm:rule type="w" for="ch" forName="composite" val="0" fact="NaN" max="NaN"/>
+      <dgm:rule type="primFontSz" for="des" forName="parTx" val="5" fact="NaN" max="NaN"/>
+    </dgm:ruleLst>
+    <dgm:forEach name="Name4" axis="ch" ptType="node">
+      <dgm:layoutNode name="composite">
+        <dgm:alg type="composite"/>
+        <dgm:shape xmlns:r="http://schemas.openxmlformats.org/officeDocument/2006/relationships" r:blip="">
+          <dgm:adjLst/>
+        </dgm:shape>
+        <dgm:presOf/>
+        <dgm:constrLst>
+          <dgm:constr type="l" for="ch" forName="parTx"/>
+          <dgm:constr type="w" for="ch" forName="parTx" refType="w"/>
+          <dgm:constr type="t" for="ch" forName="parTx"/>
+          <dgm:constr type="l" for="ch" forName="desTx"/>
+          <dgm:constr type="w" for="ch" forName="desTx" refType="w" refFor="ch" refForName="parTx"/>
+          <dgm:constr type="t" for="ch" forName="desTx" refType="h" refFor="ch" refForName="parTx"/>
+        </dgm:constrLst>
+        <dgm:ruleLst>
+          <dgm:rule type="h" val="INF" fact="NaN" max="NaN"/>
+        </dgm:ruleLst>
+        <dgm:layoutNode name="parTx" styleLbl="alignNode1">
+          <dgm:varLst>
+            <dgm:chMax val="0"/>
+            <dgm:chPref val="0"/>
+            <dgm:bulletEnabled val="1"/>
+          </dgm:varLst>
+          <dgm:alg type="tx"/>
+          <dgm:shape xmlns:r="http://schemas.openxmlformats.org/officeDocument/2006/relationships" type="rect" r:blip="">
+            <dgm:adjLst/>
+          </dgm:shape>
+          <dgm:presOf axis="self" ptType="node"/>
+          <dgm:constrLst>
+            <dgm:constr type="h" refType="w" op="lte" fact="0.4"/>
+            <dgm:constr type="h"/>
+            <dgm:constr type="tMarg" refType="primFontSz" fact="0.32"/>
+            <dgm:constr type="bMarg" refType="primFontSz" fact="0.32"/>
+          </dgm:constrLst>
+          <dgm:ruleLst>
+            <dgm:rule type="h" val="INF" fact="NaN" max="NaN"/>
+          </dgm:ruleLst>
+        </dgm:layoutNode>
+        <dgm:layoutNode name="desTx" styleLbl="alignAccFollowNode1">
+          <dgm:varLst>
+            <dgm:bulletEnabled val="1"/>
+          </dgm:varLst>
+          <dgm:alg type="tx">
+            <dgm:param type="stBulletLvl" val="1"/>
+          </dgm:alg>
+          <dgm:shape xmlns:r="http://schemas.openxmlformats.org/officeDocument/2006/relationships" type="rect" r:blip="">
+            <dgm:adjLst/>
+          </dgm:shape>
+          <dgm:presOf axis="des" ptType="node"/>
+          <dgm:constrLst>
+            <dgm:constr type="secFontSz" val="65"/>
+            <dgm:constr type="primFontSz" refType="secFontSz"/>
+            <dgm:constr type="h"/>
+            <dgm:constr type="lMarg" refType="primFontSz" fact="0.42"/>
+            <dgm:constr type="tMarg" refType="primFontSz" fact="0.42"/>
+            <dgm:constr type="bMarg" refType="primFontSz" fact="0.63"/>
+          </dgm:constrLst>
+          <dgm:ruleLst>
+            <dgm:rule type="h" val="INF" fact="NaN" max="NaN"/>
+          </dgm:ruleLst>
+        </dgm:layoutNode>
+      </dgm:layoutNode>
+      <dgm:forEach name="Name5" axis="followSib" ptType="sibTrans" cnt="1">
+        <dgm:layoutNode name="space">
+          <dgm:alg type="sp"/>
+          <dgm:shape xmlns:r="http://schemas.openxmlformats.org/officeDocument/2006/relationships" r:blip="">
+            <dgm:adjLst/>
+          </dgm:shape>
+          <dgm:presOf/>
+          <dgm:constrLst/>
+          <dgm:ruleLst/>
+        </dgm:layoutNode>
+      </dgm:forEach>
+    </dgm:forEach>
+  </dgm:layoutNode>
+</dgm:layoutDef>
+</file>
+
+<file path=ppt/diagrams/quickStyle1.xml><?xml version="1.0" encoding="utf-8"?>
+<dgm:styleDef xmlns:dgm="http://schemas.openxmlformats.org/drawingml/2006/diagram" xmlns:a="http://schemas.openxmlformats.org/drawingml/2006/main" uniqueId="urn:microsoft.com/office/officeart/2005/8/quickstyle/simple1">
+  <dgm:title val=""/>
+  <dgm:desc val=""/>
+  <dgm:catLst>
+    <dgm:cat type="simple" pri="10100"/>
+  </dgm:catLst>
+  <dgm:scene3d>
+    <a:camera prst="orthographicFront"/>
+    <a:lightRig rig="threePt" dir="t"/>
+  </dgm:scene3d>
+  <dgm:styleLbl name="node0">
+    <dgm:scene3d>
+      <a:camera prst="orthographicFront"/>
+      <a:lightRig rig="threePt" dir="t"/>
+    </dgm:scene3d>
+    <dgm:sp3d/>
+    <dgm:txPr/>
+    <dgm:style>
+      <a:lnRef idx="2">
+        <a:scrgbClr r="0" g="0" b="0"/>
+      </a:lnRef>
+      <a:fillRef idx="1">
+        <a:scrgbClr r="0" g="0" b="0"/>
+      </a:fillRef>
+      <a:effectRef idx="0">
+        <a:scrgbClr r="0" g="0" b="0"/>
+      </a:effectRef>
+      <a:fontRef idx="minor">
+        <a:schemeClr val="lt1"/>
+      </a:fontRef>
+    </dgm:style>
+  </dgm:styleLbl>
+  <dgm:styleLbl name="lnNode1">
+    <dgm:scene3d>
+      <a:camera prst="orthographicFront"/>
+      <a:lightRig rig="threePt" dir="t"/>
+    </dgm:scene3d>
+    <dgm:sp3d/>
+    <dgm:txPr/>
+    <dgm:style>
+      <a:lnRef idx="2">
+        <a:scrgbClr r="0" g="0" b="0"/>
+      </a:lnRef>
+      <a:fillRef idx="1">
+        <a:scrgbClr r="0" g="0" b="0"/>
+      </a:fillRef>
+      <a:effectRef idx="0">
+        <a:scrgbClr r="0" g="0" b="0"/>
+      </a:effectRef>
+      <a:fontRef idx="minor">
+        <a:schemeClr val="lt1"/>
+      </a:fontRef>
+    </dgm:style>
+  </dgm:styleLbl>
+  <dgm:styleLbl name="vennNode1">
+    <dgm:scene3d>
+      <a:camera prst="orthographicFront"/>
+      <a:lightRig rig="threePt" dir="t"/>
+    </dgm:scene3d>
+    <dgm:sp3d/>
+    <dgm:txPr/>
+    <dgm:style>
+      <a:lnRef idx="2">
+        <a:scrgbClr r="0" g="0" b="0"/>
+      </a:lnRef>
+      <a:fillRef idx="1">
+        <a:scrgbClr r="0" g="0" b="0"/>
+      </a:fillRef>
+      <a:effectRef idx="0">
+        <a:scrgbClr r="0" g="0" b="0"/>
+      </a:effectRef>
+      <a:fontRef idx="minor">
+        <a:schemeClr val="tx1"/>
+      </a:fontRef>
+    </dgm:style>
+  </dgm:styleLbl>
+  <dgm:styleLbl name="alignNode1">
+    <dgm:scene3d>
+      <a:camera prst="orthographicFront"/>
+      <a:lightRig rig="threePt" dir="t"/>
+    </dgm:scene3d>
+    <dgm:sp3d/>
+    <dgm:txPr/>
+    <dgm:style>
+      <a:lnRef idx="2">
+        <a:scrgbClr r="0" g="0" b="0"/>
+      </a:lnRef>
+      <a:fillRef idx="1">
+        <a:scrgbClr r="0" g="0" b="0"/>
+      </a:fillRef>
+      <a:effectRef idx="0">
+        <a:scrgbClr r="0" g="0" b="0"/>
+      </a:effectRef>
+      <a:fontRef idx="minor">
+        <a:schemeClr val="lt1"/>
+      </a:fontRef>
+    </dgm:style>
+  </dgm:styleLbl>
+  <dgm:styleLbl name="node1">
+    <dgm:scene3d>
+      <a:camera prst="orthographicFront"/>
+      <a:lightRig rig="threePt" dir="t"/>
+    </dgm:scene3d>
+    <dgm:sp3d/>
+    <dgm:txPr/>
+    <dgm:style>
+      <a:lnRef idx="2">
+        <a:scrgbClr r="0" g="0" b="0"/>
+      </a:lnRef>
+      <a:fillRef idx="1">
+        <a:scrgbClr r="0" g="0" b="0"/>
+      </a:fillRef>
+      <a:effectRef idx="0">
+        <a:scrgbClr r="0" g="0" b="0"/>
+      </a:effectRef>
+      <a:fontRef idx="minor">
+        <a:schemeClr val="lt1"/>
+      </a:fontRef>
+    </dgm:style>
+  </dgm:styleLbl>
+  <dgm:styleLbl name="node2">
+    <dgm:scene3d>
+      <a:camera prst="orthographicFront"/>
+      <a:lightRig rig="threePt" dir="t"/>
+    </dgm:scene3d>
+    <dgm:sp3d/>
+    <dgm:txPr/>
+    <dgm:style>
+      <a:lnRef idx="2">
+        <a:scrgbClr r="0" g="0" b="0"/>
+      </a:lnRef>
+      <a:fillRef idx="1">
+        <a:scrgbClr r="0" g="0" b="0"/>
+      </a:fillRef>
+      <a:effectRef idx="0">
+        <a:scrgbClr r="0" g="0" b="0"/>
+      </a:effectRef>
+      <a:fontRef idx="minor">
+        <a:schemeClr val="lt1"/>
+      </a:fontRef>
+    </dgm:style>
+  </dgm:styleLbl>
+  <dgm:styleLbl name="node3">
+    <dgm:scene3d>
+      <a:camera prst="orthographicFront"/>
+      <a:lightRig rig="threePt" dir="t"/>
+    </dgm:scene3d>
+    <dgm:sp3d/>
+    <dgm:txPr/>
+    <dgm:style>
+      <a:lnRef idx="2">
+        <a:scrgbClr r="0" g="0" b="0"/>
+      </a:lnRef>
+      <a:fillRef idx="1">
+        <a:scrgbClr r="0" g="0" b="0"/>
+      </a:fillRef>
+      <a:effectRef idx="0">
+        <a:scrgbClr r="0" g="0" b="0"/>
+      </a:effectRef>
+      <a:fontRef idx="minor">
+        <a:schemeClr val="lt1"/>
+      </a:fontRef>
+    </dgm:style>
+  </dgm:styleLbl>
+  <dgm:styleLbl name="node4">
+    <dgm:scene3d>
+      <a:camera prst="orthographicFront"/>
+      <a:lightRig rig="threePt" dir="t"/>
+    </dgm:scene3d>
+    <dgm:sp3d/>
+    <dgm:txPr/>
+    <dgm:style>
+      <a:lnRef idx="2">
+        <a:scrgbClr r="0" g="0" b="0"/>
+      </a:lnRef>
+      <a:fillRef idx="1">
+        <a:scrgbClr r="0" g="0" b="0"/>
+      </a:fillRef>
+      <a:effectRef idx="0">
+        <a:scrgbClr r="0" g="0" b="0"/>
+      </a:effectRef>
+      <a:fontRef idx="minor">
+        <a:schemeClr val="lt1"/>
+      </a:fontRef>
+    </dgm:style>
+  </dgm:styleLbl>
+  <dgm:styleLbl name="fgImgPlace1">
+    <dgm:scene3d>
+      <a:camera prst="orthographicFront"/>
+      <a:lightRig rig="threePt" dir="t"/>
+    </dgm:scene3d>
+    <dgm:sp3d/>
+    <dgm:txPr/>
+    <dgm:style>
+      <a:lnRef idx="2">
+        <a:scrgbClr r="0" g="0" b="0"/>
+      </a:lnRef>
+      <a:fillRef idx="1">
+        <a:scrgbClr r="0" g="0" b="0"/>
+      </a:fillRef>
+      <a:effectRef idx="0">
+        <a:scrgbClr r="0" g="0" b="0"/>
+      </a:effectRef>
+      <a:fontRef idx="minor"/>
+    </dgm:style>
+  </dgm:styleLbl>
+  <dgm:styleLbl name="alignImgPlace1">
+    <dgm:scene3d>
+      <a:camera prst="orthographicFront"/>
+      <a:lightRig rig="threePt" dir="t"/>
+    </dgm:scene3d>
+    <dgm:sp3d/>
+    <dgm:txPr/>
+    <dgm:style>
+      <a:lnRef idx="2">
+        <a:scrgbClr r="0" g="0" b="0"/>
+      </a:lnRef>
+      <a:fillRef idx="1">
+        <a:scrgbClr r="0" g="0" b="0"/>
+      </a:fillRef>
+      <a:effectRef idx="0">
+        <a:scrgbClr r="0" g="0" b="0"/>
+      </a:effectRef>
+      <a:fontRef idx="minor"/>
+    </dgm:style>
+  </dgm:styleLbl>
+  <dgm:styleLbl name="bgImgPlace1">
+    <dgm:scene3d>
+      <a:camera prst="orthographicFront"/>
+      <a:lightRig rig="threePt" dir="t"/>
+    </dgm:scene3d>
+    <dgm:sp3d/>
+    <dgm:txPr/>
+    <dgm:style>
+      <a:lnRef idx="2">
+        <a:scrgbClr r="0" g="0" b="0"/>
+      </a:lnRef>
+      <a:fillRef idx="1">
+        <a:scrgbClr r="0" g="0" b="0"/>
+      </a:fillRef>
+      <a:effectRef idx="0">
+        <a:scrgbClr r="0" g="0" b="0"/>
+      </a:effectRef>
+      <a:fontRef idx="minor"/>
+    </dgm:style>
+  </dgm:styleLbl>
+  <dgm:styleLbl name="sibTrans2D1">
+    <dgm:scene3d>
+      <a:camera prst="orthographicFront"/>
+      <a:lightRig rig="threePt" dir="t"/>
+    </dgm:scene3d>
+    <dgm:sp3d/>
+    <dgm:txPr/>
+    <dgm:style>
+      <a:lnRef idx="0">
+        <a:scrgbClr r="0" g="0" b="0"/>
+      </a:lnRef>
+      <a:fillRef idx="1">
+        <a:scrgbClr r="0" g="0" b="0"/>
+      </a:fillRef>
+      <a:effectRef idx="0">
+        <a:scrgbClr r="0" g="0" b="0"/>
+      </a:effectRef>
+      <a:fontRef idx="minor">
+        <a:schemeClr val="lt1"/>
+      </a:fontRef>
+    </dgm:style>
+  </dgm:styleLbl>
+  <dgm:styleLbl name="fgSibTrans2D1">
+    <dgm:scene3d>
+      <a:camera prst="orthographicFront"/>
+      <a:lightRig rig="threePt" dir="t"/>
+    </dgm:scene3d>
+    <dgm:sp3d/>
+    <dgm:txPr/>
+    <dgm:style>
+      <a:lnRef idx="0">
+        <a:scrgbClr r="0" g="0" b="0"/>
+      </a:lnRef>
+      <a:fillRef idx="1">
+        <a:scrgbClr r="0" g="0" b="0"/>
+      </a:fillRef>
+      <a:effectRef idx="0">
+        <a:scrgbClr r="0" g="0" b="0"/>
+      </a:effectRef>
+      <a:fontRef idx="minor">
+        <a:schemeClr val="lt1"/>
+      </a:fontRef>
+    </dgm:style>
+  </dgm:styleLbl>
+  <dgm:styleLbl name="bgSibTrans2D1">
+    <dgm:scene3d>
+      <a:camera prst="orthographicFront"/>
+      <a:lightRig rig="threePt" dir="t"/>
+    </dgm:scene3d>
+    <dgm:sp3d/>
+    <dgm:txPr/>
+    <dgm:style>
+      <a:lnRef idx="0">
+        <a:scrgbClr r="0" g="0" b="0"/>
+      </a:lnRef>
+      <a:fillRef idx="1">
+        <a:scrgbClr r="0" g="0" b="0"/>
+      </a:fillRef>
+      <a:effectRef idx="0">
+        <a:scrgbClr r="0" g="0" b="0"/>
+      </a:effectRef>
+      <a:fontRef idx="minor">
+        <a:schemeClr val="lt1"/>
+      </a:fontRef>
+    </dgm:style>
+  </dgm:styleLbl>
+  <dgm:styleLbl name="sibTrans1D1">
+    <dgm:scene3d>
+      <a:camera prst="orthographicFront"/>
+      <a:lightRig rig="threePt" dir="t"/>
+    </dgm:scene3d>
+    <dgm:sp3d/>
+    <dgm:txPr/>
+    <dgm:style>
+      <a:lnRef idx="1">
+        <a:scrgbClr r="0" g="0" b="0"/>
+      </a:lnRef>
+      <a:fillRef idx="0">
+        <a:scrgbClr r="0" g="0" b="0"/>
+      </a:fillRef>
+      <a:effectRef idx="0">
+        <a:scrgbClr r="0" g="0" b="0"/>
+      </a:effectRef>
+      <a:fontRef idx="minor"/>
+    </dgm:style>
+  </dgm:styleLbl>
+  <dgm:styleLbl name="callout">
+    <dgm:scene3d>
+      <a:camera prst="orthographicFront"/>
+      <a:lightRig rig="threePt" dir="t"/>
+    </dgm:scene3d>
+    <dgm:sp3d/>
+    <dgm:txPr/>
+    <dgm:style>
+      <a:lnRef idx="2">
+        <a:scrgbClr r="0" g="0" b="0"/>
+      </a:lnRef>
+      <a:fillRef idx="1">
+        <a:scrgbClr r="0" g="0" b="0"/>
+      </a:fillRef>
+      <a:effectRef idx="0">
+        <a:scrgbClr r="0" g="0" b="0"/>
+      </a:effectRef>
+      <a:fontRef idx="minor"/>
+    </dgm:style>
+  </dgm:styleLbl>
+  <dgm:styleLbl name="asst0">
+    <dgm:scene3d>
+      <a:camera prst="orthographicFront"/>
+      <a:lightRig rig="threePt" dir="t"/>
+    </dgm:scene3d>
+    <dgm:sp3d/>
+    <dgm:txPr/>
+    <dgm:style>
+      <a:lnRef idx="2">
+        <a:scrgbClr r="0" g="0" b="0"/>
+      </a:lnRef>
+      <a:fillRef idx="1">
+        <a:scrgbClr r="0" g="0" b="0"/>
+      </a:fillRef>
+      <a:effectRef idx="0">
+        <a:scrgbClr r="0" g="0" b="0"/>
+      </a:effectRef>
+      <a:fontRef idx="minor">
+        <a:schemeClr val="lt1"/>
+      </a:fontRef>
+    </dgm:style>
+  </dgm:styleLbl>
+  <dgm:styleLbl name="asst1">
+    <dgm:scene3d>
+      <a:camera prst="orthographicFront"/>
+      <a:lightRig rig="threePt" dir="t"/>
+    </dgm:scene3d>
+    <dgm:sp3d/>
+    <dgm:txPr/>
+    <dgm:style>
+      <a:lnRef idx="2">
+        <a:scrgbClr r="0" g="0" b="0"/>
+      </a:lnRef>
+      <a:fillRef idx="1">
+        <a:scrgbClr r="0" g="0" b="0"/>
+      </a:fillRef>
+      <a:effectRef idx="0">
+        <a:scrgbClr r="0" g="0" b="0"/>
+      </a:effectRef>
+      <a:fontRef idx="minor">
+        <a:schemeClr val="lt1"/>
+      </a:fontRef>
+    </dgm:style>
+  </dgm:styleLbl>
+  <dgm:styleLbl name="asst2">
+    <dgm:scene3d>
+      <a:camera prst="orthographicFront"/>
+      <a:lightRig rig="threePt" dir="t"/>
+    </dgm:scene3d>
+    <dgm:sp3d/>
+    <dgm:txPr/>
+    <dgm:style>
+      <a:lnRef idx="2">
+        <a:scrgbClr r="0" g="0" b="0"/>
+      </a:lnRef>
+      <a:fillRef idx="1">
+        <a:scrgbClr r="0" g="0" b="0"/>
+      </a:fillRef>
+      <a:effectRef idx="0">
+        <a:scrgbClr r="0" g="0" b="0"/>
+      </a:effectRef>
+      <a:fontRef idx="minor">
+        <a:schemeClr val="lt1"/>
+      </a:fontRef>
+    </dgm:style>
+  </dgm:styleLbl>
+  <dgm:styleLbl name="asst3">
+    <dgm:scene3d>
+      <a:camera prst="orthographicFront"/>
+      <a:lightRig rig="threePt" dir="t"/>
+    </dgm:scene3d>
+    <dgm:sp3d/>
+    <dgm:txPr/>
+    <dgm:style>
+      <a:lnRef idx="2">
+        <a:scrgbClr r="0" g="0" b="0"/>
+      </a:lnRef>
+      <a:fillRef idx="1">
+        <a:scrgbClr r="0" g="0" b="0"/>
+      </a:fillRef>
+      <a:effectRef idx="0">
+        <a:scrgbClr r="0" g="0" b="0"/>
+      </a:effectRef>
+      <a:fontRef idx="minor">
+        <a:schemeClr val="lt1"/>
+      </a:fontRef>
+    </dgm:style>
+  </dgm:styleLbl>
+  <dgm:styleLbl name="asst4">
+    <dgm:scene3d>
+      <a:camera prst="orthographicFront"/>
+      <a:lightRig rig="threePt" dir="t"/>
+    </dgm:scene3d>
+    <dgm:sp3d/>
+    <dgm:txPr/>
+    <dgm:style>
+      <a:lnRef idx="2">
+        <a:scrgbClr r="0" g="0" b="0"/>
+      </a:lnRef>
+      <a:fillRef idx="1">
+        <a:scrgbClr r="0" g="0" b="0"/>
+      </a:fillRef>
+      <a:effectRef idx="0">
+        <a:scrgbClr r="0" g="0" b="0"/>
+      </a:effectRef>
+      <a:fontRef idx="minor">
+        <a:schemeClr val="lt1"/>
+      </a:fontRef>
+    </dgm:style>
+  </dgm:styleLbl>
+  <dgm:styleLbl name="parChTrans2D1">
+    <dgm:scene3d>
+      <a:camera prst="orthographicFront"/>
+      <a:lightRig rig="threePt" dir="t"/>
+    </dgm:scene3d>
+    <dgm:sp3d/>
+    <dgm:txPr/>
+    <dgm:style>
+      <a:lnRef idx="2">
+        <a:scrgbClr r="0" g="0" b="0"/>
+      </a:lnRef>
+      <a:fillRef idx="1">
+        <a:scrgbClr r="0" g="0" b="0"/>
+      </a:fillRef>
+      <a:effectRef idx="0">
+        <a:scrgbClr r="0" g="0" b="0"/>
+      </a:effectRef>
+      <a:fontRef idx="minor">
+        <a:schemeClr val="lt1"/>
+      </a:fontRef>
+    </dgm:style>
+  </dgm:styleLbl>
+  <dgm:styleLbl name="parChTrans2D2">
+    <dgm:scene3d>
+      <a:camera prst="orthographicFront"/>
+      <a:lightRig rig="threePt" dir="t"/>
+    </dgm:scene3d>
+    <dgm:sp3d/>
+    <dgm:txPr/>
+    <dgm:style>
+      <a:lnRef idx="2">
+        <a:scrgbClr r="0" g="0" b="0"/>
+      </a:lnRef>
+      <a:fillRef idx="1">
+        <a:scrgbClr r="0" g="0" b="0"/>
+      </a:fillRef>
+      <a:effectRef idx="0">
+        <a:scrgbClr r="0" g="0" b="0"/>
+      </a:effectRef>
+      <a:fontRef idx="minor">
+        <a:schemeClr val="lt1"/>
+      </a:fontRef>
+    </dgm:style>
+  </dgm:styleLbl>
+  <dgm:styleLbl name="parChTrans2D3">
+    <dgm:scene3d>
+      <a:camera prst="orthographicFront"/>
+      <a:lightRig rig="threePt" dir="t"/>
+    </dgm:scene3d>
+    <dgm:sp3d/>
+    <dgm:txPr/>
+    <dgm:style>
+      <a:lnRef idx="2">
+        <a:scrgbClr r="0" g="0" b="0"/>
+      </a:lnRef>
+      <a:fillRef idx="1">
+        <a:scrgbClr r="0" g="0" b="0"/>
+      </a:fillRef>
+      <a:effectRef idx="0">
+        <a:scrgbClr r="0" g="0" b="0"/>
+      </a:effectRef>
+      <a:fontRef idx="minor">
+        <a:schemeClr val="lt1"/>
+      </a:fontRef>
+    </dgm:style>
+  </dgm:styleLbl>
+  <dgm:styleLbl name="parChTrans2D4">
+    <dgm:scene3d>
+      <a:camera prst="orthographicFront"/>
+      <a:lightRig rig="threePt" dir="t"/>
+    </dgm:scene3d>
+    <dgm:sp3d/>
+    <dgm:txPr/>
+    <dgm:style>
+      <a:lnRef idx="2">
+        <a:scrgbClr r="0" g="0" b="0"/>
+      </a:lnRef>
+      <a:fillRef idx="1">
+        <a:scrgbClr r="0" g="0" b="0"/>
+      </a:fillRef>
+      <a:effectRef idx="0">
+        <a:scrgbClr r="0" g="0" b="0"/>
+      </a:effectRef>
+      <a:fontRef idx="minor">
+        <a:schemeClr val="lt1"/>
+      </a:fontRef>
+    </dgm:style>
+  </dgm:styleLbl>
+  <dgm:styleLbl name="parChTrans1D1">
+    <dgm:scene3d>
+      <a:camera prst="orthographicFront"/>
+      <a:lightRig rig="threePt" dir="t"/>
+    </dgm:scene3d>
+    <dgm:sp3d/>
+    <dgm:txPr/>
+    <dgm:style>
+      <a:lnRef idx="2">
+        <a:scrgbClr r="0" g="0" b="0"/>
+      </a:lnRef>
+      <a:fillRef idx="0">
+        <a:scrgbClr r="0" g="0" b="0"/>
+      </a:fillRef>
+      <a:effectRef idx="0">
+        <a:scrgbClr r="0" g="0" b="0"/>
+      </a:effectRef>
+      <a:fontRef idx="minor"/>
+    </dgm:style>
+  </dgm:styleLbl>
+  <dgm:styleLbl name="parChTrans1D2">
+    <dgm:scene3d>
+      <a:camera prst="orthographicFront"/>
+      <a:lightRig rig="threePt" dir="t"/>
+    </dgm:scene3d>
+    <dgm:sp3d/>
+    <dgm:txPr/>
+    <dgm:style>
+      <a:lnRef idx="2">
+        <a:scrgbClr r="0" g="0" b="0"/>
+      </a:lnRef>
+      <a:fillRef idx="0">
+        <a:scrgbClr r="0" g="0" b="0"/>
+      </a:fillRef>
+      <a:effectRef idx="0">
+        <a:scrgbClr r="0" g="0" b="0"/>
+      </a:effectRef>
+      <a:fontRef idx="minor"/>
+    </dgm:style>
+  </dgm:styleLbl>
+  <dgm:styleLbl name="parChTrans1D3">
+    <dgm:scene3d>
+      <a:camera prst="orthographicFront"/>
+      <a:lightRig rig="threePt" dir="t"/>
+    </dgm:scene3d>
+    <dgm:sp3d/>
+    <dgm:txPr/>
+    <dgm:style>
+      <a:lnRef idx="2">
+        <a:scrgbClr r="0" g="0" b="0"/>
+      </a:lnRef>
+      <a:fillRef idx="0">
+        <a:scrgbClr r="0" g="0" b="0"/>
+      </a:fillRef>
+      <a:effectRef idx="0">
+        <a:scrgbClr r="0" g="0" b="0"/>
+      </a:effectRef>
+      <a:fontRef idx="minor"/>
+    </dgm:style>
+  </dgm:styleLbl>
+  <dgm:styleLbl name="parChTrans1D4">
+    <dgm:scene3d>
+      <a:camera prst="orthographicFront"/>
+      <a:lightRig rig="threePt" dir="t"/>
+    </dgm:scene3d>
+    <dgm:sp3d/>
+    <dgm:txPr/>
+    <dgm:style>
+      <a:lnRef idx="2">
+        <a:scrgbClr r="0" g="0" b="0"/>
+      </a:lnRef>
+      <a:fillRef idx="0">
+        <a:scrgbClr r="0" g="0" b="0"/>
+      </a:fillRef>
+      <a:effectRef idx="0">
+        <a:scrgbClr r="0" g="0" b="0"/>
+      </a:effectRef>
+      <a:fontRef idx="minor"/>
+    </dgm:style>
+  </dgm:styleLbl>
+  <dgm:styleLbl name="fgAcc1">
+    <dgm:scene3d>
+      <a:camera prst="orthographicFront"/>
+      <a:lightRig rig="threePt" dir="t"/>
+    </dgm:scene3d>
+    <dgm:sp3d/>
+    <dgm:txPr/>
+    <dgm:style>
+      <a:lnRef idx="2">
+        <a:scrgbClr r="0" g="0" b="0"/>
+      </a:lnRef>
+      <a:fillRef idx="1">
+        <a:scrgbClr r="0" g="0" b="0"/>
+      </a:fillRef>
+      <a:effectRef idx="0">
+        <a:scrgbClr r="0" g="0" b="0"/>
+      </a:effectRef>
+      <a:fontRef idx="minor"/>
+    </dgm:style>
+  </dgm:styleLbl>
+  <dgm:styleLbl name="conFgAcc1">
+    <dgm:scene3d>
+      <a:camera prst="orthographicFront"/>
+      <a:lightRig rig="threePt" dir="t"/>
+    </dgm:scene3d>
+    <dgm:sp3d/>
+    <dgm:txPr/>
+    <dgm:style>
+      <a:lnRef idx="2">
+        <a:scrgbClr r="0" g="0" b="0"/>
+      </a:lnRef>
+      <a:fillRef idx="1">
+        <a:scrgbClr r="0" g="0" b="0"/>
+      </a:fillRef>
+      <a:effectRef idx="0">
+        <a:scrgbClr r="0" g="0" b="0"/>
+      </a:effectRef>
+      <a:fontRef idx="minor"/>
+    </dgm:style>
+  </dgm:styleLbl>
+  <dgm:styleLbl name="alignAcc1">
+    <dgm:scene3d>
+      <a:camera prst="orthographicFront"/>
+      <a:lightRig rig="threePt" dir="t"/>
+    </dgm:scene3d>
+    <dgm:sp3d/>
+    <dgm:txPr/>
+    <dgm:style>
+      <a:lnRef idx="2">
+        <a:scrgbClr r="0" g="0" b="0"/>
+      </a:lnRef>
+      <a:fillRef idx="1">
+        <a:scrgbClr r="0" g="0" b="0"/>
+      </a:fillRef>
+      <a:effectRef idx="0">
+        <a:scrgbClr r="0" g="0" b="0"/>
+      </a:effectRef>
+      <a:fontRef idx="minor"/>
+    </dgm:style>
+  </dgm:styleLbl>
+  <dgm:styleLbl name="trAlignAcc1">
+    <dgm:scene3d>
+      <a:camera prst="orthographicFront"/>
+      <a:lightRig rig="threePt" dir="t"/>
+    </dgm:scene3d>
+    <dgm:sp3d/>
+    <dgm:txPr/>
+    <dgm:style>
+      <a:lnRef idx="1">
+        <a:scrgbClr r="0" g="0" b="0"/>
+      </a:lnRef>
+      <a:fillRef idx="1">
+        <a:scrgbClr r="0" g="0" b="0"/>
+      </a:fillRef>
+      <a:effectRef idx="0">
+        <a:scrgbClr r="0" g="0" b="0"/>
+      </a:effectRef>
+      <a:fontRef idx="minor"/>
+    </dgm:style>
+  </dgm:styleLbl>
+  <dgm:styleLbl name="bgAcc1">
+    <dgm:scene3d>
+      <a:camera prst="orthographicFront"/>
+      <a:lightRig rig="threePt" dir="t"/>
+    </dgm:scene3d>
+    <dgm:sp3d/>
+    <dgm:txPr/>
+    <dgm:style>
+      <a:lnRef idx="2">
+        <a:scrgbClr r="0" g="0" b="0"/>
+      </a:lnRef>
+      <a:fillRef idx="1">
+        <a:scrgbClr r="0" g="0" b="0"/>
+      </a:fillRef>
+      <a:effectRef idx="0">
+        <a:scrgbClr r="0" g="0" b="0"/>
+      </a:effectRef>
+      <a:fontRef idx="minor"/>
+    </dgm:style>
+  </dgm:styleLbl>
+  <dgm:styleLbl name="solidFgAcc1">
+    <dgm:scene3d>
+      <a:camera prst="orthographicFront"/>
+      <a:lightRig rig="threePt" dir="t"/>
+    </dgm:scene3d>
+    <dgm:sp3d/>
+    <dgm:txPr/>
+    <dgm:style>
+      <a:lnRef idx="2">
+        <a:scrgbClr r="0" g="0" b="0"/>
+      </a:lnRef>
+      <a:fillRef idx="1">
+        <a:scrgbClr r="0" g="0" b="0"/>
+      </a:fillRef>
+      <a:effectRef idx="0">
+        <a:scrgbClr r="0" g="0" b="0"/>
+      </a:effectRef>
+      <a:fontRef idx="minor"/>
+    </dgm:style>
+  </dgm:styleLbl>
+  <dgm:styleLbl name="solidAlignAcc1">
+    <dgm:scene3d>
+      <a:camera prst="orthographicFront"/>
+      <a:lightRig rig="threePt" dir="t"/>
+    </dgm:scene3d>
+    <dgm:sp3d/>
+    <dgm:txPr/>
+    <dgm:style>
+      <a:lnRef idx="2">
+        <a:scrgbClr r="0" g="0" b="0"/>
+      </a:lnRef>
+      <a:fillRef idx="1">
+        <a:scrgbClr r="0" g="0" b="0"/>
+      </a:fillRef>
+      <a:effectRef idx="0">
+        <a:scrgbClr r="0" g="0" b="0"/>
+      </a:effectRef>
+      <a:fontRef idx="minor"/>
+    </dgm:style>
+  </dgm:styleLbl>
+  <dgm:styleLbl name="solidBgAcc1">
+    <dgm:scene3d>
+      <a:camera prst="orthographicFront"/>
+      <a:lightRig rig="threePt" dir="t"/>
+    </dgm:scene3d>
+    <dgm:sp3d/>
+    <dgm:txPr/>
+    <dgm:style>
+      <a:lnRef idx="2">
+        <a:scrgbClr r="0" g="0" b="0"/>
+      </a:lnRef>
+      <a:fillRef idx="1">
+        <a:scrgbClr r="0" g="0" b="0"/>
+      </a:fillRef>
+      <a:effectRef idx="0">
+        <a:scrgbClr r="0" g="0" b="0"/>
+      </a:effectRef>
+      <a:fontRef idx="minor"/>
+    </dgm:style>
+  </dgm:styleLbl>
+  <dgm:styleLbl name="fgAccFollowNode1">
+    <dgm:scene3d>
+      <a:camera prst="orthographicFront"/>
+      <a:lightRig rig="threePt" dir="t"/>
+    </dgm:scene3d>
+    <dgm:sp3d/>
+    <dgm:txPr/>
+    <dgm:style>
+      <a:lnRef idx="2">
+        <a:scrgbClr r="0" g="0" b="0"/>
+      </a:lnRef>
+      <a:fillRef idx="1">
+        <a:scrgbClr r="0" g="0" b="0"/>
+      </a:fillRef>
+      <a:effectRef idx="0">
+        <a:scrgbClr r="0" g="0" b="0"/>
+      </a:effectRef>
+      <a:fontRef idx="minor"/>
+    </dgm:style>
+  </dgm:styleLbl>
+  <dgm:styleLbl name="alignAccFollowNode1">
+    <dgm:scene3d>
+      <a:camera prst="orthographicFront"/>
+      <a:lightRig rig="threePt" dir="t"/>
+    </dgm:scene3d>
+    <dgm:sp3d/>
+    <dgm:txPr/>
+    <dgm:style>
+      <a:lnRef idx="2">
+        <a:scrgbClr r="0" g="0" b="0"/>
+      </a:lnRef>
+      <a:fillRef idx="1">
+        <a:scrgbClr r="0" g="0" b="0"/>
+      </a:fillRef>
+      <a:effectRef idx="0">
+        <a:scrgbClr r="0" g="0" b="0"/>
+      </a:effectRef>
+      <a:fontRef idx="minor"/>
+    </dgm:style>
+  </dgm:styleLbl>
+  <dgm:styleLbl name="bgAccFollowNode1">
+    <dgm:scene3d>
+      <a:camera prst="orthographicFront"/>
+      <a:lightRig rig="threePt" dir="t"/>
+    </dgm:scene3d>
+    <dgm:sp3d/>
+    <dgm:txPr/>
+    <dgm:style>
+      <a:lnRef idx="2">
+        <a:scrgbClr r="0" g="0" b="0"/>
+      </a:lnRef>
+      <a:fillRef idx="1">
+        <a:scrgbClr r="0" g="0" b="0"/>
+      </a:fillRef>
+      <a:effectRef idx="0">
+        <a:scrgbClr r="0" g="0" b="0"/>
+      </a:effectRef>
+      <a:fontRef idx="minor"/>
+    </dgm:style>
+  </dgm:styleLbl>
+  <dgm:styleLbl name="fgAcc0">
+    <dgm:scene3d>
+      <a:camera prst="orthographicFront"/>
+      <a:lightRig rig="threePt" dir="t"/>
+    </dgm:scene3d>
+    <dgm:sp3d/>
+    <dgm:txPr/>
+    <dgm:style>
+      <a:lnRef idx="2">
+        <a:scrgbClr r="0" g="0" b="0"/>
+      </a:lnRef>
+      <a:fillRef idx="1">
+        <a:scrgbClr r="0" g="0" b="0"/>
+      </a:fillRef>
+      <a:effectRef idx="0">
+        <a:scrgbClr r="0" g="0" b="0"/>
+      </a:effectRef>
+      <a:fontRef idx="minor"/>
+    </dgm:style>
+  </dgm:styleLbl>
+  <dgm:styleLbl name="fgAcc2">
+    <dgm:scene3d>
+      <a:camera prst="orthographicFront"/>
+      <a:lightRig rig="threePt" dir="t"/>
+    </dgm:scene3d>
+    <dgm:sp3d/>
+    <dgm:txPr/>
+    <dgm:style>
+      <a:lnRef idx="2">
+        <a:scrgbClr r="0" g="0" b="0"/>
+      </a:lnRef>
+      <a:fillRef idx="1">
+        <a:scrgbClr r="0" g="0" b="0"/>
+      </a:fillRef>
+      <a:effectRef idx="0">
+        <a:scrgbClr r="0" g="0" b="0"/>
+      </a:effectRef>
+      <a:fontRef idx="minor"/>
+    </dgm:style>
+  </dgm:styleLbl>
+  <dgm:styleLbl name="fgAcc3">
+    <dgm:scene3d>
+      <a:camera prst="orthographicFront"/>
+      <a:lightRig rig="threePt" dir="t"/>
+    </dgm:scene3d>
+    <dgm:sp3d/>
+    <dgm:txPr/>
+    <dgm:style>
+      <a:lnRef idx="2">
+        <a:scrgbClr r="0" g="0" b="0"/>
+      </a:lnRef>
+      <a:fillRef idx="1">
+        <a:scrgbClr r="0" g="0" b="0"/>
+      </a:fillRef>
+      <a:effectRef idx="0">
+        <a:scrgbClr r="0" g="0" b="0"/>
+      </a:effectRef>
+      <a:fontRef idx="minor"/>
+    </dgm:style>
+  </dgm:styleLbl>
+  <dgm:styleLbl name="fgAcc4">
+    <dgm:scene3d>
+      <a:camera prst="orthographicFront"/>
+      <a:lightRig rig="threePt" dir="t"/>
+    </dgm:scene3d>
+    <dgm:sp3d/>
+    <dgm:txPr/>
+    <dgm:style>
+      <a:lnRef idx="2">
+        <a:scrgbClr r="0" g="0" b="0"/>
+      </a:lnRef>
+      <a:fillRef idx="1">
+        <a:scrgbClr r="0" g="0" b="0"/>
+      </a:fillRef>
+      <a:effectRef idx="0">
+        <a:scrgbClr r="0" g="0" b="0"/>
+      </a:effectRef>
+      <a:fontRef idx="minor"/>
+    </dgm:style>
+  </dgm:styleLbl>
+  <dgm:styleLbl name="bgShp">
+    <dgm:scene3d>
+      <a:camera prst="orthographicFront"/>
+      <a:lightRig rig="threePt" dir="t"/>
+    </dgm:scene3d>
+    <dgm:sp3d/>
+    <dgm:txPr/>
+    <dgm:style>
+      <a:lnRef idx="0">
+        <a:scrgbClr r="0" g="0" b="0"/>
+      </a:lnRef>
+      <a:fillRef idx="1">
+        <a:scrgbClr r="0" g="0" b="0"/>
+      </a:fillRef>
+      <a:effectRef idx="0">
+        <a:scrgbClr r="0" g="0" b="0"/>
+      </a:effectRef>
+      <a:fontRef idx="minor"/>
+    </dgm:style>
+  </dgm:styleLbl>
+  <dgm:styleLbl name="dkBgShp">
+    <dgm:scene3d>
+      <a:camera prst="orthographicFront"/>
+      <a:lightRig rig="threePt" dir="t"/>
+    </dgm:scene3d>
+    <dgm:sp3d/>
+    <dgm:txPr/>
+    <dgm:style>
+      <a:lnRef idx="0">
+        <a:scrgbClr r="0" g="0" b="0"/>
+      </a:lnRef>
+      <a:fillRef idx="1">
+        <a:scrgbClr r="0" g="0" b="0"/>
+      </a:fillRef>
+      <a:effectRef idx="0">
+        <a:scrgbClr r="0" g="0" b="0"/>
+      </a:effectRef>
+      <a:fontRef idx="minor"/>
+    </dgm:style>
+  </dgm:styleLbl>
+  <dgm:styleLbl name="trBgShp">
+    <dgm:scene3d>
+      <a:camera prst="orthographicFront"/>
+      <a:lightRig rig="threePt" dir="t"/>
+    </dgm:scene3d>
+    <dgm:sp3d/>
+    <dgm:txPr/>
+    <dgm:style>
+      <a:lnRef idx="0">
+        <a:scrgbClr r="0" g="0" b="0"/>
+      </a:lnRef>
+      <a:fillRef idx="1">
+        <a:scrgbClr r="0" g="0" b="0"/>
+      </a:fillRef>
+      <a:effectRef idx="0">
+        <a:scrgbClr r="0" g="0" b="0"/>
+      </a:effectRef>
+      <a:fontRef idx="minor"/>
+    </dgm:style>
+  </dgm:styleLbl>
+  <dgm:styleLbl name="fgShp">
+    <dgm:scene3d>
+      <a:camera prst="orthographicFront"/>
+      <a:lightRig rig="threePt" dir="t"/>
+    </dgm:scene3d>
+    <dgm:sp3d/>
+    <dgm:txPr/>
+    <dgm:style>
+      <a:lnRef idx="2">
+        <a:scrgbClr r="0" g="0" b="0"/>
+      </a:lnRef>
+      <a:fillRef idx="1">
+        <a:scrgbClr r="0" g="0" b="0"/>
+      </a:fillRef>
+      <a:effectRef idx="0">
+        <a:scrgbClr r="0" g="0" b="0"/>
+      </a:effectRef>
+      <a:fontRef idx="minor"/>
+    </dgm:style>
+  </dgm:styleLbl>
+  <dgm:styleLbl name="revTx">
+    <dgm:scene3d>
+      <a:camera prst="orthographicFront"/>
+      <a:lightRig rig="threePt" dir="t"/>
+    </dgm:scene3d>
+    <dgm:sp3d/>
+    <dgm:txPr/>
+    <dgm:style>
+      <a:lnRef idx="0">
+        <a:scrgbClr r="0" g="0" b="0"/>
+      </a:lnRef>
+      <a:fillRef idx="0">
+        <a:scrgbClr r="0" g="0" b="0"/>
+      </a:fillRef>
+      <a:effectRef idx="0">
+        <a:scrgbClr r="0" g="0" b="0"/>
+      </a:effectRef>
+      <a:fontRef idx="minor"/>
+    </dgm:style>
+  </dgm:styleLbl>
+</dgm:styleDef>
+</file>
+
+<file path=ppt/diagrams/quickStyle2.xml><?xml version="1.0" encoding="utf-8"?>
+<dgm:styleDef xmlns:dgm="http://schemas.openxmlformats.org/drawingml/2006/diagram" xmlns:a="http://schemas.openxmlformats.org/drawingml/2006/main" uniqueId="urn:microsoft.com/office/officeart/2005/8/quickstyle/simple1">
+  <dgm:title val=""/>
+  <dgm:desc val=""/>
+  <dgm:catLst>
+    <dgm:cat type="simple" pri="10100"/>
+  </dgm:catLst>
+  <dgm:scene3d>
+    <a:camera prst="orthographicFront"/>
+    <a:lightRig rig="threePt" dir="t"/>
+  </dgm:scene3d>
+  <dgm:styleLbl name="node0">
+    <dgm:scene3d>
+      <a:camera prst="orthographicFront"/>
+      <a:lightRig rig="threePt" dir="t"/>
+    </dgm:scene3d>
+    <dgm:sp3d/>
+    <dgm:txPr/>
+    <dgm:style>
+      <a:lnRef idx="2">
+        <a:scrgbClr r="0" g="0" b="0"/>
+      </a:lnRef>
+      <a:fillRef idx="1">
+        <a:scrgbClr r="0" g="0" b="0"/>
+      </a:fillRef>
+      <a:effectRef idx="0">
+        <a:scrgbClr r="0" g="0" b="0"/>
+      </a:effectRef>
+      <a:fontRef idx="minor">
+        <a:schemeClr val="lt1"/>
+      </a:fontRef>
+    </dgm:style>
+  </dgm:styleLbl>
+  <dgm:styleLbl name="lnNode1">
+    <dgm:scene3d>
+      <a:camera prst="orthographicFront"/>
+      <a:lightRig rig="threePt" dir="t"/>
+    </dgm:scene3d>
+    <dgm:sp3d/>
+    <dgm:txPr/>
+    <dgm:style>
+      <a:lnRef idx="2">
+        <a:scrgbClr r="0" g="0" b="0"/>
+      </a:lnRef>
+      <a:fillRef idx="1">
+        <a:scrgbClr r="0" g="0" b="0"/>
+      </a:fillRef>
+      <a:effectRef idx="0">
+        <a:scrgbClr r="0" g="0" b="0"/>
+      </a:effectRef>
+      <a:fontRef idx="minor">
+        <a:schemeClr val="lt1"/>
+      </a:fontRef>
+    </dgm:style>
+  </dgm:styleLbl>
+  <dgm:styleLbl name="vennNode1">
+    <dgm:scene3d>
+      <a:camera prst="orthographicFront"/>
+      <a:lightRig rig="threePt" dir="t"/>
+    </dgm:scene3d>
+    <dgm:sp3d/>
+    <dgm:txPr/>
+    <dgm:style>
+      <a:lnRef idx="2">
+        <a:scrgbClr r="0" g="0" b="0"/>
+      </a:lnRef>
+      <a:fillRef idx="1">
+        <a:scrgbClr r="0" g="0" b="0"/>
+      </a:fillRef>
+      <a:effectRef idx="0">
+        <a:scrgbClr r="0" g="0" b="0"/>
+      </a:effectRef>
+      <a:fontRef idx="minor">
+        <a:schemeClr val="tx1"/>
+      </a:fontRef>
+    </dgm:style>
+  </dgm:styleLbl>
+  <dgm:styleLbl name="alignNode1">
+    <dgm:scene3d>
+      <a:camera prst="orthographicFront"/>
+      <a:lightRig rig="threePt" dir="t"/>
+    </dgm:scene3d>
+    <dgm:sp3d/>
+    <dgm:txPr/>
+    <dgm:style>
+      <a:lnRef idx="2">
+        <a:scrgbClr r="0" g="0" b="0"/>
+      </a:lnRef>
+      <a:fillRef idx="1">
+        <a:scrgbClr r="0" g="0" b="0"/>
+      </a:fillRef>
+      <a:effectRef idx="0">
+        <a:scrgbClr r="0" g="0" b="0"/>
+      </a:effectRef>
+      <a:fontRef idx="minor">
+        <a:schemeClr val="lt1"/>
+      </a:fontRef>
+    </dgm:style>
+  </dgm:styleLbl>
+  <dgm:styleLbl name="node1">
+    <dgm:scene3d>
+      <a:camera prst="orthographicFront"/>
+      <a:lightRig rig="threePt" dir="t"/>
+    </dgm:scene3d>
+    <dgm:sp3d/>
+    <dgm:txPr/>
+    <dgm:style>
+      <a:lnRef idx="2">
+        <a:scrgbClr r="0" g="0" b="0"/>
+      </a:lnRef>
+      <a:fillRef idx="1">
+        <a:scrgbClr r="0" g="0" b="0"/>
+      </a:fillRef>
+      <a:effectRef idx="0">
+        <a:scrgbClr r="0" g="0" b="0"/>
+      </a:effectRef>
+      <a:fontRef idx="minor">
+        <a:schemeClr val="lt1"/>
+      </a:fontRef>
+    </dgm:style>
+  </dgm:styleLbl>
+  <dgm:styleLbl name="node2">
+    <dgm:scene3d>
+      <a:camera prst="orthographicFront"/>
+      <a:lightRig rig="threePt" dir="t"/>
+    </dgm:scene3d>
+    <dgm:sp3d/>
+    <dgm:txPr/>
+    <dgm:style>
+      <a:lnRef idx="2">
+        <a:scrgbClr r="0" g="0" b="0"/>
+      </a:lnRef>
+      <a:fillRef idx="1">
+        <a:scrgbClr r="0" g="0" b="0"/>
+      </a:fillRef>
+      <a:effectRef idx="0">
+        <a:scrgbClr r="0" g="0" b="0"/>
+      </a:effectRef>
+      <a:fontRef idx="minor">
+        <a:schemeClr val="lt1"/>
+      </a:fontRef>
+    </dgm:style>
+  </dgm:styleLbl>
+  <dgm:styleLbl name="node3">
+    <dgm:scene3d>
+      <a:camera prst="orthographicFront"/>
+      <a:lightRig rig="threePt" dir="t"/>
+    </dgm:scene3d>
+    <dgm:sp3d/>
+    <dgm:txPr/>
+    <dgm:style>
+      <a:lnRef idx="2">
+        <a:scrgbClr r="0" g="0" b="0"/>
+      </a:lnRef>
+      <a:fillRef idx="1">
+        <a:scrgbClr r="0" g="0" b="0"/>
+      </a:fillRef>
+      <a:effectRef idx="0">
+        <a:scrgbClr r="0" g="0" b="0"/>
+      </a:effectRef>
+      <a:fontRef idx="minor">
+        <a:schemeClr val="lt1"/>
+      </a:fontRef>
+    </dgm:style>
+  </dgm:styleLbl>
+  <dgm:styleLbl name="node4">
+    <dgm:scene3d>
+      <a:camera prst="orthographicFront"/>
+      <a:lightRig rig="threePt" dir="t"/>
+    </dgm:scene3d>
+    <dgm:sp3d/>
+    <dgm:txPr/>
+    <dgm:style>
+      <a:lnRef idx="2">
+        <a:scrgbClr r="0" g="0" b="0"/>
+      </a:lnRef>
+      <a:fillRef idx="1">
+        <a:scrgbClr r="0" g="0" b="0"/>
+      </a:fillRef>
+      <a:effectRef idx="0">
+        <a:scrgbClr r="0" g="0" b="0"/>
+      </a:effectRef>
+      <a:fontRef idx="minor">
+        <a:schemeClr val="lt1"/>
+      </a:fontRef>
+    </dgm:style>
+  </dgm:styleLbl>
+  <dgm:styleLbl name="fgImgPlace1">
+    <dgm:scene3d>
+      <a:camera prst="orthographicFront"/>
+      <a:lightRig rig="threePt" dir="t"/>
+    </dgm:scene3d>
+    <dgm:sp3d/>
+    <dgm:txPr/>
+    <dgm:style>
+      <a:lnRef idx="2">
+        <a:scrgbClr r="0" g="0" b="0"/>
+      </a:lnRef>
+      <a:fillRef idx="1">
+        <a:scrgbClr r="0" g="0" b="0"/>
+      </a:fillRef>
+      <a:effectRef idx="0">
+        <a:scrgbClr r="0" g="0" b="0"/>
+      </a:effectRef>
+      <a:fontRef idx="minor"/>
+    </dgm:style>
+  </dgm:styleLbl>
+  <dgm:styleLbl name="alignImgPlace1">
+    <dgm:scene3d>
+      <a:camera prst="orthographicFront"/>
+      <a:lightRig rig="threePt" dir="t"/>
+    </dgm:scene3d>
+    <dgm:sp3d/>
+    <dgm:txPr/>
+    <dgm:style>
+      <a:lnRef idx="2">
+        <a:scrgbClr r="0" g="0" b="0"/>
+      </a:lnRef>
+      <a:fillRef idx="1">
+        <a:scrgbClr r="0" g="0" b="0"/>
+      </a:fillRef>
+      <a:effectRef idx="0">
+        <a:scrgbClr r="0" g="0" b="0"/>
+      </a:effectRef>
+      <a:fontRef idx="minor"/>
+    </dgm:style>
+  </dgm:styleLbl>
+  <dgm:styleLbl name="bgImgPlace1">
+    <dgm:scene3d>
+      <a:camera prst="orthographicFront"/>
+      <a:lightRig rig="threePt" dir="t"/>
+    </dgm:scene3d>
+    <dgm:sp3d/>
+    <dgm:txPr/>
+    <dgm:style>
+      <a:lnRef idx="2">
+        <a:scrgbClr r="0" g="0" b="0"/>
+      </a:lnRef>
+      <a:fillRef idx="1">
+        <a:scrgbClr r="0" g="0" b="0"/>
+      </a:fillRef>
+      <a:effectRef idx="0">
+        <a:scrgbClr r="0" g="0" b="0"/>
+      </a:effectRef>
+      <a:fontRef idx="minor"/>
+    </dgm:style>
+  </dgm:styleLbl>
+  <dgm:styleLbl name="sibTrans2D1">
+    <dgm:scene3d>
+      <a:camera prst="orthographicFront"/>
+      <a:lightRig rig="threePt" dir="t"/>
+    </dgm:scene3d>
+    <dgm:sp3d/>
+    <dgm:txPr/>
+    <dgm:style>
+      <a:lnRef idx="0">
+        <a:scrgbClr r="0" g="0" b="0"/>
+      </a:lnRef>
+      <a:fillRef idx="1">
+        <a:scrgbClr r="0" g="0" b="0"/>
+      </a:fillRef>
+      <a:effectRef idx="0">
+        <a:scrgbClr r="0" g="0" b="0"/>
+      </a:effectRef>
+      <a:fontRef idx="minor">
+        <a:schemeClr val="lt1"/>
+      </a:fontRef>
+    </dgm:style>
+  </dgm:styleLbl>
+  <dgm:styleLbl name="fgSibTrans2D1">
+    <dgm:scene3d>
+      <a:camera prst="orthographicFront"/>
+      <a:lightRig rig="threePt" dir="t"/>
+    </dgm:scene3d>
+    <dgm:sp3d/>
+    <dgm:txPr/>
+    <dgm:style>
+      <a:lnRef idx="0">
+        <a:scrgbClr r="0" g="0" b="0"/>
+      </a:lnRef>
+      <a:fillRef idx="1">
+        <a:scrgbClr r="0" g="0" b="0"/>
+      </a:fillRef>
+      <a:effectRef idx="0">
+        <a:scrgbClr r="0" g="0" b="0"/>
+      </a:effectRef>
+      <a:fontRef idx="minor">
+        <a:schemeClr val="lt1"/>
+      </a:fontRef>
+    </dgm:style>
+  </dgm:styleLbl>
+  <dgm:styleLbl name="bgSibTrans2D1">
+    <dgm:scene3d>
+      <a:camera prst="orthographicFront"/>
+      <a:lightRig rig="threePt" dir="t"/>
+    </dgm:scene3d>
+    <dgm:sp3d/>
+    <dgm:txPr/>
+    <dgm:style>
+      <a:lnRef idx="0">
+        <a:scrgbClr r="0" g="0" b="0"/>
+      </a:lnRef>
+      <a:fillRef idx="1">
+        <a:scrgbClr r="0" g="0" b="0"/>
+      </a:fillRef>
+      <a:effectRef idx="0">
+        <a:scrgbClr r="0" g="0" b="0"/>
+      </a:effectRef>
+      <a:fontRef idx="minor">
+        <a:schemeClr val="lt1"/>
+      </a:fontRef>
+    </dgm:style>
+  </dgm:styleLbl>
+  <dgm:styleLbl name="sibTrans1D1">
+    <dgm:scene3d>
+      <a:camera prst="orthographicFront"/>
+      <a:lightRig rig="threePt" dir="t"/>
+    </dgm:scene3d>
+    <dgm:sp3d/>
+    <dgm:txPr/>
+    <dgm:style>
+      <a:lnRef idx="1">
+        <a:scrgbClr r="0" g="0" b="0"/>
+      </a:lnRef>
+      <a:fillRef idx="0">
+        <a:scrgbClr r="0" g="0" b="0"/>
+      </a:fillRef>
+      <a:effectRef idx="0">
+        <a:scrgbClr r="0" g="0" b="0"/>
+      </a:effectRef>
+      <a:fontRef idx="minor"/>
+    </dgm:style>
+  </dgm:styleLbl>
+  <dgm:styleLbl name="callout">
+    <dgm:scene3d>
+      <a:camera prst="orthographicFront"/>
+      <a:lightRig rig="threePt" dir="t"/>
+    </dgm:scene3d>
+    <dgm:sp3d/>
+    <dgm:txPr/>
+    <dgm:style>
+      <a:lnRef idx="2">
+        <a:scrgbClr r="0" g="0" b="0"/>
+      </a:lnRef>
+      <a:fillRef idx="1">
+        <a:scrgbClr r="0" g="0" b="0"/>
+      </a:fillRef>
+      <a:effectRef idx="0">
+        <a:scrgbClr r="0" g="0" b="0"/>
+      </a:effectRef>
+      <a:fontRef idx="minor"/>
+    </dgm:style>
+  </dgm:styleLbl>
+  <dgm:styleLbl name="asst0">
+    <dgm:scene3d>
+      <a:camera prst="orthographicFront"/>
+      <a:lightRig rig="threePt" dir="t"/>
+    </dgm:scene3d>
+    <dgm:sp3d/>
+    <dgm:txPr/>
+    <dgm:style>
+      <a:lnRef idx="2">
+        <a:scrgbClr r="0" g="0" b="0"/>
+      </a:lnRef>
+      <a:fillRef idx="1">
+        <a:scrgbClr r="0" g="0" b="0"/>
+      </a:fillRef>
+      <a:effectRef idx="0">
+        <a:scrgbClr r="0" g="0" b="0"/>
+      </a:effectRef>
+      <a:fontRef idx="minor">
+        <a:schemeClr val="lt1"/>
+      </a:fontRef>
+    </dgm:style>
+  </dgm:styleLbl>
+  <dgm:styleLbl name="asst1">
+    <dgm:scene3d>
+      <a:camera prst="orthographicFront"/>
+      <a:lightRig rig="threePt" dir="t"/>
+    </dgm:scene3d>
+    <dgm:sp3d/>
+    <dgm:txPr/>
+    <dgm:style>
+      <a:lnRef idx="2">
+        <a:scrgbClr r="0" g="0" b="0"/>
+      </a:lnRef>
+      <a:fillRef idx="1">
+        <a:scrgbClr r="0" g="0" b="0"/>
+      </a:fillRef>
+      <a:effectRef idx="0">
+        <a:scrgbClr r="0" g="0" b="0"/>
+      </a:effectRef>
+      <a:fontRef idx="minor">
+        <a:schemeClr val="lt1"/>
+      </a:fontRef>
+    </dgm:style>
+  </dgm:styleLbl>
+  <dgm:styleLbl name="asst2">
+    <dgm:scene3d>
+      <a:camera prst="orthographicFront"/>
+      <a:lightRig rig="threePt" dir="t"/>
+    </dgm:scene3d>
+    <dgm:sp3d/>
+    <dgm:txPr/>
+    <dgm:style>
+      <a:lnRef idx="2">
+        <a:scrgbClr r="0" g="0" b="0"/>
+      </a:lnRef>
+      <a:fillRef idx="1">
+        <a:scrgbClr r="0" g="0" b="0"/>
+      </a:fillRef>
+      <a:effectRef idx="0">
+        <a:scrgbClr r="0" g="0" b="0"/>
+      </a:effectRef>
+      <a:fontRef idx="minor">
+        <a:schemeClr val="lt1"/>
+      </a:fontRef>
+    </dgm:style>
+  </dgm:styleLbl>
+  <dgm:styleLbl name="asst3">
+    <dgm:scene3d>
+      <a:camera prst="orthographicFront"/>
+      <a:lightRig rig="threePt" dir="t"/>
+    </dgm:scene3d>
+    <dgm:sp3d/>
+    <dgm:txPr/>
+    <dgm:style>
+      <a:lnRef idx="2">
+        <a:scrgbClr r="0" g="0" b="0"/>
+      </a:lnRef>
+      <a:fillRef idx="1">
+        <a:scrgbClr r="0" g="0" b="0"/>
+      </a:fillRef>
+      <a:effectRef idx="0">
+        <a:scrgbClr r="0" g="0" b="0"/>
+      </a:effectRef>
+      <a:fontRef idx="minor">
+        <a:schemeClr val="lt1"/>
+      </a:fontRef>
+    </dgm:style>
+  </dgm:styleLbl>
+  <dgm:styleLbl name="asst4">
+    <dgm:scene3d>
+      <a:camera prst="orthographicFront"/>
+      <a:lightRig rig="threePt" dir="t"/>
+    </dgm:scene3d>
+    <dgm:sp3d/>
+    <dgm:txPr/>
+    <dgm:style>
+      <a:lnRef idx="2">
+        <a:scrgbClr r="0" g="0" b="0"/>
+      </a:lnRef>
+      <a:fillRef idx="1">
+        <a:scrgbClr r="0" g="0" b="0"/>
+      </a:fillRef>
+      <a:effectRef idx="0">
+        <a:scrgbClr r="0" g="0" b="0"/>
+      </a:effectRef>
+      <a:fontRef idx="minor">
+        <a:schemeClr val="lt1"/>
+      </a:fontRef>
+    </dgm:style>
+  </dgm:styleLbl>
+  <dgm:styleLbl name="parChTrans2D1">
+    <dgm:scene3d>
+      <a:camera prst="orthographicFront"/>
+      <a:lightRig rig="threePt" dir="t"/>
+    </dgm:scene3d>
+    <dgm:sp3d/>
+    <dgm:txPr/>
+    <dgm:style>
+      <a:lnRef idx="2">
+        <a:scrgbClr r="0" g="0" b="0"/>
+      </a:lnRef>
+      <a:fillRef idx="1">
+        <a:scrgbClr r="0" g="0" b="0"/>
+      </a:fillRef>
+      <a:effectRef idx="0">
+        <a:scrgbClr r="0" g="0" b="0"/>
+      </a:effectRef>
+      <a:fontRef idx="minor">
+        <a:schemeClr val="lt1"/>
+      </a:fontRef>
+    </dgm:style>
+  </dgm:styleLbl>
+  <dgm:styleLbl name="parChTrans2D2">
+    <dgm:scene3d>
+      <a:camera prst="orthographicFront"/>
+      <a:lightRig rig="threePt" dir="t"/>
+    </dgm:scene3d>
+    <dgm:sp3d/>
+    <dgm:txPr/>
+    <dgm:style>
+      <a:lnRef idx="2">
+        <a:scrgbClr r="0" g="0" b="0"/>
+      </a:lnRef>
+      <a:fillRef idx="1">
+        <a:scrgbClr r="0" g="0" b="0"/>
+      </a:fillRef>
+      <a:effectRef idx="0">
+        <a:scrgbClr r="0" g="0" b="0"/>
+      </a:effectRef>
+      <a:fontRef idx="minor">
+        <a:schemeClr val="lt1"/>
+      </a:fontRef>
+    </dgm:style>
+  </dgm:styleLbl>
+  <dgm:styleLbl name="parChTrans2D3">
+    <dgm:scene3d>
+      <a:camera prst="orthographicFront"/>
+      <a:lightRig rig="threePt" dir="t"/>
+    </dgm:scene3d>
+    <dgm:sp3d/>
+    <dgm:txPr/>
+    <dgm:style>
+      <a:lnRef idx="2">
+        <a:scrgbClr r="0" g="0" b="0"/>
+      </a:lnRef>
+      <a:fillRef idx="1">
+        <a:scrgbClr r="0" g="0" b="0"/>
+      </a:fillRef>
+      <a:effectRef idx="0">
+        <a:scrgbClr r="0" g="0" b="0"/>
+      </a:effectRef>
+      <a:fontRef idx="minor">
+        <a:schemeClr val="lt1"/>
+      </a:fontRef>
+    </dgm:style>
+  </dgm:styleLbl>
+  <dgm:styleLbl name="parChTrans2D4">
+    <dgm:scene3d>
+      <a:camera prst="orthographicFront"/>
+      <a:lightRig rig="threePt" dir="t"/>
+    </dgm:scene3d>
+    <dgm:sp3d/>
+    <dgm:txPr/>
+    <dgm:style>
+      <a:lnRef idx="2">
+        <a:scrgbClr r="0" g="0" b="0"/>
+      </a:lnRef>
+      <a:fillRef idx="1">
+        <a:scrgbClr r="0" g="0" b="0"/>
+      </a:fillRef>
+      <a:effectRef idx="0">
+        <a:scrgbClr r="0" g="0" b="0"/>
+      </a:effectRef>
+      <a:fontRef idx="minor">
+        <a:schemeClr val="lt1"/>
+      </a:fontRef>
+    </dgm:style>
+  </dgm:styleLbl>
+  <dgm:styleLbl name="parChTrans1D1">
+    <dgm:scene3d>
+      <a:camera prst="orthographicFront"/>
+      <a:lightRig rig="threePt" dir="t"/>
+    </dgm:scene3d>
+    <dgm:sp3d/>
+    <dgm:txPr/>
+    <dgm:style>
+      <a:lnRef idx="2">
+        <a:scrgbClr r="0" g="0" b="0"/>
+      </a:lnRef>
+      <a:fillRef idx="0">
+        <a:scrgbClr r="0" g="0" b="0"/>
+      </a:fillRef>
+      <a:effectRef idx="0">
+        <a:scrgbClr r="0" g="0" b="0"/>
+      </a:effectRef>
+      <a:fontRef idx="minor"/>
+    </dgm:style>
+  </dgm:styleLbl>
+  <dgm:styleLbl name="parChTrans1D2">
+    <dgm:scene3d>
+      <a:camera prst="orthographicFront"/>
+      <a:lightRig rig="threePt" dir="t"/>
+    </dgm:scene3d>
+    <dgm:sp3d/>
+    <dgm:txPr/>
+    <dgm:style>
+      <a:lnRef idx="2">
+        <a:scrgbClr r="0" g="0" b="0"/>
+      </a:lnRef>
+      <a:fillRef idx="0">
+        <a:scrgbClr r="0" g="0" b="0"/>
+      </a:fillRef>
+      <a:effectRef idx="0">
+        <a:scrgbClr r="0" g="0" b="0"/>
+      </a:effectRef>
+      <a:fontRef idx="minor"/>
+    </dgm:style>
+  </dgm:styleLbl>
+  <dgm:styleLbl name="parChTrans1D3">
+    <dgm:scene3d>
+      <a:camera prst="orthographicFront"/>
+      <a:lightRig rig="threePt" dir="t"/>
+    </dgm:scene3d>
+    <dgm:sp3d/>
+    <dgm:txPr/>
+    <dgm:style>
+      <a:lnRef idx="2">
+        <a:scrgbClr r="0" g="0" b="0"/>
+      </a:lnRef>
+      <a:fillRef idx="0">
+        <a:scrgbClr r="0" g="0" b="0"/>
+      </a:fillRef>
+      <a:effectRef idx="0">
+        <a:scrgbClr r="0" g="0" b="0"/>
+      </a:effectRef>
+      <a:fontRef idx="minor"/>
+    </dgm:style>
+  </dgm:styleLbl>
+  <dgm:styleLbl name="parChTrans1D4">
+    <dgm:scene3d>
+      <a:camera prst="orthographicFront"/>
+      <a:lightRig rig="threePt" dir="t"/>
+    </dgm:scene3d>
+    <dgm:sp3d/>
+    <dgm:txPr/>
+    <dgm:style>
+      <a:lnRef idx="2">
+        <a:scrgbClr r="0" g="0" b="0"/>
+      </a:lnRef>
+      <a:fillRef idx="0">
+        <a:scrgbClr r="0" g="0" b="0"/>
+      </a:fillRef>
+      <a:effectRef idx="0">
+        <a:scrgbClr r="0" g="0" b="0"/>
+      </a:effectRef>
+      <a:fontRef idx="minor"/>
+    </dgm:style>
+  </dgm:styleLbl>
+  <dgm:styleLbl name="fgAcc1">
+    <dgm:scene3d>
+      <a:camera prst="orthographicFront"/>
+      <a:lightRig rig="threePt" dir="t"/>
+    </dgm:scene3d>
+    <dgm:sp3d/>
+    <dgm:txPr/>
+    <dgm:style>
+      <a:lnRef idx="2">
+        <a:scrgbClr r="0" g="0" b="0"/>
+      </a:lnRef>
+      <a:fillRef idx="1">
+        <a:scrgbClr r="0" g="0" b="0"/>
+      </a:fillRef>
+      <a:effectRef idx="0">
+        <a:scrgbClr r="0" g="0" b="0"/>
+      </a:effectRef>
+      <a:fontRef idx="minor"/>
+    </dgm:style>
+  </dgm:styleLbl>
+  <dgm:styleLbl name="conFgAcc1">
+    <dgm:scene3d>
+      <a:camera prst="orthographicFront"/>
+      <a:lightRig rig="threePt" dir="t"/>
+    </dgm:scene3d>
+    <dgm:sp3d/>
+    <dgm:txPr/>
+    <dgm:style>
+      <a:lnRef idx="2">
+        <a:scrgbClr r="0" g="0" b="0"/>
+      </a:lnRef>
+      <a:fillRef idx="1">
+        <a:scrgbClr r="0" g="0" b="0"/>
+      </a:fillRef>
+      <a:effectRef idx="0">
+        <a:scrgbClr r="0" g="0" b="0"/>
+      </a:effectRef>
+      <a:fontRef idx="minor"/>
+    </dgm:style>
+  </dgm:styleLbl>
+  <dgm:styleLbl name="alignAcc1">
+    <dgm:scene3d>
+      <a:camera prst="orthographicFront"/>
+      <a:lightRig rig="threePt" dir="t"/>
+    </dgm:scene3d>
+    <dgm:sp3d/>
+    <dgm:txPr/>
+    <dgm:style>
+      <a:lnRef idx="2">
+        <a:scrgbClr r="0" g="0" b="0"/>
+      </a:lnRef>
+      <a:fillRef idx="1">
+        <a:scrgbClr r="0" g="0" b="0"/>
+      </a:fillRef>
+      <a:effectRef idx="0">
+        <a:scrgbClr r="0" g="0" b="0"/>
+      </a:effectRef>
+      <a:fontRef idx="minor"/>
+    </dgm:style>
+  </dgm:styleLbl>
+  <dgm:styleLbl name="trAlignAcc1">
+    <dgm:scene3d>
+      <a:camera prst="orthographicFront"/>
+      <a:lightRig rig="threePt" dir="t"/>
+    </dgm:scene3d>
+    <dgm:sp3d/>
+    <dgm:txPr/>
+    <dgm:style>
+      <a:lnRef idx="1">
+        <a:scrgbClr r="0" g="0" b="0"/>
+      </a:lnRef>
+      <a:fillRef idx="1">
+        <a:scrgbClr r="0" g="0" b="0"/>
+      </a:fillRef>
+      <a:effectRef idx="0">
+        <a:scrgbClr r="0" g="0" b="0"/>
+      </a:effectRef>
+      <a:fontRef idx="minor"/>
+    </dgm:style>
+  </dgm:styleLbl>
+  <dgm:styleLbl name="bgAcc1">
+    <dgm:scene3d>
+      <a:camera prst="orthographicFront"/>
+      <a:lightRig rig="threePt" dir="t"/>
+    </dgm:scene3d>
+    <dgm:sp3d/>
+    <dgm:txPr/>
+    <dgm:style>
+      <a:lnRef idx="2">
+        <a:scrgbClr r="0" g="0" b="0"/>
+      </a:lnRef>
+      <a:fillRef idx="1">
+        <a:scrgbClr r="0" g="0" b="0"/>
+      </a:fillRef>
+      <a:effectRef idx="0">
+        <a:scrgbClr r="0" g="0" b="0"/>
+      </a:effectRef>
+      <a:fontRef idx="minor"/>
+    </dgm:style>
+  </dgm:styleLbl>
+  <dgm:styleLbl name="solidFgAcc1">
+    <dgm:scene3d>
+      <a:camera prst="orthographicFront"/>
+      <a:lightRig rig="threePt" dir="t"/>
+    </dgm:scene3d>
+    <dgm:sp3d/>
+    <dgm:txPr/>
+    <dgm:style>
+      <a:lnRef idx="2">
+        <a:scrgbClr r="0" g="0" b="0"/>
+      </a:lnRef>
+      <a:fillRef idx="1">
+        <a:scrgbClr r="0" g="0" b="0"/>
+      </a:fillRef>
+      <a:effectRef idx="0">
+        <a:scrgbClr r="0" g="0" b="0"/>
+      </a:effectRef>
+      <a:fontRef idx="minor"/>
+    </dgm:style>
+  </dgm:styleLbl>
+  <dgm:styleLbl name="solidAlignAcc1">
+    <dgm:scene3d>
+      <a:camera prst="orthographicFront"/>
+      <a:lightRig rig="threePt" dir="t"/>
+    </dgm:scene3d>
+    <dgm:sp3d/>
+    <dgm:txPr/>
+    <dgm:style>
+      <a:lnRef idx="2">
+        <a:scrgbClr r="0" g="0" b="0"/>
+      </a:lnRef>
+      <a:fillRef idx="1">
+        <a:scrgbClr r="0" g="0" b="0"/>
+      </a:fillRef>
+      <a:effectRef idx="0">
+        <a:scrgbClr r="0" g="0" b="0"/>
+      </a:effectRef>
+      <a:fontRef idx="minor"/>
+    </dgm:style>
+  </dgm:styleLbl>
+  <dgm:styleLbl name="solidBgAcc1">
+    <dgm:scene3d>
+      <a:camera prst="orthographicFront"/>
+      <a:lightRig rig="threePt" dir="t"/>
+    </dgm:scene3d>
+    <dgm:sp3d/>
+    <dgm:txPr/>
+    <dgm:style>
+      <a:lnRef idx="2">
+        <a:scrgbClr r="0" g="0" b="0"/>
+      </a:lnRef>
+      <a:fillRef idx="1">
+        <a:scrgbClr r="0" g="0" b="0"/>
+      </a:fillRef>
+      <a:effectRef idx="0">
+        <a:scrgbClr r="0" g="0" b="0"/>
+      </a:effectRef>
+      <a:fontRef idx="minor"/>
+    </dgm:style>
+  </dgm:styleLbl>
+  <dgm:styleLbl name="fgAccFollowNode1">
+    <dgm:scene3d>
+      <a:camera prst="orthographicFront"/>
+      <a:lightRig rig="threePt" dir="t"/>
+    </dgm:scene3d>
+    <dgm:sp3d/>
+    <dgm:txPr/>
+    <dgm:style>
+      <a:lnRef idx="2">
+        <a:scrgbClr r="0" g="0" b="0"/>
+      </a:lnRef>
+      <a:fillRef idx="1">
+        <a:scrgbClr r="0" g="0" b="0"/>
+      </a:fillRef>
+      <a:effectRef idx="0">
+        <a:scrgbClr r="0" g="0" b="0"/>
+      </a:effectRef>
+      <a:fontRef idx="minor"/>
+    </dgm:style>
+  </dgm:styleLbl>
+  <dgm:styleLbl name="alignAccFollowNode1">
+    <dgm:scene3d>
+      <a:camera prst="orthographicFront"/>
+      <a:lightRig rig="threePt" dir="t"/>
+    </dgm:scene3d>
+    <dgm:sp3d/>
+    <dgm:txPr/>
+    <dgm:style>
+      <a:lnRef idx="2">
+        <a:scrgbClr r="0" g="0" b="0"/>
+      </a:lnRef>
+      <a:fillRef idx="1">
+        <a:scrgbClr r="0" g="0" b="0"/>
+      </a:fillRef>
+      <a:effectRef idx="0">
+        <a:scrgbClr r="0" g="0" b="0"/>
+      </a:effectRef>
+      <a:fontRef idx="minor"/>
+    </dgm:style>
+  </dgm:styleLbl>
+  <dgm:styleLbl name="bgAccFollowNode1">
+    <dgm:scene3d>
+      <a:camera prst="orthographicFront"/>
+      <a:lightRig rig="threePt" dir="t"/>
+    </dgm:scene3d>
+    <dgm:sp3d/>
+    <dgm:txPr/>
+    <dgm:style>
+      <a:lnRef idx="2">
+        <a:scrgbClr r="0" g="0" b="0"/>
+      </a:lnRef>
+      <a:fillRef idx="1">
+        <a:scrgbClr r="0" g="0" b="0"/>
+      </a:fillRef>
+      <a:effectRef idx="0">
+        <a:scrgbClr r="0" g="0" b="0"/>
+      </a:effectRef>
+      <a:fontRef idx="minor"/>
+    </dgm:style>
+  </dgm:styleLbl>
+  <dgm:styleLbl name="fgAcc0">
+    <dgm:scene3d>
+      <a:camera prst="orthographicFront"/>
+      <a:lightRig rig="threePt" dir="t"/>
+    </dgm:scene3d>
+    <dgm:sp3d/>
+    <dgm:txPr/>
+    <dgm:style>
+      <a:lnRef idx="2">
+        <a:scrgbClr r="0" g="0" b="0"/>
+      </a:lnRef>
+      <a:fillRef idx="1">
+        <a:scrgbClr r="0" g="0" b="0"/>
+      </a:fillRef>
+      <a:effectRef idx="0">
+        <a:scrgbClr r="0" g="0" b="0"/>
+      </a:effectRef>
+      <a:fontRef idx="minor"/>
+    </dgm:style>
+  </dgm:styleLbl>
+  <dgm:styleLbl name="fgAcc2">
+    <dgm:scene3d>
+      <a:camera prst="orthographicFront"/>
+      <a:lightRig rig="threePt" dir="t"/>
+    </dgm:scene3d>
+    <dgm:sp3d/>
+    <dgm:txPr/>
+    <dgm:style>
+      <a:lnRef idx="2">
+        <a:scrgbClr r="0" g="0" b="0"/>
+      </a:lnRef>
+      <a:fillRef idx="1">
+        <a:scrgbClr r="0" g="0" b="0"/>
+      </a:fillRef>
+      <a:effectRef idx="0">
+        <a:scrgbClr r="0" g="0" b="0"/>
+      </a:effectRef>
+      <a:fontRef idx="minor"/>
+    </dgm:style>
+  </dgm:styleLbl>
+  <dgm:styleLbl name="fgAcc3">
+    <dgm:scene3d>
+      <a:camera prst="orthographicFront"/>
+      <a:lightRig rig="threePt" dir="t"/>
+    </dgm:scene3d>
+    <dgm:sp3d/>
+    <dgm:txPr/>
+    <dgm:style>
+      <a:lnRef idx="2">
+        <a:scrgbClr r="0" g="0" b="0"/>
+      </a:lnRef>
+      <a:fillRef idx="1">
+        <a:scrgbClr r="0" g="0" b="0"/>
+      </a:fillRef>
+      <a:effectRef idx="0">
+        <a:scrgbClr r="0" g="0" b="0"/>
+      </a:effectRef>
+      <a:fontRef idx="minor"/>
+    </dgm:style>
+  </dgm:styleLbl>
+  <dgm:styleLbl name="fgAcc4">
+    <dgm:scene3d>
+      <a:camera prst="orthographicFront"/>
+      <a:lightRig rig="threePt" dir="t"/>
+    </dgm:scene3d>
+    <dgm:sp3d/>
+    <dgm:txPr/>
+    <dgm:style>
+      <a:lnRef idx="2">
+        <a:scrgbClr r="0" g="0" b="0"/>
+      </a:lnRef>
+      <a:fillRef idx="1">
+        <a:scrgbClr r="0" g="0" b="0"/>
+      </a:fillRef>
+      <a:effectRef idx="0">
+        <a:scrgbClr r="0" g="0" b="0"/>
+      </a:effectRef>
+      <a:fontRef idx="minor"/>
+    </dgm:style>
+  </dgm:styleLbl>
+  <dgm:styleLbl name="bgShp">
+    <dgm:scene3d>
+      <a:camera prst="orthographicFront"/>
+      <a:lightRig rig="threePt" dir="t"/>
+    </dgm:scene3d>
+    <dgm:sp3d/>
+    <dgm:txPr/>
+    <dgm:style>
+      <a:lnRef idx="0">
+        <a:scrgbClr r="0" g="0" b="0"/>
+      </a:lnRef>
+      <a:fillRef idx="1">
+        <a:scrgbClr r="0" g="0" b="0"/>
+      </a:fillRef>
+      <a:effectRef idx="0">
+        <a:scrgbClr r="0" g="0" b="0"/>
+      </a:effectRef>
+      <a:fontRef idx="minor"/>
+    </dgm:style>
+  </dgm:styleLbl>
+  <dgm:styleLbl name="dkBgShp">
+    <dgm:scene3d>
+      <a:camera prst="orthographicFront"/>
+      <a:lightRig rig="threePt" dir="t"/>
+    </dgm:scene3d>
+    <dgm:sp3d/>
+    <dgm:txPr/>
+    <dgm:style>
+      <a:lnRef idx="0">
+        <a:scrgbClr r="0" g="0" b="0"/>
+      </a:lnRef>
+      <a:fillRef idx="1">
+        <a:scrgbClr r="0" g="0" b="0"/>
+      </a:fillRef>
+      <a:effectRef idx="0">
+        <a:scrgbClr r="0" g="0" b="0"/>
+      </a:effectRef>
+      <a:fontRef idx="minor"/>
+    </dgm:style>
+  </dgm:styleLbl>
+  <dgm:styleLbl name="trBgShp">
+    <dgm:scene3d>
+      <a:camera prst="orthographicFront"/>
+      <a:lightRig rig="threePt" dir="t"/>
+    </dgm:scene3d>
+    <dgm:sp3d/>
+    <dgm:txPr/>
+    <dgm:style>
+      <a:lnRef idx="0">
+        <a:scrgbClr r="0" g="0" b="0"/>
+      </a:lnRef>
+      <a:fillRef idx="1">
+        <a:scrgbClr r="0" g="0" b="0"/>
+      </a:fillRef>
+      <a:effectRef idx="0">
+        <a:scrgbClr r="0" g="0" b="0"/>
+      </a:effectRef>
+      <a:fontRef idx="minor"/>
+    </dgm:style>
+  </dgm:styleLbl>
+  <dgm:styleLbl name="fgShp">
+    <dgm:scene3d>
+      <a:camera prst="orthographicFront"/>
+      <a:lightRig rig="threePt" dir="t"/>
+    </dgm:scene3d>
+    <dgm:sp3d/>
+    <dgm:txPr/>
+    <dgm:style>
+      <a:lnRef idx="2">
+        <a:scrgbClr r="0" g="0" b="0"/>
+      </a:lnRef>
+      <a:fillRef idx="1">
+        <a:scrgbClr r="0" g="0" b="0"/>
+      </a:fillRef>
+      <a:effectRef idx="0">
+        <a:scrgbClr r="0" g="0" b="0"/>
+      </a:effectRef>
+      <a:fontRef idx="minor"/>
+    </dgm:style>
+  </dgm:styleLbl>
+  <dgm:styleLbl name="revTx">
+    <dgm:scene3d>
+      <a:camera prst="orthographicFront"/>
+      <a:lightRig rig="threePt" dir="t"/>
+    </dgm:scene3d>
+    <dgm:sp3d/>
+    <dgm:txPr/>
+    <dgm:style>
+      <a:lnRef idx="0">
+        <a:scrgbClr r="0" g="0" b="0"/>
+      </a:lnRef>
+      <a:fillRef idx="0">
+        <a:scrgbClr r="0" g="0" b="0"/>
+      </a:fillRef>
+      <a:effectRef idx="0">
+        <a:scrgbClr r="0" g="0" b="0"/>
+      </a:effectRef>
+      <a:fontRef idx="minor"/>
+    </dgm:style>
+  </dgm:styleLbl>
+</dgm:styleDef>
 </file>
 
 <file path=ppt/slideLayouts/slideLayout1.xml><?xml version="1.0" encoding="utf-8"?>
@@ -294,7 +8448,7 @@
           <a:p>
             <a:fld id="{73A294DA-5B1F-406C-B1D4-C938C7055EF9}" type="datetimeFigureOut">
               <a:rPr lang="es-ES" smtClean="0"/>
-              <a:t>06/01/2023</a:t>
+              <a:t>7/1/23</a:t>
             </a:fld>
             <a:endParaRPr lang="es-ES"/>
           </a:p>
@@ -348,7 +8502,7 @@
           <a:p>
             <a:fld id="{B765FBBA-90D6-434F-9C14-208CEA536F2B}" type="slidenum">
               <a:rPr lang="es-ES" smtClean="0"/>
-              <a:t>‹#›</a:t>
+              <a:t>‹Nº›</a:t>
             </a:fld>
             <a:endParaRPr lang="es-ES"/>
           </a:p>
@@ -494,7 +8648,7 @@
           <a:p>
             <a:fld id="{73A294DA-5B1F-406C-B1D4-C938C7055EF9}" type="datetimeFigureOut">
               <a:rPr lang="es-ES" smtClean="0"/>
-              <a:t>06/01/2023</a:t>
+              <a:t>7/1/23</a:t>
             </a:fld>
             <a:endParaRPr lang="es-ES"/>
           </a:p>
@@ -548,7 +8702,7 @@
           <a:p>
             <a:fld id="{B765FBBA-90D6-434F-9C14-208CEA536F2B}" type="slidenum">
               <a:rPr lang="es-ES" smtClean="0"/>
-              <a:t>‹#›</a:t>
+              <a:t>‹Nº›</a:t>
             </a:fld>
             <a:endParaRPr lang="es-ES"/>
           </a:p>
@@ -704,7 +8858,7 @@
           <a:p>
             <a:fld id="{73A294DA-5B1F-406C-B1D4-C938C7055EF9}" type="datetimeFigureOut">
               <a:rPr lang="es-ES" smtClean="0"/>
-              <a:t>06/01/2023</a:t>
+              <a:t>7/1/23</a:t>
             </a:fld>
             <a:endParaRPr lang="es-ES"/>
           </a:p>
@@ -758,7 +8912,7 @@
           <a:p>
             <a:fld id="{B765FBBA-90D6-434F-9C14-208CEA536F2B}" type="slidenum">
               <a:rPr lang="es-ES" smtClean="0"/>
-              <a:t>‹#›</a:t>
+              <a:t>‹Nº›</a:t>
             </a:fld>
             <a:endParaRPr lang="es-ES"/>
           </a:p>
@@ -904,7 +9058,7 @@
           <a:p>
             <a:fld id="{73A294DA-5B1F-406C-B1D4-C938C7055EF9}" type="datetimeFigureOut">
               <a:rPr lang="es-ES" smtClean="0"/>
-              <a:t>06/01/2023</a:t>
+              <a:t>7/1/23</a:t>
             </a:fld>
             <a:endParaRPr lang="es-ES"/>
           </a:p>
@@ -958,7 +9112,7 @@
           <a:p>
             <a:fld id="{B765FBBA-90D6-434F-9C14-208CEA536F2B}" type="slidenum">
               <a:rPr lang="es-ES" smtClean="0"/>
-              <a:t>‹#›</a:t>
+              <a:t>‹Nº›</a:t>
             </a:fld>
             <a:endParaRPr lang="es-ES"/>
           </a:p>
@@ -1180,7 +9334,7 @@
           <a:p>
             <a:fld id="{73A294DA-5B1F-406C-B1D4-C938C7055EF9}" type="datetimeFigureOut">
               <a:rPr lang="es-ES" smtClean="0"/>
-              <a:t>06/01/2023</a:t>
+              <a:t>7/1/23</a:t>
             </a:fld>
             <a:endParaRPr lang="es-ES"/>
           </a:p>
@@ -1234,7 +9388,7 @@
           <a:p>
             <a:fld id="{B765FBBA-90D6-434F-9C14-208CEA536F2B}" type="slidenum">
               <a:rPr lang="es-ES" smtClean="0"/>
-              <a:t>‹#›</a:t>
+              <a:t>‹Nº›</a:t>
             </a:fld>
             <a:endParaRPr lang="es-ES"/>
           </a:p>
@@ -1448,7 +9602,7 @@
           <a:p>
             <a:fld id="{73A294DA-5B1F-406C-B1D4-C938C7055EF9}" type="datetimeFigureOut">
               <a:rPr lang="es-ES" smtClean="0"/>
-              <a:t>06/01/2023</a:t>
+              <a:t>7/1/23</a:t>
             </a:fld>
             <a:endParaRPr lang="es-ES"/>
           </a:p>
@@ -1502,7 +9656,7 @@
           <a:p>
             <a:fld id="{B765FBBA-90D6-434F-9C14-208CEA536F2B}" type="slidenum">
               <a:rPr lang="es-ES" smtClean="0"/>
-              <a:t>‹#›</a:t>
+              <a:t>‹Nº›</a:t>
             </a:fld>
             <a:endParaRPr lang="es-ES"/>
           </a:p>
@@ -1863,7 +10017,7 @@
           <a:p>
             <a:fld id="{73A294DA-5B1F-406C-B1D4-C938C7055EF9}" type="datetimeFigureOut">
               <a:rPr lang="es-ES" smtClean="0"/>
-              <a:t>06/01/2023</a:t>
+              <a:t>7/1/23</a:t>
             </a:fld>
             <a:endParaRPr lang="es-ES"/>
           </a:p>
@@ -1917,7 +10071,7 @@
           <a:p>
             <a:fld id="{B765FBBA-90D6-434F-9C14-208CEA536F2B}" type="slidenum">
               <a:rPr lang="es-ES" smtClean="0"/>
-              <a:t>‹#›</a:t>
+              <a:t>‹Nº›</a:t>
             </a:fld>
             <a:endParaRPr lang="es-ES"/>
           </a:p>
@@ -2005,7 +10159,7 @@
           <a:p>
             <a:fld id="{73A294DA-5B1F-406C-B1D4-C938C7055EF9}" type="datetimeFigureOut">
               <a:rPr lang="es-ES" smtClean="0"/>
-              <a:t>06/01/2023</a:t>
+              <a:t>7/1/23</a:t>
             </a:fld>
             <a:endParaRPr lang="es-ES"/>
           </a:p>
@@ -2059,7 +10213,7 @@
           <a:p>
             <a:fld id="{B765FBBA-90D6-434F-9C14-208CEA536F2B}" type="slidenum">
               <a:rPr lang="es-ES" smtClean="0"/>
-              <a:t>‹#›</a:t>
+              <a:t>‹Nº›</a:t>
             </a:fld>
             <a:endParaRPr lang="es-ES"/>
           </a:p>
@@ -2118,7 +10272,7 @@
           <a:p>
             <a:fld id="{73A294DA-5B1F-406C-B1D4-C938C7055EF9}" type="datetimeFigureOut">
               <a:rPr lang="es-ES" smtClean="0"/>
-              <a:t>06/01/2023</a:t>
+              <a:t>7/1/23</a:t>
             </a:fld>
             <a:endParaRPr lang="es-ES"/>
           </a:p>
@@ -2172,7 +10326,7 @@
           <a:p>
             <a:fld id="{B765FBBA-90D6-434F-9C14-208CEA536F2B}" type="slidenum">
               <a:rPr lang="es-ES" smtClean="0"/>
-              <a:t>‹#›</a:t>
+              <a:t>‹Nº›</a:t>
             </a:fld>
             <a:endParaRPr lang="es-ES"/>
           </a:p>
@@ -2431,7 +10585,7 @@
           <a:p>
             <a:fld id="{73A294DA-5B1F-406C-B1D4-C938C7055EF9}" type="datetimeFigureOut">
               <a:rPr lang="es-ES" smtClean="0"/>
-              <a:t>06/01/2023</a:t>
+              <a:t>7/1/23</a:t>
             </a:fld>
             <a:endParaRPr lang="es-ES"/>
           </a:p>
@@ -2485,7 +10639,7 @@
           <a:p>
             <a:fld id="{B765FBBA-90D6-434F-9C14-208CEA536F2B}" type="slidenum">
               <a:rPr lang="es-ES" smtClean="0"/>
-              <a:t>‹#›</a:t>
+              <a:t>‹Nº›</a:t>
             </a:fld>
             <a:endParaRPr lang="es-ES"/>
           </a:p>
@@ -2720,7 +10874,7 @@
           <a:p>
             <a:fld id="{73A294DA-5B1F-406C-B1D4-C938C7055EF9}" type="datetimeFigureOut">
               <a:rPr lang="es-ES" smtClean="0"/>
-              <a:t>06/01/2023</a:t>
+              <a:t>7/1/23</a:t>
             </a:fld>
             <a:endParaRPr lang="es-ES"/>
           </a:p>
@@ -2774,7 +10928,7 @@
           <a:p>
             <a:fld id="{B765FBBA-90D6-434F-9C14-208CEA536F2B}" type="slidenum">
               <a:rPr lang="es-ES" smtClean="0"/>
-              <a:t>‹#›</a:t>
+              <a:t>‹Nº›</a:t>
             </a:fld>
             <a:endParaRPr lang="es-ES"/>
           </a:p>
@@ -2963,7 +11117,7 @@
           <a:p>
             <a:fld id="{73A294DA-5B1F-406C-B1D4-C938C7055EF9}" type="datetimeFigureOut">
               <a:rPr lang="es-ES" smtClean="0"/>
-              <a:t>06/01/2023</a:t>
+              <a:t>7/1/23</a:t>
             </a:fld>
             <a:endParaRPr lang="es-ES"/>
           </a:p>
@@ -3053,7 +11207,7 @@
           <a:p>
             <a:fld id="{B765FBBA-90D6-434F-9C14-208CEA536F2B}" type="slidenum">
               <a:rPr lang="es-ES" smtClean="0"/>
-              <a:t>‹#›</a:t>
+              <a:t>‹Nº›</a:t>
             </a:fld>
             <a:endParaRPr lang="es-ES"/>
           </a:p>
@@ -3786,7 +11940,7 @@
                   <a:srgbClr val="002060"/>
                 </a:solidFill>
               </a:rPr>
-              <a:t>3. INTEGRACIÓN Y SELECCIÓN</a:t>
+              <a:t>4. ANÁLISIS DE LOS DATOS</a:t>
             </a:r>
           </a:p>
         </p:txBody>
@@ -3830,7 +11984,7 @@
                   <a:srgbClr val="002060"/>
                 </a:solidFill>
               </a:rPr>
-              <a:t>DATOS DE VUELOS</a:t>
+              <a:t>Correlación con la variable objetivo</a:t>
             </a:r>
             <a:endParaRPr lang="es-ES" b="1" dirty="0">
               <a:solidFill>
@@ -3941,7 +12095,7 @@
                   <a:srgbClr val="002060"/>
                 </a:solidFill>
               </a:rPr>
-              <a:t>3. INTEGRACIÓN Y SELECCIÓN</a:t>
+              <a:t>4. ANÁLISIS DE LOS DATOS</a:t>
             </a:r>
           </a:p>
         </p:txBody>
@@ -3960,7 +12114,7 @@
         </p:nvSpPr>
         <p:spPr>
           <a:xfrm>
-            <a:off x="440456" y="1088573"/>
+            <a:off x="440456" y="798287"/>
             <a:ext cx="10864282" cy="464871"/>
           </a:xfrm>
           <a:prstGeom prst="rect">
@@ -3984,8 +12138,18 @@
                 <a:solidFill>
                   <a:srgbClr val="002060"/>
                 </a:solidFill>
+                <a:sym typeface="Wingdings" panose="05000000000000000000" pitchFamily="2" charset="2"/>
               </a:rPr>
-              <a:t>DATOS DE VUELOS</a:t>
+              <a:t>Normalidad y </a:t>
+            </a:r>
+            <a:r>
+              <a:rPr lang="es-ES" b="1" dirty="0" err="1">
+                <a:solidFill>
+                  <a:srgbClr val="002060"/>
+                </a:solidFill>
+                <a:sym typeface="Wingdings" panose="05000000000000000000" pitchFamily="2" charset="2"/>
+              </a:rPr>
+              <a:t>homocedesticidad</a:t>
             </a:r>
             <a:endParaRPr lang="es-ES" b="1" dirty="0">
               <a:solidFill>
@@ -4035,7 +12199,7 @@
     </p:spTree>
     <p:extLst>
       <p:ext uri="{BB962C8B-B14F-4D97-AF65-F5344CB8AC3E}">
-        <p14:creationId xmlns:p14="http://schemas.microsoft.com/office/powerpoint/2010/main" val="580590971"/>
+        <p14:creationId xmlns:p14="http://schemas.microsoft.com/office/powerpoint/2010/main" val="1116935007"/>
       </p:ext>
     </p:extLst>
   </p:cSld>
@@ -4096,7 +12260,7 @@
                   <a:srgbClr val="002060"/>
                 </a:solidFill>
               </a:rPr>
-              <a:t>3. INTEGRACIÓN Y SELECCIÓN</a:t>
+              <a:t>4. ANÁLISIS DE LOS DATOS</a:t>
             </a:r>
           </a:p>
         </p:txBody>
@@ -4115,7 +12279,7 @@
         </p:nvSpPr>
         <p:spPr>
           <a:xfrm>
-            <a:off x="440456" y="1088573"/>
+            <a:off x="440456" y="798287"/>
             <a:ext cx="10864282" cy="464871"/>
           </a:xfrm>
           <a:prstGeom prst="rect">
@@ -4140,7 +12304,7 @@
                   <a:srgbClr val="002060"/>
                 </a:solidFill>
               </a:rPr>
-              <a:t>DATOS DE VUELOS</a:t>
+              <a:t>Contraste de hipótesis</a:t>
             </a:r>
             <a:endParaRPr lang="es-ES" b="1" dirty="0">
               <a:solidFill>
@@ -4190,7 +12354,7 @@
     </p:spTree>
     <p:extLst>
       <p:ext uri="{BB962C8B-B14F-4D97-AF65-F5344CB8AC3E}">
-        <p14:creationId xmlns:p14="http://schemas.microsoft.com/office/powerpoint/2010/main" val="3683916807"/>
+        <p14:creationId xmlns:p14="http://schemas.microsoft.com/office/powerpoint/2010/main" val="1661860490"/>
       </p:ext>
     </p:extLst>
   </p:cSld>
@@ -4201,6 +12365,189 @@
 </file>
 
 <file path=ppt/slides/slide13.xml><?xml version="1.0" encoding="utf-8"?>
+<p:sld xmlns:a="http://schemas.openxmlformats.org/drawingml/2006/main" xmlns:r="http://schemas.openxmlformats.org/officeDocument/2006/relationships" xmlns:p="http://schemas.openxmlformats.org/presentationml/2006/main">
+  <p:cSld>
+    <p:spTree>
+      <p:nvGrpSpPr>
+        <p:cNvPr id="1" name=""/>
+        <p:cNvGrpSpPr/>
+        <p:nvPr/>
+      </p:nvGrpSpPr>
+      <p:grpSpPr>
+        <a:xfrm>
+          <a:off x="0" y="0"/>
+          <a:ext cx="0" cy="0"/>
+          <a:chOff x="0" y="0"/>
+          <a:chExt cx="0" cy="0"/>
+        </a:xfrm>
+      </p:grpSpPr>
+      <p:sp>
+        <p:nvSpPr>
+          <p:cNvPr id="4" name="TextBox 3">
+            <a:extLst>
+              <a:ext uri="{FF2B5EF4-FFF2-40B4-BE49-F238E27FC236}">
+                <a16:creationId xmlns:a16="http://schemas.microsoft.com/office/drawing/2014/main" id="{1AB9453E-4605-B8C4-0C71-3B23CE9F2773}"/>
+              </a:ext>
+            </a:extLst>
+          </p:cNvPr>
+          <p:cNvSpPr txBox="1"/>
+          <p:nvPr/>
+        </p:nvSpPr>
+        <p:spPr>
+          <a:xfrm>
+            <a:off x="440456" y="143702"/>
+            <a:ext cx="9559887" cy="523220"/>
+          </a:xfrm>
+          <a:prstGeom prst="rect">
+            <a:avLst/>
+          </a:prstGeom>
+          <a:noFill/>
+        </p:spPr>
+        <p:txBody>
+          <a:bodyPr wrap="square" rtlCol="0">
+            <a:spAutoFit/>
+          </a:bodyPr>
+          <a:lstStyle/>
+          <a:p>
+            <a:r>
+              <a:rPr lang="es-ES" sz="2800" b="1" dirty="0">
+                <a:solidFill>
+                  <a:srgbClr val="002060"/>
+                </a:solidFill>
+              </a:rPr>
+              <a:t>4. ANÁLISIS DE LOS DATOS</a:t>
+            </a:r>
+          </a:p>
+        </p:txBody>
+      </p:sp>
+      <p:sp>
+        <p:nvSpPr>
+          <p:cNvPr id="6" name="TextBox 5">
+            <a:extLst>
+              <a:ext uri="{FF2B5EF4-FFF2-40B4-BE49-F238E27FC236}">
+                <a16:creationId xmlns:a16="http://schemas.microsoft.com/office/drawing/2014/main" id="{1FA76770-F660-DB19-61AA-87990F00E84D}"/>
+              </a:ext>
+            </a:extLst>
+          </p:cNvPr>
+          <p:cNvSpPr txBox="1"/>
+          <p:nvPr/>
+        </p:nvSpPr>
+        <p:spPr>
+          <a:xfrm>
+            <a:off x="440456" y="798287"/>
+            <a:ext cx="10864282" cy="464871"/>
+          </a:xfrm>
+          <a:prstGeom prst="rect">
+            <a:avLst/>
+          </a:prstGeom>
+          <a:noFill/>
+        </p:spPr>
+        <p:txBody>
+          <a:bodyPr wrap="square">
+            <a:spAutoFit/>
+          </a:bodyPr>
+          <a:lstStyle/>
+          <a:p>
+            <a:pPr algn="just">
+              <a:lnSpc>
+                <a:spcPct val="150000"/>
+              </a:lnSpc>
+            </a:pPr>
+            <a:r>
+              <a:rPr lang="es-ES" b="1" dirty="0">
+                <a:solidFill>
+                  <a:srgbClr val="002060"/>
+                </a:solidFill>
+              </a:rPr>
+              <a:t>Regresión lineal múltiple</a:t>
+            </a:r>
+            <a:endParaRPr lang="es-ES" b="1" dirty="0">
+              <a:solidFill>
+                <a:srgbClr val="002060"/>
+              </a:solidFill>
+              <a:sym typeface="Wingdings" panose="05000000000000000000" pitchFamily="2" charset="2"/>
+            </a:endParaRPr>
+          </a:p>
+        </p:txBody>
+      </p:sp>
+      <p:pic>
+        <p:nvPicPr>
+          <p:cNvPr id="5" name="Picture 4" descr="Graphical user interface, text, application, chat or text message&#10;&#10;Description automatically generated">
+            <a:extLst>
+              <a:ext uri="{FF2B5EF4-FFF2-40B4-BE49-F238E27FC236}">
+                <a16:creationId xmlns:a16="http://schemas.microsoft.com/office/drawing/2014/main" id="{6DDDD5D9-A9FE-2A79-7C5E-B7D1A464A414}"/>
+              </a:ext>
+            </a:extLst>
+          </p:cNvPr>
+          <p:cNvPicPr>
+            <a:picLocks noChangeAspect="1"/>
+          </p:cNvPicPr>
+          <p:nvPr/>
+        </p:nvPicPr>
+        <p:blipFill>
+          <a:blip r:embed="rId2">
+            <a:extLst>
+              <a:ext uri="{28A0092B-C50C-407E-A947-70E740481C1C}">
+                <a14:useLocalDpi xmlns:a14="http://schemas.microsoft.com/office/drawing/2010/main" val="0"/>
+              </a:ext>
+            </a:extLst>
+          </a:blip>
+          <a:stretch>
+            <a:fillRect/>
+          </a:stretch>
+        </p:blipFill>
+        <p:spPr>
+          <a:xfrm>
+            <a:off x="10526413" y="5892800"/>
+            <a:ext cx="1536622" cy="965200"/>
+          </a:xfrm>
+          <a:prstGeom prst="rect">
+            <a:avLst/>
+          </a:prstGeom>
+        </p:spPr>
+      </p:pic>
+      <p:graphicFrame>
+        <p:nvGraphicFramePr>
+          <p:cNvPr id="2" name="Diagrama 1">
+            <a:extLst>
+              <a:ext uri="{FF2B5EF4-FFF2-40B4-BE49-F238E27FC236}">
+                <a16:creationId xmlns:a16="http://schemas.microsoft.com/office/drawing/2014/main" id="{2E4C0C41-A806-3D8F-CA48-3AE5CFF80721}"/>
+              </a:ext>
+            </a:extLst>
+          </p:cNvPr>
+          <p:cNvGraphicFramePr/>
+          <p:nvPr>
+            <p:extLst>
+              <p:ext uri="{D42A27DB-BD31-4B8C-83A1-F6EECF244321}">
+                <p14:modId xmlns:p14="http://schemas.microsoft.com/office/powerpoint/2010/main" val="810190187"/>
+              </p:ext>
+            </p:extLst>
+          </p:nvPr>
+        </p:nvGraphicFramePr>
+        <p:xfrm>
+          <a:off x="2032000" y="719666"/>
+          <a:ext cx="8128000" cy="5418667"/>
+        </p:xfrm>
+        <a:graphic>
+          <a:graphicData uri="http://schemas.openxmlformats.org/drawingml/2006/diagram">
+            <dgm:relIds xmlns:dgm="http://schemas.openxmlformats.org/drawingml/2006/diagram" xmlns:r="http://schemas.openxmlformats.org/officeDocument/2006/relationships" r:dm="rId3" r:lo="rId4" r:qs="rId5" r:cs="rId6"/>
+          </a:graphicData>
+        </a:graphic>
+      </p:graphicFrame>
+    </p:spTree>
+    <p:extLst>
+      <p:ext uri="{BB962C8B-B14F-4D97-AF65-F5344CB8AC3E}">
+        <p14:creationId xmlns:p14="http://schemas.microsoft.com/office/powerpoint/2010/main" val="3057827915"/>
+      </p:ext>
+    </p:extLst>
+  </p:cSld>
+  <p:clrMapOvr>
+    <a:masterClrMapping/>
+  </p:clrMapOvr>
+</p:sld>
+</file>
+
+<file path=ppt/slides/slide14.xml><?xml version="1.0" encoding="utf-8"?>
 <p:sld xmlns:a="http://schemas.openxmlformats.org/drawingml/2006/main" xmlns:r="http://schemas.openxmlformats.org/officeDocument/2006/relationships" xmlns:p="http://schemas.openxmlformats.org/presentationml/2006/main">
   <p:cSld>
     <p:spTree>
@@ -9053,7 +17400,7 @@
                   <a:srgbClr val="002060"/>
                 </a:solidFill>
               </a:rPr>
-              <a:t>3. INTEGRACIÓN Y SELECCIÓN</a:t>
+              <a:t>4. ANÁLISIS DE LOS DATOS</a:t>
             </a:r>
           </a:p>
         </p:txBody>
@@ -9097,7 +17444,7 @@
                   <a:srgbClr val="002060"/>
                 </a:solidFill>
               </a:rPr>
-              <a:t>DATOS DE VUELOS</a:t>
+              <a:t>Enfoque general</a:t>
             </a:r>
             <a:endParaRPr lang="es-ES" b="1" dirty="0">
               <a:solidFill>
@@ -9144,6 +17491,34 @@
           </a:prstGeom>
         </p:spPr>
       </p:pic>
+      <p:graphicFrame>
+        <p:nvGraphicFramePr>
+          <p:cNvPr id="2" name="Diagrama 1">
+            <a:extLst>
+              <a:ext uri="{FF2B5EF4-FFF2-40B4-BE49-F238E27FC236}">
+                <a16:creationId xmlns:a16="http://schemas.microsoft.com/office/drawing/2014/main" id="{C8870AA1-3359-6A7B-7C32-103A42AA987C}"/>
+              </a:ext>
+            </a:extLst>
+          </p:cNvPr>
+          <p:cNvGraphicFramePr/>
+          <p:nvPr>
+            <p:extLst>
+              <p:ext uri="{D42A27DB-BD31-4B8C-83A1-F6EECF244321}">
+                <p14:modId xmlns:p14="http://schemas.microsoft.com/office/powerpoint/2010/main" val="242075117"/>
+              </p:ext>
+            </p:extLst>
+          </p:nvPr>
+        </p:nvGraphicFramePr>
+        <p:xfrm>
+          <a:off x="696440" y="1421190"/>
+          <a:ext cx="10352314" cy="4015619"/>
+        </p:xfrm>
+        <a:graphic>
+          <a:graphicData uri="http://schemas.openxmlformats.org/drawingml/2006/diagram">
+            <dgm:relIds xmlns:dgm="http://schemas.openxmlformats.org/drawingml/2006/diagram" xmlns:r="http://schemas.openxmlformats.org/officeDocument/2006/relationships" r:dm="rId3" r:lo="rId4" r:qs="rId5" r:cs="rId6"/>
+          </a:graphicData>
+        </a:graphic>
+      </p:graphicFrame>
     </p:spTree>
     <p:extLst>
       <p:ext uri="{BB962C8B-B14F-4D97-AF65-F5344CB8AC3E}">

--- a/Memoria_pres.pptx
+++ b/Memoria_pres.pptx
@@ -17,8 +17,11 @@
     <p:sldId id="284" r:id="rId11"/>
     <p:sldId id="285" r:id="rId12"/>
     <p:sldId id="286" r:id="rId13"/>
-    <p:sldId id="287" r:id="rId14"/>
-    <p:sldId id="273" r:id="rId15"/>
+    <p:sldId id="288" r:id="rId14"/>
+    <p:sldId id="289" r:id="rId15"/>
+    <p:sldId id="290" r:id="rId16"/>
+    <p:sldId id="287" r:id="rId17"/>
+    <p:sldId id="273" r:id="rId18"/>
   </p:sldIdLst>
   <p:sldSz cx="12192000" cy="6858000"/>
   <p:notesSz cx="6858000" cy="9144000"/>
@@ -134,6 +137,9 @@
             <p14:sldId id="284"/>
             <p14:sldId id="285"/>
             <p14:sldId id="286"/>
+            <p14:sldId id="288"/>
+            <p14:sldId id="289"/>
+            <p14:sldId id="290"/>
             <p14:sldId id="287"/>
             <p14:sldId id="273"/>
           </p14:sldIdLst>
@@ -150,7 +156,7 @@
 <file path=ppt/revisionInfo.xml><?xml version="1.0" encoding="utf-8"?>
 <p1510:revInfo xmlns:a="http://schemas.openxmlformats.org/drawingml/2006/main" xmlns:r="http://schemas.openxmlformats.org/officeDocument/2006/relationships" xmlns:p1510="http://schemas.microsoft.com/office/powerpoint/2015/10/main">
   <p1510:revLst>
-    <p1510:client id="{6C82D168-08F4-1543-A0CB-7D06EED6125B}" v="541" dt="2023-01-07T09:52:38.728"/>
+    <p1510:client id="{6C82D168-08F4-1543-A0CB-7D06EED6125B}" v="827" dt="2023-01-07T14:30:51.101"/>
   </p1510:revLst>
 </p1510:revInfo>
 </file>
@@ -159,8 +165,8 @@
 <pc:chgInfo xmlns:a="http://schemas.openxmlformats.org/drawingml/2006/main" xmlns:r="http://schemas.openxmlformats.org/officeDocument/2006/relationships" xmlns:ac="http://schemas.microsoft.com/office/drawing/2013/main/command" xmlns:pc="http://schemas.microsoft.com/office/powerpoint/2013/main/command">
   <pc:docChgLst>
     <pc:chgData name="Gerard-Josep Alcalde Gascón" userId="9d1ed6b0-d622-4a51-bd3c-00a933bae978" providerId="ADAL" clId="{6C82D168-08F4-1543-A0CB-7D06EED6125B}"/>
-    <pc:docChg chg="custSel addSld delSld modSld modSection">
-      <pc:chgData name="Gerard-Josep Alcalde Gascón" userId="9d1ed6b0-d622-4a51-bd3c-00a933bae978" providerId="ADAL" clId="{6C82D168-08F4-1543-A0CB-7D06EED6125B}" dt="2023-01-07T09:52:38.728" v="783" actId="20577"/>
+    <pc:docChg chg="undo custSel addSld delSld modSld modSection">
+      <pc:chgData name="Gerard-Josep Alcalde Gascón" userId="9d1ed6b0-d622-4a51-bd3c-00a933bae978" providerId="ADAL" clId="{6C82D168-08F4-1543-A0CB-7D06EED6125B}" dt="2023-01-07T14:32:10.967" v="1453" actId="948"/>
       <pc:docMkLst>
         <pc:docMk/>
       </pc:docMkLst>
@@ -240,12 +246,20 @@
           </ac:spMkLst>
         </pc:spChg>
       </pc:sldChg>
-      <pc:sldChg chg="modSp add mod">
-        <pc:chgData name="Gerard-Josep Alcalde Gascón" userId="9d1ed6b0-d622-4a51-bd3c-00a933bae978" providerId="ADAL" clId="{6C82D168-08F4-1543-A0CB-7D06EED6125B}" dt="2023-01-07T09:46:14.509" v="389" actId="20577"/>
+      <pc:sldChg chg="addSp delSp modSp add mod">
+        <pc:chgData name="Gerard-Josep Alcalde Gascón" userId="9d1ed6b0-d622-4a51-bd3c-00a933bae978" providerId="ADAL" clId="{6C82D168-08F4-1543-A0CB-7D06EED6125B}" dt="2023-01-07T14:32:10.967" v="1453" actId="948"/>
         <pc:sldMkLst>
           <pc:docMk/>
           <pc:sldMk cId="1661860490" sldId="286"/>
         </pc:sldMkLst>
+        <pc:spChg chg="add mod">
+          <ac:chgData name="Gerard-Josep Alcalde Gascón" userId="9d1ed6b0-d622-4a51-bd3c-00a933bae978" providerId="ADAL" clId="{6C82D168-08F4-1543-A0CB-7D06EED6125B}" dt="2023-01-07T14:32:10.967" v="1453" actId="948"/>
+          <ac:spMkLst>
+            <pc:docMk/>
+            <pc:sldMk cId="1661860490" sldId="286"/>
+            <ac:spMk id="3" creationId="{A3C612D3-A8A6-541E-3883-132942816F71}"/>
+          </ac:spMkLst>
+        </pc:spChg>
         <pc:spChg chg="mod">
           <ac:chgData name="Gerard-Josep Alcalde Gascón" userId="9d1ed6b0-d622-4a51-bd3c-00a933bae978" providerId="ADAL" clId="{6C82D168-08F4-1543-A0CB-7D06EED6125B}" dt="2023-01-07T09:46:14.509" v="389" actId="20577"/>
           <ac:spMkLst>
@@ -254,6 +268,14 @@
             <ac:spMk id="6" creationId="{1FA76770-F660-DB19-61AA-87990F00E84D}"/>
           </ac:spMkLst>
         </pc:spChg>
+        <pc:graphicFrameChg chg="add del mod modGraphic">
+          <ac:chgData name="Gerard-Josep Alcalde Gascón" userId="9d1ed6b0-d622-4a51-bd3c-00a933bae978" providerId="ADAL" clId="{6C82D168-08F4-1543-A0CB-7D06EED6125B}" dt="2023-01-07T14:19:44.378" v="1040" actId="478"/>
+          <ac:graphicFrameMkLst>
+            <pc:docMk/>
+            <pc:sldMk cId="1661860490" sldId="286"/>
+            <ac:graphicFrameMk id="2" creationId="{7C80F80A-78F0-F91B-81B0-7A83B0A49CDC}"/>
+          </ac:graphicFrameMkLst>
+        </pc:graphicFrameChg>
       </pc:sldChg>
       <pc:sldChg chg="del">
         <pc:chgData name="Gerard-Josep Alcalde Gascón" userId="9d1ed6b0-d622-4a51-bd3c-00a933bae978" providerId="ADAL" clId="{6C82D168-08F4-1543-A0CB-7D06EED6125B}" dt="2023-01-07T09:45:41.737" v="276" actId="2696"/>
@@ -263,7 +285,7 @@
         </pc:sldMkLst>
       </pc:sldChg>
       <pc:sldChg chg="addSp delSp modSp add mod">
-        <pc:chgData name="Gerard-Josep Alcalde Gascón" userId="9d1ed6b0-d622-4a51-bd3c-00a933bae978" providerId="ADAL" clId="{6C82D168-08F4-1543-A0CB-7D06EED6125B}" dt="2023-01-07T09:52:38.728" v="783" actId="20577"/>
+        <pc:chgData name="Gerard-Josep Alcalde Gascón" userId="9d1ed6b0-d622-4a51-bd3c-00a933bae978" providerId="ADAL" clId="{6C82D168-08F4-1543-A0CB-7D06EED6125B}" dt="2023-01-07T14:17:45.379" v="1012" actId="1076"/>
         <pc:sldMkLst>
           <pc:docMk/>
           <pc:sldMk cId="3057827915" sldId="287"/>
@@ -292,14 +314,75 @@
             <ac:spMk id="9" creationId="{D92DA6F7-D4A6-1A3A-C4F2-910AD3B9B39A}"/>
           </ac:spMkLst>
         </pc:spChg>
+        <pc:spChg chg="add del mod">
+          <ac:chgData name="Gerard-Josep Alcalde Gascón" userId="9d1ed6b0-d622-4a51-bd3c-00a933bae978" providerId="ADAL" clId="{6C82D168-08F4-1543-A0CB-7D06EED6125B}" dt="2023-01-07T14:14:24.564" v="972" actId="478"/>
+          <ac:spMkLst>
+            <pc:docMk/>
+            <pc:sldMk cId="3057827915" sldId="287"/>
+            <ac:spMk id="11" creationId="{E29E8D86-DFF6-88DE-2A73-38B6515B7E30}"/>
+          </ac:spMkLst>
+        </pc:spChg>
+        <pc:spChg chg="add del mod">
+          <ac:chgData name="Gerard-Josep Alcalde Gascón" userId="9d1ed6b0-d622-4a51-bd3c-00a933bae978" providerId="ADAL" clId="{6C82D168-08F4-1543-A0CB-7D06EED6125B}" dt="2023-01-07T14:15:50.610" v="984" actId="478"/>
+          <ac:spMkLst>
+            <pc:docMk/>
+            <pc:sldMk cId="3057827915" sldId="287"/>
+            <ac:spMk id="13" creationId="{B6D935CD-1F73-6C99-B654-5F5CEB640A05}"/>
+          </ac:spMkLst>
+        </pc:spChg>
         <pc:graphicFrameChg chg="add mod modGraphic">
-          <ac:chgData name="Gerard-Josep Alcalde Gascón" userId="9d1ed6b0-d622-4a51-bd3c-00a933bae978" providerId="ADAL" clId="{6C82D168-08F4-1543-A0CB-7D06EED6125B}" dt="2023-01-07T09:52:38.728" v="783" actId="20577"/>
+          <ac:chgData name="Gerard-Josep Alcalde Gascón" userId="9d1ed6b0-d622-4a51-bd3c-00a933bae978" providerId="ADAL" clId="{6C82D168-08F4-1543-A0CB-7D06EED6125B}" dt="2023-01-07T14:17:45.379" v="1012" actId="1076"/>
           <ac:graphicFrameMkLst>
             <pc:docMk/>
             <pc:sldMk cId="3057827915" sldId="287"/>
             <ac:graphicFrameMk id="2" creationId="{2E4C0C41-A806-3D8F-CA48-3AE5CFF80721}"/>
           </ac:graphicFrameMkLst>
         </pc:graphicFrameChg>
+      </pc:sldChg>
+      <pc:sldChg chg="modSp add mod">
+        <pc:chgData name="Gerard-Josep Alcalde Gascón" userId="9d1ed6b0-d622-4a51-bd3c-00a933bae978" providerId="ADAL" clId="{6C82D168-08F4-1543-A0CB-7D06EED6125B}" dt="2023-01-07T14:32:01.964" v="1452" actId="948"/>
+        <pc:sldMkLst>
+          <pc:docMk/>
+          <pc:sldMk cId="2300103096" sldId="288"/>
+        </pc:sldMkLst>
+        <pc:spChg chg="mod">
+          <ac:chgData name="Gerard-Josep Alcalde Gascón" userId="9d1ed6b0-d622-4a51-bd3c-00a933bae978" providerId="ADAL" clId="{6C82D168-08F4-1543-A0CB-7D06EED6125B}" dt="2023-01-07T14:32:01.964" v="1452" actId="948"/>
+          <ac:spMkLst>
+            <pc:docMk/>
+            <pc:sldMk cId="2300103096" sldId="288"/>
+            <ac:spMk id="3" creationId="{A3C612D3-A8A6-541E-3883-132942816F71}"/>
+          </ac:spMkLst>
+        </pc:spChg>
+      </pc:sldChg>
+      <pc:sldChg chg="modSp add mod">
+        <pc:chgData name="Gerard-Josep Alcalde Gascón" userId="9d1ed6b0-d622-4a51-bd3c-00a933bae978" providerId="ADAL" clId="{6C82D168-08F4-1543-A0CB-7D06EED6125B}" dt="2023-01-07T14:31:41.557" v="1450" actId="948"/>
+        <pc:sldMkLst>
+          <pc:docMk/>
+          <pc:sldMk cId="3740756649" sldId="289"/>
+        </pc:sldMkLst>
+        <pc:spChg chg="mod">
+          <ac:chgData name="Gerard-Josep Alcalde Gascón" userId="9d1ed6b0-d622-4a51-bd3c-00a933bae978" providerId="ADAL" clId="{6C82D168-08F4-1543-A0CB-7D06EED6125B}" dt="2023-01-07T14:31:41.557" v="1450" actId="948"/>
+          <ac:spMkLst>
+            <pc:docMk/>
+            <pc:sldMk cId="3740756649" sldId="289"/>
+            <ac:spMk id="3" creationId="{A3C612D3-A8A6-541E-3883-132942816F71}"/>
+          </ac:spMkLst>
+        </pc:spChg>
+      </pc:sldChg>
+      <pc:sldChg chg="modSp add mod">
+        <pc:chgData name="Gerard-Josep Alcalde Gascón" userId="9d1ed6b0-d622-4a51-bd3c-00a933bae978" providerId="ADAL" clId="{6C82D168-08F4-1543-A0CB-7D06EED6125B}" dt="2023-01-07T14:31:52.345" v="1451" actId="948"/>
+        <pc:sldMkLst>
+          <pc:docMk/>
+          <pc:sldMk cId="3482883933" sldId="290"/>
+        </pc:sldMkLst>
+        <pc:spChg chg="mod">
+          <ac:chgData name="Gerard-Josep Alcalde Gascón" userId="9d1ed6b0-d622-4a51-bd3c-00a933bae978" providerId="ADAL" clId="{6C82D168-08F4-1543-A0CB-7D06EED6125B}" dt="2023-01-07T14:31:52.345" v="1451" actId="948"/>
+          <ac:spMkLst>
+            <pc:docMk/>
+            <pc:sldMk cId="3482883933" sldId="290"/>
+            <ac:spMk id="3" creationId="{A3C612D3-A8A6-541E-3883-132942816F71}"/>
+          </ac:spMkLst>
+        </pc:spChg>
       </pc:sldChg>
     </pc:docChg>
   </pc:docChgLst>
@@ -2277,14 +2360,14 @@
       </dgm:t>
     </dgm:pt>
     <dgm:pt modelId="{713F20A0-BF72-EE43-A8DD-AF185C4B82DC}">
-      <dgm:prSet phldrT="[Texto]"/>
+      <dgm:prSet phldrT="[Texto]" custT="1"/>
       <dgm:spPr/>
       <dgm:t>
         <a:bodyPr/>
         <a:lstStyle/>
         <a:p>
           <a:r>
-            <a:rPr lang="es-ES" dirty="0"/>
+            <a:rPr lang="es-ES" sz="1600" dirty="0"/>
             <a:t>Regresión 1</a:t>
           </a:r>
         </a:p>
@@ -2385,16 +2468,25 @@
       </dgm:t>
     </dgm:pt>
     <dgm:pt modelId="{28D5221A-BD74-3D4B-AFB4-4550713B6A46}">
-      <dgm:prSet phldrT="[Texto]"/>
+      <dgm:prSet phldrT="[Texto]" custT="1"/>
       <dgm:spPr/>
       <dgm:t>
         <a:bodyPr/>
         <a:lstStyle/>
         <a:p>
           <a:r>
-            <a:rPr lang="es-ES" dirty="0"/>
-            <a:t>Regresión 2</a:t>
+            <a:rPr lang="es-ES" sz="1600" dirty="0"/>
+            <a:t>Regresión</a:t>
           </a:r>
+          <a:r>
+            <a:rPr lang="es-ES" sz="1200" dirty="0"/>
+            <a:t> </a:t>
+          </a:r>
+          <a:r>
+            <a:rPr lang="es-ES" sz="1600" dirty="0"/>
+            <a:t>2</a:t>
+          </a:r>
+          <a:endParaRPr lang="es-ES" sz="1200" dirty="0"/>
         </a:p>
       </dgm:t>
     </dgm:pt>
@@ -2457,14 +2549,14 @@
       </dgm:t>
     </dgm:pt>
     <dgm:pt modelId="{0A895738-3D40-E74A-B397-D507CCF0DD94}">
-      <dgm:prSet phldrT="[Texto]"/>
+      <dgm:prSet phldrT="[Texto]" custT="1"/>
       <dgm:spPr/>
       <dgm:t>
         <a:bodyPr/>
         <a:lstStyle/>
         <a:p>
           <a:r>
-            <a:rPr lang="es-ES" dirty="0"/>
+            <a:rPr lang="es-ES" sz="1600" dirty="0"/>
             <a:t>Regresión 3</a:t>
           </a:r>
         </a:p>
@@ -2529,14 +2621,14 @@
       </dgm:t>
     </dgm:pt>
     <dgm:pt modelId="{8FCAC36B-883B-CB49-B2A9-1726890C69CC}">
-      <dgm:prSet phldrT="[Texto]"/>
+      <dgm:prSet phldrT="[Texto]" custT="1"/>
       <dgm:spPr/>
       <dgm:t>
         <a:bodyPr/>
         <a:lstStyle/>
         <a:p>
           <a:r>
-            <a:rPr lang="es-ES" dirty="0"/>
+            <a:rPr lang="es-ES" sz="1600" dirty="0"/>
             <a:t>Regresión 4</a:t>
           </a:r>
         </a:p>
@@ -2565,14 +2657,14 @@
       </dgm:t>
     </dgm:pt>
     <dgm:pt modelId="{E05BD9A0-9638-2847-B21C-1F3C0B4CB50F}">
-      <dgm:prSet phldrT="[Texto]"/>
+      <dgm:prSet phldrT="[Texto]" custT="1"/>
       <dgm:spPr/>
       <dgm:t>
         <a:bodyPr/>
         <a:lstStyle/>
         <a:p>
           <a:r>
-            <a:rPr lang="es-ES" dirty="0"/>
+            <a:rPr lang="es-ES" sz="1600" dirty="0"/>
             <a:t>Regresión 5</a:t>
           </a:r>
         </a:p>
@@ -2971,8 +3063,8 @@
         <a:lstStyle/>
         <a:p>
           <a:r>
-            <a:rPr lang="es-ES"/>
-            <a:t>Comfort_score</a:t>
+            <a:rPr lang="es-ES" dirty="0" err="1"/>
+            <a:t>Staff_score</a:t>
           </a:r>
           <a:endParaRPr lang="es-ES" dirty="0"/>
         </a:p>
@@ -3008,10 +3100,9 @@
         <a:lstStyle/>
         <a:p>
           <a:r>
-            <a:rPr lang="es-ES"/>
+            <a:rPr lang="es-ES" dirty="0"/>
             <a:t>Resultados:</a:t>
           </a:r>
-          <a:endParaRPr lang="es-ES" dirty="0"/>
         </a:p>
       </dgm:t>
     </dgm:pt>
@@ -3045,22 +3136,21 @@
         <a:lstStyle/>
         <a:p>
           <a:r>
-            <a:rPr lang="es-ES"/>
+            <a:rPr lang="es-ES" dirty="0"/>
             <a:t>R</a:t>
           </a:r>
           <a:r>
-            <a:rPr lang="es-ES" baseline="30000"/>
+            <a:rPr lang="es-ES" baseline="30000" dirty="0"/>
             <a:t>2</a:t>
           </a:r>
           <a:r>
-            <a:rPr lang="es-ES" baseline="0"/>
+            <a:rPr lang="es-ES" baseline="0" dirty="0"/>
             <a:t>: </a:t>
           </a:r>
           <a:r>
-            <a:rPr lang="es-ES"/>
-            <a:t>0.005</a:t>
+            <a:rPr lang="es-ES" dirty="0"/>
+            <a:t>0.0567</a:t>
           </a:r>
-          <a:endParaRPr lang="es-ES" dirty="0"/>
         </a:p>
       </dgm:t>
     </dgm:pt>
@@ -3130,8 +3220,8 @@
         <a:lstStyle/>
         <a:p>
           <a:r>
-            <a:rPr lang="es-ES"/>
-            <a:t>Comfort_score</a:t>
+            <a:rPr lang="es-ES" dirty="0" err="1"/>
+            <a:t>Staff_score</a:t>
           </a:r>
           <a:endParaRPr lang="es-ES" dirty="0"/>
         </a:p>
@@ -3167,10 +3257,9 @@
         <a:lstStyle/>
         <a:p>
           <a:r>
-            <a:rPr lang="es-ES"/>
+            <a:rPr lang="es-ES" dirty="0"/>
             <a:t>Resultados:</a:t>
           </a:r>
-          <a:endParaRPr lang="es-ES" dirty="0"/>
         </a:p>
       </dgm:t>
     </dgm:pt>
@@ -3204,22 +3293,21 @@
         <a:lstStyle/>
         <a:p>
           <a:r>
-            <a:rPr lang="es-ES"/>
+            <a:rPr lang="es-ES" dirty="0"/>
             <a:t>R</a:t>
           </a:r>
           <a:r>
-            <a:rPr lang="es-ES" baseline="30000"/>
+            <a:rPr lang="es-ES" baseline="30000" dirty="0"/>
             <a:t>2</a:t>
           </a:r>
           <a:r>
-            <a:rPr lang="es-ES" baseline="0"/>
+            <a:rPr lang="es-ES" baseline="0" dirty="0"/>
             <a:t>: </a:t>
           </a:r>
           <a:r>
-            <a:rPr lang="es-ES"/>
-            <a:t>0.005</a:t>
+            <a:rPr lang="es-ES" dirty="0"/>
+            <a:t>0.0546</a:t>
           </a:r>
-          <a:endParaRPr lang="es-ES" dirty="0"/>
         </a:p>
       </dgm:t>
     </dgm:pt>
@@ -3704,6 +3792,939 @@
       </dgm:t>
     </dgm:pt>
     <dgm:pt modelId="{E4B9248F-E1B4-3E46-B15B-163D62C9745C}" type="sibTrans" cxnId="{AA7E1EDE-D0E6-8949-A50F-E31EB137C63D}">
+      <dgm:prSet/>
+      <dgm:spPr/>
+      <dgm:t>
+        <a:bodyPr/>
+        <a:lstStyle/>
+        <a:p>
+          <a:endParaRPr lang="es-ES"/>
+        </a:p>
+      </dgm:t>
+    </dgm:pt>
+    <dgm:pt modelId="{B59A93ED-7F93-C74C-8FF6-FBC2A6574492}">
+      <dgm:prSet/>
+      <dgm:spPr/>
+      <dgm:t>
+        <a:bodyPr/>
+        <a:lstStyle/>
+        <a:p>
+          <a:r>
+            <a:rPr lang="es-ES" dirty="0" err="1"/>
+            <a:t>Value_for_money</a:t>
+          </a:r>
+          <a:endParaRPr lang="es-ES" dirty="0"/>
+        </a:p>
+      </dgm:t>
+    </dgm:pt>
+    <dgm:pt modelId="{AD23F4FD-9F5E-CD42-AB67-249257448B4C}" type="parTrans" cxnId="{3725D917-9477-674B-9BD7-155AB0C0FC87}">
+      <dgm:prSet/>
+      <dgm:spPr/>
+      <dgm:t>
+        <a:bodyPr/>
+        <a:lstStyle/>
+        <a:p>
+          <a:endParaRPr lang="es-ES"/>
+        </a:p>
+      </dgm:t>
+    </dgm:pt>
+    <dgm:pt modelId="{3808E1EB-6355-B64A-A9DB-1EF03CA3C361}" type="sibTrans" cxnId="{3725D917-9477-674B-9BD7-155AB0C0FC87}">
+      <dgm:prSet/>
+      <dgm:spPr/>
+      <dgm:t>
+        <a:bodyPr/>
+        <a:lstStyle/>
+        <a:p>
+          <a:endParaRPr lang="es-ES"/>
+        </a:p>
+      </dgm:t>
+    </dgm:pt>
+    <dgm:pt modelId="{ECA19826-E131-3143-8170-6FB978E3B754}">
+      <dgm:prSet/>
+      <dgm:spPr/>
+      <dgm:t>
+        <a:bodyPr/>
+        <a:lstStyle/>
+        <a:p>
+          <a:r>
+            <a:rPr lang="es-ES" dirty="0" err="1"/>
+            <a:t>Location_score</a:t>
+          </a:r>
+          <a:endParaRPr lang="es-ES" dirty="0"/>
+        </a:p>
+      </dgm:t>
+    </dgm:pt>
+    <dgm:pt modelId="{A195020A-7C37-EB48-8F08-FC8230E32CC9}" type="parTrans" cxnId="{0C0B6A58-4CDB-DF4E-9B2F-5157383B2868}">
+      <dgm:prSet/>
+      <dgm:spPr/>
+      <dgm:t>
+        <a:bodyPr/>
+        <a:lstStyle/>
+        <a:p>
+          <a:endParaRPr lang="es-ES"/>
+        </a:p>
+      </dgm:t>
+    </dgm:pt>
+    <dgm:pt modelId="{0FE27D84-46BF-8849-8331-1A5FC8DD2C73}" type="sibTrans" cxnId="{0C0B6A58-4CDB-DF4E-9B2F-5157383B2868}">
+      <dgm:prSet/>
+      <dgm:spPr/>
+      <dgm:t>
+        <a:bodyPr/>
+        <a:lstStyle/>
+        <a:p>
+          <a:endParaRPr lang="es-ES"/>
+        </a:p>
+      </dgm:t>
+    </dgm:pt>
+    <dgm:pt modelId="{E5B71C87-286A-504C-9FED-D8FBE221DF2E}">
+      <dgm:prSet/>
+      <dgm:spPr/>
+      <dgm:t>
+        <a:bodyPr/>
+        <a:lstStyle/>
+        <a:p>
+          <a:r>
+            <a:rPr lang="es-ES" dirty="0" err="1"/>
+            <a:t>Free_wifi_score</a:t>
+          </a:r>
+          <a:endParaRPr lang="es-ES" dirty="0"/>
+        </a:p>
+      </dgm:t>
+    </dgm:pt>
+    <dgm:pt modelId="{9D8232D3-F16E-DE4A-9828-76D8F6823B26}" type="parTrans" cxnId="{68BCD77F-2039-B847-8E91-B391164CFC70}">
+      <dgm:prSet/>
+      <dgm:spPr/>
+      <dgm:t>
+        <a:bodyPr/>
+        <a:lstStyle/>
+        <a:p>
+          <a:endParaRPr lang="es-ES"/>
+        </a:p>
+      </dgm:t>
+    </dgm:pt>
+    <dgm:pt modelId="{22FC9835-6A9E-0245-9C89-EA136571E5E4}" type="sibTrans" cxnId="{68BCD77F-2039-B847-8E91-B391164CFC70}">
+      <dgm:prSet/>
+      <dgm:spPr/>
+      <dgm:t>
+        <a:bodyPr/>
+        <a:lstStyle/>
+        <a:p>
+          <a:endParaRPr lang="es-ES"/>
+        </a:p>
+      </dgm:t>
+    </dgm:pt>
+    <dgm:pt modelId="{C0523AAE-B76D-BD4B-9172-57C203FC0868}">
+      <dgm:prSet/>
+      <dgm:spPr/>
+      <dgm:t>
+        <a:bodyPr/>
+        <a:lstStyle/>
+        <a:p>
+          <a:endParaRPr lang="es-ES" dirty="0"/>
+        </a:p>
+      </dgm:t>
+    </dgm:pt>
+    <dgm:pt modelId="{6ED78F1E-62D7-5449-B653-88B1807CC3B4}" type="parTrans" cxnId="{9C9521A5-E8CB-AA47-8480-234CA4065BC8}">
+      <dgm:prSet/>
+      <dgm:spPr/>
+      <dgm:t>
+        <a:bodyPr/>
+        <a:lstStyle/>
+        <a:p>
+          <a:endParaRPr lang="es-ES"/>
+        </a:p>
+      </dgm:t>
+    </dgm:pt>
+    <dgm:pt modelId="{1BF0186C-831D-F445-979A-5487E2641705}" type="sibTrans" cxnId="{9C9521A5-E8CB-AA47-8480-234CA4065BC8}">
+      <dgm:prSet/>
+      <dgm:spPr/>
+      <dgm:t>
+        <a:bodyPr/>
+        <a:lstStyle/>
+        <a:p>
+          <a:endParaRPr lang="es-ES"/>
+        </a:p>
+      </dgm:t>
+    </dgm:pt>
+    <dgm:pt modelId="{8D2B03F3-2622-FD40-8963-81F8268332EB}">
+      <dgm:prSet/>
+      <dgm:spPr/>
+      <dgm:t>
+        <a:bodyPr/>
+        <a:lstStyle/>
+        <a:p>
+          <a:r>
+            <a:rPr lang="es-ES" dirty="0" err="1"/>
+            <a:t>Min_Price</a:t>
+          </a:r>
+          <a:endParaRPr lang="es-ES" dirty="0"/>
+        </a:p>
+      </dgm:t>
+    </dgm:pt>
+    <dgm:pt modelId="{BECB9C8F-8FD5-BB4C-B5BE-62D64E2CF58E}" type="parTrans" cxnId="{C480C3B3-ECB1-9D49-9001-127EA0729733}">
+      <dgm:prSet/>
+      <dgm:spPr/>
+      <dgm:t>
+        <a:bodyPr/>
+        <a:lstStyle/>
+        <a:p>
+          <a:endParaRPr lang="es-ES"/>
+        </a:p>
+      </dgm:t>
+    </dgm:pt>
+    <dgm:pt modelId="{3C084FC9-D1CD-494B-A928-7415501E3438}" type="sibTrans" cxnId="{C480C3B3-ECB1-9D49-9001-127EA0729733}">
+      <dgm:prSet/>
+      <dgm:spPr/>
+      <dgm:t>
+        <a:bodyPr/>
+        <a:lstStyle/>
+        <a:p>
+          <a:endParaRPr lang="es-ES"/>
+        </a:p>
+      </dgm:t>
+    </dgm:pt>
+    <dgm:pt modelId="{A3023A56-B610-2E4C-8BA9-4F47C7AA75AE}">
+      <dgm:prSet/>
+      <dgm:spPr/>
+      <dgm:t>
+        <a:bodyPr/>
+        <a:lstStyle/>
+        <a:p>
+          <a:r>
+            <a:rPr lang="es-ES" dirty="0" err="1"/>
+            <a:t>Balcony</a:t>
+          </a:r>
+          <a:endParaRPr lang="es-ES" dirty="0"/>
+        </a:p>
+      </dgm:t>
+    </dgm:pt>
+    <dgm:pt modelId="{73E2913C-6BDC-DF48-B3DC-AD26D17A6ACD}" type="parTrans" cxnId="{7A4A7FC4-5BC2-A847-8FEC-02B6C52A14CB}">
+      <dgm:prSet/>
+      <dgm:spPr/>
+      <dgm:t>
+        <a:bodyPr/>
+        <a:lstStyle/>
+        <a:p>
+          <a:endParaRPr lang="es-ES"/>
+        </a:p>
+      </dgm:t>
+    </dgm:pt>
+    <dgm:pt modelId="{E5F285C6-255A-6548-BE7B-0464EEC1CD39}" type="sibTrans" cxnId="{7A4A7FC4-5BC2-A847-8FEC-02B6C52A14CB}">
+      <dgm:prSet/>
+      <dgm:spPr/>
+      <dgm:t>
+        <a:bodyPr/>
+        <a:lstStyle/>
+        <a:p>
+          <a:endParaRPr lang="es-ES"/>
+        </a:p>
+      </dgm:t>
+    </dgm:pt>
+    <dgm:pt modelId="{B39BE120-7AA2-5844-B3DE-0FADA010FAFF}">
+      <dgm:prSet/>
+      <dgm:spPr/>
+      <dgm:t>
+        <a:bodyPr/>
+        <a:lstStyle/>
+        <a:p>
+          <a:r>
+            <a:rPr lang="es-ES" dirty="0" err="1"/>
+            <a:t>Pet_friendly</a:t>
+          </a:r>
+          <a:endParaRPr lang="es-ES" dirty="0"/>
+        </a:p>
+      </dgm:t>
+    </dgm:pt>
+    <dgm:pt modelId="{7B870378-EE58-894F-91E1-6AE0EF0BE966}" type="parTrans" cxnId="{1455AE45-EF51-E04B-9D63-6CD0F1941968}">
+      <dgm:prSet/>
+      <dgm:spPr/>
+      <dgm:t>
+        <a:bodyPr/>
+        <a:lstStyle/>
+        <a:p>
+          <a:endParaRPr lang="es-ES"/>
+        </a:p>
+      </dgm:t>
+    </dgm:pt>
+    <dgm:pt modelId="{09EB3438-EB29-9140-ACF3-893E96C366B4}" type="sibTrans" cxnId="{1455AE45-EF51-E04B-9D63-6CD0F1941968}">
+      <dgm:prSet/>
+      <dgm:spPr/>
+      <dgm:t>
+        <a:bodyPr/>
+        <a:lstStyle/>
+        <a:p>
+          <a:endParaRPr lang="es-ES"/>
+        </a:p>
+      </dgm:t>
+    </dgm:pt>
+    <dgm:pt modelId="{EE9B25DB-61EB-1045-BC70-1F3C64B65356}">
+      <dgm:prSet/>
+      <dgm:spPr/>
+      <dgm:t>
+        <a:bodyPr/>
+        <a:lstStyle/>
+        <a:p>
+          <a:r>
+            <a:rPr lang="es-ES" dirty="0" err="1"/>
+            <a:t>Air_conditioning</a:t>
+          </a:r>
+          <a:endParaRPr lang="es-ES" dirty="0"/>
+        </a:p>
+      </dgm:t>
+    </dgm:pt>
+    <dgm:pt modelId="{F7053BE5-057A-1C40-8803-5A4671AC87C8}" type="parTrans" cxnId="{FB0F6167-DA1A-8046-AF67-2950F6C79EE0}">
+      <dgm:prSet/>
+      <dgm:spPr/>
+      <dgm:t>
+        <a:bodyPr/>
+        <a:lstStyle/>
+        <a:p>
+          <a:endParaRPr lang="es-ES"/>
+        </a:p>
+      </dgm:t>
+    </dgm:pt>
+    <dgm:pt modelId="{30DDA3EF-ED21-0745-811B-C8E5175528D3}" type="sibTrans" cxnId="{FB0F6167-DA1A-8046-AF67-2950F6C79EE0}">
+      <dgm:prSet/>
+      <dgm:spPr/>
+      <dgm:t>
+        <a:bodyPr/>
+        <a:lstStyle/>
+        <a:p>
+          <a:endParaRPr lang="es-ES"/>
+        </a:p>
+      </dgm:t>
+    </dgm:pt>
+    <dgm:pt modelId="{1A5BA3FE-2D76-3845-96BA-348535CEB8D1}">
+      <dgm:prSet/>
+      <dgm:spPr/>
+      <dgm:t>
+        <a:bodyPr/>
+        <a:lstStyle/>
+        <a:p>
+          <a:r>
+            <a:rPr lang="es-ES" dirty="0" err="1"/>
+            <a:t>Private_bathroom</a:t>
+          </a:r>
+          <a:endParaRPr lang="es-ES" dirty="0"/>
+        </a:p>
+      </dgm:t>
+    </dgm:pt>
+    <dgm:pt modelId="{33965CB0-F7AF-C142-B4EE-6D0EF10D84F5}" type="parTrans" cxnId="{572FEC6F-8262-404D-8F02-18EDD128C399}">
+      <dgm:prSet/>
+      <dgm:spPr/>
+      <dgm:t>
+        <a:bodyPr/>
+        <a:lstStyle/>
+        <a:p>
+          <a:endParaRPr lang="es-ES"/>
+        </a:p>
+      </dgm:t>
+    </dgm:pt>
+    <dgm:pt modelId="{649EEE7D-1563-4248-929D-5CD9299F51A6}" type="sibTrans" cxnId="{572FEC6F-8262-404D-8F02-18EDD128C399}">
+      <dgm:prSet/>
+      <dgm:spPr/>
+      <dgm:t>
+        <a:bodyPr/>
+        <a:lstStyle/>
+        <a:p>
+          <a:endParaRPr lang="es-ES"/>
+        </a:p>
+      </dgm:t>
+    </dgm:pt>
+    <dgm:pt modelId="{D50A149E-1F4A-7548-A154-30DBAE9D26A1}">
+      <dgm:prSet/>
+      <dgm:spPr/>
+      <dgm:t>
+        <a:bodyPr/>
+        <a:lstStyle/>
+        <a:p>
+          <a:r>
+            <a:rPr lang="es-ES" dirty="0" err="1"/>
+            <a:t>Free_wifi</a:t>
+          </a:r>
+          <a:endParaRPr lang="es-ES" dirty="0"/>
+        </a:p>
+      </dgm:t>
+    </dgm:pt>
+    <dgm:pt modelId="{1A3753F8-F2A6-0C42-80AF-A9427BBDD865}" type="parTrans" cxnId="{4DAF4911-44D0-C94E-8E72-9B470B21CF3E}">
+      <dgm:prSet/>
+      <dgm:spPr/>
+      <dgm:t>
+        <a:bodyPr/>
+        <a:lstStyle/>
+        <a:p>
+          <a:endParaRPr lang="es-ES"/>
+        </a:p>
+      </dgm:t>
+    </dgm:pt>
+    <dgm:pt modelId="{DC2D59B5-3095-094A-B159-E9CD366BF8C0}" type="sibTrans" cxnId="{4DAF4911-44D0-C94E-8E72-9B470B21CF3E}">
+      <dgm:prSet/>
+      <dgm:spPr/>
+      <dgm:t>
+        <a:bodyPr/>
+        <a:lstStyle/>
+        <a:p>
+          <a:endParaRPr lang="es-ES"/>
+        </a:p>
+      </dgm:t>
+    </dgm:pt>
+    <dgm:pt modelId="{350484AC-729C-1E4F-8F60-D25F1B7D92AC}">
+      <dgm:prSet/>
+      <dgm:spPr/>
+      <dgm:t>
+        <a:bodyPr/>
+        <a:lstStyle/>
+        <a:p>
+          <a:r>
+            <a:rPr lang="es-ES" dirty="0" err="1"/>
+            <a:t>Swimming_pool</a:t>
+          </a:r>
+          <a:endParaRPr lang="es-ES" dirty="0"/>
+        </a:p>
+      </dgm:t>
+    </dgm:pt>
+    <dgm:pt modelId="{E325A311-56F1-F442-9A24-1FFB716DA492}" type="parTrans" cxnId="{BC1D23F7-F86F-F54D-9FCE-D7B6D6B825D8}">
+      <dgm:prSet/>
+      <dgm:spPr/>
+      <dgm:t>
+        <a:bodyPr/>
+        <a:lstStyle/>
+        <a:p>
+          <a:endParaRPr lang="es-ES"/>
+        </a:p>
+      </dgm:t>
+    </dgm:pt>
+    <dgm:pt modelId="{FEE7BD35-CB82-9744-AC62-8C3407611BFB}" type="sibTrans" cxnId="{BC1D23F7-F86F-F54D-9FCE-D7B6D6B825D8}">
+      <dgm:prSet/>
+      <dgm:spPr/>
+      <dgm:t>
+        <a:bodyPr/>
+        <a:lstStyle/>
+        <a:p>
+          <a:endParaRPr lang="es-ES"/>
+        </a:p>
+      </dgm:t>
+    </dgm:pt>
+    <dgm:pt modelId="{913A0525-FECB-E645-AEBD-C101F25A5F6B}">
+      <dgm:prSet/>
+      <dgm:spPr/>
+      <dgm:t>
+        <a:bodyPr/>
+        <a:lstStyle/>
+        <a:p>
+          <a:r>
+            <a:rPr lang="es-ES" dirty="0" err="1"/>
+            <a:t>Non_smoking_roms</a:t>
+          </a:r>
+          <a:endParaRPr lang="es-ES" dirty="0"/>
+        </a:p>
+      </dgm:t>
+    </dgm:pt>
+    <dgm:pt modelId="{17B6C2BC-81CE-1942-9474-7CDAF3BABE08}" type="parTrans" cxnId="{EBCFE7F6-57C0-9A41-B203-81CE954CB5CF}">
+      <dgm:prSet/>
+      <dgm:spPr/>
+      <dgm:t>
+        <a:bodyPr/>
+        <a:lstStyle/>
+        <a:p>
+          <a:endParaRPr lang="es-ES"/>
+        </a:p>
+      </dgm:t>
+    </dgm:pt>
+    <dgm:pt modelId="{2817BE46-16FA-3849-A1F1-45DF8CFE86D4}" type="sibTrans" cxnId="{EBCFE7F6-57C0-9A41-B203-81CE954CB5CF}">
+      <dgm:prSet/>
+      <dgm:spPr/>
+      <dgm:t>
+        <a:bodyPr/>
+        <a:lstStyle/>
+        <a:p>
+          <a:endParaRPr lang="es-ES"/>
+        </a:p>
+      </dgm:t>
+    </dgm:pt>
+    <dgm:pt modelId="{F0D22FD0-C8D2-484B-9AC7-26FB64CAF7B3}">
+      <dgm:prSet/>
+      <dgm:spPr/>
+      <dgm:t>
+        <a:bodyPr/>
+        <a:lstStyle/>
+        <a:p>
+          <a:r>
+            <a:rPr lang="es-ES" dirty="0" err="1"/>
+            <a:t>Mean_flights</a:t>
+          </a:r>
+          <a:endParaRPr lang="es-ES" dirty="0"/>
+        </a:p>
+      </dgm:t>
+    </dgm:pt>
+    <dgm:pt modelId="{F9865F22-EAFC-4948-9766-F3E4CDEDBF7A}" type="parTrans" cxnId="{12B5C4B4-5C22-ED42-B93F-9CCB6DBC330B}">
+      <dgm:prSet/>
+      <dgm:spPr/>
+      <dgm:t>
+        <a:bodyPr/>
+        <a:lstStyle/>
+        <a:p>
+          <a:endParaRPr lang="es-ES"/>
+        </a:p>
+      </dgm:t>
+    </dgm:pt>
+    <dgm:pt modelId="{AAAC0A5E-0CA4-D143-A3EE-B57815095543}" type="sibTrans" cxnId="{12B5C4B4-5C22-ED42-B93F-9CCB6DBC330B}">
+      <dgm:prSet/>
+      <dgm:spPr/>
+      <dgm:t>
+        <a:bodyPr/>
+        <a:lstStyle/>
+        <a:p>
+          <a:endParaRPr lang="es-ES"/>
+        </a:p>
+      </dgm:t>
+    </dgm:pt>
+    <dgm:pt modelId="{8F7E1E02-2D70-E04C-90D8-652953180D13}">
+      <dgm:prSet/>
+      <dgm:spPr/>
+      <dgm:t>
+        <a:bodyPr/>
+        <a:lstStyle/>
+        <a:p>
+          <a:r>
+            <a:rPr lang="es-ES" dirty="0" err="1"/>
+            <a:t>Length</a:t>
+          </a:r>
+          <a:r>
+            <a:rPr lang="es-ES" dirty="0"/>
+            <a:t> </a:t>
+          </a:r>
+          <a:r>
+            <a:rPr lang="es-ES" dirty="0" err="1"/>
+            <a:t>description</a:t>
+          </a:r>
+          <a:endParaRPr lang="es-ES" dirty="0"/>
+        </a:p>
+      </dgm:t>
+    </dgm:pt>
+    <dgm:pt modelId="{F80D8DF8-3180-604A-B834-4B3FB4A29CB8}" type="parTrans" cxnId="{318D0458-4882-9241-B8F1-A29B8088BB8D}">
+      <dgm:prSet/>
+      <dgm:spPr/>
+      <dgm:t>
+        <a:bodyPr/>
+        <a:lstStyle/>
+        <a:p>
+          <a:endParaRPr lang="es-ES"/>
+        </a:p>
+      </dgm:t>
+    </dgm:pt>
+    <dgm:pt modelId="{93CC8377-6516-F14B-A912-AEC5AE8C1DA1}" type="sibTrans" cxnId="{318D0458-4882-9241-B8F1-A29B8088BB8D}">
+      <dgm:prSet/>
+      <dgm:spPr/>
+      <dgm:t>
+        <a:bodyPr/>
+        <a:lstStyle/>
+        <a:p>
+          <a:endParaRPr lang="es-ES"/>
+        </a:p>
+      </dgm:t>
+    </dgm:pt>
+    <dgm:pt modelId="{8C52691A-75D0-7948-A89B-79580E0D7D2F}">
+      <dgm:prSet/>
+      <dgm:spPr/>
+      <dgm:t>
+        <a:bodyPr/>
+        <a:lstStyle/>
+        <a:p>
+          <a:r>
+            <a:rPr lang="es-ES" dirty="0" err="1"/>
+            <a:t>Safe</a:t>
+          </a:r>
+          <a:endParaRPr lang="es-ES" dirty="0"/>
+        </a:p>
+      </dgm:t>
+    </dgm:pt>
+    <dgm:pt modelId="{C17ECEF9-78BD-024B-AA08-DEBCAFF27421}" type="parTrans" cxnId="{C1ACE302-4CC1-EB4C-902F-2756C472D595}">
+      <dgm:prSet/>
+      <dgm:spPr/>
+      <dgm:t>
+        <a:bodyPr/>
+        <a:lstStyle/>
+        <a:p>
+          <a:endParaRPr lang="es-ES"/>
+        </a:p>
+      </dgm:t>
+    </dgm:pt>
+    <dgm:pt modelId="{87B93082-3BF8-784A-B7CC-4A7A7CF80735}" type="sibTrans" cxnId="{C1ACE302-4CC1-EB4C-902F-2756C472D595}">
+      <dgm:prSet/>
+      <dgm:spPr/>
+      <dgm:t>
+        <a:bodyPr/>
+        <a:lstStyle/>
+        <a:p>
+          <a:endParaRPr lang="es-ES"/>
+        </a:p>
+      </dgm:t>
+    </dgm:pt>
+    <dgm:pt modelId="{38D892D8-ED0F-6F41-B291-C9FF143724CA}">
+      <dgm:prSet/>
+      <dgm:spPr/>
+      <dgm:t>
+        <a:bodyPr/>
+        <a:lstStyle/>
+        <a:p>
+          <a:r>
+            <a:rPr lang="es-ES" dirty="0" err="1"/>
+            <a:t>Value_for_money</a:t>
+          </a:r>
+          <a:endParaRPr lang="es-ES" dirty="0"/>
+        </a:p>
+      </dgm:t>
+    </dgm:pt>
+    <dgm:pt modelId="{3859C20E-5D4C-C546-BC75-63B20C1FFD6C}" type="parTrans" cxnId="{0DCF8941-1736-0447-BC18-8F489BCE9C30}">
+      <dgm:prSet/>
+      <dgm:spPr/>
+      <dgm:t>
+        <a:bodyPr/>
+        <a:lstStyle/>
+        <a:p>
+          <a:endParaRPr lang="es-ES"/>
+        </a:p>
+      </dgm:t>
+    </dgm:pt>
+    <dgm:pt modelId="{450E1B8C-513C-E049-9694-A8036905AB43}" type="sibTrans" cxnId="{0DCF8941-1736-0447-BC18-8F489BCE9C30}">
+      <dgm:prSet/>
+      <dgm:spPr/>
+      <dgm:t>
+        <a:bodyPr/>
+        <a:lstStyle/>
+        <a:p>
+          <a:endParaRPr lang="es-ES"/>
+        </a:p>
+      </dgm:t>
+    </dgm:pt>
+    <dgm:pt modelId="{730D7575-CD34-6C45-9E2D-E56BBC486051}">
+      <dgm:prSet/>
+      <dgm:spPr/>
+      <dgm:t>
+        <a:bodyPr/>
+        <a:lstStyle/>
+        <a:p>
+          <a:r>
+            <a:rPr lang="es-ES" dirty="0" err="1"/>
+            <a:t>Free_wifi_score</a:t>
+          </a:r>
+          <a:endParaRPr lang="es-ES" dirty="0"/>
+        </a:p>
+      </dgm:t>
+    </dgm:pt>
+    <dgm:pt modelId="{AAC5722D-CECA-9642-83C7-4A5966AE0933}" type="parTrans" cxnId="{01FBC722-4DE9-7247-9E1E-0951FC08DDA1}">
+      <dgm:prSet/>
+      <dgm:spPr/>
+      <dgm:t>
+        <a:bodyPr/>
+        <a:lstStyle/>
+        <a:p>
+          <a:endParaRPr lang="es-ES"/>
+        </a:p>
+      </dgm:t>
+    </dgm:pt>
+    <dgm:pt modelId="{392A013D-2485-7B42-91D2-EDB9998C247B}" type="sibTrans" cxnId="{01FBC722-4DE9-7247-9E1E-0951FC08DDA1}">
+      <dgm:prSet/>
+      <dgm:spPr/>
+      <dgm:t>
+        <a:bodyPr/>
+        <a:lstStyle/>
+        <a:p>
+          <a:endParaRPr lang="es-ES"/>
+        </a:p>
+      </dgm:t>
+    </dgm:pt>
+    <dgm:pt modelId="{89E0EB89-7578-E44F-95F9-AF1B2C0F7218}">
+      <dgm:prSet/>
+      <dgm:spPr/>
+      <dgm:t>
+        <a:bodyPr/>
+        <a:lstStyle/>
+        <a:p>
+          <a:r>
+            <a:rPr lang="es-ES" dirty="0" err="1"/>
+            <a:t>Balcony</a:t>
+          </a:r>
+          <a:endParaRPr lang="es-ES" dirty="0"/>
+        </a:p>
+      </dgm:t>
+    </dgm:pt>
+    <dgm:pt modelId="{1EE453C3-B777-2F4F-A36B-B9FDAC3C9150}" type="parTrans" cxnId="{31264873-1CCA-0944-A0B2-E46D826F39BE}">
+      <dgm:prSet/>
+      <dgm:spPr/>
+      <dgm:t>
+        <a:bodyPr/>
+        <a:lstStyle/>
+        <a:p>
+          <a:endParaRPr lang="es-ES"/>
+        </a:p>
+      </dgm:t>
+    </dgm:pt>
+    <dgm:pt modelId="{B87A37A3-39B3-B348-903D-BCECF88EB2CC}" type="sibTrans" cxnId="{31264873-1CCA-0944-A0B2-E46D826F39BE}">
+      <dgm:prSet/>
+      <dgm:spPr/>
+      <dgm:t>
+        <a:bodyPr/>
+        <a:lstStyle/>
+        <a:p>
+          <a:endParaRPr lang="es-ES"/>
+        </a:p>
+      </dgm:t>
+    </dgm:pt>
+    <dgm:pt modelId="{0CCE534D-A193-4E48-BA6E-8D74D4A58C31}">
+      <dgm:prSet/>
+      <dgm:spPr/>
+      <dgm:t>
+        <a:bodyPr/>
+        <a:lstStyle/>
+        <a:p>
+          <a:r>
+            <a:rPr lang="es-ES"/>
+            <a:t>Pet_friendly</a:t>
+          </a:r>
+          <a:endParaRPr lang="es-ES" dirty="0"/>
+        </a:p>
+      </dgm:t>
+    </dgm:pt>
+    <dgm:pt modelId="{7BE8AED7-E6D9-E14A-95D7-BEFD8641E486}" type="parTrans" cxnId="{4C10B282-7DAF-6648-A847-A56EE0789185}">
+      <dgm:prSet/>
+      <dgm:spPr/>
+      <dgm:t>
+        <a:bodyPr/>
+        <a:lstStyle/>
+        <a:p>
+          <a:endParaRPr lang="es-ES"/>
+        </a:p>
+      </dgm:t>
+    </dgm:pt>
+    <dgm:pt modelId="{DC5B541F-E831-4E42-8982-F78C49A275C2}" type="sibTrans" cxnId="{4C10B282-7DAF-6648-A847-A56EE0789185}">
+      <dgm:prSet/>
+      <dgm:spPr/>
+      <dgm:t>
+        <a:bodyPr/>
+        <a:lstStyle/>
+        <a:p>
+          <a:endParaRPr lang="es-ES"/>
+        </a:p>
+      </dgm:t>
+    </dgm:pt>
+    <dgm:pt modelId="{C76F3CDD-C26A-E74B-905B-2F09A566C678}">
+      <dgm:prSet/>
+      <dgm:spPr/>
+      <dgm:t>
+        <a:bodyPr/>
+        <a:lstStyle/>
+        <a:p>
+          <a:r>
+            <a:rPr lang="es-ES" dirty="0" err="1"/>
+            <a:t>Air_conditioning</a:t>
+          </a:r>
+          <a:endParaRPr lang="es-ES" dirty="0"/>
+        </a:p>
+      </dgm:t>
+    </dgm:pt>
+    <dgm:pt modelId="{0C443361-2D53-6D4B-8F3C-8C53AA17E811}" type="parTrans" cxnId="{5326C3A2-E1FA-5F4C-8819-DB2DCD8E3562}">
+      <dgm:prSet/>
+      <dgm:spPr/>
+      <dgm:t>
+        <a:bodyPr/>
+        <a:lstStyle/>
+        <a:p>
+          <a:endParaRPr lang="es-ES"/>
+        </a:p>
+      </dgm:t>
+    </dgm:pt>
+    <dgm:pt modelId="{46B840D1-592C-6F4E-BB8B-8E1619EB5FCA}" type="sibTrans" cxnId="{5326C3A2-E1FA-5F4C-8819-DB2DCD8E3562}">
+      <dgm:prSet/>
+      <dgm:spPr/>
+      <dgm:t>
+        <a:bodyPr/>
+        <a:lstStyle/>
+        <a:p>
+          <a:endParaRPr lang="es-ES"/>
+        </a:p>
+      </dgm:t>
+    </dgm:pt>
+    <dgm:pt modelId="{BA69E4BF-DAB0-7E47-9C50-10FBF59DA58F}">
+      <dgm:prSet/>
+      <dgm:spPr/>
+      <dgm:t>
+        <a:bodyPr/>
+        <a:lstStyle/>
+        <a:p>
+          <a:r>
+            <a:rPr lang="es-ES"/>
+            <a:t>Swimming_pool</a:t>
+          </a:r>
+          <a:endParaRPr lang="es-ES" dirty="0"/>
+        </a:p>
+      </dgm:t>
+    </dgm:pt>
+    <dgm:pt modelId="{41A38DEB-04F1-A74F-9C95-6A3925EE8857}" type="parTrans" cxnId="{EB4AC73A-8536-9544-81CE-BCB700F0DF17}">
+      <dgm:prSet/>
+      <dgm:spPr/>
+      <dgm:t>
+        <a:bodyPr/>
+        <a:lstStyle/>
+        <a:p>
+          <a:endParaRPr lang="es-ES"/>
+        </a:p>
+      </dgm:t>
+    </dgm:pt>
+    <dgm:pt modelId="{873BDE57-7CC2-0440-82CE-B658469E3861}" type="sibTrans" cxnId="{EB4AC73A-8536-9544-81CE-BCB700F0DF17}">
+      <dgm:prSet/>
+      <dgm:spPr/>
+      <dgm:t>
+        <a:bodyPr/>
+        <a:lstStyle/>
+        <a:p>
+          <a:endParaRPr lang="es-ES"/>
+        </a:p>
+      </dgm:t>
+    </dgm:pt>
+    <dgm:pt modelId="{6D43B080-BA94-114C-AE93-02DCEBD19BE1}">
+      <dgm:prSet/>
+      <dgm:spPr/>
+      <dgm:t>
+        <a:bodyPr/>
+        <a:lstStyle/>
+        <a:p>
+          <a:r>
+            <a:rPr lang="es-ES"/>
+            <a:t>Non_smoking_roms</a:t>
+          </a:r>
+          <a:endParaRPr lang="es-ES" dirty="0"/>
+        </a:p>
+      </dgm:t>
+    </dgm:pt>
+    <dgm:pt modelId="{692C1BF2-20C6-A641-A5F2-2E1A66098A06}" type="parTrans" cxnId="{55292797-4285-4D45-A1B7-156CEFFE3E3B}">
+      <dgm:prSet/>
+      <dgm:spPr/>
+      <dgm:t>
+        <a:bodyPr/>
+        <a:lstStyle/>
+        <a:p>
+          <a:endParaRPr lang="es-ES"/>
+        </a:p>
+      </dgm:t>
+    </dgm:pt>
+    <dgm:pt modelId="{010AE940-AC21-2E49-A5F0-184454776D05}" type="sibTrans" cxnId="{55292797-4285-4D45-A1B7-156CEFFE3E3B}">
+      <dgm:prSet/>
+      <dgm:spPr/>
+      <dgm:t>
+        <a:bodyPr/>
+        <a:lstStyle/>
+        <a:p>
+          <a:endParaRPr lang="es-ES"/>
+        </a:p>
+      </dgm:t>
+    </dgm:pt>
+    <dgm:pt modelId="{1A8C27D0-72C6-5044-8526-797A288D9FB8}">
+      <dgm:prSet/>
+      <dgm:spPr/>
+      <dgm:t>
+        <a:bodyPr/>
+        <a:lstStyle/>
+        <a:p>
+          <a:r>
+            <a:rPr lang="es-ES"/>
+            <a:t>Mean_flights</a:t>
+          </a:r>
+          <a:endParaRPr lang="es-ES" dirty="0"/>
+        </a:p>
+      </dgm:t>
+    </dgm:pt>
+    <dgm:pt modelId="{BF4D1E34-1730-3149-B143-4DA14F6CC138}" type="parTrans" cxnId="{DE5FED62-22E0-9847-B18B-8944F01FED78}">
+      <dgm:prSet/>
+      <dgm:spPr/>
+      <dgm:t>
+        <a:bodyPr/>
+        <a:lstStyle/>
+        <a:p>
+          <a:endParaRPr lang="es-ES"/>
+        </a:p>
+      </dgm:t>
+    </dgm:pt>
+    <dgm:pt modelId="{3F1D6CBC-1C47-F240-A5D3-7F3BE51E15C7}" type="sibTrans" cxnId="{DE5FED62-22E0-9847-B18B-8944F01FED78}">
+      <dgm:prSet/>
+      <dgm:spPr/>
+      <dgm:t>
+        <a:bodyPr/>
+        <a:lstStyle/>
+        <a:p>
+          <a:endParaRPr lang="es-ES"/>
+        </a:p>
+      </dgm:t>
+    </dgm:pt>
+    <dgm:pt modelId="{6330B2B2-CF8F-584B-900D-702CE89DE008}">
+      <dgm:prSet/>
+      <dgm:spPr/>
+      <dgm:t>
+        <a:bodyPr/>
+        <a:lstStyle/>
+        <a:p>
+          <a:r>
+            <a:rPr lang="es-ES" dirty="0" err="1"/>
+            <a:t>Length</a:t>
+          </a:r>
+          <a:r>
+            <a:rPr lang="es-ES" dirty="0"/>
+            <a:t> </a:t>
+          </a:r>
+          <a:r>
+            <a:rPr lang="es-ES" dirty="0" err="1"/>
+            <a:t>description</a:t>
+          </a:r>
+          <a:endParaRPr lang="es-ES" dirty="0"/>
+        </a:p>
+      </dgm:t>
+    </dgm:pt>
+    <dgm:pt modelId="{56049C15-BB12-8348-98EF-BA1F07C014E6}" type="parTrans" cxnId="{9EF82C2D-BE9A-F546-92BE-A017D3937BB4}">
+      <dgm:prSet/>
+      <dgm:spPr/>
+      <dgm:t>
+        <a:bodyPr/>
+        <a:lstStyle/>
+        <a:p>
+          <a:endParaRPr lang="es-ES"/>
+        </a:p>
+      </dgm:t>
+    </dgm:pt>
+    <dgm:pt modelId="{315953DD-14B0-864B-8CA2-7A8560A0698F}" type="sibTrans" cxnId="{9EF82C2D-BE9A-F546-92BE-A017D3937BB4}">
+      <dgm:prSet/>
+      <dgm:spPr/>
+      <dgm:t>
+        <a:bodyPr/>
+        <a:lstStyle/>
+        <a:p>
+          <a:endParaRPr lang="es-ES"/>
+        </a:p>
+      </dgm:t>
+    </dgm:pt>
+    <dgm:pt modelId="{47063CA0-0CBE-7D49-B314-4F9DB3528C0B}">
+      <dgm:prSet/>
+      <dgm:spPr/>
+      <dgm:t>
+        <a:bodyPr/>
+        <a:lstStyle/>
+        <a:p>
+          <a:endParaRPr lang="es-ES" dirty="0"/>
+        </a:p>
+      </dgm:t>
+    </dgm:pt>
+    <dgm:pt modelId="{5F65C636-E814-FD48-A5E7-E0C39641B3A7}" type="parTrans" cxnId="{A16505B6-A8A8-2D48-9157-346458051549}">
+      <dgm:prSet/>
+      <dgm:spPr/>
+      <dgm:t>
+        <a:bodyPr/>
+        <a:lstStyle/>
+        <a:p>
+          <a:endParaRPr lang="es-ES"/>
+        </a:p>
+      </dgm:t>
+    </dgm:pt>
+    <dgm:pt modelId="{F8AED8B2-1422-DE4E-B1F6-6B3166001D01}" type="sibTrans" cxnId="{A16505B6-A8A8-2D48-9157-346458051549}">
       <dgm:prSet/>
       <dgm:spPr/>
       <dgm:t>
@@ -3852,64 +4873,110 @@
     </dgm:pt>
   </dgm:ptLst>
   <dgm:cxnLst>
+    <dgm:cxn modelId="{C1ACE302-4CC1-EB4C-902F-2756C472D595}" srcId="{EE002E70-1BA6-414C-9812-44CC66DBF2F7}" destId="{8C52691A-75D0-7948-A89B-79580E0D7D2F}" srcOrd="14" destOrd="0" parTransId="{C17ECEF9-78BD-024B-AA08-DEBCAFF27421}" sibTransId="{87B93082-3BF8-784A-B7CC-4A7A7CF80735}"/>
     <dgm:cxn modelId="{67687304-763C-9543-9A20-8C1B2BA46E2C}" srcId="{8FCAC36B-883B-CB49-B2A9-1726890C69CC}" destId="{EE002E70-1BA6-414C-9812-44CC66DBF2F7}" srcOrd="0" destOrd="0" parTransId="{372972BE-2DC7-6145-B716-D7B365EEF666}" sibTransId="{C1AEF333-AB7C-6D44-8367-C2A1AD896572}"/>
     <dgm:cxn modelId="{288C5908-1DEA-1949-8D5A-E09CD6ACECCF}" srcId="{EE002E70-1BA6-414C-9812-44CC66DBF2F7}" destId="{8BA39BFB-6A6D-484C-9EAF-C93E7D584CD1}" srcOrd="0" destOrd="0" parTransId="{150872F1-35A1-5E44-BB6A-B32857D022A7}" sibTransId="{361F1E47-7B9A-E448-ACA1-444D4CC9FE85}"/>
     <dgm:cxn modelId="{2789E709-A702-4046-AEA3-52605E06A8FF}" type="presOf" srcId="{57C7E88D-0BEB-F14A-93B6-2B2189E1963F}" destId="{DAB8C1E6-595B-3749-86CB-01C31DF4F5B6}" srcOrd="0" destOrd="7" presId="urn:microsoft.com/office/officeart/2005/8/layout/hList1"/>
     <dgm:cxn modelId="{B497810C-B05F-5A46-BD7B-8D93B7C868D8}" type="presOf" srcId="{8936E120-8683-5442-AF71-AF676B1BA381}" destId="{DAB8C1E6-595B-3749-86CB-01C31DF4F5B6}" srcOrd="0" destOrd="3" presId="urn:microsoft.com/office/officeart/2005/8/layout/hList1"/>
-    <dgm:cxn modelId="{8857E50C-A37B-EE44-8F41-C41448C52FE2}" type="presOf" srcId="{A8B444C6-60CE-FA48-AAD1-DE301EF4E992}" destId="{0ACA845D-9FC2-6344-8148-7E8CA16E5E7F}" srcOrd="0" destOrd="2" presId="urn:microsoft.com/office/officeart/2005/8/layout/hList1"/>
+    <dgm:cxn modelId="{8857E50C-A37B-EE44-8F41-C41448C52FE2}" type="presOf" srcId="{A8B444C6-60CE-FA48-AAD1-DE301EF4E992}" destId="{0ACA845D-9FC2-6344-8148-7E8CA16E5E7F}" srcOrd="0" destOrd="12" presId="urn:microsoft.com/office/officeart/2005/8/layout/hList1"/>
     <dgm:cxn modelId="{148E3B0E-9425-7C43-A77C-C07E9A4843B6}" type="presOf" srcId="{60FFE41E-DFD6-924B-8D3B-F56661A5E1B3}" destId="{DAB8C1E6-595B-3749-86CB-01C31DF4F5B6}" srcOrd="0" destOrd="6" presId="urn:microsoft.com/office/officeart/2005/8/layout/hList1"/>
     <dgm:cxn modelId="{3A731B11-815C-D64E-8B51-D80078BEEA6F}" srcId="{74B7F226-0836-874F-A3BF-207C591BB9FB}" destId="{61F17B5E-E519-B649-B7ED-1802C74DF2BD}" srcOrd="0" destOrd="0" parTransId="{225EF6CA-E2C6-AE46-9864-75B13B6717EB}" sibTransId="{4AD05848-A9D9-8A4E-9EB8-C056D5544D3A}"/>
+    <dgm:cxn modelId="{4DAF4911-44D0-C94E-8E72-9B470B21CF3E}" srcId="{EE002E70-1BA6-414C-9812-44CC66DBF2F7}" destId="{D50A149E-1F4A-7548-A154-30DBAE9D26A1}" srcOrd="9" destOrd="0" parTransId="{1A3753F8-F2A6-0C42-80AF-A9427BBDD865}" sibTransId="{DC2D59B5-3095-094A-B159-E9CD366BF8C0}"/>
+    <dgm:cxn modelId="{1BE15713-232B-C547-9924-F7BB7EF9B4D4}" type="presOf" srcId="{B39BE120-7AA2-5844-B3DE-0FADA010FAFF}" destId="{2B6E9592-A682-6345-BF16-231F2137BE1B}" srcOrd="0" destOrd="7" presId="urn:microsoft.com/office/officeart/2005/8/layout/hList1"/>
+    <dgm:cxn modelId="{255F6A14-26C1-F247-8BF2-93A797F1A8B9}" type="presOf" srcId="{C76F3CDD-C26A-E74B-905B-2F09A566C678}" destId="{0ACA845D-9FC2-6344-8148-7E8CA16E5E7F}" srcOrd="0" destOrd="6" presId="urn:microsoft.com/office/officeart/2005/8/layout/hList1"/>
+    <dgm:cxn modelId="{D5B0BC16-B49A-FE44-A761-EBB10F39F2F8}" type="presOf" srcId="{8C52691A-75D0-7948-A89B-79580E0D7D2F}" destId="{2B6E9592-A682-6345-BF16-231F2137BE1B}" srcOrd="0" destOrd="15" presId="urn:microsoft.com/office/officeart/2005/8/layout/hList1"/>
+    <dgm:cxn modelId="{3725D917-9477-674B-9BD7-155AB0C0FC87}" srcId="{EE002E70-1BA6-414C-9812-44CC66DBF2F7}" destId="{B59A93ED-7F93-C74C-8FF6-FBC2A6574492}" srcOrd="1" destOrd="0" parTransId="{AD23F4FD-9F5E-CD42-AB67-249257448B4C}" sibTransId="{3808E1EB-6355-B64A-A9DB-1EF03CA3C361}"/>
     <dgm:cxn modelId="{DB83311A-29CA-A841-828B-590F1B533419}" type="presOf" srcId="{2E8F0239-696F-6D47-9F86-A7CCAD2A3DC2}" destId="{313A1F4D-7CB2-F642-B354-0BDB9ACDF771}" srcOrd="0" destOrd="4" presId="urn:microsoft.com/office/officeart/2005/8/layout/hList1"/>
     <dgm:cxn modelId="{F300981A-56BE-2845-B325-7DD924EC8326}" type="presOf" srcId="{0A895738-3D40-E74A-B397-D507CCF0DD94}" destId="{DB4E1272-8157-C145-9949-D563A214158B}" srcOrd="0" destOrd="0" presId="urn:microsoft.com/office/officeart/2005/8/layout/hList1"/>
+    <dgm:cxn modelId="{636C931F-78ED-4048-A695-DE9D929FBBD1}" type="presOf" srcId="{38D892D8-ED0F-6F41-B291-C9FF143724CA}" destId="{0ACA845D-9FC2-6344-8148-7E8CA16E5E7F}" srcOrd="0" destOrd="2" presId="urn:microsoft.com/office/officeart/2005/8/layout/hList1"/>
     <dgm:cxn modelId="{CF637620-3A7D-AD4D-9CBD-46A4EB295099}" type="presOf" srcId="{F9F9B7D8-3D7D-B24D-9071-841ACF880BDF}" destId="{635F0EEB-03D4-EB4D-9D46-58D81B829861}" srcOrd="0" destOrd="4" presId="urn:microsoft.com/office/officeart/2005/8/layout/hList1"/>
     <dgm:cxn modelId="{0627A822-46FF-BB46-9E9E-460080046859}" srcId="{EB634E8C-7C66-7248-9503-36E83DCFFDFA}" destId="{2E8F0239-696F-6D47-9F86-A7CCAD2A3DC2}" srcOrd="0" destOrd="0" parTransId="{B5C47E38-5A0B-DF4E-8AA5-29A82AB089B1}" sibTransId="{725460CE-83B5-DC48-9ADD-FA2A55AE1290}"/>
+    <dgm:cxn modelId="{01FBC722-4DE9-7247-9E1E-0951FC08DDA1}" srcId="{71AAE4DF-DDA9-4949-AD48-6F122CAFD057}" destId="{730D7575-CD34-6C45-9E2D-E56BBC486051}" srcOrd="2" destOrd="0" parTransId="{AAC5722D-CECA-9642-83C7-4A5966AE0933}" sibTransId="{392A013D-2485-7B42-91D2-EDB9998C247B}"/>
     <dgm:cxn modelId="{0C1BF526-A664-F749-9077-40B7A042A330}" srcId="{74B7F226-0836-874F-A3BF-207C591BB9FB}" destId="{8CE56096-17B5-2A4A-BC36-4C2181AC44D0}" srcOrd="1" destOrd="0" parTransId="{E8F93FF8-1ECB-E546-9983-BEF9FD7A24E2}" sibTransId="{F7F0C277-7CBD-D044-8D40-A5A263D9162C}"/>
     <dgm:cxn modelId="{C0C8F728-FC1E-3E48-AF4D-DF7C771350B8}" srcId="{713F20A0-BF72-EE43-A8DD-AF185C4B82DC}" destId="{6DFC3944-BEA1-F940-ACC7-4FABDF550A56}" srcOrd="1" destOrd="0" parTransId="{B32BB147-B496-7949-BB9B-24AFF53A040C}" sibTransId="{CAFBD0CA-9387-5B48-B9C2-AD03C9B5336F}"/>
     <dgm:cxn modelId="{5B4E1129-BEBE-D24E-9B4C-8591A87153FD}" type="presOf" srcId="{71AAE4DF-DDA9-4949-AD48-6F122CAFD057}" destId="{0ACA845D-9FC2-6344-8148-7E8CA16E5E7F}" srcOrd="0" destOrd="0" presId="urn:microsoft.com/office/officeart/2005/8/layout/hList1"/>
+    <dgm:cxn modelId="{F810D529-BB69-AD43-B406-C07B2E72C60E}" type="presOf" srcId="{1A5BA3FE-2D76-3845-96BA-348535CEB8D1}" destId="{2B6E9592-A682-6345-BF16-231F2137BE1B}" srcOrd="0" destOrd="9" presId="urn:microsoft.com/office/officeart/2005/8/layout/hList1"/>
+    <dgm:cxn modelId="{9EF82C2D-BE9A-F546-92BE-A017D3937BB4}" srcId="{71AAE4DF-DDA9-4949-AD48-6F122CAFD057}" destId="{6330B2B2-CF8F-584B-900D-702CE89DE008}" srcOrd="9" destOrd="0" parTransId="{56049C15-BB12-8348-98EF-BA1F07C014E6}" sibTransId="{315953DD-14B0-864B-8CA2-7A8560A0698F}"/>
     <dgm:cxn modelId="{5C25DE2E-1FBA-3948-B5D0-A31DAC1ACE6B}" srcId="{819E0C5A-1403-8E41-AAA1-DCD6DD60F058}" destId="{28D5221A-BD74-3D4B-AFB4-4550713B6A46}" srcOrd="1" destOrd="0" parTransId="{178A9911-7D7A-BC47-854A-AF8FEEB12C7E}" sibTransId="{B696060D-1A93-E64C-840F-EDB65A67B126}"/>
     <dgm:cxn modelId="{1DBAE72E-166E-AB46-B989-F961CF9FEFFB}" srcId="{63F9CB0A-1442-A443-A2CC-BDA05E7E2202}" destId="{3426FADA-66D1-8144-BC16-D31682296B01}" srcOrd="4" destOrd="0" parTransId="{30871425-CB33-0040-B408-442416F22D47}" sibTransId="{42DE7B8B-DD9F-9F41-A381-2F28DD1F7AC6}"/>
     <dgm:cxn modelId="{0A911030-79D3-2748-8205-20BED9643155}" srcId="{FEEDF827-207B-204B-BCF6-BE71B111FA2E}" destId="{772D9646-FB6B-8646-816D-D874BE7D2927}" srcOrd="0" destOrd="0" parTransId="{8117E1BB-0B14-D34F-92F9-C9DC20C2A29E}" sibTransId="{8EACAE50-97A1-6C40-BA4E-047E5884BF61}"/>
+    <dgm:cxn modelId="{13EE8034-22F5-3C45-AAB8-E5402929876E}" type="presOf" srcId="{0CCE534D-A193-4E48-BA6E-8D74D4A58C31}" destId="{0ACA845D-9FC2-6344-8148-7E8CA16E5E7F}" srcOrd="0" destOrd="5" presId="urn:microsoft.com/office/officeart/2005/8/layout/hList1"/>
     <dgm:cxn modelId="{562A0336-8D99-3D48-94BE-B685CF206F73}" type="presOf" srcId="{E8530632-2796-A747-A5EE-C24DB1F34B94}" destId="{DAB8C1E6-595B-3749-86CB-01C31DF4F5B6}" srcOrd="0" destOrd="11" presId="urn:microsoft.com/office/officeart/2005/8/layout/hList1"/>
+    <dgm:cxn modelId="{3EDF2038-7F86-2F4E-AB45-FC28F1918AFE}" type="presOf" srcId="{F0D22FD0-C8D2-484B-9AC7-26FB64CAF7B3}" destId="{2B6E9592-A682-6345-BF16-231F2137BE1B}" srcOrd="0" destOrd="13" presId="urn:microsoft.com/office/officeart/2005/8/layout/hList1"/>
     <dgm:cxn modelId="{D5F3B438-EFD8-B840-AD8F-2C3F13A99E49}" type="presOf" srcId="{E05BD9A0-9638-2847-B21C-1F3C0B4CB50F}" destId="{053EBC9C-795D-B247-9A71-8C145122C26F}" srcOrd="0" destOrd="0" presId="urn:microsoft.com/office/officeart/2005/8/layout/hList1"/>
     <dgm:cxn modelId="{5ED48D3A-4C4D-0048-A71A-1C6D3A855991}" type="presOf" srcId="{EB634E8C-7C66-7248-9503-36E83DCFFDFA}" destId="{313A1F4D-7CB2-F642-B354-0BDB9ACDF771}" srcOrd="0" destOrd="3" presId="urn:microsoft.com/office/officeart/2005/8/layout/hList1"/>
+    <dgm:cxn modelId="{EB4AC73A-8536-9544-81CE-BCB700F0DF17}" srcId="{71AAE4DF-DDA9-4949-AD48-6F122CAFD057}" destId="{BA69E4BF-DAB0-7E47-9C50-10FBF59DA58F}" srcOrd="6" destOrd="0" parTransId="{41A38DEB-04F1-A74F-9C95-6A3925EE8857}" sibTransId="{873BDE57-7CC2-0440-82CE-B658469E3861}"/>
     <dgm:cxn modelId="{8DF24F3C-496F-4D41-90D4-4919AB497003}" srcId="{28D5221A-BD74-3D4B-AFB4-4550713B6A46}" destId="{63F9CB0A-1442-A443-A2CC-BDA05E7E2202}" srcOrd="0" destOrd="0" parTransId="{DEC80EDC-48A9-6F4A-91F3-FF9EC7B7432C}" sibTransId="{C71E81B2-057C-1B40-80B5-D59FE4EC5B01}"/>
     <dgm:cxn modelId="{6A2AF43C-CE6C-944C-BB0D-526B75DCB36A}" srcId="{0A895738-3D40-E74A-B397-D507CCF0DD94}" destId="{CFD95037-DBE9-9446-AB53-4E6BACDF12FC}" srcOrd="1" destOrd="0" parTransId="{E46D758E-046D-8F4C-A24E-EA349855564C}" sibTransId="{59C68D5B-CC5D-F348-9F50-AF51690F1EB8}"/>
+    <dgm:cxn modelId="{0DCF8941-1736-0447-BC18-8F489BCE9C30}" srcId="{71AAE4DF-DDA9-4949-AD48-6F122CAFD057}" destId="{38D892D8-ED0F-6F41-B291-C9FF143724CA}" srcOrd="1" destOrd="0" parTransId="{3859C20E-5D4C-C546-BC75-63B20C1FFD6C}" sibTransId="{450E1B8C-513C-E049-9694-A8036905AB43}"/>
     <dgm:cxn modelId="{F58F9E42-9737-FD4E-8C56-50ABD310EB64}" type="presOf" srcId="{74B7F226-0836-874F-A3BF-207C591BB9FB}" destId="{635F0EEB-03D4-EB4D-9D46-58D81B829861}" srcOrd="0" destOrd="0" presId="urn:microsoft.com/office/officeart/2005/8/layout/hList1"/>
+    <dgm:cxn modelId="{9182CE42-8264-0749-8D1B-72CF381A2FE1}" type="presOf" srcId="{ECA19826-E131-3143-8170-6FB978E3B754}" destId="{2B6E9592-A682-6345-BF16-231F2137BE1B}" srcOrd="0" destOrd="3" presId="urn:microsoft.com/office/officeart/2005/8/layout/hList1"/>
     <dgm:cxn modelId="{AA1C1B43-00AA-CD43-BADA-3CABCF9DEA3F}" srcId="{71AAE4DF-DDA9-4949-AD48-6F122CAFD057}" destId="{DFBDC719-3909-9848-9B3E-9161F2C816B5}" srcOrd="0" destOrd="0" parTransId="{E3501F49-5B79-1A42-9160-8689D5B425AE}" sibTransId="{F9A939A6-370A-9646-A802-335EC3E76F01}"/>
     <dgm:cxn modelId="{ACB83243-3E15-0047-B126-0DB74F786719}" type="presOf" srcId="{33F87B13-A418-8349-B69D-B780D63F2FDA}" destId="{635F0EEB-03D4-EB4D-9D46-58D81B829861}" srcOrd="0" destOrd="3" presId="urn:microsoft.com/office/officeart/2005/8/layout/hList1"/>
-    <dgm:cxn modelId="{11B74846-CE22-5F41-ADAE-817B401D7A78}" type="presOf" srcId="{DB8F49CC-0EAE-C943-8887-E112FC932742}" destId="{2B6E9592-A682-6345-BF16-231F2137BE1B}" srcOrd="0" destOrd="3" presId="urn:microsoft.com/office/officeart/2005/8/layout/hList1"/>
+    <dgm:cxn modelId="{1455AE45-EF51-E04B-9D63-6CD0F1941968}" srcId="{EE002E70-1BA6-414C-9812-44CC66DBF2F7}" destId="{B39BE120-7AA2-5844-B3DE-0FADA010FAFF}" srcOrd="6" destOrd="0" parTransId="{7B870378-EE58-894F-91E1-6AE0EF0BE966}" sibTransId="{09EB3438-EB29-9140-ACF3-893E96C366B4}"/>
+    <dgm:cxn modelId="{11B74846-CE22-5F41-ADAE-817B401D7A78}" type="presOf" srcId="{DB8F49CC-0EAE-C943-8887-E112FC932742}" destId="{2B6E9592-A682-6345-BF16-231F2137BE1B}" srcOrd="0" destOrd="18" presId="urn:microsoft.com/office/officeart/2005/8/layout/hList1"/>
     <dgm:cxn modelId="{F75B6747-C927-AC44-8EFF-83123EFDFCA4}" type="presOf" srcId="{DE92C2D8-B338-3D4D-9994-8CB589DBF76F}" destId="{635F0EEB-03D4-EB4D-9D46-58D81B829861}" srcOrd="0" destOrd="7" presId="urn:microsoft.com/office/officeart/2005/8/layout/hList1"/>
-    <dgm:cxn modelId="{5A8B324C-9A73-EC43-AD3F-904C10AB887D}" srcId="{8FCAC36B-883B-CB49-B2A9-1726890C69CC}" destId="{A6D7846F-3016-9146-9509-5F44F23CA934}" srcOrd="1" destOrd="0" parTransId="{C7B8E429-BAE6-E549-A96E-B092531533E0}" sibTransId="{46DE24CA-6CE7-3D46-9E35-9921E19A126E}"/>
+    <dgm:cxn modelId="{37DB8149-1371-0C44-8E51-10B8CEA46720}" type="presOf" srcId="{BA69E4BF-DAB0-7E47-9C50-10FBF59DA58F}" destId="{0ACA845D-9FC2-6344-8148-7E8CA16E5E7F}" srcOrd="0" destOrd="7" presId="urn:microsoft.com/office/officeart/2005/8/layout/hList1"/>
+    <dgm:cxn modelId="{35AC254A-D83D-5949-A175-3E4E35EB11C1}" type="presOf" srcId="{47063CA0-0CBE-7D49-B314-4F9DB3528C0B}" destId="{0ACA845D-9FC2-6344-8148-7E8CA16E5E7F}" srcOrd="0" destOrd="11" presId="urn:microsoft.com/office/officeart/2005/8/layout/hList1"/>
+    <dgm:cxn modelId="{5A8B324C-9A73-EC43-AD3F-904C10AB887D}" srcId="{8FCAC36B-883B-CB49-B2A9-1726890C69CC}" destId="{A6D7846F-3016-9146-9509-5F44F23CA934}" srcOrd="2" destOrd="0" parTransId="{C7B8E429-BAE6-E549-A96E-B092531533E0}" sibTransId="{46DE24CA-6CE7-3D46-9E35-9921E19A126E}"/>
     <dgm:cxn modelId="{A62C614F-8881-024F-8DC0-C829BF89A990}" type="presOf" srcId="{016DAD64-638E-6240-8EF1-2E8C1B9034C7}" destId="{DAB8C1E6-595B-3749-86CB-01C31DF4F5B6}" srcOrd="0" destOrd="1" presId="urn:microsoft.com/office/officeart/2005/8/layout/hList1"/>
     <dgm:cxn modelId="{4A021050-6BB4-F74E-9BD3-172BBE6445EB}" type="presOf" srcId="{8FCAC36B-883B-CB49-B2A9-1726890C69CC}" destId="{F52438EA-4F92-C240-AFC6-A4B2AEE6AE1C}" srcOrd="0" destOrd="0" presId="urn:microsoft.com/office/officeart/2005/8/layout/hList1"/>
     <dgm:cxn modelId="{74B1EC53-1C8F-1F4A-B1CC-C8B5BE590143}" type="presOf" srcId="{6DFC3944-BEA1-F940-ACC7-4FABDF550A56}" destId="{313A1F4D-7CB2-F642-B354-0BDB9ACDF771}" srcOrd="0" destOrd="2" presId="urn:microsoft.com/office/officeart/2005/8/layout/hList1"/>
-    <dgm:cxn modelId="{E8A40256-DAA7-BE47-8BA7-2A4A854BE47B}" type="presOf" srcId="{C835637C-F65B-4A4C-999A-7798918F06BA}" destId="{0ACA845D-9FC2-6344-8148-7E8CA16E5E7F}" srcOrd="0" destOrd="3" presId="urn:microsoft.com/office/officeart/2005/8/layout/hList1"/>
+    <dgm:cxn modelId="{799A2054-F982-8F46-B1C0-73F1B68A7EAC}" type="presOf" srcId="{1A8C27D0-72C6-5044-8526-797A288D9FB8}" destId="{0ACA845D-9FC2-6344-8148-7E8CA16E5E7F}" srcOrd="0" destOrd="9" presId="urn:microsoft.com/office/officeart/2005/8/layout/hList1"/>
+    <dgm:cxn modelId="{E8A40256-DAA7-BE47-8BA7-2A4A854BE47B}" type="presOf" srcId="{C835637C-F65B-4A4C-999A-7798918F06BA}" destId="{0ACA845D-9FC2-6344-8148-7E8CA16E5E7F}" srcOrd="0" destOrd="13" presId="urn:microsoft.com/office/officeart/2005/8/layout/hList1"/>
+    <dgm:cxn modelId="{318D0458-4882-9241-B8F1-A29B8088BB8D}" srcId="{EE002E70-1BA6-414C-9812-44CC66DBF2F7}" destId="{8F7E1E02-2D70-E04C-90D8-652953180D13}" srcOrd="13" destOrd="0" parTransId="{F80D8DF8-3180-604A-B834-4B3FB4A29CB8}" sibTransId="{93CC8377-6516-F14B-A912-AEC5AE8C1DA1}"/>
+    <dgm:cxn modelId="{0C0B6A58-4CDB-DF4E-9B2F-5157383B2868}" srcId="{EE002E70-1BA6-414C-9812-44CC66DBF2F7}" destId="{ECA19826-E131-3143-8170-6FB978E3B754}" srcOrd="2" destOrd="0" parTransId="{A195020A-7C37-EB48-8F08-FC8230E32CC9}" sibTransId="{0FE27D84-46BF-8849-8331-1A5FC8DD2C73}"/>
     <dgm:cxn modelId="{5A4CED5E-3FCA-DF42-B300-CBA2CCBCF4CA}" type="presOf" srcId="{C6FE8727-257A-8047-8E43-E27FCE69CC84}" destId="{DAB8C1E6-595B-3749-86CB-01C31DF4F5B6}" srcOrd="0" destOrd="10" presId="urn:microsoft.com/office/officeart/2005/8/layout/hList1"/>
     <dgm:cxn modelId="{DA009D5F-BC16-F94D-9B7D-725A2D7BAB65}" srcId="{63F9CB0A-1442-A443-A2CC-BDA05E7E2202}" destId="{5B289611-B3C7-5F49-B2B2-5E26789841AA}" srcOrd="7" destOrd="0" parTransId="{03D39601-6438-A146-BE76-1F45672854BA}" sibTransId="{4D2CDD66-84BF-D644-91EE-CD39B324C580}"/>
+    <dgm:cxn modelId="{DE5FED62-22E0-9847-B18B-8944F01FED78}" srcId="{71AAE4DF-DDA9-4949-AD48-6F122CAFD057}" destId="{1A8C27D0-72C6-5044-8526-797A288D9FB8}" srcOrd="8" destOrd="0" parTransId="{BF4D1E34-1730-3149-B143-4DA14F6CC138}" sibTransId="{3F1D6CBC-1C47-F240-A5D3-7F3BE51E15C7}"/>
+    <dgm:cxn modelId="{698E1966-86C6-2547-AC00-2FEF6A911E04}" type="presOf" srcId="{350484AC-729C-1E4F-8F60-D25F1B7D92AC}" destId="{2B6E9592-A682-6345-BF16-231F2137BE1B}" srcOrd="0" destOrd="11" presId="urn:microsoft.com/office/officeart/2005/8/layout/hList1"/>
+    <dgm:cxn modelId="{FB0F6167-DA1A-8046-AF67-2950F6C79EE0}" srcId="{EE002E70-1BA6-414C-9812-44CC66DBF2F7}" destId="{EE9B25DB-61EB-1045-BC70-1F3C64B65356}" srcOrd="7" destOrd="0" parTransId="{F7053BE5-057A-1C40-8803-5A4671AC87C8}" sibTransId="{30DDA3EF-ED21-0745-811B-C8E5175528D3}"/>
     <dgm:cxn modelId="{B4623368-49AF-8745-97B2-A793E8F4A78A}" srcId="{713F20A0-BF72-EE43-A8DD-AF185C4B82DC}" destId="{EB634E8C-7C66-7248-9503-36E83DCFFDFA}" srcOrd="2" destOrd="0" parTransId="{A58FFCAF-CA74-D64B-BCBC-313FD4181AC0}" sibTransId="{C89FDDCB-23D7-5B4E-B676-48C917624C53}"/>
     <dgm:cxn modelId="{F0A3286B-BA3C-FD4D-928F-03586CEEC86B}" srcId="{A6D7846F-3016-9146-9509-5F44F23CA934}" destId="{DB8F49CC-0EAE-C943-8887-E112FC932742}" srcOrd="0" destOrd="0" parTransId="{E3E04408-6FAC-664A-9207-A94A01C510DF}" sibTransId="{6FF47A1D-092D-9048-B35D-3C0D6759CB27}"/>
+    <dgm:cxn modelId="{CFC25A6B-9F2E-1F48-B29C-5490C5C944B0}" type="presOf" srcId="{8D2B03F3-2622-FD40-8963-81F8268332EB}" destId="{2B6E9592-A682-6345-BF16-231F2137BE1B}" srcOrd="0" destOrd="5" presId="urn:microsoft.com/office/officeart/2005/8/layout/hList1"/>
+    <dgm:cxn modelId="{572FEC6F-8262-404D-8F02-18EDD128C399}" srcId="{EE002E70-1BA6-414C-9812-44CC66DBF2F7}" destId="{1A5BA3FE-2D76-3845-96BA-348535CEB8D1}" srcOrd="8" destOrd="0" parTransId="{33965CB0-F7AF-C142-B4EE-6D0EF10D84F5}" sibTransId="{649EEE7D-1563-4248-929D-5CD9299F51A6}"/>
     <dgm:cxn modelId="{7981D070-E1DA-F441-A142-C50A813AD130}" type="presOf" srcId="{9E251CFC-2A5F-6C42-99D3-BF9BD8EA3EBF}" destId="{DAB8C1E6-595B-3749-86CB-01C31DF4F5B6}" srcOrd="0" destOrd="4" presId="urn:microsoft.com/office/officeart/2005/8/layout/hList1"/>
+    <dgm:cxn modelId="{FD242F71-EE05-3744-BB89-9DE25B5B883E}" type="presOf" srcId="{730D7575-CD34-6C45-9E2D-E56BBC486051}" destId="{0ACA845D-9FC2-6344-8148-7E8CA16E5E7F}" srcOrd="0" destOrd="3" presId="urn:microsoft.com/office/officeart/2005/8/layout/hList1"/>
     <dgm:cxn modelId="{E2D06871-2BE9-2F41-B849-B0A88E7ED468}" srcId="{63F9CB0A-1442-A443-A2CC-BDA05E7E2202}" destId="{016DAD64-638E-6240-8EF1-2E8C1B9034C7}" srcOrd="0" destOrd="0" parTransId="{DD27D5DA-3834-AB41-828E-98111BE13A1F}" sibTransId="{85689B27-C725-8E4A-A5B6-FB715F75B1B6}"/>
     <dgm:cxn modelId="{17C6DA72-945A-DE49-901E-57CE0D6BFAD0}" srcId="{819E0C5A-1403-8E41-AAA1-DCD6DD60F058}" destId="{8FCAC36B-883B-CB49-B2A9-1726890C69CC}" srcOrd="3" destOrd="0" parTransId="{E8A03A2C-CA25-EF4D-BF6A-78335E2FE77E}" sibTransId="{D384A8A0-6BAF-884B-BCF0-7AFB8CACFA43}"/>
+    <dgm:cxn modelId="{31264873-1CCA-0944-A0B2-E46D826F39BE}" srcId="{71AAE4DF-DDA9-4949-AD48-6F122CAFD057}" destId="{89E0EB89-7578-E44F-95F9-AF1B2C0F7218}" srcOrd="3" destOrd="0" parTransId="{1EE453C3-B777-2F4F-A36B-B9FDAC3C9150}" sibTransId="{B87A37A3-39B3-B348-903D-BCECF88EB2CC}"/>
+    <dgm:cxn modelId="{8B42517F-F876-9C48-9CD3-43A4A4AD6A5D}" type="presOf" srcId="{D50A149E-1F4A-7548-A154-30DBAE9D26A1}" destId="{2B6E9592-A682-6345-BF16-231F2137BE1B}" srcOrd="0" destOrd="10" presId="urn:microsoft.com/office/officeart/2005/8/layout/hList1"/>
+    <dgm:cxn modelId="{68BCD77F-2039-B847-8E91-B391164CFC70}" srcId="{EE002E70-1BA6-414C-9812-44CC66DBF2F7}" destId="{E5B71C87-286A-504C-9FED-D8FBE221DF2E}" srcOrd="3" destOrd="0" parTransId="{9D8232D3-F16E-DE4A-9828-76D8F6823B26}" sibTransId="{22FC9835-6A9E-0245-9C89-EA136571E5E4}"/>
+    <dgm:cxn modelId="{4C10B282-7DAF-6648-A847-A56EE0789185}" srcId="{71AAE4DF-DDA9-4949-AD48-6F122CAFD057}" destId="{0CCE534D-A193-4E48-BA6E-8D74D4A58C31}" srcOrd="4" destOrd="0" parTransId="{7BE8AED7-E6D9-E14A-95D7-BEFD8641E486}" sibTransId="{DC5B541F-E831-4E42-8982-F78C49A275C2}"/>
     <dgm:cxn modelId="{D32AB586-3E01-B24B-93C4-3AA3F809C4E2}" type="presOf" srcId="{EE002E70-1BA6-414C-9812-44CC66DBF2F7}" destId="{2B6E9592-A682-6345-BF16-231F2137BE1B}" srcOrd="0" destOrd="0" presId="urn:microsoft.com/office/officeart/2005/8/layout/hList1"/>
     <dgm:cxn modelId="{69D1D386-8461-FF4A-9E80-936090F2CD5E}" type="presOf" srcId="{3426FADA-66D1-8144-BC16-D31682296B01}" destId="{DAB8C1E6-595B-3749-86CB-01C31DF4F5B6}" srcOrd="0" destOrd="5" presId="urn:microsoft.com/office/officeart/2005/8/layout/hList1"/>
     <dgm:cxn modelId="{68E5F592-FAC1-5D41-8BA7-0CB562B0C6DA}" srcId="{63F9CB0A-1442-A443-A2CC-BDA05E7E2202}" destId="{60FFE41E-DFD6-924B-8D3B-F56661A5E1B3}" srcOrd="5" destOrd="0" parTransId="{DB346D79-89A1-C249-B2CA-60BBC7BE6DC4}" sibTransId="{23F47A40-19B2-5147-B5F7-6FB169DC2CBB}"/>
     <dgm:cxn modelId="{F4737E95-806E-FF42-AE69-B5A21681D5B3}" srcId="{713F20A0-BF72-EE43-A8DD-AF185C4B82DC}" destId="{FEEDF827-207B-204B-BCF6-BE71B111FA2E}" srcOrd="0" destOrd="0" parTransId="{B2D6999F-9B5D-E946-8A93-E9544EDAD88D}" sibTransId="{B21F15CE-8CEC-4F46-8FEA-7B105F083E5E}"/>
+    <dgm:cxn modelId="{F6828095-2A83-EE45-9142-34FECB1A77D8}" type="presOf" srcId="{6330B2B2-CF8F-584B-900D-702CE89DE008}" destId="{0ACA845D-9FC2-6344-8148-7E8CA16E5E7F}" srcOrd="0" destOrd="10" presId="urn:microsoft.com/office/officeart/2005/8/layout/hList1"/>
     <dgm:cxn modelId="{DA117296-CDB7-EF41-B574-0FFC51CE5F2A}" srcId="{CFD95037-DBE9-9446-AB53-4E6BACDF12FC}" destId="{DE92C2D8-B338-3D4D-9994-8CB589DBF76F}" srcOrd="0" destOrd="0" parTransId="{1A42E9A7-A031-FB48-A334-60B63C08096C}" sibTransId="{7D3BF81E-4234-5649-ADCE-E07ADDC6C5C2}"/>
+    <dgm:cxn modelId="{55292797-4285-4D45-A1B7-156CEFFE3E3B}" srcId="{71AAE4DF-DDA9-4949-AD48-6F122CAFD057}" destId="{6D43B080-BA94-114C-AE93-02DCEBD19BE1}" srcOrd="7" destOrd="0" parTransId="{692C1BF2-20C6-A641-A5F2-2E1A66098A06}" sibTransId="{010AE940-AC21-2E49-A5F0-184454776D05}"/>
     <dgm:cxn modelId="{BD7D649C-BD9C-B345-BC3F-1C555C830F1B}" type="presOf" srcId="{DFBDC719-3909-9848-9B3E-9161F2C816B5}" destId="{0ACA845D-9FC2-6344-8148-7E8CA16E5E7F}" srcOrd="0" destOrd="1" presId="urn:microsoft.com/office/officeart/2005/8/layout/hList1"/>
     <dgm:cxn modelId="{CE57E09F-968A-0249-8038-4415CC052C0E}" srcId="{63F9CB0A-1442-A443-A2CC-BDA05E7E2202}" destId="{57C7E88D-0BEB-F14A-93B6-2B2189E1963F}" srcOrd="6" destOrd="0" parTransId="{E30CABAE-3F2F-654E-B40C-408BE3985779}" sibTransId="{2A1CFAC4-B56B-F24E-8753-55954AA27DE3}"/>
+    <dgm:cxn modelId="{5326C3A2-E1FA-5F4C-8819-DB2DCD8E3562}" srcId="{71AAE4DF-DDA9-4949-AD48-6F122CAFD057}" destId="{C76F3CDD-C26A-E74B-905B-2F09A566C678}" srcOrd="5" destOrd="0" parTransId="{0C443361-2D53-6D4B-8F3C-8C53AA17E811}" sibTransId="{46B840D1-592C-6F4E-BB8B-8E1619EB5FCA}"/>
+    <dgm:cxn modelId="{9C9521A5-E8CB-AA47-8480-234CA4065BC8}" srcId="{8FCAC36B-883B-CB49-B2A9-1726890C69CC}" destId="{C0523AAE-B76D-BD4B-9172-57C203FC0868}" srcOrd="1" destOrd="0" parTransId="{6ED78F1E-62D7-5449-B653-88B1807CC3B4}" sibTransId="{1BF0186C-831D-F445-979A-5487E2641705}"/>
     <dgm:cxn modelId="{9F310AA6-DB73-B948-A210-A8071B0F78F4}" type="presOf" srcId="{63F9CB0A-1442-A443-A2CC-BDA05E7E2202}" destId="{DAB8C1E6-595B-3749-86CB-01C31DF4F5B6}" srcOrd="0" destOrd="0" presId="urn:microsoft.com/office/officeart/2005/8/layout/hList1"/>
     <dgm:cxn modelId="{8DA80AA6-53EB-5243-B44B-FC3D660549FE}" srcId="{63F9CB0A-1442-A443-A2CC-BDA05E7E2202}" destId="{210B7850-4158-8649-9890-CE1246685414}" srcOrd="1" destOrd="0" parTransId="{08C66628-8BDF-E046-A9D5-7194AC55D531}" sibTransId="{B373808E-77E5-9046-8559-87C329429496}"/>
-    <dgm:cxn modelId="{B38A7EA7-D40A-834F-BA52-55C330B0572B}" type="presOf" srcId="{A6D7846F-3016-9146-9509-5F44F23CA934}" destId="{2B6E9592-A682-6345-BF16-231F2137BE1B}" srcOrd="0" destOrd="2" presId="urn:microsoft.com/office/officeart/2005/8/layout/hList1"/>
+    <dgm:cxn modelId="{B38A7EA7-D40A-834F-BA52-55C330B0572B}" type="presOf" srcId="{A6D7846F-3016-9146-9509-5F44F23CA934}" destId="{2B6E9592-A682-6345-BF16-231F2137BE1B}" srcOrd="0" destOrd="17" presId="urn:microsoft.com/office/officeart/2005/8/layout/hList1"/>
+    <dgm:cxn modelId="{8A72F6AA-4545-9840-9EDB-D2597D4B366D}" type="presOf" srcId="{913A0525-FECB-E645-AEBD-C101F25A5F6B}" destId="{2B6E9592-A682-6345-BF16-231F2137BE1B}" srcOrd="0" destOrd="12" presId="urn:microsoft.com/office/officeart/2005/8/layout/hList1"/>
+    <dgm:cxn modelId="{B34E6BAC-4C7A-4D45-8699-733B296AF1D8}" type="presOf" srcId="{6D43B080-BA94-114C-AE93-02DCEBD19BE1}" destId="{0ACA845D-9FC2-6344-8148-7E8CA16E5E7F}" srcOrd="0" destOrd="8" presId="urn:microsoft.com/office/officeart/2005/8/layout/hList1"/>
+    <dgm:cxn modelId="{428BA1AC-20F6-FA4F-86A4-2015B1EF0818}" type="presOf" srcId="{C0523AAE-B76D-BD4B-9172-57C203FC0868}" destId="{2B6E9592-A682-6345-BF16-231F2137BE1B}" srcOrd="0" destOrd="16" presId="urn:microsoft.com/office/officeart/2005/8/layout/hList1"/>
     <dgm:cxn modelId="{9F2BCBAE-600B-A44F-8877-A9CAE53870D0}" type="presOf" srcId="{FEEDF827-207B-204B-BCF6-BE71B111FA2E}" destId="{313A1F4D-7CB2-F642-B354-0BDB9ACDF771}" srcOrd="0" destOrd="0" presId="urn:microsoft.com/office/officeart/2005/8/layout/hList1"/>
+    <dgm:cxn modelId="{C480C3B3-ECB1-9D49-9001-127EA0729733}" srcId="{EE002E70-1BA6-414C-9812-44CC66DBF2F7}" destId="{8D2B03F3-2622-FD40-8963-81F8268332EB}" srcOrd="4" destOrd="0" parTransId="{BECB9C8F-8FD5-BB4C-B5BE-62D64E2CF58E}" sibTransId="{3C084FC9-D1CD-494B-A928-7415501E3438}"/>
+    <dgm:cxn modelId="{12B5C4B4-5C22-ED42-B93F-9CCB6DBC330B}" srcId="{EE002E70-1BA6-414C-9812-44CC66DBF2F7}" destId="{F0D22FD0-C8D2-484B-9AC7-26FB64CAF7B3}" srcOrd="12" destOrd="0" parTransId="{F9865F22-EAFC-4948-9766-F3E4CDEDBF7A}" sibTransId="{AAAC0A5E-0CA4-D143-A3EE-B57815095543}"/>
     <dgm:cxn modelId="{D8E8FFB5-A39E-E747-A85F-5D0EE137566A}" type="presOf" srcId="{BC9A5D7C-EEB0-E74A-99C2-C2305104874E}" destId="{635F0EEB-03D4-EB4D-9D46-58D81B829861}" srcOrd="0" destOrd="5" presId="urn:microsoft.com/office/officeart/2005/8/layout/hList1"/>
+    <dgm:cxn modelId="{A16505B6-A8A8-2D48-9157-346458051549}" srcId="{71AAE4DF-DDA9-4949-AD48-6F122CAFD057}" destId="{47063CA0-0CBE-7D49-B314-4F9DB3528C0B}" srcOrd="10" destOrd="0" parTransId="{5F65C636-E814-FD48-A5E7-E0C39641B3A7}" sibTransId="{F8AED8B2-1422-DE4E-B1F6-6B3166001D01}"/>
+    <dgm:cxn modelId="{5A16F2B6-FE33-1549-BDF0-994467AD6672}" type="presOf" srcId="{E5B71C87-286A-504C-9FED-D8FBE221DF2E}" destId="{2B6E9592-A682-6345-BF16-231F2137BE1B}" srcOrd="0" destOrd="4" presId="urn:microsoft.com/office/officeart/2005/8/layout/hList1"/>
     <dgm:cxn modelId="{A0005AB9-AF2C-EC47-97DF-6E914ED5E097}" type="presOf" srcId="{28D5221A-BD74-3D4B-AFB4-4550713B6A46}" destId="{A7E6C8AA-0514-4B40-8E27-2946A70F4585}" srcOrd="0" destOrd="0" presId="urn:microsoft.com/office/officeart/2005/8/layout/hList1"/>
     <dgm:cxn modelId="{FAF88FBB-4FEA-4747-BA67-35D3539EB851}" type="presOf" srcId="{713F20A0-BF72-EE43-A8DD-AF185C4B82DC}" destId="{9EF34850-7F56-0E45-BB4F-0FA6645B684A}" srcOrd="0" destOrd="0" presId="urn:microsoft.com/office/officeart/2005/8/layout/hList1"/>
     <dgm:cxn modelId="{BEBE87BE-AFB9-C749-BBB5-A2C6FEDB8DF5}" srcId="{0A895738-3D40-E74A-B397-D507CCF0DD94}" destId="{74B7F226-0836-874F-A3BF-207C591BB9FB}" srcOrd="0" destOrd="0" parTransId="{FD7B2134-7A0B-BB4F-A6D0-B132589DB647}" sibTransId="{501139DA-FAE9-E841-A010-7A714FF8CC34}"/>
     <dgm:cxn modelId="{3A00FFC3-BD13-5346-BF3B-004D3B9492D9}" srcId="{74B7F226-0836-874F-A3BF-207C591BB9FB}" destId="{F9F9B7D8-3D7D-B24D-9071-841ACF880BDF}" srcOrd="3" destOrd="0" parTransId="{7D24AE22-42DC-4E4C-A762-AB58C8D1A996}" sibTransId="{C35982AE-2CD6-0B47-B019-0770491E2D0D}"/>
+    <dgm:cxn modelId="{7A4A7FC4-5BC2-A847-8FEC-02B6C52A14CB}" srcId="{EE002E70-1BA6-414C-9812-44CC66DBF2F7}" destId="{A3023A56-B610-2E4C-8BA9-4F47C7AA75AE}" srcOrd="5" destOrd="0" parTransId="{73E2913C-6BDC-DF48-B3DC-AD26D17A6ACD}" sibTransId="{E5F285C6-255A-6548-BE7B-0464EEC1CD39}"/>
     <dgm:cxn modelId="{C34675C5-1A36-0E45-9FAB-E5789B0FDA0F}" type="presOf" srcId="{61F17B5E-E519-B649-B7ED-1802C74DF2BD}" destId="{635F0EEB-03D4-EB4D-9D46-58D81B829861}" srcOrd="0" destOrd="1" presId="urn:microsoft.com/office/officeart/2005/8/layout/hList1"/>
     <dgm:cxn modelId="{AF8C9FC6-A11B-664C-B9A6-56CC41C1EC63}" srcId="{A8B444C6-60CE-FA48-AAD1-DE301EF4E992}" destId="{C835637C-F65B-4A4C-999A-7798918F06BA}" srcOrd="0" destOrd="0" parTransId="{AE56E410-E1F5-9741-9EBD-B7B2B705DA53}" sibTransId="{818F4537-2228-9C44-A431-4ADB20B7ECF3}"/>
     <dgm:cxn modelId="{0B19E9C6-0139-584F-B8A0-9E1AD87A1373}" srcId="{28D5221A-BD74-3D4B-AFB4-4550713B6A46}" destId="{5874BF6F-27BE-2441-9AAC-DA8BC56ACF6E}" srcOrd="1" destOrd="0" parTransId="{D021EDD8-2745-EC48-A756-24A49135AEF7}" sibTransId="{6C02F85E-1C7C-3249-9E44-79DD90D9A344}"/>
+    <dgm:cxn modelId="{0A0C1FC8-DF7D-0041-9180-8A743EA14FB9}" type="presOf" srcId="{EE9B25DB-61EB-1045-BC70-1F3C64B65356}" destId="{2B6E9592-A682-6345-BF16-231F2137BE1B}" srcOrd="0" destOrd="8" presId="urn:microsoft.com/office/officeart/2005/8/layout/hList1"/>
+    <dgm:cxn modelId="{6F270AC9-51B9-EF48-84A9-F1111E887624}" type="presOf" srcId="{A3023A56-B610-2E4C-8BA9-4F47C7AA75AE}" destId="{2B6E9592-A682-6345-BF16-231F2137BE1B}" srcOrd="0" destOrd="6" presId="urn:microsoft.com/office/officeart/2005/8/layout/hList1"/>
+    <dgm:cxn modelId="{7E299CD0-8AEF-0F49-9728-D65F147E1912}" type="presOf" srcId="{8F7E1E02-2D70-E04C-90D8-652953180D13}" destId="{2B6E9592-A682-6345-BF16-231F2137BE1B}" srcOrd="0" destOrd="14" presId="urn:microsoft.com/office/officeart/2005/8/layout/hList1"/>
     <dgm:cxn modelId="{EAFFF9D0-6815-364A-A416-683300425AC3}" type="presOf" srcId="{5874BF6F-27BE-2441-9AAC-DA8BC56ACF6E}" destId="{DAB8C1E6-595B-3749-86CB-01C31DF4F5B6}" srcOrd="0" destOrd="9" presId="urn:microsoft.com/office/officeart/2005/8/layout/hList1"/>
     <dgm:cxn modelId="{AD8EF1D1-323F-0544-88EF-C87216BD8E89}" type="presOf" srcId="{772D9646-FB6B-8646-816D-D874BE7D2927}" destId="{313A1F4D-7CB2-F642-B354-0BDB9ACDF771}" srcOrd="0" destOrd="1" presId="urn:microsoft.com/office/officeart/2005/8/layout/hList1"/>
     <dgm:cxn modelId="{AC8952D2-129E-C149-A3DB-D28DF163DBDB}" srcId="{819E0C5A-1403-8E41-AAA1-DCD6DD60F058}" destId="{713F20A0-BF72-EE43-A8DD-AF185C4B82DC}" srcOrd="0" destOrd="0" parTransId="{DF1B0929-A7B6-A74C-8B69-E70C60B34C24}" sibTransId="{889468A5-C505-D24D-8B87-C4B0DDE99818}"/>
@@ -3922,10 +4989,14 @@
     <dgm:cxn modelId="{C1616BE6-34C0-E547-874F-F79C79E569F7}" type="presOf" srcId="{8CE56096-17B5-2A4A-BC36-4C2181AC44D0}" destId="{635F0EEB-03D4-EB4D-9D46-58D81B829861}" srcOrd="0" destOrd="2" presId="urn:microsoft.com/office/officeart/2005/8/layout/hList1"/>
     <dgm:cxn modelId="{D71611EC-7DC7-A14E-A6A9-63D373DC4FAB}" srcId="{63F9CB0A-1442-A443-A2CC-BDA05E7E2202}" destId="{8936E120-8683-5442-AF71-AF676B1BA381}" srcOrd="2" destOrd="0" parTransId="{BC74D007-DCC4-A643-B3DF-D635FF844E0D}" sibTransId="{8BDC4E57-52A2-2146-AA4F-1983D3492D4A}"/>
     <dgm:cxn modelId="{74A369EE-FB32-0C45-BEFB-6D9C9372DC5E}" srcId="{74B7F226-0836-874F-A3BF-207C591BB9FB}" destId="{33F87B13-A418-8349-B69D-B780D63F2FDA}" srcOrd="2" destOrd="0" parTransId="{88415715-AF43-854A-929A-6A77E9EE154F}" sibTransId="{2C708B59-B466-D146-8CB7-B9C74F40A7F7}"/>
+    <dgm:cxn modelId="{A6B37CF4-BAB0-C745-94CE-F35DCCBBD7FF}" type="presOf" srcId="{B59A93ED-7F93-C74C-8FF6-FBC2A6574492}" destId="{2B6E9592-A682-6345-BF16-231F2137BE1B}" srcOrd="0" destOrd="2" presId="urn:microsoft.com/office/officeart/2005/8/layout/hList1"/>
     <dgm:cxn modelId="{2EA29EF6-99EB-D243-B6DD-A3EAE9D5605B}" srcId="{819E0C5A-1403-8E41-AAA1-DCD6DD60F058}" destId="{0A895738-3D40-E74A-B397-D507CCF0DD94}" srcOrd="2" destOrd="0" parTransId="{645C7407-81C9-974F-88A8-830A4C2D5775}" sibTransId="{F4CC5A28-A519-F04A-B9CC-1EA32A23FF6D}"/>
+    <dgm:cxn modelId="{EBCFE7F6-57C0-9A41-B203-81CE954CB5CF}" srcId="{EE002E70-1BA6-414C-9812-44CC66DBF2F7}" destId="{913A0525-FECB-E645-AEBD-C101F25A5F6B}" srcOrd="11" destOrd="0" parTransId="{17B6C2BC-81CE-1942-9474-7CDAF3BABE08}" sibTransId="{2817BE46-16FA-3849-A1F1-45DF8CFE86D4}"/>
+    <dgm:cxn modelId="{BC1D23F7-F86F-F54D-9FCE-D7B6D6B825D8}" srcId="{EE002E70-1BA6-414C-9812-44CC66DBF2F7}" destId="{350484AC-729C-1E4F-8F60-D25F1B7D92AC}" srcOrd="10" destOrd="0" parTransId="{E325A311-56F1-F442-9A24-1FFB716DA492}" sibTransId="{FEE7BD35-CB82-9744-AC62-8C3407611BFB}"/>
     <dgm:cxn modelId="{6D7FB4F7-E26D-A04B-8372-0B97A3F49E92}" srcId="{28D5221A-BD74-3D4B-AFB4-4550713B6A46}" destId="{C6FE8727-257A-8047-8E43-E27FCE69CC84}" srcOrd="2" destOrd="0" parTransId="{08D20137-7F82-6047-A717-A51172571DF3}" sibTransId="{8FFB3196-6DCF-1F4E-899F-60198395C708}"/>
     <dgm:cxn modelId="{2C6F07F8-D724-2B45-856B-4268133D63CC}" type="presOf" srcId="{CFD95037-DBE9-9446-AB53-4E6BACDF12FC}" destId="{635F0EEB-03D4-EB4D-9D46-58D81B829861}" srcOrd="0" destOrd="6" presId="urn:microsoft.com/office/officeart/2005/8/layout/hList1"/>
     <dgm:cxn modelId="{A279CBF8-EC93-6D4B-B888-22AF59AE5962}" srcId="{63F9CB0A-1442-A443-A2CC-BDA05E7E2202}" destId="{9E251CFC-2A5F-6C42-99D3-BF9BD8EA3EBF}" srcOrd="3" destOrd="0" parTransId="{BC34E518-ECBF-0241-9CFD-C3E49F3140D9}" sibTransId="{330F649F-1BB8-8342-BB1D-0FF433BCEF30}"/>
+    <dgm:cxn modelId="{517F86F9-A6C8-2C40-8B11-04B2DD40FF26}" type="presOf" srcId="{89E0EB89-7578-E44F-95F9-AF1B2C0F7218}" destId="{0ACA845D-9FC2-6344-8148-7E8CA16E5E7F}" srcOrd="0" destOrd="4" presId="urn:microsoft.com/office/officeart/2005/8/layout/hList1"/>
     <dgm:cxn modelId="{B90D15FC-09F2-3442-943F-A1F276346396}" type="presOf" srcId="{5B289611-B3C7-5F49-B2B2-5E26789841AA}" destId="{DAB8C1E6-595B-3749-86CB-01C31DF4F5B6}" srcOrd="0" destOrd="8" presId="urn:microsoft.com/office/officeart/2005/8/layout/hList1"/>
     <dgm:cxn modelId="{AA2295FC-317B-2045-A973-90BE9C85CA21}" srcId="{C6FE8727-257A-8047-8E43-E27FCE69CC84}" destId="{E8530632-2796-A747-A5EE-C24DB1F34B94}" srcOrd="0" destOrd="0" parTransId="{FB61C9DB-143C-E049-878E-D9CBE31927BF}" sibTransId="{88BB3021-E99F-264F-AD21-A2C371B6196A}"/>
     <dgm:cxn modelId="{6FDA2CFD-5863-6145-92E8-AA5C2CCA698F}" type="presOf" srcId="{819E0C5A-1403-8E41-AAA1-DCD6DD60F058}" destId="{2807EB78-8D31-3747-86B6-30FD7B633A86}" srcOrd="0" destOrd="0" presId="urn:microsoft.com/office/officeart/2005/8/layout/hList1"/>
@@ -4381,8 +5452,8 @@
       </dsp:nvSpPr>
       <dsp:spPr>
         <a:xfrm>
-          <a:off x="3810" y="1395974"/>
-          <a:ext cx="1460499" cy="316800"/>
+          <a:off x="4862" y="94623"/>
+          <a:ext cx="1863841" cy="374400"/>
         </a:xfrm>
         <a:prstGeom prst="rect">
           <a:avLst/>
@@ -4424,12 +5495,12 @@
         </a:fontRef>
       </dsp:style>
       <dsp:txBody>
-        <a:bodyPr spcFirstLastPara="0" vert="horz" wrap="square" lIns="78232" tIns="44704" rIns="78232" bIns="44704" numCol="1" spcCol="1270" anchor="ctr" anchorCtr="0">
+        <a:bodyPr spcFirstLastPara="0" vert="horz" wrap="square" lIns="113792" tIns="65024" rIns="113792" bIns="65024" numCol="1" spcCol="1270" anchor="ctr" anchorCtr="0">
           <a:noAutofit/>
         </a:bodyPr>
         <a:lstStyle/>
         <a:p>
-          <a:pPr marL="0" lvl="0" indent="0" algn="ctr" defTabSz="488950">
+          <a:pPr marL="0" lvl="0" indent="0" algn="ctr" defTabSz="711200">
             <a:lnSpc>
               <a:spcPct val="90000"/>
             </a:lnSpc>
@@ -4442,14 +5513,14 @@
             <a:buNone/>
           </a:pPr>
           <a:r>
-            <a:rPr lang="es-ES" sz="1100" kern="1200" dirty="0"/>
+            <a:rPr lang="es-ES" sz="1600" kern="1200" dirty="0"/>
             <a:t>Regresión 1</a:t>
           </a:r>
         </a:p>
       </dsp:txBody>
       <dsp:txXfrm>
-        <a:off x="3810" y="1395974"/>
-        <a:ext cx="1460499" cy="316800"/>
+        <a:off x="4862" y="94623"/>
+        <a:ext cx="1863841" cy="374400"/>
       </dsp:txXfrm>
     </dsp:sp>
     <dsp:sp modelId="{313A1F4D-7CB2-F642-B354-0BDB9ACDF771}">
@@ -4459,8 +5530,8 @@
       </dsp:nvSpPr>
       <dsp:spPr>
         <a:xfrm>
-          <a:off x="3810" y="1712774"/>
-          <a:ext cx="1460499" cy="2309917"/>
+          <a:off x="4862" y="469023"/>
+          <a:ext cx="1863841" cy="4180163"/>
         </a:xfrm>
         <a:prstGeom prst="rect">
           <a:avLst/>
@@ -4504,12 +5575,12 @@
         <a:fontRef idx="minor"/>
       </dsp:style>
       <dsp:txBody>
-        <a:bodyPr spcFirstLastPara="0" vert="horz" wrap="square" lIns="58674" tIns="58674" rIns="78232" bIns="88011" numCol="1" spcCol="1270" anchor="t" anchorCtr="0">
+        <a:bodyPr spcFirstLastPara="0" vert="horz" wrap="square" lIns="69342" tIns="69342" rIns="92456" bIns="104013" numCol="1" spcCol="1270" anchor="t" anchorCtr="0">
           <a:noAutofit/>
         </a:bodyPr>
         <a:lstStyle/>
         <a:p>
-          <a:pPr marL="57150" lvl="1" indent="-57150" algn="l" defTabSz="488950">
+          <a:pPr marL="114300" lvl="1" indent="-114300" algn="l" defTabSz="577850">
             <a:lnSpc>
               <a:spcPct val="90000"/>
             </a:lnSpc>
@@ -4522,12 +5593,12 @@
             <a:buChar char="•"/>
           </a:pPr>
           <a:r>
-            <a:rPr lang="es-ES" sz="1100" kern="1200" dirty="0"/>
+            <a:rPr lang="es-ES" sz="1300" kern="1200" dirty="0"/>
             <a:t>Variables empleadas:</a:t>
           </a:r>
         </a:p>
         <a:p>
-          <a:pPr marL="114300" lvl="2" indent="-57150" algn="l" defTabSz="488950">
+          <a:pPr marL="228600" lvl="2" indent="-114300" algn="l" defTabSz="577850">
             <a:lnSpc>
               <a:spcPct val="90000"/>
             </a:lnSpc>
@@ -4540,13 +5611,13 @@
             <a:buChar char="•"/>
           </a:pPr>
           <a:r>
-            <a:rPr lang="es-ES" sz="1100" kern="1200" dirty="0" err="1"/>
+            <a:rPr lang="es-ES" sz="1300" kern="1200" dirty="0" err="1"/>
             <a:t>Comfort_score</a:t>
           </a:r>
-          <a:endParaRPr lang="es-ES" sz="1100" kern="1200" dirty="0"/>
-        </a:p>
-        <a:p>
-          <a:pPr marL="57150" lvl="1" indent="-57150" algn="l" defTabSz="488950">
+          <a:endParaRPr lang="es-ES" sz="1300" kern="1200" dirty="0"/>
+        </a:p>
+        <a:p>
+          <a:pPr marL="114300" lvl="1" indent="-114300" algn="l" defTabSz="577850">
             <a:lnSpc>
               <a:spcPct val="90000"/>
             </a:lnSpc>
@@ -4558,10 +5629,10 @@
             </a:spcAft>
             <a:buChar char="•"/>
           </a:pPr>
-          <a:endParaRPr lang="es-ES" sz="1100" kern="1200" dirty="0"/>
-        </a:p>
-        <a:p>
-          <a:pPr marL="57150" lvl="1" indent="-57150" algn="l" defTabSz="488950">
+          <a:endParaRPr lang="es-ES" sz="1300" kern="1200" dirty="0"/>
+        </a:p>
+        <a:p>
+          <a:pPr marL="114300" lvl="1" indent="-114300" algn="l" defTabSz="577850">
             <a:lnSpc>
               <a:spcPct val="90000"/>
             </a:lnSpc>
@@ -4574,12 +5645,12 @@
             <a:buChar char="•"/>
           </a:pPr>
           <a:r>
-            <a:rPr lang="es-ES" sz="1100" kern="1200" dirty="0"/>
+            <a:rPr lang="es-ES" sz="1300" kern="1200" dirty="0"/>
             <a:t>Resultados:</a:t>
           </a:r>
         </a:p>
         <a:p>
-          <a:pPr marL="114300" lvl="2" indent="-57150" algn="l" defTabSz="488950">
+          <a:pPr marL="228600" lvl="2" indent="-114300" algn="l" defTabSz="577850">
             <a:lnSpc>
               <a:spcPct val="90000"/>
             </a:lnSpc>
@@ -4592,26 +5663,26 @@
             <a:buChar char="•"/>
           </a:pPr>
           <a:r>
-            <a:rPr lang="es-ES" sz="1100" kern="1200" dirty="0"/>
+            <a:rPr lang="es-ES" sz="1300" kern="1200" dirty="0"/>
             <a:t>R</a:t>
           </a:r>
           <a:r>
-            <a:rPr lang="es-ES" sz="1100" kern="1200" baseline="30000" dirty="0"/>
+            <a:rPr lang="es-ES" sz="1300" kern="1200" baseline="30000" dirty="0"/>
             <a:t>2</a:t>
           </a:r>
           <a:r>
-            <a:rPr lang="es-ES" sz="1100" kern="1200" baseline="0" dirty="0"/>
+            <a:rPr lang="es-ES" sz="1300" kern="1200" baseline="0" dirty="0"/>
             <a:t>: </a:t>
           </a:r>
           <a:r>
-            <a:rPr lang="es-ES" sz="1100" kern="1200" dirty="0"/>
+            <a:rPr lang="es-ES" sz="1300" kern="1200" dirty="0"/>
             <a:t>0.005</a:t>
           </a:r>
         </a:p>
       </dsp:txBody>
       <dsp:txXfrm>
-        <a:off x="3810" y="1712774"/>
-        <a:ext cx="1460499" cy="2309917"/>
+        <a:off x="4862" y="469023"/>
+        <a:ext cx="1863841" cy="4180163"/>
       </dsp:txXfrm>
     </dsp:sp>
     <dsp:sp modelId="{A7E6C8AA-0514-4B40-8E27-2946A70F4585}">
@@ -4621,8 +5692,8 @@
       </dsp:nvSpPr>
       <dsp:spPr>
         <a:xfrm>
-          <a:off x="1668780" y="1395974"/>
-          <a:ext cx="1460499" cy="316800"/>
+          <a:off x="2129641" y="94623"/>
+          <a:ext cx="1863841" cy="374400"/>
         </a:xfrm>
         <a:prstGeom prst="rect">
           <a:avLst/>
@@ -4664,12 +5735,12 @@
         </a:fontRef>
       </dsp:style>
       <dsp:txBody>
-        <a:bodyPr spcFirstLastPara="0" vert="horz" wrap="square" lIns="78232" tIns="44704" rIns="78232" bIns="44704" numCol="1" spcCol="1270" anchor="ctr" anchorCtr="0">
+        <a:bodyPr spcFirstLastPara="0" vert="horz" wrap="square" lIns="113792" tIns="65024" rIns="113792" bIns="65024" numCol="1" spcCol="1270" anchor="ctr" anchorCtr="0">
           <a:noAutofit/>
         </a:bodyPr>
         <a:lstStyle/>
         <a:p>
-          <a:pPr marL="0" lvl="0" indent="0" algn="ctr" defTabSz="488950">
+          <a:pPr marL="0" lvl="0" indent="0" algn="ctr" defTabSz="711200">
             <a:lnSpc>
               <a:spcPct val="90000"/>
             </a:lnSpc>
@@ -4682,14 +5753,23 @@
             <a:buNone/>
           </a:pPr>
           <a:r>
-            <a:rPr lang="es-ES" sz="1100" kern="1200" dirty="0"/>
-            <a:t>Regresión 2</a:t>
+            <a:rPr lang="es-ES" sz="1600" kern="1200" dirty="0"/>
+            <a:t>Regresión</a:t>
           </a:r>
+          <a:r>
+            <a:rPr lang="es-ES" sz="1200" kern="1200" dirty="0"/>
+            <a:t> </a:t>
+          </a:r>
+          <a:r>
+            <a:rPr lang="es-ES" sz="1600" kern="1200" dirty="0"/>
+            <a:t>2</a:t>
+          </a:r>
+          <a:endParaRPr lang="es-ES" sz="1200" kern="1200" dirty="0"/>
         </a:p>
       </dsp:txBody>
       <dsp:txXfrm>
-        <a:off x="1668780" y="1395974"/>
-        <a:ext cx="1460499" cy="316800"/>
+        <a:off x="2129641" y="94623"/>
+        <a:ext cx="1863841" cy="374400"/>
       </dsp:txXfrm>
     </dsp:sp>
     <dsp:sp modelId="{DAB8C1E6-595B-3749-86CB-01C31DF4F5B6}">
@@ -4699,8 +5779,8 @@
       </dsp:nvSpPr>
       <dsp:spPr>
         <a:xfrm>
-          <a:off x="1668780" y="1712774"/>
-          <a:ext cx="1460499" cy="2309917"/>
+          <a:off x="2129641" y="469023"/>
+          <a:ext cx="1863841" cy="4180163"/>
         </a:xfrm>
         <a:prstGeom prst="rect">
           <a:avLst/>
@@ -4744,12 +5824,12 @@
         <a:fontRef idx="minor"/>
       </dsp:style>
       <dsp:txBody>
-        <a:bodyPr spcFirstLastPara="0" vert="horz" wrap="square" lIns="58674" tIns="58674" rIns="78232" bIns="88011" numCol="1" spcCol="1270" anchor="t" anchorCtr="0">
+        <a:bodyPr spcFirstLastPara="0" vert="horz" wrap="square" lIns="69342" tIns="69342" rIns="92456" bIns="104013" numCol="1" spcCol="1270" anchor="t" anchorCtr="0">
           <a:noAutofit/>
         </a:bodyPr>
         <a:lstStyle/>
         <a:p>
-          <a:pPr marL="57150" lvl="1" indent="-57150" algn="l" defTabSz="488950">
+          <a:pPr marL="114300" lvl="1" indent="-114300" algn="l" defTabSz="577850">
             <a:lnSpc>
               <a:spcPct val="90000"/>
             </a:lnSpc>
@@ -4762,12 +5842,12 @@
             <a:buChar char="•"/>
           </a:pPr>
           <a:r>
-            <a:rPr lang="es-ES" sz="1100" kern="1200" dirty="0"/>
+            <a:rPr lang="es-ES" sz="1300" kern="1200" dirty="0"/>
             <a:t>Variables empleadas:</a:t>
           </a:r>
         </a:p>
         <a:p>
-          <a:pPr marL="114300" lvl="2" indent="-57150" algn="l" defTabSz="488950">
+          <a:pPr marL="228600" lvl="2" indent="-114300" algn="l" defTabSz="577850">
             <a:lnSpc>
               <a:spcPct val="90000"/>
             </a:lnSpc>
@@ -4780,13 +5860,13 @@
             <a:buChar char="•"/>
           </a:pPr>
           <a:r>
-            <a:rPr lang="es-ES" sz="1100" kern="1200" dirty="0" err="1"/>
+            <a:rPr lang="es-ES" sz="1300" kern="1200" dirty="0" err="1"/>
             <a:t>Hotel_score</a:t>
           </a:r>
-          <a:endParaRPr lang="es-ES" sz="1100" kern="1200" dirty="0"/>
-        </a:p>
-        <a:p>
-          <a:pPr marL="114300" lvl="2" indent="-57150" algn="l" defTabSz="488950">
+          <a:endParaRPr lang="es-ES" sz="1300" kern="1200" dirty="0"/>
+        </a:p>
+        <a:p>
+          <a:pPr marL="228600" lvl="2" indent="-114300" algn="l" defTabSz="577850">
             <a:lnSpc>
               <a:spcPct val="90000"/>
             </a:lnSpc>
@@ -4799,13 +5879,13 @@
             <a:buChar char="•"/>
           </a:pPr>
           <a:r>
-            <a:rPr lang="es-ES" sz="1100" kern="1200" dirty="0" err="1"/>
+            <a:rPr lang="es-ES" sz="1300" kern="1200" dirty="0" err="1"/>
             <a:t>Staff_score</a:t>
           </a:r>
-          <a:endParaRPr lang="es-ES" sz="1100" kern="1200" dirty="0"/>
-        </a:p>
-        <a:p>
-          <a:pPr marL="114300" lvl="2" indent="-57150" algn="l" defTabSz="488950">
+          <a:endParaRPr lang="es-ES" sz="1300" kern="1200" dirty="0"/>
+        </a:p>
+        <a:p>
+          <a:pPr marL="228600" lvl="2" indent="-114300" algn="l" defTabSz="577850">
             <a:lnSpc>
               <a:spcPct val="90000"/>
             </a:lnSpc>
@@ -4818,13 +5898,13 @@
             <a:buChar char="•"/>
           </a:pPr>
           <a:r>
-            <a:rPr lang="es-ES" sz="1100" kern="1200" dirty="0" err="1"/>
+            <a:rPr lang="es-ES" sz="1300" kern="1200" dirty="0" err="1"/>
             <a:t>Facilites_score</a:t>
           </a:r>
-          <a:endParaRPr lang="es-ES" sz="1100" kern="1200" dirty="0"/>
-        </a:p>
-        <a:p>
-          <a:pPr marL="114300" lvl="2" indent="-57150" algn="l" defTabSz="488950">
+          <a:endParaRPr lang="es-ES" sz="1300" kern="1200" dirty="0"/>
+        </a:p>
+        <a:p>
+          <a:pPr marL="228600" lvl="2" indent="-114300" algn="l" defTabSz="577850">
             <a:lnSpc>
               <a:spcPct val="90000"/>
             </a:lnSpc>
@@ -4837,13 +5917,13 @@
             <a:buChar char="•"/>
           </a:pPr>
           <a:r>
-            <a:rPr lang="es-ES" sz="1100" kern="1200" dirty="0" err="1"/>
+            <a:rPr lang="es-ES" sz="1300" kern="1200" dirty="0" err="1"/>
             <a:t>Cleanliness_score</a:t>
           </a:r>
-          <a:endParaRPr lang="es-ES" sz="1100" kern="1200" dirty="0"/>
-        </a:p>
-        <a:p>
-          <a:pPr marL="114300" lvl="2" indent="-57150" algn="l" defTabSz="488950">
+          <a:endParaRPr lang="es-ES" sz="1300" kern="1200" dirty="0"/>
+        </a:p>
+        <a:p>
+          <a:pPr marL="228600" lvl="2" indent="-114300" algn="l" defTabSz="577850">
             <a:lnSpc>
               <a:spcPct val="90000"/>
             </a:lnSpc>
@@ -4856,13 +5936,13 @@
             <a:buChar char="•"/>
           </a:pPr>
           <a:r>
-            <a:rPr lang="es-ES" sz="1100" kern="1200" dirty="0" err="1"/>
+            <a:rPr lang="es-ES" sz="1300" kern="1200" dirty="0" err="1"/>
             <a:t>Comfort_score</a:t>
           </a:r>
-          <a:endParaRPr lang="es-ES" sz="1100" kern="1200" dirty="0"/>
-        </a:p>
-        <a:p>
-          <a:pPr marL="114300" lvl="2" indent="-57150" algn="l" defTabSz="488950">
+          <a:endParaRPr lang="es-ES" sz="1300" kern="1200" dirty="0"/>
+        </a:p>
+        <a:p>
+          <a:pPr marL="228600" lvl="2" indent="-114300" algn="l" defTabSz="577850">
             <a:lnSpc>
               <a:spcPct val="90000"/>
             </a:lnSpc>
@@ -4875,13 +5955,13 @@
             <a:buChar char="•"/>
           </a:pPr>
           <a:r>
-            <a:rPr lang="es-ES" sz="1100" kern="1200" dirty="0" err="1"/>
+            <a:rPr lang="es-ES" sz="1300" kern="1200" dirty="0" err="1"/>
             <a:t>Value_for_money</a:t>
           </a:r>
-          <a:endParaRPr lang="es-ES" sz="1100" kern="1200" dirty="0"/>
-        </a:p>
-        <a:p>
-          <a:pPr marL="114300" lvl="2" indent="-57150" algn="l" defTabSz="488950">
+          <a:endParaRPr lang="es-ES" sz="1300" kern="1200" dirty="0"/>
+        </a:p>
+        <a:p>
+          <a:pPr marL="228600" lvl="2" indent="-114300" algn="l" defTabSz="577850">
             <a:lnSpc>
               <a:spcPct val="90000"/>
             </a:lnSpc>
@@ -4894,13 +5974,13 @@
             <a:buChar char="•"/>
           </a:pPr>
           <a:r>
-            <a:rPr lang="es-ES" sz="1100" kern="1200" dirty="0" err="1"/>
+            <a:rPr lang="es-ES" sz="1300" kern="1200" dirty="0" err="1"/>
             <a:t>Location_score</a:t>
           </a:r>
-          <a:endParaRPr lang="es-ES" sz="1100" kern="1200" dirty="0"/>
-        </a:p>
-        <a:p>
-          <a:pPr marL="114300" lvl="2" indent="-57150" algn="l" defTabSz="488950">
+          <a:endParaRPr lang="es-ES" sz="1300" kern="1200" dirty="0"/>
+        </a:p>
+        <a:p>
+          <a:pPr marL="228600" lvl="2" indent="-114300" algn="l" defTabSz="577850">
             <a:lnSpc>
               <a:spcPct val="90000"/>
             </a:lnSpc>
@@ -4913,13 +5993,13 @@
             <a:buChar char="•"/>
           </a:pPr>
           <a:r>
-            <a:rPr lang="es-ES" sz="1100" kern="1200" dirty="0" err="1"/>
+            <a:rPr lang="es-ES" sz="1300" kern="1200" dirty="0" err="1"/>
             <a:t>Free_wifi_score</a:t>
           </a:r>
-          <a:endParaRPr lang="es-ES" sz="1100" kern="1200" dirty="0"/>
-        </a:p>
-        <a:p>
-          <a:pPr marL="57150" lvl="1" indent="-57150" algn="l" defTabSz="488950">
+          <a:endParaRPr lang="es-ES" sz="1300" kern="1200" dirty="0"/>
+        </a:p>
+        <a:p>
+          <a:pPr marL="114300" lvl="1" indent="-114300" algn="l" defTabSz="577850">
             <a:lnSpc>
               <a:spcPct val="90000"/>
             </a:lnSpc>
@@ -4931,10 +6011,10 @@
             </a:spcAft>
             <a:buChar char="•"/>
           </a:pPr>
-          <a:endParaRPr lang="es-ES" sz="1100" kern="1200" dirty="0"/>
-        </a:p>
-        <a:p>
-          <a:pPr marL="57150" lvl="1" indent="-57150" algn="l" defTabSz="488950">
+          <a:endParaRPr lang="es-ES" sz="1300" kern="1200" dirty="0"/>
+        </a:p>
+        <a:p>
+          <a:pPr marL="114300" lvl="1" indent="-114300" algn="l" defTabSz="577850">
             <a:lnSpc>
               <a:spcPct val="90000"/>
             </a:lnSpc>
@@ -4947,12 +6027,12 @@
             <a:buChar char="•"/>
           </a:pPr>
           <a:r>
-            <a:rPr lang="es-ES" sz="1100" kern="1200" dirty="0"/>
+            <a:rPr lang="es-ES" sz="1300" kern="1200" dirty="0"/>
             <a:t>Resultados:</a:t>
           </a:r>
         </a:p>
         <a:p>
-          <a:pPr marL="114300" lvl="2" indent="-57150" algn="l" defTabSz="488950">
+          <a:pPr marL="228600" lvl="2" indent="-114300" algn="l" defTabSz="577850">
             <a:lnSpc>
               <a:spcPct val="90000"/>
             </a:lnSpc>
@@ -4965,26 +6045,26 @@
             <a:buChar char="•"/>
           </a:pPr>
           <a:r>
-            <a:rPr lang="es-ES" sz="1100" kern="1200" dirty="0"/>
+            <a:rPr lang="es-ES" sz="1300" kern="1200" dirty="0"/>
             <a:t>R</a:t>
           </a:r>
           <a:r>
-            <a:rPr lang="es-ES" sz="1100" kern="1200" baseline="30000" dirty="0"/>
+            <a:rPr lang="es-ES" sz="1300" kern="1200" baseline="30000" dirty="0"/>
             <a:t>2</a:t>
           </a:r>
           <a:r>
-            <a:rPr lang="es-ES" sz="1100" kern="1200" baseline="0" dirty="0"/>
+            <a:rPr lang="es-ES" sz="1300" kern="1200" baseline="0" dirty="0"/>
             <a:t>: </a:t>
           </a:r>
           <a:r>
-            <a:rPr lang="es-ES" sz="1100" kern="1200" dirty="0"/>
+            <a:rPr lang="es-ES" sz="1300" kern="1200" dirty="0"/>
             <a:t>0.02143</a:t>
           </a:r>
         </a:p>
       </dsp:txBody>
       <dsp:txXfrm>
-        <a:off x="1668780" y="1712774"/>
-        <a:ext cx="1460499" cy="2309917"/>
+        <a:off x="2129641" y="469023"/>
+        <a:ext cx="1863841" cy="4180163"/>
       </dsp:txXfrm>
     </dsp:sp>
     <dsp:sp modelId="{DB4E1272-8157-C145-9949-D563A214158B}">
@@ -4994,8 +6074,8 @@
       </dsp:nvSpPr>
       <dsp:spPr>
         <a:xfrm>
-          <a:off x="3333750" y="1395974"/>
-          <a:ext cx="1460499" cy="316800"/>
+          <a:off x="4254421" y="94623"/>
+          <a:ext cx="1863841" cy="374400"/>
         </a:xfrm>
         <a:prstGeom prst="rect">
           <a:avLst/>
@@ -5037,12 +6117,12 @@
         </a:fontRef>
       </dsp:style>
       <dsp:txBody>
-        <a:bodyPr spcFirstLastPara="0" vert="horz" wrap="square" lIns="78232" tIns="44704" rIns="78232" bIns="44704" numCol="1" spcCol="1270" anchor="ctr" anchorCtr="0">
+        <a:bodyPr spcFirstLastPara="0" vert="horz" wrap="square" lIns="113792" tIns="65024" rIns="113792" bIns="65024" numCol="1" spcCol="1270" anchor="ctr" anchorCtr="0">
           <a:noAutofit/>
         </a:bodyPr>
         <a:lstStyle/>
         <a:p>
-          <a:pPr marL="0" lvl="0" indent="0" algn="ctr" defTabSz="488950">
+          <a:pPr marL="0" lvl="0" indent="0" algn="ctr" defTabSz="711200">
             <a:lnSpc>
               <a:spcPct val="90000"/>
             </a:lnSpc>
@@ -5055,14 +6135,14 @@
             <a:buNone/>
           </a:pPr>
           <a:r>
-            <a:rPr lang="es-ES" sz="1100" kern="1200" dirty="0"/>
+            <a:rPr lang="es-ES" sz="1600" kern="1200" dirty="0"/>
             <a:t>Regresión 3</a:t>
           </a:r>
         </a:p>
       </dsp:txBody>
       <dsp:txXfrm>
-        <a:off x="3333750" y="1395974"/>
-        <a:ext cx="1460499" cy="316800"/>
+        <a:off x="4254421" y="94623"/>
+        <a:ext cx="1863841" cy="374400"/>
       </dsp:txXfrm>
     </dsp:sp>
     <dsp:sp modelId="{635F0EEB-03D4-EB4D-9D46-58D81B829861}">
@@ -5072,8 +6152,8 @@
       </dsp:nvSpPr>
       <dsp:spPr>
         <a:xfrm>
-          <a:off x="3333750" y="1712774"/>
-          <a:ext cx="1460499" cy="2309917"/>
+          <a:off x="4254421" y="469023"/>
+          <a:ext cx="1863841" cy="4180163"/>
         </a:xfrm>
         <a:prstGeom prst="rect">
           <a:avLst/>
@@ -5117,12 +6197,12 @@
         <a:fontRef idx="minor"/>
       </dsp:style>
       <dsp:txBody>
-        <a:bodyPr spcFirstLastPara="0" vert="horz" wrap="square" lIns="58674" tIns="58674" rIns="78232" bIns="88011" numCol="1" spcCol="1270" anchor="t" anchorCtr="0">
+        <a:bodyPr spcFirstLastPara="0" vert="horz" wrap="square" lIns="69342" tIns="69342" rIns="92456" bIns="104013" numCol="1" spcCol="1270" anchor="t" anchorCtr="0">
           <a:noAutofit/>
         </a:bodyPr>
         <a:lstStyle/>
         <a:p>
-          <a:pPr marL="57150" lvl="1" indent="-57150" algn="l" defTabSz="488950">
+          <a:pPr marL="114300" lvl="1" indent="-114300" algn="l" defTabSz="577850">
             <a:lnSpc>
               <a:spcPct val="90000"/>
             </a:lnSpc>
@@ -5135,12 +6215,12 @@
             <a:buChar char="•"/>
           </a:pPr>
           <a:r>
-            <a:rPr lang="es-ES" sz="1100" kern="1200" dirty="0"/>
+            <a:rPr lang="es-ES" sz="1300" kern="1200" dirty="0"/>
             <a:t>Variables empleadas:</a:t>
           </a:r>
         </a:p>
         <a:p>
-          <a:pPr marL="114300" lvl="2" indent="-57150" algn="l" defTabSz="488950">
+          <a:pPr marL="228600" lvl="2" indent="-114300" algn="l" defTabSz="577850">
             <a:lnSpc>
               <a:spcPct val="90000"/>
             </a:lnSpc>
@@ -5153,13 +6233,13 @@
             <a:buChar char="•"/>
           </a:pPr>
           <a:r>
-            <a:rPr lang="es-ES" sz="1100" kern="1200" dirty="0" err="1"/>
+            <a:rPr lang="es-ES" sz="1300" kern="1200" dirty="0" err="1"/>
             <a:t>Staff_score</a:t>
           </a:r>
-          <a:endParaRPr lang="es-ES" sz="1100" kern="1200" dirty="0"/>
-        </a:p>
-        <a:p>
-          <a:pPr marL="114300" lvl="2" indent="-57150" algn="l" defTabSz="488950">
+          <a:endParaRPr lang="es-ES" sz="1300" kern="1200" dirty="0"/>
+        </a:p>
+        <a:p>
+          <a:pPr marL="228600" lvl="2" indent="-114300" algn="l" defTabSz="577850">
             <a:lnSpc>
               <a:spcPct val="90000"/>
             </a:lnSpc>
@@ -5172,13 +6252,13 @@
             <a:buChar char="•"/>
           </a:pPr>
           <a:r>
-            <a:rPr lang="es-ES" sz="1100" kern="1200" dirty="0" err="1"/>
+            <a:rPr lang="es-ES" sz="1300" kern="1200" dirty="0" err="1"/>
             <a:t>Value_for_money</a:t>
           </a:r>
-          <a:endParaRPr lang="es-ES" sz="1100" kern="1200" dirty="0"/>
-        </a:p>
-        <a:p>
-          <a:pPr marL="114300" lvl="2" indent="-57150" algn="l" defTabSz="488950">
+          <a:endParaRPr lang="es-ES" sz="1300" kern="1200" dirty="0"/>
+        </a:p>
+        <a:p>
+          <a:pPr marL="228600" lvl="2" indent="-114300" algn="l" defTabSz="577850">
             <a:lnSpc>
               <a:spcPct val="90000"/>
             </a:lnSpc>
@@ -5191,13 +6271,13 @@
             <a:buChar char="•"/>
           </a:pPr>
           <a:r>
-            <a:rPr lang="es-ES" sz="1100" kern="1200" dirty="0" err="1"/>
+            <a:rPr lang="es-ES" sz="1300" kern="1200" dirty="0" err="1"/>
             <a:t>Location_score</a:t>
           </a:r>
-          <a:endParaRPr lang="es-ES" sz="1100" kern="1200" dirty="0"/>
-        </a:p>
-        <a:p>
-          <a:pPr marL="114300" lvl="2" indent="-57150" algn="l" defTabSz="488950">
+          <a:endParaRPr lang="es-ES" sz="1300" kern="1200" dirty="0"/>
+        </a:p>
+        <a:p>
+          <a:pPr marL="228600" lvl="2" indent="-114300" algn="l" defTabSz="577850">
             <a:lnSpc>
               <a:spcPct val="90000"/>
             </a:lnSpc>
@@ -5210,13 +6290,13 @@
             <a:buChar char="•"/>
           </a:pPr>
           <a:r>
-            <a:rPr lang="es-ES" sz="1100" kern="1200" dirty="0" err="1"/>
+            <a:rPr lang="es-ES" sz="1300" kern="1200" dirty="0" err="1"/>
             <a:t>Free_wifi_score</a:t>
           </a:r>
-          <a:endParaRPr lang="es-ES" sz="1100" kern="1200" dirty="0"/>
-        </a:p>
-        <a:p>
-          <a:pPr marL="114300" lvl="2" indent="-57150" algn="l" defTabSz="488950">
+          <a:endParaRPr lang="es-ES" sz="1300" kern="1200" dirty="0"/>
+        </a:p>
+        <a:p>
+          <a:pPr marL="228600" lvl="2" indent="-114300" algn="l" defTabSz="577850">
             <a:lnSpc>
               <a:spcPct val="90000"/>
             </a:lnSpc>
@@ -5228,10 +6308,10 @@
             </a:spcAft>
             <a:buChar char="•"/>
           </a:pPr>
-          <a:endParaRPr lang="es-ES" sz="1100" kern="1200" dirty="0"/>
-        </a:p>
-        <a:p>
-          <a:pPr marL="57150" lvl="1" indent="-57150" algn="l" defTabSz="488950">
+          <a:endParaRPr lang="es-ES" sz="1300" kern="1200" dirty="0"/>
+        </a:p>
+        <a:p>
+          <a:pPr marL="114300" lvl="1" indent="-114300" algn="l" defTabSz="577850">
             <a:lnSpc>
               <a:spcPct val="90000"/>
             </a:lnSpc>
@@ -5244,12 +6324,12 @@
             <a:buChar char="•"/>
           </a:pPr>
           <a:r>
-            <a:rPr lang="es-ES" sz="1100" kern="1200" dirty="0"/>
+            <a:rPr lang="es-ES" sz="1300" kern="1200" dirty="0"/>
             <a:t>Resultados:</a:t>
           </a:r>
         </a:p>
         <a:p>
-          <a:pPr marL="114300" lvl="2" indent="-57150" algn="l" defTabSz="488950">
+          <a:pPr marL="228600" lvl="2" indent="-114300" algn="l" defTabSz="577850">
             <a:lnSpc>
               <a:spcPct val="90000"/>
             </a:lnSpc>
@@ -5262,26 +6342,26 @@
             <a:buChar char="•"/>
           </a:pPr>
           <a:r>
-            <a:rPr lang="es-ES" sz="1100" kern="1200" dirty="0"/>
+            <a:rPr lang="es-ES" sz="1300" kern="1200" dirty="0"/>
             <a:t>R</a:t>
           </a:r>
           <a:r>
-            <a:rPr lang="es-ES" sz="1100" kern="1200" baseline="30000" dirty="0"/>
+            <a:rPr lang="es-ES" sz="1300" kern="1200" baseline="30000" dirty="0"/>
             <a:t>2</a:t>
           </a:r>
           <a:r>
-            <a:rPr lang="es-ES" sz="1100" kern="1200" baseline="0" dirty="0"/>
+            <a:rPr lang="es-ES" sz="1300" kern="1200" baseline="0" dirty="0"/>
             <a:t>: </a:t>
           </a:r>
           <a:r>
-            <a:rPr lang="es-ES" sz="1100" kern="1200" dirty="0"/>
+            <a:rPr lang="es-ES" sz="1300" kern="1200" dirty="0"/>
             <a:t>0.0195</a:t>
           </a:r>
         </a:p>
       </dsp:txBody>
       <dsp:txXfrm>
-        <a:off x="3333750" y="1712774"/>
-        <a:ext cx="1460499" cy="2309917"/>
+        <a:off x="4254421" y="469023"/>
+        <a:ext cx="1863841" cy="4180163"/>
       </dsp:txXfrm>
     </dsp:sp>
     <dsp:sp modelId="{F52438EA-4F92-C240-AFC6-A4B2AEE6AE1C}">
@@ -5291,8 +6371,8 @@
       </dsp:nvSpPr>
       <dsp:spPr>
         <a:xfrm>
-          <a:off x="4998720" y="1395974"/>
-          <a:ext cx="1460499" cy="316800"/>
+          <a:off x="6379201" y="94623"/>
+          <a:ext cx="1863841" cy="374400"/>
         </a:xfrm>
         <a:prstGeom prst="rect">
           <a:avLst/>
@@ -5334,12 +6414,12 @@
         </a:fontRef>
       </dsp:style>
       <dsp:txBody>
-        <a:bodyPr spcFirstLastPara="0" vert="horz" wrap="square" lIns="78232" tIns="44704" rIns="78232" bIns="44704" numCol="1" spcCol="1270" anchor="ctr" anchorCtr="0">
+        <a:bodyPr spcFirstLastPara="0" vert="horz" wrap="square" lIns="113792" tIns="65024" rIns="113792" bIns="65024" numCol="1" spcCol="1270" anchor="ctr" anchorCtr="0">
           <a:noAutofit/>
         </a:bodyPr>
         <a:lstStyle/>
         <a:p>
-          <a:pPr marL="0" lvl="0" indent="0" algn="ctr" defTabSz="488950">
+          <a:pPr marL="0" lvl="0" indent="0" algn="ctr" defTabSz="711200">
             <a:lnSpc>
               <a:spcPct val="90000"/>
             </a:lnSpc>
@@ -5352,14 +6432,14 @@
             <a:buNone/>
           </a:pPr>
           <a:r>
-            <a:rPr lang="es-ES" sz="1100" kern="1200" dirty="0"/>
+            <a:rPr lang="es-ES" sz="1600" kern="1200" dirty="0"/>
             <a:t>Regresión 4</a:t>
           </a:r>
         </a:p>
       </dsp:txBody>
       <dsp:txXfrm>
-        <a:off x="4998720" y="1395974"/>
-        <a:ext cx="1460499" cy="316800"/>
+        <a:off x="6379201" y="94623"/>
+        <a:ext cx="1863841" cy="374400"/>
       </dsp:txXfrm>
     </dsp:sp>
     <dsp:sp modelId="{2B6E9592-A682-6345-BF16-231F2137BE1B}">
@@ -5369,8 +6449,8 @@
       </dsp:nvSpPr>
       <dsp:spPr>
         <a:xfrm>
-          <a:off x="4998720" y="1712774"/>
-          <a:ext cx="1460499" cy="2309917"/>
+          <a:off x="6379201" y="469023"/>
+          <a:ext cx="1863841" cy="4180163"/>
         </a:xfrm>
         <a:prstGeom prst="rect">
           <a:avLst/>
@@ -5414,12 +6494,12 @@
         <a:fontRef idx="minor"/>
       </dsp:style>
       <dsp:txBody>
-        <a:bodyPr spcFirstLastPara="0" vert="horz" wrap="square" lIns="58674" tIns="58674" rIns="78232" bIns="88011" numCol="1" spcCol="1270" anchor="t" anchorCtr="0">
+        <a:bodyPr spcFirstLastPara="0" vert="horz" wrap="square" lIns="69342" tIns="69342" rIns="92456" bIns="104013" numCol="1" spcCol="1270" anchor="t" anchorCtr="0">
           <a:noAutofit/>
         </a:bodyPr>
         <a:lstStyle/>
         <a:p>
-          <a:pPr marL="57150" lvl="1" indent="-57150" algn="l" defTabSz="488950">
+          <a:pPr marL="114300" lvl="1" indent="-114300" algn="l" defTabSz="577850">
             <a:lnSpc>
               <a:spcPct val="90000"/>
             </a:lnSpc>
@@ -5432,12 +6512,12 @@
             <a:buChar char="•"/>
           </a:pPr>
           <a:r>
-            <a:rPr lang="es-ES" sz="1100" kern="1200"/>
+            <a:rPr lang="es-ES" sz="1300" kern="1200"/>
             <a:t>Variables empleadas:</a:t>
           </a:r>
         </a:p>
         <a:p>
-          <a:pPr marL="114300" lvl="2" indent="-57150" algn="l" defTabSz="488950">
+          <a:pPr marL="228600" lvl="2" indent="-114300" algn="l" defTabSz="577850">
             <a:lnSpc>
               <a:spcPct val="90000"/>
             </a:lnSpc>
@@ -5450,13 +6530,13 @@
             <a:buChar char="•"/>
           </a:pPr>
           <a:r>
-            <a:rPr lang="es-ES" sz="1100" kern="1200"/>
-            <a:t>Comfort_score</a:t>
+            <a:rPr lang="es-ES" sz="1300" kern="1200" dirty="0" err="1"/>
+            <a:t>Staff_score</a:t>
           </a:r>
-          <a:endParaRPr lang="es-ES" sz="1100" kern="1200" dirty="0"/>
-        </a:p>
-        <a:p>
-          <a:pPr marL="57150" lvl="1" indent="-57150" algn="l" defTabSz="488950">
+          <a:endParaRPr lang="es-ES" sz="1300" kern="1200" dirty="0"/>
+        </a:p>
+        <a:p>
+          <a:pPr marL="228600" lvl="2" indent="-114300" algn="l" defTabSz="577850">
             <a:lnSpc>
               <a:spcPct val="90000"/>
             </a:lnSpc>
@@ -5469,13 +6549,13 @@
             <a:buChar char="•"/>
           </a:pPr>
           <a:r>
-            <a:rPr lang="es-ES" sz="1100" kern="1200"/>
-            <a:t>Resultados:</a:t>
+            <a:rPr lang="es-ES" sz="1300" kern="1200" dirty="0" err="1"/>
+            <a:t>Value_for_money</a:t>
           </a:r>
-          <a:endParaRPr lang="es-ES" sz="1100" kern="1200" dirty="0"/>
-        </a:p>
-        <a:p>
-          <a:pPr marL="114300" lvl="2" indent="-57150" algn="l" defTabSz="488950">
+          <a:endParaRPr lang="es-ES" sz="1300" kern="1200" dirty="0"/>
+        </a:p>
+        <a:p>
+          <a:pPr marL="228600" lvl="2" indent="-114300" algn="l" defTabSz="577850">
             <a:lnSpc>
               <a:spcPct val="90000"/>
             </a:lnSpc>
@@ -5488,27 +6568,314 @@
             <a:buChar char="•"/>
           </a:pPr>
           <a:r>
-            <a:rPr lang="es-ES" sz="1100" kern="1200"/>
+            <a:rPr lang="es-ES" sz="1300" kern="1200" dirty="0" err="1"/>
+            <a:t>Location_score</a:t>
+          </a:r>
+          <a:endParaRPr lang="es-ES" sz="1300" kern="1200" dirty="0"/>
+        </a:p>
+        <a:p>
+          <a:pPr marL="228600" lvl="2" indent="-114300" algn="l" defTabSz="577850">
+            <a:lnSpc>
+              <a:spcPct val="90000"/>
+            </a:lnSpc>
+            <a:spcBef>
+              <a:spcPct val="0"/>
+            </a:spcBef>
+            <a:spcAft>
+              <a:spcPct val="15000"/>
+            </a:spcAft>
+            <a:buChar char="•"/>
+          </a:pPr>
+          <a:r>
+            <a:rPr lang="es-ES" sz="1300" kern="1200" dirty="0" err="1"/>
+            <a:t>Free_wifi_score</a:t>
+          </a:r>
+          <a:endParaRPr lang="es-ES" sz="1300" kern="1200" dirty="0"/>
+        </a:p>
+        <a:p>
+          <a:pPr marL="228600" lvl="2" indent="-114300" algn="l" defTabSz="577850">
+            <a:lnSpc>
+              <a:spcPct val="90000"/>
+            </a:lnSpc>
+            <a:spcBef>
+              <a:spcPct val="0"/>
+            </a:spcBef>
+            <a:spcAft>
+              <a:spcPct val="15000"/>
+            </a:spcAft>
+            <a:buChar char="•"/>
+          </a:pPr>
+          <a:r>
+            <a:rPr lang="es-ES" sz="1300" kern="1200" dirty="0" err="1"/>
+            <a:t>Min_Price</a:t>
+          </a:r>
+          <a:endParaRPr lang="es-ES" sz="1300" kern="1200" dirty="0"/>
+        </a:p>
+        <a:p>
+          <a:pPr marL="228600" lvl="2" indent="-114300" algn="l" defTabSz="577850">
+            <a:lnSpc>
+              <a:spcPct val="90000"/>
+            </a:lnSpc>
+            <a:spcBef>
+              <a:spcPct val="0"/>
+            </a:spcBef>
+            <a:spcAft>
+              <a:spcPct val="15000"/>
+            </a:spcAft>
+            <a:buChar char="•"/>
+          </a:pPr>
+          <a:r>
+            <a:rPr lang="es-ES" sz="1300" kern="1200" dirty="0" err="1"/>
+            <a:t>Balcony</a:t>
+          </a:r>
+          <a:endParaRPr lang="es-ES" sz="1300" kern="1200" dirty="0"/>
+        </a:p>
+        <a:p>
+          <a:pPr marL="228600" lvl="2" indent="-114300" algn="l" defTabSz="577850">
+            <a:lnSpc>
+              <a:spcPct val="90000"/>
+            </a:lnSpc>
+            <a:spcBef>
+              <a:spcPct val="0"/>
+            </a:spcBef>
+            <a:spcAft>
+              <a:spcPct val="15000"/>
+            </a:spcAft>
+            <a:buChar char="•"/>
+          </a:pPr>
+          <a:r>
+            <a:rPr lang="es-ES" sz="1300" kern="1200" dirty="0" err="1"/>
+            <a:t>Pet_friendly</a:t>
+          </a:r>
+          <a:endParaRPr lang="es-ES" sz="1300" kern="1200" dirty="0"/>
+        </a:p>
+        <a:p>
+          <a:pPr marL="228600" lvl="2" indent="-114300" algn="l" defTabSz="577850">
+            <a:lnSpc>
+              <a:spcPct val="90000"/>
+            </a:lnSpc>
+            <a:spcBef>
+              <a:spcPct val="0"/>
+            </a:spcBef>
+            <a:spcAft>
+              <a:spcPct val="15000"/>
+            </a:spcAft>
+            <a:buChar char="•"/>
+          </a:pPr>
+          <a:r>
+            <a:rPr lang="es-ES" sz="1300" kern="1200" dirty="0" err="1"/>
+            <a:t>Air_conditioning</a:t>
+          </a:r>
+          <a:endParaRPr lang="es-ES" sz="1300" kern="1200" dirty="0"/>
+        </a:p>
+        <a:p>
+          <a:pPr marL="228600" lvl="2" indent="-114300" algn="l" defTabSz="577850">
+            <a:lnSpc>
+              <a:spcPct val="90000"/>
+            </a:lnSpc>
+            <a:spcBef>
+              <a:spcPct val="0"/>
+            </a:spcBef>
+            <a:spcAft>
+              <a:spcPct val="15000"/>
+            </a:spcAft>
+            <a:buChar char="•"/>
+          </a:pPr>
+          <a:r>
+            <a:rPr lang="es-ES" sz="1300" kern="1200" dirty="0" err="1"/>
+            <a:t>Private_bathroom</a:t>
+          </a:r>
+          <a:endParaRPr lang="es-ES" sz="1300" kern="1200" dirty="0"/>
+        </a:p>
+        <a:p>
+          <a:pPr marL="228600" lvl="2" indent="-114300" algn="l" defTabSz="577850">
+            <a:lnSpc>
+              <a:spcPct val="90000"/>
+            </a:lnSpc>
+            <a:spcBef>
+              <a:spcPct val="0"/>
+            </a:spcBef>
+            <a:spcAft>
+              <a:spcPct val="15000"/>
+            </a:spcAft>
+            <a:buChar char="•"/>
+          </a:pPr>
+          <a:r>
+            <a:rPr lang="es-ES" sz="1300" kern="1200" dirty="0" err="1"/>
+            <a:t>Free_wifi</a:t>
+          </a:r>
+          <a:endParaRPr lang="es-ES" sz="1300" kern="1200" dirty="0"/>
+        </a:p>
+        <a:p>
+          <a:pPr marL="228600" lvl="2" indent="-114300" algn="l" defTabSz="577850">
+            <a:lnSpc>
+              <a:spcPct val="90000"/>
+            </a:lnSpc>
+            <a:spcBef>
+              <a:spcPct val="0"/>
+            </a:spcBef>
+            <a:spcAft>
+              <a:spcPct val="15000"/>
+            </a:spcAft>
+            <a:buChar char="•"/>
+          </a:pPr>
+          <a:r>
+            <a:rPr lang="es-ES" sz="1300" kern="1200" dirty="0" err="1"/>
+            <a:t>Swimming_pool</a:t>
+          </a:r>
+          <a:endParaRPr lang="es-ES" sz="1300" kern="1200" dirty="0"/>
+        </a:p>
+        <a:p>
+          <a:pPr marL="228600" lvl="2" indent="-114300" algn="l" defTabSz="577850">
+            <a:lnSpc>
+              <a:spcPct val="90000"/>
+            </a:lnSpc>
+            <a:spcBef>
+              <a:spcPct val="0"/>
+            </a:spcBef>
+            <a:spcAft>
+              <a:spcPct val="15000"/>
+            </a:spcAft>
+            <a:buChar char="•"/>
+          </a:pPr>
+          <a:r>
+            <a:rPr lang="es-ES" sz="1300" kern="1200" dirty="0" err="1"/>
+            <a:t>Non_smoking_roms</a:t>
+          </a:r>
+          <a:endParaRPr lang="es-ES" sz="1300" kern="1200" dirty="0"/>
+        </a:p>
+        <a:p>
+          <a:pPr marL="228600" lvl="2" indent="-114300" algn="l" defTabSz="577850">
+            <a:lnSpc>
+              <a:spcPct val="90000"/>
+            </a:lnSpc>
+            <a:spcBef>
+              <a:spcPct val="0"/>
+            </a:spcBef>
+            <a:spcAft>
+              <a:spcPct val="15000"/>
+            </a:spcAft>
+            <a:buChar char="•"/>
+          </a:pPr>
+          <a:r>
+            <a:rPr lang="es-ES" sz="1300" kern="1200" dirty="0" err="1"/>
+            <a:t>Mean_flights</a:t>
+          </a:r>
+          <a:endParaRPr lang="es-ES" sz="1300" kern="1200" dirty="0"/>
+        </a:p>
+        <a:p>
+          <a:pPr marL="228600" lvl="2" indent="-114300" algn="l" defTabSz="577850">
+            <a:lnSpc>
+              <a:spcPct val="90000"/>
+            </a:lnSpc>
+            <a:spcBef>
+              <a:spcPct val="0"/>
+            </a:spcBef>
+            <a:spcAft>
+              <a:spcPct val="15000"/>
+            </a:spcAft>
+            <a:buChar char="•"/>
+          </a:pPr>
+          <a:r>
+            <a:rPr lang="es-ES" sz="1300" kern="1200" dirty="0" err="1"/>
+            <a:t>Length</a:t>
+          </a:r>
+          <a:r>
+            <a:rPr lang="es-ES" sz="1300" kern="1200" dirty="0"/>
+            <a:t> </a:t>
+          </a:r>
+          <a:r>
+            <a:rPr lang="es-ES" sz="1300" kern="1200" dirty="0" err="1"/>
+            <a:t>description</a:t>
+          </a:r>
+          <a:endParaRPr lang="es-ES" sz="1300" kern="1200" dirty="0"/>
+        </a:p>
+        <a:p>
+          <a:pPr marL="228600" lvl="2" indent="-114300" algn="l" defTabSz="577850">
+            <a:lnSpc>
+              <a:spcPct val="90000"/>
+            </a:lnSpc>
+            <a:spcBef>
+              <a:spcPct val="0"/>
+            </a:spcBef>
+            <a:spcAft>
+              <a:spcPct val="15000"/>
+            </a:spcAft>
+            <a:buChar char="•"/>
+          </a:pPr>
+          <a:r>
+            <a:rPr lang="es-ES" sz="1300" kern="1200" dirty="0" err="1"/>
+            <a:t>Safe</a:t>
+          </a:r>
+          <a:endParaRPr lang="es-ES" sz="1300" kern="1200" dirty="0"/>
+        </a:p>
+        <a:p>
+          <a:pPr marL="114300" lvl="1" indent="-114300" algn="l" defTabSz="577850">
+            <a:lnSpc>
+              <a:spcPct val="90000"/>
+            </a:lnSpc>
+            <a:spcBef>
+              <a:spcPct val="0"/>
+            </a:spcBef>
+            <a:spcAft>
+              <a:spcPct val="15000"/>
+            </a:spcAft>
+            <a:buChar char="•"/>
+          </a:pPr>
+          <a:endParaRPr lang="es-ES" sz="1300" kern="1200" dirty="0"/>
+        </a:p>
+        <a:p>
+          <a:pPr marL="114300" lvl="1" indent="-114300" algn="l" defTabSz="577850">
+            <a:lnSpc>
+              <a:spcPct val="90000"/>
+            </a:lnSpc>
+            <a:spcBef>
+              <a:spcPct val="0"/>
+            </a:spcBef>
+            <a:spcAft>
+              <a:spcPct val="15000"/>
+            </a:spcAft>
+            <a:buChar char="•"/>
+          </a:pPr>
+          <a:r>
+            <a:rPr lang="es-ES" sz="1300" kern="1200" dirty="0"/>
+            <a:t>Resultados:</a:t>
+          </a:r>
+        </a:p>
+        <a:p>
+          <a:pPr marL="228600" lvl="2" indent="-114300" algn="l" defTabSz="577850">
+            <a:lnSpc>
+              <a:spcPct val="90000"/>
+            </a:lnSpc>
+            <a:spcBef>
+              <a:spcPct val="0"/>
+            </a:spcBef>
+            <a:spcAft>
+              <a:spcPct val="15000"/>
+            </a:spcAft>
+            <a:buChar char="•"/>
+          </a:pPr>
+          <a:r>
+            <a:rPr lang="es-ES" sz="1300" kern="1200" dirty="0"/>
             <a:t>R</a:t>
           </a:r>
           <a:r>
-            <a:rPr lang="es-ES" sz="1100" kern="1200" baseline="30000"/>
+            <a:rPr lang="es-ES" sz="1300" kern="1200" baseline="30000" dirty="0"/>
             <a:t>2</a:t>
           </a:r>
           <a:r>
-            <a:rPr lang="es-ES" sz="1100" kern="1200" baseline="0"/>
+            <a:rPr lang="es-ES" sz="1300" kern="1200" baseline="0" dirty="0"/>
             <a:t>: </a:t>
           </a:r>
           <a:r>
-            <a:rPr lang="es-ES" sz="1100" kern="1200"/>
-            <a:t>0.005</a:t>
+            <a:rPr lang="es-ES" sz="1300" kern="1200" dirty="0"/>
+            <a:t>0.0567</a:t>
           </a:r>
-          <a:endParaRPr lang="es-ES" sz="1100" kern="1200" dirty="0"/>
         </a:p>
       </dsp:txBody>
       <dsp:txXfrm>
-        <a:off x="4998720" y="1712774"/>
-        <a:ext cx="1460499" cy="2309917"/>
+        <a:off x="6379201" y="469023"/>
+        <a:ext cx="1863841" cy="4180163"/>
       </dsp:txXfrm>
     </dsp:sp>
     <dsp:sp modelId="{053EBC9C-795D-B247-9A71-8C145122C26F}">
@@ -5518,8 +6885,8 @@
       </dsp:nvSpPr>
       <dsp:spPr>
         <a:xfrm>
-          <a:off x="6663689" y="1395974"/>
-          <a:ext cx="1460499" cy="316800"/>
+          <a:off x="8503980" y="94623"/>
+          <a:ext cx="1863841" cy="374400"/>
         </a:xfrm>
         <a:prstGeom prst="rect">
           <a:avLst/>
@@ -5561,12 +6928,12 @@
         </a:fontRef>
       </dsp:style>
       <dsp:txBody>
-        <a:bodyPr spcFirstLastPara="0" vert="horz" wrap="square" lIns="78232" tIns="44704" rIns="78232" bIns="44704" numCol="1" spcCol="1270" anchor="ctr" anchorCtr="0">
+        <a:bodyPr spcFirstLastPara="0" vert="horz" wrap="square" lIns="113792" tIns="65024" rIns="113792" bIns="65024" numCol="1" spcCol="1270" anchor="ctr" anchorCtr="0">
           <a:noAutofit/>
         </a:bodyPr>
         <a:lstStyle/>
         <a:p>
-          <a:pPr marL="0" lvl="0" indent="0" algn="ctr" defTabSz="488950">
+          <a:pPr marL="0" lvl="0" indent="0" algn="ctr" defTabSz="711200">
             <a:lnSpc>
               <a:spcPct val="90000"/>
             </a:lnSpc>
@@ -5579,14 +6946,14 @@
             <a:buNone/>
           </a:pPr>
           <a:r>
-            <a:rPr lang="es-ES" sz="1100" kern="1200" dirty="0"/>
+            <a:rPr lang="es-ES" sz="1600" kern="1200" dirty="0"/>
             <a:t>Regresión 5</a:t>
           </a:r>
         </a:p>
       </dsp:txBody>
       <dsp:txXfrm>
-        <a:off x="6663689" y="1395974"/>
-        <a:ext cx="1460499" cy="316800"/>
+        <a:off x="8503980" y="94623"/>
+        <a:ext cx="1863841" cy="374400"/>
       </dsp:txXfrm>
     </dsp:sp>
     <dsp:sp modelId="{0ACA845D-9FC2-6344-8148-7E8CA16E5E7F}">
@@ -5596,8 +6963,8 @@
       </dsp:nvSpPr>
       <dsp:spPr>
         <a:xfrm>
-          <a:off x="6663689" y="1712774"/>
-          <a:ext cx="1460499" cy="2309917"/>
+          <a:off x="8503980" y="469023"/>
+          <a:ext cx="1863841" cy="4180163"/>
         </a:xfrm>
         <a:prstGeom prst="rect">
           <a:avLst/>
@@ -5641,12 +7008,12 @@
         <a:fontRef idx="minor"/>
       </dsp:style>
       <dsp:txBody>
-        <a:bodyPr spcFirstLastPara="0" vert="horz" wrap="square" lIns="58674" tIns="58674" rIns="78232" bIns="88011" numCol="1" spcCol="1270" anchor="t" anchorCtr="0">
+        <a:bodyPr spcFirstLastPara="0" vert="horz" wrap="square" lIns="69342" tIns="69342" rIns="92456" bIns="104013" numCol="1" spcCol="1270" anchor="t" anchorCtr="0">
           <a:noAutofit/>
         </a:bodyPr>
         <a:lstStyle/>
         <a:p>
-          <a:pPr marL="57150" lvl="1" indent="-57150" algn="l" defTabSz="488950">
+          <a:pPr marL="114300" lvl="1" indent="-114300" algn="l" defTabSz="577850">
             <a:lnSpc>
               <a:spcPct val="90000"/>
             </a:lnSpc>
@@ -5659,12 +7026,12 @@
             <a:buChar char="•"/>
           </a:pPr>
           <a:r>
-            <a:rPr lang="es-ES" sz="1100" kern="1200"/>
+            <a:rPr lang="es-ES" sz="1300" kern="1200"/>
             <a:t>Variables empleadas:</a:t>
           </a:r>
         </a:p>
         <a:p>
-          <a:pPr marL="114300" lvl="2" indent="-57150" algn="l" defTabSz="488950">
+          <a:pPr marL="228600" lvl="2" indent="-114300" algn="l" defTabSz="577850">
             <a:lnSpc>
               <a:spcPct val="90000"/>
             </a:lnSpc>
@@ -5677,13 +7044,13 @@
             <a:buChar char="•"/>
           </a:pPr>
           <a:r>
-            <a:rPr lang="es-ES" sz="1100" kern="1200"/>
-            <a:t>Comfort_score</a:t>
+            <a:rPr lang="es-ES" sz="1300" kern="1200" dirty="0" err="1"/>
+            <a:t>Staff_score</a:t>
           </a:r>
-          <a:endParaRPr lang="es-ES" sz="1100" kern="1200" dirty="0"/>
-        </a:p>
-        <a:p>
-          <a:pPr marL="57150" lvl="1" indent="-57150" algn="l" defTabSz="488950">
+          <a:endParaRPr lang="es-ES" sz="1300" kern="1200" dirty="0"/>
+        </a:p>
+        <a:p>
+          <a:pPr marL="228600" lvl="2" indent="-114300" algn="l" defTabSz="577850">
             <a:lnSpc>
               <a:spcPct val="90000"/>
             </a:lnSpc>
@@ -5696,13 +7063,13 @@
             <a:buChar char="•"/>
           </a:pPr>
           <a:r>
-            <a:rPr lang="es-ES" sz="1100" kern="1200"/>
-            <a:t>Resultados:</a:t>
+            <a:rPr lang="es-ES" sz="1300" kern="1200" dirty="0" err="1"/>
+            <a:t>Value_for_money</a:t>
           </a:r>
-          <a:endParaRPr lang="es-ES" sz="1100" kern="1200" dirty="0"/>
-        </a:p>
-        <a:p>
-          <a:pPr marL="114300" lvl="2" indent="-57150" algn="l" defTabSz="488950">
+          <a:endParaRPr lang="es-ES" sz="1300" kern="1200" dirty="0"/>
+        </a:p>
+        <a:p>
+          <a:pPr marL="228600" lvl="2" indent="-114300" algn="l" defTabSz="577850">
             <a:lnSpc>
               <a:spcPct val="90000"/>
             </a:lnSpc>
@@ -5715,27 +7082,219 @@
             <a:buChar char="•"/>
           </a:pPr>
           <a:r>
-            <a:rPr lang="es-ES" sz="1100" kern="1200"/>
+            <a:rPr lang="es-ES" sz="1300" kern="1200" dirty="0" err="1"/>
+            <a:t>Free_wifi_score</a:t>
+          </a:r>
+          <a:endParaRPr lang="es-ES" sz="1300" kern="1200" dirty="0"/>
+        </a:p>
+        <a:p>
+          <a:pPr marL="228600" lvl="2" indent="-114300" algn="l" defTabSz="577850">
+            <a:lnSpc>
+              <a:spcPct val="90000"/>
+            </a:lnSpc>
+            <a:spcBef>
+              <a:spcPct val="0"/>
+            </a:spcBef>
+            <a:spcAft>
+              <a:spcPct val="15000"/>
+            </a:spcAft>
+            <a:buChar char="•"/>
+          </a:pPr>
+          <a:r>
+            <a:rPr lang="es-ES" sz="1300" kern="1200" dirty="0" err="1"/>
+            <a:t>Balcony</a:t>
+          </a:r>
+          <a:endParaRPr lang="es-ES" sz="1300" kern="1200" dirty="0"/>
+        </a:p>
+        <a:p>
+          <a:pPr marL="228600" lvl="2" indent="-114300" algn="l" defTabSz="577850">
+            <a:lnSpc>
+              <a:spcPct val="90000"/>
+            </a:lnSpc>
+            <a:spcBef>
+              <a:spcPct val="0"/>
+            </a:spcBef>
+            <a:spcAft>
+              <a:spcPct val="15000"/>
+            </a:spcAft>
+            <a:buChar char="•"/>
+          </a:pPr>
+          <a:r>
+            <a:rPr lang="es-ES" sz="1300" kern="1200"/>
+            <a:t>Pet_friendly</a:t>
+          </a:r>
+          <a:endParaRPr lang="es-ES" sz="1300" kern="1200" dirty="0"/>
+        </a:p>
+        <a:p>
+          <a:pPr marL="228600" lvl="2" indent="-114300" algn="l" defTabSz="577850">
+            <a:lnSpc>
+              <a:spcPct val="90000"/>
+            </a:lnSpc>
+            <a:spcBef>
+              <a:spcPct val="0"/>
+            </a:spcBef>
+            <a:spcAft>
+              <a:spcPct val="15000"/>
+            </a:spcAft>
+            <a:buChar char="•"/>
+          </a:pPr>
+          <a:r>
+            <a:rPr lang="es-ES" sz="1300" kern="1200" dirty="0" err="1"/>
+            <a:t>Air_conditioning</a:t>
+          </a:r>
+          <a:endParaRPr lang="es-ES" sz="1300" kern="1200" dirty="0"/>
+        </a:p>
+        <a:p>
+          <a:pPr marL="228600" lvl="2" indent="-114300" algn="l" defTabSz="577850">
+            <a:lnSpc>
+              <a:spcPct val="90000"/>
+            </a:lnSpc>
+            <a:spcBef>
+              <a:spcPct val="0"/>
+            </a:spcBef>
+            <a:spcAft>
+              <a:spcPct val="15000"/>
+            </a:spcAft>
+            <a:buChar char="•"/>
+          </a:pPr>
+          <a:r>
+            <a:rPr lang="es-ES" sz="1300" kern="1200"/>
+            <a:t>Swimming_pool</a:t>
+          </a:r>
+          <a:endParaRPr lang="es-ES" sz="1300" kern="1200" dirty="0"/>
+        </a:p>
+        <a:p>
+          <a:pPr marL="228600" lvl="2" indent="-114300" algn="l" defTabSz="577850">
+            <a:lnSpc>
+              <a:spcPct val="90000"/>
+            </a:lnSpc>
+            <a:spcBef>
+              <a:spcPct val="0"/>
+            </a:spcBef>
+            <a:spcAft>
+              <a:spcPct val="15000"/>
+            </a:spcAft>
+            <a:buChar char="•"/>
+          </a:pPr>
+          <a:r>
+            <a:rPr lang="es-ES" sz="1300" kern="1200"/>
+            <a:t>Non_smoking_roms</a:t>
+          </a:r>
+          <a:endParaRPr lang="es-ES" sz="1300" kern="1200" dirty="0"/>
+        </a:p>
+        <a:p>
+          <a:pPr marL="228600" lvl="2" indent="-114300" algn="l" defTabSz="577850">
+            <a:lnSpc>
+              <a:spcPct val="90000"/>
+            </a:lnSpc>
+            <a:spcBef>
+              <a:spcPct val="0"/>
+            </a:spcBef>
+            <a:spcAft>
+              <a:spcPct val="15000"/>
+            </a:spcAft>
+            <a:buChar char="•"/>
+          </a:pPr>
+          <a:r>
+            <a:rPr lang="es-ES" sz="1300" kern="1200"/>
+            <a:t>Mean_flights</a:t>
+          </a:r>
+          <a:endParaRPr lang="es-ES" sz="1300" kern="1200" dirty="0"/>
+        </a:p>
+        <a:p>
+          <a:pPr marL="228600" lvl="2" indent="-114300" algn="l" defTabSz="577850">
+            <a:lnSpc>
+              <a:spcPct val="90000"/>
+            </a:lnSpc>
+            <a:spcBef>
+              <a:spcPct val="0"/>
+            </a:spcBef>
+            <a:spcAft>
+              <a:spcPct val="15000"/>
+            </a:spcAft>
+            <a:buChar char="•"/>
+          </a:pPr>
+          <a:r>
+            <a:rPr lang="es-ES" sz="1300" kern="1200" dirty="0" err="1"/>
+            <a:t>Length</a:t>
+          </a:r>
+          <a:r>
+            <a:rPr lang="es-ES" sz="1300" kern="1200" dirty="0"/>
+            <a:t> </a:t>
+          </a:r>
+          <a:r>
+            <a:rPr lang="es-ES" sz="1300" kern="1200" dirty="0" err="1"/>
+            <a:t>description</a:t>
+          </a:r>
+          <a:endParaRPr lang="es-ES" sz="1300" kern="1200" dirty="0"/>
+        </a:p>
+        <a:p>
+          <a:pPr marL="228600" lvl="2" indent="-114300" algn="l" defTabSz="577850">
+            <a:lnSpc>
+              <a:spcPct val="90000"/>
+            </a:lnSpc>
+            <a:spcBef>
+              <a:spcPct val="0"/>
+            </a:spcBef>
+            <a:spcAft>
+              <a:spcPct val="15000"/>
+            </a:spcAft>
+            <a:buChar char="•"/>
+          </a:pPr>
+          <a:endParaRPr lang="es-ES" sz="1300" kern="1200" dirty="0"/>
+        </a:p>
+        <a:p>
+          <a:pPr marL="114300" lvl="1" indent="-114300" algn="l" defTabSz="577850">
+            <a:lnSpc>
+              <a:spcPct val="90000"/>
+            </a:lnSpc>
+            <a:spcBef>
+              <a:spcPct val="0"/>
+            </a:spcBef>
+            <a:spcAft>
+              <a:spcPct val="15000"/>
+            </a:spcAft>
+            <a:buChar char="•"/>
+          </a:pPr>
+          <a:r>
+            <a:rPr lang="es-ES" sz="1300" kern="1200" dirty="0"/>
+            <a:t>Resultados:</a:t>
+          </a:r>
+        </a:p>
+        <a:p>
+          <a:pPr marL="228600" lvl="2" indent="-114300" algn="l" defTabSz="577850">
+            <a:lnSpc>
+              <a:spcPct val="90000"/>
+            </a:lnSpc>
+            <a:spcBef>
+              <a:spcPct val="0"/>
+            </a:spcBef>
+            <a:spcAft>
+              <a:spcPct val="15000"/>
+            </a:spcAft>
+            <a:buChar char="•"/>
+          </a:pPr>
+          <a:r>
+            <a:rPr lang="es-ES" sz="1300" kern="1200" dirty="0"/>
             <a:t>R</a:t>
           </a:r>
           <a:r>
-            <a:rPr lang="es-ES" sz="1100" kern="1200" baseline="30000"/>
+            <a:rPr lang="es-ES" sz="1300" kern="1200" baseline="30000" dirty="0"/>
             <a:t>2</a:t>
           </a:r>
           <a:r>
-            <a:rPr lang="es-ES" sz="1100" kern="1200" baseline="0"/>
+            <a:rPr lang="es-ES" sz="1300" kern="1200" baseline="0" dirty="0"/>
             <a:t>: </a:t>
           </a:r>
           <a:r>
-            <a:rPr lang="es-ES" sz="1100" kern="1200"/>
-            <a:t>0.005</a:t>
+            <a:rPr lang="es-ES" sz="1300" kern="1200" dirty="0"/>
+            <a:t>0.0546</a:t>
           </a:r>
-          <a:endParaRPr lang="es-ES" sz="1100" kern="1200" dirty="0"/>
         </a:p>
       </dsp:txBody>
       <dsp:txXfrm>
-        <a:off x="6663689" y="1712774"/>
-        <a:ext cx="1460499" cy="2309917"/>
+        <a:off x="8503980" y="469023"/>
+        <a:ext cx="1863841" cy="4180163"/>
       </dsp:txXfrm>
     </dsp:sp>
   </dsp:spTree>
@@ -12351,6 +13910,519 @@
           </a:prstGeom>
         </p:spPr>
       </p:pic>
+      <mc:AlternateContent xmlns:mc="http://schemas.openxmlformats.org/markup-compatibility/2006">
+        <mc:Choice xmlns:a14="http://schemas.microsoft.com/office/drawing/2010/main" Requires="a14">
+          <p:sp>
+            <p:nvSpPr>
+              <p:cNvPr id="3" name="CuadroTexto 2">
+                <a:extLst>
+                  <a:ext uri="{FF2B5EF4-FFF2-40B4-BE49-F238E27FC236}">
+                    <a16:creationId xmlns:a16="http://schemas.microsoft.com/office/drawing/2014/main" id="{A3C612D3-A8A6-541E-3883-132942816F71}"/>
+                  </a:ext>
+                </a:extLst>
+              </p:cNvPr>
+              <p:cNvSpPr txBox="1"/>
+              <p:nvPr/>
+            </p:nvSpPr>
+            <p:spPr>
+              <a:xfrm>
+                <a:off x="642257" y="1426029"/>
+                <a:ext cx="10101943" cy="5109091"/>
+              </a:xfrm>
+              <a:prstGeom prst="rect">
+                <a:avLst/>
+              </a:prstGeom>
+              <a:noFill/>
+            </p:spPr>
+            <p:txBody>
+              <a:bodyPr wrap="square" rtlCol="0">
+                <a:spAutoFit/>
+              </a:bodyPr>
+              <a:lstStyle/>
+              <a:p>
+                <a:pPr>
+                  <a:spcAft>
+                    <a:spcPts val="600"/>
+                  </a:spcAft>
+                </a:pPr>
+                <a:r>
+                  <a:rPr lang="es-ES" sz="2400" dirty="0">
+                    <a:solidFill>
+                      <a:schemeClr val="accent1">
+                        <a:lumMod val="50000"/>
+                      </a:schemeClr>
+                    </a:solidFill>
+                  </a:rPr>
+                  <a:t>Hipótesis 1</a:t>
+                </a:r>
+              </a:p>
+              <a:p>
+                <a:pPr marL="342900" lvl="0" indent="-342900" algn="just">
+                  <a:spcBef>
+                    <a:spcPts val="180"/>
+                  </a:spcBef>
+                  <a:spcAft>
+                    <a:spcPts val="180"/>
+                  </a:spcAft>
+                  <a:buFont typeface="Arial" panose="020B0604020202020204" pitchFamily="34" charset="0"/>
+                  <a:buChar char="•"/>
+                </a:pPr>
+                <a:r>
+                  <a:rPr lang="es-ES" sz="1800" dirty="0">
+                    <a:effectLst/>
+                    <a:latin typeface="Cambria" panose="02040503050406030204" pitchFamily="18" charset="0"/>
+                    <a:ea typeface="Cambria" panose="02040503050406030204" pitchFamily="18" charset="0"/>
+                    <a:cs typeface="Times New Roman" panose="02020603050405020304" pitchFamily="18" charset="0"/>
+                  </a:rPr>
+                  <a:t>H</a:t>
+                </a:r>
+                <a:r>
+                  <a:rPr lang="es-ES" sz="1800" baseline="-25000" dirty="0">
+                    <a:effectLst/>
+                    <a:latin typeface="Cambria" panose="02040503050406030204" pitchFamily="18" charset="0"/>
+                    <a:ea typeface="Cambria" panose="02040503050406030204" pitchFamily="18" charset="0"/>
+                    <a:cs typeface="Times New Roman" panose="02020603050405020304" pitchFamily="18" charset="0"/>
+                  </a:rPr>
+                  <a:t>0</a:t>
+                </a:r>
+                <a:r>
+                  <a:rPr lang="es-ES" sz="1800" dirty="0">
+                    <a:effectLst/>
+                    <a:latin typeface="Cambria" panose="02040503050406030204" pitchFamily="18" charset="0"/>
+                    <a:ea typeface="Cambria" panose="02040503050406030204" pitchFamily="18" charset="0"/>
+                    <a:cs typeface="Times New Roman" panose="02020603050405020304" pitchFamily="18" charset="0"/>
+                  </a:rPr>
+                  <a:t>: La posición global de un hotel con aire acondicionado y uno sin serán iguales.</a:t>
+                </a:r>
+              </a:p>
+              <a:p>
+                <a:pPr marL="342900" lvl="0" indent="-342900" algn="just">
+                  <a:spcBef>
+                    <a:spcPts val="180"/>
+                  </a:spcBef>
+                  <a:spcAft>
+                    <a:spcPts val="180"/>
+                  </a:spcAft>
+                  <a:buFont typeface="Arial" panose="020B0604020202020204" pitchFamily="34" charset="0"/>
+                  <a:buChar char="•"/>
+                </a:pPr>
+                <a:r>
+                  <a:rPr lang="es-ES" sz="1800" dirty="0">
+                    <a:effectLst/>
+                    <a:latin typeface="Cambria" panose="02040503050406030204" pitchFamily="18" charset="0"/>
+                    <a:ea typeface="Cambria" panose="02040503050406030204" pitchFamily="18" charset="0"/>
+                    <a:cs typeface="Times New Roman" panose="02020603050405020304" pitchFamily="18" charset="0"/>
+                  </a:rPr>
+                  <a:t>H</a:t>
+                </a:r>
+                <a:r>
+                  <a:rPr lang="es-ES" sz="1800" baseline="-25000" dirty="0">
+                    <a:effectLst/>
+                    <a:latin typeface="Cambria" panose="02040503050406030204" pitchFamily="18" charset="0"/>
+                    <a:ea typeface="Cambria" panose="02040503050406030204" pitchFamily="18" charset="0"/>
+                    <a:cs typeface="Times New Roman" panose="02020603050405020304" pitchFamily="18" charset="0"/>
+                  </a:rPr>
+                  <a:t>1</a:t>
+                </a:r>
+                <a:r>
+                  <a:rPr lang="es-ES" sz="1800" dirty="0">
+                    <a:effectLst/>
+                    <a:latin typeface="Cambria" panose="02040503050406030204" pitchFamily="18" charset="0"/>
+                    <a:ea typeface="Cambria" panose="02040503050406030204" pitchFamily="18" charset="0"/>
+                    <a:cs typeface="Times New Roman" panose="02020603050405020304" pitchFamily="18" charset="0"/>
+                  </a:rPr>
+                  <a:t>: La posición global de un hotel con aire acondicionado será mejor (inferior) a la de uno sin.</a:t>
+                </a:r>
+              </a:p>
+              <a:p>
+                <a:pPr lvl="0" algn="just">
+                  <a:spcBef>
+                    <a:spcPts val="180"/>
+                  </a:spcBef>
+                  <a:spcAft>
+                    <a:spcPts val="180"/>
+                  </a:spcAft>
+                </a:pPr>
+                <a:endParaRPr lang="es-ES" dirty="0">
+                  <a:latin typeface="Cambria" panose="02040503050406030204" pitchFamily="18" charset="0"/>
+                  <a:ea typeface="Cambria" panose="02040503050406030204" pitchFamily="18" charset="0"/>
+                  <a:cs typeface="Times New Roman" panose="02020603050405020304" pitchFamily="18" charset="0"/>
+                </a:endParaRPr>
+              </a:p>
+              <a:p>
+                <a:pPr lvl="0" algn="just">
+                  <a:spcBef>
+                    <a:spcPts val="180"/>
+                  </a:spcBef>
+                  <a:spcAft>
+                    <a:spcPts val="180"/>
+                  </a:spcAft>
+                </a:pPr>
+                <a:r>
+                  <a:rPr lang="es-ES" dirty="0">
+                    <a:latin typeface="Cambria" panose="02040503050406030204" pitchFamily="18" charset="0"/>
+                    <a:ea typeface="Cambria" panose="02040503050406030204" pitchFamily="18" charset="0"/>
+                    <a:cs typeface="Times New Roman" panose="02020603050405020304" pitchFamily="18" charset="0"/>
+                  </a:rPr>
+                  <a:t>Procedimiento:</a:t>
+                </a:r>
+              </a:p>
+              <a:p>
+                <a:pPr marL="285750" lvl="0" indent="-285750" algn="just">
+                  <a:spcBef>
+                    <a:spcPts val="180"/>
+                  </a:spcBef>
+                  <a:spcAft>
+                    <a:spcPts val="180"/>
+                  </a:spcAft>
+                  <a:buFont typeface="Arial" panose="020B0604020202020204" pitchFamily="34" charset="0"/>
+                  <a:buChar char="•"/>
+                </a:pPr>
+                <a:r>
+                  <a:rPr lang="es-ES" dirty="0">
+                    <a:latin typeface="Cambria" panose="02040503050406030204" pitchFamily="18" charset="0"/>
+                    <a:ea typeface="Cambria" panose="02040503050406030204" pitchFamily="18" charset="0"/>
+                    <a:cs typeface="Times New Roman" panose="02020603050405020304" pitchFamily="18" charset="0"/>
+                  </a:rPr>
+                  <a:t>C</a:t>
+                </a:r>
+                <a:r>
+                  <a:rPr lang="es-ES" sz="1800" dirty="0">
+                    <a:effectLst/>
+                    <a:latin typeface="Cambria" panose="02040503050406030204" pitchFamily="18" charset="0"/>
+                    <a:ea typeface="Cambria" panose="02040503050406030204" pitchFamily="18" charset="0"/>
+                    <a:cs typeface="Times New Roman" panose="02020603050405020304" pitchFamily="18" charset="0"/>
+                  </a:rPr>
+                  <a:t>ontraste de hipótesis de dos muestras independientes sobre la media con varianzas conocidas</a:t>
+                </a:r>
+              </a:p>
+              <a:p>
+                <a:pPr marL="285750" lvl="0" indent="-285750" algn="just">
+                  <a:spcBef>
+                    <a:spcPts val="180"/>
+                  </a:spcBef>
+                  <a:spcAft>
+                    <a:spcPts val="180"/>
+                  </a:spcAft>
+                  <a:buFont typeface="Arial" panose="020B0604020202020204" pitchFamily="34" charset="0"/>
+                  <a:buChar char="•"/>
+                </a:pPr>
+                <a:r>
+                  <a:rPr lang="es-ES" dirty="0">
+                    <a:latin typeface="Cambria" panose="02040503050406030204" pitchFamily="18" charset="0"/>
+                    <a:cs typeface="Times New Roman" panose="02020603050405020304" pitchFamily="18" charset="0"/>
+                  </a:rPr>
+                  <a:t>Test unilateral por la izquierda</a:t>
+                </a:r>
+                <a:r>
+                  <a:rPr lang="es-ES" dirty="0">
+                    <a:effectLst/>
+                  </a:rPr>
+                  <a:t> </a:t>
+                </a:r>
+                <a:endParaRPr lang="es-ES" dirty="0">
+                  <a:latin typeface="Cambria" panose="02040503050406030204" pitchFamily="18" charset="0"/>
+                  <a:ea typeface="Cambria" panose="02040503050406030204" pitchFamily="18" charset="0"/>
+                  <a:cs typeface="Times New Roman" panose="02020603050405020304" pitchFamily="18" charset="0"/>
+                </a:endParaRPr>
+              </a:p>
+              <a:p>
+                <a:pPr lvl="0" algn="just">
+                  <a:spcBef>
+                    <a:spcPts val="180"/>
+                  </a:spcBef>
+                  <a:spcAft>
+                    <a:spcPts val="180"/>
+                  </a:spcAft>
+                </a:pPr>
+                <a:endParaRPr lang="es-ES" dirty="0">
+                  <a:latin typeface="Cambria" panose="02040503050406030204" pitchFamily="18" charset="0"/>
+                  <a:ea typeface="Cambria" panose="02040503050406030204" pitchFamily="18" charset="0"/>
+                  <a:cs typeface="Times New Roman" panose="02020603050405020304" pitchFamily="18" charset="0"/>
+                </a:endParaRPr>
+              </a:p>
+              <a:p>
+                <a:pPr lvl="0" algn="just">
+                  <a:spcBef>
+                    <a:spcPts val="180"/>
+                  </a:spcBef>
+                  <a:spcAft>
+                    <a:spcPts val="180"/>
+                  </a:spcAft>
+                </a:pPr>
+                <a:r>
+                  <a:rPr lang="es-ES" dirty="0">
+                    <a:latin typeface="Cambria" panose="02040503050406030204" pitchFamily="18" charset="0"/>
+                    <a:ea typeface="Cambria" panose="02040503050406030204" pitchFamily="18" charset="0"/>
+                    <a:cs typeface="Times New Roman" panose="02020603050405020304" pitchFamily="18" charset="0"/>
+                  </a:rPr>
+                  <a:t>Resultados:</a:t>
+                </a:r>
+              </a:p>
+              <a:p>
+                <a:pPr marL="285750" lvl="0" indent="-285750" algn="just">
+                  <a:spcBef>
+                    <a:spcPts val="180"/>
+                  </a:spcBef>
+                  <a:spcAft>
+                    <a:spcPts val="180"/>
+                  </a:spcAft>
+                  <a:buFont typeface="Arial" panose="020B0604020202020204" pitchFamily="34" charset="0"/>
+                  <a:buChar char="•"/>
+                </a:pPr>
+                <a:r>
+                  <a:rPr lang="es-ES" dirty="0">
+                    <a:latin typeface="Cambria" panose="02040503050406030204" pitchFamily="18" charset="0"/>
+                    <a:ea typeface="Cambria" panose="02040503050406030204" pitchFamily="18" charset="0"/>
+                    <a:cs typeface="Times New Roman" panose="02020603050405020304" pitchFamily="18" charset="0"/>
+                  </a:rPr>
+                  <a:t>P-</a:t>
+                </a:r>
+                <a:r>
+                  <a:rPr lang="es-ES" dirty="0" err="1">
+                    <a:latin typeface="Cambria" panose="02040503050406030204" pitchFamily="18" charset="0"/>
+                    <a:ea typeface="Cambria" panose="02040503050406030204" pitchFamily="18" charset="0"/>
+                    <a:cs typeface="Times New Roman" panose="02020603050405020304" pitchFamily="18" charset="0"/>
+                  </a:rPr>
+                  <a:t>value</a:t>
+                </a:r>
+                <a:r>
+                  <a:rPr lang="es-ES" dirty="0">
+                    <a:latin typeface="Cambria" panose="02040503050406030204" pitchFamily="18" charset="0"/>
+                    <a:ea typeface="Cambria" panose="02040503050406030204" pitchFamily="18" charset="0"/>
+                    <a:cs typeface="Times New Roman" panose="02020603050405020304" pitchFamily="18" charset="0"/>
+                  </a:rPr>
+                  <a:t>: 6.35e-13</a:t>
+                </a:r>
+              </a:p>
+              <a:p>
+                <a:pPr marL="285750" lvl="0" indent="-285750" algn="just">
+                  <a:spcBef>
+                    <a:spcPts val="180"/>
+                  </a:spcBef>
+                  <a:spcAft>
+                    <a:spcPts val="180"/>
+                  </a:spcAft>
+                  <a:buFont typeface="Arial" panose="020B0604020202020204" pitchFamily="34" charset="0"/>
+                  <a:buChar char="•"/>
+                </a:pPr>
+                <a14:m>
+                  <m:oMath xmlns:m="http://schemas.openxmlformats.org/officeDocument/2006/math">
+                    <m:sSub>
+                      <m:sSubPr>
+                        <m:ctrlPr>
+                          <a:rPr lang="es-ES" b="0" i="1" smtClean="0">
+                            <a:latin typeface="Cambria Math" panose="02040503050406030204" pitchFamily="18" charset="0"/>
+                            <a:ea typeface="Cambria Math" panose="02040503050406030204" pitchFamily="18" charset="0"/>
+                            <a:cs typeface="Times New Roman" panose="02020603050405020304" pitchFamily="18" charset="0"/>
+                          </a:rPr>
+                        </m:ctrlPr>
+                      </m:sSubPr>
+                      <m:e>
+                        <m:r>
+                          <a:rPr lang="es-ES" i="1" smtClean="0">
+                            <a:latin typeface="Cambria Math" panose="02040503050406030204" pitchFamily="18" charset="0"/>
+                            <a:ea typeface="Cambria Math" panose="02040503050406030204" pitchFamily="18" charset="0"/>
+                            <a:cs typeface="Times New Roman" panose="02020603050405020304" pitchFamily="18" charset="0"/>
+                          </a:rPr>
+                          <m:t>𝜇</m:t>
+                        </m:r>
+                      </m:e>
+                      <m:sub>
+                        <m:r>
+                          <a:rPr lang="es-ES" b="0" i="1" smtClean="0">
+                            <a:latin typeface="Cambria Math" panose="02040503050406030204" pitchFamily="18" charset="0"/>
+                            <a:ea typeface="Cambria Math" panose="02040503050406030204" pitchFamily="18" charset="0"/>
+                            <a:cs typeface="Times New Roman" panose="02020603050405020304" pitchFamily="18" charset="0"/>
+                          </a:rPr>
+                          <m:t>1</m:t>
+                        </m:r>
+                      </m:sub>
+                    </m:sSub>
+                    <m:r>
+                      <a:rPr lang="es-ES" b="0" i="1" smtClean="0">
+                        <a:latin typeface="Cambria Math" panose="02040503050406030204" pitchFamily="18" charset="0"/>
+                        <a:ea typeface="Cambria Math" panose="02040503050406030204" pitchFamily="18" charset="0"/>
+                        <a:cs typeface="Times New Roman" panose="02020603050405020304" pitchFamily="18" charset="0"/>
+                      </a:rPr>
+                      <m:t>=55.4</m:t>
+                    </m:r>
+                  </m:oMath>
+                </a14:m>
+                <a:endParaRPr lang="es-ES" dirty="0">
+                  <a:latin typeface="Cambria" panose="02040503050406030204" pitchFamily="18" charset="0"/>
+                  <a:ea typeface="Cambria" panose="02040503050406030204" pitchFamily="18" charset="0"/>
+                  <a:cs typeface="Times New Roman" panose="02020603050405020304" pitchFamily="18" charset="0"/>
+                </a:endParaRPr>
+              </a:p>
+              <a:p>
+                <a:pPr marL="285750" indent="-285750" algn="just">
+                  <a:spcBef>
+                    <a:spcPts val="180"/>
+                  </a:spcBef>
+                  <a:spcAft>
+                    <a:spcPts val="180"/>
+                  </a:spcAft>
+                  <a:buFont typeface="Arial" panose="020B0604020202020204" pitchFamily="34" charset="0"/>
+                  <a:buChar char="•"/>
+                </a:pPr>
+                <a14:m>
+                  <m:oMath xmlns:m="http://schemas.openxmlformats.org/officeDocument/2006/math">
+                    <m:sSub>
+                      <m:sSubPr>
+                        <m:ctrlPr>
+                          <a:rPr lang="es-ES" b="0" i="1" smtClean="0">
+                            <a:latin typeface="Cambria Math" panose="02040503050406030204" pitchFamily="18" charset="0"/>
+                            <a:ea typeface="Cambria Math" panose="02040503050406030204" pitchFamily="18" charset="0"/>
+                            <a:cs typeface="Times New Roman" panose="02020603050405020304" pitchFamily="18" charset="0"/>
+                          </a:rPr>
+                        </m:ctrlPr>
+                      </m:sSubPr>
+                      <m:e>
+                        <m:r>
+                          <a:rPr lang="es-ES" i="1" smtClean="0">
+                            <a:latin typeface="Cambria Math" panose="02040503050406030204" pitchFamily="18" charset="0"/>
+                            <a:ea typeface="Cambria Math" panose="02040503050406030204" pitchFamily="18" charset="0"/>
+                            <a:cs typeface="Times New Roman" panose="02020603050405020304" pitchFamily="18" charset="0"/>
+                          </a:rPr>
+                          <m:t>𝜇</m:t>
+                        </m:r>
+                      </m:e>
+                      <m:sub>
+                        <m:r>
+                          <a:rPr lang="es-ES" b="0" i="1" smtClean="0">
+                            <a:latin typeface="Cambria Math" panose="02040503050406030204" pitchFamily="18" charset="0"/>
+                            <a:ea typeface="Cambria Math" panose="02040503050406030204" pitchFamily="18" charset="0"/>
+                            <a:cs typeface="Times New Roman" panose="02020603050405020304" pitchFamily="18" charset="0"/>
+                          </a:rPr>
+                          <m:t>2</m:t>
+                        </m:r>
+                      </m:sub>
+                    </m:sSub>
+                    <m:r>
+                      <a:rPr lang="es-ES" b="0" i="1" smtClean="0">
+                        <a:latin typeface="Cambria Math" panose="02040503050406030204" pitchFamily="18" charset="0"/>
+                        <a:ea typeface="Cambria Math" panose="02040503050406030204" pitchFamily="18" charset="0"/>
+                        <a:cs typeface="Times New Roman" panose="02020603050405020304" pitchFamily="18" charset="0"/>
+                      </a:rPr>
+                      <m:t>=</m:t>
+                    </m:r>
+                    <m:r>
+                      <a:rPr lang="es-ES" b="0" i="1" smtClean="0">
+                        <a:latin typeface="Cambria Math" panose="02040503050406030204" pitchFamily="18" charset="0"/>
+                        <a:ea typeface="Cambria Math" panose="02040503050406030204" pitchFamily="18" charset="0"/>
+                        <a:cs typeface="Times New Roman" panose="02020603050405020304" pitchFamily="18" charset="0"/>
+                      </a:rPr>
+                      <m:t>64.9</m:t>
+                    </m:r>
+                  </m:oMath>
+                </a14:m>
+                <a:endParaRPr lang="es-ES" dirty="0">
+                  <a:latin typeface="Cambria" panose="02040503050406030204" pitchFamily="18" charset="0"/>
+                  <a:ea typeface="Cambria" panose="02040503050406030204" pitchFamily="18" charset="0"/>
+                  <a:cs typeface="Times New Roman" panose="02020603050405020304" pitchFamily="18" charset="0"/>
+                </a:endParaRPr>
+              </a:p>
+              <a:p>
+                <a:pPr marL="285750" indent="-285750" algn="just">
+                  <a:spcBef>
+                    <a:spcPts val="180"/>
+                  </a:spcBef>
+                  <a:spcAft>
+                    <a:spcPts val="180"/>
+                  </a:spcAft>
+                  <a:buFont typeface="Arial" panose="020B0604020202020204" pitchFamily="34" charset="0"/>
+                  <a:buChar char="•"/>
+                </a:pPr>
+                <a:r>
+                  <a:rPr lang="es-ES" dirty="0">
+                    <a:latin typeface="Cambria" panose="02040503050406030204" pitchFamily="18" charset="0"/>
+                    <a:ea typeface="Cambria" panose="02040503050406030204" pitchFamily="18" charset="0"/>
+                    <a:cs typeface="Times New Roman" panose="02020603050405020304" pitchFamily="18" charset="0"/>
+                  </a:rPr>
+                  <a:t>Se rechaza la hipótesis nula</a:t>
+                </a:r>
+              </a:p>
+              <a:p>
+                <a:pPr marL="285750" indent="-285750" algn="just">
+                  <a:spcBef>
+                    <a:spcPts val="180"/>
+                  </a:spcBef>
+                  <a:spcAft>
+                    <a:spcPts val="180"/>
+                  </a:spcAft>
+                  <a:buFont typeface="Arial" panose="020B0604020202020204" pitchFamily="34" charset="0"/>
+                  <a:buChar char="•"/>
+                </a:pPr>
+                <a:endParaRPr lang="es-ES" dirty="0">
+                  <a:latin typeface="Cambria" panose="02040503050406030204" pitchFamily="18" charset="0"/>
+                  <a:ea typeface="Cambria" panose="02040503050406030204" pitchFamily="18" charset="0"/>
+                  <a:cs typeface="Times New Roman" panose="02020603050405020304" pitchFamily="18" charset="0"/>
+                </a:endParaRPr>
+              </a:p>
+              <a:p>
+                <a:pPr algn="just">
+                  <a:spcBef>
+                    <a:spcPts val="180"/>
+                  </a:spcBef>
+                  <a:spcAft>
+                    <a:spcPts val="180"/>
+                  </a:spcAft>
+                </a:pPr>
+                <a:endParaRPr lang="es-ES" dirty="0">
+                  <a:latin typeface="Cambria" panose="02040503050406030204" pitchFamily="18" charset="0"/>
+                  <a:ea typeface="Cambria" panose="02040503050406030204" pitchFamily="18" charset="0"/>
+                  <a:cs typeface="Times New Roman" panose="02020603050405020304" pitchFamily="18" charset="0"/>
+                </a:endParaRPr>
+              </a:p>
+            </p:txBody>
+          </p:sp>
+        </mc:Choice>
+        <mc:Fallback>
+          <p:sp>
+            <p:nvSpPr>
+              <p:cNvPr id="3" name="CuadroTexto 2">
+                <a:extLst>
+                  <a:ext uri="{FF2B5EF4-FFF2-40B4-BE49-F238E27FC236}">
+                    <a16:creationId xmlns:a16="http://schemas.microsoft.com/office/drawing/2014/main" id="{A3C612D3-A8A6-541E-3883-132942816F71}"/>
+                  </a:ext>
+                </a:extLst>
+              </p:cNvPr>
+              <p:cNvSpPr txBox="1">
+                <a:spLocks noRot="1" noChangeAspect="1" noMove="1" noResize="1" noEditPoints="1" noAdjustHandles="1" noChangeArrowheads="1" noChangeShapeType="1" noTextEdit="1"/>
+              </p:cNvSpPr>
+              <p:nvPr/>
+            </p:nvSpPr>
+            <p:spPr>
+              <a:xfrm>
+                <a:off x="642257" y="1426029"/>
+                <a:ext cx="10101943" cy="5109091"/>
+              </a:xfrm>
+              <a:prstGeom prst="rect">
+                <a:avLst/>
+              </a:prstGeom>
+              <a:blipFill>
+                <a:blip r:embed="rId3"/>
+                <a:stretch>
+                  <a:fillRect l="-878" t="-993"/>
+                </a:stretch>
+              </a:blipFill>
+            </p:spPr>
+            <p:txBody>
+              <a:bodyPr/>
+              <a:lstStyle/>
+              <a:p>
+                <a:r>
+                  <a:rPr lang="es-ES">
+                    <a:noFill/>
+                  </a:rPr>
+                  <a:t> </a:t>
+                </a:r>
+              </a:p>
+            </p:txBody>
+          </p:sp>
+        </mc:Fallback>
+      </mc:AlternateContent>
     </p:spTree>
     <p:extLst>
       <p:ext uri="{BB962C8B-B14F-4D97-AF65-F5344CB8AC3E}">
@@ -12365,6 +14437,2033 @@
 </file>
 
 <file path=ppt/slides/slide13.xml><?xml version="1.0" encoding="utf-8"?>
+<p:sld xmlns:a="http://schemas.openxmlformats.org/drawingml/2006/main" xmlns:r="http://schemas.openxmlformats.org/officeDocument/2006/relationships" xmlns:p="http://schemas.openxmlformats.org/presentationml/2006/main">
+  <p:cSld>
+    <p:spTree>
+      <p:nvGrpSpPr>
+        <p:cNvPr id="1" name=""/>
+        <p:cNvGrpSpPr/>
+        <p:nvPr/>
+      </p:nvGrpSpPr>
+      <p:grpSpPr>
+        <a:xfrm>
+          <a:off x="0" y="0"/>
+          <a:ext cx="0" cy="0"/>
+          <a:chOff x="0" y="0"/>
+          <a:chExt cx="0" cy="0"/>
+        </a:xfrm>
+      </p:grpSpPr>
+      <p:sp>
+        <p:nvSpPr>
+          <p:cNvPr id="4" name="TextBox 3">
+            <a:extLst>
+              <a:ext uri="{FF2B5EF4-FFF2-40B4-BE49-F238E27FC236}">
+                <a16:creationId xmlns:a16="http://schemas.microsoft.com/office/drawing/2014/main" id="{1AB9453E-4605-B8C4-0C71-3B23CE9F2773}"/>
+              </a:ext>
+            </a:extLst>
+          </p:cNvPr>
+          <p:cNvSpPr txBox="1"/>
+          <p:nvPr/>
+        </p:nvSpPr>
+        <p:spPr>
+          <a:xfrm>
+            <a:off x="440456" y="143702"/>
+            <a:ext cx="9559887" cy="523220"/>
+          </a:xfrm>
+          <a:prstGeom prst="rect">
+            <a:avLst/>
+          </a:prstGeom>
+          <a:noFill/>
+        </p:spPr>
+        <p:txBody>
+          <a:bodyPr wrap="square" rtlCol="0">
+            <a:spAutoFit/>
+          </a:bodyPr>
+          <a:lstStyle/>
+          <a:p>
+            <a:r>
+              <a:rPr lang="es-ES" sz="2800" b="1" dirty="0">
+                <a:solidFill>
+                  <a:srgbClr val="002060"/>
+                </a:solidFill>
+              </a:rPr>
+              <a:t>4. ANÁLISIS DE LOS DATOS</a:t>
+            </a:r>
+          </a:p>
+        </p:txBody>
+      </p:sp>
+      <p:sp>
+        <p:nvSpPr>
+          <p:cNvPr id="6" name="TextBox 5">
+            <a:extLst>
+              <a:ext uri="{FF2B5EF4-FFF2-40B4-BE49-F238E27FC236}">
+                <a16:creationId xmlns:a16="http://schemas.microsoft.com/office/drawing/2014/main" id="{1FA76770-F660-DB19-61AA-87990F00E84D}"/>
+              </a:ext>
+            </a:extLst>
+          </p:cNvPr>
+          <p:cNvSpPr txBox="1"/>
+          <p:nvPr/>
+        </p:nvSpPr>
+        <p:spPr>
+          <a:xfrm>
+            <a:off x="440456" y="798287"/>
+            <a:ext cx="10864282" cy="464871"/>
+          </a:xfrm>
+          <a:prstGeom prst="rect">
+            <a:avLst/>
+          </a:prstGeom>
+          <a:noFill/>
+        </p:spPr>
+        <p:txBody>
+          <a:bodyPr wrap="square">
+            <a:spAutoFit/>
+          </a:bodyPr>
+          <a:lstStyle/>
+          <a:p>
+            <a:pPr algn="just">
+              <a:lnSpc>
+                <a:spcPct val="150000"/>
+              </a:lnSpc>
+            </a:pPr>
+            <a:r>
+              <a:rPr lang="es-ES" b="1" dirty="0">
+                <a:solidFill>
+                  <a:srgbClr val="002060"/>
+                </a:solidFill>
+              </a:rPr>
+              <a:t>Contraste de hipótesis</a:t>
+            </a:r>
+            <a:endParaRPr lang="es-ES" b="1" dirty="0">
+              <a:solidFill>
+                <a:srgbClr val="002060"/>
+              </a:solidFill>
+              <a:sym typeface="Wingdings" panose="05000000000000000000" pitchFamily="2" charset="2"/>
+            </a:endParaRPr>
+          </a:p>
+        </p:txBody>
+      </p:sp>
+      <p:pic>
+        <p:nvPicPr>
+          <p:cNvPr id="5" name="Picture 4" descr="Graphical user interface, text, application, chat or text message&#10;&#10;Description automatically generated">
+            <a:extLst>
+              <a:ext uri="{FF2B5EF4-FFF2-40B4-BE49-F238E27FC236}">
+                <a16:creationId xmlns:a16="http://schemas.microsoft.com/office/drawing/2014/main" id="{6DDDD5D9-A9FE-2A79-7C5E-B7D1A464A414}"/>
+              </a:ext>
+            </a:extLst>
+          </p:cNvPr>
+          <p:cNvPicPr>
+            <a:picLocks noChangeAspect="1"/>
+          </p:cNvPicPr>
+          <p:nvPr/>
+        </p:nvPicPr>
+        <p:blipFill>
+          <a:blip r:embed="rId2">
+            <a:extLst>
+              <a:ext uri="{28A0092B-C50C-407E-A947-70E740481C1C}">
+                <a14:useLocalDpi xmlns:a14="http://schemas.microsoft.com/office/drawing/2010/main" val="0"/>
+              </a:ext>
+            </a:extLst>
+          </a:blip>
+          <a:stretch>
+            <a:fillRect/>
+          </a:stretch>
+        </p:blipFill>
+        <p:spPr>
+          <a:xfrm>
+            <a:off x="10526413" y="5892800"/>
+            <a:ext cx="1536622" cy="965200"/>
+          </a:xfrm>
+          <a:prstGeom prst="rect">
+            <a:avLst/>
+          </a:prstGeom>
+        </p:spPr>
+      </p:pic>
+      <mc:AlternateContent xmlns:mc="http://schemas.openxmlformats.org/markup-compatibility/2006">
+        <mc:Choice xmlns:a14="http://schemas.microsoft.com/office/drawing/2010/main" Requires="a14">
+          <p:sp>
+            <p:nvSpPr>
+              <p:cNvPr id="3" name="CuadroTexto 2">
+                <a:extLst>
+                  <a:ext uri="{FF2B5EF4-FFF2-40B4-BE49-F238E27FC236}">
+                    <a16:creationId xmlns:a16="http://schemas.microsoft.com/office/drawing/2014/main" id="{A3C612D3-A8A6-541E-3883-132942816F71}"/>
+                  </a:ext>
+                </a:extLst>
+              </p:cNvPr>
+              <p:cNvSpPr txBox="1"/>
+              <p:nvPr/>
+            </p:nvSpPr>
+            <p:spPr>
+              <a:xfrm>
+                <a:off x="642257" y="1426029"/>
+                <a:ext cx="10101943" cy="5109091"/>
+              </a:xfrm>
+              <a:prstGeom prst="rect">
+                <a:avLst/>
+              </a:prstGeom>
+              <a:noFill/>
+            </p:spPr>
+            <p:txBody>
+              <a:bodyPr wrap="square" rtlCol="0">
+                <a:spAutoFit/>
+              </a:bodyPr>
+              <a:lstStyle/>
+              <a:p>
+                <a:pPr>
+                  <a:spcAft>
+                    <a:spcPts val="600"/>
+                  </a:spcAft>
+                </a:pPr>
+                <a:r>
+                  <a:rPr lang="es-ES" sz="2400" dirty="0">
+                    <a:solidFill>
+                      <a:schemeClr val="accent1">
+                        <a:lumMod val="50000"/>
+                      </a:schemeClr>
+                    </a:solidFill>
+                  </a:rPr>
+                  <a:t>Hipótesis 2</a:t>
+                </a:r>
+              </a:p>
+              <a:p>
+                <a:pPr marL="342900" lvl="0" indent="-342900" algn="just">
+                  <a:spcBef>
+                    <a:spcPts val="180"/>
+                  </a:spcBef>
+                  <a:spcAft>
+                    <a:spcPts val="180"/>
+                  </a:spcAft>
+                  <a:buFont typeface="Arial" panose="020B0604020202020204" pitchFamily="34" charset="0"/>
+                  <a:buChar char="•"/>
+                </a:pPr>
+                <a:r>
+                  <a:rPr lang="es-ES" sz="1800" dirty="0">
+                    <a:effectLst/>
+                    <a:latin typeface="Cambria" panose="02040503050406030204" pitchFamily="18" charset="0"/>
+                    <a:ea typeface="Cambria" panose="02040503050406030204" pitchFamily="18" charset="0"/>
+                    <a:cs typeface="Times New Roman" panose="02020603050405020304" pitchFamily="18" charset="0"/>
+                  </a:rPr>
+                  <a:t>H</a:t>
+                </a:r>
+                <a:r>
+                  <a:rPr lang="es-ES" sz="1800" baseline="-25000" dirty="0">
+                    <a:effectLst/>
+                    <a:latin typeface="Cambria" panose="02040503050406030204" pitchFamily="18" charset="0"/>
+                    <a:ea typeface="Cambria" panose="02040503050406030204" pitchFamily="18" charset="0"/>
+                    <a:cs typeface="Times New Roman" panose="02020603050405020304" pitchFamily="18" charset="0"/>
+                  </a:rPr>
+                  <a:t>0</a:t>
+                </a:r>
+                <a:r>
+                  <a:rPr lang="es-ES" sz="1800" dirty="0">
+                    <a:effectLst/>
+                    <a:latin typeface="Cambria" panose="02040503050406030204" pitchFamily="18" charset="0"/>
+                    <a:ea typeface="Cambria" panose="02040503050406030204" pitchFamily="18" charset="0"/>
+                    <a:cs typeface="Times New Roman" panose="02020603050405020304" pitchFamily="18" charset="0"/>
+                  </a:rPr>
+                  <a:t>: La posición global de un hotel con cancelación gratuita y uno sin serán iguales.</a:t>
+                </a:r>
+              </a:p>
+              <a:p>
+                <a:pPr marL="342900" lvl="0" indent="-342900" algn="just">
+                  <a:spcBef>
+                    <a:spcPts val="180"/>
+                  </a:spcBef>
+                  <a:spcAft>
+                    <a:spcPts val="180"/>
+                  </a:spcAft>
+                  <a:buFont typeface="Arial" panose="020B0604020202020204" pitchFamily="34" charset="0"/>
+                  <a:buChar char="•"/>
+                </a:pPr>
+                <a:r>
+                  <a:rPr lang="es-ES" sz="1800" dirty="0">
+                    <a:effectLst/>
+                    <a:latin typeface="Cambria" panose="02040503050406030204" pitchFamily="18" charset="0"/>
+                    <a:ea typeface="Cambria" panose="02040503050406030204" pitchFamily="18" charset="0"/>
+                    <a:cs typeface="Times New Roman" panose="02020603050405020304" pitchFamily="18" charset="0"/>
+                  </a:rPr>
+                  <a:t>H</a:t>
+                </a:r>
+                <a:r>
+                  <a:rPr lang="es-ES" sz="1800" baseline="-25000" dirty="0">
+                    <a:effectLst/>
+                    <a:latin typeface="Cambria" panose="02040503050406030204" pitchFamily="18" charset="0"/>
+                    <a:ea typeface="Cambria" panose="02040503050406030204" pitchFamily="18" charset="0"/>
+                    <a:cs typeface="Times New Roman" panose="02020603050405020304" pitchFamily="18" charset="0"/>
+                  </a:rPr>
+                  <a:t>1</a:t>
+                </a:r>
+                <a:r>
+                  <a:rPr lang="es-ES" sz="1800" dirty="0">
+                    <a:effectLst/>
+                    <a:latin typeface="Cambria" panose="02040503050406030204" pitchFamily="18" charset="0"/>
+                    <a:ea typeface="Cambria" panose="02040503050406030204" pitchFamily="18" charset="0"/>
+                    <a:cs typeface="Times New Roman" panose="02020603050405020304" pitchFamily="18" charset="0"/>
+                  </a:rPr>
+                  <a:t>: La posición global de un hotel con cancelación gratuita será distinta a la de uno sin.</a:t>
+                </a:r>
+              </a:p>
+              <a:p>
+                <a:pPr lvl="0" algn="just">
+                  <a:spcBef>
+                    <a:spcPts val="180"/>
+                  </a:spcBef>
+                  <a:spcAft>
+                    <a:spcPts val="180"/>
+                  </a:spcAft>
+                </a:pPr>
+                <a:endParaRPr lang="es-ES" dirty="0">
+                  <a:latin typeface="Cambria" panose="02040503050406030204" pitchFamily="18" charset="0"/>
+                  <a:ea typeface="Cambria" panose="02040503050406030204" pitchFamily="18" charset="0"/>
+                  <a:cs typeface="Times New Roman" panose="02020603050405020304" pitchFamily="18" charset="0"/>
+                </a:endParaRPr>
+              </a:p>
+              <a:p>
+                <a:pPr lvl="0" algn="just">
+                  <a:spcBef>
+                    <a:spcPts val="180"/>
+                  </a:spcBef>
+                  <a:spcAft>
+                    <a:spcPts val="180"/>
+                  </a:spcAft>
+                </a:pPr>
+                <a:r>
+                  <a:rPr lang="es-ES" dirty="0">
+                    <a:latin typeface="Cambria" panose="02040503050406030204" pitchFamily="18" charset="0"/>
+                    <a:ea typeface="Cambria" panose="02040503050406030204" pitchFamily="18" charset="0"/>
+                    <a:cs typeface="Times New Roman" panose="02020603050405020304" pitchFamily="18" charset="0"/>
+                  </a:rPr>
+                  <a:t>Procedimiento:</a:t>
+                </a:r>
+              </a:p>
+              <a:p>
+                <a:pPr marL="285750" lvl="0" indent="-285750" algn="just">
+                  <a:spcBef>
+                    <a:spcPts val="180"/>
+                  </a:spcBef>
+                  <a:spcAft>
+                    <a:spcPts val="180"/>
+                  </a:spcAft>
+                  <a:buFont typeface="Arial" panose="020B0604020202020204" pitchFamily="34" charset="0"/>
+                  <a:buChar char="•"/>
+                </a:pPr>
+                <a:r>
+                  <a:rPr lang="es-ES" dirty="0">
+                    <a:latin typeface="Cambria" panose="02040503050406030204" pitchFamily="18" charset="0"/>
+                    <a:ea typeface="Cambria" panose="02040503050406030204" pitchFamily="18" charset="0"/>
+                    <a:cs typeface="Times New Roman" panose="02020603050405020304" pitchFamily="18" charset="0"/>
+                  </a:rPr>
+                  <a:t>C</a:t>
+                </a:r>
+                <a:r>
+                  <a:rPr lang="es-ES" sz="1800" dirty="0">
+                    <a:effectLst/>
+                    <a:latin typeface="Cambria" panose="02040503050406030204" pitchFamily="18" charset="0"/>
+                    <a:ea typeface="Cambria" panose="02040503050406030204" pitchFamily="18" charset="0"/>
+                    <a:cs typeface="Times New Roman" panose="02020603050405020304" pitchFamily="18" charset="0"/>
+                  </a:rPr>
+                  <a:t>ontraste de hipótesis de dos muestras independientes sobre la media con varianzas conocidas</a:t>
+                </a:r>
+              </a:p>
+              <a:p>
+                <a:pPr marL="285750" lvl="0" indent="-285750" algn="just">
+                  <a:spcBef>
+                    <a:spcPts val="180"/>
+                  </a:spcBef>
+                  <a:spcAft>
+                    <a:spcPts val="180"/>
+                  </a:spcAft>
+                  <a:buFont typeface="Arial" panose="020B0604020202020204" pitchFamily="34" charset="0"/>
+                  <a:buChar char="•"/>
+                </a:pPr>
+                <a:r>
+                  <a:rPr lang="es-ES" dirty="0">
+                    <a:latin typeface="Cambria" panose="02040503050406030204" pitchFamily="18" charset="0"/>
+                    <a:cs typeface="Times New Roman" panose="02020603050405020304" pitchFamily="18" charset="0"/>
+                  </a:rPr>
+                  <a:t>Test bilateral</a:t>
+                </a:r>
+                <a:r>
+                  <a:rPr lang="es-ES" dirty="0">
+                    <a:effectLst/>
+                  </a:rPr>
+                  <a:t> </a:t>
+                </a:r>
+                <a:endParaRPr lang="es-ES" dirty="0">
+                  <a:latin typeface="Cambria" panose="02040503050406030204" pitchFamily="18" charset="0"/>
+                  <a:ea typeface="Cambria" panose="02040503050406030204" pitchFamily="18" charset="0"/>
+                  <a:cs typeface="Times New Roman" panose="02020603050405020304" pitchFamily="18" charset="0"/>
+                </a:endParaRPr>
+              </a:p>
+              <a:p>
+                <a:pPr lvl="0" algn="just">
+                  <a:spcBef>
+                    <a:spcPts val="180"/>
+                  </a:spcBef>
+                  <a:spcAft>
+                    <a:spcPts val="180"/>
+                  </a:spcAft>
+                </a:pPr>
+                <a:endParaRPr lang="es-ES" dirty="0">
+                  <a:latin typeface="Cambria" panose="02040503050406030204" pitchFamily="18" charset="0"/>
+                  <a:ea typeface="Cambria" panose="02040503050406030204" pitchFamily="18" charset="0"/>
+                  <a:cs typeface="Times New Roman" panose="02020603050405020304" pitchFamily="18" charset="0"/>
+                </a:endParaRPr>
+              </a:p>
+              <a:p>
+                <a:pPr lvl="0" algn="just">
+                  <a:spcBef>
+                    <a:spcPts val="180"/>
+                  </a:spcBef>
+                  <a:spcAft>
+                    <a:spcPts val="180"/>
+                  </a:spcAft>
+                </a:pPr>
+                <a:r>
+                  <a:rPr lang="es-ES" dirty="0">
+                    <a:latin typeface="Cambria" panose="02040503050406030204" pitchFamily="18" charset="0"/>
+                    <a:ea typeface="Cambria" panose="02040503050406030204" pitchFamily="18" charset="0"/>
+                    <a:cs typeface="Times New Roman" panose="02020603050405020304" pitchFamily="18" charset="0"/>
+                  </a:rPr>
+                  <a:t>Resultados:</a:t>
+                </a:r>
+              </a:p>
+              <a:p>
+                <a:pPr marL="285750" lvl="0" indent="-285750" algn="just">
+                  <a:spcBef>
+                    <a:spcPts val="180"/>
+                  </a:spcBef>
+                  <a:spcAft>
+                    <a:spcPts val="180"/>
+                  </a:spcAft>
+                  <a:buFont typeface="Arial" panose="020B0604020202020204" pitchFamily="34" charset="0"/>
+                  <a:buChar char="•"/>
+                </a:pPr>
+                <a:r>
+                  <a:rPr lang="es-ES" dirty="0">
+                    <a:latin typeface="Cambria" panose="02040503050406030204" pitchFamily="18" charset="0"/>
+                    <a:ea typeface="Cambria" panose="02040503050406030204" pitchFamily="18" charset="0"/>
+                    <a:cs typeface="Times New Roman" panose="02020603050405020304" pitchFamily="18" charset="0"/>
+                  </a:rPr>
+                  <a:t>P-</a:t>
+                </a:r>
+                <a:r>
+                  <a:rPr lang="es-ES" dirty="0" err="1">
+                    <a:latin typeface="Cambria" panose="02040503050406030204" pitchFamily="18" charset="0"/>
+                    <a:ea typeface="Cambria" panose="02040503050406030204" pitchFamily="18" charset="0"/>
+                    <a:cs typeface="Times New Roman" panose="02020603050405020304" pitchFamily="18" charset="0"/>
+                  </a:rPr>
+                  <a:t>value</a:t>
+                </a:r>
+                <a:r>
+                  <a:rPr lang="es-ES" dirty="0">
+                    <a:latin typeface="Cambria" panose="02040503050406030204" pitchFamily="18" charset="0"/>
+                    <a:ea typeface="Cambria" panose="02040503050406030204" pitchFamily="18" charset="0"/>
+                    <a:cs typeface="Times New Roman" panose="02020603050405020304" pitchFamily="18" charset="0"/>
+                  </a:rPr>
+                  <a:t>: 0.00015</a:t>
+                </a:r>
+              </a:p>
+              <a:p>
+                <a:pPr marL="285750" lvl="0" indent="-285750" algn="just">
+                  <a:spcBef>
+                    <a:spcPts val="180"/>
+                  </a:spcBef>
+                  <a:spcAft>
+                    <a:spcPts val="180"/>
+                  </a:spcAft>
+                  <a:buFont typeface="Arial" panose="020B0604020202020204" pitchFamily="34" charset="0"/>
+                  <a:buChar char="•"/>
+                </a:pPr>
+                <a14:m>
+                  <m:oMath xmlns:m="http://schemas.openxmlformats.org/officeDocument/2006/math">
+                    <m:sSub>
+                      <m:sSubPr>
+                        <m:ctrlPr>
+                          <a:rPr lang="es-ES" b="0" i="1" smtClean="0">
+                            <a:latin typeface="Cambria Math" panose="02040503050406030204" pitchFamily="18" charset="0"/>
+                            <a:ea typeface="Cambria Math" panose="02040503050406030204" pitchFamily="18" charset="0"/>
+                            <a:cs typeface="Times New Roman" panose="02020603050405020304" pitchFamily="18" charset="0"/>
+                          </a:rPr>
+                        </m:ctrlPr>
+                      </m:sSubPr>
+                      <m:e>
+                        <m:r>
+                          <a:rPr lang="es-ES" i="1" smtClean="0">
+                            <a:latin typeface="Cambria Math" panose="02040503050406030204" pitchFamily="18" charset="0"/>
+                            <a:ea typeface="Cambria Math" panose="02040503050406030204" pitchFamily="18" charset="0"/>
+                            <a:cs typeface="Times New Roman" panose="02020603050405020304" pitchFamily="18" charset="0"/>
+                          </a:rPr>
+                          <m:t>𝜇</m:t>
+                        </m:r>
+                      </m:e>
+                      <m:sub>
+                        <m:r>
+                          <a:rPr lang="es-ES" b="0" i="1" smtClean="0">
+                            <a:latin typeface="Cambria Math" panose="02040503050406030204" pitchFamily="18" charset="0"/>
+                            <a:ea typeface="Cambria Math" panose="02040503050406030204" pitchFamily="18" charset="0"/>
+                            <a:cs typeface="Times New Roman" panose="02020603050405020304" pitchFamily="18" charset="0"/>
+                          </a:rPr>
+                          <m:t>1</m:t>
+                        </m:r>
+                      </m:sub>
+                    </m:sSub>
+                    <m:r>
+                      <a:rPr lang="es-ES" b="0" i="1" smtClean="0">
+                        <a:latin typeface="Cambria Math" panose="02040503050406030204" pitchFamily="18" charset="0"/>
+                        <a:ea typeface="Cambria Math" panose="02040503050406030204" pitchFamily="18" charset="0"/>
+                        <a:cs typeface="Times New Roman" panose="02020603050405020304" pitchFamily="18" charset="0"/>
+                      </a:rPr>
+                      <m:t>=5</m:t>
+                    </m:r>
+                    <m:r>
+                      <a:rPr lang="es-ES" b="0" i="1" smtClean="0">
+                        <a:latin typeface="Cambria Math" panose="02040503050406030204" pitchFamily="18" charset="0"/>
+                        <a:ea typeface="Cambria Math" panose="02040503050406030204" pitchFamily="18" charset="0"/>
+                        <a:cs typeface="Times New Roman" panose="02020603050405020304" pitchFamily="18" charset="0"/>
+                      </a:rPr>
+                      <m:t>7</m:t>
+                    </m:r>
+                    <m:r>
+                      <a:rPr lang="es-ES" b="0" i="1" smtClean="0">
+                        <a:latin typeface="Cambria Math" panose="02040503050406030204" pitchFamily="18" charset="0"/>
+                        <a:ea typeface="Cambria Math" panose="02040503050406030204" pitchFamily="18" charset="0"/>
+                        <a:cs typeface="Times New Roman" panose="02020603050405020304" pitchFamily="18" charset="0"/>
+                      </a:rPr>
+                      <m:t>.</m:t>
+                    </m:r>
+                    <m:r>
+                      <a:rPr lang="es-ES" b="0" i="1" smtClean="0">
+                        <a:latin typeface="Cambria Math" panose="02040503050406030204" pitchFamily="18" charset="0"/>
+                        <a:ea typeface="Cambria Math" panose="02040503050406030204" pitchFamily="18" charset="0"/>
+                        <a:cs typeface="Times New Roman" panose="02020603050405020304" pitchFamily="18" charset="0"/>
+                      </a:rPr>
+                      <m:t>7</m:t>
+                    </m:r>
+                  </m:oMath>
+                </a14:m>
+                <a:endParaRPr lang="es-ES" dirty="0">
+                  <a:latin typeface="Cambria" panose="02040503050406030204" pitchFamily="18" charset="0"/>
+                  <a:ea typeface="Cambria" panose="02040503050406030204" pitchFamily="18" charset="0"/>
+                  <a:cs typeface="Times New Roman" panose="02020603050405020304" pitchFamily="18" charset="0"/>
+                </a:endParaRPr>
+              </a:p>
+              <a:p>
+                <a:pPr marL="285750" indent="-285750" algn="just">
+                  <a:spcBef>
+                    <a:spcPts val="180"/>
+                  </a:spcBef>
+                  <a:spcAft>
+                    <a:spcPts val="180"/>
+                  </a:spcAft>
+                  <a:buFont typeface="Arial" panose="020B0604020202020204" pitchFamily="34" charset="0"/>
+                  <a:buChar char="•"/>
+                </a:pPr>
+                <a14:m>
+                  <m:oMath xmlns:m="http://schemas.openxmlformats.org/officeDocument/2006/math">
+                    <m:sSub>
+                      <m:sSubPr>
+                        <m:ctrlPr>
+                          <a:rPr lang="es-ES" b="0" i="1" smtClean="0">
+                            <a:latin typeface="Cambria Math" panose="02040503050406030204" pitchFamily="18" charset="0"/>
+                            <a:ea typeface="Cambria Math" panose="02040503050406030204" pitchFamily="18" charset="0"/>
+                            <a:cs typeface="Times New Roman" panose="02020603050405020304" pitchFamily="18" charset="0"/>
+                          </a:rPr>
+                        </m:ctrlPr>
+                      </m:sSubPr>
+                      <m:e>
+                        <m:r>
+                          <a:rPr lang="es-ES" i="1" smtClean="0">
+                            <a:latin typeface="Cambria Math" panose="02040503050406030204" pitchFamily="18" charset="0"/>
+                            <a:ea typeface="Cambria Math" panose="02040503050406030204" pitchFamily="18" charset="0"/>
+                            <a:cs typeface="Times New Roman" panose="02020603050405020304" pitchFamily="18" charset="0"/>
+                          </a:rPr>
+                          <m:t>𝜇</m:t>
+                        </m:r>
+                      </m:e>
+                      <m:sub>
+                        <m:r>
+                          <a:rPr lang="es-ES" b="0" i="1" smtClean="0">
+                            <a:latin typeface="Cambria Math" panose="02040503050406030204" pitchFamily="18" charset="0"/>
+                            <a:ea typeface="Cambria Math" panose="02040503050406030204" pitchFamily="18" charset="0"/>
+                            <a:cs typeface="Times New Roman" panose="02020603050405020304" pitchFamily="18" charset="0"/>
+                          </a:rPr>
+                          <m:t>2</m:t>
+                        </m:r>
+                      </m:sub>
+                    </m:sSub>
+                    <m:r>
+                      <a:rPr lang="es-ES" b="0" i="1" smtClean="0">
+                        <a:latin typeface="Cambria Math" panose="02040503050406030204" pitchFamily="18" charset="0"/>
+                        <a:ea typeface="Cambria Math" panose="02040503050406030204" pitchFamily="18" charset="0"/>
+                        <a:cs typeface="Times New Roman" panose="02020603050405020304" pitchFamily="18" charset="0"/>
+                      </a:rPr>
+                      <m:t>=6</m:t>
+                    </m:r>
+                    <m:r>
+                      <a:rPr lang="es-ES" b="0" i="1" smtClean="0">
+                        <a:latin typeface="Cambria Math" panose="02040503050406030204" pitchFamily="18" charset="0"/>
+                        <a:ea typeface="Cambria Math" panose="02040503050406030204" pitchFamily="18" charset="0"/>
+                        <a:cs typeface="Times New Roman" panose="02020603050405020304" pitchFamily="18" charset="0"/>
+                      </a:rPr>
+                      <m:t>7.3</m:t>
+                    </m:r>
+                  </m:oMath>
+                </a14:m>
+                <a:endParaRPr lang="es-ES" dirty="0">
+                  <a:latin typeface="Cambria" panose="02040503050406030204" pitchFamily="18" charset="0"/>
+                  <a:ea typeface="Cambria" panose="02040503050406030204" pitchFamily="18" charset="0"/>
+                  <a:cs typeface="Times New Roman" panose="02020603050405020304" pitchFamily="18" charset="0"/>
+                </a:endParaRPr>
+              </a:p>
+              <a:p>
+                <a:pPr marL="285750" indent="-285750" algn="just">
+                  <a:spcBef>
+                    <a:spcPts val="180"/>
+                  </a:spcBef>
+                  <a:spcAft>
+                    <a:spcPts val="180"/>
+                  </a:spcAft>
+                  <a:buFont typeface="Arial" panose="020B0604020202020204" pitchFamily="34" charset="0"/>
+                  <a:buChar char="•"/>
+                </a:pPr>
+                <a:r>
+                  <a:rPr lang="es-ES" dirty="0">
+                    <a:latin typeface="Cambria" panose="02040503050406030204" pitchFamily="18" charset="0"/>
+                    <a:ea typeface="Cambria" panose="02040503050406030204" pitchFamily="18" charset="0"/>
+                    <a:cs typeface="Times New Roman" panose="02020603050405020304" pitchFamily="18" charset="0"/>
+                  </a:rPr>
+                  <a:t>Se rechaza la hipótesis nula</a:t>
+                </a:r>
+              </a:p>
+              <a:p>
+                <a:pPr marL="285750" indent="-285750" algn="just">
+                  <a:spcBef>
+                    <a:spcPts val="180"/>
+                  </a:spcBef>
+                  <a:spcAft>
+                    <a:spcPts val="180"/>
+                  </a:spcAft>
+                  <a:buFont typeface="Arial" panose="020B0604020202020204" pitchFamily="34" charset="0"/>
+                  <a:buChar char="•"/>
+                </a:pPr>
+                <a:endParaRPr lang="es-ES" dirty="0">
+                  <a:latin typeface="Cambria" panose="02040503050406030204" pitchFamily="18" charset="0"/>
+                  <a:ea typeface="Cambria" panose="02040503050406030204" pitchFamily="18" charset="0"/>
+                  <a:cs typeface="Times New Roman" panose="02020603050405020304" pitchFamily="18" charset="0"/>
+                </a:endParaRPr>
+              </a:p>
+              <a:p>
+                <a:pPr algn="just">
+                  <a:spcBef>
+                    <a:spcPts val="180"/>
+                  </a:spcBef>
+                  <a:spcAft>
+                    <a:spcPts val="180"/>
+                  </a:spcAft>
+                </a:pPr>
+                <a:endParaRPr lang="es-ES" dirty="0">
+                  <a:latin typeface="Cambria" panose="02040503050406030204" pitchFamily="18" charset="0"/>
+                  <a:ea typeface="Cambria" panose="02040503050406030204" pitchFamily="18" charset="0"/>
+                  <a:cs typeface="Times New Roman" panose="02020603050405020304" pitchFamily="18" charset="0"/>
+                </a:endParaRPr>
+              </a:p>
+            </p:txBody>
+          </p:sp>
+        </mc:Choice>
+        <mc:Fallback>
+          <p:sp>
+            <p:nvSpPr>
+              <p:cNvPr id="3" name="CuadroTexto 2">
+                <a:extLst>
+                  <a:ext uri="{FF2B5EF4-FFF2-40B4-BE49-F238E27FC236}">
+                    <a16:creationId xmlns:a16="http://schemas.microsoft.com/office/drawing/2014/main" id="{A3C612D3-A8A6-541E-3883-132942816F71}"/>
+                  </a:ext>
+                </a:extLst>
+              </p:cNvPr>
+              <p:cNvSpPr txBox="1">
+                <a:spLocks noRot="1" noChangeAspect="1" noMove="1" noResize="1" noEditPoints="1" noAdjustHandles="1" noChangeArrowheads="1" noChangeShapeType="1" noTextEdit="1"/>
+              </p:cNvSpPr>
+              <p:nvPr/>
+            </p:nvSpPr>
+            <p:spPr>
+              <a:xfrm>
+                <a:off x="642257" y="1426029"/>
+                <a:ext cx="10101943" cy="5109091"/>
+              </a:xfrm>
+              <a:prstGeom prst="rect">
+                <a:avLst/>
+              </a:prstGeom>
+              <a:blipFill>
+                <a:blip r:embed="rId3"/>
+                <a:stretch>
+                  <a:fillRect l="-878" t="-993"/>
+                </a:stretch>
+              </a:blipFill>
+            </p:spPr>
+            <p:txBody>
+              <a:bodyPr/>
+              <a:lstStyle/>
+              <a:p>
+                <a:r>
+                  <a:rPr lang="es-ES">
+                    <a:noFill/>
+                  </a:rPr>
+                  <a:t> </a:t>
+                </a:r>
+              </a:p>
+            </p:txBody>
+          </p:sp>
+        </mc:Fallback>
+      </mc:AlternateContent>
+    </p:spTree>
+    <p:extLst>
+      <p:ext uri="{BB962C8B-B14F-4D97-AF65-F5344CB8AC3E}">
+        <p14:creationId xmlns:p14="http://schemas.microsoft.com/office/powerpoint/2010/main" val="2300103096"/>
+      </p:ext>
+    </p:extLst>
+  </p:cSld>
+  <p:clrMapOvr>
+    <a:masterClrMapping/>
+  </p:clrMapOvr>
+</p:sld>
+</file>
+
+<file path=ppt/slides/slide14.xml><?xml version="1.0" encoding="utf-8"?>
+<p:sld xmlns:a="http://schemas.openxmlformats.org/drawingml/2006/main" xmlns:r="http://schemas.openxmlformats.org/officeDocument/2006/relationships" xmlns:p="http://schemas.openxmlformats.org/presentationml/2006/main">
+  <p:cSld>
+    <p:spTree>
+      <p:nvGrpSpPr>
+        <p:cNvPr id="1" name=""/>
+        <p:cNvGrpSpPr/>
+        <p:nvPr/>
+      </p:nvGrpSpPr>
+      <p:grpSpPr>
+        <a:xfrm>
+          <a:off x="0" y="0"/>
+          <a:ext cx="0" cy="0"/>
+          <a:chOff x="0" y="0"/>
+          <a:chExt cx="0" cy="0"/>
+        </a:xfrm>
+      </p:grpSpPr>
+      <p:sp>
+        <p:nvSpPr>
+          <p:cNvPr id="4" name="TextBox 3">
+            <a:extLst>
+              <a:ext uri="{FF2B5EF4-FFF2-40B4-BE49-F238E27FC236}">
+                <a16:creationId xmlns:a16="http://schemas.microsoft.com/office/drawing/2014/main" id="{1AB9453E-4605-B8C4-0C71-3B23CE9F2773}"/>
+              </a:ext>
+            </a:extLst>
+          </p:cNvPr>
+          <p:cNvSpPr txBox="1"/>
+          <p:nvPr/>
+        </p:nvSpPr>
+        <p:spPr>
+          <a:xfrm>
+            <a:off x="440456" y="143702"/>
+            <a:ext cx="9559887" cy="523220"/>
+          </a:xfrm>
+          <a:prstGeom prst="rect">
+            <a:avLst/>
+          </a:prstGeom>
+          <a:noFill/>
+        </p:spPr>
+        <p:txBody>
+          <a:bodyPr wrap="square" rtlCol="0">
+            <a:spAutoFit/>
+          </a:bodyPr>
+          <a:lstStyle/>
+          <a:p>
+            <a:r>
+              <a:rPr lang="es-ES" sz="2800" b="1" dirty="0">
+                <a:solidFill>
+                  <a:srgbClr val="002060"/>
+                </a:solidFill>
+              </a:rPr>
+              <a:t>4. ANÁLISIS DE LOS DATOS</a:t>
+            </a:r>
+          </a:p>
+        </p:txBody>
+      </p:sp>
+      <p:sp>
+        <p:nvSpPr>
+          <p:cNvPr id="6" name="TextBox 5">
+            <a:extLst>
+              <a:ext uri="{FF2B5EF4-FFF2-40B4-BE49-F238E27FC236}">
+                <a16:creationId xmlns:a16="http://schemas.microsoft.com/office/drawing/2014/main" id="{1FA76770-F660-DB19-61AA-87990F00E84D}"/>
+              </a:ext>
+            </a:extLst>
+          </p:cNvPr>
+          <p:cNvSpPr txBox="1"/>
+          <p:nvPr/>
+        </p:nvSpPr>
+        <p:spPr>
+          <a:xfrm>
+            <a:off x="440456" y="798287"/>
+            <a:ext cx="10864282" cy="464871"/>
+          </a:xfrm>
+          <a:prstGeom prst="rect">
+            <a:avLst/>
+          </a:prstGeom>
+          <a:noFill/>
+        </p:spPr>
+        <p:txBody>
+          <a:bodyPr wrap="square">
+            <a:spAutoFit/>
+          </a:bodyPr>
+          <a:lstStyle/>
+          <a:p>
+            <a:pPr algn="just">
+              <a:lnSpc>
+                <a:spcPct val="150000"/>
+              </a:lnSpc>
+            </a:pPr>
+            <a:r>
+              <a:rPr lang="es-ES" b="1" dirty="0">
+                <a:solidFill>
+                  <a:srgbClr val="002060"/>
+                </a:solidFill>
+              </a:rPr>
+              <a:t>Contraste de hipótesis</a:t>
+            </a:r>
+            <a:endParaRPr lang="es-ES" b="1" dirty="0">
+              <a:solidFill>
+                <a:srgbClr val="002060"/>
+              </a:solidFill>
+              <a:sym typeface="Wingdings" panose="05000000000000000000" pitchFamily="2" charset="2"/>
+            </a:endParaRPr>
+          </a:p>
+        </p:txBody>
+      </p:sp>
+      <p:pic>
+        <p:nvPicPr>
+          <p:cNvPr id="5" name="Picture 4" descr="Graphical user interface, text, application, chat or text message&#10;&#10;Description automatically generated">
+            <a:extLst>
+              <a:ext uri="{FF2B5EF4-FFF2-40B4-BE49-F238E27FC236}">
+                <a16:creationId xmlns:a16="http://schemas.microsoft.com/office/drawing/2014/main" id="{6DDDD5D9-A9FE-2A79-7C5E-B7D1A464A414}"/>
+              </a:ext>
+            </a:extLst>
+          </p:cNvPr>
+          <p:cNvPicPr>
+            <a:picLocks noChangeAspect="1"/>
+          </p:cNvPicPr>
+          <p:nvPr/>
+        </p:nvPicPr>
+        <p:blipFill>
+          <a:blip r:embed="rId2">
+            <a:extLst>
+              <a:ext uri="{28A0092B-C50C-407E-A947-70E740481C1C}">
+                <a14:useLocalDpi xmlns:a14="http://schemas.microsoft.com/office/drawing/2010/main" val="0"/>
+              </a:ext>
+            </a:extLst>
+          </a:blip>
+          <a:stretch>
+            <a:fillRect/>
+          </a:stretch>
+        </p:blipFill>
+        <p:spPr>
+          <a:xfrm>
+            <a:off x="10526413" y="5892800"/>
+            <a:ext cx="1536622" cy="965200"/>
+          </a:xfrm>
+          <a:prstGeom prst="rect">
+            <a:avLst/>
+          </a:prstGeom>
+        </p:spPr>
+      </p:pic>
+      <mc:AlternateContent xmlns:mc="http://schemas.openxmlformats.org/markup-compatibility/2006">
+        <mc:Choice xmlns:a14="http://schemas.microsoft.com/office/drawing/2010/main" Requires="a14">
+          <p:sp>
+            <p:nvSpPr>
+              <p:cNvPr id="3" name="CuadroTexto 2">
+                <a:extLst>
+                  <a:ext uri="{FF2B5EF4-FFF2-40B4-BE49-F238E27FC236}">
+                    <a16:creationId xmlns:a16="http://schemas.microsoft.com/office/drawing/2014/main" id="{A3C612D3-A8A6-541E-3883-132942816F71}"/>
+                  </a:ext>
+                </a:extLst>
+              </p:cNvPr>
+              <p:cNvSpPr txBox="1"/>
+              <p:nvPr/>
+            </p:nvSpPr>
+            <p:spPr>
+              <a:xfrm>
+                <a:off x="642257" y="1426029"/>
+                <a:ext cx="10101943" cy="5663089"/>
+              </a:xfrm>
+              <a:prstGeom prst="rect">
+                <a:avLst/>
+              </a:prstGeom>
+              <a:noFill/>
+            </p:spPr>
+            <p:txBody>
+              <a:bodyPr wrap="square" rtlCol="0">
+                <a:spAutoFit/>
+              </a:bodyPr>
+              <a:lstStyle/>
+              <a:p>
+                <a:pPr>
+                  <a:spcAft>
+                    <a:spcPts val="600"/>
+                  </a:spcAft>
+                </a:pPr>
+                <a:r>
+                  <a:rPr lang="es-ES" sz="2400" dirty="0">
+                    <a:solidFill>
+                      <a:schemeClr val="accent1">
+                        <a:lumMod val="50000"/>
+                      </a:schemeClr>
+                    </a:solidFill>
+                  </a:rPr>
+                  <a:t>Hipótesis 3</a:t>
+                </a:r>
+              </a:p>
+              <a:p>
+                <a:pPr marL="342900" lvl="0" indent="-342900" algn="just">
+                  <a:spcBef>
+                    <a:spcPts val="180"/>
+                  </a:spcBef>
+                  <a:spcAft>
+                    <a:spcPts val="180"/>
+                  </a:spcAft>
+                  <a:buFont typeface="Symbol" pitchFamily="2" charset="2"/>
+                  <a:buChar char=""/>
+                </a:pPr>
+                <a:r>
+                  <a:rPr lang="es-ES" sz="1800" dirty="0">
+                    <a:effectLst/>
+                    <a:latin typeface="Cambria" panose="02040503050406030204" pitchFamily="18" charset="0"/>
+                    <a:ea typeface="Cambria" panose="02040503050406030204" pitchFamily="18" charset="0"/>
+                    <a:cs typeface="Times New Roman" panose="02020603050405020304" pitchFamily="18" charset="0"/>
+                  </a:rPr>
+                  <a:t>H</a:t>
+                </a:r>
+                <a:r>
+                  <a:rPr lang="es-ES" sz="1800" baseline="-25000" dirty="0">
+                    <a:effectLst/>
+                    <a:latin typeface="Cambria" panose="02040503050406030204" pitchFamily="18" charset="0"/>
+                    <a:ea typeface="Cambria" panose="02040503050406030204" pitchFamily="18" charset="0"/>
+                    <a:cs typeface="Times New Roman" panose="02020603050405020304" pitchFamily="18" charset="0"/>
+                  </a:rPr>
+                  <a:t>0</a:t>
+                </a:r>
+                <a:r>
+                  <a:rPr lang="es-ES" sz="1800" dirty="0">
+                    <a:effectLst/>
+                    <a:latin typeface="Cambria" panose="02040503050406030204" pitchFamily="18" charset="0"/>
+                    <a:ea typeface="Cambria" panose="02040503050406030204" pitchFamily="18" charset="0"/>
+                    <a:cs typeface="Times New Roman" panose="02020603050405020304" pitchFamily="18" charset="0"/>
+                  </a:rPr>
+                  <a:t>: La posición global de un hotel con una puntuación global mayor o igual a 9.0 y uno con una puntuación inferior serán iguales.</a:t>
+                </a:r>
+              </a:p>
+              <a:p>
+                <a:pPr marL="342900" lvl="0" indent="-342900" algn="just">
+                  <a:spcBef>
+                    <a:spcPts val="180"/>
+                  </a:spcBef>
+                  <a:spcAft>
+                    <a:spcPts val="180"/>
+                  </a:spcAft>
+                  <a:buFont typeface="Symbol" pitchFamily="2" charset="2"/>
+                  <a:buChar char=""/>
+                </a:pPr>
+                <a:r>
+                  <a:rPr lang="es-ES" sz="1800" dirty="0">
+                    <a:effectLst/>
+                    <a:latin typeface="Cambria" panose="02040503050406030204" pitchFamily="18" charset="0"/>
+                    <a:ea typeface="Cambria" panose="02040503050406030204" pitchFamily="18" charset="0"/>
+                    <a:cs typeface="Times New Roman" panose="02020603050405020304" pitchFamily="18" charset="0"/>
+                  </a:rPr>
+                  <a:t>H</a:t>
+                </a:r>
+                <a:r>
+                  <a:rPr lang="es-ES" sz="1800" baseline="-25000" dirty="0">
+                    <a:effectLst/>
+                    <a:latin typeface="Cambria" panose="02040503050406030204" pitchFamily="18" charset="0"/>
+                    <a:ea typeface="Cambria" panose="02040503050406030204" pitchFamily="18" charset="0"/>
+                    <a:cs typeface="Times New Roman" panose="02020603050405020304" pitchFamily="18" charset="0"/>
+                  </a:rPr>
+                  <a:t>1</a:t>
+                </a:r>
+                <a:r>
+                  <a:rPr lang="es-ES" sz="1800" dirty="0">
+                    <a:effectLst/>
+                    <a:latin typeface="Cambria" panose="02040503050406030204" pitchFamily="18" charset="0"/>
+                    <a:ea typeface="Cambria" panose="02040503050406030204" pitchFamily="18" charset="0"/>
+                    <a:cs typeface="Times New Roman" panose="02020603050405020304" pitchFamily="18" charset="0"/>
+                  </a:rPr>
+                  <a:t>: La posición global de un hotel con una puntuación global mayor o igual a 9.0 será mejor (menor) que uno con una puntuación inferior.</a:t>
+                </a:r>
+              </a:p>
+              <a:p>
+                <a:pPr lvl="0" algn="just">
+                  <a:spcBef>
+                    <a:spcPts val="180"/>
+                  </a:spcBef>
+                  <a:spcAft>
+                    <a:spcPts val="180"/>
+                  </a:spcAft>
+                </a:pPr>
+                <a:endParaRPr lang="es-ES" dirty="0">
+                  <a:latin typeface="Cambria" panose="02040503050406030204" pitchFamily="18" charset="0"/>
+                  <a:ea typeface="Cambria" panose="02040503050406030204" pitchFamily="18" charset="0"/>
+                  <a:cs typeface="Times New Roman" panose="02020603050405020304" pitchFamily="18" charset="0"/>
+                </a:endParaRPr>
+              </a:p>
+              <a:p>
+                <a:pPr lvl="0" algn="just">
+                  <a:spcBef>
+                    <a:spcPts val="180"/>
+                  </a:spcBef>
+                  <a:spcAft>
+                    <a:spcPts val="180"/>
+                  </a:spcAft>
+                </a:pPr>
+                <a:r>
+                  <a:rPr lang="es-ES" dirty="0">
+                    <a:latin typeface="Cambria" panose="02040503050406030204" pitchFamily="18" charset="0"/>
+                    <a:ea typeface="Cambria" panose="02040503050406030204" pitchFamily="18" charset="0"/>
+                    <a:cs typeface="Times New Roman" panose="02020603050405020304" pitchFamily="18" charset="0"/>
+                  </a:rPr>
+                  <a:t>Procedimiento:</a:t>
+                </a:r>
+              </a:p>
+              <a:p>
+                <a:pPr marL="285750" lvl="0" indent="-285750" algn="just">
+                  <a:spcBef>
+                    <a:spcPts val="180"/>
+                  </a:spcBef>
+                  <a:spcAft>
+                    <a:spcPts val="180"/>
+                  </a:spcAft>
+                  <a:buFont typeface="Arial" panose="020B0604020202020204" pitchFamily="34" charset="0"/>
+                  <a:buChar char="•"/>
+                </a:pPr>
+                <a:r>
+                  <a:rPr lang="es-ES" dirty="0">
+                    <a:latin typeface="Cambria" panose="02040503050406030204" pitchFamily="18" charset="0"/>
+                    <a:ea typeface="Cambria" panose="02040503050406030204" pitchFamily="18" charset="0"/>
+                    <a:cs typeface="Times New Roman" panose="02020603050405020304" pitchFamily="18" charset="0"/>
+                  </a:rPr>
+                  <a:t>C</a:t>
+                </a:r>
+                <a:r>
+                  <a:rPr lang="es-ES" sz="1800" dirty="0">
+                    <a:effectLst/>
+                    <a:latin typeface="Cambria" panose="02040503050406030204" pitchFamily="18" charset="0"/>
+                    <a:ea typeface="Cambria" panose="02040503050406030204" pitchFamily="18" charset="0"/>
+                    <a:cs typeface="Times New Roman" panose="02020603050405020304" pitchFamily="18" charset="0"/>
+                  </a:rPr>
+                  <a:t>ontraste de hipótesis de dos muestras independientes sobre la media con varianzas conocidas</a:t>
+                </a:r>
+              </a:p>
+              <a:p>
+                <a:pPr marL="285750" lvl="0" indent="-285750" algn="just">
+                  <a:spcBef>
+                    <a:spcPts val="180"/>
+                  </a:spcBef>
+                  <a:spcAft>
+                    <a:spcPts val="180"/>
+                  </a:spcAft>
+                  <a:buFont typeface="Arial" panose="020B0604020202020204" pitchFamily="34" charset="0"/>
+                  <a:buChar char="•"/>
+                </a:pPr>
+                <a:r>
+                  <a:rPr lang="es-ES" dirty="0">
+                    <a:latin typeface="Cambria" panose="02040503050406030204" pitchFamily="18" charset="0"/>
+                    <a:cs typeface="Times New Roman" panose="02020603050405020304" pitchFamily="18" charset="0"/>
+                  </a:rPr>
+                  <a:t>Test unilateral por la izquierda</a:t>
+                </a:r>
+                <a:r>
+                  <a:rPr lang="es-ES" dirty="0">
+                    <a:effectLst/>
+                  </a:rPr>
+                  <a:t> </a:t>
+                </a:r>
+                <a:endParaRPr lang="es-ES" dirty="0">
+                  <a:latin typeface="Cambria" panose="02040503050406030204" pitchFamily="18" charset="0"/>
+                  <a:ea typeface="Cambria" panose="02040503050406030204" pitchFamily="18" charset="0"/>
+                  <a:cs typeface="Times New Roman" panose="02020603050405020304" pitchFamily="18" charset="0"/>
+                </a:endParaRPr>
+              </a:p>
+              <a:p>
+                <a:pPr lvl="0" algn="just">
+                  <a:spcBef>
+                    <a:spcPts val="180"/>
+                  </a:spcBef>
+                  <a:spcAft>
+                    <a:spcPts val="180"/>
+                  </a:spcAft>
+                </a:pPr>
+                <a:endParaRPr lang="es-ES" dirty="0">
+                  <a:latin typeface="Cambria" panose="02040503050406030204" pitchFamily="18" charset="0"/>
+                  <a:ea typeface="Cambria" panose="02040503050406030204" pitchFamily="18" charset="0"/>
+                  <a:cs typeface="Times New Roman" panose="02020603050405020304" pitchFamily="18" charset="0"/>
+                </a:endParaRPr>
+              </a:p>
+              <a:p>
+                <a:pPr lvl="0" algn="just">
+                  <a:spcBef>
+                    <a:spcPts val="180"/>
+                  </a:spcBef>
+                  <a:spcAft>
+                    <a:spcPts val="180"/>
+                  </a:spcAft>
+                </a:pPr>
+                <a:r>
+                  <a:rPr lang="es-ES" dirty="0">
+                    <a:latin typeface="Cambria" panose="02040503050406030204" pitchFamily="18" charset="0"/>
+                    <a:ea typeface="Cambria" panose="02040503050406030204" pitchFamily="18" charset="0"/>
+                    <a:cs typeface="Times New Roman" panose="02020603050405020304" pitchFamily="18" charset="0"/>
+                  </a:rPr>
+                  <a:t>Resultados:</a:t>
+                </a:r>
+              </a:p>
+              <a:p>
+                <a:pPr marL="285750" lvl="0" indent="-285750" algn="just">
+                  <a:spcBef>
+                    <a:spcPts val="180"/>
+                  </a:spcBef>
+                  <a:spcAft>
+                    <a:spcPts val="180"/>
+                  </a:spcAft>
+                  <a:buFont typeface="Arial" panose="020B0604020202020204" pitchFamily="34" charset="0"/>
+                  <a:buChar char="•"/>
+                </a:pPr>
+                <a:r>
+                  <a:rPr lang="es-ES" dirty="0">
+                    <a:latin typeface="Cambria" panose="02040503050406030204" pitchFamily="18" charset="0"/>
+                    <a:ea typeface="Cambria" panose="02040503050406030204" pitchFamily="18" charset="0"/>
+                    <a:cs typeface="Times New Roman" panose="02020603050405020304" pitchFamily="18" charset="0"/>
+                  </a:rPr>
+                  <a:t>P-</a:t>
+                </a:r>
+                <a:r>
+                  <a:rPr lang="es-ES" dirty="0" err="1">
+                    <a:latin typeface="Cambria" panose="02040503050406030204" pitchFamily="18" charset="0"/>
+                    <a:ea typeface="Cambria" panose="02040503050406030204" pitchFamily="18" charset="0"/>
+                    <a:cs typeface="Times New Roman" panose="02020603050405020304" pitchFamily="18" charset="0"/>
+                  </a:rPr>
+                  <a:t>value</a:t>
+                </a:r>
+                <a:r>
+                  <a:rPr lang="es-ES" dirty="0">
+                    <a:latin typeface="Cambria" panose="02040503050406030204" pitchFamily="18" charset="0"/>
+                    <a:ea typeface="Cambria" panose="02040503050406030204" pitchFamily="18" charset="0"/>
+                    <a:cs typeface="Times New Roman" panose="02020603050405020304" pitchFamily="18" charset="0"/>
+                  </a:rPr>
+                  <a:t>: 0.044</a:t>
+                </a:r>
+              </a:p>
+              <a:p>
+                <a:pPr marL="285750" lvl="0" indent="-285750" algn="just">
+                  <a:spcBef>
+                    <a:spcPts val="180"/>
+                  </a:spcBef>
+                  <a:spcAft>
+                    <a:spcPts val="180"/>
+                  </a:spcAft>
+                  <a:buFont typeface="Arial" panose="020B0604020202020204" pitchFamily="34" charset="0"/>
+                  <a:buChar char="•"/>
+                </a:pPr>
+                <a14:m>
+                  <m:oMath xmlns:m="http://schemas.openxmlformats.org/officeDocument/2006/math">
+                    <m:sSub>
+                      <m:sSubPr>
+                        <m:ctrlPr>
+                          <a:rPr lang="es-ES" b="0" i="1" smtClean="0">
+                            <a:latin typeface="Cambria Math" panose="02040503050406030204" pitchFamily="18" charset="0"/>
+                            <a:ea typeface="Cambria Math" panose="02040503050406030204" pitchFamily="18" charset="0"/>
+                            <a:cs typeface="Times New Roman" panose="02020603050405020304" pitchFamily="18" charset="0"/>
+                          </a:rPr>
+                        </m:ctrlPr>
+                      </m:sSubPr>
+                      <m:e>
+                        <m:r>
+                          <a:rPr lang="es-ES" i="1" smtClean="0">
+                            <a:latin typeface="Cambria Math" panose="02040503050406030204" pitchFamily="18" charset="0"/>
+                            <a:ea typeface="Cambria Math" panose="02040503050406030204" pitchFamily="18" charset="0"/>
+                            <a:cs typeface="Times New Roman" panose="02020603050405020304" pitchFamily="18" charset="0"/>
+                          </a:rPr>
+                          <m:t>𝜇</m:t>
+                        </m:r>
+                      </m:e>
+                      <m:sub>
+                        <m:r>
+                          <a:rPr lang="es-ES" b="0" i="1" smtClean="0">
+                            <a:latin typeface="Cambria Math" panose="02040503050406030204" pitchFamily="18" charset="0"/>
+                            <a:ea typeface="Cambria Math" panose="02040503050406030204" pitchFamily="18" charset="0"/>
+                            <a:cs typeface="Times New Roman" panose="02020603050405020304" pitchFamily="18" charset="0"/>
+                          </a:rPr>
+                          <m:t>1</m:t>
+                        </m:r>
+                      </m:sub>
+                    </m:sSub>
+                    <m:r>
+                      <a:rPr lang="es-ES" b="0" i="1" smtClean="0">
+                        <a:latin typeface="Cambria Math" panose="02040503050406030204" pitchFamily="18" charset="0"/>
+                        <a:ea typeface="Cambria Math" panose="02040503050406030204" pitchFamily="18" charset="0"/>
+                        <a:cs typeface="Times New Roman" panose="02020603050405020304" pitchFamily="18" charset="0"/>
+                      </a:rPr>
+                      <m:t>=55.</m:t>
+                    </m:r>
+                    <m:r>
+                      <a:rPr lang="es-ES" b="0" i="1" smtClean="0">
+                        <a:latin typeface="Cambria Math" panose="02040503050406030204" pitchFamily="18" charset="0"/>
+                        <a:ea typeface="Cambria Math" panose="02040503050406030204" pitchFamily="18" charset="0"/>
+                        <a:cs typeface="Times New Roman" panose="02020603050405020304" pitchFamily="18" charset="0"/>
+                      </a:rPr>
+                      <m:t>9</m:t>
+                    </m:r>
+                  </m:oMath>
+                </a14:m>
+                <a:endParaRPr lang="es-ES" dirty="0">
+                  <a:latin typeface="Cambria" panose="02040503050406030204" pitchFamily="18" charset="0"/>
+                  <a:ea typeface="Cambria" panose="02040503050406030204" pitchFamily="18" charset="0"/>
+                  <a:cs typeface="Times New Roman" panose="02020603050405020304" pitchFamily="18" charset="0"/>
+                </a:endParaRPr>
+              </a:p>
+              <a:p>
+                <a:pPr marL="285750" indent="-285750" algn="just">
+                  <a:spcBef>
+                    <a:spcPts val="180"/>
+                  </a:spcBef>
+                  <a:spcAft>
+                    <a:spcPts val="180"/>
+                  </a:spcAft>
+                  <a:buFont typeface="Arial" panose="020B0604020202020204" pitchFamily="34" charset="0"/>
+                  <a:buChar char="•"/>
+                </a:pPr>
+                <a14:m>
+                  <m:oMath xmlns:m="http://schemas.openxmlformats.org/officeDocument/2006/math">
+                    <m:sSub>
+                      <m:sSubPr>
+                        <m:ctrlPr>
+                          <a:rPr lang="es-ES" b="0" i="1" smtClean="0">
+                            <a:latin typeface="Cambria Math" panose="02040503050406030204" pitchFamily="18" charset="0"/>
+                            <a:ea typeface="Cambria Math" panose="02040503050406030204" pitchFamily="18" charset="0"/>
+                            <a:cs typeface="Times New Roman" panose="02020603050405020304" pitchFamily="18" charset="0"/>
+                          </a:rPr>
+                        </m:ctrlPr>
+                      </m:sSubPr>
+                      <m:e>
+                        <m:r>
+                          <a:rPr lang="es-ES" i="1" smtClean="0">
+                            <a:latin typeface="Cambria Math" panose="02040503050406030204" pitchFamily="18" charset="0"/>
+                            <a:ea typeface="Cambria Math" panose="02040503050406030204" pitchFamily="18" charset="0"/>
+                            <a:cs typeface="Times New Roman" panose="02020603050405020304" pitchFamily="18" charset="0"/>
+                          </a:rPr>
+                          <m:t>𝜇</m:t>
+                        </m:r>
+                      </m:e>
+                      <m:sub>
+                        <m:r>
+                          <a:rPr lang="es-ES" b="0" i="1" smtClean="0">
+                            <a:latin typeface="Cambria Math" panose="02040503050406030204" pitchFamily="18" charset="0"/>
+                            <a:ea typeface="Cambria Math" panose="02040503050406030204" pitchFamily="18" charset="0"/>
+                            <a:cs typeface="Times New Roman" panose="02020603050405020304" pitchFamily="18" charset="0"/>
+                          </a:rPr>
+                          <m:t>2</m:t>
+                        </m:r>
+                      </m:sub>
+                    </m:sSub>
+                    <m:r>
+                      <a:rPr lang="es-ES" b="0" i="1" smtClean="0">
+                        <a:latin typeface="Cambria Math" panose="02040503050406030204" pitchFamily="18" charset="0"/>
+                        <a:ea typeface="Cambria Math" panose="02040503050406030204" pitchFamily="18" charset="0"/>
+                        <a:cs typeface="Times New Roman" panose="02020603050405020304" pitchFamily="18" charset="0"/>
+                      </a:rPr>
+                      <m:t>=</m:t>
+                    </m:r>
+                    <m:r>
+                      <a:rPr lang="es-ES" b="0" i="1" smtClean="0">
+                        <a:latin typeface="Cambria Math" panose="02040503050406030204" pitchFamily="18" charset="0"/>
+                        <a:ea typeface="Cambria Math" panose="02040503050406030204" pitchFamily="18" charset="0"/>
+                        <a:cs typeface="Times New Roman" panose="02020603050405020304" pitchFamily="18" charset="0"/>
+                      </a:rPr>
+                      <m:t>58.6</m:t>
+                    </m:r>
+                  </m:oMath>
+                </a14:m>
+                <a:endParaRPr lang="es-ES" dirty="0">
+                  <a:latin typeface="Cambria" panose="02040503050406030204" pitchFamily="18" charset="0"/>
+                  <a:ea typeface="Cambria" panose="02040503050406030204" pitchFamily="18" charset="0"/>
+                  <a:cs typeface="Times New Roman" panose="02020603050405020304" pitchFamily="18" charset="0"/>
+                </a:endParaRPr>
+              </a:p>
+              <a:p>
+                <a:pPr marL="285750" indent="-285750" algn="just">
+                  <a:spcBef>
+                    <a:spcPts val="180"/>
+                  </a:spcBef>
+                  <a:spcAft>
+                    <a:spcPts val="180"/>
+                  </a:spcAft>
+                  <a:buFont typeface="Arial" panose="020B0604020202020204" pitchFamily="34" charset="0"/>
+                  <a:buChar char="•"/>
+                </a:pPr>
+                <a:r>
+                  <a:rPr lang="es-ES" dirty="0">
+                    <a:latin typeface="Cambria" panose="02040503050406030204" pitchFamily="18" charset="0"/>
+                    <a:ea typeface="Cambria" panose="02040503050406030204" pitchFamily="18" charset="0"/>
+                    <a:cs typeface="Times New Roman" panose="02020603050405020304" pitchFamily="18" charset="0"/>
+                  </a:rPr>
+                  <a:t>Se rechaza la hipótesis nula</a:t>
+                </a:r>
+              </a:p>
+              <a:p>
+                <a:pPr marL="285750" indent="-285750" algn="just">
+                  <a:spcBef>
+                    <a:spcPts val="180"/>
+                  </a:spcBef>
+                  <a:spcAft>
+                    <a:spcPts val="180"/>
+                  </a:spcAft>
+                  <a:buFont typeface="Arial" panose="020B0604020202020204" pitchFamily="34" charset="0"/>
+                  <a:buChar char="•"/>
+                </a:pPr>
+                <a:endParaRPr lang="es-ES" dirty="0">
+                  <a:latin typeface="Cambria" panose="02040503050406030204" pitchFamily="18" charset="0"/>
+                  <a:ea typeface="Cambria" panose="02040503050406030204" pitchFamily="18" charset="0"/>
+                  <a:cs typeface="Times New Roman" panose="02020603050405020304" pitchFamily="18" charset="0"/>
+                </a:endParaRPr>
+              </a:p>
+              <a:p>
+                <a:pPr algn="just">
+                  <a:spcBef>
+                    <a:spcPts val="180"/>
+                  </a:spcBef>
+                  <a:spcAft>
+                    <a:spcPts val="180"/>
+                  </a:spcAft>
+                </a:pPr>
+                <a:endParaRPr lang="es-ES" dirty="0">
+                  <a:latin typeface="Cambria" panose="02040503050406030204" pitchFamily="18" charset="0"/>
+                  <a:ea typeface="Cambria" panose="02040503050406030204" pitchFamily="18" charset="0"/>
+                  <a:cs typeface="Times New Roman" panose="02020603050405020304" pitchFamily="18" charset="0"/>
+                </a:endParaRPr>
+              </a:p>
+            </p:txBody>
+          </p:sp>
+        </mc:Choice>
+        <mc:Fallback>
+          <p:sp>
+            <p:nvSpPr>
+              <p:cNvPr id="3" name="CuadroTexto 2">
+                <a:extLst>
+                  <a:ext uri="{FF2B5EF4-FFF2-40B4-BE49-F238E27FC236}">
+                    <a16:creationId xmlns:a16="http://schemas.microsoft.com/office/drawing/2014/main" id="{A3C612D3-A8A6-541E-3883-132942816F71}"/>
+                  </a:ext>
+                </a:extLst>
+              </p:cNvPr>
+              <p:cNvSpPr txBox="1">
+                <a:spLocks noRot="1" noChangeAspect="1" noMove="1" noResize="1" noEditPoints="1" noAdjustHandles="1" noChangeArrowheads="1" noChangeShapeType="1" noTextEdit="1"/>
+              </p:cNvSpPr>
+              <p:nvPr/>
+            </p:nvSpPr>
+            <p:spPr>
+              <a:xfrm>
+                <a:off x="642257" y="1426029"/>
+                <a:ext cx="10101943" cy="5663089"/>
+              </a:xfrm>
+              <a:prstGeom prst="rect">
+                <a:avLst/>
+              </a:prstGeom>
+              <a:blipFill>
+                <a:blip r:embed="rId3"/>
+                <a:stretch>
+                  <a:fillRect l="-878" t="-895" r="-502"/>
+                </a:stretch>
+              </a:blipFill>
+            </p:spPr>
+            <p:txBody>
+              <a:bodyPr/>
+              <a:lstStyle/>
+              <a:p>
+                <a:r>
+                  <a:rPr lang="es-ES">
+                    <a:noFill/>
+                  </a:rPr>
+                  <a:t> </a:t>
+                </a:r>
+              </a:p>
+            </p:txBody>
+          </p:sp>
+        </mc:Fallback>
+      </mc:AlternateContent>
+    </p:spTree>
+    <p:extLst>
+      <p:ext uri="{BB962C8B-B14F-4D97-AF65-F5344CB8AC3E}">
+        <p14:creationId xmlns:p14="http://schemas.microsoft.com/office/powerpoint/2010/main" val="3740756649"/>
+      </p:ext>
+    </p:extLst>
+  </p:cSld>
+  <p:clrMapOvr>
+    <a:masterClrMapping/>
+  </p:clrMapOvr>
+</p:sld>
+</file>
+
+<file path=ppt/slides/slide15.xml><?xml version="1.0" encoding="utf-8"?>
+<p:sld xmlns:a="http://schemas.openxmlformats.org/drawingml/2006/main" xmlns:r="http://schemas.openxmlformats.org/officeDocument/2006/relationships" xmlns:p="http://schemas.openxmlformats.org/presentationml/2006/main">
+  <p:cSld>
+    <p:spTree>
+      <p:nvGrpSpPr>
+        <p:cNvPr id="1" name=""/>
+        <p:cNvGrpSpPr/>
+        <p:nvPr/>
+      </p:nvGrpSpPr>
+      <p:grpSpPr>
+        <a:xfrm>
+          <a:off x="0" y="0"/>
+          <a:ext cx="0" cy="0"/>
+          <a:chOff x="0" y="0"/>
+          <a:chExt cx="0" cy="0"/>
+        </a:xfrm>
+      </p:grpSpPr>
+      <p:sp>
+        <p:nvSpPr>
+          <p:cNvPr id="4" name="TextBox 3">
+            <a:extLst>
+              <a:ext uri="{FF2B5EF4-FFF2-40B4-BE49-F238E27FC236}">
+                <a16:creationId xmlns:a16="http://schemas.microsoft.com/office/drawing/2014/main" id="{1AB9453E-4605-B8C4-0C71-3B23CE9F2773}"/>
+              </a:ext>
+            </a:extLst>
+          </p:cNvPr>
+          <p:cNvSpPr txBox="1"/>
+          <p:nvPr/>
+        </p:nvSpPr>
+        <p:spPr>
+          <a:xfrm>
+            <a:off x="440456" y="143702"/>
+            <a:ext cx="9559887" cy="523220"/>
+          </a:xfrm>
+          <a:prstGeom prst="rect">
+            <a:avLst/>
+          </a:prstGeom>
+          <a:noFill/>
+        </p:spPr>
+        <p:txBody>
+          <a:bodyPr wrap="square" rtlCol="0">
+            <a:spAutoFit/>
+          </a:bodyPr>
+          <a:lstStyle/>
+          <a:p>
+            <a:r>
+              <a:rPr lang="es-ES" sz="2800" b="1" dirty="0">
+                <a:solidFill>
+                  <a:srgbClr val="002060"/>
+                </a:solidFill>
+              </a:rPr>
+              <a:t>4. ANÁLISIS DE LOS DATOS</a:t>
+            </a:r>
+          </a:p>
+        </p:txBody>
+      </p:sp>
+      <p:sp>
+        <p:nvSpPr>
+          <p:cNvPr id="6" name="TextBox 5">
+            <a:extLst>
+              <a:ext uri="{FF2B5EF4-FFF2-40B4-BE49-F238E27FC236}">
+                <a16:creationId xmlns:a16="http://schemas.microsoft.com/office/drawing/2014/main" id="{1FA76770-F660-DB19-61AA-87990F00E84D}"/>
+              </a:ext>
+            </a:extLst>
+          </p:cNvPr>
+          <p:cNvSpPr txBox="1"/>
+          <p:nvPr/>
+        </p:nvSpPr>
+        <p:spPr>
+          <a:xfrm>
+            <a:off x="440456" y="798287"/>
+            <a:ext cx="10864282" cy="464871"/>
+          </a:xfrm>
+          <a:prstGeom prst="rect">
+            <a:avLst/>
+          </a:prstGeom>
+          <a:noFill/>
+        </p:spPr>
+        <p:txBody>
+          <a:bodyPr wrap="square">
+            <a:spAutoFit/>
+          </a:bodyPr>
+          <a:lstStyle/>
+          <a:p>
+            <a:pPr algn="just">
+              <a:lnSpc>
+                <a:spcPct val="150000"/>
+              </a:lnSpc>
+            </a:pPr>
+            <a:r>
+              <a:rPr lang="es-ES" b="1" dirty="0">
+                <a:solidFill>
+                  <a:srgbClr val="002060"/>
+                </a:solidFill>
+              </a:rPr>
+              <a:t>Contraste de hipótesis</a:t>
+            </a:r>
+            <a:endParaRPr lang="es-ES" b="1" dirty="0">
+              <a:solidFill>
+                <a:srgbClr val="002060"/>
+              </a:solidFill>
+              <a:sym typeface="Wingdings" panose="05000000000000000000" pitchFamily="2" charset="2"/>
+            </a:endParaRPr>
+          </a:p>
+        </p:txBody>
+      </p:sp>
+      <p:pic>
+        <p:nvPicPr>
+          <p:cNvPr id="5" name="Picture 4" descr="Graphical user interface, text, application, chat or text message&#10;&#10;Description automatically generated">
+            <a:extLst>
+              <a:ext uri="{FF2B5EF4-FFF2-40B4-BE49-F238E27FC236}">
+                <a16:creationId xmlns:a16="http://schemas.microsoft.com/office/drawing/2014/main" id="{6DDDD5D9-A9FE-2A79-7C5E-B7D1A464A414}"/>
+              </a:ext>
+            </a:extLst>
+          </p:cNvPr>
+          <p:cNvPicPr>
+            <a:picLocks noChangeAspect="1"/>
+          </p:cNvPicPr>
+          <p:nvPr/>
+        </p:nvPicPr>
+        <p:blipFill>
+          <a:blip r:embed="rId2">
+            <a:extLst>
+              <a:ext uri="{28A0092B-C50C-407E-A947-70E740481C1C}">
+                <a14:useLocalDpi xmlns:a14="http://schemas.microsoft.com/office/drawing/2010/main" val="0"/>
+              </a:ext>
+            </a:extLst>
+          </a:blip>
+          <a:stretch>
+            <a:fillRect/>
+          </a:stretch>
+        </p:blipFill>
+        <p:spPr>
+          <a:xfrm>
+            <a:off x="10526413" y="5892800"/>
+            <a:ext cx="1536622" cy="965200"/>
+          </a:xfrm>
+          <a:prstGeom prst="rect">
+            <a:avLst/>
+          </a:prstGeom>
+        </p:spPr>
+      </p:pic>
+      <mc:AlternateContent xmlns:mc="http://schemas.openxmlformats.org/markup-compatibility/2006">
+        <mc:Choice xmlns:a14="http://schemas.microsoft.com/office/drawing/2010/main" Requires="a14">
+          <p:sp>
+            <p:nvSpPr>
+              <p:cNvPr id="3" name="CuadroTexto 2">
+                <a:extLst>
+                  <a:ext uri="{FF2B5EF4-FFF2-40B4-BE49-F238E27FC236}">
+                    <a16:creationId xmlns:a16="http://schemas.microsoft.com/office/drawing/2014/main" id="{A3C612D3-A8A6-541E-3883-132942816F71}"/>
+                  </a:ext>
+                </a:extLst>
+              </p:cNvPr>
+              <p:cNvSpPr txBox="1"/>
+              <p:nvPr/>
+            </p:nvSpPr>
+            <p:spPr>
+              <a:xfrm>
+                <a:off x="642257" y="1426029"/>
+                <a:ext cx="10101943" cy="5334794"/>
+              </a:xfrm>
+              <a:prstGeom prst="rect">
+                <a:avLst/>
+              </a:prstGeom>
+              <a:noFill/>
+            </p:spPr>
+            <p:txBody>
+              <a:bodyPr wrap="square" rtlCol="0">
+                <a:spAutoFit/>
+              </a:bodyPr>
+              <a:lstStyle/>
+              <a:p>
+                <a:pPr>
+                  <a:spcAft>
+                    <a:spcPts val="600"/>
+                  </a:spcAft>
+                </a:pPr>
+                <a:r>
+                  <a:rPr lang="es-ES" sz="2400" dirty="0">
+                    <a:solidFill>
+                      <a:schemeClr val="accent1">
+                        <a:lumMod val="50000"/>
+                      </a:schemeClr>
+                    </a:solidFill>
+                  </a:rPr>
+                  <a:t>Hipótesis 4</a:t>
+                </a:r>
+              </a:p>
+              <a:p>
+                <a:pPr marL="342900" lvl="0" indent="-342900" algn="just">
+                  <a:spcBef>
+                    <a:spcPts val="180"/>
+                  </a:spcBef>
+                  <a:spcAft>
+                    <a:spcPts val="180"/>
+                  </a:spcAft>
+                  <a:buFont typeface="Symbol" pitchFamily="2" charset="2"/>
+                  <a:buChar char=""/>
+                </a:pPr>
+                <a:r>
+                  <a:rPr lang="es-ES" sz="1800" dirty="0">
+                    <a:effectLst/>
+                    <a:latin typeface="Cambria" panose="02040503050406030204" pitchFamily="18" charset="0"/>
+                    <a:ea typeface="Cambria" panose="02040503050406030204" pitchFamily="18" charset="0"/>
+                    <a:cs typeface="Times New Roman" panose="02020603050405020304" pitchFamily="18" charset="0"/>
+                  </a:rPr>
+                  <a:t>H</a:t>
+                </a:r>
+                <a:r>
+                  <a:rPr lang="es-ES" sz="1800" baseline="-25000" dirty="0">
+                    <a:effectLst/>
+                    <a:latin typeface="Cambria" panose="02040503050406030204" pitchFamily="18" charset="0"/>
+                    <a:ea typeface="Cambria" panose="02040503050406030204" pitchFamily="18" charset="0"/>
+                    <a:cs typeface="Times New Roman" panose="02020603050405020304" pitchFamily="18" charset="0"/>
+                  </a:rPr>
+                  <a:t>0</a:t>
+                </a:r>
+                <a:r>
+                  <a:rPr lang="es-ES" sz="1800" dirty="0">
+                    <a:effectLst/>
+                    <a:latin typeface="Cambria" panose="02040503050406030204" pitchFamily="18" charset="0"/>
+                    <a:ea typeface="Cambria" panose="02040503050406030204" pitchFamily="18" charset="0"/>
+                    <a:cs typeface="Times New Roman" panose="02020603050405020304" pitchFamily="18" charset="0"/>
+                  </a:rPr>
+                  <a:t>: La posición global de un hotel con precio mínimo inferior a la media y uno superior serán iguales.</a:t>
+                </a:r>
+              </a:p>
+              <a:p>
+                <a:pPr marL="342900" lvl="0" indent="-342900" algn="just">
+                  <a:spcBef>
+                    <a:spcPts val="180"/>
+                  </a:spcBef>
+                  <a:spcAft>
+                    <a:spcPts val="180"/>
+                  </a:spcAft>
+                  <a:buFont typeface="Symbol" pitchFamily="2" charset="2"/>
+                  <a:buChar char=""/>
+                </a:pPr>
+                <a:r>
+                  <a:rPr lang="es-ES" sz="1800" dirty="0">
+                    <a:effectLst/>
+                    <a:latin typeface="Cambria" panose="02040503050406030204" pitchFamily="18" charset="0"/>
+                    <a:ea typeface="Cambria" panose="02040503050406030204" pitchFamily="18" charset="0"/>
+                    <a:cs typeface="Times New Roman" panose="02020603050405020304" pitchFamily="18" charset="0"/>
+                  </a:rPr>
+                  <a:t>H</a:t>
+                </a:r>
+                <a:r>
+                  <a:rPr lang="es-ES" sz="1800" baseline="-25000" dirty="0">
+                    <a:effectLst/>
+                    <a:latin typeface="Cambria" panose="02040503050406030204" pitchFamily="18" charset="0"/>
+                    <a:ea typeface="Cambria" panose="02040503050406030204" pitchFamily="18" charset="0"/>
+                    <a:cs typeface="Times New Roman" panose="02020603050405020304" pitchFamily="18" charset="0"/>
+                  </a:rPr>
+                  <a:t>1</a:t>
+                </a:r>
+                <a:r>
+                  <a:rPr lang="es-ES" sz="1800" dirty="0">
+                    <a:effectLst/>
+                    <a:latin typeface="Cambria" panose="02040503050406030204" pitchFamily="18" charset="0"/>
+                    <a:ea typeface="Cambria" panose="02040503050406030204" pitchFamily="18" charset="0"/>
+                    <a:cs typeface="Times New Roman" panose="02020603050405020304" pitchFamily="18" charset="0"/>
+                  </a:rPr>
+                  <a:t>: La posición global de un hotel con precio mínimo inferior a la media será mejor (inferior) a la de uno con precio superior.</a:t>
+                </a:r>
+              </a:p>
+              <a:p>
+                <a:pPr lvl="0" algn="just">
+                  <a:spcBef>
+                    <a:spcPts val="180"/>
+                  </a:spcBef>
+                  <a:spcAft>
+                    <a:spcPts val="180"/>
+                  </a:spcAft>
+                </a:pPr>
+                <a:endParaRPr lang="es-ES" dirty="0">
+                  <a:latin typeface="Cambria" panose="02040503050406030204" pitchFamily="18" charset="0"/>
+                  <a:ea typeface="Cambria" panose="02040503050406030204" pitchFamily="18" charset="0"/>
+                  <a:cs typeface="Times New Roman" panose="02020603050405020304" pitchFamily="18" charset="0"/>
+                </a:endParaRPr>
+              </a:p>
+              <a:p>
+                <a:pPr lvl="0" algn="just">
+                  <a:spcBef>
+                    <a:spcPts val="180"/>
+                  </a:spcBef>
+                  <a:spcAft>
+                    <a:spcPts val="180"/>
+                  </a:spcAft>
+                </a:pPr>
+                <a:r>
+                  <a:rPr lang="es-ES" dirty="0">
+                    <a:latin typeface="Cambria" panose="02040503050406030204" pitchFamily="18" charset="0"/>
+                    <a:ea typeface="Cambria" panose="02040503050406030204" pitchFamily="18" charset="0"/>
+                    <a:cs typeface="Times New Roman" panose="02020603050405020304" pitchFamily="18" charset="0"/>
+                  </a:rPr>
+                  <a:t>Procedimiento:</a:t>
+                </a:r>
+              </a:p>
+              <a:p>
+                <a:pPr marL="285750" lvl="0" indent="-285750" algn="just">
+                  <a:spcBef>
+                    <a:spcPts val="180"/>
+                  </a:spcBef>
+                  <a:spcAft>
+                    <a:spcPts val="180"/>
+                  </a:spcAft>
+                  <a:buFont typeface="Arial" panose="020B0604020202020204" pitchFamily="34" charset="0"/>
+                  <a:buChar char="•"/>
+                </a:pPr>
+                <a:r>
+                  <a:rPr lang="es-ES" dirty="0">
+                    <a:latin typeface="Cambria" panose="02040503050406030204" pitchFamily="18" charset="0"/>
+                    <a:ea typeface="Cambria" panose="02040503050406030204" pitchFamily="18" charset="0"/>
+                    <a:cs typeface="Times New Roman" panose="02020603050405020304" pitchFamily="18" charset="0"/>
+                  </a:rPr>
+                  <a:t>C</a:t>
+                </a:r>
+                <a:r>
+                  <a:rPr lang="es-ES" sz="1800" dirty="0">
+                    <a:effectLst/>
+                    <a:latin typeface="Cambria" panose="02040503050406030204" pitchFamily="18" charset="0"/>
+                    <a:ea typeface="Cambria" panose="02040503050406030204" pitchFamily="18" charset="0"/>
+                    <a:cs typeface="Times New Roman" panose="02020603050405020304" pitchFamily="18" charset="0"/>
+                  </a:rPr>
+                  <a:t>ontraste de hipótesis de dos muestras independientes sobre la media con varianzas conocidas</a:t>
+                </a:r>
+              </a:p>
+              <a:p>
+                <a:pPr marL="285750" lvl="0" indent="-285750" algn="just">
+                  <a:spcBef>
+                    <a:spcPts val="180"/>
+                  </a:spcBef>
+                  <a:spcAft>
+                    <a:spcPts val="180"/>
+                  </a:spcAft>
+                  <a:buFont typeface="Arial" panose="020B0604020202020204" pitchFamily="34" charset="0"/>
+                  <a:buChar char="•"/>
+                </a:pPr>
+                <a:r>
+                  <a:rPr lang="es-ES" dirty="0">
+                    <a:latin typeface="Cambria" panose="02040503050406030204" pitchFamily="18" charset="0"/>
+                    <a:cs typeface="Times New Roman" panose="02020603050405020304" pitchFamily="18" charset="0"/>
+                  </a:rPr>
+                  <a:t>Test unilateral por la izquierda</a:t>
+                </a:r>
+                <a:r>
+                  <a:rPr lang="es-ES" dirty="0">
+                    <a:effectLst/>
+                  </a:rPr>
+                  <a:t> </a:t>
+                </a:r>
+                <a:endParaRPr lang="es-ES" dirty="0">
+                  <a:latin typeface="Cambria" panose="02040503050406030204" pitchFamily="18" charset="0"/>
+                  <a:ea typeface="Cambria" panose="02040503050406030204" pitchFamily="18" charset="0"/>
+                  <a:cs typeface="Times New Roman" panose="02020603050405020304" pitchFamily="18" charset="0"/>
+                </a:endParaRPr>
+              </a:p>
+              <a:p>
+                <a:pPr lvl="0" algn="just">
+                  <a:spcBef>
+                    <a:spcPts val="180"/>
+                  </a:spcBef>
+                  <a:spcAft>
+                    <a:spcPts val="180"/>
+                  </a:spcAft>
+                </a:pPr>
+                <a:endParaRPr lang="es-ES" dirty="0">
+                  <a:latin typeface="Cambria" panose="02040503050406030204" pitchFamily="18" charset="0"/>
+                  <a:ea typeface="Cambria" panose="02040503050406030204" pitchFamily="18" charset="0"/>
+                  <a:cs typeface="Times New Roman" panose="02020603050405020304" pitchFamily="18" charset="0"/>
+                </a:endParaRPr>
+              </a:p>
+              <a:p>
+                <a:pPr lvl="0" algn="just">
+                  <a:spcBef>
+                    <a:spcPts val="180"/>
+                  </a:spcBef>
+                  <a:spcAft>
+                    <a:spcPts val="180"/>
+                  </a:spcAft>
+                </a:pPr>
+                <a:r>
+                  <a:rPr lang="es-ES" dirty="0">
+                    <a:latin typeface="Cambria" panose="02040503050406030204" pitchFamily="18" charset="0"/>
+                    <a:ea typeface="Cambria" panose="02040503050406030204" pitchFamily="18" charset="0"/>
+                    <a:cs typeface="Times New Roman" panose="02020603050405020304" pitchFamily="18" charset="0"/>
+                  </a:rPr>
+                  <a:t>Resultados:</a:t>
+                </a:r>
+              </a:p>
+              <a:p>
+                <a:pPr marL="285750" lvl="0" indent="-285750" algn="just">
+                  <a:spcBef>
+                    <a:spcPts val="180"/>
+                  </a:spcBef>
+                  <a:spcAft>
+                    <a:spcPts val="180"/>
+                  </a:spcAft>
+                  <a:buFont typeface="Arial" panose="020B0604020202020204" pitchFamily="34" charset="0"/>
+                  <a:buChar char="•"/>
+                </a:pPr>
+                <a:r>
+                  <a:rPr lang="es-ES" dirty="0">
+                    <a:latin typeface="Cambria" panose="02040503050406030204" pitchFamily="18" charset="0"/>
+                    <a:ea typeface="Cambria" panose="02040503050406030204" pitchFamily="18" charset="0"/>
+                    <a:cs typeface="Times New Roman" panose="02020603050405020304" pitchFamily="18" charset="0"/>
+                  </a:rPr>
+                  <a:t>P-</a:t>
+                </a:r>
+                <a:r>
+                  <a:rPr lang="es-ES" dirty="0" err="1">
+                    <a:latin typeface="Cambria" panose="02040503050406030204" pitchFamily="18" charset="0"/>
+                    <a:ea typeface="Cambria" panose="02040503050406030204" pitchFamily="18" charset="0"/>
+                    <a:cs typeface="Times New Roman" panose="02020603050405020304" pitchFamily="18" charset="0"/>
+                  </a:rPr>
+                  <a:t>value</a:t>
+                </a:r>
+                <a:r>
+                  <a:rPr lang="es-ES" dirty="0">
+                    <a:latin typeface="Cambria" panose="02040503050406030204" pitchFamily="18" charset="0"/>
+                    <a:ea typeface="Cambria" panose="02040503050406030204" pitchFamily="18" charset="0"/>
+                    <a:cs typeface="Times New Roman" panose="02020603050405020304" pitchFamily="18" charset="0"/>
+                  </a:rPr>
+                  <a:t>: 0.9899</a:t>
+                </a:r>
+              </a:p>
+              <a:p>
+                <a:pPr marL="285750" lvl="0" indent="-285750" algn="just">
+                  <a:spcBef>
+                    <a:spcPts val="180"/>
+                  </a:spcBef>
+                  <a:spcAft>
+                    <a:spcPts val="180"/>
+                  </a:spcAft>
+                  <a:buFont typeface="Arial" panose="020B0604020202020204" pitchFamily="34" charset="0"/>
+                  <a:buChar char="•"/>
+                </a:pPr>
+                <a14:m>
+                  <m:oMath xmlns:m="http://schemas.openxmlformats.org/officeDocument/2006/math">
+                    <m:sSub>
+                      <m:sSubPr>
+                        <m:ctrlPr>
+                          <a:rPr lang="es-ES" b="0" i="1" smtClean="0">
+                            <a:latin typeface="Cambria Math" panose="02040503050406030204" pitchFamily="18" charset="0"/>
+                            <a:ea typeface="Cambria Math" panose="02040503050406030204" pitchFamily="18" charset="0"/>
+                            <a:cs typeface="Times New Roman" panose="02020603050405020304" pitchFamily="18" charset="0"/>
+                          </a:rPr>
+                        </m:ctrlPr>
+                      </m:sSubPr>
+                      <m:e>
+                        <m:r>
+                          <a:rPr lang="es-ES" i="1" smtClean="0">
+                            <a:latin typeface="Cambria Math" panose="02040503050406030204" pitchFamily="18" charset="0"/>
+                            <a:ea typeface="Cambria Math" panose="02040503050406030204" pitchFamily="18" charset="0"/>
+                            <a:cs typeface="Times New Roman" panose="02020603050405020304" pitchFamily="18" charset="0"/>
+                          </a:rPr>
+                          <m:t>𝜇</m:t>
+                        </m:r>
+                      </m:e>
+                      <m:sub>
+                        <m:r>
+                          <a:rPr lang="es-ES" b="0" i="1" smtClean="0">
+                            <a:latin typeface="Cambria Math" panose="02040503050406030204" pitchFamily="18" charset="0"/>
+                            <a:ea typeface="Cambria Math" panose="02040503050406030204" pitchFamily="18" charset="0"/>
+                            <a:cs typeface="Times New Roman" panose="02020603050405020304" pitchFamily="18" charset="0"/>
+                          </a:rPr>
+                          <m:t>1</m:t>
+                        </m:r>
+                      </m:sub>
+                    </m:sSub>
+                    <m:r>
+                      <a:rPr lang="es-ES" b="0" i="1" smtClean="0">
+                        <a:latin typeface="Cambria Math" panose="02040503050406030204" pitchFamily="18" charset="0"/>
+                        <a:ea typeface="Cambria Math" panose="02040503050406030204" pitchFamily="18" charset="0"/>
+                        <a:cs typeface="Times New Roman" panose="02020603050405020304" pitchFamily="18" charset="0"/>
+                      </a:rPr>
+                      <m:t>=</m:t>
+                    </m:r>
+                    <m:r>
+                      <a:rPr lang="es-ES" b="0" i="1" smtClean="0">
+                        <a:latin typeface="Cambria Math" panose="02040503050406030204" pitchFamily="18" charset="0"/>
+                        <a:ea typeface="Cambria Math" panose="02040503050406030204" pitchFamily="18" charset="0"/>
+                        <a:cs typeface="Times New Roman" panose="02020603050405020304" pitchFamily="18" charset="0"/>
+                      </a:rPr>
+                      <m:t>58.6</m:t>
+                    </m:r>
+                  </m:oMath>
+                </a14:m>
+                <a:endParaRPr lang="es-ES" b="0" i="1" dirty="0">
+                  <a:latin typeface="Cambria Math" panose="02040503050406030204" pitchFamily="18" charset="0"/>
+                  <a:ea typeface="Cambria Math" panose="02040503050406030204" pitchFamily="18" charset="0"/>
+                  <a:cs typeface="Times New Roman" panose="02020603050405020304" pitchFamily="18" charset="0"/>
+                </a:endParaRPr>
+              </a:p>
+              <a:p>
+                <a:pPr marL="285750" lvl="0" indent="-285750" algn="just">
+                  <a:spcBef>
+                    <a:spcPts val="180"/>
+                  </a:spcBef>
+                  <a:spcAft>
+                    <a:spcPts val="180"/>
+                  </a:spcAft>
+                  <a:buFont typeface="Arial" panose="020B0604020202020204" pitchFamily="34" charset="0"/>
+                  <a:buChar char="•"/>
+                </a:pPr>
+                <a14:m>
+                  <m:oMath xmlns:m="http://schemas.openxmlformats.org/officeDocument/2006/math">
+                    <m:sSub>
+                      <m:sSubPr>
+                        <m:ctrlPr>
+                          <a:rPr lang="es-ES" b="0" i="1" smtClean="0">
+                            <a:latin typeface="Cambria Math" panose="02040503050406030204" pitchFamily="18" charset="0"/>
+                            <a:ea typeface="Cambria Math" panose="02040503050406030204" pitchFamily="18" charset="0"/>
+                            <a:cs typeface="Times New Roman" panose="02020603050405020304" pitchFamily="18" charset="0"/>
+                          </a:rPr>
+                        </m:ctrlPr>
+                      </m:sSubPr>
+                      <m:e>
+                        <m:r>
+                          <a:rPr lang="es-ES" i="1" smtClean="0">
+                            <a:latin typeface="Cambria Math" panose="02040503050406030204" pitchFamily="18" charset="0"/>
+                            <a:ea typeface="Cambria Math" panose="02040503050406030204" pitchFamily="18" charset="0"/>
+                            <a:cs typeface="Times New Roman" panose="02020603050405020304" pitchFamily="18" charset="0"/>
+                          </a:rPr>
+                          <m:t>𝜇</m:t>
+                        </m:r>
+                      </m:e>
+                      <m:sub>
+                        <m:r>
+                          <a:rPr lang="es-ES" b="0" i="1" smtClean="0">
+                            <a:latin typeface="Cambria Math" panose="02040503050406030204" pitchFamily="18" charset="0"/>
+                            <a:ea typeface="Cambria Math" panose="02040503050406030204" pitchFamily="18" charset="0"/>
+                            <a:cs typeface="Times New Roman" panose="02020603050405020304" pitchFamily="18" charset="0"/>
+                          </a:rPr>
+                          <m:t>2</m:t>
+                        </m:r>
+                      </m:sub>
+                    </m:sSub>
+                    <m:r>
+                      <a:rPr lang="es-ES" b="0" i="1" smtClean="0">
+                        <a:latin typeface="Cambria Math" panose="02040503050406030204" pitchFamily="18" charset="0"/>
+                        <a:ea typeface="Cambria Math" panose="02040503050406030204" pitchFamily="18" charset="0"/>
+                        <a:cs typeface="Times New Roman" panose="02020603050405020304" pitchFamily="18" charset="0"/>
+                      </a:rPr>
+                      <m:t>=</m:t>
+                    </m:r>
+                    <m:r>
+                      <a:rPr lang="es-ES" b="0" i="1" smtClean="0">
+                        <a:latin typeface="Cambria Math" panose="02040503050406030204" pitchFamily="18" charset="0"/>
+                        <a:ea typeface="Cambria Math" panose="02040503050406030204" pitchFamily="18" charset="0"/>
+                        <a:cs typeface="Times New Roman" panose="02020603050405020304" pitchFamily="18" charset="0"/>
+                      </a:rPr>
+                      <m:t>55.8</m:t>
+                    </m:r>
+                  </m:oMath>
+                </a14:m>
+                <a:endParaRPr lang="es-ES" b="0" dirty="0">
+                  <a:latin typeface="Cambria" panose="02040503050406030204" pitchFamily="18" charset="0"/>
+                  <a:ea typeface="Cambria Math" panose="02040503050406030204" pitchFamily="18" charset="0"/>
+                  <a:cs typeface="Times New Roman" panose="02020603050405020304" pitchFamily="18" charset="0"/>
+                </a:endParaRPr>
+              </a:p>
+              <a:p>
+                <a:pPr marL="285750" lvl="0" indent="-285750" algn="just">
+                  <a:spcBef>
+                    <a:spcPts val="180"/>
+                  </a:spcBef>
+                  <a:spcAft>
+                    <a:spcPts val="180"/>
+                  </a:spcAft>
+                  <a:buFont typeface="Arial" panose="020B0604020202020204" pitchFamily="34" charset="0"/>
+                  <a:buChar char="•"/>
+                </a:pPr>
+                <a:r>
+                  <a:rPr lang="es-ES" dirty="0">
+                    <a:latin typeface="Cambria" panose="02040503050406030204" pitchFamily="18" charset="0"/>
+                    <a:ea typeface="Cambria" panose="02040503050406030204" pitchFamily="18" charset="0"/>
+                    <a:cs typeface="Times New Roman" panose="02020603050405020304" pitchFamily="18" charset="0"/>
+                  </a:rPr>
+                  <a:t>Se acepta la hipótesis nula</a:t>
+                </a:r>
+              </a:p>
+              <a:p>
+                <a:pPr algn="just">
+                  <a:spcBef>
+                    <a:spcPts val="180"/>
+                  </a:spcBef>
+                  <a:spcAft>
+                    <a:spcPts val="180"/>
+                  </a:spcAft>
+                </a:pPr>
+                <a:endParaRPr lang="es-ES" dirty="0">
+                  <a:latin typeface="Cambria" panose="02040503050406030204" pitchFamily="18" charset="0"/>
+                  <a:ea typeface="Cambria" panose="02040503050406030204" pitchFamily="18" charset="0"/>
+                  <a:cs typeface="Times New Roman" panose="02020603050405020304" pitchFamily="18" charset="0"/>
+                </a:endParaRPr>
+              </a:p>
+            </p:txBody>
+          </p:sp>
+        </mc:Choice>
+        <mc:Fallback>
+          <p:sp>
+            <p:nvSpPr>
+              <p:cNvPr id="3" name="CuadroTexto 2">
+                <a:extLst>
+                  <a:ext uri="{FF2B5EF4-FFF2-40B4-BE49-F238E27FC236}">
+                    <a16:creationId xmlns:a16="http://schemas.microsoft.com/office/drawing/2014/main" id="{A3C612D3-A8A6-541E-3883-132942816F71}"/>
+                  </a:ext>
+                </a:extLst>
+              </p:cNvPr>
+              <p:cNvSpPr txBox="1">
+                <a:spLocks noRot="1" noChangeAspect="1" noMove="1" noResize="1" noEditPoints="1" noAdjustHandles="1" noChangeArrowheads="1" noChangeShapeType="1" noTextEdit="1"/>
+              </p:cNvSpPr>
+              <p:nvPr/>
+            </p:nvSpPr>
+            <p:spPr>
+              <a:xfrm>
+                <a:off x="642257" y="1426029"/>
+                <a:ext cx="10101943" cy="5334794"/>
+              </a:xfrm>
+              <a:prstGeom prst="rect">
+                <a:avLst/>
+              </a:prstGeom>
+              <a:blipFill>
+                <a:blip r:embed="rId3"/>
+                <a:stretch>
+                  <a:fillRect l="-878" t="-950" r="-502"/>
+                </a:stretch>
+              </a:blipFill>
+            </p:spPr>
+            <p:txBody>
+              <a:bodyPr/>
+              <a:lstStyle/>
+              <a:p>
+                <a:r>
+                  <a:rPr lang="es-ES">
+                    <a:noFill/>
+                  </a:rPr>
+                  <a:t> </a:t>
+                </a:r>
+              </a:p>
+            </p:txBody>
+          </p:sp>
+        </mc:Fallback>
+      </mc:AlternateContent>
+    </p:spTree>
+    <p:extLst>
+      <p:ext uri="{BB962C8B-B14F-4D97-AF65-F5344CB8AC3E}">
+        <p14:creationId xmlns:p14="http://schemas.microsoft.com/office/powerpoint/2010/main" val="3482883933"/>
+      </p:ext>
+    </p:extLst>
+  </p:cSld>
+  <p:clrMapOvr>
+    <a:masterClrMapping/>
+  </p:clrMapOvr>
+</p:sld>
+</file>
+
+<file path=ppt/slides/slide16.xml><?xml version="1.0" encoding="utf-8"?>
 <p:sld xmlns:a="http://schemas.openxmlformats.org/drawingml/2006/main" xmlns:r="http://schemas.openxmlformats.org/officeDocument/2006/relationships" xmlns:p="http://schemas.openxmlformats.org/presentationml/2006/main">
   <p:cSld>
     <p:spTree>
@@ -12519,14 +16618,14 @@
           <p:nvPr>
             <p:extLst>
               <p:ext uri="{D42A27DB-BD31-4B8C-83A1-F6EECF244321}">
-                <p14:modId xmlns:p14="http://schemas.microsoft.com/office/powerpoint/2010/main" val="810190187"/>
+                <p14:modId xmlns:p14="http://schemas.microsoft.com/office/powerpoint/2010/main" val="2021365799"/>
               </p:ext>
             </p:extLst>
           </p:nvPr>
         </p:nvGraphicFramePr>
         <p:xfrm>
-          <a:off x="2032000" y="719666"/>
-          <a:ext cx="8128000" cy="5418667"/>
+          <a:off x="686254" y="1263158"/>
+          <a:ext cx="10372685" cy="4743810"/>
         </p:xfrm>
         <a:graphic>
           <a:graphicData uri="http://schemas.openxmlformats.org/drawingml/2006/diagram">
@@ -12547,7 +16646,7 @@
 </p:sld>
 </file>
 
-<file path=ppt/slides/slide14.xml><?xml version="1.0" encoding="utf-8"?>
+<file path=ppt/slides/slide17.xml><?xml version="1.0" encoding="utf-8"?>
 <p:sld xmlns:a="http://schemas.openxmlformats.org/drawingml/2006/main" xmlns:r="http://schemas.openxmlformats.org/officeDocument/2006/relationships" xmlns:p="http://schemas.openxmlformats.org/presentationml/2006/main">
   <p:cSld>
     <p:spTree>

--- a/Memoria_pres.pptx
+++ b/Memoria_pres.pptx
@@ -21,7 +21,8 @@
     <p:sldId id="289" r:id="rId15"/>
     <p:sldId id="290" r:id="rId16"/>
     <p:sldId id="287" r:id="rId17"/>
-    <p:sldId id="273" r:id="rId18"/>
+    <p:sldId id="291" r:id="rId18"/>
+    <p:sldId id="273" r:id="rId19"/>
   </p:sldIdLst>
   <p:sldSz cx="12192000" cy="6858000"/>
   <p:notesSz cx="6858000" cy="9144000"/>
@@ -141,6 +142,7 @@
             <p14:sldId id="289"/>
             <p14:sldId id="290"/>
             <p14:sldId id="287"/>
+            <p14:sldId id="291"/>
             <p14:sldId id="273"/>
           </p14:sldIdLst>
         </p14:section>
@@ -13910,8 +13912,8 @@
           </a:prstGeom>
         </p:spPr>
       </p:pic>
-      <mc:AlternateContent xmlns:mc="http://schemas.openxmlformats.org/markup-compatibility/2006">
-        <mc:Choice xmlns:a14="http://schemas.microsoft.com/office/drawing/2010/main" Requires="a14">
+      <mc:AlternateContent xmlns:mc="http://schemas.openxmlformats.org/markup-compatibility/2006" xmlns:a14="http://schemas.microsoft.com/office/drawing/2010/main">
+        <mc:Choice Requires="a14">
           <p:sp>
             <p:nvSpPr>
               <p:cNvPr id="3" name="CuadroTexto 2">
@@ -14305,15 +14307,7 @@
                         <a:ea typeface="Cambria Math" panose="02040503050406030204" pitchFamily="18" charset="0"/>
                         <a:cs typeface="Times New Roman" panose="02020603050405020304" pitchFamily="18" charset="0"/>
                       </a:rPr>
-                      <m:t>=</m:t>
-                    </m:r>
-                    <m:r>
-                      <a:rPr lang="es-ES" b="0" i="1" smtClean="0">
-                        <a:latin typeface="Cambria Math" panose="02040503050406030204" pitchFamily="18" charset="0"/>
-                        <a:ea typeface="Cambria Math" panose="02040503050406030204" pitchFamily="18" charset="0"/>
-                        <a:cs typeface="Times New Roman" panose="02020603050405020304" pitchFamily="18" charset="0"/>
-                      </a:rPr>
-                      <m:t>64.9</m:t>
+                      <m:t>=64.9</m:t>
                     </m:r>
                   </m:oMath>
                 </a14:m>
@@ -14378,7 +14372,7 @@
             </p:txBody>
           </p:sp>
         </mc:Choice>
-        <mc:Fallback>
+        <mc:Fallback xmlns="">
           <p:sp>
             <p:nvSpPr>
               <p:cNvPr id="3" name="CuadroTexto 2">
@@ -14578,8 +14572,8 @@
           </a:prstGeom>
         </p:spPr>
       </p:pic>
-      <mc:AlternateContent xmlns:mc="http://schemas.openxmlformats.org/markup-compatibility/2006">
-        <mc:Choice xmlns:a14="http://schemas.microsoft.com/office/drawing/2010/main" Requires="a14">
+      <mc:AlternateContent xmlns:mc="http://schemas.openxmlformats.org/markup-compatibility/2006" xmlns:a14="http://schemas.microsoft.com/office/drawing/2010/main">
+        <mc:Choice Requires="a14">
           <p:sp>
             <p:nvSpPr>
               <p:cNvPr id="3" name="CuadroTexto 2">
@@ -14913,31 +14907,7 @@
                         <a:ea typeface="Cambria Math" panose="02040503050406030204" pitchFamily="18" charset="0"/>
                         <a:cs typeface="Times New Roman" panose="02020603050405020304" pitchFamily="18" charset="0"/>
                       </a:rPr>
-                      <m:t>=5</m:t>
-                    </m:r>
-                    <m:r>
-                      <a:rPr lang="es-ES" b="0" i="1" smtClean="0">
-                        <a:latin typeface="Cambria Math" panose="02040503050406030204" pitchFamily="18" charset="0"/>
-                        <a:ea typeface="Cambria Math" panose="02040503050406030204" pitchFamily="18" charset="0"/>
-                        <a:cs typeface="Times New Roman" panose="02020603050405020304" pitchFamily="18" charset="0"/>
-                      </a:rPr>
-                      <m:t>7</m:t>
-                    </m:r>
-                    <m:r>
-                      <a:rPr lang="es-ES" b="0" i="1" smtClean="0">
-                        <a:latin typeface="Cambria Math" panose="02040503050406030204" pitchFamily="18" charset="0"/>
-                        <a:ea typeface="Cambria Math" panose="02040503050406030204" pitchFamily="18" charset="0"/>
-                        <a:cs typeface="Times New Roman" panose="02020603050405020304" pitchFamily="18" charset="0"/>
-                      </a:rPr>
-                      <m:t>.</m:t>
-                    </m:r>
-                    <m:r>
-                      <a:rPr lang="es-ES" b="0" i="1" smtClean="0">
-                        <a:latin typeface="Cambria Math" panose="02040503050406030204" pitchFamily="18" charset="0"/>
-                        <a:ea typeface="Cambria Math" panose="02040503050406030204" pitchFamily="18" charset="0"/>
-                        <a:cs typeface="Times New Roman" panose="02020603050405020304" pitchFamily="18" charset="0"/>
-                      </a:rPr>
-                      <m:t>7</m:t>
+                      <m:t>=57.7</m:t>
                     </m:r>
                   </m:oMath>
                 </a14:m>
@@ -14997,15 +14967,7 @@
                         <a:ea typeface="Cambria Math" panose="02040503050406030204" pitchFamily="18" charset="0"/>
                         <a:cs typeface="Times New Roman" panose="02020603050405020304" pitchFamily="18" charset="0"/>
                       </a:rPr>
-                      <m:t>=6</m:t>
-                    </m:r>
-                    <m:r>
-                      <a:rPr lang="es-ES" b="0" i="1" smtClean="0">
-                        <a:latin typeface="Cambria Math" panose="02040503050406030204" pitchFamily="18" charset="0"/>
-                        <a:ea typeface="Cambria Math" panose="02040503050406030204" pitchFamily="18" charset="0"/>
-                        <a:cs typeface="Times New Roman" panose="02020603050405020304" pitchFamily="18" charset="0"/>
-                      </a:rPr>
-                      <m:t>7.3</m:t>
+                      <m:t>=67.3</m:t>
                     </m:r>
                   </m:oMath>
                 </a14:m>
@@ -15070,7 +15032,7 @@
             </p:txBody>
           </p:sp>
         </mc:Choice>
-        <mc:Fallback>
+        <mc:Fallback xmlns="">
           <p:sp>
             <p:nvSpPr>
               <p:cNvPr id="3" name="CuadroTexto 2">
@@ -15270,8 +15232,8 @@
           </a:prstGeom>
         </p:spPr>
       </p:pic>
-      <mc:AlternateContent xmlns:mc="http://schemas.openxmlformats.org/markup-compatibility/2006">
-        <mc:Choice xmlns:a14="http://schemas.microsoft.com/office/drawing/2010/main" Requires="a14">
+      <mc:AlternateContent xmlns:mc="http://schemas.openxmlformats.org/markup-compatibility/2006" xmlns:a14="http://schemas.microsoft.com/office/drawing/2010/main">
+        <mc:Choice Requires="a14">
           <p:sp>
             <p:nvSpPr>
               <p:cNvPr id="3" name="CuadroTexto 2">
@@ -15605,15 +15567,7 @@
                         <a:ea typeface="Cambria Math" panose="02040503050406030204" pitchFamily="18" charset="0"/>
                         <a:cs typeface="Times New Roman" panose="02020603050405020304" pitchFamily="18" charset="0"/>
                       </a:rPr>
-                      <m:t>=55.</m:t>
-                    </m:r>
-                    <m:r>
-                      <a:rPr lang="es-ES" b="0" i="1" smtClean="0">
-                        <a:latin typeface="Cambria Math" panose="02040503050406030204" pitchFamily="18" charset="0"/>
-                        <a:ea typeface="Cambria Math" panose="02040503050406030204" pitchFamily="18" charset="0"/>
-                        <a:cs typeface="Times New Roman" panose="02020603050405020304" pitchFamily="18" charset="0"/>
-                      </a:rPr>
-                      <m:t>9</m:t>
+                      <m:t>=55.9</m:t>
                     </m:r>
                   </m:oMath>
                 </a14:m>
@@ -15673,15 +15627,7 @@
                         <a:ea typeface="Cambria Math" panose="02040503050406030204" pitchFamily="18" charset="0"/>
                         <a:cs typeface="Times New Roman" panose="02020603050405020304" pitchFamily="18" charset="0"/>
                       </a:rPr>
-                      <m:t>=</m:t>
-                    </m:r>
-                    <m:r>
-                      <a:rPr lang="es-ES" b="0" i="1" smtClean="0">
-                        <a:latin typeface="Cambria Math" panose="02040503050406030204" pitchFamily="18" charset="0"/>
-                        <a:ea typeface="Cambria Math" panose="02040503050406030204" pitchFamily="18" charset="0"/>
-                        <a:cs typeface="Times New Roman" panose="02020603050405020304" pitchFamily="18" charset="0"/>
-                      </a:rPr>
-                      <m:t>58.6</m:t>
+                      <m:t>=58.6</m:t>
                     </m:r>
                   </m:oMath>
                 </a14:m>
@@ -15746,7 +15692,7 @@
             </p:txBody>
           </p:sp>
         </mc:Choice>
-        <mc:Fallback>
+        <mc:Fallback xmlns="">
           <p:sp>
             <p:nvSpPr>
               <p:cNvPr id="3" name="CuadroTexto 2">
@@ -15946,8 +15892,8 @@
           </a:prstGeom>
         </p:spPr>
       </p:pic>
-      <mc:AlternateContent xmlns:mc="http://schemas.openxmlformats.org/markup-compatibility/2006">
-        <mc:Choice xmlns:a14="http://schemas.microsoft.com/office/drawing/2010/main" Requires="a14">
+      <mc:AlternateContent xmlns:mc="http://schemas.openxmlformats.org/markup-compatibility/2006" xmlns:a14="http://schemas.microsoft.com/office/drawing/2010/main">
+        <mc:Choice Requires="a14">
           <p:sp>
             <p:nvSpPr>
               <p:cNvPr id="3" name="CuadroTexto 2">
@@ -16281,15 +16227,7 @@
                         <a:ea typeface="Cambria Math" panose="02040503050406030204" pitchFamily="18" charset="0"/>
                         <a:cs typeface="Times New Roman" panose="02020603050405020304" pitchFamily="18" charset="0"/>
                       </a:rPr>
-                      <m:t>=</m:t>
-                    </m:r>
-                    <m:r>
-                      <a:rPr lang="es-ES" b="0" i="1" smtClean="0">
-                        <a:latin typeface="Cambria Math" panose="02040503050406030204" pitchFamily="18" charset="0"/>
-                        <a:ea typeface="Cambria Math" panose="02040503050406030204" pitchFamily="18" charset="0"/>
-                        <a:cs typeface="Times New Roman" panose="02020603050405020304" pitchFamily="18" charset="0"/>
-                      </a:rPr>
-                      <m:t>58.6</m:t>
+                      <m:t>=58.6</m:t>
                     </m:r>
                   </m:oMath>
                 </a14:m>
@@ -16349,15 +16287,7 @@
                         <a:ea typeface="Cambria Math" panose="02040503050406030204" pitchFamily="18" charset="0"/>
                         <a:cs typeface="Times New Roman" panose="02020603050405020304" pitchFamily="18" charset="0"/>
                       </a:rPr>
-                      <m:t>=</m:t>
-                    </m:r>
-                    <m:r>
-                      <a:rPr lang="es-ES" b="0" i="1" smtClean="0">
-                        <a:latin typeface="Cambria Math" panose="02040503050406030204" pitchFamily="18" charset="0"/>
-                        <a:ea typeface="Cambria Math" panose="02040503050406030204" pitchFamily="18" charset="0"/>
-                        <a:cs typeface="Times New Roman" panose="02020603050405020304" pitchFamily="18" charset="0"/>
-                      </a:rPr>
-                      <m:t>55.8</m:t>
+                      <m:t>=55.8</m:t>
                     </m:r>
                   </m:oMath>
                 </a14:m>
@@ -16405,7 +16335,7 @@
             </p:txBody>
           </p:sp>
         </mc:Choice>
-        <mc:Fallback>
+        <mc:Fallback xmlns="">
           <p:sp>
             <p:nvSpPr>
               <p:cNvPr id="3" name="CuadroTexto 2">
@@ -16647,6 +16577,422 @@
 </file>
 
 <file path=ppt/slides/slide17.xml><?xml version="1.0" encoding="utf-8"?>
+<p:sld xmlns:a="http://schemas.openxmlformats.org/drawingml/2006/main" xmlns:r="http://schemas.openxmlformats.org/officeDocument/2006/relationships" xmlns:p="http://schemas.openxmlformats.org/presentationml/2006/main">
+  <p:cSld>
+    <p:spTree>
+      <p:nvGrpSpPr>
+        <p:cNvPr id="1" name=""/>
+        <p:cNvGrpSpPr/>
+        <p:nvPr/>
+      </p:nvGrpSpPr>
+      <p:grpSpPr>
+        <a:xfrm>
+          <a:off x="0" y="0"/>
+          <a:ext cx="0" cy="0"/>
+          <a:chOff x="0" y="0"/>
+          <a:chExt cx="0" cy="0"/>
+        </a:xfrm>
+      </p:grpSpPr>
+      <p:sp>
+        <p:nvSpPr>
+          <p:cNvPr id="4" name="TextBox 3">
+            <a:extLst>
+              <a:ext uri="{FF2B5EF4-FFF2-40B4-BE49-F238E27FC236}">
+                <a16:creationId xmlns:a16="http://schemas.microsoft.com/office/drawing/2014/main" id="{1AB9453E-4605-B8C4-0C71-3B23CE9F2773}"/>
+              </a:ext>
+            </a:extLst>
+          </p:cNvPr>
+          <p:cNvSpPr txBox="1"/>
+          <p:nvPr/>
+        </p:nvSpPr>
+        <p:spPr>
+          <a:xfrm>
+            <a:off x="440456" y="143702"/>
+            <a:ext cx="9559887" cy="523220"/>
+          </a:xfrm>
+          <a:prstGeom prst="rect">
+            <a:avLst/>
+          </a:prstGeom>
+          <a:noFill/>
+        </p:spPr>
+        <p:txBody>
+          <a:bodyPr wrap="square" rtlCol="0">
+            <a:spAutoFit/>
+          </a:bodyPr>
+          <a:lstStyle/>
+          <a:p>
+            <a:r>
+              <a:rPr lang="es-ES" sz="2800" b="1" dirty="0">
+                <a:solidFill>
+                  <a:srgbClr val="002060"/>
+                </a:solidFill>
+              </a:rPr>
+              <a:t>5. CONCLUSIONES</a:t>
+            </a:r>
+          </a:p>
+        </p:txBody>
+      </p:sp>
+      <p:sp>
+        <p:nvSpPr>
+          <p:cNvPr id="6" name="TextBox 5">
+            <a:extLst>
+              <a:ext uri="{FF2B5EF4-FFF2-40B4-BE49-F238E27FC236}">
+                <a16:creationId xmlns:a16="http://schemas.microsoft.com/office/drawing/2014/main" id="{1FA76770-F660-DB19-61AA-87990F00E84D}"/>
+              </a:ext>
+            </a:extLst>
+          </p:cNvPr>
+          <p:cNvSpPr txBox="1"/>
+          <p:nvPr/>
+        </p:nvSpPr>
+        <p:spPr>
+          <a:xfrm>
+            <a:off x="440456" y="666922"/>
+            <a:ext cx="10864282" cy="4549964"/>
+          </a:xfrm>
+          <a:prstGeom prst="rect">
+            <a:avLst/>
+          </a:prstGeom>
+          <a:noFill/>
+        </p:spPr>
+        <p:txBody>
+          <a:bodyPr wrap="square">
+            <a:spAutoFit/>
+          </a:bodyPr>
+          <a:lstStyle/>
+          <a:p>
+            <a:pPr marL="285750" indent="-285750" algn="just">
+              <a:lnSpc>
+                <a:spcPct val="150000"/>
+              </a:lnSpc>
+              <a:buFont typeface="Arial" panose="020B0604020202020204" pitchFamily="34" charset="0"/>
+              <a:buChar char="•"/>
+            </a:pPr>
+            <a:r>
+              <a:rPr lang="es-ES" sz="1600" dirty="0">
+                <a:sym typeface="Wingdings" panose="05000000000000000000" pitchFamily="2" charset="2"/>
+              </a:rPr>
+              <a:t>Se ha realizado una limpieza de lo datos creando nuevas variables con más valor para el objetivo del trabajo.</a:t>
+            </a:r>
+          </a:p>
+          <a:p>
+            <a:pPr marL="285750" indent="-285750" algn="just">
+              <a:lnSpc>
+                <a:spcPct val="150000"/>
+              </a:lnSpc>
+              <a:buFont typeface="Arial" panose="020B0604020202020204" pitchFamily="34" charset="0"/>
+              <a:buChar char="•"/>
+            </a:pPr>
+            <a:r>
+              <a:rPr lang="es-ES" sz="1600" dirty="0">
+                <a:sym typeface="Wingdings" panose="05000000000000000000" pitchFamily="2" charset="2"/>
+              </a:rPr>
+              <a:t>Se han eliminado o imputado valores a los valores nulos o 0 del </a:t>
+            </a:r>
+            <a:r>
+              <a:rPr lang="es-ES" sz="1600" dirty="0" err="1">
+                <a:sym typeface="Wingdings" panose="05000000000000000000" pitchFamily="2" charset="2"/>
+              </a:rPr>
+              <a:t>dataset</a:t>
+            </a:r>
+            <a:r>
+              <a:rPr lang="es-ES" sz="1600" dirty="0">
+                <a:sym typeface="Wingdings" panose="05000000000000000000" pitchFamily="2" charset="2"/>
+              </a:rPr>
+              <a:t> original.</a:t>
+            </a:r>
+          </a:p>
+          <a:p>
+            <a:pPr marL="285750" indent="-285750" algn="just">
+              <a:lnSpc>
+                <a:spcPct val="150000"/>
+              </a:lnSpc>
+              <a:buFont typeface="Arial" panose="020B0604020202020204" pitchFamily="34" charset="0"/>
+              <a:buChar char="•"/>
+            </a:pPr>
+            <a:r>
+              <a:rPr lang="es-ES" sz="1600" dirty="0">
+                <a:sym typeface="Wingdings" panose="05000000000000000000" pitchFamily="2" charset="2"/>
+              </a:rPr>
+              <a:t>Se han estudiado los </a:t>
+            </a:r>
+            <a:r>
+              <a:rPr lang="es-ES" sz="1600" dirty="0" err="1">
+                <a:sym typeface="Wingdings" panose="05000000000000000000" pitchFamily="2" charset="2"/>
+              </a:rPr>
+              <a:t>outliers</a:t>
+            </a:r>
+            <a:r>
+              <a:rPr lang="es-ES" sz="1600" dirty="0">
+                <a:sym typeface="Wingdings" panose="05000000000000000000" pitchFamily="2" charset="2"/>
+              </a:rPr>
+              <a:t>.</a:t>
+            </a:r>
+          </a:p>
+          <a:p>
+            <a:pPr marL="285750" indent="-285750" algn="just">
+              <a:lnSpc>
+                <a:spcPct val="150000"/>
+              </a:lnSpc>
+              <a:buFont typeface="Arial" panose="020B0604020202020204" pitchFamily="34" charset="0"/>
+              <a:buChar char="•"/>
+            </a:pPr>
+            <a:r>
+              <a:rPr lang="es-ES" sz="1600" dirty="0">
+                <a:sym typeface="Wingdings" panose="05000000000000000000" pitchFamily="2" charset="2"/>
+              </a:rPr>
+              <a:t>Se ha llevado a cabo un estudio de la correlación de las variables:</a:t>
+            </a:r>
+          </a:p>
+          <a:p>
+            <a:pPr marL="742950" lvl="1" indent="-285750" algn="just">
+              <a:lnSpc>
+                <a:spcPct val="150000"/>
+              </a:lnSpc>
+              <a:buFont typeface="Arial" panose="020B0604020202020204" pitchFamily="34" charset="0"/>
+              <a:buChar char="•"/>
+            </a:pPr>
+            <a:r>
+              <a:rPr lang="es-ES" sz="1600" dirty="0">
+                <a:sym typeface="Wingdings" panose="05000000000000000000" pitchFamily="2" charset="2"/>
+              </a:rPr>
+              <a:t>Algunas variables están correlacionadas entre si</a:t>
+            </a:r>
+          </a:p>
+          <a:p>
+            <a:pPr marL="742950" lvl="1" indent="-285750" algn="just">
+              <a:lnSpc>
+                <a:spcPct val="150000"/>
+              </a:lnSpc>
+              <a:buFont typeface="Arial" panose="020B0604020202020204" pitchFamily="34" charset="0"/>
+              <a:buChar char="•"/>
+            </a:pPr>
+            <a:r>
+              <a:rPr lang="es-ES" sz="1600" dirty="0">
+                <a:sym typeface="Wingdings" panose="05000000000000000000" pitchFamily="2" charset="2"/>
+              </a:rPr>
+              <a:t>Ninguna variable presenta una clara correlación con la variable objetivo</a:t>
+            </a:r>
+          </a:p>
+          <a:p>
+            <a:pPr marL="285750" indent="-285750" algn="just">
+              <a:lnSpc>
+                <a:spcPct val="150000"/>
+              </a:lnSpc>
+              <a:buFont typeface="Arial" panose="020B0604020202020204" pitchFamily="34" charset="0"/>
+              <a:buChar char="•"/>
+            </a:pPr>
+            <a:r>
+              <a:rPr lang="es-ES" sz="1600" dirty="0">
+                <a:sym typeface="Wingdings" panose="05000000000000000000" pitchFamily="2" charset="2"/>
+              </a:rPr>
+              <a:t>Se ha estudiado la normalidad y la </a:t>
+            </a:r>
+            <a:r>
+              <a:rPr lang="es-ES" sz="1600" dirty="0" err="1">
+                <a:sym typeface="Wingdings" panose="05000000000000000000" pitchFamily="2" charset="2"/>
+              </a:rPr>
+              <a:t>homocedesticidad</a:t>
+            </a:r>
+            <a:r>
+              <a:rPr lang="es-ES" sz="1600" dirty="0">
+                <a:sym typeface="Wingdings" panose="05000000000000000000" pitchFamily="2" charset="2"/>
+              </a:rPr>
+              <a:t> de los datos obteniendo que estos se pueden considerar normales por el TLC y que algunos presentan una varianza constante</a:t>
+            </a:r>
+          </a:p>
+          <a:p>
+            <a:pPr marL="285750" indent="-285750" algn="just">
+              <a:lnSpc>
+                <a:spcPct val="150000"/>
+              </a:lnSpc>
+              <a:buFont typeface="Arial" panose="020B0604020202020204" pitchFamily="34" charset="0"/>
+              <a:buChar char="•"/>
+            </a:pPr>
+            <a:r>
+              <a:rPr lang="es-ES" sz="1600" dirty="0">
+                <a:sym typeface="Wingdings" panose="05000000000000000000" pitchFamily="2" charset="2"/>
+              </a:rPr>
+              <a:t>Se ha aplicado un contraste de hipótesis, donde ha aparecido la relevancia de variables como la presencia de aire acondicionado o que dispongan de cancelación gratuita.</a:t>
+            </a:r>
+          </a:p>
+          <a:p>
+            <a:pPr marL="342900" lvl="0" indent="-342900" algn="just">
+              <a:spcBef>
+                <a:spcPts val="180"/>
+              </a:spcBef>
+              <a:spcAft>
+                <a:spcPts val="180"/>
+              </a:spcAft>
+              <a:buFont typeface="Arial" panose="020B0604020202020204" pitchFamily="34" charset="0"/>
+              <a:buChar char="•"/>
+            </a:pPr>
+            <a:r>
+              <a:rPr lang="es-ES" sz="1600" dirty="0">
+                <a:sym typeface="Wingdings" panose="05000000000000000000" pitchFamily="2" charset="2"/>
+              </a:rPr>
+              <a:t>Se ha observado que una regresión lineal múltiple no proporcionará unos buenos resultados para el objetivo del problema, pero nos ha permitido determinar las variables más relevantes que han sido: </a:t>
+            </a:r>
+            <a:r>
+              <a:rPr lang="es-ES" sz="1600" dirty="0" err="1">
+                <a:sym typeface="Wingdings" panose="05000000000000000000" pitchFamily="2" charset="2"/>
+              </a:rPr>
+              <a:t>staff_score</a:t>
+            </a:r>
+            <a:r>
+              <a:rPr lang="es-ES" sz="1600" dirty="0">
+                <a:sym typeface="Wingdings" panose="05000000000000000000" pitchFamily="2" charset="2"/>
+              </a:rPr>
+              <a:t>, </a:t>
+            </a:r>
+            <a:r>
+              <a:rPr lang="es-ES" sz="1600" dirty="0" err="1">
+                <a:sym typeface="Wingdings" panose="05000000000000000000" pitchFamily="2" charset="2"/>
+              </a:rPr>
+              <a:t>value_for_money_score</a:t>
+            </a:r>
+            <a:r>
+              <a:rPr lang="es-ES" sz="1600" dirty="0">
+                <a:sym typeface="Wingdings" panose="05000000000000000000" pitchFamily="2" charset="2"/>
+              </a:rPr>
+              <a:t>, </a:t>
+            </a:r>
+            <a:r>
+              <a:rPr lang="es-ES" sz="1600" dirty="0" err="1">
+                <a:sym typeface="Wingdings" panose="05000000000000000000" pitchFamily="2" charset="2"/>
+              </a:rPr>
+              <a:t>free_wifi_score</a:t>
+            </a:r>
+            <a:r>
+              <a:rPr lang="es-ES" sz="1600" dirty="0">
+                <a:sym typeface="Wingdings" panose="05000000000000000000" pitchFamily="2" charset="2"/>
+              </a:rPr>
+              <a:t>, </a:t>
+            </a:r>
+            <a:r>
+              <a:rPr lang="es-ES" sz="1600" dirty="0" err="1">
+                <a:sym typeface="Wingdings" panose="05000000000000000000" pitchFamily="2" charset="2"/>
+              </a:rPr>
+              <a:t>balcony</a:t>
+            </a:r>
+            <a:r>
+              <a:rPr lang="es-ES" sz="1600" dirty="0">
+                <a:sym typeface="Wingdings" panose="05000000000000000000" pitchFamily="2" charset="2"/>
+              </a:rPr>
+              <a:t>, </a:t>
+            </a:r>
+            <a:r>
+              <a:rPr lang="es-ES" sz="1600" dirty="0" err="1">
+                <a:sym typeface="Wingdings" panose="05000000000000000000" pitchFamily="2" charset="2"/>
+              </a:rPr>
+              <a:t>pet_friendly</a:t>
+            </a:r>
+            <a:r>
+              <a:rPr lang="es-ES" sz="1600" dirty="0">
+                <a:sym typeface="Wingdings" panose="05000000000000000000" pitchFamily="2" charset="2"/>
+              </a:rPr>
+              <a:t>, </a:t>
+            </a:r>
+            <a:r>
+              <a:rPr lang="es-ES" sz="1600" dirty="0" err="1">
+                <a:sym typeface="Wingdings" panose="05000000000000000000" pitchFamily="2" charset="2"/>
+              </a:rPr>
+              <a:t>air_conditioning</a:t>
+            </a:r>
+            <a:r>
+              <a:rPr lang="es-ES" sz="1600" dirty="0">
+                <a:sym typeface="Wingdings" panose="05000000000000000000" pitchFamily="2" charset="2"/>
+              </a:rPr>
+              <a:t>, </a:t>
+            </a:r>
+            <a:r>
+              <a:rPr lang="es-ES" sz="1600" dirty="0" err="1">
+                <a:sym typeface="Wingdings" panose="05000000000000000000" pitchFamily="2" charset="2"/>
+              </a:rPr>
+              <a:t>swimming_pool</a:t>
+            </a:r>
+            <a:r>
+              <a:rPr lang="es-ES" sz="1600" dirty="0">
+                <a:sym typeface="Wingdings" panose="05000000000000000000" pitchFamily="2" charset="2"/>
+              </a:rPr>
+              <a:t>, </a:t>
+            </a:r>
+            <a:r>
+              <a:rPr lang="es-ES" sz="1600" dirty="0" err="1">
+                <a:sym typeface="Wingdings" panose="05000000000000000000" pitchFamily="2" charset="2"/>
+              </a:rPr>
+              <a:t>mean_flights</a:t>
+            </a:r>
+            <a:r>
+              <a:rPr lang="es-ES" sz="1600" dirty="0">
+                <a:sym typeface="Wingdings" panose="05000000000000000000" pitchFamily="2" charset="2"/>
+              </a:rPr>
+              <a:t> y </a:t>
+            </a:r>
+            <a:r>
+              <a:rPr lang="es-ES" sz="1600" dirty="0" err="1">
+                <a:sym typeface="Wingdings" panose="05000000000000000000" pitchFamily="2" charset="2"/>
+              </a:rPr>
+              <a:t>length_description</a:t>
+            </a:r>
+            <a:r>
+              <a:rPr lang="es-ES" sz="1600" dirty="0">
+                <a:sym typeface="Wingdings" panose="05000000000000000000" pitchFamily="2" charset="2"/>
+              </a:rPr>
+              <a:t>.</a:t>
+            </a:r>
+          </a:p>
+        </p:txBody>
+      </p:sp>
+      <p:pic>
+        <p:nvPicPr>
+          <p:cNvPr id="5" name="Picture 4" descr="Graphical user interface, text, application, chat or text message&#10;&#10;Description automatically generated">
+            <a:extLst>
+              <a:ext uri="{FF2B5EF4-FFF2-40B4-BE49-F238E27FC236}">
+                <a16:creationId xmlns:a16="http://schemas.microsoft.com/office/drawing/2014/main" id="{6DDDD5D9-A9FE-2A79-7C5E-B7D1A464A414}"/>
+              </a:ext>
+            </a:extLst>
+          </p:cNvPr>
+          <p:cNvPicPr>
+            <a:picLocks noChangeAspect="1"/>
+          </p:cNvPicPr>
+          <p:nvPr/>
+        </p:nvPicPr>
+        <p:blipFill>
+          <a:blip r:embed="rId2">
+            <a:extLst>
+              <a:ext uri="{28A0092B-C50C-407E-A947-70E740481C1C}">
+                <a14:useLocalDpi xmlns:a14="http://schemas.microsoft.com/office/drawing/2010/main" val="0"/>
+              </a:ext>
+            </a:extLst>
+          </a:blip>
+          <a:stretch>
+            <a:fillRect/>
+          </a:stretch>
+        </p:blipFill>
+        <p:spPr>
+          <a:xfrm>
+            <a:off x="10526413" y="5892800"/>
+            <a:ext cx="1536622" cy="965200"/>
+          </a:xfrm>
+          <a:prstGeom prst="rect">
+            <a:avLst/>
+          </a:prstGeom>
+        </p:spPr>
+      </p:pic>
+    </p:spTree>
+    <p:extLst>
+      <p:ext uri="{BB962C8B-B14F-4D97-AF65-F5344CB8AC3E}">
+        <p14:creationId xmlns:p14="http://schemas.microsoft.com/office/powerpoint/2010/main" val="2947797641"/>
+      </p:ext>
+    </p:extLst>
+  </p:cSld>
+  <p:clrMapOvr>
+    <a:masterClrMapping/>
+  </p:clrMapOvr>
+</p:sld>
+</file>
+
+<file path=ppt/slides/slide18.xml><?xml version="1.0" encoding="utf-8"?>
 <p:sld xmlns:a="http://schemas.openxmlformats.org/drawingml/2006/main" xmlns:r="http://schemas.openxmlformats.org/officeDocument/2006/relationships" xmlns:p="http://schemas.openxmlformats.org/presentationml/2006/main">
   <p:cSld>
     <p:spTree>

--- a/Memoria_pres.pptx
+++ b/Memoria_pres.pptx
@@ -21,8 +21,9 @@
     <p:sldId id="289" r:id="rId15"/>
     <p:sldId id="290" r:id="rId16"/>
     <p:sldId id="287" r:id="rId17"/>
-    <p:sldId id="291" r:id="rId18"/>
-    <p:sldId id="273" r:id="rId19"/>
+    <p:sldId id="293" r:id="rId18"/>
+    <p:sldId id="291" r:id="rId19"/>
+    <p:sldId id="273" r:id="rId20"/>
   </p:sldIdLst>
   <p:sldSz cx="12192000" cy="6858000"/>
   <p:notesSz cx="6858000" cy="9144000"/>
@@ -142,6 +143,7 @@
             <p14:sldId id="289"/>
             <p14:sldId id="290"/>
             <p14:sldId id="287"/>
+            <p14:sldId id="293"/>
             <p14:sldId id="291"/>
             <p14:sldId id="273"/>
           </p14:sldIdLst>
@@ -2057,22 +2059,769 @@
 </dgm:colorsDef>
 </file>
 
+<file path=ppt/diagrams/colors3.xml><?xml version="1.0" encoding="utf-8"?>
+<dgm:colorsDef xmlns:dgm="http://schemas.openxmlformats.org/drawingml/2006/diagram" xmlns:a="http://schemas.openxmlformats.org/drawingml/2006/main" uniqueId="urn:microsoft.com/office/officeart/2005/8/colors/accent1_2">
+  <dgm:title val=""/>
+  <dgm:desc val=""/>
+  <dgm:catLst>
+    <dgm:cat type="accent1" pri="11200"/>
+  </dgm:catLst>
+  <dgm:styleLbl name="node0">
+    <dgm:fillClrLst meth="repeat">
+      <a:schemeClr val="accent1"/>
+    </dgm:fillClrLst>
+    <dgm:linClrLst meth="repeat">
+      <a:schemeClr val="lt1"/>
+    </dgm:linClrLst>
+    <dgm:effectClrLst/>
+    <dgm:txLinClrLst/>
+    <dgm:txFillClrLst/>
+    <dgm:txEffectClrLst/>
+  </dgm:styleLbl>
+  <dgm:styleLbl name="alignNode1">
+    <dgm:fillClrLst meth="repeat">
+      <a:schemeClr val="accent1"/>
+    </dgm:fillClrLst>
+    <dgm:linClrLst meth="repeat">
+      <a:schemeClr val="accent1"/>
+    </dgm:linClrLst>
+    <dgm:effectClrLst/>
+    <dgm:txLinClrLst/>
+    <dgm:txFillClrLst/>
+    <dgm:txEffectClrLst/>
+  </dgm:styleLbl>
+  <dgm:styleLbl name="node1">
+    <dgm:fillClrLst meth="repeat">
+      <a:schemeClr val="accent1"/>
+    </dgm:fillClrLst>
+    <dgm:linClrLst meth="repeat">
+      <a:schemeClr val="lt1"/>
+    </dgm:linClrLst>
+    <dgm:effectClrLst/>
+    <dgm:txLinClrLst/>
+    <dgm:txFillClrLst/>
+    <dgm:txEffectClrLst/>
+  </dgm:styleLbl>
+  <dgm:styleLbl name="lnNode1">
+    <dgm:fillClrLst meth="repeat">
+      <a:schemeClr val="accent1"/>
+    </dgm:fillClrLst>
+    <dgm:linClrLst meth="repeat">
+      <a:schemeClr val="lt1"/>
+    </dgm:linClrLst>
+    <dgm:effectClrLst/>
+    <dgm:txLinClrLst/>
+    <dgm:txFillClrLst/>
+    <dgm:txEffectClrLst/>
+  </dgm:styleLbl>
+  <dgm:styleLbl name="vennNode1">
+    <dgm:fillClrLst meth="repeat">
+      <a:schemeClr val="accent1">
+        <a:alpha val="50000"/>
+      </a:schemeClr>
+    </dgm:fillClrLst>
+    <dgm:linClrLst meth="repeat">
+      <a:schemeClr val="lt1"/>
+    </dgm:linClrLst>
+    <dgm:effectClrLst/>
+    <dgm:txLinClrLst/>
+    <dgm:txFillClrLst/>
+    <dgm:txEffectClrLst/>
+  </dgm:styleLbl>
+  <dgm:styleLbl name="node2">
+    <dgm:fillClrLst meth="repeat">
+      <a:schemeClr val="accent1"/>
+    </dgm:fillClrLst>
+    <dgm:linClrLst meth="repeat">
+      <a:schemeClr val="lt1"/>
+    </dgm:linClrLst>
+    <dgm:effectClrLst/>
+    <dgm:txLinClrLst/>
+    <dgm:txFillClrLst/>
+    <dgm:txEffectClrLst/>
+  </dgm:styleLbl>
+  <dgm:styleLbl name="node3">
+    <dgm:fillClrLst meth="repeat">
+      <a:schemeClr val="accent1"/>
+    </dgm:fillClrLst>
+    <dgm:linClrLst meth="repeat">
+      <a:schemeClr val="lt1"/>
+    </dgm:linClrLst>
+    <dgm:effectClrLst/>
+    <dgm:txLinClrLst/>
+    <dgm:txFillClrLst/>
+    <dgm:txEffectClrLst/>
+  </dgm:styleLbl>
+  <dgm:styleLbl name="node4">
+    <dgm:fillClrLst meth="repeat">
+      <a:schemeClr val="accent1"/>
+    </dgm:fillClrLst>
+    <dgm:linClrLst meth="repeat">
+      <a:schemeClr val="lt1"/>
+    </dgm:linClrLst>
+    <dgm:effectClrLst/>
+    <dgm:txLinClrLst/>
+    <dgm:txFillClrLst/>
+    <dgm:txEffectClrLst/>
+  </dgm:styleLbl>
+  <dgm:styleLbl name="fgImgPlace1">
+    <dgm:fillClrLst meth="repeat">
+      <a:schemeClr val="accent1">
+        <a:tint val="50000"/>
+      </a:schemeClr>
+    </dgm:fillClrLst>
+    <dgm:linClrLst meth="repeat">
+      <a:schemeClr val="lt1"/>
+    </dgm:linClrLst>
+    <dgm:effectClrLst/>
+    <dgm:txLinClrLst/>
+    <dgm:txFillClrLst meth="repeat">
+      <a:schemeClr val="lt1"/>
+    </dgm:txFillClrLst>
+    <dgm:txEffectClrLst/>
+  </dgm:styleLbl>
+  <dgm:styleLbl name="alignImgPlace1">
+    <dgm:fillClrLst meth="repeat">
+      <a:schemeClr val="accent1">
+        <a:tint val="50000"/>
+      </a:schemeClr>
+    </dgm:fillClrLst>
+    <dgm:linClrLst meth="repeat">
+      <a:schemeClr val="lt1"/>
+    </dgm:linClrLst>
+    <dgm:effectClrLst/>
+    <dgm:txLinClrLst/>
+    <dgm:txFillClrLst meth="repeat">
+      <a:schemeClr val="lt1"/>
+    </dgm:txFillClrLst>
+    <dgm:txEffectClrLst/>
+  </dgm:styleLbl>
+  <dgm:styleLbl name="bgImgPlace1">
+    <dgm:fillClrLst meth="repeat">
+      <a:schemeClr val="accent1">
+        <a:tint val="50000"/>
+      </a:schemeClr>
+    </dgm:fillClrLst>
+    <dgm:linClrLst meth="repeat">
+      <a:schemeClr val="lt1"/>
+    </dgm:linClrLst>
+    <dgm:effectClrLst/>
+    <dgm:txLinClrLst/>
+    <dgm:txFillClrLst meth="repeat">
+      <a:schemeClr val="lt1"/>
+    </dgm:txFillClrLst>
+    <dgm:txEffectClrLst/>
+  </dgm:styleLbl>
+  <dgm:styleLbl name="sibTrans2D1">
+    <dgm:fillClrLst meth="repeat">
+      <a:schemeClr val="accent1">
+        <a:tint val="60000"/>
+      </a:schemeClr>
+    </dgm:fillClrLst>
+    <dgm:linClrLst meth="repeat">
+      <a:schemeClr val="accent1">
+        <a:tint val="60000"/>
+      </a:schemeClr>
+    </dgm:linClrLst>
+    <dgm:effectClrLst/>
+    <dgm:txLinClrLst/>
+    <dgm:txFillClrLst/>
+    <dgm:txEffectClrLst/>
+  </dgm:styleLbl>
+  <dgm:styleLbl name="fgSibTrans2D1">
+    <dgm:fillClrLst meth="repeat">
+      <a:schemeClr val="accent1">
+        <a:tint val="60000"/>
+      </a:schemeClr>
+    </dgm:fillClrLst>
+    <dgm:linClrLst meth="repeat">
+      <a:schemeClr val="accent1">
+        <a:tint val="60000"/>
+      </a:schemeClr>
+    </dgm:linClrLst>
+    <dgm:effectClrLst/>
+    <dgm:txLinClrLst/>
+    <dgm:txFillClrLst/>
+    <dgm:txEffectClrLst/>
+  </dgm:styleLbl>
+  <dgm:styleLbl name="bgSibTrans2D1">
+    <dgm:fillClrLst meth="repeat">
+      <a:schemeClr val="accent1">
+        <a:tint val="60000"/>
+      </a:schemeClr>
+    </dgm:fillClrLst>
+    <dgm:linClrLst meth="repeat">
+      <a:schemeClr val="accent1">
+        <a:tint val="60000"/>
+      </a:schemeClr>
+    </dgm:linClrLst>
+    <dgm:effectClrLst/>
+    <dgm:txLinClrLst/>
+    <dgm:txFillClrLst/>
+    <dgm:txEffectClrLst/>
+  </dgm:styleLbl>
+  <dgm:styleLbl name="sibTrans1D1">
+    <dgm:fillClrLst meth="repeat">
+      <a:schemeClr val="accent1"/>
+    </dgm:fillClrLst>
+    <dgm:linClrLst meth="repeat">
+      <a:schemeClr val="accent1"/>
+    </dgm:linClrLst>
+    <dgm:effectClrLst/>
+    <dgm:txLinClrLst/>
+    <dgm:txFillClrLst meth="repeat">
+      <a:schemeClr val="tx1"/>
+    </dgm:txFillClrLst>
+    <dgm:txEffectClrLst/>
+  </dgm:styleLbl>
+  <dgm:styleLbl name="callout">
+    <dgm:fillClrLst meth="repeat">
+      <a:schemeClr val="accent1"/>
+    </dgm:fillClrLst>
+    <dgm:linClrLst meth="repeat">
+      <a:schemeClr val="accent1">
+        <a:tint val="50000"/>
+      </a:schemeClr>
+    </dgm:linClrLst>
+    <dgm:effectClrLst/>
+    <dgm:txLinClrLst/>
+    <dgm:txFillClrLst meth="repeat">
+      <a:schemeClr val="tx1"/>
+    </dgm:txFillClrLst>
+    <dgm:txEffectClrLst/>
+  </dgm:styleLbl>
+  <dgm:styleLbl name="asst0">
+    <dgm:fillClrLst meth="repeat">
+      <a:schemeClr val="accent1"/>
+    </dgm:fillClrLst>
+    <dgm:linClrLst meth="repeat">
+      <a:schemeClr val="lt1"/>
+    </dgm:linClrLst>
+    <dgm:effectClrLst/>
+    <dgm:txLinClrLst/>
+    <dgm:txFillClrLst/>
+    <dgm:txEffectClrLst/>
+  </dgm:styleLbl>
+  <dgm:styleLbl name="asst1">
+    <dgm:fillClrLst meth="repeat">
+      <a:schemeClr val="accent1"/>
+    </dgm:fillClrLst>
+    <dgm:linClrLst meth="repeat">
+      <a:schemeClr val="lt1"/>
+    </dgm:linClrLst>
+    <dgm:effectClrLst/>
+    <dgm:txLinClrLst/>
+    <dgm:txFillClrLst/>
+    <dgm:txEffectClrLst/>
+  </dgm:styleLbl>
+  <dgm:styleLbl name="asst2">
+    <dgm:fillClrLst meth="repeat">
+      <a:schemeClr val="accent1"/>
+    </dgm:fillClrLst>
+    <dgm:linClrLst meth="repeat">
+      <a:schemeClr val="lt1"/>
+    </dgm:linClrLst>
+    <dgm:effectClrLst/>
+    <dgm:txLinClrLst/>
+    <dgm:txFillClrLst/>
+    <dgm:txEffectClrLst/>
+  </dgm:styleLbl>
+  <dgm:styleLbl name="asst3">
+    <dgm:fillClrLst meth="repeat">
+      <a:schemeClr val="accent1"/>
+    </dgm:fillClrLst>
+    <dgm:linClrLst meth="repeat">
+      <a:schemeClr val="lt1"/>
+    </dgm:linClrLst>
+    <dgm:effectClrLst/>
+    <dgm:txLinClrLst/>
+    <dgm:txFillClrLst/>
+    <dgm:txEffectClrLst/>
+  </dgm:styleLbl>
+  <dgm:styleLbl name="asst4">
+    <dgm:fillClrLst meth="repeat">
+      <a:schemeClr val="accent1"/>
+    </dgm:fillClrLst>
+    <dgm:linClrLst meth="repeat">
+      <a:schemeClr val="lt1"/>
+    </dgm:linClrLst>
+    <dgm:effectClrLst/>
+    <dgm:txLinClrLst/>
+    <dgm:txFillClrLst/>
+    <dgm:txEffectClrLst/>
+  </dgm:styleLbl>
+  <dgm:styleLbl name="parChTrans2D1">
+    <dgm:fillClrLst meth="repeat">
+      <a:schemeClr val="accent1">
+        <a:tint val="60000"/>
+      </a:schemeClr>
+    </dgm:fillClrLst>
+    <dgm:linClrLst meth="repeat">
+      <a:schemeClr val="accent1">
+        <a:tint val="60000"/>
+      </a:schemeClr>
+    </dgm:linClrLst>
+    <dgm:effectClrLst/>
+    <dgm:txLinClrLst/>
+    <dgm:txFillClrLst meth="repeat">
+      <a:schemeClr val="lt1"/>
+    </dgm:txFillClrLst>
+    <dgm:txEffectClrLst/>
+  </dgm:styleLbl>
+  <dgm:styleLbl name="parChTrans2D2">
+    <dgm:fillClrLst meth="repeat">
+      <a:schemeClr val="accent1"/>
+    </dgm:fillClrLst>
+    <dgm:linClrLst meth="repeat">
+      <a:schemeClr val="accent1"/>
+    </dgm:linClrLst>
+    <dgm:effectClrLst/>
+    <dgm:txLinClrLst/>
+    <dgm:txFillClrLst meth="repeat">
+      <a:schemeClr val="lt1"/>
+    </dgm:txFillClrLst>
+    <dgm:txEffectClrLst/>
+  </dgm:styleLbl>
+  <dgm:styleLbl name="parChTrans2D3">
+    <dgm:fillClrLst meth="repeat">
+      <a:schemeClr val="accent1"/>
+    </dgm:fillClrLst>
+    <dgm:linClrLst meth="repeat">
+      <a:schemeClr val="accent1"/>
+    </dgm:linClrLst>
+    <dgm:effectClrLst/>
+    <dgm:txLinClrLst/>
+    <dgm:txFillClrLst meth="repeat">
+      <a:schemeClr val="lt1"/>
+    </dgm:txFillClrLst>
+    <dgm:txEffectClrLst/>
+  </dgm:styleLbl>
+  <dgm:styleLbl name="parChTrans2D4">
+    <dgm:fillClrLst meth="repeat">
+      <a:schemeClr val="accent1"/>
+    </dgm:fillClrLst>
+    <dgm:linClrLst meth="repeat">
+      <a:schemeClr val="accent1"/>
+    </dgm:linClrLst>
+    <dgm:effectClrLst/>
+    <dgm:txLinClrLst/>
+    <dgm:txFillClrLst meth="repeat">
+      <a:schemeClr val="lt1"/>
+    </dgm:txFillClrLst>
+    <dgm:txEffectClrLst/>
+  </dgm:styleLbl>
+  <dgm:styleLbl name="parChTrans1D1">
+    <dgm:fillClrLst meth="repeat">
+      <a:schemeClr val="accent1"/>
+    </dgm:fillClrLst>
+    <dgm:linClrLst meth="repeat">
+      <a:schemeClr val="accent1">
+        <a:shade val="60000"/>
+      </a:schemeClr>
+    </dgm:linClrLst>
+    <dgm:effectClrLst/>
+    <dgm:txLinClrLst/>
+    <dgm:txFillClrLst meth="repeat">
+      <a:schemeClr val="tx1"/>
+    </dgm:txFillClrLst>
+    <dgm:txEffectClrLst/>
+  </dgm:styleLbl>
+  <dgm:styleLbl name="parChTrans1D2">
+    <dgm:fillClrLst meth="repeat">
+      <a:schemeClr val="accent1"/>
+    </dgm:fillClrLst>
+    <dgm:linClrLst meth="repeat">
+      <a:schemeClr val="accent1">
+        <a:shade val="60000"/>
+      </a:schemeClr>
+    </dgm:linClrLst>
+    <dgm:effectClrLst/>
+    <dgm:txLinClrLst/>
+    <dgm:txFillClrLst meth="repeat">
+      <a:schemeClr val="tx1"/>
+    </dgm:txFillClrLst>
+    <dgm:txEffectClrLst/>
+  </dgm:styleLbl>
+  <dgm:styleLbl name="parChTrans1D3">
+    <dgm:fillClrLst meth="repeat">
+      <a:schemeClr val="accent1"/>
+    </dgm:fillClrLst>
+    <dgm:linClrLst meth="repeat">
+      <a:schemeClr val="accent1">
+        <a:shade val="80000"/>
+      </a:schemeClr>
+    </dgm:linClrLst>
+    <dgm:effectClrLst/>
+    <dgm:txLinClrLst/>
+    <dgm:txFillClrLst meth="repeat">
+      <a:schemeClr val="tx1"/>
+    </dgm:txFillClrLst>
+    <dgm:txEffectClrLst/>
+  </dgm:styleLbl>
+  <dgm:styleLbl name="parChTrans1D4">
+    <dgm:fillClrLst meth="repeat">
+      <a:schemeClr val="accent1"/>
+    </dgm:fillClrLst>
+    <dgm:linClrLst meth="repeat">
+      <a:schemeClr val="accent1">
+        <a:shade val="80000"/>
+      </a:schemeClr>
+    </dgm:linClrLst>
+    <dgm:effectClrLst/>
+    <dgm:txLinClrLst/>
+    <dgm:txFillClrLst meth="repeat">
+      <a:schemeClr val="tx1"/>
+    </dgm:txFillClrLst>
+    <dgm:txEffectClrLst/>
+  </dgm:styleLbl>
+  <dgm:styleLbl name="fgAcc1">
+    <dgm:fillClrLst meth="repeat">
+      <a:schemeClr val="lt1">
+        <a:alpha val="90000"/>
+      </a:schemeClr>
+    </dgm:fillClrLst>
+    <dgm:linClrLst meth="repeat">
+      <a:schemeClr val="accent1"/>
+    </dgm:linClrLst>
+    <dgm:effectClrLst/>
+    <dgm:txLinClrLst/>
+    <dgm:txFillClrLst meth="repeat">
+      <a:schemeClr val="dk1"/>
+    </dgm:txFillClrLst>
+    <dgm:txEffectClrLst/>
+  </dgm:styleLbl>
+  <dgm:styleLbl name="conFgAcc1">
+    <dgm:fillClrLst meth="repeat">
+      <a:schemeClr val="lt1">
+        <a:alpha val="90000"/>
+      </a:schemeClr>
+    </dgm:fillClrLst>
+    <dgm:linClrLst meth="repeat">
+      <a:schemeClr val="accent1"/>
+    </dgm:linClrLst>
+    <dgm:effectClrLst/>
+    <dgm:txLinClrLst/>
+    <dgm:txFillClrLst meth="repeat">
+      <a:schemeClr val="dk1"/>
+    </dgm:txFillClrLst>
+    <dgm:txEffectClrLst/>
+  </dgm:styleLbl>
+  <dgm:styleLbl name="alignAcc1">
+    <dgm:fillClrLst meth="repeat">
+      <a:schemeClr val="lt1">
+        <a:alpha val="90000"/>
+      </a:schemeClr>
+    </dgm:fillClrLst>
+    <dgm:linClrLst meth="repeat">
+      <a:schemeClr val="accent1"/>
+    </dgm:linClrLst>
+    <dgm:effectClrLst/>
+    <dgm:txLinClrLst/>
+    <dgm:txFillClrLst meth="repeat">
+      <a:schemeClr val="dk1"/>
+    </dgm:txFillClrLst>
+    <dgm:txEffectClrLst/>
+  </dgm:styleLbl>
+  <dgm:styleLbl name="trAlignAcc1">
+    <dgm:fillClrLst meth="repeat">
+      <a:schemeClr val="lt1">
+        <a:alpha val="40000"/>
+      </a:schemeClr>
+    </dgm:fillClrLst>
+    <dgm:linClrLst meth="repeat">
+      <a:schemeClr val="accent1"/>
+    </dgm:linClrLst>
+    <dgm:effectClrLst/>
+    <dgm:txLinClrLst/>
+    <dgm:txFillClrLst meth="repeat">
+      <a:schemeClr val="dk1"/>
+    </dgm:txFillClrLst>
+    <dgm:txEffectClrLst/>
+  </dgm:styleLbl>
+  <dgm:styleLbl name="bgAcc1">
+    <dgm:fillClrLst meth="repeat">
+      <a:schemeClr val="lt1">
+        <a:alpha val="90000"/>
+      </a:schemeClr>
+    </dgm:fillClrLst>
+    <dgm:linClrLst meth="repeat">
+      <a:schemeClr val="accent1"/>
+    </dgm:linClrLst>
+    <dgm:effectClrLst/>
+    <dgm:txLinClrLst/>
+    <dgm:txFillClrLst meth="repeat">
+      <a:schemeClr val="dk1"/>
+    </dgm:txFillClrLst>
+    <dgm:txEffectClrLst/>
+  </dgm:styleLbl>
+  <dgm:styleLbl name="solidFgAcc1">
+    <dgm:fillClrLst meth="repeat">
+      <a:schemeClr val="lt1"/>
+    </dgm:fillClrLst>
+    <dgm:linClrLst meth="repeat">
+      <a:schemeClr val="accent1"/>
+    </dgm:linClrLst>
+    <dgm:effectClrLst/>
+    <dgm:txLinClrLst/>
+    <dgm:txFillClrLst meth="repeat">
+      <a:schemeClr val="dk1"/>
+    </dgm:txFillClrLst>
+    <dgm:txEffectClrLst/>
+  </dgm:styleLbl>
+  <dgm:styleLbl name="solidAlignAcc1">
+    <dgm:fillClrLst meth="repeat">
+      <a:schemeClr val="lt1"/>
+    </dgm:fillClrLst>
+    <dgm:linClrLst meth="repeat">
+      <a:schemeClr val="accent1"/>
+    </dgm:linClrLst>
+    <dgm:effectClrLst/>
+    <dgm:txLinClrLst/>
+    <dgm:txFillClrLst meth="repeat">
+      <a:schemeClr val="dk1"/>
+    </dgm:txFillClrLst>
+    <dgm:txEffectClrLst/>
+  </dgm:styleLbl>
+  <dgm:styleLbl name="solidBgAcc1">
+    <dgm:fillClrLst meth="repeat">
+      <a:schemeClr val="lt1"/>
+    </dgm:fillClrLst>
+    <dgm:linClrLst meth="repeat">
+      <a:schemeClr val="accent1"/>
+    </dgm:linClrLst>
+    <dgm:effectClrLst/>
+    <dgm:txLinClrLst/>
+    <dgm:txFillClrLst meth="repeat">
+      <a:schemeClr val="dk1"/>
+    </dgm:txFillClrLst>
+    <dgm:txEffectClrLst/>
+  </dgm:styleLbl>
+  <dgm:styleLbl name="fgAccFollowNode1">
+    <dgm:fillClrLst meth="repeat">
+      <a:schemeClr val="accent1">
+        <a:alpha val="90000"/>
+        <a:tint val="40000"/>
+      </a:schemeClr>
+    </dgm:fillClrLst>
+    <dgm:linClrLst meth="repeat">
+      <a:schemeClr val="accent1">
+        <a:alpha val="90000"/>
+        <a:tint val="40000"/>
+      </a:schemeClr>
+    </dgm:linClrLst>
+    <dgm:effectClrLst/>
+    <dgm:txLinClrLst/>
+    <dgm:txFillClrLst meth="repeat">
+      <a:schemeClr val="dk1"/>
+    </dgm:txFillClrLst>
+    <dgm:txEffectClrLst/>
+  </dgm:styleLbl>
+  <dgm:styleLbl name="alignAccFollowNode1">
+    <dgm:fillClrLst meth="repeat">
+      <a:schemeClr val="accent1">
+        <a:alpha val="90000"/>
+        <a:tint val="40000"/>
+      </a:schemeClr>
+    </dgm:fillClrLst>
+    <dgm:linClrLst meth="repeat">
+      <a:schemeClr val="accent1">
+        <a:alpha val="90000"/>
+        <a:tint val="40000"/>
+      </a:schemeClr>
+    </dgm:linClrLst>
+    <dgm:effectClrLst/>
+    <dgm:txLinClrLst/>
+    <dgm:txFillClrLst meth="repeat">
+      <a:schemeClr val="dk1"/>
+    </dgm:txFillClrLst>
+    <dgm:txEffectClrLst/>
+  </dgm:styleLbl>
+  <dgm:styleLbl name="bgAccFollowNode1">
+    <dgm:fillClrLst meth="repeat">
+      <a:schemeClr val="accent1">
+        <a:alpha val="90000"/>
+        <a:tint val="40000"/>
+      </a:schemeClr>
+    </dgm:fillClrLst>
+    <dgm:linClrLst meth="repeat">
+      <a:schemeClr val="accent1">
+        <a:alpha val="90000"/>
+        <a:tint val="40000"/>
+      </a:schemeClr>
+    </dgm:linClrLst>
+    <dgm:effectClrLst/>
+    <dgm:txLinClrLst/>
+    <dgm:txFillClrLst meth="repeat">
+      <a:schemeClr val="dk1"/>
+    </dgm:txFillClrLst>
+    <dgm:txEffectClrLst/>
+  </dgm:styleLbl>
+  <dgm:styleLbl name="fgAcc0">
+    <dgm:fillClrLst meth="repeat">
+      <a:schemeClr val="lt1">
+        <a:alpha val="90000"/>
+      </a:schemeClr>
+    </dgm:fillClrLst>
+    <dgm:linClrLst meth="repeat">
+      <a:schemeClr val="accent1"/>
+    </dgm:linClrLst>
+    <dgm:effectClrLst/>
+    <dgm:txLinClrLst/>
+    <dgm:txFillClrLst meth="repeat">
+      <a:schemeClr val="dk1"/>
+    </dgm:txFillClrLst>
+    <dgm:txEffectClrLst/>
+  </dgm:styleLbl>
+  <dgm:styleLbl name="fgAcc2">
+    <dgm:fillClrLst meth="repeat">
+      <a:schemeClr val="lt1">
+        <a:alpha val="90000"/>
+      </a:schemeClr>
+    </dgm:fillClrLst>
+    <dgm:linClrLst meth="repeat">
+      <a:schemeClr val="accent1"/>
+    </dgm:linClrLst>
+    <dgm:effectClrLst/>
+    <dgm:txLinClrLst/>
+    <dgm:txFillClrLst meth="repeat">
+      <a:schemeClr val="dk1"/>
+    </dgm:txFillClrLst>
+    <dgm:txEffectClrLst/>
+  </dgm:styleLbl>
+  <dgm:styleLbl name="fgAcc3">
+    <dgm:fillClrLst meth="repeat">
+      <a:schemeClr val="lt1">
+        <a:alpha val="90000"/>
+      </a:schemeClr>
+    </dgm:fillClrLst>
+    <dgm:linClrLst meth="repeat">
+      <a:schemeClr val="accent1"/>
+    </dgm:linClrLst>
+    <dgm:effectClrLst/>
+    <dgm:txLinClrLst/>
+    <dgm:txFillClrLst meth="repeat">
+      <a:schemeClr val="dk1"/>
+    </dgm:txFillClrLst>
+    <dgm:txEffectClrLst/>
+  </dgm:styleLbl>
+  <dgm:styleLbl name="fgAcc4">
+    <dgm:fillClrLst meth="repeat">
+      <a:schemeClr val="lt1">
+        <a:alpha val="90000"/>
+      </a:schemeClr>
+    </dgm:fillClrLst>
+    <dgm:linClrLst meth="repeat">
+      <a:schemeClr val="accent1"/>
+    </dgm:linClrLst>
+    <dgm:effectClrLst/>
+    <dgm:txLinClrLst/>
+    <dgm:txFillClrLst meth="repeat">
+      <a:schemeClr val="dk1"/>
+    </dgm:txFillClrLst>
+    <dgm:txEffectClrLst/>
+  </dgm:styleLbl>
+  <dgm:styleLbl name="bgShp">
+    <dgm:fillClrLst meth="repeat">
+      <a:schemeClr val="accent1">
+        <a:tint val="40000"/>
+      </a:schemeClr>
+    </dgm:fillClrLst>
+    <dgm:linClrLst meth="repeat">
+      <a:schemeClr val="accent1"/>
+    </dgm:linClrLst>
+    <dgm:effectClrLst/>
+    <dgm:txLinClrLst/>
+    <dgm:txFillClrLst meth="repeat">
+      <a:schemeClr val="dk1"/>
+    </dgm:txFillClrLst>
+    <dgm:txEffectClrLst/>
+  </dgm:styleLbl>
+  <dgm:styleLbl name="dkBgShp">
+    <dgm:fillClrLst meth="repeat">
+      <a:schemeClr val="accent1">
+        <a:shade val="80000"/>
+      </a:schemeClr>
+    </dgm:fillClrLst>
+    <dgm:linClrLst meth="repeat">
+      <a:schemeClr val="accent1"/>
+    </dgm:linClrLst>
+    <dgm:effectClrLst/>
+    <dgm:txLinClrLst/>
+    <dgm:txFillClrLst meth="repeat">
+      <a:schemeClr val="lt1"/>
+    </dgm:txFillClrLst>
+    <dgm:txEffectClrLst/>
+  </dgm:styleLbl>
+  <dgm:styleLbl name="trBgShp">
+    <dgm:fillClrLst meth="repeat">
+      <a:schemeClr val="accent1">
+        <a:tint val="50000"/>
+        <a:alpha val="40000"/>
+      </a:schemeClr>
+    </dgm:fillClrLst>
+    <dgm:linClrLst meth="repeat">
+      <a:schemeClr val="accent1"/>
+    </dgm:linClrLst>
+    <dgm:effectClrLst/>
+    <dgm:txLinClrLst/>
+    <dgm:txFillClrLst meth="repeat">
+      <a:schemeClr val="lt1"/>
+    </dgm:txFillClrLst>
+    <dgm:txEffectClrLst/>
+  </dgm:styleLbl>
+  <dgm:styleLbl name="fgShp">
+    <dgm:fillClrLst meth="repeat">
+      <a:schemeClr val="accent1">
+        <a:tint val="60000"/>
+      </a:schemeClr>
+    </dgm:fillClrLst>
+    <dgm:linClrLst meth="repeat">
+      <a:schemeClr val="lt1"/>
+    </dgm:linClrLst>
+    <dgm:effectClrLst/>
+    <dgm:txLinClrLst/>
+    <dgm:txFillClrLst meth="repeat">
+      <a:schemeClr val="dk1"/>
+    </dgm:txFillClrLst>
+    <dgm:txEffectClrLst/>
+  </dgm:styleLbl>
+  <dgm:styleLbl name="revTx">
+    <dgm:fillClrLst meth="repeat">
+      <a:schemeClr val="lt1">
+        <a:alpha val="0"/>
+      </a:schemeClr>
+    </dgm:fillClrLst>
+    <dgm:linClrLst meth="repeat">
+      <a:schemeClr val="dk1">
+        <a:alpha val="0"/>
+      </a:schemeClr>
+    </dgm:linClrLst>
+    <dgm:effectClrLst/>
+    <dgm:txLinClrLst/>
+    <dgm:txFillClrLst meth="repeat">
+      <a:schemeClr val="tx1"/>
+    </dgm:txFillClrLst>
+    <dgm:txEffectClrLst/>
+  </dgm:styleLbl>
+</dgm:colorsDef>
+</file>
+
 <file path=ppt/diagrams/data1.xml><?xml version="1.0" encoding="utf-8"?>
 <dgm:dataModel xmlns:dgm="http://schemas.openxmlformats.org/drawingml/2006/diagram" xmlns:a="http://schemas.openxmlformats.org/drawingml/2006/main">
   <dgm:ptLst>
     <dgm:pt modelId="{DBD4B207-E739-4448-B73A-A1908D0C19C9}" type="doc">
-      <dgm:prSet loTypeId="urn:microsoft.com/office/officeart/2005/8/layout/hChevron3" loCatId="" qsTypeId="urn:microsoft.com/office/officeart/2005/8/quickstyle/simple1" qsCatId="simple" csTypeId="urn:microsoft.com/office/officeart/2005/8/colors/colorful1" csCatId="colorful" phldr="1"/>
+      <dgm:prSet loTypeId="urn:microsoft.com/office/officeart/2005/8/layout/vProcess5" loCatId="" qsTypeId="urn:microsoft.com/office/officeart/2005/8/quickstyle/simple1" qsCatId="simple" csTypeId="urn:microsoft.com/office/officeart/2005/8/colors/colorful1" csCatId="colorful" phldr="1"/>
       <dgm:spPr/>
     </dgm:pt>
     <dgm:pt modelId="{C1C7179B-41DD-6C4A-8732-AF83FF30EE4B}">
-      <dgm:prSet phldrT="[Texto]"/>
+      <dgm:prSet phldrT="[Texto]" custT="1"/>
       <dgm:spPr/>
       <dgm:t>
         <a:bodyPr/>
         <a:lstStyle/>
         <a:p>
           <a:r>
-            <a:rPr lang="es-ES" dirty="0"/>
+            <a:rPr lang="es-ES" sz="2000" dirty="0"/>
             <a:t>Estudio de la correlación</a:t>
           </a:r>
         </a:p>
@@ -2101,14 +2850,14 @@
       </dgm:t>
     </dgm:pt>
     <dgm:pt modelId="{EF1185AE-C50F-F545-A7DF-F773CFDD6ACB}">
-      <dgm:prSet phldrT="[Texto]"/>
+      <dgm:prSet phldrT="[Texto]" custT="1"/>
       <dgm:spPr/>
       <dgm:t>
         <a:bodyPr/>
         <a:lstStyle/>
         <a:p>
           <a:r>
-            <a:rPr lang="es-ES" dirty="0"/>
+            <a:rPr lang="es-ES" sz="2000" dirty="0"/>
             <a:t>Contraste de hipótesis</a:t>
           </a:r>
         </a:p>
@@ -2137,14 +2886,14 @@
       </dgm:t>
     </dgm:pt>
     <dgm:pt modelId="{C17FEE4A-8A09-5645-87B4-1B77E7E9E30B}">
-      <dgm:prSet phldrT="[Texto]"/>
+      <dgm:prSet phldrT="[Texto]" custT="1"/>
       <dgm:spPr/>
       <dgm:t>
         <a:bodyPr/>
         <a:lstStyle/>
         <a:p>
           <a:r>
-            <a:rPr lang="es-ES" dirty="0"/>
+            <a:rPr lang="es-ES" sz="2000" dirty="0"/>
             <a:t>Regresión Lineal</a:t>
           </a:r>
         </a:p>
@@ -2173,21 +2922,16 @@
       </dgm:t>
     </dgm:pt>
     <dgm:pt modelId="{751B48B7-51CF-8F43-81E1-4E829340731D}">
-      <dgm:prSet/>
+      <dgm:prSet custT="1"/>
       <dgm:spPr/>
       <dgm:t>
         <a:bodyPr/>
         <a:lstStyle/>
         <a:p>
           <a:r>
-            <a:rPr lang="es-ES" dirty="0"/>
-            <a:t>Comprobación de la normalidad y la </a:t>
+            <a:rPr lang="es-ES" sz="2000" dirty="0"/>
+            <a:t>Comprobación de la normalidad y la homocedasticidad</a:t>
           </a:r>
-          <a:r>
-            <a:rPr lang="es-ES" dirty="0" err="1"/>
-            <a:t>homocedesticidad</a:t>
-          </a:r>
-          <a:endParaRPr lang="es-ES" dirty="0"/>
         </a:p>
       </dgm:t>
     </dgm:pt>
@@ -2221,8 +2965,8 @@
         <a:lstStyle/>
         <a:p>
           <a:r>
-            <a:rPr lang="es-ES" sz="1400" b="1" dirty="0"/>
-            <a:t>Predicción de la posición en el buscador</a:t>
+            <a:rPr lang="es-ES" sz="2000" b="1" dirty="0"/>
+            <a:t>Predicción de la posición en el buscador y del precio máximo de la habitación</a:t>
           </a:r>
         </a:p>
       </dgm:t>
@@ -2249,93 +2993,171 @@
         </a:p>
       </dgm:t>
     </dgm:pt>
-    <dgm:pt modelId="{58AD645E-69CB-D643-9610-6F9CC55245D2}" type="pres">
-      <dgm:prSet presAssocID="{DBD4B207-E739-4448-B73A-A1908D0C19C9}" presName="Name0" presStyleCnt="0">
+    <dgm:pt modelId="{7C74D5C8-F840-974A-A259-3017936A67E8}" type="pres">
+      <dgm:prSet presAssocID="{DBD4B207-E739-4448-B73A-A1908D0C19C9}" presName="outerComposite" presStyleCnt="0">
         <dgm:presLayoutVars>
+          <dgm:chMax val="5"/>
           <dgm:dir/>
           <dgm:resizeHandles val="exact"/>
         </dgm:presLayoutVars>
       </dgm:prSet>
       <dgm:spPr/>
     </dgm:pt>
-    <dgm:pt modelId="{5C456B8C-48E2-D445-9478-6BCF56204D93}" type="pres">
-      <dgm:prSet presAssocID="{C1C7179B-41DD-6C4A-8732-AF83FF30EE4B}" presName="parTxOnly" presStyleLbl="node1" presStyleIdx="0" presStyleCnt="5">
+    <dgm:pt modelId="{FAE20960-0530-FF42-B5EC-A6FCE52A9276}" type="pres">
+      <dgm:prSet presAssocID="{DBD4B207-E739-4448-B73A-A1908D0C19C9}" presName="dummyMaxCanvas" presStyleCnt="0">
+        <dgm:presLayoutVars/>
+      </dgm:prSet>
+      <dgm:spPr/>
+    </dgm:pt>
+    <dgm:pt modelId="{038A1066-8266-7640-9E1A-8972A37E2DD2}" type="pres">
+      <dgm:prSet presAssocID="{DBD4B207-E739-4448-B73A-A1908D0C19C9}" presName="FiveNodes_1" presStyleLbl="node1" presStyleIdx="0" presStyleCnt="5">
         <dgm:presLayoutVars>
           <dgm:bulletEnabled val="1"/>
         </dgm:presLayoutVars>
       </dgm:prSet>
       <dgm:spPr/>
     </dgm:pt>
-    <dgm:pt modelId="{5B76F060-1AC9-EE48-98DC-C48FD4D4C56E}" type="pres">
-      <dgm:prSet presAssocID="{9DFD5314-18D1-CB49-81D5-DA3C335C963D}" presName="parSpace" presStyleCnt="0"/>
-      <dgm:spPr/>
-    </dgm:pt>
-    <dgm:pt modelId="{942A33E5-8888-AE4E-8D00-F0BC9AB9D32E}" type="pres">
-      <dgm:prSet presAssocID="{751B48B7-51CF-8F43-81E1-4E829340731D}" presName="parTxOnly" presStyleLbl="node1" presStyleIdx="1" presStyleCnt="5">
+    <dgm:pt modelId="{AAB7B6BE-73AC-FD48-8868-D26FFBCAEE7B}" type="pres">
+      <dgm:prSet presAssocID="{DBD4B207-E739-4448-B73A-A1908D0C19C9}" presName="FiveNodes_2" presStyleLbl="node1" presStyleIdx="1" presStyleCnt="5">
         <dgm:presLayoutVars>
           <dgm:bulletEnabled val="1"/>
         </dgm:presLayoutVars>
       </dgm:prSet>
       <dgm:spPr/>
     </dgm:pt>
-    <dgm:pt modelId="{342AD62A-0451-3A41-9A24-04180D49BAED}" type="pres">
-      <dgm:prSet presAssocID="{6069F0F9-2F9B-F940-A604-665D3CECDA12}" presName="parSpace" presStyleCnt="0"/>
-      <dgm:spPr/>
-    </dgm:pt>
-    <dgm:pt modelId="{8E5568DC-9167-8445-99BC-DBA650E4D55C}" type="pres">
-      <dgm:prSet presAssocID="{EF1185AE-C50F-F545-A7DF-F773CFDD6ACB}" presName="parTxOnly" presStyleLbl="node1" presStyleIdx="2" presStyleCnt="5">
+    <dgm:pt modelId="{FBB442C6-6A8B-964D-B6A3-A50052BF110E}" type="pres">
+      <dgm:prSet presAssocID="{DBD4B207-E739-4448-B73A-A1908D0C19C9}" presName="FiveNodes_3" presStyleLbl="node1" presStyleIdx="2" presStyleCnt="5">
         <dgm:presLayoutVars>
           <dgm:bulletEnabled val="1"/>
         </dgm:presLayoutVars>
       </dgm:prSet>
       <dgm:spPr/>
     </dgm:pt>
-    <dgm:pt modelId="{5E8B8CE8-1130-1342-B422-71F7671A0838}" type="pres">
-      <dgm:prSet presAssocID="{1E9F0BB3-D378-3A4E-A172-D5376AD90B6A}" presName="parSpace" presStyleCnt="0"/>
-      <dgm:spPr/>
-    </dgm:pt>
-    <dgm:pt modelId="{C1DC4242-CCBD-A740-88B3-0FD5B9EC033A}" type="pres">
-      <dgm:prSet presAssocID="{C17FEE4A-8A09-5645-87B4-1B77E7E9E30B}" presName="parTxOnly" presStyleLbl="node1" presStyleIdx="3" presStyleCnt="5">
+    <dgm:pt modelId="{09F957A7-3730-DB48-B533-559E6783C573}" type="pres">
+      <dgm:prSet presAssocID="{DBD4B207-E739-4448-B73A-A1908D0C19C9}" presName="FiveNodes_4" presStyleLbl="node1" presStyleIdx="3" presStyleCnt="5">
         <dgm:presLayoutVars>
           <dgm:bulletEnabled val="1"/>
         </dgm:presLayoutVars>
       </dgm:prSet>
       <dgm:spPr/>
     </dgm:pt>
-    <dgm:pt modelId="{AF00A3C4-8C21-674D-ABAA-72D0E8DBC83F}" type="pres">
-      <dgm:prSet presAssocID="{E14C93D7-8A43-854E-80D0-6F7A6FE688E8}" presName="parSpace" presStyleCnt="0"/>
-      <dgm:spPr/>
-    </dgm:pt>
-    <dgm:pt modelId="{B40C2E14-E936-3C47-8C10-3B392B38C359}" type="pres">
-      <dgm:prSet presAssocID="{0C9DB628-107A-394D-9DE4-D764D8966AE5}" presName="parTxOnly" presStyleLbl="node1" presStyleIdx="4" presStyleCnt="5">
+    <dgm:pt modelId="{F7396D1B-13AC-434E-91C0-E3AC39ED3FF8}" type="pres">
+      <dgm:prSet presAssocID="{DBD4B207-E739-4448-B73A-A1908D0C19C9}" presName="FiveNodes_5" presStyleLbl="node1" presStyleIdx="4" presStyleCnt="5">
         <dgm:presLayoutVars>
           <dgm:bulletEnabled val="1"/>
         </dgm:presLayoutVars>
       </dgm:prSet>
       <dgm:spPr/>
     </dgm:pt>
+    <dgm:pt modelId="{503F7AB0-8F01-BE44-9118-8942B44BF49A}" type="pres">
+      <dgm:prSet presAssocID="{DBD4B207-E739-4448-B73A-A1908D0C19C9}" presName="FiveConn_1-2" presStyleLbl="fgAccFollowNode1" presStyleIdx="0" presStyleCnt="4">
+        <dgm:presLayoutVars>
+          <dgm:bulletEnabled val="1"/>
+        </dgm:presLayoutVars>
+      </dgm:prSet>
+      <dgm:spPr/>
+    </dgm:pt>
+    <dgm:pt modelId="{9F0EF02E-72DC-7540-83E9-96FFD6461EF5}" type="pres">
+      <dgm:prSet presAssocID="{DBD4B207-E739-4448-B73A-A1908D0C19C9}" presName="FiveConn_2-3" presStyleLbl="fgAccFollowNode1" presStyleIdx="1" presStyleCnt="4">
+        <dgm:presLayoutVars>
+          <dgm:bulletEnabled val="1"/>
+        </dgm:presLayoutVars>
+      </dgm:prSet>
+      <dgm:spPr/>
+    </dgm:pt>
+    <dgm:pt modelId="{8101A0BE-B364-2A46-A909-C44941F4E33B}" type="pres">
+      <dgm:prSet presAssocID="{DBD4B207-E739-4448-B73A-A1908D0C19C9}" presName="FiveConn_3-4" presStyleLbl="fgAccFollowNode1" presStyleIdx="2" presStyleCnt="4">
+        <dgm:presLayoutVars>
+          <dgm:bulletEnabled val="1"/>
+        </dgm:presLayoutVars>
+      </dgm:prSet>
+      <dgm:spPr/>
+    </dgm:pt>
+    <dgm:pt modelId="{3019D19F-316C-EB42-9D6D-3D3CCE717B4D}" type="pres">
+      <dgm:prSet presAssocID="{DBD4B207-E739-4448-B73A-A1908D0C19C9}" presName="FiveConn_4-5" presStyleLbl="fgAccFollowNode1" presStyleIdx="3" presStyleCnt="4">
+        <dgm:presLayoutVars>
+          <dgm:bulletEnabled val="1"/>
+        </dgm:presLayoutVars>
+      </dgm:prSet>
+      <dgm:spPr/>
+    </dgm:pt>
+    <dgm:pt modelId="{31DCBD53-021A-9540-88FD-C0CBD7F86D23}" type="pres">
+      <dgm:prSet presAssocID="{DBD4B207-E739-4448-B73A-A1908D0C19C9}" presName="FiveNodes_1_text" presStyleLbl="node1" presStyleIdx="4" presStyleCnt="5">
+        <dgm:presLayoutVars>
+          <dgm:bulletEnabled val="1"/>
+        </dgm:presLayoutVars>
+      </dgm:prSet>
+      <dgm:spPr/>
+    </dgm:pt>
+    <dgm:pt modelId="{17C9BF78-5FAE-634D-B2F6-72852D10401F}" type="pres">
+      <dgm:prSet presAssocID="{DBD4B207-E739-4448-B73A-A1908D0C19C9}" presName="FiveNodes_2_text" presStyleLbl="node1" presStyleIdx="4" presStyleCnt="5">
+        <dgm:presLayoutVars>
+          <dgm:bulletEnabled val="1"/>
+        </dgm:presLayoutVars>
+      </dgm:prSet>
+      <dgm:spPr/>
+    </dgm:pt>
+    <dgm:pt modelId="{5409C6C1-0E28-C748-A449-2EBE04AACA35}" type="pres">
+      <dgm:prSet presAssocID="{DBD4B207-E739-4448-B73A-A1908D0C19C9}" presName="FiveNodes_3_text" presStyleLbl="node1" presStyleIdx="4" presStyleCnt="5">
+        <dgm:presLayoutVars>
+          <dgm:bulletEnabled val="1"/>
+        </dgm:presLayoutVars>
+      </dgm:prSet>
+      <dgm:spPr/>
+    </dgm:pt>
+    <dgm:pt modelId="{CD96E06C-62BE-4F41-AD4F-A595088DF385}" type="pres">
+      <dgm:prSet presAssocID="{DBD4B207-E739-4448-B73A-A1908D0C19C9}" presName="FiveNodes_4_text" presStyleLbl="node1" presStyleIdx="4" presStyleCnt="5">
+        <dgm:presLayoutVars>
+          <dgm:bulletEnabled val="1"/>
+        </dgm:presLayoutVars>
+      </dgm:prSet>
+      <dgm:spPr/>
+    </dgm:pt>
+    <dgm:pt modelId="{9A9311CC-5768-EE46-85FA-9C804EE7233E}" type="pres">
+      <dgm:prSet presAssocID="{DBD4B207-E739-4448-B73A-A1908D0C19C9}" presName="FiveNodes_5_text" presStyleLbl="node1" presStyleIdx="4" presStyleCnt="5">
+        <dgm:presLayoutVars>
+          <dgm:bulletEnabled val="1"/>
+        </dgm:presLayoutVars>
+      </dgm:prSet>
+      <dgm:spPr/>
+    </dgm:pt>
   </dgm:ptLst>
   <dgm:cxnLst>
+    <dgm:cxn modelId="{FB458102-317E-6349-803C-3E7940232B43}" type="presOf" srcId="{E14C93D7-8A43-854E-80D0-6F7A6FE688E8}" destId="{3019D19F-316C-EB42-9D6D-3D3CCE717B4D}" srcOrd="0" destOrd="0" presId="urn:microsoft.com/office/officeart/2005/8/layout/vProcess5"/>
     <dgm:cxn modelId="{38DB9809-5DDB-5D43-8D76-622E0BFAC510}" srcId="{DBD4B207-E739-4448-B73A-A1908D0C19C9}" destId="{C17FEE4A-8A09-5645-87B4-1B77E7E9E30B}" srcOrd="3" destOrd="0" parTransId="{22F68B61-F6EF-FB4A-9398-6F29B0920351}" sibTransId="{E14C93D7-8A43-854E-80D0-6F7A6FE688E8}"/>
-    <dgm:cxn modelId="{68CD280F-19A5-DC4C-AA5C-D68B93757E32}" type="presOf" srcId="{0C9DB628-107A-394D-9DE4-D764D8966AE5}" destId="{B40C2E14-E936-3C47-8C10-3B392B38C359}" srcOrd="0" destOrd="0" presId="urn:microsoft.com/office/officeart/2005/8/layout/hChevron3"/>
-    <dgm:cxn modelId="{C2F73622-906D-5D43-BE0C-8F31F8A21623}" type="presOf" srcId="{C1C7179B-41DD-6C4A-8732-AF83FF30EE4B}" destId="{5C456B8C-48E2-D445-9478-6BCF56204D93}" srcOrd="0" destOrd="0" presId="urn:microsoft.com/office/officeart/2005/8/layout/hChevron3"/>
+    <dgm:cxn modelId="{C04E8A12-69E1-064F-8003-B160421CAD6A}" type="presOf" srcId="{6069F0F9-2F9B-F940-A604-665D3CECDA12}" destId="{9F0EF02E-72DC-7540-83E9-96FFD6461EF5}" srcOrd="0" destOrd="0" presId="urn:microsoft.com/office/officeart/2005/8/layout/vProcess5"/>
+    <dgm:cxn modelId="{8AF74424-F329-FC49-B506-4D761EF486ED}" type="presOf" srcId="{EF1185AE-C50F-F545-A7DF-F773CFDD6ACB}" destId="{5409C6C1-0E28-C748-A449-2EBE04AACA35}" srcOrd="1" destOrd="0" presId="urn:microsoft.com/office/officeart/2005/8/layout/vProcess5"/>
+    <dgm:cxn modelId="{B6F25928-1C50-584B-8C88-DAC3ABDF22B0}" type="presOf" srcId="{C17FEE4A-8A09-5645-87B4-1B77E7E9E30B}" destId="{09F957A7-3730-DB48-B533-559E6783C573}" srcOrd="0" destOrd="0" presId="urn:microsoft.com/office/officeart/2005/8/layout/vProcess5"/>
     <dgm:cxn modelId="{DE21BF2E-0195-7F4F-BB84-A3CB05658E2D}" srcId="{DBD4B207-E739-4448-B73A-A1908D0C19C9}" destId="{0C9DB628-107A-394D-9DE4-D764D8966AE5}" srcOrd="4" destOrd="0" parTransId="{15649590-0E1C-5644-B7F3-5FCC4FAD83C1}" sibTransId="{F69DB093-57E3-7C4F-B758-960136179907}"/>
-    <dgm:cxn modelId="{835EF95D-2757-7045-8858-C8A9304B103A}" type="presOf" srcId="{751B48B7-51CF-8F43-81E1-4E829340731D}" destId="{942A33E5-8888-AE4E-8D00-F0BC9AB9D32E}" srcOrd="0" destOrd="0" presId="urn:microsoft.com/office/officeart/2005/8/layout/hChevron3"/>
-    <dgm:cxn modelId="{8C1FE775-0912-2148-A818-7CD624EA3CB9}" type="presOf" srcId="{EF1185AE-C50F-F545-A7DF-F773CFDD6ACB}" destId="{8E5568DC-9167-8445-99BC-DBA650E4D55C}" srcOrd="0" destOrd="0" presId="urn:microsoft.com/office/officeart/2005/8/layout/hChevron3"/>
+    <dgm:cxn modelId="{A42BDB4C-B43C-2343-9FC4-2B196AB1DEC1}" type="presOf" srcId="{751B48B7-51CF-8F43-81E1-4E829340731D}" destId="{AAB7B6BE-73AC-FD48-8868-D26FFBCAEE7B}" srcOrd="0" destOrd="0" presId="urn:microsoft.com/office/officeart/2005/8/layout/vProcess5"/>
+    <dgm:cxn modelId="{8811E354-CE42-8942-ADC7-D251A0B45C3C}" type="presOf" srcId="{EF1185AE-C50F-F545-A7DF-F773CFDD6ACB}" destId="{FBB442C6-6A8B-964D-B6A3-A50052BF110E}" srcOrd="0" destOrd="0" presId="urn:microsoft.com/office/officeart/2005/8/layout/vProcess5"/>
+    <dgm:cxn modelId="{D928AB66-0455-5542-B77F-683C188574AD}" type="presOf" srcId="{C17FEE4A-8A09-5645-87B4-1B77E7E9E30B}" destId="{CD96E06C-62BE-4F41-AD4F-A595088DF385}" srcOrd="1" destOrd="0" presId="urn:microsoft.com/office/officeart/2005/8/layout/vProcess5"/>
+    <dgm:cxn modelId="{B46BC871-F6A1-2A45-8794-E723751344DA}" type="presOf" srcId="{0C9DB628-107A-394D-9DE4-D764D8966AE5}" destId="{F7396D1B-13AC-434E-91C0-E3AC39ED3FF8}" srcOrd="0" destOrd="0" presId="urn:microsoft.com/office/officeart/2005/8/layout/vProcess5"/>
+    <dgm:cxn modelId="{BB4DA286-80B9-9046-8BA6-53F06B3350E9}" type="presOf" srcId="{C1C7179B-41DD-6C4A-8732-AF83FF30EE4B}" destId="{038A1066-8266-7640-9E1A-8972A37E2DD2}" srcOrd="0" destOrd="0" presId="urn:microsoft.com/office/officeart/2005/8/layout/vProcess5"/>
+    <dgm:cxn modelId="{8794E589-0AF3-B845-AB8D-AEE4DC42670E}" type="presOf" srcId="{DBD4B207-E739-4448-B73A-A1908D0C19C9}" destId="{7C74D5C8-F840-974A-A259-3017936A67E8}" srcOrd="0" destOrd="0" presId="urn:microsoft.com/office/officeart/2005/8/layout/vProcess5"/>
     <dgm:cxn modelId="{3B863E9C-2326-594B-A032-7299C88654B6}" srcId="{DBD4B207-E739-4448-B73A-A1908D0C19C9}" destId="{751B48B7-51CF-8F43-81E1-4E829340731D}" srcOrd="1" destOrd="0" parTransId="{8BBB9420-C289-DF43-9FE5-244DED554876}" sibTransId="{6069F0F9-2F9B-F940-A604-665D3CECDA12}"/>
-    <dgm:cxn modelId="{FFFFEBA8-6C00-2A40-9324-40F1EFAFE43D}" type="presOf" srcId="{C17FEE4A-8A09-5645-87B4-1B77E7E9E30B}" destId="{C1DC4242-CCBD-A740-88B3-0FD5B9EC033A}" srcOrd="0" destOrd="0" presId="urn:microsoft.com/office/officeart/2005/8/layout/hChevron3"/>
+    <dgm:cxn modelId="{D74CDB9E-3A70-8B47-AE34-F4705835E31B}" type="presOf" srcId="{751B48B7-51CF-8F43-81E1-4E829340731D}" destId="{17C9BF78-5FAE-634D-B2F6-72852D10401F}" srcOrd="1" destOrd="0" presId="urn:microsoft.com/office/officeart/2005/8/layout/vProcess5"/>
+    <dgm:cxn modelId="{2085DAAC-EF61-424E-B7FB-F23F9FECF1B9}" type="presOf" srcId="{1E9F0BB3-D378-3A4E-A172-D5376AD90B6A}" destId="{8101A0BE-B364-2A46-A909-C44941F4E33B}" srcOrd="0" destOrd="0" presId="urn:microsoft.com/office/officeart/2005/8/layout/vProcess5"/>
     <dgm:cxn modelId="{317337C2-33EC-0A40-B5BC-388E5CA062FF}" srcId="{DBD4B207-E739-4448-B73A-A1908D0C19C9}" destId="{EF1185AE-C50F-F545-A7DF-F773CFDD6ACB}" srcOrd="2" destOrd="0" parTransId="{99A88C38-D854-3045-82F3-19079F53520D}" sibTransId="{1E9F0BB3-D378-3A4E-A172-D5376AD90B6A}"/>
+    <dgm:cxn modelId="{35837CC8-9F46-4346-B39D-8DE2623EE2D1}" type="presOf" srcId="{9DFD5314-18D1-CB49-81D5-DA3C335C963D}" destId="{503F7AB0-8F01-BE44-9118-8942B44BF49A}" srcOrd="0" destOrd="0" presId="urn:microsoft.com/office/officeart/2005/8/layout/vProcess5"/>
     <dgm:cxn modelId="{5BA0ABE0-AE37-1F4A-A9F1-F424447BD451}" srcId="{DBD4B207-E739-4448-B73A-A1908D0C19C9}" destId="{C1C7179B-41DD-6C4A-8732-AF83FF30EE4B}" srcOrd="0" destOrd="0" parTransId="{45394A11-E1C3-7E46-B577-69E5CBE10762}" sibTransId="{9DFD5314-18D1-CB49-81D5-DA3C335C963D}"/>
-    <dgm:cxn modelId="{AF27F2FF-53C8-B440-8819-10DB5C2153E1}" type="presOf" srcId="{DBD4B207-E739-4448-B73A-A1908D0C19C9}" destId="{58AD645E-69CB-D643-9610-6F9CC55245D2}" srcOrd="0" destOrd="0" presId="urn:microsoft.com/office/officeart/2005/8/layout/hChevron3"/>
-    <dgm:cxn modelId="{05E32725-D7D6-C748-A260-F3DB87958B1C}" type="presParOf" srcId="{58AD645E-69CB-D643-9610-6F9CC55245D2}" destId="{5C456B8C-48E2-D445-9478-6BCF56204D93}" srcOrd="0" destOrd="0" presId="urn:microsoft.com/office/officeart/2005/8/layout/hChevron3"/>
-    <dgm:cxn modelId="{A990F9C4-060F-8841-8929-DACEA389F9E0}" type="presParOf" srcId="{58AD645E-69CB-D643-9610-6F9CC55245D2}" destId="{5B76F060-1AC9-EE48-98DC-C48FD4D4C56E}" srcOrd="1" destOrd="0" presId="urn:microsoft.com/office/officeart/2005/8/layout/hChevron3"/>
-    <dgm:cxn modelId="{6E2CD00B-587B-AB48-905A-6E9EE07055F7}" type="presParOf" srcId="{58AD645E-69CB-D643-9610-6F9CC55245D2}" destId="{942A33E5-8888-AE4E-8D00-F0BC9AB9D32E}" srcOrd="2" destOrd="0" presId="urn:microsoft.com/office/officeart/2005/8/layout/hChevron3"/>
-    <dgm:cxn modelId="{68B63944-EF0D-2C41-9C7A-BACBF519BE5B}" type="presParOf" srcId="{58AD645E-69CB-D643-9610-6F9CC55245D2}" destId="{342AD62A-0451-3A41-9A24-04180D49BAED}" srcOrd="3" destOrd="0" presId="urn:microsoft.com/office/officeart/2005/8/layout/hChevron3"/>
-    <dgm:cxn modelId="{2620E8E9-64C6-9745-9F0A-264A454BB5DD}" type="presParOf" srcId="{58AD645E-69CB-D643-9610-6F9CC55245D2}" destId="{8E5568DC-9167-8445-99BC-DBA650E4D55C}" srcOrd="4" destOrd="0" presId="urn:microsoft.com/office/officeart/2005/8/layout/hChevron3"/>
-    <dgm:cxn modelId="{AA692A31-4F21-DC4B-A568-817FBE59E90D}" type="presParOf" srcId="{58AD645E-69CB-D643-9610-6F9CC55245D2}" destId="{5E8B8CE8-1130-1342-B422-71F7671A0838}" srcOrd="5" destOrd="0" presId="urn:microsoft.com/office/officeart/2005/8/layout/hChevron3"/>
-    <dgm:cxn modelId="{6CB58019-C2B7-D849-B810-3B7C0C08558A}" type="presParOf" srcId="{58AD645E-69CB-D643-9610-6F9CC55245D2}" destId="{C1DC4242-CCBD-A740-88B3-0FD5B9EC033A}" srcOrd="6" destOrd="0" presId="urn:microsoft.com/office/officeart/2005/8/layout/hChevron3"/>
-    <dgm:cxn modelId="{7D4A2B40-BD18-A34D-BB1C-C171694EB0DB}" type="presParOf" srcId="{58AD645E-69CB-D643-9610-6F9CC55245D2}" destId="{AF00A3C4-8C21-674D-ABAA-72D0E8DBC83F}" srcOrd="7" destOrd="0" presId="urn:microsoft.com/office/officeart/2005/8/layout/hChevron3"/>
-    <dgm:cxn modelId="{36FCF85C-7EA8-6544-9680-CD83C506327B}" type="presParOf" srcId="{58AD645E-69CB-D643-9610-6F9CC55245D2}" destId="{B40C2E14-E936-3C47-8C10-3B392B38C359}" srcOrd="8" destOrd="0" presId="urn:microsoft.com/office/officeart/2005/8/layout/hChevron3"/>
+    <dgm:cxn modelId="{41050AE2-2491-5448-B4EC-DF0F9543FECB}" type="presOf" srcId="{0C9DB628-107A-394D-9DE4-D764D8966AE5}" destId="{9A9311CC-5768-EE46-85FA-9C804EE7233E}" srcOrd="1" destOrd="0" presId="urn:microsoft.com/office/officeart/2005/8/layout/vProcess5"/>
+    <dgm:cxn modelId="{28920CF4-6119-F048-A623-5C715183EBCA}" type="presOf" srcId="{C1C7179B-41DD-6C4A-8732-AF83FF30EE4B}" destId="{31DCBD53-021A-9540-88FD-C0CBD7F86D23}" srcOrd="1" destOrd="0" presId="urn:microsoft.com/office/officeart/2005/8/layout/vProcess5"/>
+    <dgm:cxn modelId="{9A09CC24-CD9E-264E-B188-12AB04BEE7C0}" type="presParOf" srcId="{7C74D5C8-F840-974A-A259-3017936A67E8}" destId="{FAE20960-0530-FF42-B5EC-A6FCE52A9276}" srcOrd="0" destOrd="0" presId="urn:microsoft.com/office/officeart/2005/8/layout/vProcess5"/>
+    <dgm:cxn modelId="{52062AB7-1914-B245-BD90-194294878A7F}" type="presParOf" srcId="{7C74D5C8-F840-974A-A259-3017936A67E8}" destId="{038A1066-8266-7640-9E1A-8972A37E2DD2}" srcOrd="1" destOrd="0" presId="urn:microsoft.com/office/officeart/2005/8/layout/vProcess5"/>
+    <dgm:cxn modelId="{E93FBB69-157B-B84A-A6B6-25F3324EDF28}" type="presParOf" srcId="{7C74D5C8-F840-974A-A259-3017936A67E8}" destId="{AAB7B6BE-73AC-FD48-8868-D26FFBCAEE7B}" srcOrd="2" destOrd="0" presId="urn:microsoft.com/office/officeart/2005/8/layout/vProcess5"/>
+    <dgm:cxn modelId="{797A5A04-F4BB-D24F-8605-1F6ACEEF6671}" type="presParOf" srcId="{7C74D5C8-F840-974A-A259-3017936A67E8}" destId="{FBB442C6-6A8B-964D-B6A3-A50052BF110E}" srcOrd="3" destOrd="0" presId="urn:microsoft.com/office/officeart/2005/8/layout/vProcess5"/>
+    <dgm:cxn modelId="{B6A5DBEA-5615-9A4C-ADD8-E73488D7826D}" type="presParOf" srcId="{7C74D5C8-F840-974A-A259-3017936A67E8}" destId="{09F957A7-3730-DB48-B533-559E6783C573}" srcOrd="4" destOrd="0" presId="urn:microsoft.com/office/officeart/2005/8/layout/vProcess5"/>
+    <dgm:cxn modelId="{63944BFA-951E-BD43-8166-32F69ED37748}" type="presParOf" srcId="{7C74D5C8-F840-974A-A259-3017936A67E8}" destId="{F7396D1B-13AC-434E-91C0-E3AC39ED3FF8}" srcOrd="5" destOrd="0" presId="urn:microsoft.com/office/officeart/2005/8/layout/vProcess5"/>
+    <dgm:cxn modelId="{28F4E09C-768D-C142-B570-1D377BD645B5}" type="presParOf" srcId="{7C74D5C8-F840-974A-A259-3017936A67E8}" destId="{503F7AB0-8F01-BE44-9118-8942B44BF49A}" srcOrd="6" destOrd="0" presId="urn:microsoft.com/office/officeart/2005/8/layout/vProcess5"/>
+    <dgm:cxn modelId="{CC225940-517F-E640-8D31-49E35BC25EFA}" type="presParOf" srcId="{7C74D5C8-F840-974A-A259-3017936A67E8}" destId="{9F0EF02E-72DC-7540-83E9-96FFD6461EF5}" srcOrd="7" destOrd="0" presId="urn:microsoft.com/office/officeart/2005/8/layout/vProcess5"/>
+    <dgm:cxn modelId="{F7244FF8-EA7E-D14F-987A-5DE389E5E1D1}" type="presParOf" srcId="{7C74D5C8-F840-974A-A259-3017936A67E8}" destId="{8101A0BE-B364-2A46-A909-C44941F4E33B}" srcOrd="8" destOrd="0" presId="urn:microsoft.com/office/officeart/2005/8/layout/vProcess5"/>
+    <dgm:cxn modelId="{D0D57539-A668-0247-8DC1-9DF69DE48191}" type="presParOf" srcId="{7C74D5C8-F840-974A-A259-3017936A67E8}" destId="{3019D19F-316C-EB42-9D6D-3D3CCE717B4D}" srcOrd="9" destOrd="0" presId="urn:microsoft.com/office/officeart/2005/8/layout/vProcess5"/>
+    <dgm:cxn modelId="{53AFBB88-9761-3B48-BAA1-0E826E5866AA}" type="presParOf" srcId="{7C74D5C8-F840-974A-A259-3017936A67E8}" destId="{31DCBD53-021A-9540-88FD-C0CBD7F86D23}" srcOrd="10" destOrd="0" presId="urn:microsoft.com/office/officeart/2005/8/layout/vProcess5"/>
+    <dgm:cxn modelId="{3A3B1A4E-89B4-8546-B919-0F04CF870B75}" type="presParOf" srcId="{7C74D5C8-F840-974A-A259-3017936A67E8}" destId="{17C9BF78-5FAE-634D-B2F6-72852D10401F}" srcOrd="11" destOrd="0" presId="urn:microsoft.com/office/officeart/2005/8/layout/vProcess5"/>
+    <dgm:cxn modelId="{8433EE14-2E50-1645-975B-CF4191C46257}" type="presParOf" srcId="{7C74D5C8-F840-974A-A259-3017936A67E8}" destId="{5409C6C1-0E28-C748-A449-2EBE04AACA35}" srcOrd="12" destOrd="0" presId="urn:microsoft.com/office/officeart/2005/8/layout/vProcess5"/>
+    <dgm:cxn modelId="{F053F660-4F71-514A-BDE2-C4D15061E010}" type="presParOf" srcId="{7C74D5C8-F840-974A-A259-3017936A67E8}" destId="{CD96E06C-62BE-4F41-AD4F-A595088DF385}" srcOrd="13" destOrd="0" presId="urn:microsoft.com/office/officeart/2005/8/layout/vProcess5"/>
+    <dgm:cxn modelId="{4CE124F4-7061-6C45-8464-1AF38B6995ED}" type="presParOf" srcId="{7C74D5C8-F840-974A-A259-3017936A67E8}" destId="{9A9311CC-5768-EE46-85FA-9C804EE7233E}" srcOrd="14" destOrd="0" presId="urn:microsoft.com/office/officeart/2005/8/layout/vProcess5"/>
   </dgm:cxnLst>
   <dgm:bg/>
   <dgm:whole/>
@@ -5032,6 +5854,1488 @@
 </dgm:dataModel>
 </file>
 
+<file path=ppt/diagrams/data3.xml><?xml version="1.0" encoding="utf-8"?>
+<dgm:dataModel xmlns:dgm="http://schemas.openxmlformats.org/drawingml/2006/diagram" xmlns:a="http://schemas.openxmlformats.org/drawingml/2006/main">
+  <dgm:ptLst>
+    <dgm:pt modelId="{819E0C5A-1403-8E41-AAA1-DCD6DD60F058}" type="doc">
+      <dgm:prSet loTypeId="urn:microsoft.com/office/officeart/2005/8/layout/hList1" loCatId="" qsTypeId="urn:microsoft.com/office/officeart/2005/8/quickstyle/simple1" qsCatId="simple" csTypeId="urn:microsoft.com/office/officeart/2005/8/colors/accent1_2" csCatId="accent1" phldr="1"/>
+      <dgm:spPr/>
+      <dgm:t>
+        <a:bodyPr/>
+        <a:lstStyle/>
+        <a:p>
+          <a:endParaRPr lang="es-ES"/>
+        </a:p>
+      </dgm:t>
+    </dgm:pt>
+    <dgm:pt modelId="{8FCAC36B-883B-CB49-B2A9-1726890C69CC}">
+      <dgm:prSet phldrT="[Texto]" custT="1"/>
+      <dgm:spPr/>
+      <dgm:t>
+        <a:bodyPr/>
+        <a:lstStyle/>
+        <a:p>
+          <a:r>
+            <a:rPr lang="es-ES" sz="1600" dirty="0"/>
+            <a:t>Regresión 1</a:t>
+          </a:r>
+        </a:p>
+      </dgm:t>
+    </dgm:pt>
+    <dgm:pt modelId="{E8A03A2C-CA25-EF4D-BF6A-78335E2FE77E}" type="parTrans" cxnId="{17C6DA72-945A-DE49-901E-57CE0D6BFAD0}">
+      <dgm:prSet/>
+      <dgm:spPr/>
+      <dgm:t>
+        <a:bodyPr/>
+        <a:lstStyle/>
+        <a:p>
+          <a:endParaRPr lang="es-ES"/>
+        </a:p>
+      </dgm:t>
+    </dgm:pt>
+    <dgm:pt modelId="{D384A8A0-6BAF-884B-BCF0-7AFB8CACFA43}" type="sibTrans" cxnId="{17C6DA72-945A-DE49-901E-57CE0D6BFAD0}">
+      <dgm:prSet/>
+      <dgm:spPr/>
+      <dgm:t>
+        <a:bodyPr/>
+        <a:lstStyle/>
+        <a:p>
+          <a:endParaRPr lang="es-ES"/>
+        </a:p>
+      </dgm:t>
+    </dgm:pt>
+    <dgm:pt modelId="{E05BD9A0-9638-2847-B21C-1F3C0B4CB50F}">
+      <dgm:prSet phldrT="[Texto]" custT="1"/>
+      <dgm:spPr/>
+      <dgm:t>
+        <a:bodyPr/>
+        <a:lstStyle/>
+        <a:p>
+          <a:r>
+            <a:rPr lang="es-ES" sz="1600" dirty="0"/>
+            <a:t>Regresión 2</a:t>
+          </a:r>
+        </a:p>
+      </dgm:t>
+    </dgm:pt>
+    <dgm:pt modelId="{E4DC4D22-FBE9-E740-BFFA-2182F4D627F1}" type="parTrans" cxnId="{BBB0A3D7-D137-0D48-8632-8215233A8AA0}">
+      <dgm:prSet/>
+      <dgm:spPr/>
+      <dgm:t>
+        <a:bodyPr/>
+        <a:lstStyle/>
+        <a:p>
+          <a:endParaRPr lang="es-ES"/>
+        </a:p>
+      </dgm:t>
+    </dgm:pt>
+    <dgm:pt modelId="{38A24B3A-B657-AB4E-9522-6162931272E9}" type="sibTrans" cxnId="{BBB0A3D7-D137-0D48-8632-8215233A8AA0}">
+      <dgm:prSet/>
+      <dgm:spPr/>
+      <dgm:t>
+        <a:bodyPr/>
+        <a:lstStyle/>
+        <a:p>
+          <a:endParaRPr lang="es-ES"/>
+        </a:p>
+      </dgm:t>
+    </dgm:pt>
+    <dgm:pt modelId="{EE002E70-1BA6-414C-9812-44CC66DBF2F7}">
+      <dgm:prSet/>
+      <dgm:spPr/>
+      <dgm:t>
+        <a:bodyPr/>
+        <a:lstStyle/>
+        <a:p>
+          <a:r>
+            <a:rPr lang="es-ES"/>
+            <a:t>Variables empleadas:</a:t>
+          </a:r>
+        </a:p>
+      </dgm:t>
+    </dgm:pt>
+    <dgm:pt modelId="{372972BE-2DC7-6145-B716-D7B365EEF666}" type="parTrans" cxnId="{67687304-763C-9543-9A20-8C1B2BA46E2C}">
+      <dgm:prSet/>
+      <dgm:spPr/>
+      <dgm:t>
+        <a:bodyPr/>
+        <a:lstStyle/>
+        <a:p>
+          <a:endParaRPr lang="es-ES"/>
+        </a:p>
+      </dgm:t>
+    </dgm:pt>
+    <dgm:pt modelId="{C1AEF333-AB7C-6D44-8367-C2A1AD896572}" type="sibTrans" cxnId="{67687304-763C-9543-9A20-8C1B2BA46E2C}">
+      <dgm:prSet/>
+      <dgm:spPr/>
+      <dgm:t>
+        <a:bodyPr/>
+        <a:lstStyle/>
+        <a:p>
+          <a:endParaRPr lang="es-ES"/>
+        </a:p>
+      </dgm:t>
+    </dgm:pt>
+    <dgm:pt modelId="{8BA39BFB-6A6D-484C-9EAF-C93E7D584CD1}">
+      <dgm:prSet/>
+      <dgm:spPr/>
+      <dgm:t>
+        <a:bodyPr/>
+        <a:lstStyle/>
+        <a:p>
+          <a:r>
+            <a:rPr lang="es-ES" dirty="0" err="1"/>
+            <a:t>Staff_score</a:t>
+          </a:r>
+          <a:endParaRPr lang="es-ES" dirty="0"/>
+        </a:p>
+      </dgm:t>
+    </dgm:pt>
+    <dgm:pt modelId="{150872F1-35A1-5E44-BB6A-B32857D022A7}" type="parTrans" cxnId="{288C5908-1DEA-1949-8D5A-E09CD6ACECCF}">
+      <dgm:prSet/>
+      <dgm:spPr/>
+      <dgm:t>
+        <a:bodyPr/>
+        <a:lstStyle/>
+        <a:p>
+          <a:endParaRPr lang="es-ES"/>
+        </a:p>
+      </dgm:t>
+    </dgm:pt>
+    <dgm:pt modelId="{361F1E47-7B9A-E448-ACA1-444D4CC9FE85}" type="sibTrans" cxnId="{288C5908-1DEA-1949-8D5A-E09CD6ACECCF}">
+      <dgm:prSet/>
+      <dgm:spPr/>
+      <dgm:t>
+        <a:bodyPr/>
+        <a:lstStyle/>
+        <a:p>
+          <a:endParaRPr lang="es-ES"/>
+        </a:p>
+      </dgm:t>
+    </dgm:pt>
+    <dgm:pt modelId="{A6D7846F-3016-9146-9509-5F44F23CA934}">
+      <dgm:prSet/>
+      <dgm:spPr/>
+      <dgm:t>
+        <a:bodyPr/>
+        <a:lstStyle/>
+        <a:p>
+          <a:r>
+            <a:rPr lang="es-ES" dirty="0"/>
+            <a:t>Resultados:</a:t>
+          </a:r>
+        </a:p>
+      </dgm:t>
+    </dgm:pt>
+    <dgm:pt modelId="{C7B8E429-BAE6-E549-A96E-B092531533E0}" type="parTrans" cxnId="{5A8B324C-9A73-EC43-AD3F-904C10AB887D}">
+      <dgm:prSet/>
+      <dgm:spPr/>
+      <dgm:t>
+        <a:bodyPr/>
+        <a:lstStyle/>
+        <a:p>
+          <a:endParaRPr lang="es-ES"/>
+        </a:p>
+      </dgm:t>
+    </dgm:pt>
+    <dgm:pt modelId="{46DE24CA-6CE7-3D46-9E35-9921E19A126E}" type="sibTrans" cxnId="{5A8B324C-9A73-EC43-AD3F-904C10AB887D}">
+      <dgm:prSet/>
+      <dgm:spPr/>
+      <dgm:t>
+        <a:bodyPr/>
+        <a:lstStyle/>
+        <a:p>
+          <a:endParaRPr lang="es-ES"/>
+        </a:p>
+      </dgm:t>
+    </dgm:pt>
+    <dgm:pt modelId="{DB8F49CC-0EAE-C943-8887-E112FC932742}">
+      <dgm:prSet/>
+      <dgm:spPr/>
+      <dgm:t>
+        <a:bodyPr/>
+        <a:lstStyle/>
+        <a:p>
+          <a:r>
+            <a:rPr lang="es-ES" dirty="0"/>
+            <a:t>R</a:t>
+          </a:r>
+          <a:r>
+            <a:rPr lang="es-ES" baseline="30000" dirty="0"/>
+            <a:t>2</a:t>
+          </a:r>
+          <a:r>
+            <a:rPr lang="es-ES" baseline="0" dirty="0"/>
+            <a:t>: </a:t>
+          </a:r>
+          <a:r>
+            <a:rPr lang="es-ES" dirty="0"/>
+            <a:t>0.2125</a:t>
+          </a:r>
+        </a:p>
+      </dgm:t>
+    </dgm:pt>
+    <dgm:pt modelId="{E3E04408-6FAC-664A-9207-A94A01C510DF}" type="parTrans" cxnId="{F0A3286B-BA3C-FD4D-928F-03586CEEC86B}">
+      <dgm:prSet/>
+      <dgm:spPr/>
+      <dgm:t>
+        <a:bodyPr/>
+        <a:lstStyle/>
+        <a:p>
+          <a:endParaRPr lang="es-ES"/>
+        </a:p>
+      </dgm:t>
+    </dgm:pt>
+    <dgm:pt modelId="{6FF47A1D-092D-9048-B35D-3C0D6759CB27}" type="sibTrans" cxnId="{F0A3286B-BA3C-FD4D-928F-03586CEEC86B}">
+      <dgm:prSet/>
+      <dgm:spPr/>
+      <dgm:t>
+        <a:bodyPr/>
+        <a:lstStyle/>
+        <a:p>
+          <a:endParaRPr lang="es-ES"/>
+        </a:p>
+      </dgm:t>
+    </dgm:pt>
+    <dgm:pt modelId="{71AAE4DF-DDA9-4949-AD48-6F122CAFD057}">
+      <dgm:prSet/>
+      <dgm:spPr/>
+      <dgm:t>
+        <a:bodyPr/>
+        <a:lstStyle/>
+        <a:p>
+          <a:r>
+            <a:rPr lang="es-ES"/>
+            <a:t>Variables empleadas:</a:t>
+          </a:r>
+        </a:p>
+      </dgm:t>
+    </dgm:pt>
+    <dgm:pt modelId="{FFA32C89-FA4A-124F-9B2F-A85E7ED20A25}" type="parTrans" cxnId="{90CB2DDE-87E1-7E40-96BA-4A81183E3CEE}">
+      <dgm:prSet/>
+      <dgm:spPr/>
+      <dgm:t>
+        <a:bodyPr/>
+        <a:lstStyle/>
+        <a:p>
+          <a:endParaRPr lang="es-ES"/>
+        </a:p>
+      </dgm:t>
+    </dgm:pt>
+    <dgm:pt modelId="{5E2809A9-9023-6C4B-BA63-C605934B104D}" type="sibTrans" cxnId="{90CB2DDE-87E1-7E40-96BA-4A81183E3CEE}">
+      <dgm:prSet/>
+      <dgm:spPr/>
+      <dgm:t>
+        <a:bodyPr/>
+        <a:lstStyle/>
+        <a:p>
+          <a:endParaRPr lang="es-ES"/>
+        </a:p>
+      </dgm:t>
+    </dgm:pt>
+    <dgm:pt modelId="{DFBDC719-3909-9848-9B3E-9161F2C816B5}">
+      <dgm:prSet/>
+      <dgm:spPr/>
+      <dgm:t>
+        <a:bodyPr/>
+        <a:lstStyle/>
+        <a:p>
+          <a:r>
+            <a:rPr lang="es-ES" dirty="0" err="1"/>
+            <a:t>Staff_score</a:t>
+          </a:r>
+          <a:endParaRPr lang="es-ES" dirty="0"/>
+        </a:p>
+      </dgm:t>
+    </dgm:pt>
+    <dgm:pt modelId="{E3501F49-5B79-1A42-9160-8689D5B425AE}" type="parTrans" cxnId="{AA1C1B43-00AA-CD43-BADA-3CABCF9DEA3F}">
+      <dgm:prSet/>
+      <dgm:spPr/>
+      <dgm:t>
+        <a:bodyPr/>
+        <a:lstStyle/>
+        <a:p>
+          <a:endParaRPr lang="es-ES"/>
+        </a:p>
+      </dgm:t>
+    </dgm:pt>
+    <dgm:pt modelId="{F9A939A6-370A-9646-A802-335EC3E76F01}" type="sibTrans" cxnId="{AA1C1B43-00AA-CD43-BADA-3CABCF9DEA3F}">
+      <dgm:prSet/>
+      <dgm:spPr/>
+      <dgm:t>
+        <a:bodyPr/>
+        <a:lstStyle/>
+        <a:p>
+          <a:endParaRPr lang="es-ES"/>
+        </a:p>
+      </dgm:t>
+    </dgm:pt>
+    <dgm:pt modelId="{A8B444C6-60CE-FA48-AAD1-DE301EF4E992}">
+      <dgm:prSet/>
+      <dgm:spPr/>
+      <dgm:t>
+        <a:bodyPr/>
+        <a:lstStyle/>
+        <a:p>
+          <a:r>
+            <a:rPr lang="es-ES" dirty="0"/>
+            <a:t>Resultados:</a:t>
+          </a:r>
+        </a:p>
+      </dgm:t>
+    </dgm:pt>
+    <dgm:pt modelId="{B0988517-3869-9342-98FE-E15B3EB287F6}" type="parTrans" cxnId="{F4296FE3-D4D7-6F4A-A1B2-2620327692AF}">
+      <dgm:prSet/>
+      <dgm:spPr/>
+      <dgm:t>
+        <a:bodyPr/>
+        <a:lstStyle/>
+        <a:p>
+          <a:endParaRPr lang="es-ES"/>
+        </a:p>
+      </dgm:t>
+    </dgm:pt>
+    <dgm:pt modelId="{2D4A4730-5205-A548-89ED-B9956F00AB43}" type="sibTrans" cxnId="{F4296FE3-D4D7-6F4A-A1B2-2620327692AF}">
+      <dgm:prSet/>
+      <dgm:spPr/>
+      <dgm:t>
+        <a:bodyPr/>
+        <a:lstStyle/>
+        <a:p>
+          <a:endParaRPr lang="es-ES"/>
+        </a:p>
+      </dgm:t>
+    </dgm:pt>
+    <dgm:pt modelId="{C835637C-F65B-4A4C-999A-7798918F06BA}">
+      <dgm:prSet/>
+      <dgm:spPr/>
+      <dgm:t>
+        <a:bodyPr/>
+        <a:lstStyle/>
+        <a:p>
+          <a:r>
+            <a:rPr lang="es-ES" dirty="0"/>
+            <a:t>R</a:t>
+          </a:r>
+          <a:r>
+            <a:rPr lang="es-ES" baseline="30000" dirty="0"/>
+            <a:t>2</a:t>
+          </a:r>
+          <a:r>
+            <a:rPr lang="es-ES" baseline="0" dirty="0"/>
+            <a:t>: </a:t>
+          </a:r>
+          <a:r>
+            <a:rPr lang="es-ES" dirty="0"/>
+            <a:t>0.2109</a:t>
+          </a:r>
+        </a:p>
+      </dgm:t>
+    </dgm:pt>
+    <dgm:pt modelId="{AE56E410-E1F5-9741-9EBD-B7B2B705DA53}" type="parTrans" cxnId="{AF8C9FC6-A11B-664C-B9A6-56CC41C1EC63}">
+      <dgm:prSet/>
+      <dgm:spPr/>
+      <dgm:t>
+        <a:bodyPr/>
+        <a:lstStyle/>
+        <a:p>
+          <a:endParaRPr lang="es-ES"/>
+        </a:p>
+      </dgm:t>
+    </dgm:pt>
+    <dgm:pt modelId="{818F4537-2228-9C44-A431-4ADB20B7ECF3}" type="sibTrans" cxnId="{AF8C9FC6-A11B-664C-B9A6-56CC41C1EC63}">
+      <dgm:prSet/>
+      <dgm:spPr/>
+      <dgm:t>
+        <a:bodyPr/>
+        <a:lstStyle/>
+        <a:p>
+          <a:endParaRPr lang="es-ES"/>
+        </a:p>
+      </dgm:t>
+    </dgm:pt>
+    <dgm:pt modelId="{B59A93ED-7F93-C74C-8FF6-FBC2A6574492}">
+      <dgm:prSet/>
+      <dgm:spPr/>
+      <dgm:t>
+        <a:bodyPr/>
+        <a:lstStyle/>
+        <a:p>
+          <a:r>
+            <a:rPr lang="es-ES" dirty="0" err="1"/>
+            <a:t>Value_for_money</a:t>
+          </a:r>
+          <a:endParaRPr lang="es-ES" dirty="0"/>
+        </a:p>
+      </dgm:t>
+    </dgm:pt>
+    <dgm:pt modelId="{AD23F4FD-9F5E-CD42-AB67-249257448B4C}" type="parTrans" cxnId="{3725D917-9477-674B-9BD7-155AB0C0FC87}">
+      <dgm:prSet/>
+      <dgm:spPr/>
+      <dgm:t>
+        <a:bodyPr/>
+        <a:lstStyle/>
+        <a:p>
+          <a:endParaRPr lang="es-ES"/>
+        </a:p>
+      </dgm:t>
+    </dgm:pt>
+    <dgm:pt modelId="{3808E1EB-6355-B64A-A9DB-1EF03CA3C361}" type="sibTrans" cxnId="{3725D917-9477-674B-9BD7-155AB0C0FC87}">
+      <dgm:prSet/>
+      <dgm:spPr/>
+      <dgm:t>
+        <a:bodyPr/>
+        <a:lstStyle/>
+        <a:p>
+          <a:endParaRPr lang="es-ES"/>
+        </a:p>
+      </dgm:t>
+    </dgm:pt>
+    <dgm:pt modelId="{ECA19826-E131-3143-8170-6FB978E3B754}">
+      <dgm:prSet/>
+      <dgm:spPr/>
+      <dgm:t>
+        <a:bodyPr/>
+        <a:lstStyle/>
+        <a:p>
+          <a:r>
+            <a:rPr lang="es-ES" dirty="0" err="1"/>
+            <a:t>Location_score</a:t>
+          </a:r>
+          <a:endParaRPr lang="es-ES" dirty="0"/>
+        </a:p>
+      </dgm:t>
+    </dgm:pt>
+    <dgm:pt modelId="{A195020A-7C37-EB48-8F08-FC8230E32CC9}" type="parTrans" cxnId="{0C0B6A58-4CDB-DF4E-9B2F-5157383B2868}">
+      <dgm:prSet/>
+      <dgm:spPr/>
+      <dgm:t>
+        <a:bodyPr/>
+        <a:lstStyle/>
+        <a:p>
+          <a:endParaRPr lang="es-ES"/>
+        </a:p>
+      </dgm:t>
+    </dgm:pt>
+    <dgm:pt modelId="{0FE27D84-46BF-8849-8331-1A5FC8DD2C73}" type="sibTrans" cxnId="{0C0B6A58-4CDB-DF4E-9B2F-5157383B2868}">
+      <dgm:prSet/>
+      <dgm:spPr/>
+      <dgm:t>
+        <a:bodyPr/>
+        <a:lstStyle/>
+        <a:p>
+          <a:endParaRPr lang="es-ES"/>
+        </a:p>
+      </dgm:t>
+    </dgm:pt>
+    <dgm:pt modelId="{E5B71C87-286A-504C-9FED-D8FBE221DF2E}">
+      <dgm:prSet/>
+      <dgm:spPr/>
+      <dgm:t>
+        <a:bodyPr/>
+        <a:lstStyle/>
+        <a:p>
+          <a:r>
+            <a:rPr lang="es-ES" dirty="0" err="1"/>
+            <a:t>Free_wifi_score</a:t>
+          </a:r>
+          <a:endParaRPr lang="es-ES" dirty="0"/>
+        </a:p>
+      </dgm:t>
+    </dgm:pt>
+    <dgm:pt modelId="{9D8232D3-F16E-DE4A-9828-76D8F6823B26}" type="parTrans" cxnId="{68BCD77F-2039-B847-8E91-B391164CFC70}">
+      <dgm:prSet/>
+      <dgm:spPr/>
+      <dgm:t>
+        <a:bodyPr/>
+        <a:lstStyle/>
+        <a:p>
+          <a:endParaRPr lang="es-ES"/>
+        </a:p>
+      </dgm:t>
+    </dgm:pt>
+    <dgm:pt modelId="{22FC9835-6A9E-0245-9C89-EA136571E5E4}" type="sibTrans" cxnId="{68BCD77F-2039-B847-8E91-B391164CFC70}">
+      <dgm:prSet/>
+      <dgm:spPr/>
+      <dgm:t>
+        <a:bodyPr/>
+        <a:lstStyle/>
+        <a:p>
+          <a:endParaRPr lang="es-ES"/>
+        </a:p>
+      </dgm:t>
+    </dgm:pt>
+    <dgm:pt modelId="{C0523AAE-B76D-BD4B-9172-57C203FC0868}">
+      <dgm:prSet/>
+      <dgm:spPr/>
+      <dgm:t>
+        <a:bodyPr/>
+        <a:lstStyle/>
+        <a:p>
+          <a:endParaRPr lang="es-ES" dirty="0"/>
+        </a:p>
+      </dgm:t>
+    </dgm:pt>
+    <dgm:pt modelId="{6ED78F1E-62D7-5449-B653-88B1807CC3B4}" type="parTrans" cxnId="{9C9521A5-E8CB-AA47-8480-234CA4065BC8}">
+      <dgm:prSet/>
+      <dgm:spPr/>
+      <dgm:t>
+        <a:bodyPr/>
+        <a:lstStyle/>
+        <a:p>
+          <a:endParaRPr lang="es-ES"/>
+        </a:p>
+      </dgm:t>
+    </dgm:pt>
+    <dgm:pt modelId="{1BF0186C-831D-F445-979A-5487E2641705}" type="sibTrans" cxnId="{9C9521A5-E8CB-AA47-8480-234CA4065BC8}">
+      <dgm:prSet/>
+      <dgm:spPr/>
+      <dgm:t>
+        <a:bodyPr/>
+        <a:lstStyle/>
+        <a:p>
+          <a:endParaRPr lang="es-ES"/>
+        </a:p>
+      </dgm:t>
+    </dgm:pt>
+    <dgm:pt modelId="{8D2B03F3-2622-FD40-8963-81F8268332EB}">
+      <dgm:prSet/>
+      <dgm:spPr/>
+      <dgm:t>
+        <a:bodyPr/>
+        <a:lstStyle/>
+        <a:p>
+          <a:r>
+            <a:rPr lang="es-ES" dirty="0" err="1"/>
+            <a:t>Min_Price</a:t>
+          </a:r>
+          <a:endParaRPr lang="es-ES" dirty="0"/>
+        </a:p>
+      </dgm:t>
+    </dgm:pt>
+    <dgm:pt modelId="{BECB9C8F-8FD5-BB4C-B5BE-62D64E2CF58E}" type="parTrans" cxnId="{C480C3B3-ECB1-9D49-9001-127EA0729733}">
+      <dgm:prSet/>
+      <dgm:spPr/>
+      <dgm:t>
+        <a:bodyPr/>
+        <a:lstStyle/>
+        <a:p>
+          <a:endParaRPr lang="es-ES"/>
+        </a:p>
+      </dgm:t>
+    </dgm:pt>
+    <dgm:pt modelId="{3C084FC9-D1CD-494B-A928-7415501E3438}" type="sibTrans" cxnId="{C480C3B3-ECB1-9D49-9001-127EA0729733}">
+      <dgm:prSet/>
+      <dgm:spPr/>
+      <dgm:t>
+        <a:bodyPr/>
+        <a:lstStyle/>
+        <a:p>
+          <a:endParaRPr lang="es-ES"/>
+        </a:p>
+      </dgm:t>
+    </dgm:pt>
+    <dgm:pt modelId="{A3023A56-B610-2E4C-8BA9-4F47C7AA75AE}">
+      <dgm:prSet/>
+      <dgm:spPr/>
+      <dgm:t>
+        <a:bodyPr/>
+        <a:lstStyle/>
+        <a:p>
+          <a:r>
+            <a:rPr lang="es-ES" dirty="0" err="1"/>
+            <a:t>Balcony</a:t>
+          </a:r>
+          <a:endParaRPr lang="es-ES" dirty="0"/>
+        </a:p>
+      </dgm:t>
+    </dgm:pt>
+    <dgm:pt modelId="{73E2913C-6BDC-DF48-B3DC-AD26D17A6ACD}" type="parTrans" cxnId="{7A4A7FC4-5BC2-A847-8FEC-02B6C52A14CB}">
+      <dgm:prSet/>
+      <dgm:spPr/>
+      <dgm:t>
+        <a:bodyPr/>
+        <a:lstStyle/>
+        <a:p>
+          <a:endParaRPr lang="es-ES"/>
+        </a:p>
+      </dgm:t>
+    </dgm:pt>
+    <dgm:pt modelId="{E5F285C6-255A-6548-BE7B-0464EEC1CD39}" type="sibTrans" cxnId="{7A4A7FC4-5BC2-A847-8FEC-02B6C52A14CB}">
+      <dgm:prSet/>
+      <dgm:spPr/>
+      <dgm:t>
+        <a:bodyPr/>
+        <a:lstStyle/>
+        <a:p>
+          <a:endParaRPr lang="es-ES"/>
+        </a:p>
+      </dgm:t>
+    </dgm:pt>
+    <dgm:pt modelId="{B39BE120-7AA2-5844-B3DE-0FADA010FAFF}">
+      <dgm:prSet/>
+      <dgm:spPr/>
+      <dgm:t>
+        <a:bodyPr/>
+        <a:lstStyle/>
+        <a:p>
+          <a:r>
+            <a:rPr lang="es-ES" dirty="0" err="1"/>
+            <a:t>Pet_friendly</a:t>
+          </a:r>
+          <a:endParaRPr lang="es-ES" dirty="0"/>
+        </a:p>
+      </dgm:t>
+    </dgm:pt>
+    <dgm:pt modelId="{7B870378-EE58-894F-91E1-6AE0EF0BE966}" type="parTrans" cxnId="{1455AE45-EF51-E04B-9D63-6CD0F1941968}">
+      <dgm:prSet/>
+      <dgm:spPr/>
+      <dgm:t>
+        <a:bodyPr/>
+        <a:lstStyle/>
+        <a:p>
+          <a:endParaRPr lang="es-ES"/>
+        </a:p>
+      </dgm:t>
+    </dgm:pt>
+    <dgm:pt modelId="{09EB3438-EB29-9140-ACF3-893E96C366B4}" type="sibTrans" cxnId="{1455AE45-EF51-E04B-9D63-6CD0F1941968}">
+      <dgm:prSet/>
+      <dgm:spPr/>
+      <dgm:t>
+        <a:bodyPr/>
+        <a:lstStyle/>
+        <a:p>
+          <a:endParaRPr lang="es-ES"/>
+        </a:p>
+      </dgm:t>
+    </dgm:pt>
+    <dgm:pt modelId="{EE9B25DB-61EB-1045-BC70-1F3C64B65356}">
+      <dgm:prSet/>
+      <dgm:spPr/>
+      <dgm:t>
+        <a:bodyPr/>
+        <a:lstStyle/>
+        <a:p>
+          <a:r>
+            <a:rPr lang="es-ES" dirty="0" err="1"/>
+            <a:t>Air_conditioning</a:t>
+          </a:r>
+          <a:endParaRPr lang="es-ES" dirty="0"/>
+        </a:p>
+      </dgm:t>
+    </dgm:pt>
+    <dgm:pt modelId="{F7053BE5-057A-1C40-8803-5A4671AC87C8}" type="parTrans" cxnId="{FB0F6167-DA1A-8046-AF67-2950F6C79EE0}">
+      <dgm:prSet/>
+      <dgm:spPr/>
+      <dgm:t>
+        <a:bodyPr/>
+        <a:lstStyle/>
+        <a:p>
+          <a:endParaRPr lang="es-ES"/>
+        </a:p>
+      </dgm:t>
+    </dgm:pt>
+    <dgm:pt modelId="{30DDA3EF-ED21-0745-811B-C8E5175528D3}" type="sibTrans" cxnId="{FB0F6167-DA1A-8046-AF67-2950F6C79EE0}">
+      <dgm:prSet/>
+      <dgm:spPr/>
+      <dgm:t>
+        <a:bodyPr/>
+        <a:lstStyle/>
+        <a:p>
+          <a:endParaRPr lang="es-ES"/>
+        </a:p>
+      </dgm:t>
+    </dgm:pt>
+    <dgm:pt modelId="{1A5BA3FE-2D76-3845-96BA-348535CEB8D1}">
+      <dgm:prSet/>
+      <dgm:spPr/>
+      <dgm:t>
+        <a:bodyPr/>
+        <a:lstStyle/>
+        <a:p>
+          <a:r>
+            <a:rPr lang="es-ES" dirty="0" err="1"/>
+            <a:t>Private_bathroom</a:t>
+          </a:r>
+          <a:endParaRPr lang="es-ES" dirty="0"/>
+        </a:p>
+      </dgm:t>
+    </dgm:pt>
+    <dgm:pt modelId="{33965CB0-F7AF-C142-B4EE-6D0EF10D84F5}" type="parTrans" cxnId="{572FEC6F-8262-404D-8F02-18EDD128C399}">
+      <dgm:prSet/>
+      <dgm:spPr/>
+      <dgm:t>
+        <a:bodyPr/>
+        <a:lstStyle/>
+        <a:p>
+          <a:endParaRPr lang="es-ES"/>
+        </a:p>
+      </dgm:t>
+    </dgm:pt>
+    <dgm:pt modelId="{649EEE7D-1563-4248-929D-5CD9299F51A6}" type="sibTrans" cxnId="{572FEC6F-8262-404D-8F02-18EDD128C399}">
+      <dgm:prSet/>
+      <dgm:spPr/>
+      <dgm:t>
+        <a:bodyPr/>
+        <a:lstStyle/>
+        <a:p>
+          <a:endParaRPr lang="es-ES"/>
+        </a:p>
+      </dgm:t>
+    </dgm:pt>
+    <dgm:pt modelId="{D50A149E-1F4A-7548-A154-30DBAE9D26A1}">
+      <dgm:prSet/>
+      <dgm:spPr/>
+      <dgm:t>
+        <a:bodyPr/>
+        <a:lstStyle/>
+        <a:p>
+          <a:r>
+            <a:rPr lang="es-ES" dirty="0" err="1"/>
+            <a:t>Free_wifi</a:t>
+          </a:r>
+          <a:endParaRPr lang="es-ES" dirty="0"/>
+        </a:p>
+      </dgm:t>
+    </dgm:pt>
+    <dgm:pt modelId="{1A3753F8-F2A6-0C42-80AF-A9427BBDD865}" type="parTrans" cxnId="{4DAF4911-44D0-C94E-8E72-9B470B21CF3E}">
+      <dgm:prSet/>
+      <dgm:spPr/>
+      <dgm:t>
+        <a:bodyPr/>
+        <a:lstStyle/>
+        <a:p>
+          <a:endParaRPr lang="es-ES"/>
+        </a:p>
+      </dgm:t>
+    </dgm:pt>
+    <dgm:pt modelId="{DC2D59B5-3095-094A-B159-E9CD366BF8C0}" type="sibTrans" cxnId="{4DAF4911-44D0-C94E-8E72-9B470B21CF3E}">
+      <dgm:prSet/>
+      <dgm:spPr/>
+      <dgm:t>
+        <a:bodyPr/>
+        <a:lstStyle/>
+        <a:p>
+          <a:endParaRPr lang="es-ES"/>
+        </a:p>
+      </dgm:t>
+    </dgm:pt>
+    <dgm:pt modelId="{350484AC-729C-1E4F-8F60-D25F1B7D92AC}">
+      <dgm:prSet/>
+      <dgm:spPr/>
+      <dgm:t>
+        <a:bodyPr/>
+        <a:lstStyle/>
+        <a:p>
+          <a:r>
+            <a:rPr lang="es-ES" dirty="0" err="1"/>
+            <a:t>Swimming_pool</a:t>
+          </a:r>
+          <a:endParaRPr lang="es-ES" dirty="0"/>
+        </a:p>
+      </dgm:t>
+    </dgm:pt>
+    <dgm:pt modelId="{E325A311-56F1-F442-9A24-1FFB716DA492}" type="parTrans" cxnId="{BC1D23F7-F86F-F54D-9FCE-D7B6D6B825D8}">
+      <dgm:prSet/>
+      <dgm:spPr/>
+      <dgm:t>
+        <a:bodyPr/>
+        <a:lstStyle/>
+        <a:p>
+          <a:endParaRPr lang="es-ES"/>
+        </a:p>
+      </dgm:t>
+    </dgm:pt>
+    <dgm:pt modelId="{FEE7BD35-CB82-9744-AC62-8C3407611BFB}" type="sibTrans" cxnId="{BC1D23F7-F86F-F54D-9FCE-D7B6D6B825D8}">
+      <dgm:prSet/>
+      <dgm:spPr/>
+      <dgm:t>
+        <a:bodyPr/>
+        <a:lstStyle/>
+        <a:p>
+          <a:endParaRPr lang="es-ES"/>
+        </a:p>
+      </dgm:t>
+    </dgm:pt>
+    <dgm:pt modelId="{913A0525-FECB-E645-AEBD-C101F25A5F6B}">
+      <dgm:prSet/>
+      <dgm:spPr/>
+      <dgm:t>
+        <a:bodyPr/>
+        <a:lstStyle/>
+        <a:p>
+          <a:r>
+            <a:rPr lang="es-ES" dirty="0" err="1"/>
+            <a:t>Non_smoking_roms</a:t>
+          </a:r>
+          <a:endParaRPr lang="es-ES" dirty="0"/>
+        </a:p>
+      </dgm:t>
+    </dgm:pt>
+    <dgm:pt modelId="{17B6C2BC-81CE-1942-9474-7CDAF3BABE08}" type="parTrans" cxnId="{EBCFE7F6-57C0-9A41-B203-81CE954CB5CF}">
+      <dgm:prSet/>
+      <dgm:spPr/>
+      <dgm:t>
+        <a:bodyPr/>
+        <a:lstStyle/>
+        <a:p>
+          <a:endParaRPr lang="es-ES"/>
+        </a:p>
+      </dgm:t>
+    </dgm:pt>
+    <dgm:pt modelId="{2817BE46-16FA-3849-A1F1-45DF8CFE86D4}" type="sibTrans" cxnId="{EBCFE7F6-57C0-9A41-B203-81CE954CB5CF}">
+      <dgm:prSet/>
+      <dgm:spPr/>
+      <dgm:t>
+        <a:bodyPr/>
+        <a:lstStyle/>
+        <a:p>
+          <a:endParaRPr lang="es-ES"/>
+        </a:p>
+      </dgm:t>
+    </dgm:pt>
+    <dgm:pt modelId="{F0D22FD0-C8D2-484B-9AC7-26FB64CAF7B3}">
+      <dgm:prSet/>
+      <dgm:spPr/>
+      <dgm:t>
+        <a:bodyPr/>
+        <a:lstStyle/>
+        <a:p>
+          <a:r>
+            <a:rPr lang="es-ES" dirty="0" err="1"/>
+            <a:t>Mean_flights</a:t>
+          </a:r>
+          <a:endParaRPr lang="es-ES" dirty="0"/>
+        </a:p>
+      </dgm:t>
+    </dgm:pt>
+    <dgm:pt modelId="{F9865F22-EAFC-4948-9766-F3E4CDEDBF7A}" type="parTrans" cxnId="{12B5C4B4-5C22-ED42-B93F-9CCB6DBC330B}">
+      <dgm:prSet/>
+      <dgm:spPr/>
+      <dgm:t>
+        <a:bodyPr/>
+        <a:lstStyle/>
+        <a:p>
+          <a:endParaRPr lang="es-ES"/>
+        </a:p>
+      </dgm:t>
+    </dgm:pt>
+    <dgm:pt modelId="{AAAC0A5E-0CA4-D143-A3EE-B57815095543}" type="sibTrans" cxnId="{12B5C4B4-5C22-ED42-B93F-9CCB6DBC330B}">
+      <dgm:prSet/>
+      <dgm:spPr/>
+      <dgm:t>
+        <a:bodyPr/>
+        <a:lstStyle/>
+        <a:p>
+          <a:endParaRPr lang="es-ES"/>
+        </a:p>
+      </dgm:t>
+    </dgm:pt>
+    <dgm:pt modelId="{8F7E1E02-2D70-E04C-90D8-652953180D13}">
+      <dgm:prSet/>
+      <dgm:spPr/>
+      <dgm:t>
+        <a:bodyPr/>
+        <a:lstStyle/>
+        <a:p>
+          <a:r>
+            <a:rPr lang="es-ES" dirty="0" err="1"/>
+            <a:t>Length</a:t>
+          </a:r>
+          <a:r>
+            <a:rPr lang="es-ES" dirty="0"/>
+            <a:t> </a:t>
+          </a:r>
+          <a:r>
+            <a:rPr lang="es-ES" dirty="0" err="1"/>
+            <a:t>description</a:t>
+          </a:r>
+          <a:endParaRPr lang="es-ES" dirty="0"/>
+        </a:p>
+      </dgm:t>
+    </dgm:pt>
+    <dgm:pt modelId="{F80D8DF8-3180-604A-B834-4B3FB4A29CB8}" type="parTrans" cxnId="{318D0458-4882-9241-B8F1-A29B8088BB8D}">
+      <dgm:prSet/>
+      <dgm:spPr/>
+      <dgm:t>
+        <a:bodyPr/>
+        <a:lstStyle/>
+        <a:p>
+          <a:endParaRPr lang="es-ES"/>
+        </a:p>
+      </dgm:t>
+    </dgm:pt>
+    <dgm:pt modelId="{93CC8377-6516-F14B-A912-AEC5AE8C1DA1}" type="sibTrans" cxnId="{318D0458-4882-9241-B8F1-A29B8088BB8D}">
+      <dgm:prSet/>
+      <dgm:spPr/>
+      <dgm:t>
+        <a:bodyPr/>
+        <a:lstStyle/>
+        <a:p>
+          <a:endParaRPr lang="es-ES"/>
+        </a:p>
+      </dgm:t>
+    </dgm:pt>
+    <dgm:pt modelId="{8C52691A-75D0-7948-A89B-79580E0D7D2F}">
+      <dgm:prSet/>
+      <dgm:spPr/>
+      <dgm:t>
+        <a:bodyPr/>
+        <a:lstStyle/>
+        <a:p>
+          <a:r>
+            <a:rPr lang="es-ES" dirty="0" err="1"/>
+            <a:t>Safe</a:t>
+          </a:r>
+          <a:endParaRPr lang="es-ES" dirty="0"/>
+        </a:p>
+      </dgm:t>
+    </dgm:pt>
+    <dgm:pt modelId="{C17ECEF9-78BD-024B-AA08-DEBCAFF27421}" type="parTrans" cxnId="{C1ACE302-4CC1-EB4C-902F-2756C472D595}">
+      <dgm:prSet/>
+      <dgm:spPr/>
+      <dgm:t>
+        <a:bodyPr/>
+        <a:lstStyle/>
+        <a:p>
+          <a:endParaRPr lang="es-ES"/>
+        </a:p>
+      </dgm:t>
+    </dgm:pt>
+    <dgm:pt modelId="{87B93082-3BF8-784A-B7CC-4A7A7CF80735}" type="sibTrans" cxnId="{C1ACE302-4CC1-EB4C-902F-2756C472D595}">
+      <dgm:prSet/>
+      <dgm:spPr/>
+      <dgm:t>
+        <a:bodyPr/>
+        <a:lstStyle/>
+        <a:p>
+          <a:endParaRPr lang="es-ES"/>
+        </a:p>
+      </dgm:t>
+    </dgm:pt>
+    <dgm:pt modelId="{38D892D8-ED0F-6F41-B291-C9FF143724CA}">
+      <dgm:prSet/>
+      <dgm:spPr/>
+      <dgm:t>
+        <a:bodyPr/>
+        <a:lstStyle/>
+        <a:p>
+          <a:r>
+            <a:rPr lang="es-ES" dirty="0" err="1"/>
+            <a:t>Location_score</a:t>
+          </a:r>
+          <a:endParaRPr lang="es-ES" dirty="0"/>
+        </a:p>
+      </dgm:t>
+    </dgm:pt>
+    <dgm:pt modelId="{3859C20E-5D4C-C546-BC75-63B20C1FFD6C}" type="parTrans" cxnId="{0DCF8941-1736-0447-BC18-8F489BCE9C30}">
+      <dgm:prSet/>
+      <dgm:spPr/>
+      <dgm:t>
+        <a:bodyPr/>
+        <a:lstStyle/>
+        <a:p>
+          <a:endParaRPr lang="es-ES"/>
+        </a:p>
+      </dgm:t>
+    </dgm:pt>
+    <dgm:pt modelId="{450E1B8C-513C-E049-9694-A8036905AB43}" type="sibTrans" cxnId="{0DCF8941-1736-0447-BC18-8F489BCE9C30}">
+      <dgm:prSet/>
+      <dgm:spPr/>
+      <dgm:t>
+        <a:bodyPr/>
+        <a:lstStyle/>
+        <a:p>
+          <a:endParaRPr lang="es-ES"/>
+        </a:p>
+      </dgm:t>
+    </dgm:pt>
+    <dgm:pt modelId="{89E0EB89-7578-E44F-95F9-AF1B2C0F7218}">
+      <dgm:prSet/>
+      <dgm:spPr/>
+      <dgm:t>
+        <a:bodyPr/>
+        <a:lstStyle/>
+        <a:p>
+          <a:r>
+            <a:rPr lang="es-ES" dirty="0" err="1"/>
+            <a:t>Balcony</a:t>
+          </a:r>
+          <a:endParaRPr lang="es-ES" dirty="0"/>
+        </a:p>
+      </dgm:t>
+    </dgm:pt>
+    <dgm:pt modelId="{1EE453C3-B777-2F4F-A36B-B9FDAC3C9150}" type="parTrans" cxnId="{31264873-1CCA-0944-A0B2-E46D826F39BE}">
+      <dgm:prSet/>
+      <dgm:spPr/>
+      <dgm:t>
+        <a:bodyPr/>
+        <a:lstStyle/>
+        <a:p>
+          <a:endParaRPr lang="es-ES"/>
+        </a:p>
+      </dgm:t>
+    </dgm:pt>
+    <dgm:pt modelId="{B87A37A3-39B3-B348-903D-BCECF88EB2CC}" type="sibTrans" cxnId="{31264873-1CCA-0944-A0B2-E46D826F39BE}">
+      <dgm:prSet/>
+      <dgm:spPr/>
+      <dgm:t>
+        <a:bodyPr/>
+        <a:lstStyle/>
+        <a:p>
+          <a:endParaRPr lang="es-ES"/>
+        </a:p>
+      </dgm:t>
+    </dgm:pt>
+    <dgm:pt modelId="{C76F3CDD-C26A-E74B-905B-2F09A566C678}">
+      <dgm:prSet/>
+      <dgm:spPr/>
+      <dgm:t>
+        <a:bodyPr/>
+        <a:lstStyle/>
+        <a:p>
+          <a:r>
+            <a:rPr lang="es-ES" dirty="0" err="1"/>
+            <a:t>Air_conditioning</a:t>
+          </a:r>
+          <a:endParaRPr lang="es-ES" dirty="0"/>
+        </a:p>
+      </dgm:t>
+    </dgm:pt>
+    <dgm:pt modelId="{0C443361-2D53-6D4B-8F3C-8C53AA17E811}" type="parTrans" cxnId="{5326C3A2-E1FA-5F4C-8819-DB2DCD8E3562}">
+      <dgm:prSet/>
+      <dgm:spPr/>
+      <dgm:t>
+        <a:bodyPr/>
+        <a:lstStyle/>
+        <a:p>
+          <a:endParaRPr lang="es-ES"/>
+        </a:p>
+      </dgm:t>
+    </dgm:pt>
+    <dgm:pt modelId="{46B840D1-592C-6F4E-BB8B-8E1619EB5FCA}" type="sibTrans" cxnId="{5326C3A2-E1FA-5F4C-8819-DB2DCD8E3562}">
+      <dgm:prSet/>
+      <dgm:spPr/>
+      <dgm:t>
+        <a:bodyPr/>
+        <a:lstStyle/>
+        <a:p>
+          <a:endParaRPr lang="es-ES"/>
+        </a:p>
+      </dgm:t>
+    </dgm:pt>
+    <dgm:pt modelId="{BA69E4BF-DAB0-7E47-9C50-10FBF59DA58F}">
+      <dgm:prSet/>
+      <dgm:spPr/>
+      <dgm:t>
+        <a:bodyPr/>
+        <a:lstStyle/>
+        <a:p>
+          <a:r>
+            <a:rPr lang="es-ES" dirty="0" err="1"/>
+            <a:t>Swimming_pool</a:t>
+          </a:r>
+          <a:endParaRPr lang="es-ES" dirty="0"/>
+        </a:p>
+      </dgm:t>
+    </dgm:pt>
+    <dgm:pt modelId="{41A38DEB-04F1-A74F-9C95-6A3925EE8857}" type="parTrans" cxnId="{EB4AC73A-8536-9544-81CE-BCB700F0DF17}">
+      <dgm:prSet/>
+      <dgm:spPr/>
+      <dgm:t>
+        <a:bodyPr/>
+        <a:lstStyle/>
+        <a:p>
+          <a:endParaRPr lang="es-ES"/>
+        </a:p>
+      </dgm:t>
+    </dgm:pt>
+    <dgm:pt modelId="{873BDE57-7CC2-0440-82CE-B658469E3861}" type="sibTrans" cxnId="{EB4AC73A-8536-9544-81CE-BCB700F0DF17}">
+      <dgm:prSet/>
+      <dgm:spPr/>
+      <dgm:t>
+        <a:bodyPr/>
+        <a:lstStyle/>
+        <a:p>
+          <a:endParaRPr lang="es-ES"/>
+        </a:p>
+      </dgm:t>
+    </dgm:pt>
+    <dgm:pt modelId="{6D43B080-BA94-114C-AE93-02DCEBD19BE1}">
+      <dgm:prSet/>
+      <dgm:spPr/>
+      <dgm:t>
+        <a:bodyPr/>
+        <a:lstStyle/>
+        <a:p>
+          <a:r>
+            <a:rPr lang="es-ES"/>
+            <a:t>Non_smoking_roms</a:t>
+          </a:r>
+          <a:endParaRPr lang="es-ES" dirty="0"/>
+        </a:p>
+      </dgm:t>
+    </dgm:pt>
+    <dgm:pt modelId="{692C1BF2-20C6-A641-A5F2-2E1A66098A06}" type="parTrans" cxnId="{55292797-4285-4D45-A1B7-156CEFFE3E3B}">
+      <dgm:prSet/>
+      <dgm:spPr/>
+      <dgm:t>
+        <a:bodyPr/>
+        <a:lstStyle/>
+        <a:p>
+          <a:endParaRPr lang="es-ES"/>
+        </a:p>
+      </dgm:t>
+    </dgm:pt>
+    <dgm:pt modelId="{010AE940-AC21-2E49-A5F0-184454776D05}" type="sibTrans" cxnId="{55292797-4285-4D45-A1B7-156CEFFE3E3B}">
+      <dgm:prSet/>
+      <dgm:spPr/>
+      <dgm:t>
+        <a:bodyPr/>
+        <a:lstStyle/>
+        <a:p>
+          <a:endParaRPr lang="es-ES"/>
+        </a:p>
+      </dgm:t>
+    </dgm:pt>
+    <dgm:pt modelId="{1A8C27D0-72C6-5044-8526-797A288D9FB8}">
+      <dgm:prSet/>
+      <dgm:spPr/>
+      <dgm:t>
+        <a:bodyPr/>
+        <a:lstStyle/>
+        <a:p>
+          <a:r>
+            <a:rPr lang="es-ES"/>
+            <a:t>Mean_flights</a:t>
+          </a:r>
+          <a:endParaRPr lang="es-ES" dirty="0"/>
+        </a:p>
+      </dgm:t>
+    </dgm:pt>
+    <dgm:pt modelId="{BF4D1E34-1730-3149-B143-4DA14F6CC138}" type="parTrans" cxnId="{DE5FED62-22E0-9847-B18B-8944F01FED78}">
+      <dgm:prSet/>
+      <dgm:spPr/>
+      <dgm:t>
+        <a:bodyPr/>
+        <a:lstStyle/>
+        <a:p>
+          <a:endParaRPr lang="es-ES"/>
+        </a:p>
+      </dgm:t>
+    </dgm:pt>
+    <dgm:pt modelId="{3F1D6CBC-1C47-F240-A5D3-7F3BE51E15C7}" type="sibTrans" cxnId="{DE5FED62-22E0-9847-B18B-8944F01FED78}">
+      <dgm:prSet/>
+      <dgm:spPr/>
+      <dgm:t>
+        <a:bodyPr/>
+        <a:lstStyle/>
+        <a:p>
+          <a:endParaRPr lang="es-ES"/>
+        </a:p>
+      </dgm:t>
+    </dgm:pt>
+    <dgm:pt modelId="{6330B2B2-CF8F-584B-900D-702CE89DE008}">
+      <dgm:prSet/>
+      <dgm:spPr/>
+      <dgm:t>
+        <a:bodyPr/>
+        <a:lstStyle/>
+        <a:p>
+          <a:r>
+            <a:rPr lang="es-ES" dirty="0" err="1"/>
+            <a:t>Length</a:t>
+          </a:r>
+          <a:r>
+            <a:rPr lang="es-ES" dirty="0"/>
+            <a:t> </a:t>
+          </a:r>
+          <a:r>
+            <a:rPr lang="es-ES" dirty="0" err="1"/>
+            <a:t>description</a:t>
+          </a:r>
+          <a:endParaRPr lang="es-ES" dirty="0"/>
+        </a:p>
+      </dgm:t>
+    </dgm:pt>
+    <dgm:pt modelId="{56049C15-BB12-8348-98EF-BA1F07C014E6}" type="parTrans" cxnId="{9EF82C2D-BE9A-F546-92BE-A017D3937BB4}">
+      <dgm:prSet/>
+      <dgm:spPr/>
+      <dgm:t>
+        <a:bodyPr/>
+        <a:lstStyle/>
+        <a:p>
+          <a:endParaRPr lang="es-ES"/>
+        </a:p>
+      </dgm:t>
+    </dgm:pt>
+    <dgm:pt modelId="{315953DD-14B0-864B-8CA2-7A8560A0698F}" type="sibTrans" cxnId="{9EF82C2D-BE9A-F546-92BE-A017D3937BB4}">
+      <dgm:prSet/>
+      <dgm:spPr/>
+      <dgm:t>
+        <a:bodyPr/>
+        <a:lstStyle/>
+        <a:p>
+          <a:endParaRPr lang="es-ES"/>
+        </a:p>
+      </dgm:t>
+    </dgm:pt>
+    <dgm:pt modelId="{47063CA0-0CBE-7D49-B314-4F9DB3528C0B}">
+      <dgm:prSet/>
+      <dgm:spPr/>
+      <dgm:t>
+        <a:bodyPr/>
+        <a:lstStyle/>
+        <a:p>
+          <a:endParaRPr lang="es-ES" dirty="0"/>
+        </a:p>
+      </dgm:t>
+    </dgm:pt>
+    <dgm:pt modelId="{5F65C636-E814-FD48-A5E7-E0C39641B3A7}" type="parTrans" cxnId="{A16505B6-A8A8-2D48-9157-346458051549}">
+      <dgm:prSet/>
+      <dgm:spPr/>
+      <dgm:t>
+        <a:bodyPr/>
+        <a:lstStyle/>
+        <a:p>
+          <a:endParaRPr lang="es-ES"/>
+        </a:p>
+      </dgm:t>
+    </dgm:pt>
+    <dgm:pt modelId="{F8AED8B2-1422-DE4E-B1F6-6B3166001D01}" type="sibTrans" cxnId="{A16505B6-A8A8-2D48-9157-346458051549}">
+      <dgm:prSet/>
+      <dgm:spPr/>
+      <dgm:t>
+        <a:bodyPr/>
+        <a:lstStyle/>
+        <a:p>
+          <a:endParaRPr lang="es-ES"/>
+        </a:p>
+      </dgm:t>
+    </dgm:pt>
+    <dgm:pt modelId="{4DF8BBC8-0E97-4B4B-8618-619389319A3E}">
+      <dgm:prSet/>
+      <dgm:spPr/>
+      <dgm:t>
+        <a:bodyPr/>
+        <a:lstStyle/>
+        <a:p>
+          <a:r>
+            <a:rPr lang="es-ES" dirty="0" err="1"/>
+            <a:t>Free_wifi</a:t>
+          </a:r>
+          <a:endParaRPr lang="es-ES" dirty="0"/>
+        </a:p>
+      </dgm:t>
+    </dgm:pt>
+    <dgm:pt modelId="{6D103AB3-7690-3248-9072-663FDEDFDCB8}" type="parTrans" cxnId="{96299356-DBF7-7D4D-A130-30D7F9F1BFF4}">
+      <dgm:prSet/>
+      <dgm:spPr/>
+      <dgm:t>
+        <a:bodyPr/>
+        <a:lstStyle/>
+        <a:p>
+          <a:endParaRPr lang="es-ES"/>
+        </a:p>
+      </dgm:t>
+    </dgm:pt>
+    <dgm:pt modelId="{8CB87E1D-C919-C648-B34A-66D1E93A0CB0}" type="sibTrans" cxnId="{96299356-DBF7-7D4D-A130-30D7F9F1BFF4}">
+      <dgm:prSet/>
+      <dgm:spPr/>
+      <dgm:t>
+        <a:bodyPr/>
+        <a:lstStyle/>
+        <a:p>
+          <a:endParaRPr lang="es-ES"/>
+        </a:p>
+      </dgm:t>
+    </dgm:pt>
+    <dgm:pt modelId="{72E56469-7657-1247-AF59-CE2EB6ABF4E8}">
+      <dgm:prSet/>
+      <dgm:spPr/>
+      <dgm:t>
+        <a:bodyPr/>
+        <a:lstStyle/>
+        <a:p>
+          <a:r>
+            <a:rPr lang="es-ES" dirty="0" err="1"/>
+            <a:t>Safe</a:t>
+          </a:r>
+          <a:endParaRPr lang="es-ES" dirty="0"/>
+        </a:p>
+      </dgm:t>
+    </dgm:pt>
+    <dgm:pt modelId="{4B7934F9-3EF6-5141-8532-BCF141C9E7C4}" type="parTrans" cxnId="{49069BCD-71CE-E34E-8E0C-A0DDA4185033}">
+      <dgm:prSet/>
+      <dgm:spPr/>
+      <dgm:t>
+        <a:bodyPr/>
+        <a:lstStyle/>
+        <a:p>
+          <a:endParaRPr lang="es-ES"/>
+        </a:p>
+      </dgm:t>
+    </dgm:pt>
+    <dgm:pt modelId="{6CACEF96-B02C-E24E-BAB2-00A5504233B5}" type="sibTrans" cxnId="{49069BCD-71CE-E34E-8E0C-A0DDA4185033}">
+      <dgm:prSet/>
+      <dgm:spPr/>
+      <dgm:t>
+        <a:bodyPr/>
+        <a:lstStyle/>
+        <a:p>
+          <a:endParaRPr lang="es-ES"/>
+        </a:p>
+      </dgm:t>
+    </dgm:pt>
+    <dgm:pt modelId="{2807EB78-8D31-3747-86B6-30FD7B633A86}" type="pres">
+      <dgm:prSet presAssocID="{819E0C5A-1403-8E41-AAA1-DCD6DD60F058}" presName="Name0" presStyleCnt="0">
+        <dgm:presLayoutVars>
+          <dgm:dir/>
+          <dgm:animLvl val="lvl"/>
+          <dgm:resizeHandles val="exact"/>
+        </dgm:presLayoutVars>
+      </dgm:prSet>
+      <dgm:spPr/>
+    </dgm:pt>
+    <dgm:pt modelId="{5535844E-7D04-784F-9C9B-B2A4654E4C20}" type="pres">
+      <dgm:prSet presAssocID="{8FCAC36B-883B-CB49-B2A9-1726890C69CC}" presName="composite" presStyleCnt="0"/>
+      <dgm:spPr/>
+    </dgm:pt>
+    <dgm:pt modelId="{F52438EA-4F92-C240-AFC6-A4B2AEE6AE1C}" type="pres">
+      <dgm:prSet presAssocID="{8FCAC36B-883B-CB49-B2A9-1726890C69CC}" presName="parTx" presStyleLbl="alignNode1" presStyleIdx="0" presStyleCnt="2">
+        <dgm:presLayoutVars>
+          <dgm:chMax val="0"/>
+          <dgm:chPref val="0"/>
+          <dgm:bulletEnabled val="1"/>
+        </dgm:presLayoutVars>
+      </dgm:prSet>
+      <dgm:spPr/>
+    </dgm:pt>
+    <dgm:pt modelId="{2B6E9592-A682-6345-BF16-231F2137BE1B}" type="pres">
+      <dgm:prSet presAssocID="{8FCAC36B-883B-CB49-B2A9-1726890C69CC}" presName="desTx" presStyleLbl="alignAccFollowNode1" presStyleIdx="0" presStyleCnt="2">
+        <dgm:presLayoutVars>
+          <dgm:bulletEnabled val="1"/>
+        </dgm:presLayoutVars>
+      </dgm:prSet>
+      <dgm:spPr/>
+    </dgm:pt>
+    <dgm:pt modelId="{FEB52FE5-A102-B64F-A533-08616EF93B83}" type="pres">
+      <dgm:prSet presAssocID="{D384A8A0-6BAF-884B-BCF0-7AFB8CACFA43}" presName="space" presStyleCnt="0"/>
+      <dgm:spPr/>
+    </dgm:pt>
+    <dgm:pt modelId="{3FE07C82-AE65-034F-8934-6B5BCC7F8521}" type="pres">
+      <dgm:prSet presAssocID="{E05BD9A0-9638-2847-B21C-1F3C0B4CB50F}" presName="composite" presStyleCnt="0"/>
+      <dgm:spPr/>
+    </dgm:pt>
+    <dgm:pt modelId="{053EBC9C-795D-B247-9A71-8C145122C26F}" type="pres">
+      <dgm:prSet presAssocID="{E05BD9A0-9638-2847-B21C-1F3C0B4CB50F}" presName="parTx" presStyleLbl="alignNode1" presStyleIdx="1" presStyleCnt="2">
+        <dgm:presLayoutVars>
+          <dgm:chMax val="0"/>
+          <dgm:chPref val="0"/>
+          <dgm:bulletEnabled val="1"/>
+        </dgm:presLayoutVars>
+      </dgm:prSet>
+      <dgm:spPr/>
+    </dgm:pt>
+    <dgm:pt modelId="{0ACA845D-9FC2-6344-8148-7E8CA16E5E7F}" type="pres">
+      <dgm:prSet presAssocID="{E05BD9A0-9638-2847-B21C-1F3C0B4CB50F}" presName="desTx" presStyleLbl="alignAccFollowNode1" presStyleIdx="1" presStyleCnt="2">
+        <dgm:presLayoutVars>
+          <dgm:bulletEnabled val="1"/>
+        </dgm:presLayoutVars>
+      </dgm:prSet>
+      <dgm:spPr/>
+    </dgm:pt>
+  </dgm:ptLst>
+  <dgm:cxnLst>
+    <dgm:cxn modelId="{224C7402-E26C-E243-82C5-B3781A19DC49}" type="presOf" srcId="{72E56469-7657-1247-AF59-CE2EB6ABF4E8}" destId="{0ACA845D-9FC2-6344-8148-7E8CA16E5E7F}" srcOrd="0" destOrd="10" presId="urn:microsoft.com/office/officeart/2005/8/layout/hList1"/>
+    <dgm:cxn modelId="{C1ACE302-4CC1-EB4C-902F-2756C472D595}" srcId="{EE002E70-1BA6-414C-9812-44CC66DBF2F7}" destId="{8C52691A-75D0-7948-A89B-79580E0D7D2F}" srcOrd="14" destOrd="0" parTransId="{C17ECEF9-78BD-024B-AA08-DEBCAFF27421}" sibTransId="{87B93082-3BF8-784A-B7CC-4A7A7CF80735}"/>
+    <dgm:cxn modelId="{67687304-763C-9543-9A20-8C1B2BA46E2C}" srcId="{8FCAC36B-883B-CB49-B2A9-1726890C69CC}" destId="{EE002E70-1BA6-414C-9812-44CC66DBF2F7}" srcOrd="0" destOrd="0" parTransId="{372972BE-2DC7-6145-B716-D7B365EEF666}" sibTransId="{C1AEF333-AB7C-6D44-8367-C2A1AD896572}"/>
+    <dgm:cxn modelId="{288C5908-1DEA-1949-8D5A-E09CD6ACECCF}" srcId="{EE002E70-1BA6-414C-9812-44CC66DBF2F7}" destId="{8BA39BFB-6A6D-484C-9EAF-C93E7D584CD1}" srcOrd="0" destOrd="0" parTransId="{150872F1-35A1-5E44-BB6A-B32857D022A7}" sibTransId="{361F1E47-7B9A-E448-ACA1-444D4CC9FE85}"/>
+    <dgm:cxn modelId="{8857E50C-A37B-EE44-8F41-C41448C52FE2}" type="presOf" srcId="{A8B444C6-60CE-FA48-AAD1-DE301EF4E992}" destId="{0ACA845D-9FC2-6344-8148-7E8CA16E5E7F}" srcOrd="0" destOrd="12" presId="urn:microsoft.com/office/officeart/2005/8/layout/hList1"/>
+    <dgm:cxn modelId="{4DAF4911-44D0-C94E-8E72-9B470B21CF3E}" srcId="{EE002E70-1BA6-414C-9812-44CC66DBF2F7}" destId="{D50A149E-1F4A-7548-A154-30DBAE9D26A1}" srcOrd="9" destOrd="0" parTransId="{1A3753F8-F2A6-0C42-80AF-A9427BBDD865}" sibTransId="{DC2D59B5-3095-094A-B159-E9CD366BF8C0}"/>
+    <dgm:cxn modelId="{1BE15713-232B-C547-9924-F7BB7EF9B4D4}" type="presOf" srcId="{B39BE120-7AA2-5844-B3DE-0FADA010FAFF}" destId="{2B6E9592-A682-6345-BF16-231F2137BE1B}" srcOrd="0" destOrd="7" presId="urn:microsoft.com/office/officeart/2005/8/layout/hList1"/>
+    <dgm:cxn modelId="{255F6A14-26C1-F247-8BF2-93A797F1A8B9}" type="presOf" srcId="{C76F3CDD-C26A-E74B-905B-2F09A566C678}" destId="{0ACA845D-9FC2-6344-8148-7E8CA16E5E7F}" srcOrd="0" destOrd="4" presId="urn:microsoft.com/office/officeart/2005/8/layout/hList1"/>
+    <dgm:cxn modelId="{D5B0BC16-B49A-FE44-A761-EBB10F39F2F8}" type="presOf" srcId="{8C52691A-75D0-7948-A89B-79580E0D7D2F}" destId="{2B6E9592-A682-6345-BF16-231F2137BE1B}" srcOrd="0" destOrd="15" presId="urn:microsoft.com/office/officeart/2005/8/layout/hList1"/>
+    <dgm:cxn modelId="{3725D917-9477-674B-9BD7-155AB0C0FC87}" srcId="{EE002E70-1BA6-414C-9812-44CC66DBF2F7}" destId="{B59A93ED-7F93-C74C-8FF6-FBC2A6574492}" srcOrd="1" destOrd="0" parTransId="{AD23F4FD-9F5E-CD42-AB67-249257448B4C}" sibTransId="{3808E1EB-6355-B64A-A9DB-1EF03CA3C361}"/>
+    <dgm:cxn modelId="{636C931F-78ED-4048-A695-DE9D929FBBD1}" type="presOf" srcId="{38D892D8-ED0F-6F41-B291-C9FF143724CA}" destId="{0ACA845D-9FC2-6344-8148-7E8CA16E5E7F}" srcOrd="0" destOrd="2" presId="urn:microsoft.com/office/officeart/2005/8/layout/hList1"/>
+    <dgm:cxn modelId="{5B4E1129-BEBE-D24E-9B4C-8591A87153FD}" type="presOf" srcId="{71AAE4DF-DDA9-4949-AD48-6F122CAFD057}" destId="{0ACA845D-9FC2-6344-8148-7E8CA16E5E7F}" srcOrd="0" destOrd="0" presId="urn:microsoft.com/office/officeart/2005/8/layout/hList1"/>
+    <dgm:cxn modelId="{F810D529-BB69-AD43-B406-C07B2E72C60E}" type="presOf" srcId="{1A5BA3FE-2D76-3845-96BA-348535CEB8D1}" destId="{2B6E9592-A682-6345-BF16-231F2137BE1B}" srcOrd="0" destOrd="9" presId="urn:microsoft.com/office/officeart/2005/8/layout/hList1"/>
+    <dgm:cxn modelId="{9EF82C2D-BE9A-F546-92BE-A017D3937BB4}" srcId="{71AAE4DF-DDA9-4949-AD48-6F122CAFD057}" destId="{6330B2B2-CF8F-584B-900D-702CE89DE008}" srcOrd="8" destOrd="0" parTransId="{56049C15-BB12-8348-98EF-BA1F07C014E6}" sibTransId="{315953DD-14B0-864B-8CA2-7A8560A0698F}"/>
+    <dgm:cxn modelId="{3EDF2038-7F86-2F4E-AB45-FC28F1918AFE}" type="presOf" srcId="{F0D22FD0-C8D2-484B-9AC7-26FB64CAF7B3}" destId="{2B6E9592-A682-6345-BF16-231F2137BE1B}" srcOrd="0" destOrd="13" presId="urn:microsoft.com/office/officeart/2005/8/layout/hList1"/>
+    <dgm:cxn modelId="{D5F3B438-EFD8-B840-AD8F-2C3F13A99E49}" type="presOf" srcId="{E05BD9A0-9638-2847-B21C-1F3C0B4CB50F}" destId="{053EBC9C-795D-B247-9A71-8C145122C26F}" srcOrd="0" destOrd="0" presId="urn:microsoft.com/office/officeart/2005/8/layout/hList1"/>
+    <dgm:cxn modelId="{EB4AC73A-8536-9544-81CE-BCB700F0DF17}" srcId="{71AAE4DF-DDA9-4949-AD48-6F122CAFD057}" destId="{BA69E4BF-DAB0-7E47-9C50-10FBF59DA58F}" srcOrd="5" destOrd="0" parTransId="{41A38DEB-04F1-A74F-9C95-6A3925EE8857}" sibTransId="{873BDE57-7CC2-0440-82CE-B658469E3861}"/>
+    <dgm:cxn modelId="{DE78263C-5519-0C4D-9F5E-8A21641CCE56}" type="presOf" srcId="{4DF8BBC8-0E97-4B4B-8618-619389319A3E}" destId="{0ACA845D-9FC2-6344-8148-7E8CA16E5E7F}" srcOrd="0" destOrd="5" presId="urn:microsoft.com/office/officeart/2005/8/layout/hList1"/>
+    <dgm:cxn modelId="{0DCF8941-1736-0447-BC18-8F489BCE9C30}" srcId="{71AAE4DF-DDA9-4949-AD48-6F122CAFD057}" destId="{38D892D8-ED0F-6F41-B291-C9FF143724CA}" srcOrd="1" destOrd="0" parTransId="{3859C20E-5D4C-C546-BC75-63B20C1FFD6C}" sibTransId="{450E1B8C-513C-E049-9694-A8036905AB43}"/>
+    <dgm:cxn modelId="{9182CE42-8264-0749-8D1B-72CF381A2FE1}" type="presOf" srcId="{ECA19826-E131-3143-8170-6FB978E3B754}" destId="{2B6E9592-A682-6345-BF16-231F2137BE1B}" srcOrd="0" destOrd="3" presId="urn:microsoft.com/office/officeart/2005/8/layout/hList1"/>
+    <dgm:cxn modelId="{AA1C1B43-00AA-CD43-BADA-3CABCF9DEA3F}" srcId="{71AAE4DF-DDA9-4949-AD48-6F122CAFD057}" destId="{DFBDC719-3909-9848-9B3E-9161F2C816B5}" srcOrd="0" destOrd="0" parTransId="{E3501F49-5B79-1A42-9160-8689D5B425AE}" sibTransId="{F9A939A6-370A-9646-A802-335EC3E76F01}"/>
+    <dgm:cxn modelId="{1455AE45-EF51-E04B-9D63-6CD0F1941968}" srcId="{EE002E70-1BA6-414C-9812-44CC66DBF2F7}" destId="{B39BE120-7AA2-5844-B3DE-0FADA010FAFF}" srcOrd="6" destOrd="0" parTransId="{7B870378-EE58-894F-91E1-6AE0EF0BE966}" sibTransId="{09EB3438-EB29-9140-ACF3-893E96C366B4}"/>
+    <dgm:cxn modelId="{11B74846-CE22-5F41-ADAE-817B401D7A78}" type="presOf" srcId="{DB8F49CC-0EAE-C943-8887-E112FC932742}" destId="{2B6E9592-A682-6345-BF16-231F2137BE1B}" srcOrd="0" destOrd="18" presId="urn:microsoft.com/office/officeart/2005/8/layout/hList1"/>
+    <dgm:cxn modelId="{37DB8149-1371-0C44-8E51-10B8CEA46720}" type="presOf" srcId="{BA69E4BF-DAB0-7E47-9C50-10FBF59DA58F}" destId="{0ACA845D-9FC2-6344-8148-7E8CA16E5E7F}" srcOrd="0" destOrd="6" presId="urn:microsoft.com/office/officeart/2005/8/layout/hList1"/>
+    <dgm:cxn modelId="{35AC254A-D83D-5949-A175-3E4E35EB11C1}" type="presOf" srcId="{47063CA0-0CBE-7D49-B314-4F9DB3528C0B}" destId="{0ACA845D-9FC2-6344-8148-7E8CA16E5E7F}" srcOrd="0" destOrd="11" presId="urn:microsoft.com/office/officeart/2005/8/layout/hList1"/>
+    <dgm:cxn modelId="{5A8B324C-9A73-EC43-AD3F-904C10AB887D}" srcId="{8FCAC36B-883B-CB49-B2A9-1726890C69CC}" destId="{A6D7846F-3016-9146-9509-5F44F23CA934}" srcOrd="2" destOrd="0" parTransId="{C7B8E429-BAE6-E549-A96E-B092531533E0}" sibTransId="{46DE24CA-6CE7-3D46-9E35-9921E19A126E}"/>
+    <dgm:cxn modelId="{4A021050-6BB4-F74E-9BD3-172BBE6445EB}" type="presOf" srcId="{8FCAC36B-883B-CB49-B2A9-1726890C69CC}" destId="{F52438EA-4F92-C240-AFC6-A4B2AEE6AE1C}" srcOrd="0" destOrd="0" presId="urn:microsoft.com/office/officeart/2005/8/layout/hList1"/>
+    <dgm:cxn modelId="{799A2054-F982-8F46-B1C0-73F1B68A7EAC}" type="presOf" srcId="{1A8C27D0-72C6-5044-8526-797A288D9FB8}" destId="{0ACA845D-9FC2-6344-8148-7E8CA16E5E7F}" srcOrd="0" destOrd="8" presId="urn:microsoft.com/office/officeart/2005/8/layout/hList1"/>
+    <dgm:cxn modelId="{E8A40256-DAA7-BE47-8BA7-2A4A854BE47B}" type="presOf" srcId="{C835637C-F65B-4A4C-999A-7798918F06BA}" destId="{0ACA845D-9FC2-6344-8148-7E8CA16E5E7F}" srcOrd="0" destOrd="13" presId="urn:microsoft.com/office/officeart/2005/8/layout/hList1"/>
+    <dgm:cxn modelId="{96299356-DBF7-7D4D-A130-30D7F9F1BFF4}" srcId="{71AAE4DF-DDA9-4949-AD48-6F122CAFD057}" destId="{4DF8BBC8-0E97-4B4B-8618-619389319A3E}" srcOrd="4" destOrd="0" parTransId="{6D103AB3-7690-3248-9072-663FDEDFDCB8}" sibTransId="{8CB87E1D-C919-C648-B34A-66D1E93A0CB0}"/>
+    <dgm:cxn modelId="{318D0458-4882-9241-B8F1-A29B8088BB8D}" srcId="{EE002E70-1BA6-414C-9812-44CC66DBF2F7}" destId="{8F7E1E02-2D70-E04C-90D8-652953180D13}" srcOrd="13" destOrd="0" parTransId="{F80D8DF8-3180-604A-B834-4B3FB4A29CB8}" sibTransId="{93CC8377-6516-F14B-A912-AEC5AE8C1DA1}"/>
+    <dgm:cxn modelId="{0C0B6A58-4CDB-DF4E-9B2F-5157383B2868}" srcId="{EE002E70-1BA6-414C-9812-44CC66DBF2F7}" destId="{ECA19826-E131-3143-8170-6FB978E3B754}" srcOrd="2" destOrd="0" parTransId="{A195020A-7C37-EB48-8F08-FC8230E32CC9}" sibTransId="{0FE27D84-46BF-8849-8331-1A5FC8DD2C73}"/>
+    <dgm:cxn modelId="{DE5FED62-22E0-9847-B18B-8944F01FED78}" srcId="{71AAE4DF-DDA9-4949-AD48-6F122CAFD057}" destId="{1A8C27D0-72C6-5044-8526-797A288D9FB8}" srcOrd="7" destOrd="0" parTransId="{BF4D1E34-1730-3149-B143-4DA14F6CC138}" sibTransId="{3F1D6CBC-1C47-F240-A5D3-7F3BE51E15C7}"/>
+    <dgm:cxn modelId="{698E1966-86C6-2547-AC00-2FEF6A911E04}" type="presOf" srcId="{350484AC-729C-1E4F-8F60-D25F1B7D92AC}" destId="{2B6E9592-A682-6345-BF16-231F2137BE1B}" srcOrd="0" destOrd="11" presId="urn:microsoft.com/office/officeart/2005/8/layout/hList1"/>
+    <dgm:cxn modelId="{FB0F6167-DA1A-8046-AF67-2950F6C79EE0}" srcId="{EE002E70-1BA6-414C-9812-44CC66DBF2F7}" destId="{EE9B25DB-61EB-1045-BC70-1F3C64B65356}" srcOrd="7" destOrd="0" parTransId="{F7053BE5-057A-1C40-8803-5A4671AC87C8}" sibTransId="{30DDA3EF-ED21-0745-811B-C8E5175528D3}"/>
+    <dgm:cxn modelId="{F0A3286B-BA3C-FD4D-928F-03586CEEC86B}" srcId="{A6D7846F-3016-9146-9509-5F44F23CA934}" destId="{DB8F49CC-0EAE-C943-8887-E112FC932742}" srcOrd="0" destOrd="0" parTransId="{E3E04408-6FAC-664A-9207-A94A01C510DF}" sibTransId="{6FF47A1D-092D-9048-B35D-3C0D6759CB27}"/>
+    <dgm:cxn modelId="{CFC25A6B-9F2E-1F48-B29C-5490C5C944B0}" type="presOf" srcId="{8D2B03F3-2622-FD40-8963-81F8268332EB}" destId="{2B6E9592-A682-6345-BF16-231F2137BE1B}" srcOrd="0" destOrd="5" presId="urn:microsoft.com/office/officeart/2005/8/layout/hList1"/>
+    <dgm:cxn modelId="{572FEC6F-8262-404D-8F02-18EDD128C399}" srcId="{EE002E70-1BA6-414C-9812-44CC66DBF2F7}" destId="{1A5BA3FE-2D76-3845-96BA-348535CEB8D1}" srcOrd="8" destOrd="0" parTransId="{33965CB0-F7AF-C142-B4EE-6D0EF10D84F5}" sibTransId="{649EEE7D-1563-4248-929D-5CD9299F51A6}"/>
+    <dgm:cxn modelId="{17C6DA72-945A-DE49-901E-57CE0D6BFAD0}" srcId="{819E0C5A-1403-8E41-AAA1-DCD6DD60F058}" destId="{8FCAC36B-883B-CB49-B2A9-1726890C69CC}" srcOrd="0" destOrd="0" parTransId="{E8A03A2C-CA25-EF4D-BF6A-78335E2FE77E}" sibTransId="{D384A8A0-6BAF-884B-BCF0-7AFB8CACFA43}"/>
+    <dgm:cxn modelId="{31264873-1CCA-0944-A0B2-E46D826F39BE}" srcId="{71AAE4DF-DDA9-4949-AD48-6F122CAFD057}" destId="{89E0EB89-7578-E44F-95F9-AF1B2C0F7218}" srcOrd="2" destOrd="0" parTransId="{1EE453C3-B777-2F4F-A36B-B9FDAC3C9150}" sibTransId="{B87A37A3-39B3-B348-903D-BCECF88EB2CC}"/>
+    <dgm:cxn modelId="{8B42517F-F876-9C48-9CD3-43A4A4AD6A5D}" type="presOf" srcId="{D50A149E-1F4A-7548-A154-30DBAE9D26A1}" destId="{2B6E9592-A682-6345-BF16-231F2137BE1B}" srcOrd="0" destOrd="10" presId="urn:microsoft.com/office/officeart/2005/8/layout/hList1"/>
+    <dgm:cxn modelId="{68BCD77F-2039-B847-8E91-B391164CFC70}" srcId="{EE002E70-1BA6-414C-9812-44CC66DBF2F7}" destId="{E5B71C87-286A-504C-9FED-D8FBE221DF2E}" srcOrd="3" destOrd="0" parTransId="{9D8232D3-F16E-DE4A-9828-76D8F6823B26}" sibTransId="{22FC9835-6A9E-0245-9C89-EA136571E5E4}"/>
+    <dgm:cxn modelId="{D32AB586-3E01-B24B-93C4-3AA3F809C4E2}" type="presOf" srcId="{EE002E70-1BA6-414C-9812-44CC66DBF2F7}" destId="{2B6E9592-A682-6345-BF16-231F2137BE1B}" srcOrd="0" destOrd="0" presId="urn:microsoft.com/office/officeart/2005/8/layout/hList1"/>
+    <dgm:cxn modelId="{F6828095-2A83-EE45-9142-34FECB1A77D8}" type="presOf" srcId="{6330B2B2-CF8F-584B-900D-702CE89DE008}" destId="{0ACA845D-9FC2-6344-8148-7E8CA16E5E7F}" srcOrd="0" destOrd="9" presId="urn:microsoft.com/office/officeart/2005/8/layout/hList1"/>
+    <dgm:cxn modelId="{55292797-4285-4D45-A1B7-156CEFFE3E3B}" srcId="{71AAE4DF-DDA9-4949-AD48-6F122CAFD057}" destId="{6D43B080-BA94-114C-AE93-02DCEBD19BE1}" srcOrd="6" destOrd="0" parTransId="{692C1BF2-20C6-A641-A5F2-2E1A66098A06}" sibTransId="{010AE940-AC21-2E49-A5F0-184454776D05}"/>
+    <dgm:cxn modelId="{BD7D649C-BD9C-B345-BC3F-1C555C830F1B}" type="presOf" srcId="{DFBDC719-3909-9848-9B3E-9161F2C816B5}" destId="{0ACA845D-9FC2-6344-8148-7E8CA16E5E7F}" srcOrd="0" destOrd="1" presId="urn:microsoft.com/office/officeart/2005/8/layout/hList1"/>
+    <dgm:cxn modelId="{5326C3A2-E1FA-5F4C-8819-DB2DCD8E3562}" srcId="{71AAE4DF-DDA9-4949-AD48-6F122CAFD057}" destId="{C76F3CDD-C26A-E74B-905B-2F09A566C678}" srcOrd="3" destOrd="0" parTransId="{0C443361-2D53-6D4B-8F3C-8C53AA17E811}" sibTransId="{46B840D1-592C-6F4E-BB8B-8E1619EB5FCA}"/>
+    <dgm:cxn modelId="{9C9521A5-E8CB-AA47-8480-234CA4065BC8}" srcId="{8FCAC36B-883B-CB49-B2A9-1726890C69CC}" destId="{C0523AAE-B76D-BD4B-9172-57C203FC0868}" srcOrd="1" destOrd="0" parTransId="{6ED78F1E-62D7-5449-B653-88B1807CC3B4}" sibTransId="{1BF0186C-831D-F445-979A-5487E2641705}"/>
+    <dgm:cxn modelId="{B38A7EA7-D40A-834F-BA52-55C330B0572B}" type="presOf" srcId="{A6D7846F-3016-9146-9509-5F44F23CA934}" destId="{2B6E9592-A682-6345-BF16-231F2137BE1B}" srcOrd="0" destOrd="17" presId="urn:microsoft.com/office/officeart/2005/8/layout/hList1"/>
+    <dgm:cxn modelId="{8A72F6AA-4545-9840-9EDB-D2597D4B366D}" type="presOf" srcId="{913A0525-FECB-E645-AEBD-C101F25A5F6B}" destId="{2B6E9592-A682-6345-BF16-231F2137BE1B}" srcOrd="0" destOrd="12" presId="urn:microsoft.com/office/officeart/2005/8/layout/hList1"/>
+    <dgm:cxn modelId="{B34E6BAC-4C7A-4D45-8699-733B296AF1D8}" type="presOf" srcId="{6D43B080-BA94-114C-AE93-02DCEBD19BE1}" destId="{0ACA845D-9FC2-6344-8148-7E8CA16E5E7F}" srcOrd="0" destOrd="7" presId="urn:microsoft.com/office/officeart/2005/8/layout/hList1"/>
+    <dgm:cxn modelId="{428BA1AC-20F6-FA4F-86A4-2015B1EF0818}" type="presOf" srcId="{C0523AAE-B76D-BD4B-9172-57C203FC0868}" destId="{2B6E9592-A682-6345-BF16-231F2137BE1B}" srcOrd="0" destOrd="16" presId="urn:microsoft.com/office/officeart/2005/8/layout/hList1"/>
+    <dgm:cxn modelId="{C480C3B3-ECB1-9D49-9001-127EA0729733}" srcId="{EE002E70-1BA6-414C-9812-44CC66DBF2F7}" destId="{8D2B03F3-2622-FD40-8963-81F8268332EB}" srcOrd="4" destOrd="0" parTransId="{BECB9C8F-8FD5-BB4C-B5BE-62D64E2CF58E}" sibTransId="{3C084FC9-D1CD-494B-A928-7415501E3438}"/>
+    <dgm:cxn modelId="{12B5C4B4-5C22-ED42-B93F-9CCB6DBC330B}" srcId="{EE002E70-1BA6-414C-9812-44CC66DBF2F7}" destId="{F0D22FD0-C8D2-484B-9AC7-26FB64CAF7B3}" srcOrd="12" destOrd="0" parTransId="{F9865F22-EAFC-4948-9766-F3E4CDEDBF7A}" sibTransId="{AAAC0A5E-0CA4-D143-A3EE-B57815095543}"/>
+    <dgm:cxn modelId="{A16505B6-A8A8-2D48-9157-346458051549}" srcId="{71AAE4DF-DDA9-4949-AD48-6F122CAFD057}" destId="{47063CA0-0CBE-7D49-B314-4F9DB3528C0B}" srcOrd="10" destOrd="0" parTransId="{5F65C636-E814-FD48-A5E7-E0C39641B3A7}" sibTransId="{F8AED8B2-1422-DE4E-B1F6-6B3166001D01}"/>
+    <dgm:cxn modelId="{5A16F2B6-FE33-1549-BDF0-994467AD6672}" type="presOf" srcId="{E5B71C87-286A-504C-9FED-D8FBE221DF2E}" destId="{2B6E9592-A682-6345-BF16-231F2137BE1B}" srcOrd="0" destOrd="4" presId="urn:microsoft.com/office/officeart/2005/8/layout/hList1"/>
+    <dgm:cxn modelId="{7A4A7FC4-5BC2-A847-8FEC-02B6C52A14CB}" srcId="{EE002E70-1BA6-414C-9812-44CC66DBF2F7}" destId="{A3023A56-B610-2E4C-8BA9-4F47C7AA75AE}" srcOrd="5" destOrd="0" parTransId="{73E2913C-6BDC-DF48-B3DC-AD26D17A6ACD}" sibTransId="{E5F285C6-255A-6548-BE7B-0464EEC1CD39}"/>
+    <dgm:cxn modelId="{AF8C9FC6-A11B-664C-B9A6-56CC41C1EC63}" srcId="{A8B444C6-60CE-FA48-AAD1-DE301EF4E992}" destId="{C835637C-F65B-4A4C-999A-7798918F06BA}" srcOrd="0" destOrd="0" parTransId="{AE56E410-E1F5-9741-9EBD-B7B2B705DA53}" sibTransId="{818F4537-2228-9C44-A431-4ADB20B7ECF3}"/>
+    <dgm:cxn modelId="{0A0C1FC8-DF7D-0041-9180-8A743EA14FB9}" type="presOf" srcId="{EE9B25DB-61EB-1045-BC70-1F3C64B65356}" destId="{2B6E9592-A682-6345-BF16-231F2137BE1B}" srcOrd="0" destOrd="8" presId="urn:microsoft.com/office/officeart/2005/8/layout/hList1"/>
+    <dgm:cxn modelId="{6F270AC9-51B9-EF48-84A9-F1111E887624}" type="presOf" srcId="{A3023A56-B610-2E4C-8BA9-4F47C7AA75AE}" destId="{2B6E9592-A682-6345-BF16-231F2137BE1B}" srcOrd="0" destOrd="6" presId="urn:microsoft.com/office/officeart/2005/8/layout/hList1"/>
+    <dgm:cxn modelId="{49069BCD-71CE-E34E-8E0C-A0DDA4185033}" srcId="{71AAE4DF-DDA9-4949-AD48-6F122CAFD057}" destId="{72E56469-7657-1247-AF59-CE2EB6ABF4E8}" srcOrd="9" destOrd="0" parTransId="{4B7934F9-3EF6-5141-8532-BCF141C9E7C4}" sibTransId="{6CACEF96-B02C-E24E-BAB2-00A5504233B5}"/>
+    <dgm:cxn modelId="{7E299CD0-8AEF-0F49-9728-D65F147E1912}" type="presOf" srcId="{8F7E1E02-2D70-E04C-90D8-652953180D13}" destId="{2B6E9592-A682-6345-BF16-231F2137BE1B}" srcOrd="0" destOrd="14" presId="urn:microsoft.com/office/officeart/2005/8/layout/hList1"/>
+    <dgm:cxn modelId="{BBB0A3D7-D137-0D48-8632-8215233A8AA0}" srcId="{819E0C5A-1403-8E41-AAA1-DCD6DD60F058}" destId="{E05BD9A0-9638-2847-B21C-1F3C0B4CB50F}" srcOrd="1" destOrd="0" parTransId="{E4DC4D22-FBE9-E740-BFFA-2182F4D627F1}" sibTransId="{38A24B3A-B657-AB4E-9522-6162931272E9}"/>
+    <dgm:cxn modelId="{F8ABE7D9-5203-1F40-9181-D9808D189EF1}" type="presOf" srcId="{8BA39BFB-6A6D-484C-9EAF-C93E7D584CD1}" destId="{2B6E9592-A682-6345-BF16-231F2137BE1B}" srcOrd="0" destOrd="1" presId="urn:microsoft.com/office/officeart/2005/8/layout/hList1"/>
+    <dgm:cxn modelId="{90CB2DDE-87E1-7E40-96BA-4A81183E3CEE}" srcId="{E05BD9A0-9638-2847-B21C-1F3C0B4CB50F}" destId="{71AAE4DF-DDA9-4949-AD48-6F122CAFD057}" srcOrd="0" destOrd="0" parTransId="{FFA32C89-FA4A-124F-9B2F-A85E7ED20A25}" sibTransId="{5E2809A9-9023-6C4B-BA63-C605934B104D}"/>
+    <dgm:cxn modelId="{F4296FE3-D4D7-6F4A-A1B2-2620327692AF}" srcId="{E05BD9A0-9638-2847-B21C-1F3C0B4CB50F}" destId="{A8B444C6-60CE-FA48-AAD1-DE301EF4E992}" srcOrd="1" destOrd="0" parTransId="{B0988517-3869-9342-98FE-E15B3EB287F6}" sibTransId="{2D4A4730-5205-A548-89ED-B9956F00AB43}"/>
+    <dgm:cxn modelId="{A6B37CF4-BAB0-C745-94CE-F35DCCBBD7FF}" type="presOf" srcId="{B59A93ED-7F93-C74C-8FF6-FBC2A6574492}" destId="{2B6E9592-A682-6345-BF16-231F2137BE1B}" srcOrd="0" destOrd="2" presId="urn:microsoft.com/office/officeart/2005/8/layout/hList1"/>
+    <dgm:cxn modelId="{EBCFE7F6-57C0-9A41-B203-81CE954CB5CF}" srcId="{EE002E70-1BA6-414C-9812-44CC66DBF2F7}" destId="{913A0525-FECB-E645-AEBD-C101F25A5F6B}" srcOrd="11" destOrd="0" parTransId="{17B6C2BC-81CE-1942-9474-7CDAF3BABE08}" sibTransId="{2817BE46-16FA-3849-A1F1-45DF8CFE86D4}"/>
+    <dgm:cxn modelId="{BC1D23F7-F86F-F54D-9FCE-D7B6D6B825D8}" srcId="{EE002E70-1BA6-414C-9812-44CC66DBF2F7}" destId="{350484AC-729C-1E4F-8F60-D25F1B7D92AC}" srcOrd="10" destOrd="0" parTransId="{E325A311-56F1-F442-9A24-1FFB716DA492}" sibTransId="{FEE7BD35-CB82-9744-AC62-8C3407611BFB}"/>
+    <dgm:cxn modelId="{517F86F9-A6C8-2C40-8B11-04B2DD40FF26}" type="presOf" srcId="{89E0EB89-7578-E44F-95F9-AF1B2C0F7218}" destId="{0ACA845D-9FC2-6344-8148-7E8CA16E5E7F}" srcOrd="0" destOrd="3" presId="urn:microsoft.com/office/officeart/2005/8/layout/hList1"/>
+    <dgm:cxn modelId="{6FDA2CFD-5863-6145-92E8-AA5C2CCA698F}" type="presOf" srcId="{819E0C5A-1403-8E41-AAA1-DCD6DD60F058}" destId="{2807EB78-8D31-3747-86B6-30FD7B633A86}" srcOrd="0" destOrd="0" presId="urn:microsoft.com/office/officeart/2005/8/layout/hList1"/>
+    <dgm:cxn modelId="{DDE4F69F-BD15-974C-BE3F-0D1844DB46FD}" type="presParOf" srcId="{2807EB78-8D31-3747-86B6-30FD7B633A86}" destId="{5535844E-7D04-784F-9C9B-B2A4654E4C20}" srcOrd="0" destOrd="0" presId="urn:microsoft.com/office/officeart/2005/8/layout/hList1"/>
+    <dgm:cxn modelId="{A3DCBACC-F0E0-6143-87E4-6DDF1D0994C3}" type="presParOf" srcId="{5535844E-7D04-784F-9C9B-B2A4654E4C20}" destId="{F52438EA-4F92-C240-AFC6-A4B2AEE6AE1C}" srcOrd="0" destOrd="0" presId="urn:microsoft.com/office/officeart/2005/8/layout/hList1"/>
+    <dgm:cxn modelId="{FD6E9AE1-7BA9-324D-9BA9-7355857C1C67}" type="presParOf" srcId="{5535844E-7D04-784F-9C9B-B2A4654E4C20}" destId="{2B6E9592-A682-6345-BF16-231F2137BE1B}" srcOrd="1" destOrd="0" presId="urn:microsoft.com/office/officeart/2005/8/layout/hList1"/>
+    <dgm:cxn modelId="{09091BA0-FE97-2C45-9DB9-0D3F6B1998E8}" type="presParOf" srcId="{2807EB78-8D31-3747-86B6-30FD7B633A86}" destId="{FEB52FE5-A102-B64F-A533-08616EF93B83}" srcOrd="1" destOrd="0" presId="urn:microsoft.com/office/officeart/2005/8/layout/hList1"/>
+    <dgm:cxn modelId="{BF0E38FB-641D-0649-9FF1-827428ACB8E8}" type="presParOf" srcId="{2807EB78-8D31-3747-86B6-30FD7B633A86}" destId="{3FE07C82-AE65-034F-8934-6B5BCC7F8521}" srcOrd="2" destOrd="0" presId="urn:microsoft.com/office/officeart/2005/8/layout/hList1"/>
+    <dgm:cxn modelId="{27B360C7-3A2E-E441-B9B0-8D4F8EAC12E4}" type="presParOf" srcId="{3FE07C82-AE65-034F-8934-6B5BCC7F8521}" destId="{053EBC9C-795D-B247-9A71-8C145122C26F}" srcOrd="0" destOrd="0" presId="urn:microsoft.com/office/officeart/2005/8/layout/hList1"/>
+    <dgm:cxn modelId="{1771A7EE-5076-8443-A575-C66EEF5B9F3F}" type="presParOf" srcId="{3FE07C82-AE65-034F-8934-6B5BCC7F8521}" destId="{0ACA845D-9FC2-6344-8148-7E8CA16E5E7F}" srcOrd="1" destOrd="0" presId="urn:microsoft.com/office/officeart/2005/8/layout/hList1"/>
+  </dgm:cxnLst>
+  <dgm:bg/>
+  <dgm:whole/>
+  <dgm:extLst>
+    <a:ext uri="http://schemas.microsoft.com/office/drawing/2008/diagram">
+      <dsp:dataModelExt xmlns:dsp="http://schemas.microsoft.com/office/drawing/2008/diagram" relId="rId7" minVer="http://schemas.openxmlformats.org/drawingml/2006/diagram"/>
+    </a:ext>
+  </dgm:extLst>
+</dgm:dataModel>
+</file>
+
 <file path=ppt/diagrams/drawing1.xml><?xml version="1.0" encoding="utf-8"?>
 <dsp:drawing xmlns:dgm="http://schemas.openxmlformats.org/drawingml/2006/diagram" xmlns:dsp="http://schemas.microsoft.com/office/drawing/2008/diagram" xmlns:a="http://schemas.openxmlformats.org/drawingml/2006/main">
   <dsp:spTree>
@@ -5040,18 +7344,20 @@
       <dsp:cNvGrpSpPr/>
     </dsp:nvGrpSpPr>
     <dsp:grpSpPr/>
-    <dsp:sp modelId="{5C456B8C-48E2-D445-9478-6BCF56204D93}">
+    <dsp:sp modelId="{038A1066-8266-7640-9E1A-8972A37E2DD2}">
       <dsp:nvSpPr>
         <dsp:cNvPr id="0" name=""/>
         <dsp:cNvSpPr/>
       </dsp:nvSpPr>
       <dsp:spPr>
         <a:xfrm>
-          <a:off x="1263" y="1514962"/>
-          <a:ext cx="2464234" cy="985693"/>
+          <a:off x="0" y="0"/>
+          <a:ext cx="7971281" cy="722811"/>
         </a:xfrm>
-        <a:prstGeom prst="homePlate">
-          <a:avLst/>
+        <a:prstGeom prst="roundRect">
+          <a:avLst>
+            <a:gd name="adj" fmla="val 10000"/>
+          </a:avLst>
         </a:prstGeom>
         <a:solidFill>
           <a:schemeClr val="accent2">
@@ -5090,12 +7396,12 @@
         </a:fontRef>
       </dsp:style>
       <dsp:txBody>
-        <a:bodyPr spcFirstLastPara="0" vert="horz" wrap="square" lIns="74676" tIns="37338" rIns="18669" bIns="37338" numCol="1" spcCol="1270" anchor="ctr" anchorCtr="0">
+        <a:bodyPr spcFirstLastPara="0" vert="horz" wrap="square" lIns="76200" tIns="76200" rIns="76200" bIns="76200" numCol="1" spcCol="1270" anchor="ctr" anchorCtr="0">
           <a:noAutofit/>
         </a:bodyPr>
         <a:lstStyle/>
         <a:p>
-          <a:pPr marL="0" lvl="0" indent="0" algn="ctr" defTabSz="622300">
+          <a:pPr marL="0" lvl="0" indent="0" algn="l" defTabSz="889000">
             <a:lnSpc>
               <a:spcPct val="90000"/>
             </a:lnSpc>
@@ -5108,28 +7414,30 @@
             <a:buNone/>
           </a:pPr>
           <a:r>
-            <a:rPr lang="es-ES" sz="1400" kern="1200" dirty="0"/>
+            <a:rPr lang="es-ES" sz="2000" kern="1200" dirty="0"/>
             <a:t>Estudio de la correlación</a:t>
           </a:r>
         </a:p>
       </dsp:txBody>
       <dsp:txXfrm>
-        <a:off x="1263" y="1514962"/>
-        <a:ext cx="2217811" cy="985693"/>
+        <a:off x="21170" y="21170"/>
+        <a:ext cx="7106743" cy="680471"/>
       </dsp:txXfrm>
     </dsp:sp>
-    <dsp:sp modelId="{942A33E5-8888-AE4E-8D00-F0BC9AB9D32E}">
+    <dsp:sp modelId="{AAB7B6BE-73AC-FD48-8868-D26FFBCAEE7B}">
       <dsp:nvSpPr>
         <dsp:cNvPr id="0" name=""/>
         <dsp:cNvSpPr/>
       </dsp:nvSpPr>
       <dsp:spPr>
         <a:xfrm>
-          <a:off x="1972651" y="1514962"/>
-          <a:ext cx="2464234" cy="985693"/>
+          <a:off x="595258" y="823201"/>
+          <a:ext cx="7971281" cy="722811"/>
         </a:xfrm>
-        <a:prstGeom prst="chevron">
-          <a:avLst/>
+        <a:prstGeom prst="roundRect">
+          <a:avLst>
+            <a:gd name="adj" fmla="val 10000"/>
+          </a:avLst>
         </a:prstGeom>
         <a:solidFill>
           <a:schemeClr val="accent3">
@@ -5168,12 +7476,12 @@
         </a:fontRef>
       </dsp:style>
       <dsp:txBody>
-        <a:bodyPr spcFirstLastPara="0" vert="horz" wrap="square" lIns="56007" tIns="37338" rIns="18669" bIns="37338" numCol="1" spcCol="1270" anchor="ctr" anchorCtr="0">
+        <a:bodyPr spcFirstLastPara="0" vert="horz" wrap="square" lIns="76200" tIns="76200" rIns="76200" bIns="76200" numCol="1" spcCol="1270" anchor="ctr" anchorCtr="0">
           <a:noAutofit/>
         </a:bodyPr>
         <a:lstStyle/>
         <a:p>
-          <a:pPr marL="0" lvl="0" indent="0" algn="ctr" defTabSz="622300">
+          <a:pPr marL="0" lvl="0" indent="0" algn="l" defTabSz="889000">
             <a:lnSpc>
               <a:spcPct val="90000"/>
             </a:lnSpc>
@@ -5186,33 +7494,30 @@
             <a:buNone/>
           </a:pPr>
           <a:r>
-            <a:rPr lang="es-ES" sz="1400" kern="1200" dirty="0"/>
-            <a:t>Comprobación de la normalidad y la </a:t>
+            <a:rPr lang="es-ES" sz="2000" kern="1200" dirty="0"/>
+            <a:t>Comprobación de la normalidad y la homocedasticidad</a:t>
           </a:r>
-          <a:r>
-            <a:rPr lang="es-ES" sz="1400" kern="1200" dirty="0" err="1"/>
-            <a:t>homocedesticidad</a:t>
-          </a:r>
-          <a:endParaRPr lang="es-ES" sz="1400" kern="1200" dirty="0"/>
         </a:p>
       </dsp:txBody>
       <dsp:txXfrm>
-        <a:off x="2465498" y="1514962"/>
-        <a:ext cx="1478541" cy="985693"/>
+        <a:off x="616428" y="844371"/>
+        <a:ext cx="6863856" cy="680471"/>
       </dsp:txXfrm>
     </dsp:sp>
-    <dsp:sp modelId="{8E5568DC-9167-8445-99BC-DBA650E4D55C}">
+    <dsp:sp modelId="{FBB442C6-6A8B-964D-B6A3-A50052BF110E}">
       <dsp:nvSpPr>
         <dsp:cNvPr id="0" name=""/>
         <dsp:cNvSpPr/>
       </dsp:nvSpPr>
       <dsp:spPr>
         <a:xfrm>
-          <a:off x="3944039" y="1514962"/>
-          <a:ext cx="2464234" cy="985693"/>
+          <a:off x="1190516" y="1646403"/>
+          <a:ext cx="7971281" cy="722811"/>
         </a:xfrm>
-        <a:prstGeom prst="chevron">
-          <a:avLst/>
+        <a:prstGeom prst="roundRect">
+          <a:avLst>
+            <a:gd name="adj" fmla="val 10000"/>
+          </a:avLst>
         </a:prstGeom>
         <a:solidFill>
           <a:schemeClr val="accent4">
@@ -5251,12 +7556,12 @@
         </a:fontRef>
       </dsp:style>
       <dsp:txBody>
-        <a:bodyPr spcFirstLastPara="0" vert="horz" wrap="square" lIns="56007" tIns="37338" rIns="18669" bIns="37338" numCol="1" spcCol="1270" anchor="ctr" anchorCtr="0">
+        <a:bodyPr spcFirstLastPara="0" vert="horz" wrap="square" lIns="76200" tIns="76200" rIns="76200" bIns="76200" numCol="1" spcCol="1270" anchor="ctr" anchorCtr="0">
           <a:noAutofit/>
         </a:bodyPr>
         <a:lstStyle/>
         <a:p>
-          <a:pPr marL="0" lvl="0" indent="0" algn="ctr" defTabSz="622300">
+          <a:pPr marL="0" lvl="0" indent="0" algn="l" defTabSz="889000">
             <a:lnSpc>
               <a:spcPct val="90000"/>
             </a:lnSpc>
@@ -5269,28 +7574,30 @@
             <a:buNone/>
           </a:pPr>
           <a:r>
-            <a:rPr lang="es-ES" sz="1400" kern="1200" dirty="0"/>
+            <a:rPr lang="es-ES" sz="2000" kern="1200" dirty="0"/>
             <a:t>Contraste de hipótesis</a:t>
           </a:r>
         </a:p>
       </dsp:txBody>
       <dsp:txXfrm>
-        <a:off x="4436886" y="1514962"/>
-        <a:ext cx="1478541" cy="985693"/>
+        <a:off x="1211686" y="1667573"/>
+        <a:ext cx="6863856" cy="680471"/>
       </dsp:txXfrm>
     </dsp:sp>
-    <dsp:sp modelId="{C1DC4242-CCBD-A740-88B3-0FD5B9EC033A}">
+    <dsp:sp modelId="{09F957A7-3730-DB48-B533-559E6783C573}">
       <dsp:nvSpPr>
         <dsp:cNvPr id="0" name=""/>
         <dsp:cNvSpPr/>
       </dsp:nvSpPr>
       <dsp:spPr>
         <a:xfrm>
-          <a:off x="5915427" y="1514962"/>
-          <a:ext cx="2464234" cy="985693"/>
+          <a:off x="1785774" y="2469605"/>
+          <a:ext cx="7971281" cy="722811"/>
         </a:xfrm>
-        <a:prstGeom prst="chevron">
-          <a:avLst/>
+        <a:prstGeom prst="roundRect">
+          <a:avLst>
+            <a:gd name="adj" fmla="val 10000"/>
+          </a:avLst>
         </a:prstGeom>
         <a:solidFill>
           <a:schemeClr val="accent5">
@@ -5329,12 +7636,12 @@
         </a:fontRef>
       </dsp:style>
       <dsp:txBody>
-        <a:bodyPr spcFirstLastPara="0" vert="horz" wrap="square" lIns="56007" tIns="37338" rIns="18669" bIns="37338" numCol="1" spcCol="1270" anchor="ctr" anchorCtr="0">
+        <a:bodyPr spcFirstLastPara="0" vert="horz" wrap="square" lIns="76200" tIns="76200" rIns="76200" bIns="76200" numCol="1" spcCol="1270" anchor="ctr" anchorCtr="0">
           <a:noAutofit/>
         </a:bodyPr>
         <a:lstStyle/>
         <a:p>
-          <a:pPr marL="0" lvl="0" indent="0" algn="ctr" defTabSz="622300">
+          <a:pPr marL="0" lvl="0" indent="0" algn="l" defTabSz="889000">
             <a:lnSpc>
               <a:spcPct val="90000"/>
             </a:lnSpc>
@@ -5347,28 +7654,30 @@
             <a:buNone/>
           </a:pPr>
           <a:r>
-            <a:rPr lang="es-ES" sz="1400" kern="1200" dirty="0"/>
+            <a:rPr lang="es-ES" sz="2000" kern="1200" dirty="0"/>
             <a:t>Regresión Lineal</a:t>
           </a:r>
         </a:p>
       </dsp:txBody>
       <dsp:txXfrm>
-        <a:off x="6408274" y="1514962"/>
-        <a:ext cx="1478541" cy="985693"/>
+        <a:off x="1806944" y="2490775"/>
+        <a:ext cx="6863856" cy="680471"/>
       </dsp:txXfrm>
     </dsp:sp>
-    <dsp:sp modelId="{B40C2E14-E936-3C47-8C10-3B392B38C359}">
+    <dsp:sp modelId="{F7396D1B-13AC-434E-91C0-E3AC39ED3FF8}">
       <dsp:nvSpPr>
         <dsp:cNvPr id="0" name=""/>
         <dsp:cNvSpPr/>
       </dsp:nvSpPr>
       <dsp:spPr>
         <a:xfrm>
-          <a:off x="7886815" y="1514962"/>
-          <a:ext cx="2464234" cy="985693"/>
+          <a:off x="2381032" y="3292807"/>
+          <a:ext cx="7971281" cy="722811"/>
         </a:xfrm>
-        <a:prstGeom prst="chevron">
-          <a:avLst/>
+        <a:prstGeom prst="roundRect">
+          <a:avLst>
+            <a:gd name="adj" fmla="val 10000"/>
+          </a:avLst>
         </a:prstGeom>
         <a:solidFill>
           <a:schemeClr val="accent6">
@@ -5407,12 +7716,12 @@
         </a:fontRef>
       </dsp:style>
       <dsp:txBody>
-        <a:bodyPr spcFirstLastPara="0" vert="horz" wrap="square" lIns="56007" tIns="37338" rIns="18669" bIns="37338" numCol="1" spcCol="1270" anchor="ctr" anchorCtr="0">
+        <a:bodyPr spcFirstLastPara="0" vert="horz" wrap="square" lIns="76200" tIns="76200" rIns="76200" bIns="76200" numCol="1" spcCol="1270" anchor="ctr" anchorCtr="0">
           <a:noAutofit/>
         </a:bodyPr>
         <a:lstStyle/>
         <a:p>
-          <a:pPr marL="0" lvl="0" indent="0" algn="ctr" defTabSz="622300">
+          <a:pPr marL="0" lvl="0" indent="0" algn="l" defTabSz="889000">
             <a:lnSpc>
               <a:spcPct val="90000"/>
             </a:lnSpc>
@@ -5425,14 +7734,334 @@
             <a:buNone/>
           </a:pPr>
           <a:r>
-            <a:rPr lang="es-ES" sz="1400" b="1" kern="1200" dirty="0"/>
-            <a:t>Predicción de la posición en el buscador</a:t>
+            <a:rPr lang="es-ES" sz="2000" b="1" kern="1200" dirty="0"/>
+            <a:t>Predicción de la posición en el buscador y del precio máximo de la habitación</a:t>
           </a:r>
         </a:p>
       </dsp:txBody>
       <dsp:txXfrm>
-        <a:off x="8379662" y="1514962"/>
-        <a:ext cx="1478541" cy="985693"/>
+        <a:off x="2402202" y="3313977"/>
+        <a:ext cx="6863856" cy="680471"/>
+      </dsp:txXfrm>
+    </dsp:sp>
+    <dsp:sp modelId="{503F7AB0-8F01-BE44-9118-8942B44BF49A}">
+      <dsp:nvSpPr>
+        <dsp:cNvPr id="0" name=""/>
+        <dsp:cNvSpPr/>
+      </dsp:nvSpPr>
+      <dsp:spPr>
+        <a:xfrm>
+          <a:off x="7501454" y="528053"/>
+          <a:ext cx="469827" cy="469827"/>
+        </a:xfrm>
+        <a:prstGeom prst="downArrow">
+          <a:avLst>
+            <a:gd name="adj1" fmla="val 55000"/>
+            <a:gd name="adj2" fmla="val 45000"/>
+          </a:avLst>
+        </a:prstGeom>
+        <a:solidFill>
+          <a:schemeClr val="accent2">
+            <a:tint val="40000"/>
+            <a:alpha val="90000"/>
+            <a:hueOff val="0"/>
+            <a:satOff val="0"/>
+            <a:lumOff val="0"/>
+            <a:alphaOff val="0"/>
+          </a:schemeClr>
+        </a:solidFill>
+        <a:ln w="12700" cap="flat" cmpd="sng" algn="ctr">
+          <a:solidFill>
+            <a:schemeClr val="accent2">
+              <a:tint val="40000"/>
+              <a:alpha val="90000"/>
+              <a:hueOff val="0"/>
+              <a:satOff val="0"/>
+              <a:lumOff val="0"/>
+              <a:alphaOff val="0"/>
+            </a:schemeClr>
+          </a:solidFill>
+          <a:prstDash val="solid"/>
+          <a:miter lim="800000"/>
+        </a:ln>
+        <a:effectLst/>
+      </dsp:spPr>
+      <dsp:style>
+        <a:lnRef idx="2">
+          <a:scrgbClr r="0" g="0" b="0"/>
+        </a:lnRef>
+        <a:fillRef idx="1">
+          <a:scrgbClr r="0" g="0" b="0"/>
+        </a:fillRef>
+        <a:effectRef idx="0">
+          <a:scrgbClr r="0" g="0" b="0"/>
+        </a:effectRef>
+        <a:fontRef idx="minor"/>
+      </dsp:style>
+      <dsp:txBody>
+        <a:bodyPr spcFirstLastPara="0" vert="horz" wrap="square" lIns="26670" tIns="26670" rIns="26670" bIns="26670" numCol="1" spcCol="1270" anchor="ctr" anchorCtr="0">
+          <a:noAutofit/>
+        </a:bodyPr>
+        <a:lstStyle/>
+        <a:p>
+          <a:pPr marL="0" lvl="0" indent="0" algn="ctr" defTabSz="933450">
+            <a:lnSpc>
+              <a:spcPct val="90000"/>
+            </a:lnSpc>
+            <a:spcBef>
+              <a:spcPct val="0"/>
+            </a:spcBef>
+            <a:spcAft>
+              <a:spcPct val="35000"/>
+            </a:spcAft>
+            <a:buNone/>
+          </a:pPr>
+          <a:endParaRPr lang="es-ES" sz="2100" kern="1200"/>
+        </a:p>
+      </dsp:txBody>
+      <dsp:txXfrm>
+        <a:off x="7607165" y="528053"/>
+        <a:ext cx="258405" cy="353545"/>
+      </dsp:txXfrm>
+    </dsp:sp>
+    <dsp:sp modelId="{9F0EF02E-72DC-7540-83E9-96FFD6461EF5}">
+      <dsp:nvSpPr>
+        <dsp:cNvPr id="0" name=""/>
+        <dsp:cNvSpPr/>
+      </dsp:nvSpPr>
+      <dsp:spPr>
+        <a:xfrm>
+          <a:off x="8096712" y="1351255"/>
+          <a:ext cx="469827" cy="469827"/>
+        </a:xfrm>
+        <a:prstGeom prst="downArrow">
+          <a:avLst>
+            <a:gd name="adj1" fmla="val 55000"/>
+            <a:gd name="adj2" fmla="val 45000"/>
+          </a:avLst>
+        </a:prstGeom>
+        <a:solidFill>
+          <a:schemeClr val="accent3">
+            <a:tint val="40000"/>
+            <a:alpha val="90000"/>
+            <a:hueOff val="0"/>
+            <a:satOff val="0"/>
+            <a:lumOff val="0"/>
+            <a:alphaOff val="0"/>
+          </a:schemeClr>
+        </a:solidFill>
+        <a:ln w="12700" cap="flat" cmpd="sng" algn="ctr">
+          <a:solidFill>
+            <a:schemeClr val="accent3">
+              <a:tint val="40000"/>
+              <a:alpha val="90000"/>
+              <a:hueOff val="0"/>
+              <a:satOff val="0"/>
+              <a:lumOff val="0"/>
+              <a:alphaOff val="0"/>
+            </a:schemeClr>
+          </a:solidFill>
+          <a:prstDash val="solid"/>
+          <a:miter lim="800000"/>
+        </a:ln>
+        <a:effectLst/>
+      </dsp:spPr>
+      <dsp:style>
+        <a:lnRef idx="2">
+          <a:scrgbClr r="0" g="0" b="0"/>
+        </a:lnRef>
+        <a:fillRef idx="1">
+          <a:scrgbClr r="0" g="0" b="0"/>
+        </a:fillRef>
+        <a:effectRef idx="0">
+          <a:scrgbClr r="0" g="0" b="0"/>
+        </a:effectRef>
+        <a:fontRef idx="minor"/>
+      </dsp:style>
+      <dsp:txBody>
+        <a:bodyPr spcFirstLastPara="0" vert="horz" wrap="square" lIns="26670" tIns="26670" rIns="26670" bIns="26670" numCol="1" spcCol="1270" anchor="ctr" anchorCtr="0">
+          <a:noAutofit/>
+        </a:bodyPr>
+        <a:lstStyle/>
+        <a:p>
+          <a:pPr marL="0" lvl="0" indent="0" algn="ctr" defTabSz="933450">
+            <a:lnSpc>
+              <a:spcPct val="90000"/>
+            </a:lnSpc>
+            <a:spcBef>
+              <a:spcPct val="0"/>
+            </a:spcBef>
+            <a:spcAft>
+              <a:spcPct val="35000"/>
+            </a:spcAft>
+            <a:buNone/>
+          </a:pPr>
+          <a:endParaRPr lang="es-ES" sz="2100" kern="1200"/>
+        </a:p>
+      </dsp:txBody>
+      <dsp:txXfrm>
+        <a:off x="8202423" y="1351255"/>
+        <a:ext cx="258405" cy="353545"/>
+      </dsp:txXfrm>
+    </dsp:sp>
+    <dsp:sp modelId="{8101A0BE-B364-2A46-A909-C44941F4E33B}">
+      <dsp:nvSpPr>
+        <dsp:cNvPr id="0" name=""/>
+        <dsp:cNvSpPr/>
+      </dsp:nvSpPr>
+      <dsp:spPr>
+        <a:xfrm>
+          <a:off x="8691970" y="2162410"/>
+          <a:ext cx="469827" cy="469827"/>
+        </a:xfrm>
+        <a:prstGeom prst="downArrow">
+          <a:avLst>
+            <a:gd name="adj1" fmla="val 55000"/>
+            <a:gd name="adj2" fmla="val 45000"/>
+          </a:avLst>
+        </a:prstGeom>
+        <a:solidFill>
+          <a:schemeClr val="accent4">
+            <a:tint val="40000"/>
+            <a:alpha val="90000"/>
+            <a:hueOff val="0"/>
+            <a:satOff val="0"/>
+            <a:lumOff val="0"/>
+            <a:alphaOff val="0"/>
+          </a:schemeClr>
+        </a:solidFill>
+        <a:ln w="12700" cap="flat" cmpd="sng" algn="ctr">
+          <a:solidFill>
+            <a:schemeClr val="accent4">
+              <a:tint val="40000"/>
+              <a:alpha val="90000"/>
+              <a:hueOff val="0"/>
+              <a:satOff val="0"/>
+              <a:lumOff val="0"/>
+              <a:alphaOff val="0"/>
+            </a:schemeClr>
+          </a:solidFill>
+          <a:prstDash val="solid"/>
+          <a:miter lim="800000"/>
+        </a:ln>
+        <a:effectLst/>
+      </dsp:spPr>
+      <dsp:style>
+        <a:lnRef idx="2">
+          <a:scrgbClr r="0" g="0" b="0"/>
+        </a:lnRef>
+        <a:fillRef idx="1">
+          <a:scrgbClr r="0" g="0" b="0"/>
+        </a:fillRef>
+        <a:effectRef idx="0">
+          <a:scrgbClr r="0" g="0" b="0"/>
+        </a:effectRef>
+        <a:fontRef idx="minor"/>
+      </dsp:style>
+      <dsp:txBody>
+        <a:bodyPr spcFirstLastPara="0" vert="horz" wrap="square" lIns="26670" tIns="26670" rIns="26670" bIns="26670" numCol="1" spcCol="1270" anchor="ctr" anchorCtr="0">
+          <a:noAutofit/>
+        </a:bodyPr>
+        <a:lstStyle/>
+        <a:p>
+          <a:pPr marL="0" lvl="0" indent="0" algn="ctr" defTabSz="933450">
+            <a:lnSpc>
+              <a:spcPct val="90000"/>
+            </a:lnSpc>
+            <a:spcBef>
+              <a:spcPct val="0"/>
+            </a:spcBef>
+            <a:spcAft>
+              <a:spcPct val="35000"/>
+            </a:spcAft>
+            <a:buNone/>
+          </a:pPr>
+          <a:endParaRPr lang="es-ES" sz="2100" kern="1200"/>
+        </a:p>
+      </dsp:txBody>
+      <dsp:txXfrm>
+        <a:off x="8797681" y="2162410"/>
+        <a:ext cx="258405" cy="353545"/>
+      </dsp:txXfrm>
+    </dsp:sp>
+    <dsp:sp modelId="{3019D19F-316C-EB42-9D6D-3D3CCE717B4D}">
+      <dsp:nvSpPr>
+        <dsp:cNvPr id="0" name=""/>
+        <dsp:cNvSpPr/>
+      </dsp:nvSpPr>
+      <dsp:spPr>
+        <a:xfrm>
+          <a:off x="9287228" y="2993643"/>
+          <a:ext cx="469827" cy="469827"/>
+        </a:xfrm>
+        <a:prstGeom prst="downArrow">
+          <a:avLst>
+            <a:gd name="adj1" fmla="val 55000"/>
+            <a:gd name="adj2" fmla="val 45000"/>
+          </a:avLst>
+        </a:prstGeom>
+        <a:solidFill>
+          <a:schemeClr val="accent5">
+            <a:tint val="40000"/>
+            <a:alpha val="90000"/>
+            <a:hueOff val="0"/>
+            <a:satOff val="0"/>
+            <a:lumOff val="0"/>
+            <a:alphaOff val="0"/>
+          </a:schemeClr>
+        </a:solidFill>
+        <a:ln w="12700" cap="flat" cmpd="sng" algn="ctr">
+          <a:solidFill>
+            <a:schemeClr val="accent5">
+              <a:tint val="40000"/>
+              <a:alpha val="90000"/>
+              <a:hueOff val="0"/>
+              <a:satOff val="0"/>
+              <a:lumOff val="0"/>
+              <a:alphaOff val="0"/>
+            </a:schemeClr>
+          </a:solidFill>
+          <a:prstDash val="solid"/>
+          <a:miter lim="800000"/>
+        </a:ln>
+        <a:effectLst/>
+      </dsp:spPr>
+      <dsp:style>
+        <a:lnRef idx="2">
+          <a:scrgbClr r="0" g="0" b="0"/>
+        </a:lnRef>
+        <a:fillRef idx="1">
+          <a:scrgbClr r="0" g="0" b="0"/>
+        </a:fillRef>
+        <a:effectRef idx="0">
+          <a:scrgbClr r="0" g="0" b="0"/>
+        </a:effectRef>
+        <a:fontRef idx="minor"/>
+      </dsp:style>
+      <dsp:txBody>
+        <a:bodyPr spcFirstLastPara="0" vert="horz" wrap="square" lIns="26670" tIns="26670" rIns="26670" bIns="26670" numCol="1" spcCol="1270" anchor="ctr" anchorCtr="0">
+          <a:noAutofit/>
+        </a:bodyPr>
+        <a:lstStyle/>
+        <a:p>
+          <a:pPr marL="0" lvl="0" indent="0" algn="ctr" defTabSz="933450">
+            <a:lnSpc>
+              <a:spcPct val="90000"/>
+            </a:lnSpc>
+            <a:spcBef>
+              <a:spcPct val="0"/>
+            </a:spcBef>
+            <a:spcAft>
+              <a:spcPct val="35000"/>
+            </a:spcAft>
+            <a:buNone/>
+          </a:pPr>
+          <a:endParaRPr lang="es-ES" sz="2100" kern="1200"/>
+        </a:p>
+      </dsp:txBody>
+      <dsp:txXfrm>
+        <a:off x="9392939" y="2993643"/>
+        <a:ext cx="258405" cy="353545"/>
       </dsp:txXfrm>
     </dsp:sp>
   </dsp:spTree>
@@ -7303,16 +9932,977 @@
 </dsp:drawing>
 </file>
 
+<file path=ppt/diagrams/drawing3.xml><?xml version="1.0" encoding="utf-8"?>
+<dsp:drawing xmlns:dgm="http://schemas.openxmlformats.org/drawingml/2006/diagram" xmlns:dsp="http://schemas.microsoft.com/office/drawing/2008/diagram" xmlns:a="http://schemas.openxmlformats.org/drawingml/2006/main">
+  <dsp:spTree>
+    <dsp:nvGrpSpPr>
+      <dsp:cNvPr id="0" name=""/>
+      <dsp:cNvGrpSpPr/>
+    </dsp:nvGrpSpPr>
+    <dsp:grpSpPr/>
+    <dsp:sp modelId="{F52438EA-4F92-C240-AFC6-A4B2AEE6AE1C}">
+      <dsp:nvSpPr>
+        <dsp:cNvPr id="0" name=""/>
+        <dsp:cNvSpPr/>
+      </dsp:nvSpPr>
+      <dsp:spPr>
+        <a:xfrm>
+          <a:off x="50" y="79290"/>
+          <a:ext cx="4847001" cy="374400"/>
+        </a:xfrm>
+        <a:prstGeom prst="rect">
+          <a:avLst/>
+        </a:prstGeom>
+        <a:solidFill>
+          <a:schemeClr val="accent1">
+            <a:hueOff val="0"/>
+            <a:satOff val="0"/>
+            <a:lumOff val="0"/>
+            <a:alphaOff val="0"/>
+          </a:schemeClr>
+        </a:solidFill>
+        <a:ln w="12700" cap="flat" cmpd="sng" algn="ctr">
+          <a:solidFill>
+            <a:schemeClr val="accent1">
+              <a:hueOff val="0"/>
+              <a:satOff val="0"/>
+              <a:lumOff val="0"/>
+              <a:alphaOff val="0"/>
+            </a:schemeClr>
+          </a:solidFill>
+          <a:prstDash val="solid"/>
+          <a:miter lim="800000"/>
+        </a:ln>
+        <a:effectLst/>
+      </dsp:spPr>
+      <dsp:style>
+        <a:lnRef idx="2">
+          <a:scrgbClr r="0" g="0" b="0"/>
+        </a:lnRef>
+        <a:fillRef idx="1">
+          <a:scrgbClr r="0" g="0" b="0"/>
+        </a:fillRef>
+        <a:effectRef idx="0">
+          <a:scrgbClr r="0" g="0" b="0"/>
+        </a:effectRef>
+        <a:fontRef idx="minor">
+          <a:schemeClr val="lt1"/>
+        </a:fontRef>
+      </dsp:style>
+      <dsp:txBody>
+        <a:bodyPr spcFirstLastPara="0" vert="horz" wrap="square" lIns="113792" tIns="65024" rIns="113792" bIns="65024" numCol="1" spcCol="1270" anchor="ctr" anchorCtr="0">
+          <a:noAutofit/>
+        </a:bodyPr>
+        <a:lstStyle/>
+        <a:p>
+          <a:pPr marL="0" lvl="0" indent="0" algn="ctr" defTabSz="711200">
+            <a:lnSpc>
+              <a:spcPct val="90000"/>
+            </a:lnSpc>
+            <a:spcBef>
+              <a:spcPct val="0"/>
+            </a:spcBef>
+            <a:spcAft>
+              <a:spcPct val="35000"/>
+            </a:spcAft>
+            <a:buNone/>
+          </a:pPr>
+          <a:r>
+            <a:rPr lang="es-ES" sz="1600" kern="1200" dirty="0"/>
+            <a:t>Regresión 1</a:t>
+          </a:r>
+        </a:p>
+      </dsp:txBody>
+      <dsp:txXfrm>
+        <a:off x="50" y="79290"/>
+        <a:ext cx="4847001" cy="374400"/>
+      </dsp:txXfrm>
+    </dsp:sp>
+    <dsp:sp modelId="{2B6E9592-A682-6345-BF16-231F2137BE1B}">
+      <dsp:nvSpPr>
+        <dsp:cNvPr id="0" name=""/>
+        <dsp:cNvSpPr/>
+      </dsp:nvSpPr>
+      <dsp:spPr>
+        <a:xfrm>
+          <a:off x="50" y="453690"/>
+          <a:ext cx="4847001" cy="4210829"/>
+        </a:xfrm>
+        <a:prstGeom prst="rect">
+          <a:avLst/>
+        </a:prstGeom>
+        <a:solidFill>
+          <a:schemeClr val="accent1">
+            <a:alpha val="90000"/>
+            <a:tint val="40000"/>
+            <a:hueOff val="0"/>
+            <a:satOff val="0"/>
+            <a:lumOff val="0"/>
+            <a:alphaOff val="0"/>
+          </a:schemeClr>
+        </a:solidFill>
+        <a:ln w="12700" cap="flat" cmpd="sng" algn="ctr">
+          <a:solidFill>
+            <a:schemeClr val="accent1">
+              <a:alpha val="90000"/>
+              <a:tint val="40000"/>
+              <a:hueOff val="0"/>
+              <a:satOff val="0"/>
+              <a:lumOff val="0"/>
+              <a:alphaOff val="0"/>
+            </a:schemeClr>
+          </a:solidFill>
+          <a:prstDash val="solid"/>
+          <a:miter lim="800000"/>
+        </a:ln>
+        <a:effectLst/>
+      </dsp:spPr>
+      <dsp:style>
+        <a:lnRef idx="2">
+          <a:scrgbClr r="0" g="0" b="0"/>
+        </a:lnRef>
+        <a:fillRef idx="1">
+          <a:scrgbClr r="0" g="0" b="0"/>
+        </a:fillRef>
+        <a:effectRef idx="0">
+          <a:scrgbClr r="0" g="0" b="0"/>
+        </a:effectRef>
+        <a:fontRef idx="minor"/>
+      </dsp:style>
+      <dsp:txBody>
+        <a:bodyPr spcFirstLastPara="0" vert="horz" wrap="square" lIns="69342" tIns="69342" rIns="92456" bIns="104013" numCol="1" spcCol="1270" anchor="t" anchorCtr="0">
+          <a:noAutofit/>
+        </a:bodyPr>
+        <a:lstStyle/>
+        <a:p>
+          <a:pPr marL="114300" lvl="1" indent="-114300" algn="l" defTabSz="577850">
+            <a:lnSpc>
+              <a:spcPct val="90000"/>
+            </a:lnSpc>
+            <a:spcBef>
+              <a:spcPct val="0"/>
+            </a:spcBef>
+            <a:spcAft>
+              <a:spcPct val="15000"/>
+            </a:spcAft>
+            <a:buChar char="•"/>
+          </a:pPr>
+          <a:r>
+            <a:rPr lang="es-ES" sz="1300" kern="1200"/>
+            <a:t>Variables empleadas:</a:t>
+          </a:r>
+        </a:p>
+        <a:p>
+          <a:pPr marL="228600" lvl="2" indent="-114300" algn="l" defTabSz="577850">
+            <a:lnSpc>
+              <a:spcPct val="90000"/>
+            </a:lnSpc>
+            <a:spcBef>
+              <a:spcPct val="0"/>
+            </a:spcBef>
+            <a:spcAft>
+              <a:spcPct val="15000"/>
+            </a:spcAft>
+            <a:buChar char="•"/>
+          </a:pPr>
+          <a:r>
+            <a:rPr lang="es-ES" sz="1300" kern="1200" dirty="0" err="1"/>
+            <a:t>Staff_score</a:t>
+          </a:r>
+          <a:endParaRPr lang="es-ES" sz="1300" kern="1200" dirty="0"/>
+        </a:p>
+        <a:p>
+          <a:pPr marL="228600" lvl="2" indent="-114300" algn="l" defTabSz="577850">
+            <a:lnSpc>
+              <a:spcPct val="90000"/>
+            </a:lnSpc>
+            <a:spcBef>
+              <a:spcPct val="0"/>
+            </a:spcBef>
+            <a:spcAft>
+              <a:spcPct val="15000"/>
+            </a:spcAft>
+            <a:buChar char="•"/>
+          </a:pPr>
+          <a:r>
+            <a:rPr lang="es-ES" sz="1300" kern="1200" dirty="0" err="1"/>
+            <a:t>Value_for_money</a:t>
+          </a:r>
+          <a:endParaRPr lang="es-ES" sz="1300" kern="1200" dirty="0"/>
+        </a:p>
+        <a:p>
+          <a:pPr marL="228600" lvl="2" indent="-114300" algn="l" defTabSz="577850">
+            <a:lnSpc>
+              <a:spcPct val="90000"/>
+            </a:lnSpc>
+            <a:spcBef>
+              <a:spcPct val="0"/>
+            </a:spcBef>
+            <a:spcAft>
+              <a:spcPct val="15000"/>
+            </a:spcAft>
+            <a:buChar char="•"/>
+          </a:pPr>
+          <a:r>
+            <a:rPr lang="es-ES" sz="1300" kern="1200" dirty="0" err="1"/>
+            <a:t>Location_score</a:t>
+          </a:r>
+          <a:endParaRPr lang="es-ES" sz="1300" kern="1200" dirty="0"/>
+        </a:p>
+        <a:p>
+          <a:pPr marL="228600" lvl="2" indent="-114300" algn="l" defTabSz="577850">
+            <a:lnSpc>
+              <a:spcPct val="90000"/>
+            </a:lnSpc>
+            <a:spcBef>
+              <a:spcPct val="0"/>
+            </a:spcBef>
+            <a:spcAft>
+              <a:spcPct val="15000"/>
+            </a:spcAft>
+            <a:buChar char="•"/>
+          </a:pPr>
+          <a:r>
+            <a:rPr lang="es-ES" sz="1300" kern="1200" dirty="0" err="1"/>
+            <a:t>Free_wifi_score</a:t>
+          </a:r>
+          <a:endParaRPr lang="es-ES" sz="1300" kern="1200" dirty="0"/>
+        </a:p>
+        <a:p>
+          <a:pPr marL="228600" lvl="2" indent="-114300" algn="l" defTabSz="577850">
+            <a:lnSpc>
+              <a:spcPct val="90000"/>
+            </a:lnSpc>
+            <a:spcBef>
+              <a:spcPct val="0"/>
+            </a:spcBef>
+            <a:spcAft>
+              <a:spcPct val="15000"/>
+            </a:spcAft>
+            <a:buChar char="•"/>
+          </a:pPr>
+          <a:r>
+            <a:rPr lang="es-ES" sz="1300" kern="1200" dirty="0" err="1"/>
+            <a:t>Min_Price</a:t>
+          </a:r>
+          <a:endParaRPr lang="es-ES" sz="1300" kern="1200" dirty="0"/>
+        </a:p>
+        <a:p>
+          <a:pPr marL="228600" lvl="2" indent="-114300" algn="l" defTabSz="577850">
+            <a:lnSpc>
+              <a:spcPct val="90000"/>
+            </a:lnSpc>
+            <a:spcBef>
+              <a:spcPct val="0"/>
+            </a:spcBef>
+            <a:spcAft>
+              <a:spcPct val="15000"/>
+            </a:spcAft>
+            <a:buChar char="•"/>
+          </a:pPr>
+          <a:r>
+            <a:rPr lang="es-ES" sz="1300" kern="1200" dirty="0" err="1"/>
+            <a:t>Balcony</a:t>
+          </a:r>
+          <a:endParaRPr lang="es-ES" sz="1300" kern="1200" dirty="0"/>
+        </a:p>
+        <a:p>
+          <a:pPr marL="228600" lvl="2" indent="-114300" algn="l" defTabSz="577850">
+            <a:lnSpc>
+              <a:spcPct val="90000"/>
+            </a:lnSpc>
+            <a:spcBef>
+              <a:spcPct val="0"/>
+            </a:spcBef>
+            <a:spcAft>
+              <a:spcPct val="15000"/>
+            </a:spcAft>
+            <a:buChar char="•"/>
+          </a:pPr>
+          <a:r>
+            <a:rPr lang="es-ES" sz="1300" kern="1200" dirty="0" err="1"/>
+            <a:t>Pet_friendly</a:t>
+          </a:r>
+          <a:endParaRPr lang="es-ES" sz="1300" kern="1200" dirty="0"/>
+        </a:p>
+        <a:p>
+          <a:pPr marL="228600" lvl="2" indent="-114300" algn="l" defTabSz="577850">
+            <a:lnSpc>
+              <a:spcPct val="90000"/>
+            </a:lnSpc>
+            <a:spcBef>
+              <a:spcPct val="0"/>
+            </a:spcBef>
+            <a:spcAft>
+              <a:spcPct val="15000"/>
+            </a:spcAft>
+            <a:buChar char="•"/>
+          </a:pPr>
+          <a:r>
+            <a:rPr lang="es-ES" sz="1300" kern="1200" dirty="0" err="1"/>
+            <a:t>Air_conditioning</a:t>
+          </a:r>
+          <a:endParaRPr lang="es-ES" sz="1300" kern="1200" dirty="0"/>
+        </a:p>
+        <a:p>
+          <a:pPr marL="228600" lvl="2" indent="-114300" algn="l" defTabSz="577850">
+            <a:lnSpc>
+              <a:spcPct val="90000"/>
+            </a:lnSpc>
+            <a:spcBef>
+              <a:spcPct val="0"/>
+            </a:spcBef>
+            <a:spcAft>
+              <a:spcPct val="15000"/>
+            </a:spcAft>
+            <a:buChar char="•"/>
+          </a:pPr>
+          <a:r>
+            <a:rPr lang="es-ES" sz="1300" kern="1200" dirty="0" err="1"/>
+            <a:t>Private_bathroom</a:t>
+          </a:r>
+          <a:endParaRPr lang="es-ES" sz="1300" kern="1200" dirty="0"/>
+        </a:p>
+        <a:p>
+          <a:pPr marL="228600" lvl="2" indent="-114300" algn="l" defTabSz="577850">
+            <a:lnSpc>
+              <a:spcPct val="90000"/>
+            </a:lnSpc>
+            <a:spcBef>
+              <a:spcPct val="0"/>
+            </a:spcBef>
+            <a:spcAft>
+              <a:spcPct val="15000"/>
+            </a:spcAft>
+            <a:buChar char="•"/>
+          </a:pPr>
+          <a:r>
+            <a:rPr lang="es-ES" sz="1300" kern="1200" dirty="0" err="1"/>
+            <a:t>Free_wifi</a:t>
+          </a:r>
+          <a:endParaRPr lang="es-ES" sz="1300" kern="1200" dirty="0"/>
+        </a:p>
+        <a:p>
+          <a:pPr marL="228600" lvl="2" indent="-114300" algn="l" defTabSz="577850">
+            <a:lnSpc>
+              <a:spcPct val="90000"/>
+            </a:lnSpc>
+            <a:spcBef>
+              <a:spcPct val="0"/>
+            </a:spcBef>
+            <a:spcAft>
+              <a:spcPct val="15000"/>
+            </a:spcAft>
+            <a:buChar char="•"/>
+          </a:pPr>
+          <a:r>
+            <a:rPr lang="es-ES" sz="1300" kern="1200" dirty="0" err="1"/>
+            <a:t>Swimming_pool</a:t>
+          </a:r>
+          <a:endParaRPr lang="es-ES" sz="1300" kern="1200" dirty="0"/>
+        </a:p>
+        <a:p>
+          <a:pPr marL="228600" lvl="2" indent="-114300" algn="l" defTabSz="577850">
+            <a:lnSpc>
+              <a:spcPct val="90000"/>
+            </a:lnSpc>
+            <a:spcBef>
+              <a:spcPct val="0"/>
+            </a:spcBef>
+            <a:spcAft>
+              <a:spcPct val="15000"/>
+            </a:spcAft>
+            <a:buChar char="•"/>
+          </a:pPr>
+          <a:r>
+            <a:rPr lang="es-ES" sz="1300" kern="1200" dirty="0" err="1"/>
+            <a:t>Non_smoking_roms</a:t>
+          </a:r>
+          <a:endParaRPr lang="es-ES" sz="1300" kern="1200" dirty="0"/>
+        </a:p>
+        <a:p>
+          <a:pPr marL="228600" lvl="2" indent="-114300" algn="l" defTabSz="577850">
+            <a:lnSpc>
+              <a:spcPct val="90000"/>
+            </a:lnSpc>
+            <a:spcBef>
+              <a:spcPct val="0"/>
+            </a:spcBef>
+            <a:spcAft>
+              <a:spcPct val="15000"/>
+            </a:spcAft>
+            <a:buChar char="•"/>
+          </a:pPr>
+          <a:r>
+            <a:rPr lang="es-ES" sz="1300" kern="1200" dirty="0" err="1"/>
+            <a:t>Mean_flights</a:t>
+          </a:r>
+          <a:endParaRPr lang="es-ES" sz="1300" kern="1200" dirty="0"/>
+        </a:p>
+        <a:p>
+          <a:pPr marL="228600" lvl="2" indent="-114300" algn="l" defTabSz="577850">
+            <a:lnSpc>
+              <a:spcPct val="90000"/>
+            </a:lnSpc>
+            <a:spcBef>
+              <a:spcPct val="0"/>
+            </a:spcBef>
+            <a:spcAft>
+              <a:spcPct val="15000"/>
+            </a:spcAft>
+            <a:buChar char="•"/>
+          </a:pPr>
+          <a:r>
+            <a:rPr lang="es-ES" sz="1300" kern="1200" dirty="0" err="1"/>
+            <a:t>Length</a:t>
+          </a:r>
+          <a:r>
+            <a:rPr lang="es-ES" sz="1300" kern="1200" dirty="0"/>
+            <a:t> </a:t>
+          </a:r>
+          <a:r>
+            <a:rPr lang="es-ES" sz="1300" kern="1200" dirty="0" err="1"/>
+            <a:t>description</a:t>
+          </a:r>
+          <a:endParaRPr lang="es-ES" sz="1300" kern="1200" dirty="0"/>
+        </a:p>
+        <a:p>
+          <a:pPr marL="228600" lvl="2" indent="-114300" algn="l" defTabSz="577850">
+            <a:lnSpc>
+              <a:spcPct val="90000"/>
+            </a:lnSpc>
+            <a:spcBef>
+              <a:spcPct val="0"/>
+            </a:spcBef>
+            <a:spcAft>
+              <a:spcPct val="15000"/>
+            </a:spcAft>
+            <a:buChar char="•"/>
+          </a:pPr>
+          <a:r>
+            <a:rPr lang="es-ES" sz="1300" kern="1200" dirty="0" err="1"/>
+            <a:t>Safe</a:t>
+          </a:r>
+          <a:endParaRPr lang="es-ES" sz="1300" kern="1200" dirty="0"/>
+        </a:p>
+        <a:p>
+          <a:pPr marL="114300" lvl="1" indent="-114300" algn="l" defTabSz="577850">
+            <a:lnSpc>
+              <a:spcPct val="90000"/>
+            </a:lnSpc>
+            <a:spcBef>
+              <a:spcPct val="0"/>
+            </a:spcBef>
+            <a:spcAft>
+              <a:spcPct val="15000"/>
+            </a:spcAft>
+            <a:buChar char="•"/>
+          </a:pPr>
+          <a:endParaRPr lang="es-ES" sz="1300" kern="1200" dirty="0"/>
+        </a:p>
+        <a:p>
+          <a:pPr marL="114300" lvl="1" indent="-114300" algn="l" defTabSz="577850">
+            <a:lnSpc>
+              <a:spcPct val="90000"/>
+            </a:lnSpc>
+            <a:spcBef>
+              <a:spcPct val="0"/>
+            </a:spcBef>
+            <a:spcAft>
+              <a:spcPct val="15000"/>
+            </a:spcAft>
+            <a:buChar char="•"/>
+          </a:pPr>
+          <a:r>
+            <a:rPr lang="es-ES" sz="1300" kern="1200" dirty="0"/>
+            <a:t>Resultados:</a:t>
+          </a:r>
+        </a:p>
+        <a:p>
+          <a:pPr marL="228600" lvl="2" indent="-114300" algn="l" defTabSz="577850">
+            <a:lnSpc>
+              <a:spcPct val="90000"/>
+            </a:lnSpc>
+            <a:spcBef>
+              <a:spcPct val="0"/>
+            </a:spcBef>
+            <a:spcAft>
+              <a:spcPct val="15000"/>
+            </a:spcAft>
+            <a:buChar char="•"/>
+          </a:pPr>
+          <a:r>
+            <a:rPr lang="es-ES" sz="1300" kern="1200" dirty="0"/>
+            <a:t>R</a:t>
+          </a:r>
+          <a:r>
+            <a:rPr lang="es-ES" sz="1300" kern="1200" baseline="30000" dirty="0"/>
+            <a:t>2</a:t>
+          </a:r>
+          <a:r>
+            <a:rPr lang="es-ES" sz="1300" kern="1200" baseline="0" dirty="0"/>
+            <a:t>: </a:t>
+          </a:r>
+          <a:r>
+            <a:rPr lang="es-ES" sz="1300" kern="1200" dirty="0"/>
+            <a:t>0.2125</a:t>
+          </a:r>
+        </a:p>
+      </dsp:txBody>
+      <dsp:txXfrm>
+        <a:off x="50" y="453690"/>
+        <a:ext cx="4847001" cy="4210829"/>
+      </dsp:txXfrm>
+    </dsp:sp>
+    <dsp:sp modelId="{053EBC9C-795D-B247-9A71-8C145122C26F}">
+      <dsp:nvSpPr>
+        <dsp:cNvPr id="0" name=""/>
+        <dsp:cNvSpPr/>
+      </dsp:nvSpPr>
+      <dsp:spPr>
+        <a:xfrm>
+          <a:off x="5525632" y="79290"/>
+          <a:ext cx="4847001" cy="374400"/>
+        </a:xfrm>
+        <a:prstGeom prst="rect">
+          <a:avLst/>
+        </a:prstGeom>
+        <a:solidFill>
+          <a:schemeClr val="accent1">
+            <a:hueOff val="0"/>
+            <a:satOff val="0"/>
+            <a:lumOff val="0"/>
+            <a:alphaOff val="0"/>
+          </a:schemeClr>
+        </a:solidFill>
+        <a:ln w="12700" cap="flat" cmpd="sng" algn="ctr">
+          <a:solidFill>
+            <a:schemeClr val="accent1">
+              <a:hueOff val="0"/>
+              <a:satOff val="0"/>
+              <a:lumOff val="0"/>
+              <a:alphaOff val="0"/>
+            </a:schemeClr>
+          </a:solidFill>
+          <a:prstDash val="solid"/>
+          <a:miter lim="800000"/>
+        </a:ln>
+        <a:effectLst/>
+      </dsp:spPr>
+      <dsp:style>
+        <a:lnRef idx="2">
+          <a:scrgbClr r="0" g="0" b="0"/>
+        </a:lnRef>
+        <a:fillRef idx="1">
+          <a:scrgbClr r="0" g="0" b="0"/>
+        </a:fillRef>
+        <a:effectRef idx="0">
+          <a:scrgbClr r="0" g="0" b="0"/>
+        </a:effectRef>
+        <a:fontRef idx="minor">
+          <a:schemeClr val="lt1"/>
+        </a:fontRef>
+      </dsp:style>
+      <dsp:txBody>
+        <a:bodyPr spcFirstLastPara="0" vert="horz" wrap="square" lIns="113792" tIns="65024" rIns="113792" bIns="65024" numCol="1" spcCol="1270" anchor="ctr" anchorCtr="0">
+          <a:noAutofit/>
+        </a:bodyPr>
+        <a:lstStyle/>
+        <a:p>
+          <a:pPr marL="0" lvl="0" indent="0" algn="ctr" defTabSz="711200">
+            <a:lnSpc>
+              <a:spcPct val="90000"/>
+            </a:lnSpc>
+            <a:spcBef>
+              <a:spcPct val="0"/>
+            </a:spcBef>
+            <a:spcAft>
+              <a:spcPct val="35000"/>
+            </a:spcAft>
+            <a:buNone/>
+          </a:pPr>
+          <a:r>
+            <a:rPr lang="es-ES" sz="1600" kern="1200" dirty="0"/>
+            <a:t>Regresión 2</a:t>
+          </a:r>
+        </a:p>
+      </dsp:txBody>
+      <dsp:txXfrm>
+        <a:off x="5525632" y="79290"/>
+        <a:ext cx="4847001" cy="374400"/>
+      </dsp:txXfrm>
+    </dsp:sp>
+    <dsp:sp modelId="{0ACA845D-9FC2-6344-8148-7E8CA16E5E7F}">
+      <dsp:nvSpPr>
+        <dsp:cNvPr id="0" name=""/>
+        <dsp:cNvSpPr/>
+      </dsp:nvSpPr>
+      <dsp:spPr>
+        <a:xfrm>
+          <a:off x="5525632" y="453690"/>
+          <a:ext cx="4847001" cy="4210829"/>
+        </a:xfrm>
+        <a:prstGeom prst="rect">
+          <a:avLst/>
+        </a:prstGeom>
+        <a:solidFill>
+          <a:schemeClr val="accent1">
+            <a:alpha val="90000"/>
+            <a:tint val="40000"/>
+            <a:hueOff val="0"/>
+            <a:satOff val="0"/>
+            <a:lumOff val="0"/>
+            <a:alphaOff val="0"/>
+          </a:schemeClr>
+        </a:solidFill>
+        <a:ln w="12700" cap="flat" cmpd="sng" algn="ctr">
+          <a:solidFill>
+            <a:schemeClr val="accent1">
+              <a:alpha val="90000"/>
+              <a:tint val="40000"/>
+              <a:hueOff val="0"/>
+              <a:satOff val="0"/>
+              <a:lumOff val="0"/>
+              <a:alphaOff val="0"/>
+            </a:schemeClr>
+          </a:solidFill>
+          <a:prstDash val="solid"/>
+          <a:miter lim="800000"/>
+        </a:ln>
+        <a:effectLst/>
+      </dsp:spPr>
+      <dsp:style>
+        <a:lnRef idx="2">
+          <a:scrgbClr r="0" g="0" b="0"/>
+        </a:lnRef>
+        <a:fillRef idx="1">
+          <a:scrgbClr r="0" g="0" b="0"/>
+        </a:fillRef>
+        <a:effectRef idx="0">
+          <a:scrgbClr r="0" g="0" b="0"/>
+        </a:effectRef>
+        <a:fontRef idx="minor"/>
+      </dsp:style>
+      <dsp:txBody>
+        <a:bodyPr spcFirstLastPara="0" vert="horz" wrap="square" lIns="69342" tIns="69342" rIns="92456" bIns="104013" numCol="1" spcCol="1270" anchor="t" anchorCtr="0">
+          <a:noAutofit/>
+        </a:bodyPr>
+        <a:lstStyle/>
+        <a:p>
+          <a:pPr marL="114300" lvl="1" indent="-114300" algn="l" defTabSz="577850">
+            <a:lnSpc>
+              <a:spcPct val="90000"/>
+            </a:lnSpc>
+            <a:spcBef>
+              <a:spcPct val="0"/>
+            </a:spcBef>
+            <a:spcAft>
+              <a:spcPct val="15000"/>
+            </a:spcAft>
+            <a:buChar char="•"/>
+          </a:pPr>
+          <a:r>
+            <a:rPr lang="es-ES" sz="1300" kern="1200"/>
+            <a:t>Variables empleadas:</a:t>
+          </a:r>
+        </a:p>
+        <a:p>
+          <a:pPr marL="228600" lvl="2" indent="-114300" algn="l" defTabSz="577850">
+            <a:lnSpc>
+              <a:spcPct val="90000"/>
+            </a:lnSpc>
+            <a:spcBef>
+              <a:spcPct val="0"/>
+            </a:spcBef>
+            <a:spcAft>
+              <a:spcPct val="15000"/>
+            </a:spcAft>
+            <a:buChar char="•"/>
+          </a:pPr>
+          <a:r>
+            <a:rPr lang="es-ES" sz="1300" kern="1200" dirty="0" err="1"/>
+            <a:t>Staff_score</a:t>
+          </a:r>
+          <a:endParaRPr lang="es-ES" sz="1300" kern="1200" dirty="0"/>
+        </a:p>
+        <a:p>
+          <a:pPr marL="228600" lvl="2" indent="-114300" algn="l" defTabSz="577850">
+            <a:lnSpc>
+              <a:spcPct val="90000"/>
+            </a:lnSpc>
+            <a:spcBef>
+              <a:spcPct val="0"/>
+            </a:spcBef>
+            <a:spcAft>
+              <a:spcPct val="15000"/>
+            </a:spcAft>
+            <a:buChar char="•"/>
+          </a:pPr>
+          <a:r>
+            <a:rPr lang="es-ES" sz="1300" kern="1200" dirty="0" err="1"/>
+            <a:t>Location_score</a:t>
+          </a:r>
+          <a:endParaRPr lang="es-ES" sz="1300" kern="1200" dirty="0"/>
+        </a:p>
+        <a:p>
+          <a:pPr marL="228600" lvl="2" indent="-114300" algn="l" defTabSz="577850">
+            <a:lnSpc>
+              <a:spcPct val="90000"/>
+            </a:lnSpc>
+            <a:spcBef>
+              <a:spcPct val="0"/>
+            </a:spcBef>
+            <a:spcAft>
+              <a:spcPct val="15000"/>
+            </a:spcAft>
+            <a:buChar char="•"/>
+          </a:pPr>
+          <a:r>
+            <a:rPr lang="es-ES" sz="1300" kern="1200" dirty="0" err="1"/>
+            <a:t>Balcony</a:t>
+          </a:r>
+          <a:endParaRPr lang="es-ES" sz="1300" kern="1200" dirty="0"/>
+        </a:p>
+        <a:p>
+          <a:pPr marL="228600" lvl="2" indent="-114300" algn="l" defTabSz="577850">
+            <a:lnSpc>
+              <a:spcPct val="90000"/>
+            </a:lnSpc>
+            <a:spcBef>
+              <a:spcPct val="0"/>
+            </a:spcBef>
+            <a:spcAft>
+              <a:spcPct val="15000"/>
+            </a:spcAft>
+            <a:buChar char="•"/>
+          </a:pPr>
+          <a:r>
+            <a:rPr lang="es-ES" sz="1300" kern="1200" dirty="0" err="1"/>
+            <a:t>Air_conditioning</a:t>
+          </a:r>
+          <a:endParaRPr lang="es-ES" sz="1300" kern="1200" dirty="0"/>
+        </a:p>
+        <a:p>
+          <a:pPr marL="228600" lvl="2" indent="-114300" algn="l" defTabSz="577850">
+            <a:lnSpc>
+              <a:spcPct val="90000"/>
+            </a:lnSpc>
+            <a:spcBef>
+              <a:spcPct val="0"/>
+            </a:spcBef>
+            <a:spcAft>
+              <a:spcPct val="15000"/>
+            </a:spcAft>
+            <a:buChar char="•"/>
+          </a:pPr>
+          <a:r>
+            <a:rPr lang="es-ES" sz="1300" kern="1200" dirty="0" err="1"/>
+            <a:t>Free_wifi</a:t>
+          </a:r>
+          <a:endParaRPr lang="es-ES" sz="1300" kern="1200" dirty="0"/>
+        </a:p>
+        <a:p>
+          <a:pPr marL="228600" lvl="2" indent="-114300" algn="l" defTabSz="577850">
+            <a:lnSpc>
+              <a:spcPct val="90000"/>
+            </a:lnSpc>
+            <a:spcBef>
+              <a:spcPct val="0"/>
+            </a:spcBef>
+            <a:spcAft>
+              <a:spcPct val="15000"/>
+            </a:spcAft>
+            <a:buChar char="•"/>
+          </a:pPr>
+          <a:r>
+            <a:rPr lang="es-ES" sz="1300" kern="1200" dirty="0" err="1"/>
+            <a:t>Swimming_pool</a:t>
+          </a:r>
+          <a:endParaRPr lang="es-ES" sz="1300" kern="1200" dirty="0"/>
+        </a:p>
+        <a:p>
+          <a:pPr marL="228600" lvl="2" indent="-114300" algn="l" defTabSz="577850">
+            <a:lnSpc>
+              <a:spcPct val="90000"/>
+            </a:lnSpc>
+            <a:spcBef>
+              <a:spcPct val="0"/>
+            </a:spcBef>
+            <a:spcAft>
+              <a:spcPct val="15000"/>
+            </a:spcAft>
+            <a:buChar char="•"/>
+          </a:pPr>
+          <a:r>
+            <a:rPr lang="es-ES" sz="1300" kern="1200"/>
+            <a:t>Non_smoking_roms</a:t>
+          </a:r>
+          <a:endParaRPr lang="es-ES" sz="1300" kern="1200" dirty="0"/>
+        </a:p>
+        <a:p>
+          <a:pPr marL="228600" lvl="2" indent="-114300" algn="l" defTabSz="577850">
+            <a:lnSpc>
+              <a:spcPct val="90000"/>
+            </a:lnSpc>
+            <a:spcBef>
+              <a:spcPct val="0"/>
+            </a:spcBef>
+            <a:spcAft>
+              <a:spcPct val="15000"/>
+            </a:spcAft>
+            <a:buChar char="•"/>
+          </a:pPr>
+          <a:r>
+            <a:rPr lang="es-ES" sz="1300" kern="1200"/>
+            <a:t>Mean_flights</a:t>
+          </a:r>
+          <a:endParaRPr lang="es-ES" sz="1300" kern="1200" dirty="0"/>
+        </a:p>
+        <a:p>
+          <a:pPr marL="228600" lvl="2" indent="-114300" algn="l" defTabSz="577850">
+            <a:lnSpc>
+              <a:spcPct val="90000"/>
+            </a:lnSpc>
+            <a:spcBef>
+              <a:spcPct val="0"/>
+            </a:spcBef>
+            <a:spcAft>
+              <a:spcPct val="15000"/>
+            </a:spcAft>
+            <a:buChar char="•"/>
+          </a:pPr>
+          <a:r>
+            <a:rPr lang="es-ES" sz="1300" kern="1200" dirty="0" err="1"/>
+            <a:t>Length</a:t>
+          </a:r>
+          <a:r>
+            <a:rPr lang="es-ES" sz="1300" kern="1200" dirty="0"/>
+            <a:t> </a:t>
+          </a:r>
+          <a:r>
+            <a:rPr lang="es-ES" sz="1300" kern="1200" dirty="0" err="1"/>
+            <a:t>description</a:t>
+          </a:r>
+          <a:endParaRPr lang="es-ES" sz="1300" kern="1200" dirty="0"/>
+        </a:p>
+        <a:p>
+          <a:pPr marL="228600" lvl="2" indent="-114300" algn="l" defTabSz="577850">
+            <a:lnSpc>
+              <a:spcPct val="90000"/>
+            </a:lnSpc>
+            <a:spcBef>
+              <a:spcPct val="0"/>
+            </a:spcBef>
+            <a:spcAft>
+              <a:spcPct val="15000"/>
+            </a:spcAft>
+            <a:buChar char="•"/>
+          </a:pPr>
+          <a:r>
+            <a:rPr lang="es-ES" sz="1300" kern="1200" dirty="0" err="1"/>
+            <a:t>Safe</a:t>
+          </a:r>
+          <a:endParaRPr lang="es-ES" sz="1300" kern="1200" dirty="0"/>
+        </a:p>
+        <a:p>
+          <a:pPr marL="228600" lvl="2" indent="-114300" algn="l" defTabSz="577850">
+            <a:lnSpc>
+              <a:spcPct val="90000"/>
+            </a:lnSpc>
+            <a:spcBef>
+              <a:spcPct val="0"/>
+            </a:spcBef>
+            <a:spcAft>
+              <a:spcPct val="15000"/>
+            </a:spcAft>
+            <a:buChar char="•"/>
+          </a:pPr>
+          <a:endParaRPr lang="es-ES" sz="1300" kern="1200" dirty="0"/>
+        </a:p>
+        <a:p>
+          <a:pPr marL="114300" lvl="1" indent="-114300" algn="l" defTabSz="577850">
+            <a:lnSpc>
+              <a:spcPct val="90000"/>
+            </a:lnSpc>
+            <a:spcBef>
+              <a:spcPct val="0"/>
+            </a:spcBef>
+            <a:spcAft>
+              <a:spcPct val="15000"/>
+            </a:spcAft>
+            <a:buChar char="•"/>
+          </a:pPr>
+          <a:r>
+            <a:rPr lang="es-ES" sz="1300" kern="1200" dirty="0"/>
+            <a:t>Resultados:</a:t>
+          </a:r>
+        </a:p>
+        <a:p>
+          <a:pPr marL="228600" lvl="2" indent="-114300" algn="l" defTabSz="577850">
+            <a:lnSpc>
+              <a:spcPct val="90000"/>
+            </a:lnSpc>
+            <a:spcBef>
+              <a:spcPct val="0"/>
+            </a:spcBef>
+            <a:spcAft>
+              <a:spcPct val="15000"/>
+            </a:spcAft>
+            <a:buChar char="•"/>
+          </a:pPr>
+          <a:r>
+            <a:rPr lang="es-ES" sz="1300" kern="1200" dirty="0"/>
+            <a:t>R</a:t>
+          </a:r>
+          <a:r>
+            <a:rPr lang="es-ES" sz="1300" kern="1200" baseline="30000" dirty="0"/>
+            <a:t>2</a:t>
+          </a:r>
+          <a:r>
+            <a:rPr lang="es-ES" sz="1300" kern="1200" baseline="0" dirty="0"/>
+            <a:t>: </a:t>
+          </a:r>
+          <a:r>
+            <a:rPr lang="es-ES" sz="1300" kern="1200" dirty="0"/>
+            <a:t>0.2109</a:t>
+          </a:r>
+        </a:p>
+      </dsp:txBody>
+      <dsp:txXfrm>
+        <a:off x="5525632" y="453690"/>
+        <a:ext cx="4847001" cy="4210829"/>
+      </dsp:txXfrm>
+    </dsp:sp>
+  </dsp:spTree>
+</dsp:drawing>
+</file>
+
 <file path=ppt/diagrams/layout1.xml><?xml version="1.0" encoding="utf-8"?>
-<dgm:layoutDef xmlns:dgm="http://schemas.openxmlformats.org/drawingml/2006/diagram" xmlns:a="http://schemas.openxmlformats.org/drawingml/2006/main" uniqueId="urn:microsoft.com/office/officeart/2005/8/layout/hChevron3">
+<dgm:layoutDef xmlns:dgm="http://schemas.openxmlformats.org/drawingml/2006/diagram" xmlns:a="http://schemas.openxmlformats.org/drawingml/2006/main" uniqueId="urn:microsoft.com/office/officeart/2005/8/layout/vProcess5">
   <dgm:title val=""/>
   <dgm:desc val=""/>
   <dgm:catLst>
-    <dgm:cat type="process" pri="10000"/>
+    <dgm:cat type="process" pri="14000"/>
   </dgm:catLst>
-  <dgm:sampData useDef="1">
+  <dgm:sampData>
     <dgm:dataModel>
-      <dgm:ptLst/>
+      <dgm:ptLst>
+        <dgm:pt modelId="0" type="doc"/>
+        <dgm:pt modelId="1">
+          <dgm:prSet phldr="1"/>
+        </dgm:pt>
+        <dgm:pt modelId="2">
+          <dgm:prSet phldr="1"/>
+        </dgm:pt>
+        <dgm:pt modelId="3">
+          <dgm:prSet phldr="1"/>
+        </dgm:pt>
+      </dgm:ptLst>
+      <dgm:cxnLst>
+        <dgm:cxn modelId="5" srcId="0" destId="1" srcOrd="0" destOrd="0"/>
+        <dgm:cxn modelId="6" srcId="0" destId="2" srcOrd="1" destOrd="0"/>
+        <dgm:cxn modelId="7" srcId="0" destId="3" srcOrd="2" destOrd="0"/>
+      </dgm:cxnLst>
       <dgm:bg/>
       <dgm:whole/>
     </dgm:dataModel>
@@ -7342,6 +10932,1269 @@
         <dgm:pt modelId="4"/>
       </dgm:ptLst>
       <dgm:cxnLst>
+        <dgm:cxn modelId="6" srcId="0" destId="1" srcOrd="0" destOrd="0"/>
+        <dgm:cxn modelId="7" srcId="0" destId="2" srcOrd="1" destOrd="0"/>
+        <dgm:cxn modelId="8" srcId="0" destId="3" srcOrd="2" destOrd="0"/>
+        <dgm:cxn modelId="9" srcId="0" destId="4" srcOrd="3" destOrd="0"/>
+      </dgm:cxnLst>
+      <dgm:bg/>
+      <dgm:whole/>
+    </dgm:dataModel>
+  </dgm:clrData>
+  <dgm:layoutNode name="outerComposite">
+    <dgm:varLst>
+      <dgm:chMax val="5"/>
+      <dgm:dir/>
+      <dgm:resizeHandles val="exact"/>
+    </dgm:varLst>
+    <dgm:alg type="composite"/>
+    <dgm:shape xmlns:r="http://schemas.openxmlformats.org/officeDocument/2006/relationships" r:blip="">
+      <dgm:adjLst/>
+    </dgm:shape>
+    <dgm:presOf/>
+    <dgm:choose name="Name0">
+      <dgm:if name="Name1" func="var" arg="dir" op="equ" val="norm">
+        <dgm:constrLst>
+          <dgm:constr type="primFontSz" for="ch" ptType="node" op="equ" val="65"/>
+          <dgm:constr type="w" for="ch" forName="dummyMaxCanvas" refType="w"/>
+          <dgm:constr type="h" for="ch" forName="dummyMaxCanvas" refType="h"/>
+          <dgm:constr type="w" for="ch" forName="OneNode_1" refType="w"/>
+          <dgm:constr type="h" for="ch" forName="OneNode_1" refType="h" fact="0.5"/>
+          <dgm:constr type="ctrY" for="ch" forName="OneNode_1" refType="h" fact="0.5"/>
+          <dgm:constr type="w" for="ch" forName="TwoNodes_1" refType="w" fact="0.85"/>
+          <dgm:constr type="h" for="ch" forName="TwoNodes_1" refType="h" fact="0.45"/>
+          <dgm:constr type="t" for="ch" forName="TwoNodes_1"/>
+          <dgm:constr type="l" for="ch" forName="TwoNodes_1"/>
+          <dgm:constr type="w" for="ch" forName="TwoNodes_2" refType="w" fact="0.85"/>
+          <dgm:constr type="h" for="ch" forName="TwoNodes_2" refType="h" fact="0.45"/>
+          <dgm:constr type="b" for="ch" forName="TwoNodes_2" refType="h"/>
+          <dgm:constr type="r" for="ch" forName="TwoNodes_2" refType="w"/>
+          <dgm:constr type="w" for="ch" forName="TwoConn_1-2" refType="h" refFor="ch" refForName="TwoNodes_1" fact="0.65"/>
+          <dgm:constr type="h" for="ch" forName="TwoConn_1-2" refType="h" refFor="ch" refForName="TwoNodes_1" fact="0.65"/>
+          <dgm:constr type="ctrY" for="ch" forName="TwoConn_1-2" refType="h" fact="0.5"/>
+          <dgm:constr type="r" for="ch" forName="TwoConn_1-2" refType="r" refFor="ch" refForName="TwoNodes_1"/>
+          <dgm:constr type="r" for="ch" forName="TwoNodes_1_text" refType="l" refFor="ch" refForName="TwoConn_1-2"/>
+          <dgm:constr type="rOff" for="ch" forName="TwoNodes_1_text" refType="w" refFor="ch" refForName="TwoConn_1-2" fact="-0.5"/>
+          <dgm:constr type="t" for="ch" forName="TwoNodes_1_text" refType="t" refFor="ch" refForName="TwoNodes_1"/>
+          <dgm:constr type="b" for="ch" forName="TwoNodes_1_text" refType="b" refFor="ch" refForName="TwoNodes_1"/>
+          <dgm:constr type="l" for="ch" forName="TwoNodes_1_text" refType="l" refFor="ch" refForName="TwoNodes_1"/>
+          <dgm:constr type="r" for="ch" forName="TwoNodes_2_text" refType="l" refFor="ch" refForName="TwoConn_1-2"/>
+          <dgm:constr type="t" for="ch" forName="TwoNodes_2_text" refType="t" refFor="ch" refForName="TwoNodes_2"/>
+          <dgm:constr type="b" for="ch" forName="TwoNodes_2_text" refType="b" refFor="ch" refForName="TwoNodes_2"/>
+          <dgm:constr type="l" for="ch" forName="TwoNodes_2_text" refType="l" refFor="ch" refForName="TwoNodes_2"/>
+          <dgm:constr type="w" for="ch" forName="ThreeNodes_1" refType="w" fact="0.85"/>
+          <dgm:constr type="h" for="ch" forName="ThreeNodes_1" refType="h" fact="0.3"/>
+          <dgm:constr type="t" for="ch" forName="ThreeNodes_1"/>
+          <dgm:constr type="l" for="ch" forName="ThreeNodes_1"/>
+          <dgm:constr type="w" for="ch" forName="ThreeNodes_2" refType="w" fact="0.85"/>
+          <dgm:constr type="h" for="ch" forName="ThreeNodes_2" refType="h" fact="0.3"/>
+          <dgm:constr type="ctrY" for="ch" forName="ThreeNodes_2" refType="h" fact="0.5"/>
+          <dgm:constr type="ctrX" for="ch" forName="ThreeNodes_2" refType="w" fact="0.5"/>
+          <dgm:constr type="w" for="ch" forName="ThreeNodes_3" refType="w" fact="0.85"/>
+          <dgm:constr type="h" for="ch" forName="ThreeNodes_3" refType="h" fact="0.3"/>
+          <dgm:constr type="b" for="ch" forName="ThreeNodes_3" refType="h"/>
+          <dgm:constr type="r" for="ch" forName="ThreeNodes_3" refType="w"/>
+          <dgm:constr type="w" for="ch" forName="ThreeConn_1-2" refType="h" refFor="ch" refForName="ThreeNodes_1" fact="0.65"/>
+          <dgm:constr type="h" for="ch" forName="ThreeConn_1-2" refType="h" refFor="ch" refForName="ThreeNodes_1" fact="0.65"/>
+          <dgm:constr type="ctrY" for="ch" forName="ThreeConn_1-2" refType="h" fact="0.325"/>
+          <dgm:constr type="r" for="ch" forName="ThreeConn_1-2" refType="r" refFor="ch" refForName="ThreeNodes_1"/>
+          <dgm:constr type="w" for="ch" forName="ThreeConn_2-3" refType="h" refFor="ch" refForName="ThreeNodes_2" fact="0.65"/>
+          <dgm:constr type="h" for="ch" forName="ThreeConn_2-3" refType="h" refFor="ch" refForName="ThreeNodes_2" fact="0.65"/>
+          <dgm:constr type="ctrY" for="ch" forName="ThreeConn_2-3" refType="h" fact="0.673"/>
+          <dgm:constr type="r" for="ch" forName="ThreeConn_2-3" refType="r" refFor="ch" refForName="ThreeNodes_2"/>
+          <dgm:constr type="r" for="ch" forName="ThreeNodes_1_text" refType="l" refFor="ch" refForName="ThreeConn_1-2"/>
+          <dgm:constr type="rOff" for="ch" forName="ThreeNodes_1_text" refType="w" refFor="ch" refForName="ThreeConn_1-2" fact="-0.57"/>
+          <dgm:constr type="t" for="ch" forName="ThreeNodes_1_text" refType="t" refFor="ch" refForName="ThreeNodes_1"/>
+          <dgm:constr type="b" for="ch" forName="ThreeNodes_1_text" refType="b" refFor="ch" refForName="ThreeNodes_1"/>
+          <dgm:constr type="l" for="ch" forName="ThreeNodes_1_text" refType="l" refFor="ch" refForName="ThreeNodes_1"/>
+          <dgm:constr type="r" for="ch" forName="ThreeNodes_2_text" refType="l" refFor="ch" refForName="ThreeConn_1-2"/>
+          <dgm:constr type="t" for="ch" forName="ThreeNodes_2_text" refType="t" refFor="ch" refForName="ThreeNodes_2"/>
+          <dgm:constr type="b" for="ch" forName="ThreeNodes_2_text" refType="b" refFor="ch" refForName="ThreeNodes_2"/>
+          <dgm:constr type="l" for="ch" forName="ThreeNodes_2_text" refType="l" refFor="ch" refForName="ThreeNodes_2"/>
+          <dgm:constr type="r" for="ch" forName="ThreeNodes_3_text" refType="l" refFor="ch" refForName="ThreeConn_2-3"/>
+          <dgm:constr type="t" for="ch" forName="ThreeNodes_3_text" refType="t" refFor="ch" refForName="ThreeNodes_3"/>
+          <dgm:constr type="b" for="ch" forName="ThreeNodes_3_text" refType="b" refFor="ch" refForName="ThreeNodes_3"/>
+          <dgm:constr type="l" for="ch" forName="ThreeNodes_3_text" refType="l" refFor="ch" refForName="ThreeNodes_3"/>
+          <dgm:constr type="w" for="ch" forName="FourNodes_1" refType="w" fact="0.8"/>
+          <dgm:constr type="h" for="ch" forName="FourNodes_1" refType="h" fact="0.22"/>
+          <dgm:constr type="t" for="ch" forName="FourNodes_1"/>
+          <dgm:constr type="l" for="ch" forName="FourNodes_1"/>
+          <dgm:constr type="w" for="ch" forName="FourNodes_2" refType="w" fact="0.8"/>
+          <dgm:constr type="h" for="ch" forName="FourNodes_2" refType="h" fact="0.22"/>
+          <dgm:constr type="ctrY" for="ch" forName="FourNodes_2" refType="h" fact="0.37"/>
+          <dgm:constr type="ctrX" for="ch" forName="FourNodes_2" refType="w" fact="0.467"/>
+          <dgm:constr type="w" for="ch" forName="FourNodes_3" refType="w" fact="0.8"/>
+          <dgm:constr type="h" for="ch" forName="FourNodes_3" refType="h" fact="0.22"/>
+          <dgm:constr type="ctrY" for="ch" forName="FourNodes_3" refType="h" fact="0.63"/>
+          <dgm:constr type="ctrX" for="ch" forName="FourNodes_3" refType="w" fact="0.533"/>
+          <dgm:constr type="w" for="ch" forName="FourNodes_4" refType="w" fact="0.8"/>
+          <dgm:constr type="h" for="ch" forName="FourNodes_4" refType="h" fact="0.22"/>
+          <dgm:constr type="b" for="ch" forName="FourNodes_4" refType="h"/>
+          <dgm:constr type="r" for="ch" forName="FourNodes_4" refType="w"/>
+          <dgm:constr type="w" for="ch" forName="FourConn_1-2" refType="h" refFor="ch" refForName="FourNodes_1" fact="0.65"/>
+          <dgm:constr type="h" for="ch" forName="FourConn_1-2" refType="h" refFor="ch" refForName="FourNodes_1" fact="0.65"/>
+          <dgm:constr type="ctrY" for="ch" forName="FourConn_1-2" refType="h" fact="0.24"/>
+          <dgm:constr type="r" for="ch" forName="FourConn_1-2" refType="r" refFor="ch" refForName="FourNodes_1"/>
+          <dgm:constr type="w" for="ch" forName="FourConn_2-3" refType="h" refFor="ch" refForName="FourNodes_2" fact="0.65"/>
+          <dgm:constr type="h" for="ch" forName="FourConn_2-3" refType="h" refFor="ch" refForName="FourNodes_2" fact="0.65"/>
+          <dgm:constr type="ctrY" for="ch" forName="FourConn_2-3" refType="h" fact="0.5"/>
+          <dgm:constr type="r" for="ch" forName="FourConn_2-3" refType="r" refFor="ch" refForName="FourNodes_2"/>
+          <dgm:constr type="w" for="ch" forName="FourConn_3-4" refType="h" refFor="ch" refForName="FourNodes_3" fact="0.65"/>
+          <dgm:constr type="h" for="ch" forName="FourConn_3-4" refType="h" refFor="ch" refForName="FourNodes_3" fact="0.65"/>
+          <dgm:constr type="ctrY" for="ch" forName="FourConn_3-4" refType="h" fact="0.76"/>
+          <dgm:constr type="r" for="ch" forName="FourConn_3-4" refType="r" refFor="ch" refForName="FourNodes_3"/>
+          <dgm:constr type="r" for="ch" forName="FourNodes_1_text" refType="l" refFor="ch" refForName="FourConn_1-2"/>
+          <dgm:constr type="rOff" for="ch" forName="FourNodes_1_text" refType="w" refFor="ch" refForName="FourConn_1-2" fact="-0.7"/>
+          <dgm:constr type="t" for="ch" forName="FourNodes_1_text" refType="t" refFor="ch" refForName="FourNodes_1"/>
+          <dgm:constr type="b" for="ch" forName="FourNodes_1_text" refType="b" refFor="ch" refForName="FourNodes_1"/>
+          <dgm:constr type="l" for="ch" forName="FourNodes_1_text" refType="l" refFor="ch" refForName="FourNodes_1"/>
+          <dgm:constr type="r" for="ch" forName="FourNodes_2_text" refType="l" refFor="ch" refForName="FourConn_1-2"/>
+          <dgm:constr type="t" for="ch" forName="FourNodes_2_text" refType="t" refFor="ch" refForName="FourNodes_2"/>
+          <dgm:constr type="b" for="ch" forName="FourNodes_2_text" refType="b" refFor="ch" refForName="FourNodes_2"/>
+          <dgm:constr type="l" for="ch" forName="FourNodes_2_text" refType="l" refFor="ch" refForName="FourNodes_2"/>
+          <dgm:constr type="r" for="ch" forName="FourNodes_3_text" refType="l" refFor="ch" refForName="FourConn_2-3"/>
+          <dgm:constr type="t" for="ch" forName="FourNodes_3_text" refType="t" refFor="ch" refForName="FourNodes_3"/>
+          <dgm:constr type="b" for="ch" forName="FourNodes_3_text" refType="b" refFor="ch" refForName="FourNodes_3"/>
+          <dgm:constr type="l" for="ch" forName="FourNodes_3_text" refType="l" refFor="ch" refForName="FourNodes_3"/>
+          <dgm:constr type="r" for="ch" forName="FourNodes_4_text" refType="l" refFor="ch" refForName="FourConn_3-4"/>
+          <dgm:constr type="t" for="ch" forName="FourNodes_4_text" refType="t" refFor="ch" refForName="FourNodes_4"/>
+          <dgm:constr type="b" for="ch" forName="FourNodes_4_text" refType="b" refFor="ch" refForName="FourNodes_4"/>
+          <dgm:constr type="l" for="ch" forName="FourNodes_4_text" refType="l" refFor="ch" refForName="FourNodes_4"/>
+          <dgm:constr type="w" for="ch" forName="FiveNodes_1" refType="w" fact="0.77"/>
+          <dgm:constr type="h" for="ch" forName="FiveNodes_1" refType="h" fact="0.18"/>
+          <dgm:constr type="t" for="ch" forName="FiveNodes_1"/>
+          <dgm:constr type="l" for="ch" forName="FiveNodes_1"/>
+          <dgm:constr type="w" for="ch" forName="FiveNodes_2" refType="w" fact="0.77"/>
+          <dgm:constr type="h" for="ch" forName="FiveNodes_2" refType="h" fact="0.18"/>
+          <dgm:constr type="ctrY" for="ch" forName="FiveNodes_2" refType="h" fact="0.295"/>
+          <dgm:constr type="ctrX" for="ch" forName="FiveNodes_2" refType="w" fact="0.4425"/>
+          <dgm:constr type="w" for="ch" forName="FiveNodes_3" refType="w" fact="0.77"/>
+          <dgm:constr type="h" for="ch" forName="FiveNodes_3" refType="h" fact="0.18"/>
+          <dgm:constr type="ctrY" for="ch" forName="FiveNodes_3" refType="h" fact="0.5"/>
+          <dgm:constr type="ctrX" for="ch" forName="FiveNodes_3" refType="w" fact="0.5"/>
+          <dgm:constr type="w" for="ch" forName="FiveNodes_4" refType="w" fact="0.77"/>
+          <dgm:constr type="h" for="ch" forName="FiveNodes_4" refType="h" fact="0.18"/>
+          <dgm:constr type="ctrY" for="ch" forName="FiveNodes_4" refType="h" fact="0.705"/>
+          <dgm:constr type="ctrX" for="ch" forName="FiveNodes_4" refType="w" fact="0.5575"/>
+          <dgm:constr type="w" for="ch" forName="FiveNodes_5" refType="w" fact="0.77"/>
+          <dgm:constr type="h" for="ch" forName="FiveNodes_5" refType="h" fact="0.18"/>
+          <dgm:constr type="b" for="ch" forName="FiveNodes_5" refType="h"/>
+          <dgm:constr type="r" for="ch" forName="FiveNodes_5" refType="w"/>
+          <dgm:constr type="w" for="ch" forName="FiveConn_1-2" refType="h" refFor="ch" refForName="FiveNodes_1" fact="0.65"/>
+          <dgm:constr type="h" for="ch" forName="FiveConn_1-2" refType="h" refFor="ch" refForName="FiveNodes_1" fact="0.65"/>
+          <dgm:constr type="ctrY" for="ch" forName="FiveConn_1-2" refType="h" fact="0.19"/>
+          <dgm:constr type="r" for="ch" forName="FiveConn_1-2" refType="r" refFor="ch" refForName="FiveNodes_1"/>
+          <dgm:constr type="w" for="ch" forName="FiveConn_2-3" refType="h" refFor="ch" refForName="FiveNodes_2" fact="0.65"/>
+          <dgm:constr type="h" for="ch" forName="FiveConn_2-3" refType="h" refFor="ch" refForName="FiveNodes_2" fact="0.65"/>
+          <dgm:constr type="ctrY" for="ch" forName="FiveConn_2-3" refType="h" fact="0.395"/>
+          <dgm:constr type="r" for="ch" forName="FiveConn_2-3" refType="r" refFor="ch" refForName="FiveNodes_2"/>
+          <dgm:constr type="w" for="ch" forName="FiveConn_3-4" refType="h" refFor="ch" refForName="FiveNodes_3" fact="0.65"/>
+          <dgm:constr type="h" for="ch" forName="FiveConn_3-4" refType="h" refFor="ch" refForName="FiveNodes_3" fact="0.65"/>
+          <dgm:constr type="ctrY" for="ch" forName="FiveConn_3-4" refType="h" fact="0.597"/>
+          <dgm:constr type="r" for="ch" forName="FiveConn_3-4" refType="r" refFor="ch" refForName="FiveNodes_3"/>
+          <dgm:constr type="w" for="ch" forName="FiveConn_4-5" refType="h" refFor="ch" refForName="FiveNodes_4" fact="0.65"/>
+          <dgm:constr type="h" for="ch" forName="FiveConn_4-5" refType="h" refFor="ch" refForName="FiveNodes_4" fact="0.65"/>
+          <dgm:constr type="ctrY" for="ch" forName="FiveConn_4-5" refType="h" fact="0.804"/>
+          <dgm:constr type="r" for="ch" forName="FiveConn_4-5" refType="r" refFor="ch" refForName="FiveNodes_4"/>
+          <dgm:constr type="r" for="ch" forName="FiveNodes_1_text" refType="l" refFor="ch" refForName="FiveConn_1-2"/>
+          <dgm:constr type="rOff" for="ch" forName="FiveNodes_1_text" refType="w" refFor="ch" refForName="FiveConn_1-2" fact="-0.75"/>
+          <dgm:constr type="t" for="ch" forName="FiveNodes_1_text" refType="t" refFor="ch" refForName="FiveNodes_1"/>
+          <dgm:constr type="b" for="ch" forName="FiveNodes_1_text" refType="b" refFor="ch" refForName="FiveNodes_1"/>
+          <dgm:constr type="l" for="ch" forName="FiveNodes_1_text" refType="l" refFor="ch" refForName="FiveNodes_1"/>
+          <dgm:constr type="r" for="ch" forName="FiveNodes_2_text" refType="l" refFor="ch" refForName="FiveConn_1-2"/>
+          <dgm:constr type="t" for="ch" forName="FiveNodes_2_text" refType="t" refFor="ch" refForName="FiveNodes_2"/>
+          <dgm:constr type="b" for="ch" forName="FiveNodes_2_text" refType="b" refFor="ch" refForName="FiveNodes_2"/>
+          <dgm:constr type="l" for="ch" forName="FiveNodes_2_text" refType="l" refFor="ch" refForName="FiveNodes_2"/>
+          <dgm:constr type="r" for="ch" forName="FiveNodes_3_text" refType="l" refFor="ch" refForName="FiveConn_2-3"/>
+          <dgm:constr type="t" for="ch" forName="FiveNodes_3_text" refType="t" refFor="ch" refForName="FiveNodes_3"/>
+          <dgm:constr type="b" for="ch" forName="FiveNodes_3_text" refType="b" refFor="ch" refForName="FiveNodes_3"/>
+          <dgm:constr type="l" for="ch" forName="FiveNodes_3_text" refType="l" refFor="ch" refForName="FiveNodes_3"/>
+          <dgm:constr type="r" for="ch" forName="FiveNodes_4_text" refType="l" refFor="ch" refForName="FiveConn_3-4"/>
+          <dgm:constr type="t" for="ch" forName="FiveNodes_4_text" refType="t" refFor="ch" refForName="FiveNodes_4"/>
+          <dgm:constr type="b" for="ch" forName="FiveNodes_4_text" refType="b" refFor="ch" refForName="FiveNodes_4"/>
+          <dgm:constr type="l" for="ch" forName="FiveNodes_4_text" refType="l" refFor="ch" refForName="FiveNodes_4"/>
+          <dgm:constr type="r" for="ch" forName="FiveNodes_5_text" refType="l" refFor="ch" refForName="FiveConn_4-5"/>
+          <dgm:constr type="t" for="ch" forName="FiveNodes_5_text" refType="t" refFor="ch" refForName="FiveNodes_5"/>
+          <dgm:constr type="b" for="ch" forName="FiveNodes_5_text" refType="b" refFor="ch" refForName="FiveNodes_5"/>
+          <dgm:constr type="l" for="ch" forName="FiveNodes_5_text" refType="l" refFor="ch" refForName="FiveNodes_5"/>
+        </dgm:constrLst>
+      </dgm:if>
+      <dgm:else name="Name2">
+        <dgm:constrLst>
+          <dgm:constr type="primFontSz" for="ch" ptType="node" op="equ" val="65"/>
+          <dgm:constr type="w" for="ch" forName="dummyMaxCanvas" refType="w"/>
+          <dgm:constr type="h" for="ch" forName="dummyMaxCanvas" refType="h"/>
+          <dgm:constr type="w" for="ch" forName="OneNode_1" refType="w"/>
+          <dgm:constr type="h" for="ch" forName="OneNode_1" refType="h" fact="0.5"/>
+          <dgm:constr type="ctrY" for="ch" forName="OneNode_1" refType="h" fact="0.5"/>
+          <dgm:constr type="w" for="ch" forName="TwoNodes_1" refType="w" fact="0.85"/>
+          <dgm:constr type="h" for="ch" forName="TwoNodes_1" refType="h" fact="0.45"/>
+          <dgm:constr type="t" for="ch" forName="TwoNodes_1"/>
+          <dgm:constr type="r" for="ch" forName="TwoNodes_1" refType="w"/>
+          <dgm:constr type="w" for="ch" forName="TwoNodes_2" refType="w" fact="0.85"/>
+          <dgm:constr type="h" for="ch" forName="TwoNodes_2" refType="h" fact="0.45"/>
+          <dgm:constr type="b" for="ch" forName="TwoNodes_2" refType="h"/>
+          <dgm:constr type="l" for="ch" forName="TwoNodes_2"/>
+          <dgm:constr type="w" for="ch" forName="TwoConn_1-2" refType="h" refFor="ch" refForName="TwoNodes_1" fact="0.65"/>
+          <dgm:constr type="h" for="ch" forName="TwoConn_1-2" refType="h" refFor="ch" refForName="TwoNodes_1" fact="0.65"/>
+          <dgm:constr type="ctrY" for="ch" forName="TwoConn_1-2" refType="h" fact="0.5"/>
+          <dgm:constr type="l" for="ch" forName="TwoConn_1-2" refType="l" refFor="ch" refForName="TwoNodes_1"/>
+          <dgm:constr type="l" for="ch" forName="TwoNodes_1_text" refType="r" refFor="ch" refForName="TwoConn_1-2"/>
+          <dgm:constr type="lOff" for="ch" forName="TwoNodes_1_text" refType="w" refFor="ch" refForName="TwoConn_1-2" fact="0.5"/>
+          <dgm:constr type="t" for="ch" forName="TwoNodes_1_text" refType="t" refFor="ch" refForName="TwoNodes_1"/>
+          <dgm:constr type="b" for="ch" forName="TwoNodes_1_text" refType="b" refFor="ch" refForName="TwoNodes_1"/>
+          <dgm:constr type="r" for="ch" forName="TwoNodes_1_text" refType="r" refFor="ch" refForName="TwoNodes_1"/>
+          <dgm:constr type="l" for="ch" forName="TwoNodes_2_text" refType="r" refFor="ch" refForName="TwoConn_1-2"/>
+          <dgm:constr type="t" for="ch" forName="TwoNodes_2_text" refType="t" refFor="ch" refForName="TwoNodes_2"/>
+          <dgm:constr type="b" for="ch" forName="TwoNodes_2_text" refType="b" refFor="ch" refForName="TwoNodes_2"/>
+          <dgm:constr type="r" for="ch" forName="TwoNodes_2_text" refType="r" refFor="ch" refForName="TwoNodes_2"/>
+          <dgm:constr type="w" for="ch" forName="ThreeNodes_1" refType="w" fact="0.85"/>
+          <dgm:constr type="h" for="ch" forName="ThreeNodes_1" refType="h" fact="0.3"/>
+          <dgm:constr type="t" for="ch" forName="ThreeNodes_1"/>
+          <dgm:constr type="r" for="ch" forName="ThreeNodes_1" refType="w"/>
+          <dgm:constr type="w" for="ch" forName="ThreeNodes_2" refType="w" fact="0.85"/>
+          <dgm:constr type="h" for="ch" forName="ThreeNodes_2" refType="h" fact="0.3"/>
+          <dgm:constr type="ctrY" for="ch" forName="ThreeNodes_2" refType="h" fact="0.5"/>
+          <dgm:constr type="ctrX" for="ch" forName="ThreeNodes_2" refType="w" fact="0.5"/>
+          <dgm:constr type="w" for="ch" forName="ThreeNodes_3" refType="w" fact="0.85"/>
+          <dgm:constr type="h" for="ch" forName="ThreeNodes_3" refType="h" fact="0.3"/>
+          <dgm:constr type="b" for="ch" forName="ThreeNodes_3" refType="h"/>
+          <dgm:constr type="l" for="ch" forName="ThreeNodes_3"/>
+          <dgm:constr type="w" for="ch" forName="ThreeConn_1-2" refType="h" refFor="ch" refForName="ThreeNodes_1" fact="0.65"/>
+          <dgm:constr type="h" for="ch" forName="ThreeConn_1-2" refType="h" refFor="ch" refForName="ThreeNodes_1" fact="0.65"/>
+          <dgm:constr type="ctrY" for="ch" forName="ThreeConn_1-2" refType="h" fact="0.325"/>
+          <dgm:constr type="l" for="ch" forName="ThreeConn_1-2" refType="l" refFor="ch" refForName="ThreeNodes_1"/>
+          <dgm:constr type="w" for="ch" forName="ThreeConn_2-3" refType="h" refFor="ch" refForName="ThreeNodes_2" fact="0.65"/>
+          <dgm:constr type="h" for="ch" forName="ThreeConn_2-3" refType="h" refFor="ch" refForName="ThreeNodes_2" fact="0.65"/>
+          <dgm:constr type="ctrY" for="ch" forName="ThreeConn_2-3" refType="h" fact="0.673"/>
+          <dgm:constr type="l" for="ch" forName="ThreeConn_2-3" refType="l" refFor="ch" refForName="ThreeNodes_2"/>
+          <dgm:constr type="l" for="ch" forName="ThreeNodes_1_text" refType="r" refFor="ch" refForName="ThreeConn_1-2"/>
+          <dgm:constr type="lOff" for="ch" forName="ThreeNodes_1_text" refType="w" refFor="ch" refForName="ThreeConn_1-2" fact="0.55"/>
+          <dgm:constr type="t" for="ch" forName="ThreeNodes_1_text" refType="t" refFor="ch" refForName="ThreeNodes_1"/>
+          <dgm:constr type="b" for="ch" forName="ThreeNodes_1_text" refType="b" refFor="ch" refForName="ThreeNodes_1"/>
+          <dgm:constr type="r" for="ch" forName="ThreeNodes_1_text" refType="r" refFor="ch" refForName="ThreeNodes_1"/>
+          <dgm:constr type="l" for="ch" forName="ThreeNodes_2_text" refType="r" refFor="ch" refForName="ThreeConn_1-2"/>
+          <dgm:constr type="t" for="ch" forName="ThreeNodes_2_text" refType="t" refFor="ch" refForName="ThreeNodes_2"/>
+          <dgm:constr type="b" for="ch" forName="ThreeNodes_2_text" refType="b" refFor="ch" refForName="ThreeNodes_2"/>
+          <dgm:constr type="r" for="ch" forName="ThreeNodes_2_text" refType="r" refFor="ch" refForName="ThreeNodes_2"/>
+          <dgm:constr type="l" for="ch" forName="ThreeNodes_3_text" refType="r" refFor="ch" refForName="ThreeConn_2-3"/>
+          <dgm:constr type="t" for="ch" forName="ThreeNodes_3_text" refType="t" refFor="ch" refForName="ThreeNodes_3"/>
+          <dgm:constr type="b" for="ch" forName="ThreeNodes_3_text" refType="b" refFor="ch" refForName="ThreeNodes_3"/>
+          <dgm:constr type="r" for="ch" forName="ThreeNodes_3_text" refType="r" refFor="ch" refForName="ThreeNodes_3"/>
+          <dgm:constr type="w" for="ch" forName="FourNodes_1" refType="w" fact="0.8"/>
+          <dgm:constr type="h" for="ch" forName="FourNodes_1" refType="h" fact="0.22"/>
+          <dgm:constr type="t" for="ch" forName="FourNodes_1"/>
+          <dgm:constr type="r" for="ch" forName="FourNodes_1" refType="w"/>
+          <dgm:constr type="w" for="ch" forName="FourNodes_2" refType="w" fact="0.8"/>
+          <dgm:constr type="h" for="ch" forName="FourNodes_2" refType="h" fact="0.22"/>
+          <dgm:constr type="ctrY" for="ch" forName="FourNodes_2" refType="h" fact="0.37"/>
+          <dgm:constr type="ctrX" for="ch" forName="FourNodes_2" refType="w" fact="0.533"/>
+          <dgm:constr type="w" for="ch" forName="FourNodes_3" refType="w" fact="0.8"/>
+          <dgm:constr type="h" for="ch" forName="FourNodes_3" refType="h" fact="0.22"/>
+          <dgm:constr type="ctrY" for="ch" forName="FourNodes_3" refType="h" fact="0.63"/>
+          <dgm:constr type="ctrX" for="ch" forName="FourNodes_3" refType="w" fact="0.467"/>
+          <dgm:constr type="w" for="ch" forName="FourNodes_4" refType="w" fact="0.8"/>
+          <dgm:constr type="h" for="ch" forName="FourNodes_4" refType="h" fact="0.22"/>
+          <dgm:constr type="b" for="ch" forName="FourNodes_4" refType="h"/>
+          <dgm:constr type="l" for="ch" forName="FourNodes_4"/>
+          <dgm:constr type="w" for="ch" forName="FourConn_1-2" refType="h" refFor="ch" refForName="FourNodes_1" fact="0.65"/>
+          <dgm:constr type="h" for="ch" forName="FourConn_1-2" refType="h" refFor="ch" refForName="FourNodes_1" fact="0.65"/>
+          <dgm:constr type="ctrY" for="ch" forName="FourConn_1-2" refType="h" fact="0.24"/>
+          <dgm:constr type="l" for="ch" forName="FourConn_1-2" refType="l" refFor="ch" refForName="FourNodes_1"/>
+          <dgm:constr type="w" for="ch" forName="FourConn_2-3" refType="h" refFor="ch" refForName="FourNodes_2" fact="0.65"/>
+          <dgm:constr type="h" for="ch" forName="FourConn_2-3" refType="h" refFor="ch" refForName="FourNodes_2" fact="0.65"/>
+          <dgm:constr type="ctrY" for="ch" forName="FourConn_2-3" refType="h" fact="0.5"/>
+          <dgm:constr type="l" for="ch" forName="FourConn_2-3" refType="l" refFor="ch" refForName="FourNodes_2"/>
+          <dgm:constr type="w" for="ch" forName="FourConn_3-4" refType="h" refFor="ch" refForName="FourNodes_3" fact="0.65"/>
+          <dgm:constr type="h" for="ch" forName="FourConn_3-4" refType="h" refFor="ch" refForName="FourNodes_3" fact="0.65"/>
+          <dgm:constr type="ctrY" for="ch" forName="FourConn_3-4" refType="h" fact="0.76"/>
+          <dgm:constr type="l" for="ch" forName="FourConn_3-4" refType="l" refFor="ch" refForName="FourNodes_3"/>
+          <dgm:constr type="l" for="ch" forName="FourNodes_1_text" refType="r" refFor="ch" refForName="FourConn_1-2"/>
+          <dgm:constr type="lOff" for="ch" forName="FourNodes_1_text" refType="w" refFor="ch" refForName="FourConn_1-2" fact="0.69"/>
+          <dgm:constr type="t" for="ch" forName="FourNodes_1_text" refType="t" refFor="ch" refForName="FourNodes_1"/>
+          <dgm:constr type="b" for="ch" forName="FourNodes_1_text" refType="b" refFor="ch" refForName="FourNodes_1"/>
+          <dgm:constr type="r" for="ch" forName="FourNodes_1_text" refType="r" refFor="ch" refForName="FourNodes_1"/>
+          <dgm:constr type="l" for="ch" forName="FourNodes_2_text" refType="r" refFor="ch" refForName="FourConn_1-2"/>
+          <dgm:constr type="t" for="ch" forName="FourNodes_2_text" refType="t" refFor="ch" refForName="FourNodes_2"/>
+          <dgm:constr type="b" for="ch" forName="FourNodes_2_text" refType="b" refFor="ch" refForName="FourNodes_2"/>
+          <dgm:constr type="r" for="ch" forName="FourNodes_2_text" refType="r" refFor="ch" refForName="FourNodes_2"/>
+          <dgm:constr type="l" for="ch" forName="FourNodes_3_text" refType="r" refFor="ch" refForName="FourConn_2-3"/>
+          <dgm:constr type="t" for="ch" forName="FourNodes_3_text" refType="t" refFor="ch" refForName="FourNodes_3"/>
+          <dgm:constr type="b" for="ch" forName="FourNodes_3_text" refType="b" refFor="ch" refForName="FourNodes_3"/>
+          <dgm:constr type="r" for="ch" forName="FourNodes_3_text" refType="r" refFor="ch" refForName="FourNodes_3"/>
+          <dgm:constr type="l" for="ch" forName="FourNodes_4_text" refType="r" refFor="ch" refForName="FourConn_3-4"/>
+          <dgm:constr type="t" for="ch" forName="FourNodes_4_text" refType="t" refFor="ch" refForName="FourNodes_4"/>
+          <dgm:constr type="b" for="ch" forName="FourNodes_4_text" refType="b" refFor="ch" refForName="FourNodes_4"/>
+          <dgm:constr type="r" for="ch" forName="FourNodes_4_text" refType="r" refFor="ch" refForName="FourNodes_4"/>
+          <dgm:constr type="w" for="ch" forName="FiveNodes_1" refType="w" fact="0.77"/>
+          <dgm:constr type="h" for="ch" forName="FiveNodes_1" refType="h" fact="0.18"/>
+          <dgm:constr type="t" for="ch" forName="FiveNodes_1"/>
+          <dgm:constr type="r" for="ch" forName="FiveNodes_1" refType="w"/>
+          <dgm:constr type="w" for="ch" forName="FiveNodes_2" refType="w" fact="0.77"/>
+          <dgm:constr type="h" for="ch" forName="FiveNodes_2" refType="h" fact="0.18"/>
+          <dgm:constr type="ctrY" for="ch" forName="FiveNodes_2" refType="h" fact="0.295"/>
+          <dgm:constr type="ctrX" for="ch" forName="FiveNodes_2" refType="w" fact="0.5575"/>
+          <dgm:constr type="w" for="ch" forName="FiveNodes_3" refType="w" fact="0.77"/>
+          <dgm:constr type="h" for="ch" forName="FiveNodes_3" refType="h" fact="0.18"/>
+          <dgm:constr type="ctrY" for="ch" forName="FiveNodes_3" refType="h" fact="0.5"/>
+          <dgm:constr type="ctrX" for="ch" forName="FiveNodes_3" refType="w" fact="0.5"/>
+          <dgm:constr type="w" for="ch" forName="FiveNodes_4" refType="w" fact="0.77"/>
+          <dgm:constr type="h" for="ch" forName="FiveNodes_4" refType="h" fact="0.18"/>
+          <dgm:constr type="ctrY" for="ch" forName="FiveNodes_4" refType="h" fact="0.705"/>
+          <dgm:constr type="ctrX" for="ch" forName="FiveNodes_4" refType="w" fact="0.4425"/>
+          <dgm:constr type="w" for="ch" forName="FiveNodes_5" refType="w" fact="0.77"/>
+          <dgm:constr type="h" for="ch" forName="FiveNodes_5" refType="h" fact="0.18"/>
+          <dgm:constr type="b" for="ch" forName="FiveNodes_5" refType="h"/>
+          <dgm:constr type="l" for="ch" forName="FiveNodes_5"/>
+          <dgm:constr type="w" for="ch" forName="FiveConn_1-2" refType="h" refFor="ch" refForName="FiveNodes_1" fact="0.65"/>
+          <dgm:constr type="h" for="ch" forName="FiveConn_1-2" refType="h" refFor="ch" refForName="FiveNodes_1" fact="0.65"/>
+          <dgm:constr type="ctrY" for="ch" forName="FiveConn_1-2" refType="h" fact="0.19"/>
+          <dgm:constr type="l" for="ch" forName="FiveConn_1-2" refType="l" refFor="ch" refForName="FiveNodes_1"/>
+          <dgm:constr type="w" for="ch" forName="FiveConn_2-3" refType="h" refFor="ch" refForName="FiveNodes_2" fact="0.65"/>
+          <dgm:constr type="h" for="ch" forName="FiveConn_2-3" refType="h" refFor="ch" refForName="FiveNodes_2" fact="0.65"/>
+          <dgm:constr type="ctrY" for="ch" forName="FiveConn_2-3" refType="h" fact="0.395"/>
+          <dgm:constr type="l" for="ch" forName="FiveConn_2-3" refType="l" refFor="ch" refForName="FiveNodes_2"/>
+          <dgm:constr type="w" for="ch" forName="FiveConn_3-4" refType="h" refFor="ch" refForName="FiveNodes_3" fact="0.65"/>
+          <dgm:constr type="h" for="ch" forName="FiveConn_3-4" refType="h" refFor="ch" refForName="FiveNodes_3" fact="0.65"/>
+          <dgm:constr type="ctrY" for="ch" forName="FiveConn_3-4" refType="h" fact="0.597"/>
+          <dgm:constr type="l" for="ch" forName="FiveConn_3-4" refType="l" refFor="ch" refForName="FiveNodes_3"/>
+          <dgm:constr type="w" for="ch" forName="FiveConn_4-5" refType="h" refFor="ch" refForName="FiveNodes_4" fact="0.65"/>
+          <dgm:constr type="h" for="ch" forName="FiveConn_4-5" refType="h" refFor="ch" refForName="FiveNodes_4" fact="0.65"/>
+          <dgm:constr type="ctrY" for="ch" forName="FiveConn_4-5" refType="h" fact="0.804"/>
+          <dgm:constr type="l" for="ch" forName="FiveConn_4-5" refType="l" refFor="ch" refForName="FiveNodes_4"/>
+          <dgm:constr type="l" for="ch" forName="FiveNodes_1_text" refType="r" refFor="ch" refForName="FiveConn_1-2"/>
+          <dgm:constr type="lOff" for="ch" forName="FiveNodes_1_text" refType="w" refFor="ch" refForName="FiveConn_1-2" fact="0.73"/>
+          <dgm:constr type="t" for="ch" forName="FiveNodes_1_text" refType="t" refFor="ch" refForName="FiveNodes_1"/>
+          <dgm:constr type="b" for="ch" forName="FiveNodes_1_text" refType="b" refFor="ch" refForName="FiveNodes_1"/>
+          <dgm:constr type="r" for="ch" forName="FiveNodes_1_text" refType="r" refFor="ch" refForName="FiveNodes_1"/>
+          <dgm:constr type="l" for="ch" forName="FiveNodes_2_text" refType="r" refFor="ch" refForName="FiveConn_1-2"/>
+          <dgm:constr type="t" for="ch" forName="FiveNodes_2_text" refType="t" refFor="ch" refForName="FiveNodes_2"/>
+          <dgm:constr type="b" for="ch" forName="FiveNodes_2_text" refType="b" refFor="ch" refForName="FiveNodes_2"/>
+          <dgm:constr type="r" for="ch" forName="FiveNodes_2_text" refType="r" refFor="ch" refForName="FiveNodes_2"/>
+          <dgm:constr type="l" for="ch" forName="FiveNodes_3_text" refType="r" refFor="ch" refForName="FiveConn_2-3"/>
+          <dgm:constr type="t" for="ch" forName="FiveNodes_3_text" refType="t" refFor="ch" refForName="FiveNodes_3"/>
+          <dgm:constr type="b" for="ch" forName="FiveNodes_3_text" refType="b" refFor="ch" refForName="FiveNodes_3"/>
+          <dgm:constr type="r" for="ch" forName="FiveNodes_3_text" refType="r" refFor="ch" refForName="FiveNodes_3"/>
+          <dgm:constr type="l" for="ch" forName="FiveNodes_4_text" refType="r" refFor="ch" refForName="FiveConn_3-4"/>
+          <dgm:constr type="t" for="ch" forName="FiveNodes_4_text" refType="t" refFor="ch" refForName="FiveNodes_4"/>
+          <dgm:constr type="b" for="ch" forName="FiveNodes_4_text" refType="b" refFor="ch" refForName="FiveNodes_4"/>
+          <dgm:constr type="r" for="ch" forName="FiveNodes_4_text" refType="r" refFor="ch" refForName="FiveNodes_4"/>
+          <dgm:constr type="l" for="ch" forName="FiveNodes_5_text" refType="r" refFor="ch" refForName="FiveConn_4-5"/>
+          <dgm:constr type="t" for="ch" forName="FiveNodes_5_text" refType="t" refFor="ch" refForName="FiveNodes_5"/>
+          <dgm:constr type="b" for="ch" forName="FiveNodes_5_text" refType="b" refFor="ch" refForName="FiveNodes_5"/>
+          <dgm:constr type="r" for="ch" forName="FiveNodes_5_text" refType="r" refFor="ch" refForName="FiveNodes_5"/>
+        </dgm:constrLst>
+      </dgm:else>
+    </dgm:choose>
+    <dgm:ruleLst/>
+    <dgm:layoutNode name="dummyMaxCanvas">
+      <dgm:varLst/>
+      <dgm:alg type="sp"/>
+      <dgm:shape xmlns:r="http://schemas.openxmlformats.org/officeDocument/2006/relationships" r:blip="">
+        <dgm:adjLst/>
+      </dgm:shape>
+      <dgm:presOf/>
+      <dgm:constrLst/>
+      <dgm:ruleLst/>
+    </dgm:layoutNode>
+    <dgm:choose name="Name3">
+      <dgm:if name="Name4" axis="ch" ptType="node" func="cnt" op="equ" val="1">
+        <dgm:layoutNode name="OneNode_1">
+          <dgm:varLst>
+            <dgm:bulletEnabled val="1"/>
+          </dgm:varLst>
+          <dgm:alg type="tx"/>
+          <dgm:shape xmlns:r="http://schemas.openxmlformats.org/officeDocument/2006/relationships" type="roundRect" r:blip="">
+            <dgm:adjLst>
+              <dgm:adj idx="1" val="0.1"/>
+            </dgm:adjLst>
+          </dgm:shape>
+          <dgm:presOf axis="ch desOrSelf" ptType="node node" st="1 1" cnt="1 0"/>
+          <dgm:constrLst>
+            <dgm:constr type="lMarg" refType="primFontSz" fact="0.3"/>
+            <dgm:constr type="rMarg" refType="primFontSz" fact="0.3"/>
+            <dgm:constr type="tMarg" refType="primFontSz" fact="0.3"/>
+            <dgm:constr type="bMarg" refType="primFontSz" fact="0.3"/>
+          </dgm:constrLst>
+          <dgm:ruleLst>
+            <dgm:rule type="primFontSz" val="5" fact="NaN" max="NaN"/>
+          </dgm:ruleLst>
+        </dgm:layoutNode>
+      </dgm:if>
+      <dgm:else name="Name5">
+        <dgm:choose name="Name6">
+          <dgm:if name="Name7" axis="ch" ptType="node" func="cnt" op="equ" val="2">
+            <dgm:layoutNode name="TwoNodes_1">
+              <dgm:varLst>
+                <dgm:bulletEnabled val="1"/>
+              </dgm:varLst>
+              <dgm:alg type="sp"/>
+              <dgm:shape xmlns:r="http://schemas.openxmlformats.org/officeDocument/2006/relationships" type="roundRect" r:blip="">
+                <dgm:adjLst>
+                  <dgm:adj idx="1" val="0.1"/>
+                </dgm:adjLst>
+              </dgm:shape>
+              <dgm:presOf axis="ch desOrSelf" ptType="node node" st="1 1" cnt="1 0"/>
+              <dgm:constrLst/>
+              <dgm:ruleLst/>
+            </dgm:layoutNode>
+            <dgm:layoutNode name="TwoNodes_2">
+              <dgm:varLst>
+                <dgm:bulletEnabled val="1"/>
+              </dgm:varLst>
+              <dgm:alg type="sp"/>
+              <dgm:shape xmlns:r="http://schemas.openxmlformats.org/officeDocument/2006/relationships" type="roundRect" r:blip="">
+                <dgm:adjLst>
+                  <dgm:adj idx="1" val="0.1"/>
+                </dgm:adjLst>
+              </dgm:shape>
+              <dgm:presOf axis="ch desOrSelf" ptType="node node" st="2 1" cnt="1 0"/>
+              <dgm:constrLst/>
+              <dgm:ruleLst/>
+            </dgm:layoutNode>
+            <dgm:layoutNode name="TwoConn_1-2" styleLbl="fgAccFollowNode1">
+              <dgm:varLst>
+                <dgm:bulletEnabled val="1"/>
+              </dgm:varLst>
+              <dgm:alg type="tx"/>
+              <dgm:shape xmlns:r="http://schemas.openxmlformats.org/officeDocument/2006/relationships" type="downArrow" r:blip="">
+                <dgm:adjLst>
+                  <dgm:adj idx="1" val="0.55"/>
+                  <dgm:adj idx="2" val="0.45"/>
+                </dgm:adjLst>
+              </dgm:shape>
+              <dgm:presOf axis="ch" ptType="sibTrans" cnt="1"/>
+              <dgm:constrLst>
+                <dgm:constr type="lMarg" refType="primFontSz" fact="0.1"/>
+                <dgm:constr type="rMarg" refType="primFontSz" fact="0.1"/>
+                <dgm:constr type="tMarg" refType="primFontSz" fact="0.1"/>
+                <dgm:constr type="bMarg" refType="primFontSz" fact="0.1"/>
+              </dgm:constrLst>
+              <dgm:ruleLst>
+                <dgm:rule type="primFontSz" val="5" fact="NaN" max="NaN"/>
+              </dgm:ruleLst>
+            </dgm:layoutNode>
+            <dgm:layoutNode name="TwoNodes_1_text">
+              <dgm:varLst>
+                <dgm:bulletEnabled val="1"/>
+              </dgm:varLst>
+              <dgm:alg type="tx">
+                <dgm:param type="parTxLTRAlign" val="l"/>
+                <dgm:param type="txAnchorVertCh" val="mid"/>
+              </dgm:alg>
+              <dgm:shape xmlns:r="http://schemas.openxmlformats.org/officeDocument/2006/relationships" type="roundRect" r:blip="" hideGeom="1">
+                <dgm:adjLst>
+                  <dgm:adj idx="1" val="0.1"/>
+                </dgm:adjLst>
+              </dgm:shape>
+              <dgm:presOf axis="ch desOrSelf" ptType="node node" st="1 1" cnt="1 0"/>
+              <dgm:constrLst>
+                <dgm:constr type="lMarg" refType="primFontSz" fact="0.3"/>
+                <dgm:constr type="rMarg" refType="primFontSz" fact="0.3"/>
+                <dgm:constr type="tMarg" refType="primFontSz" fact="0.3"/>
+                <dgm:constr type="bMarg" refType="primFontSz" fact="0.3"/>
+              </dgm:constrLst>
+              <dgm:ruleLst>
+                <dgm:rule type="primFontSz" val="5" fact="NaN" max="NaN"/>
+              </dgm:ruleLst>
+            </dgm:layoutNode>
+            <dgm:layoutNode name="TwoNodes_2_text">
+              <dgm:varLst>
+                <dgm:bulletEnabled val="1"/>
+              </dgm:varLst>
+              <dgm:alg type="tx">
+                <dgm:param type="parTxLTRAlign" val="l"/>
+                <dgm:param type="txAnchorVertCh" val="mid"/>
+              </dgm:alg>
+              <dgm:shape xmlns:r="http://schemas.openxmlformats.org/officeDocument/2006/relationships" type="roundRect" r:blip="" hideGeom="1">
+                <dgm:adjLst>
+                  <dgm:adj idx="1" val="0.1"/>
+                </dgm:adjLst>
+              </dgm:shape>
+              <dgm:presOf axis="ch desOrSelf" ptType="node node" st="2 1" cnt="1 0"/>
+              <dgm:constrLst>
+                <dgm:constr type="lMarg" refType="primFontSz" fact="0.3"/>
+                <dgm:constr type="rMarg" refType="primFontSz" fact="0.3"/>
+                <dgm:constr type="tMarg" refType="primFontSz" fact="0.3"/>
+                <dgm:constr type="bMarg" refType="primFontSz" fact="0.3"/>
+              </dgm:constrLst>
+              <dgm:ruleLst>
+                <dgm:rule type="primFontSz" val="5" fact="NaN" max="NaN"/>
+              </dgm:ruleLst>
+            </dgm:layoutNode>
+          </dgm:if>
+          <dgm:else name="Name8">
+            <dgm:choose name="Name9">
+              <dgm:if name="Name10" axis="ch" ptType="node" func="cnt" op="equ" val="3">
+                <dgm:layoutNode name="ThreeNodes_1">
+                  <dgm:varLst>
+                    <dgm:bulletEnabled val="1"/>
+                  </dgm:varLst>
+                  <dgm:alg type="sp"/>
+                  <dgm:shape xmlns:r="http://schemas.openxmlformats.org/officeDocument/2006/relationships" type="roundRect" r:blip="">
+                    <dgm:adjLst>
+                      <dgm:adj idx="1" val="0.1"/>
+                    </dgm:adjLst>
+                  </dgm:shape>
+                  <dgm:presOf axis="ch desOrSelf" ptType="node node" st="1 1" cnt="1 0"/>
+                  <dgm:constrLst/>
+                  <dgm:ruleLst/>
+                </dgm:layoutNode>
+                <dgm:layoutNode name="ThreeNodes_2">
+                  <dgm:varLst>
+                    <dgm:bulletEnabled val="1"/>
+                  </dgm:varLst>
+                  <dgm:alg type="sp"/>
+                  <dgm:shape xmlns:r="http://schemas.openxmlformats.org/officeDocument/2006/relationships" type="roundRect" r:blip="">
+                    <dgm:adjLst>
+                      <dgm:adj idx="1" val="0.1"/>
+                    </dgm:adjLst>
+                  </dgm:shape>
+                  <dgm:presOf axis="ch desOrSelf" ptType="node node" st="2 1" cnt="1 0"/>
+                  <dgm:constrLst/>
+                  <dgm:ruleLst/>
+                </dgm:layoutNode>
+                <dgm:layoutNode name="ThreeNodes_3">
+                  <dgm:varLst>
+                    <dgm:bulletEnabled val="1"/>
+                  </dgm:varLst>
+                  <dgm:alg type="sp"/>
+                  <dgm:shape xmlns:r="http://schemas.openxmlformats.org/officeDocument/2006/relationships" type="roundRect" r:blip="">
+                    <dgm:adjLst>
+                      <dgm:adj idx="1" val="0.1"/>
+                    </dgm:adjLst>
+                  </dgm:shape>
+                  <dgm:presOf axis="ch desOrSelf" ptType="node node" st="3 1" cnt="1 0"/>
+                  <dgm:constrLst/>
+                  <dgm:ruleLst/>
+                </dgm:layoutNode>
+                <dgm:layoutNode name="ThreeConn_1-2" styleLbl="fgAccFollowNode1">
+                  <dgm:varLst>
+                    <dgm:bulletEnabled val="1"/>
+                  </dgm:varLst>
+                  <dgm:alg type="tx"/>
+                  <dgm:shape xmlns:r="http://schemas.openxmlformats.org/officeDocument/2006/relationships" type="downArrow" r:blip="">
+                    <dgm:adjLst>
+                      <dgm:adj idx="1" val="0.55"/>
+                      <dgm:adj idx="2" val="0.45"/>
+                    </dgm:adjLst>
+                  </dgm:shape>
+                  <dgm:presOf axis="ch" ptType="sibTrans" cnt="1"/>
+                  <dgm:constrLst>
+                    <dgm:constr type="lMarg" refType="primFontSz" fact="0.1"/>
+                    <dgm:constr type="rMarg" refType="primFontSz" fact="0.1"/>
+                    <dgm:constr type="tMarg" refType="primFontSz" fact="0.1"/>
+                    <dgm:constr type="bMarg" refType="primFontSz" fact="0.1"/>
+                  </dgm:constrLst>
+                  <dgm:ruleLst>
+                    <dgm:rule type="primFontSz" val="5" fact="NaN" max="NaN"/>
+                  </dgm:ruleLst>
+                </dgm:layoutNode>
+                <dgm:layoutNode name="ThreeConn_2-3" styleLbl="fgAccFollowNode1">
+                  <dgm:varLst>
+                    <dgm:bulletEnabled val="1"/>
+                  </dgm:varLst>
+                  <dgm:alg type="tx"/>
+                  <dgm:shape xmlns:r="http://schemas.openxmlformats.org/officeDocument/2006/relationships" type="downArrow" r:blip="">
+                    <dgm:adjLst>
+                      <dgm:adj idx="1" val="0.55"/>
+                      <dgm:adj idx="2" val="0.45"/>
+                    </dgm:adjLst>
+                  </dgm:shape>
+                  <dgm:presOf axis="ch" ptType="sibTrans" st="2" cnt="1"/>
+                  <dgm:constrLst>
+                    <dgm:constr type="lMarg" refType="primFontSz" fact="0.1"/>
+                    <dgm:constr type="rMarg" refType="primFontSz" fact="0.1"/>
+                    <dgm:constr type="tMarg" refType="primFontSz" fact="0.1"/>
+                    <dgm:constr type="bMarg" refType="primFontSz" fact="0.1"/>
+                  </dgm:constrLst>
+                  <dgm:ruleLst>
+                    <dgm:rule type="primFontSz" val="5" fact="NaN" max="NaN"/>
+                  </dgm:ruleLst>
+                </dgm:layoutNode>
+                <dgm:layoutNode name="ThreeNodes_1_text">
+                  <dgm:varLst>
+                    <dgm:bulletEnabled val="1"/>
+                  </dgm:varLst>
+                  <dgm:alg type="tx">
+                    <dgm:param type="parTxLTRAlign" val="l"/>
+                    <dgm:param type="txAnchorVertCh" val="mid"/>
+                  </dgm:alg>
+                  <dgm:shape xmlns:r="http://schemas.openxmlformats.org/officeDocument/2006/relationships" type="roundRect" r:blip="" hideGeom="1">
+                    <dgm:adjLst>
+                      <dgm:adj idx="1" val="0.1"/>
+                    </dgm:adjLst>
+                  </dgm:shape>
+                  <dgm:presOf axis="ch desOrSelf" ptType="node node" st="1 1" cnt="1 0"/>
+                  <dgm:constrLst>
+                    <dgm:constr type="lMarg" refType="primFontSz" fact="0.3"/>
+                    <dgm:constr type="rMarg" refType="primFontSz" fact="0.3"/>
+                    <dgm:constr type="tMarg" refType="primFontSz" fact="0.3"/>
+                    <dgm:constr type="bMarg" refType="primFontSz" fact="0.3"/>
+                  </dgm:constrLst>
+                  <dgm:ruleLst>
+                    <dgm:rule type="primFontSz" val="5" fact="NaN" max="NaN"/>
+                  </dgm:ruleLst>
+                </dgm:layoutNode>
+                <dgm:layoutNode name="ThreeNodes_2_text">
+                  <dgm:varLst>
+                    <dgm:bulletEnabled val="1"/>
+                  </dgm:varLst>
+                  <dgm:alg type="tx">
+                    <dgm:param type="parTxLTRAlign" val="l"/>
+                    <dgm:param type="txAnchorVertCh" val="mid"/>
+                  </dgm:alg>
+                  <dgm:shape xmlns:r="http://schemas.openxmlformats.org/officeDocument/2006/relationships" type="roundRect" r:blip="" hideGeom="1">
+                    <dgm:adjLst>
+                      <dgm:adj idx="1" val="0.1"/>
+                    </dgm:adjLst>
+                  </dgm:shape>
+                  <dgm:presOf axis="ch desOrSelf" ptType="node node" st="2 1" cnt="1 0"/>
+                  <dgm:constrLst>
+                    <dgm:constr type="lMarg" refType="primFontSz" fact="0.3"/>
+                    <dgm:constr type="rMarg" refType="primFontSz" fact="0.3"/>
+                    <dgm:constr type="tMarg" refType="primFontSz" fact="0.3"/>
+                    <dgm:constr type="bMarg" refType="primFontSz" fact="0.3"/>
+                  </dgm:constrLst>
+                  <dgm:ruleLst>
+                    <dgm:rule type="primFontSz" val="5" fact="NaN" max="NaN"/>
+                  </dgm:ruleLst>
+                </dgm:layoutNode>
+                <dgm:layoutNode name="ThreeNodes_3_text">
+                  <dgm:varLst>
+                    <dgm:bulletEnabled val="1"/>
+                  </dgm:varLst>
+                  <dgm:alg type="tx">
+                    <dgm:param type="parTxLTRAlign" val="l"/>
+                    <dgm:param type="txAnchorVertCh" val="mid"/>
+                  </dgm:alg>
+                  <dgm:shape xmlns:r="http://schemas.openxmlformats.org/officeDocument/2006/relationships" type="roundRect" r:blip="" hideGeom="1">
+                    <dgm:adjLst>
+                      <dgm:adj idx="1" val="0.1"/>
+                    </dgm:adjLst>
+                  </dgm:shape>
+                  <dgm:presOf axis="ch desOrSelf" ptType="node node" st="3 1" cnt="1 0"/>
+                  <dgm:constrLst>
+                    <dgm:constr type="lMarg" refType="primFontSz" fact="0.3"/>
+                    <dgm:constr type="rMarg" refType="primFontSz" fact="0.3"/>
+                    <dgm:constr type="tMarg" refType="primFontSz" fact="0.3"/>
+                    <dgm:constr type="bMarg" refType="primFontSz" fact="0.3"/>
+                  </dgm:constrLst>
+                  <dgm:ruleLst>
+                    <dgm:rule type="primFontSz" val="5" fact="NaN" max="NaN"/>
+                  </dgm:ruleLst>
+                </dgm:layoutNode>
+              </dgm:if>
+              <dgm:else name="Name11">
+                <dgm:choose name="Name12">
+                  <dgm:if name="Name13" axis="ch" ptType="node" func="cnt" op="equ" val="4">
+                    <dgm:layoutNode name="FourNodes_1">
+                      <dgm:varLst>
+                        <dgm:bulletEnabled val="1"/>
+                      </dgm:varLst>
+                      <dgm:alg type="sp"/>
+                      <dgm:shape xmlns:r="http://schemas.openxmlformats.org/officeDocument/2006/relationships" type="roundRect" r:blip="">
+                        <dgm:adjLst>
+                          <dgm:adj idx="1" val="0.1"/>
+                        </dgm:adjLst>
+                      </dgm:shape>
+                      <dgm:presOf axis="ch desOrSelf" ptType="node node" st="1 1" cnt="1 0"/>
+                      <dgm:constrLst/>
+                      <dgm:ruleLst/>
+                    </dgm:layoutNode>
+                    <dgm:layoutNode name="FourNodes_2">
+                      <dgm:varLst>
+                        <dgm:bulletEnabled val="1"/>
+                      </dgm:varLst>
+                      <dgm:alg type="sp"/>
+                      <dgm:shape xmlns:r="http://schemas.openxmlformats.org/officeDocument/2006/relationships" type="roundRect" r:blip="">
+                        <dgm:adjLst>
+                          <dgm:adj idx="1" val="0.1"/>
+                        </dgm:adjLst>
+                      </dgm:shape>
+                      <dgm:presOf axis="ch desOrSelf" ptType="node node" st="2 1" cnt="1 0"/>
+                      <dgm:constrLst/>
+                      <dgm:ruleLst/>
+                    </dgm:layoutNode>
+                    <dgm:layoutNode name="FourNodes_3">
+                      <dgm:varLst>
+                        <dgm:bulletEnabled val="1"/>
+                      </dgm:varLst>
+                      <dgm:alg type="sp"/>
+                      <dgm:shape xmlns:r="http://schemas.openxmlformats.org/officeDocument/2006/relationships" type="roundRect" r:blip="">
+                        <dgm:adjLst>
+                          <dgm:adj idx="1" val="0.1"/>
+                        </dgm:adjLst>
+                      </dgm:shape>
+                      <dgm:presOf axis="ch desOrSelf" ptType="node node" st="3 1" cnt="1 0"/>
+                      <dgm:constrLst/>
+                      <dgm:ruleLst/>
+                    </dgm:layoutNode>
+                    <dgm:layoutNode name="FourNodes_4">
+                      <dgm:varLst>
+                        <dgm:bulletEnabled val="1"/>
+                      </dgm:varLst>
+                      <dgm:alg type="sp"/>
+                      <dgm:shape xmlns:r="http://schemas.openxmlformats.org/officeDocument/2006/relationships" type="roundRect" r:blip="">
+                        <dgm:adjLst>
+                          <dgm:adj idx="1" val="0.1"/>
+                        </dgm:adjLst>
+                      </dgm:shape>
+                      <dgm:presOf axis="ch desOrSelf" ptType="node node" st="4 1" cnt="1 0"/>
+                      <dgm:constrLst/>
+                      <dgm:ruleLst/>
+                    </dgm:layoutNode>
+                    <dgm:layoutNode name="FourConn_1-2" styleLbl="fgAccFollowNode1">
+                      <dgm:varLst>
+                        <dgm:bulletEnabled val="1"/>
+                      </dgm:varLst>
+                      <dgm:alg type="tx"/>
+                      <dgm:shape xmlns:r="http://schemas.openxmlformats.org/officeDocument/2006/relationships" type="downArrow" r:blip="">
+                        <dgm:adjLst>
+                          <dgm:adj idx="1" val="0.55"/>
+                          <dgm:adj idx="2" val="0.45"/>
+                        </dgm:adjLst>
+                      </dgm:shape>
+                      <dgm:presOf axis="ch" ptType="sibTrans" cnt="1"/>
+                      <dgm:constrLst>
+                        <dgm:constr type="lMarg" refType="primFontSz" fact="0.1"/>
+                        <dgm:constr type="rMarg" refType="primFontSz" fact="0.1"/>
+                        <dgm:constr type="tMarg" refType="primFontSz" fact="0.1"/>
+                        <dgm:constr type="bMarg" refType="primFontSz" fact="0.1"/>
+                      </dgm:constrLst>
+                      <dgm:ruleLst>
+                        <dgm:rule type="primFontSz" val="5" fact="NaN" max="NaN"/>
+                      </dgm:ruleLst>
+                    </dgm:layoutNode>
+                    <dgm:layoutNode name="FourConn_2-3" styleLbl="fgAccFollowNode1">
+                      <dgm:varLst>
+                        <dgm:bulletEnabled val="1"/>
+                      </dgm:varLst>
+                      <dgm:alg type="tx"/>
+                      <dgm:shape xmlns:r="http://schemas.openxmlformats.org/officeDocument/2006/relationships" type="downArrow" r:blip="">
+                        <dgm:adjLst>
+                          <dgm:adj idx="1" val="0.55"/>
+                          <dgm:adj idx="2" val="0.45"/>
+                        </dgm:adjLst>
+                      </dgm:shape>
+                      <dgm:presOf axis="ch" ptType="sibTrans" st="2" cnt="1"/>
+                      <dgm:constrLst>
+                        <dgm:constr type="lMarg" refType="primFontSz" fact="0.1"/>
+                        <dgm:constr type="rMarg" refType="primFontSz" fact="0.1"/>
+                        <dgm:constr type="tMarg" refType="primFontSz" fact="0.1"/>
+                        <dgm:constr type="bMarg" refType="primFontSz" fact="0.1"/>
+                      </dgm:constrLst>
+                      <dgm:ruleLst>
+                        <dgm:rule type="primFontSz" val="5" fact="NaN" max="NaN"/>
+                      </dgm:ruleLst>
+                    </dgm:layoutNode>
+                    <dgm:layoutNode name="FourConn_3-4" styleLbl="fgAccFollowNode1">
+                      <dgm:varLst>
+                        <dgm:bulletEnabled val="1"/>
+                      </dgm:varLst>
+                      <dgm:alg type="tx"/>
+                      <dgm:shape xmlns:r="http://schemas.openxmlformats.org/officeDocument/2006/relationships" type="downArrow" r:blip="">
+                        <dgm:adjLst>
+                          <dgm:adj idx="1" val="0.55"/>
+                          <dgm:adj idx="2" val="0.45"/>
+                        </dgm:adjLst>
+                      </dgm:shape>
+                      <dgm:presOf axis="ch" ptType="sibTrans" st="3" cnt="1"/>
+                      <dgm:constrLst>
+                        <dgm:constr type="lMarg" refType="primFontSz" fact="0.1"/>
+                        <dgm:constr type="rMarg" refType="primFontSz" fact="0.1"/>
+                        <dgm:constr type="tMarg" refType="primFontSz" fact="0.1"/>
+                        <dgm:constr type="bMarg" refType="primFontSz" fact="0.1"/>
+                      </dgm:constrLst>
+                      <dgm:ruleLst>
+                        <dgm:rule type="primFontSz" val="5" fact="NaN" max="NaN"/>
+                      </dgm:ruleLst>
+                    </dgm:layoutNode>
+                    <dgm:layoutNode name="FourNodes_1_text">
+                      <dgm:varLst>
+                        <dgm:bulletEnabled val="1"/>
+                      </dgm:varLst>
+                      <dgm:alg type="tx">
+                        <dgm:param type="parTxLTRAlign" val="l"/>
+                        <dgm:param type="txAnchorVertCh" val="mid"/>
+                      </dgm:alg>
+                      <dgm:shape xmlns:r="http://schemas.openxmlformats.org/officeDocument/2006/relationships" type="roundRect" r:blip="" hideGeom="1">
+                        <dgm:adjLst>
+                          <dgm:adj idx="1" val="0.1"/>
+                        </dgm:adjLst>
+                      </dgm:shape>
+                      <dgm:presOf axis="ch desOrSelf" ptType="node node" st="1 1" cnt="1 0"/>
+                      <dgm:constrLst>
+                        <dgm:constr type="lMarg" refType="primFontSz" fact="0.3"/>
+                        <dgm:constr type="rMarg" refType="primFontSz" fact="0.3"/>
+                        <dgm:constr type="tMarg" refType="primFontSz" fact="0.3"/>
+                        <dgm:constr type="bMarg" refType="primFontSz" fact="0.3"/>
+                      </dgm:constrLst>
+                      <dgm:ruleLst>
+                        <dgm:rule type="primFontSz" val="5" fact="NaN" max="NaN"/>
+                      </dgm:ruleLst>
+                    </dgm:layoutNode>
+                    <dgm:layoutNode name="FourNodes_2_text">
+                      <dgm:varLst>
+                        <dgm:bulletEnabled val="1"/>
+                      </dgm:varLst>
+                      <dgm:alg type="tx">
+                        <dgm:param type="parTxLTRAlign" val="l"/>
+                        <dgm:param type="txAnchorVertCh" val="mid"/>
+                      </dgm:alg>
+                      <dgm:shape xmlns:r="http://schemas.openxmlformats.org/officeDocument/2006/relationships" type="roundRect" r:blip="" hideGeom="1">
+                        <dgm:adjLst>
+                          <dgm:adj idx="1" val="0.1"/>
+                        </dgm:adjLst>
+                      </dgm:shape>
+                      <dgm:presOf axis="ch desOrSelf" ptType="node node" st="2 1" cnt="1 0"/>
+                      <dgm:constrLst>
+                        <dgm:constr type="lMarg" refType="primFontSz" fact="0.3"/>
+                        <dgm:constr type="rMarg" refType="primFontSz" fact="0.3"/>
+                        <dgm:constr type="tMarg" refType="primFontSz" fact="0.3"/>
+                        <dgm:constr type="bMarg" refType="primFontSz" fact="0.3"/>
+                      </dgm:constrLst>
+                      <dgm:ruleLst>
+                        <dgm:rule type="primFontSz" val="5" fact="NaN" max="NaN"/>
+                      </dgm:ruleLst>
+                    </dgm:layoutNode>
+                    <dgm:layoutNode name="FourNodes_3_text">
+                      <dgm:varLst>
+                        <dgm:bulletEnabled val="1"/>
+                      </dgm:varLst>
+                      <dgm:alg type="tx">
+                        <dgm:param type="parTxLTRAlign" val="l"/>
+                        <dgm:param type="txAnchorVertCh" val="mid"/>
+                      </dgm:alg>
+                      <dgm:shape xmlns:r="http://schemas.openxmlformats.org/officeDocument/2006/relationships" type="roundRect" r:blip="" hideGeom="1">
+                        <dgm:adjLst>
+                          <dgm:adj idx="1" val="0.1"/>
+                        </dgm:adjLst>
+                      </dgm:shape>
+                      <dgm:presOf axis="ch desOrSelf" ptType="node node" st="3 1" cnt="1 0"/>
+                      <dgm:constrLst>
+                        <dgm:constr type="lMarg" refType="primFontSz" fact="0.3"/>
+                        <dgm:constr type="rMarg" refType="primFontSz" fact="0.3"/>
+                        <dgm:constr type="tMarg" refType="primFontSz" fact="0.3"/>
+                        <dgm:constr type="bMarg" refType="primFontSz" fact="0.3"/>
+                      </dgm:constrLst>
+                      <dgm:ruleLst>
+                        <dgm:rule type="primFontSz" val="5" fact="NaN" max="NaN"/>
+                      </dgm:ruleLst>
+                    </dgm:layoutNode>
+                    <dgm:layoutNode name="FourNodes_4_text">
+                      <dgm:varLst>
+                        <dgm:bulletEnabled val="1"/>
+                      </dgm:varLst>
+                      <dgm:alg type="tx">
+                        <dgm:param type="parTxLTRAlign" val="l"/>
+                        <dgm:param type="txAnchorVertCh" val="mid"/>
+                      </dgm:alg>
+                      <dgm:shape xmlns:r="http://schemas.openxmlformats.org/officeDocument/2006/relationships" type="roundRect" r:blip="" hideGeom="1">
+                        <dgm:adjLst>
+                          <dgm:adj idx="1" val="0.1"/>
+                        </dgm:adjLst>
+                      </dgm:shape>
+                      <dgm:presOf axis="ch desOrSelf" ptType="node node" st="4 1" cnt="1 0"/>
+                      <dgm:constrLst>
+                        <dgm:constr type="lMarg" refType="primFontSz" fact="0.3"/>
+                        <dgm:constr type="rMarg" refType="primFontSz" fact="0.3"/>
+                        <dgm:constr type="tMarg" refType="primFontSz" fact="0.3"/>
+                        <dgm:constr type="bMarg" refType="primFontSz" fact="0.3"/>
+                      </dgm:constrLst>
+                      <dgm:ruleLst>
+                        <dgm:rule type="primFontSz" val="5" fact="NaN" max="NaN"/>
+                      </dgm:ruleLst>
+                    </dgm:layoutNode>
+                  </dgm:if>
+                  <dgm:else name="Name14">
+                    <dgm:choose name="Name15">
+                      <dgm:if name="Name16" axis="ch" ptType="node" func="cnt" op="gte" val="5">
+                        <dgm:layoutNode name="FiveNodes_1">
+                          <dgm:varLst>
+                            <dgm:bulletEnabled val="1"/>
+                          </dgm:varLst>
+                          <dgm:alg type="sp"/>
+                          <dgm:shape xmlns:r="http://schemas.openxmlformats.org/officeDocument/2006/relationships" type="roundRect" r:blip="">
+                            <dgm:adjLst>
+                              <dgm:adj idx="1" val="0.1"/>
+                            </dgm:adjLst>
+                          </dgm:shape>
+                          <dgm:presOf axis="ch desOrSelf" ptType="node node" st="1 1" cnt="1 0"/>
+                          <dgm:constrLst/>
+                          <dgm:ruleLst/>
+                        </dgm:layoutNode>
+                        <dgm:layoutNode name="FiveNodes_2">
+                          <dgm:varLst>
+                            <dgm:bulletEnabled val="1"/>
+                          </dgm:varLst>
+                          <dgm:alg type="sp"/>
+                          <dgm:shape xmlns:r="http://schemas.openxmlformats.org/officeDocument/2006/relationships" type="roundRect" r:blip="">
+                            <dgm:adjLst>
+                              <dgm:adj idx="1" val="0.1"/>
+                            </dgm:adjLst>
+                          </dgm:shape>
+                          <dgm:presOf axis="ch desOrSelf" ptType="node node" st="2 1" cnt="1 0"/>
+                          <dgm:constrLst/>
+                          <dgm:ruleLst/>
+                        </dgm:layoutNode>
+                        <dgm:layoutNode name="FiveNodes_3">
+                          <dgm:varLst>
+                            <dgm:bulletEnabled val="1"/>
+                          </dgm:varLst>
+                          <dgm:alg type="sp"/>
+                          <dgm:shape xmlns:r="http://schemas.openxmlformats.org/officeDocument/2006/relationships" type="roundRect" r:blip="">
+                            <dgm:adjLst>
+                              <dgm:adj idx="1" val="0.1"/>
+                            </dgm:adjLst>
+                          </dgm:shape>
+                          <dgm:presOf axis="ch desOrSelf" ptType="node node" st="3 1" cnt="1 0"/>
+                          <dgm:constrLst/>
+                          <dgm:ruleLst/>
+                        </dgm:layoutNode>
+                        <dgm:layoutNode name="FiveNodes_4">
+                          <dgm:varLst>
+                            <dgm:bulletEnabled val="1"/>
+                          </dgm:varLst>
+                          <dgm:alg type="sp"/>
+                          <dgm:shape xmlns:r="http://schemas.openxmlformats.org/officeDocument/2006/relationships" type="roundRect" r:blip="">
+                            <dgm:adjLst>
+                              <dgm:adj idx="1" val="0.1"/>
+                            </dgm:adjLst>
+                          </dgm:shape>
+                          <dgm:presOf axis="ch desOrSelf" ptType="node node" st="4 1" cnt="1 0"/>
+                          <dgm:constrLst/>
+                          <dgm:ruleLst/>
+                        </dgm:layoutNode>
+                        <dgm:layoutNode name="FiveNodes_5">
+                          <dgm:varLst>
+                            <dgm:bulletEnabled val="1"/>
+                          </dgm:varLst>
+                          <dgm:alg type="sp"/>
+                          <dgm:shape xmlns:r="http://schemas.openxmlformats.org/officeDocument/2006/relationships" type="roundRect" r:blip="">
+                            <dgm:adjLst>
+                              <dgm:adj idx="1" val="0.1"/>
+                            </dgm:adjLst>
+                          </dgm:shape>
+                          <dgm:presOf axis="ch desOrSelf" ptType="node node" st="5 1" cnt="1 0"/>
+                          <dgm:constrLst/>
+                          <dgm:ruleLst/>
+                        </dgm:layoutNode>
+                        <dgm:layoutNode name="FiveConn_1-2" styleLbl="fgAccFollowNode1">
+                          <dgm:varLst>
+                            <dgm:bulletEnabled val="1"/>
+                          </dgm:varLst>
+                          <dgm:alg type="tx"/>
+                          <dgm:shape xmlns:r="http://schemas.openxmlformats.org/officeDocument/2006/relationships" type="downArrow" r:blip="">
+                            <dgm:adjLst>
+                              <dgm:adj idx="1" val="0.55"/>
+                              <dgm:adj idx="2" val="0.45"/>
+                            </dgm:adjLst>
+                          </dgm:shape>
+                          <dgm:presOf axis="ch" ptType="sibTrans" cnt="1"/>
+                          <dgm:constrLst>
+                            <dgm:constr type="lMarg" refType="primFontSz" fact="0.1"/>
+                            <dgm:constr type="rMarg" refType="primFontSz" fact="0.1"/>
+                            <dgm:constr type="tMarg" refType="primFontSz" fact="0.1"/>
+                            <dgm:constr type="bMarg" refType="primFontSz" fact="0.1"/>
+                          </dgm:constrLst>
+                          <dgm:ruleLst>
+                            <dgm:rule type="primFontSz" val="5" fact="NaN" max="NaN"/>
+                          </dgm:ruleLst>
+                        </dgm:layoutNode>
+                        <dgm:layoutNode name="FiveConn_2-3" styleLbl="fgAccFollowNode1">
+                          <dgm:varLst>
+                            <dgm:bulletEnabled val="1"/>
+                          </dgm:varLst>
+                          <dgm:alg type="tx"/>
+                          <dgm:shape xmlns:r="http://schemas.openxmlformats.org/officeDocument/2006/relationships" type="downArrow" r:blip="">
+                            <dgm:adjLst>
+                              <dgm:adj idx="1" val="0.55"/>
+                              <dgm:adj idx="2" val="0.45"/>
+                            </dgm:adjLst>
+                          </dgm:shape>
+                          <dgm:presOf axis="ch" ptType="sibTrans" st="2" cnt="1"/>
+                          <dgm:constrLst>
+                            <dgm:constr type="lMarg" refType="primFontSz" fact="0.1"/>
+                            <dgm:constr type="rMarg" refType="primFontSz" fact="0.1"/>
+                            <dgm:constr type="tMarg" refType="primFontSz" fact="0.1"/>
+                            <dgm:constr type="bMarg" refType="primFontSz" fact="0.1"/>
+                          </dgm:constrLst>
+                          <dgm:ruleLst>
+                            <dgm:rule type="primFontSz" val="5" fact="NaN" max="NaN"/>
+                          </dgm:ruleLst>
+                        </dgm:layoutNode>
+                        <dgm:layoutNode name="FiveConn_3-4" styleLbl="fgAccFollowNode1">
+                          <dgm:varLst>
+                            <dgm:bulletEnabled val="1"/>
+                          </dgm:varLst>
+                          <dgm:alg type="tx"/>
+                          <dgm:shape xmlns:r="http://schemas.openxmlformats.org/officeDocument/2006/relationships" type="downArrow" r:blip="">
+                            <dgm:adjLst>
+                              <dgm:adj idx="1" val="0.55"/>
+                              <dgm:adj idx="2" val="0.45"/>
+                            </dgm:adjLst>
+                          </dgm:shape>
+                          <dgm:presOf axis="ch" ptType="sibTrans" st="3" cnt="1"/>
+                          <dgm:constrLst>
+                            <dgm:constr type="lMarg" refType="primFontSz" fact="0.1"/>
+                            <dgm:constr type="rMarg" refType="primFontSz" fact="0.1"/>
+                            <dgm:constr type="tMarg" refType="primFontSz" fact="0.1"/>
+                            <dgm:constr type="bMarg" refType="primFontSz" fact="0.1"/>
+                          </dgm:constrLst>
+                          <dgm:ruleLst>
+                            <dgm:rule type="primFontSz" val="5" fact="NaN" max="NaN"/>
+                          </dgm:ruleLst>
+                        </dgm:layoutNode>
+                        <dgm:layoutNode name="FiveConn_4-5" styleLbl="fgAccFollowNode1">
+                          <dgm:varLst>
+                            <dgm:bulletEnabled val="1"/>
+                          </dgm:varLst>
+                          <dgm:alg type="tx"/>
+                          <dgm:shape xmlns:r="http://schemas.openxmlformats.org/officeDocument/2006/relationships" type="downArrow" r:blip="">
+                            <dgm:adjLst>
+                              <dgm:adj idx="1" val="0.55"/>
+                              <dgm:adj idx="2" val="0.45"/>
+                            </dgm:adjLst>
+                          </dgm:shape>
+                          <dgm:presOf axis="ch" ptType="sibTrans" st="4" cnt="1"/>
+                          <dgm:constrLst>
+                            <dgm:constr type="lMarg" refType="primFontSz" fact="0.1"/>
+                            <dgm:constr type="rMarg" refType="primFontSz" fact="0.1"/>
+                            <dgm:constr type="tMarg" refType="primFontSz" fact="0.1"/>
+                            <dgm:constr type="bMarg" refType="primFontSz" fact="0.1"/>
+                          </dgm:constrLst>
+                          <dgm:ruleLst>
+                            <dgm:rule type="primFontSz" val="5" fact="NaN" max="NaN"/>
+                          </dgm:ruleLst>
+                        </dgm:layoutNode>
+                        <dgm:layoutNode name="FiveNodes_1_text">
+                          <dgm:varLst>
+                            <dgm:bulletEnabled val="1"/>
+                          </dgm:varLst>
+                          <dgm:alg type="tx">
+                            <dgm:param type="parTxLTRAlign" val="l"/>
+                            <dgm:param type="txAnchorVertCh" val="mid"/>
+                          </dgm:alg>
+                          <dgm:shape xmlns:r="http://schemas.openxmlformats.org/officeDocument/2006/relationships" type="roundRect" r:blip="" hideGeom="1">
+                            <dgm:adjLst>
+                              <dgm:adj idx="1" val="0.1"/>
+                            </dgm:adjLst>
+                          </dgm:shape>
+                          <dgm:presOf axis="ch desOrSelf" ptType="node node" st="1 1" cnt="1 0"/>
+                          <dgm:constrLst>
+                            <dgm:constr type="lMarg" refType="primFontSz" fact="0.3"/>
+                            <dgm:constr type="rMarg" refType="primFontSz" fact="0.3"/>
+                            <dgm:constr type="tMarg" refType="primFontSz" fact="0.3"/>
+                            <dgm:constr type="bMarg" refType="primFontSz" fact="0.3"/>
+                          </dgm:constrLst>
+                          <dgm:ruleLst>
+                            <dgm:rule type="primFontSz" val="5" fact="NaN" max="NaN"/>
+                          </dgm:ruleLst>
+                        </dgm:layoutNode>
+                        <dgm:layoutNode name="FiveNodes_2_text">
+                          <dgm:varLst>
+                            <dgm:bulletEnabled val="1"/>
+                          </dgm:varLst>
+                          <dgm:alg type="tx">
+                            <dgm:param type="parTxLTRAlign" val="l"/>
+                            <dgm:param type="txAnchorVertCh" val="mid"/>
+                          </dgm:alg>
+                          <dgm:shape xmlns:r="http://schemas.openxmlformats.org/officeDocument/2006/relationships" type="roundRect" r:blip="" hideGeom="1">
+                            <dgm:adjLst>
+                              <dgm:adj idx="1" val="0.1"/>
+                            </dgm:adjLst>
+                          </dgm:shape>
+                          <dgm:presOf axis="ch desOrSelf" ptType="node node" st="2 1" cnt="1 0"/>
+                          <dgm:constrLst>
+                            <dgm:constr type="lMarg" refType="primFontSz" fact="0.3"/>
+                            <dgm:constr type="rMarg" refType="primFontSz" fact="0.3"/>
+                            <dgm:constr type="tMarg" refType="primFontSz" fact="0.3"/>
+                            <dgm:constr type="bMarg" refType="primFontSz" fact="0.3"/>
+                          </dgm:constrLst>
+                          <dgm:ruleLst>
+                            <dgm:rule type="primFontSz" val="5" fact="NaN" max="NaN"/>
+                          </dgm:ruleLst>
+                        </dgm:layoutNode>
+                        <dgm:layoutNode name="FiveNodes_3_text">
+                          <dgm:varLst>
+                            <dgm:bulletEnabled val="1"/>
+                          </dgm:varLst>
+                          <dgm:alg type="tx">
+                            <dgm:param type="parTxLTRAlign" val="l"/>
+                            <dgm:param type="txAnchorVertCh" val="mid"/>
+                          </dgm:alg>
+                          <dgm:shape xmlns:r="http://schemas.openxmlformats.org/officeDocument/2006/relationships" type="roundRect" r:blip="" hideGeom="1">
+                            <dgm:adjLst>
+                              <dgm:adj idx="1" val="0.1"/>
+                            </dgm:adjLst>
+                          </dgm:shape>
+                          <dgm:presOf axis="ch desOrSelf" ptType="node node" st="3 1" cnt="1 0"/>
+                          <dgm:constrLst>
+                            <dgm:constr type="lMarg" refType="primFontSz" fact="0.3"/>
+                            <dgm:constr type="rMarg" refType="primFontSz" fact="0.3"/>
+                            <dgm:constr type="tMarg" refType="primFontSz" fact="0.3"/>
+                            <dgm:constr type="bMarg" refType="primFontSz" fact="0.3"/>
+                          </dgm:constrLst>
+                          <dgm:ruleLst>
+                            <dgm:rule type="primFontSz" val="5" fact="NaN" max="NaN"/>
+                          </dgm:ruleLst>
+                        </dgm:layoutNode>
+                        <dgm:layoutNode name="FiveNodes_4_text">
+                          <dgm:varLst>
+                            <dgm:bulletEnabled val="1"/>
+                          </dgm:varLst>
+                          <dgm:alg type="tx">
+                            <dgm:param type="parTxLTRAlign" val="l"/>
+                            <dgm:param type="txAnchorVertCh" val="mid"/>
+                          </dgm:alg>
+                          <dgm:shape xmlns:r="http://schemas.openxmlformats.org/officeDocument/2006/relationships" type="roundRect" r:blip="" hideGeom="1">
+                            <dgm:adjLst>
+                              <dgm:adj idx="1" val="0.1"/>
+                            </dgm:adjLst>
+                          </dgm:shape>
+                          <dgm:presOf axis="ch desOrSelf" ptType="node node" st="4 1" cnt="1 0"/>
+                          <dgm:constrLst>
+                            <dgm:constr type="lMarg" refType="primFontSz" fact="0.3"/>
+                            <dgm:constr type="rMarg" refType="primFontSz" fact="0.3"/>
+                            <dgm:constr type="tMarg" refType="primFontSz" fact="0.3"/>
+                            <dgm:constr type="bMarg" refType="primFontSz" fact="0.3"/>
+                          </dgm:constrLst>
+                          <dgm:ruleLst>
+                            <dgm:rule type="primFontSz" val="5" fact="NaN" max="NaN"/>
+                          </dgm:ruleLst>
+                        </dgm:layoutNode>
+                        <dgm:layoutNode name="FiveNodes_5_text">
+                          <dgm:varLst>
+                            <dgm:bulletEnabled val="1"/>
+                          </dgm:varLst>
+                          <dgm:alg type="tx">
+                            <dgm:param type="parTxLTRAlign" val="l"/>
+                            <dgm:param type="txAnchorVertCh" val="mid"/>
+                          </dgm:alg>
+                          <dgm:shape xmlns:r="http://schemas.openxmlformats.org/officeDocument/2006/relationships" type="roundRect" r:blip="" hideGeom="1">
+                            <dgm:adjLst>
+                              <dgm:adj idx="1" val="0.1"/>
+                            </dgm:adjLst>
+                          </dgm:shape>
+                          <dgm:presOf axis="ch desOrSelf" ptType="node node" st="5 1" cnt="1 0"/>
+                          <dgm:constrLst>
+                            <dgm:constr type="lMarg" refType="primFontSz" fact="0.3"/>
+                            <dgm:constr type="rMarg" refType="primFontSz" fact="0.3"/>
+                            <dgm:constr type="tMarg" refType="primFontSz" fact="0.3"/>
+                            <dgm:constr type="bMarg" refType="primFontSz" fact="0.3"/>
+                          </dgm:constrLst>
+                          <dgm:ruleLst>
+                            <dgm:rule type="primFontSz" val="5" fact="NaN" max="NaN"/>
+                          </dgm:ruleLst>
+                        </dgm:layoutNode>
+                      </dgm:if>
+                      <dgm:else name="Name17"/>
+                    </dgm:choose>
+                  </dgm:else>
+                </dgm:choose>
+              </dgm:else>
+            </dgm:choose>
+          </dgm:else>
+        </dgm:choose>
+      </dgm:else>
+    </dgm:choose>
+  </dgm:layoutNode>
+</dgm:layoutDef>
+</file>
+
+<file path=ppt/diagrams/layout2.xml><?xml version="1.0" encoding="utf-8"?>
+<dgm:layoutDef xmlns:dgm="http://schemas.openxmlformats.org/drawingml/2006/diagram" xmlns:a="http://schemas.openxmlformats.org/drawingml/2006/main" uniqueId="urn:microsoft.com/office/officeart/2005/8/layout/hList1">
+  <dgm:title val=""/>
+  <dgm:desc val=""/>
+  <dgm:catLst>
+    <dgm:cat type="list" pri="5000"/>
+    <dgm:cat type="convert" pri="5000"/>
+  </dgm:catLst>
+  <dgm:sampData>
+    <dgm:dataModel>
+      <dgm:ptLst>
+        <dgm:pt modelId="0" type="doc"/>
+        <dgm:pt modelId="1">
+          <dgm:prSet phldr="1"/>
+        </dgm:pt>
+        <dgm:pt modelId="11">
+          <dgm:prSet phldr="1"/>
+        </dgm:pt>
+        <dgm:pt modelId="12">
+          <dgm:prSet phldr="1"/>
+        </dgm:pt>
+        <dgm:pt modelId="2">
+          <dgm:prSet phldr="1"/>
+        </dgm:pt>
+        <dgm:pt modelId="21">
+          <dgm:prSet phldr="1"/>
+        </dgm:pt>
+        <dgm:pt modelId="22">
+          <dgm:prSet phldr="1"/>
+        </dgm:pt>
+        <dgm:pt modelId="3">
+          <dgm:prSet phldr="1"/>
+        </dgm:pt>
+        <dgm:pt modelId="31">
+          <dgm:prSet phldr="1"/>
+        </dgm:pt>
+        <dgm:pt modelId="32">
+          <dgm:prSet phldr="1"/>
+        </dgm:pt>
+      </dgm:ptLst>
+      <dgm:cxnLst>
+        <dgm:cxn modelId="4" srcId="0" destId="1" srcOrd="0" destOrd="0"/>
+        <dgm:cxn modelId="5" srcId="0" destId="2" srcOrd="1" destOrd="0"/>
+        <dgm:cxn modelId="6" srcId="0" destId="3" srcOrd="2" destOrd="0"/>
+        <dgm:cxn modelId="13" srcId="1" destId="11" srcOrd="0" destOrd="0"/>
+        <dgm:cxn modelId="14" srcId="1" destId="12" srcOrd="1" destOrd="0"/>
+        <dgm:cxn modelId="23" srcId="2" destId="21" srcOrd="0" destOrd="0"/>
+        <dgm:cxn modelId="24" srcId="2" destId="22" srcOrd="1" destOrd="0"/>
+        <dgm:cxn modelId="33" srcId="3" destId="31" srcOrd="0" destOrd="0"/>
+        <dgm:cxn modelId="34" srcId="3" destId="32" srcOrd="1" destOrd="0"/>
+      </dgm:cxnLst>
+      <dgm:bg/>
+      <dgm:whole/>
+    </dgm:dataModel>
+  </dgm:sampData>
+  <dgm:styleData>
+    <dgm:dataModel>
+      <dgm:ptLst>
+        <dgm:pt modelId="0" type="doc"/>
+        <dgm:pt modelId="1">
+          <dgm:prSet phldr="1"/>
+        </dgm:pt>
+        <dgm:pt modelId="2">
+          <dgm:prSet phldr="1"/>
+        </dgm:pt>
+      </dgm:ptLst>
+      <dgm:cxnLst>
+        <dgm:cxn modelId="3" srcId="0" destId="1" srcOrd="0" destOrd="0"/>
+        <dgm:cxn modelId="4" srcId="0" destId="2" srcOrd="1" destOrd="0"/>
+      </dgm:cxnLst>
+      <dgm:bg/>
+      <dgm:whole/>
+    </dgm:dataModel>
+  </dgm:styleData>
+  <dgm:clrData>
+    <dgm:dataModel>
+      <dgm:ptLst>
+        <dgm:pt modelId="0" type="doc"/>
+        <dgm:pt modelId="1">
+          <dgm:prSet phldr="1"/>
+        </dgm:pt>
+        <dgm:pt modelId="2">
+          <dgm:prSet phldr="1"/>
+        </dgm:pt>
+        <dgm:pt modelId="3">
+          <dgm:prSet phldr="1"/>
+        </dgm:pt>
+        <dgm:pt modelId="4">
+          <dgm:prSet phldr="1"/>
+        </dgm:pt>
+      </dgm:ptLst>
+      <dgm:cxnLst>
         <dgm:cxn modelId="5" srcId="0" destId="1" srcOrd="0" destOrd="0"/>
         <dgm:cxn modelId="6" srcId="0" destId="2" srcOrd="1" destOrd="0"/>
         <dgm:cxn modelId="7" srcId="0" destId="3" srcOrd="2" destOrd="0"/>
@@ -7354,6 +12207,7 @@
   <dgm:layoutNode name="Name0">
     <dgm:varLst>
       <dgm:dir/>
+      <dgm:animLvl val="lvl"/>
       <dgm:resizeHandles val="exact"/>
     </dgm:varLst>
     <dgm:choose name="Name1">
@@ -7370,212 +12224,103 @@
       <dgm:adjLst/>
     </dgm:shape>
     <dgm:presOf/>
-    <dgm:choose name="Name4">
-      <dgm:if name="Name5" axis="root des" func="maxDepth" op="gte" val="2">
+    <dgm:constrLst>
+      <dgm:constr type="h" for="ch" forName="composite" refType="h"/>
+      <dgm:constr type="w" for="ch" forName="composite" refType="w"/>
+      <dgm:constr type="w" for="des" forName="parTx"/>
+      <dgm:constr type="h" for="des" forName="parTx" op="equ"/>
+      <dgm:constr type="w" for="des" forName="desTx"/>
+      <dgm:constr type="h" for="des" forName="desTx" op="equ"/>
+      <dgm:constr type="primFontSz" for="des" forName="parTx" val="65"/>
+      <dgm:constr type="secFontSz" for="des" forName="desTx" refType="primFontSz" refFor="des" refForName="parTx" op="equ"/>
+      <dgm:constr type="h" for="des" forName="parTx" refType="primFontSz" refFor="des" refForName="parTx" fact="0.8"/>
+      <dgm:constr type="h" for="des" forName="desTx" refType="primFontSz" refFor="des" refForName="parTx" fact="1.22"/>
+      <dgm:constr type="w" for="ch" forName="space" refType="w" refFor="ch" refForName="composite" op="equ" fact="0.14"/>
+    </dgm:constrLst>
+    <dgm:ruleLst>
+      <dgm:rule type="w" for="ch" forName="composite" val="0" fact="NaN" max="NaN"/>
+      <dgm:rule type="primFontSz" for="des" forName="parTx" val="5" fact="NaN" max="NaN"/>
+    </dgm:ruleLst>
+    <dgm:forEach name="Name4" axis="ch" ptType="node">
+      <dgm:layoutNode name="composite">
+        <dgm:alg type="composite"/>
+        <dgm:shape xmlns:r="http://schemas.openxmlformats.org/officeDocument/2006/relationships" r:blip="">
+          <dgm:adjLst/>
+        </dgm:shape>
+        <dgm:presOf/>
         <dgm:constrLst>
-          <dgm:constr type="w" for="ch" forName="parAndChTx" refType="w"/>
-          <dgm:constr type="primFontSz" for="ch" ptType="node" op="equ"/>
-          <dgm:constr type="w" for="ch" forName="parAndChSpace" refType="w" refFor="ch" refForName="parAndChTx" fact="-0.2"/>
-          <dgm:constr type="w" for="ch" ptType="sibTrans" op="equ"/>
+          <dgm:constr type="l" for="ch" forName="parTx"/>
+          <dgm:constr type="w" for="ch" forName="parTx" refType="w"/>
+          <dgm:constr type="t" for="ch" forName="parTx"/>
+          <dgm:constr type="l" for="ch" forName="desTx"/>
+          <dgm:constr type="w" for="ch" forName="desTx" refType="w" refFor="ch" refForName="parTx"/>
+          <dgm:constr type="t" for="ch" forName="desTx" refType="h" refFor="ch" refForName="parTx"/>
         </dgm:constrLst>
-        <dgm:ruleLst/>
-        <dgm:forEach name="Name6" axis="ch" ptType="node">
-          <dgm:layoutNode name="parAndChTx">
-            <dgm:varLst>
-              <dgm:bulletEnabled val="1"/>
-            </dgm:varLst>
-            <dgm:alg type="tx"/>
-            <dgm:choose name="Name7">
-              <dgm:if name="Name8" func="var" arg="dir" op="equ" val="norm">
-                <dgm:choose name="Name9">
-                  <dgm:if name="Name10" axis="self" ptType="node" func="pos" op="equ" val="1">
-                    <dgm:shape xmlns:r="http://schemas.openxmlformats.org/officeDocument/2006/relationships" type="homePlate" r:blip="">
-                      <dgm:adjLst>
-                        <dgm:adj idx="1" val="0.25"/>
-                      </dgm:adjLst>
-                    </dgm:shape>
-                    <dgm:presOf axis="desOrSelf" ptType="node"/>
-                    <dgm:constrLst>
-                      <dgm:constr type="h" refType="w" op="equ" fact="0.8"/>
-                      <dgm:constr type="primFontSz" val="65"/>
-                      <dgm:constr type="tMarg" refType="primFontSz" fact="0.2"/>
-                      <dgm:constr type="bMarg" refType="primFontSz" fact="0.2"/>
-                      <dgm:constr type="lMarg" refType="w" fact="0.1"/>
-                      <dgm:constr type="rMarg" refType="w" fact="0.4"/>
-                    </dgm:constrLst>
-                  </dgm:if>
-                  <dgm:else name="Name11">
-                    <dgm:shape xmlns:r="http://schemas.openxmlformats.org/officeDocument/2006/relationships" type="chevron" r:blip="">
-                      <dgm:adjLst>
-                        <dgm:adj idx="1" val="0.25"/>
-                      </dgm:adjLst>
-                    </dgm:shape>
-                    <dgm:presOf axis="desOrSelf" ptType="node"/>
-                    <dgm:constrLst>
-                      <dgm:constr type="h" refType="w" op="equ" fact="0.8"/>
-                      <dgm:constr type="primFontSz" val="65"/>
-                      <dgm:constr type="tMarg" refType="primFontSz" fact="0.2"/>
-                      <dgm:constr type="bMarg" refType="primFontSz" fact="0.2"/>
-                      <dgm:constr type="lMarg" refType="w" fact="0.1"/>
-                      <dgm:constr type="rMarg" refType="w" fact="0.1"/>
-                    </dgm:constrLst>
-                  </dgm:else>
-                </dgm:choose>
-              </dgm:if>
-              <dgm:else name="Name12">
-                <dgm:choose name="Name13">
-                  <dgm:if name="Name14" axis="self" ptType="node" func="pos" op="equ" val="1">
-                    <dgm:shape xmlns:r="http://schemas.openxmlformats.org/officeDocument/2006/relationships" rot="180" type="homePlate" r:blip="">
-                      <dgm:adjLst>
-                        <dgm:adj idx="1" val="0.25"/>
-                      </dgm:adjLst>
-                    </dgm:shape>
-                    <dgm:presOf axis="desOrSelf" ptType="node"/>
-                    <dgm:constrLst>
-                      <dgm:constr type="h" refType="w" op="equ" fact="0.8"/>
-                      <dgm:constr type="primFontSz" val="65"/>
-                      <dgm:constr type="tMarg" refType="primFontSz" fact="0.2"/>
-                      <dgm:constr type="bMarg" refType="primFontSz" fact="0.2"/>
-                      <dgm:constr type="lMarg" refType="w" fact="0.4"/>
-                      <dgm:constr type="rMarg" refType="w" fact="0.1"/>
-                    </dgm:constrLst>
-                  </dgm:if>
-                  <dgm:else name="Name15">
-                    <dgm:shape xmlns:r="http://schemas.openxmlformats.org/officeDocument/2006/relationships" rot="180" type="chevron" r:blip="">
-                      <dgm:adjLst>
-                        <dgm:adj idx="1" val="0.25"/>
-                      </dgm:adjLst>
-                    </dgm:shape>
-                    <dgm:presOf axis="desOrSelf" ptType="node"/>
-                    <dgm:constrLst>
-                      <dgm:constr type="h" refType="w" op="equ" fact="0.8"/>
-                      <dgm:constr type="primFontSz" val="65"/>
-                      <dgm:constr type="tMarg" refType="primFontSz" fact="0.2"/>
-                      <dgm:constr type="bMarg" refType="primFontSz" fact="0.2"/>
-                      <dgm:constr type="lMarg" refType="w" fact="0.1"/>
-                      <dgm:constr type="rMarg" refType="w" fact="0.1"/>
-                    </dgm:constrLst>
-                  </dgm:else>
-                </dgm:choose>
-              </dgm:else>
-            </dgm:choose>
-            <dgm:ruleLst>
-              <dgm:rule type="primFontSz" val="5" fact="NaN" max="NaN"/>
-            </dgm:ruleLst>
-          </dgm:layoutNode>
-          <dgm:forEach name="Name16" axis="followSib" ptType="sibTrans" cnt="1">
-            <dgm:layoutNode name="parAndChSpace">
-              <dgm:alg type="sp"/>
-              <dgm:shape xmlns:r="http://schemas.openxmlformats.org/officeDocument/2006/relationships" r:blip="">
-                <dgm:adjLst/>
-              </dgm:shape>
-              <dgm:presOf/>
-              <dgm:constrLst/>
-              <dgm:ruleLst/>
-            </dgm:layoutNode>
-          </dgm:forEach>
-        </dgm:forEach>
-      </dgm:if>
-      <dgm:else name="Name17">
-        <dgm:constrLst>
-          <dgm:constr type="w" for="ch" forName="parTxOnly" refType="w"/>
-          <dgm:constr type="primFontSz" for="ch" ptType="node" op="equ"/>
-          <dgm:constr type="w" for="ch" forName="parSpace" refType="w" refFor="ch" refForName="parTxOnly" fact="-0.2"/>
-          <dgm:constr type="w" for="ch" ptType="sibTrans" op="equ"/>
-        </dgm:constrLst>
-        <dgm:ruleLst/>
-        <dgm:forEach name="Name18" axis="ch" ptType="node">
-          <dgm:layoutNode name="parTxOnly">
-            <dgm:varLst>
-              <dgm:bulletEnabled val="1"/>
-            </dgm:varLst>
-            <dgm:alg type="tx"/>
-            <dgm:presOf axis="desOrSelf" ptType="node"/>
-            <dgm:choose name="Name19">
-              <dgm:if name="Name20" func="var" arg="dir" op="equ" val="norm">
-                <dgm:choose name="Name21">
-                  <dgm:if name="Name22" axis="self" ptType="node" func="pos" op="equ" val="1">
-                    <dgm:shape xmlns:r="http://schemas.openxmlformats.org/officeDocument/2006/relationships" type="homePlate" r:blip="">
-                      <dgm:adjLst/>
-                    </dgm:shape>
-                    <dgm:constrLst>
-                      <dgm:constr type="h" refType="w" op="equ" fact="0.4"/>
-                      <dgm:constr type="primFontSz" val="65"/>
-                      <dgm:constr type="tMarg" refType="primFontSz" fact="0.21"/>
-                      <dgm:constr type="bMarg" refType="primFontSz" fact="0.21"/>
-                      <dgm:constr type="lMarg" refType="primFontSz" fact="0.42"/>
-                      <dgm:constr type="rMarg" refType="primFontSz" fact="0.105"/>
-                    </dgm:constrLst>
-                  </dgm:if>
-                  <dgm:else name="Name23">
-                    <dgm:shape xmlns:r="http://schemas.openxmlformats.org/officeDocument/2006/relationships" type="chevron" r:blip="">
-                      <dgm:adjLst/>
-                    </dgm:shape>
-                    <dgm:constrLst>
-                      <dgm:constr type="h" refType="w" op="equ" fact="0.4"/>
-                      <dgm:constr type="primFontSz" val="65"/>
-                      <dgm:constr type="tMarg" refType="primFontSz" fact="0.21"/>
-                      <dgm:constr type="bMarg" refType="primFontSz" fact="0.21"/>
-                      <dgm:constr type="lMarg" refType="primFontSz" fact="0.315"/>
-                      <dgm:constr type="rMarg" refType="primFontSz" fact="0.105"/>
-                    </dgm:constrLst>
-                  </dgm:else>
-                </dgm:choose>
-              </dgm:if>
-              <dgm:else name="Name24">
-                <dgm:choose name="Name25">
-                  <dgm:if name="Name26" axis="self" ptType="node" func="pos" op="equ" val="1">
-                    <dgm:shape xmlns:r="http://schemas.openxmlformats.org/officeDocument/2006/relationships" rot="180" type="homePlate" r:blip="">
-                      <dgm:adjLst/>
-                    </dgm:shape>
-                    <dgm:constrLst>
-                      <dgm:constr type="h" refType="w" op="equ" fact="0.4"/>
-                      <dgm:constr type="primFontSz" val="65"/>
-                      <dgm:constr type="tMarg" refType="primFontSz" fact="0.21"/>
-                      <dgm:constr type="bMarg" refType="primFontSz" fact="0.21"/>
-                      <dgm:constr type="lMarg" refType="primFontSz" fact="0.105"/>
-                      <dgm:constr type="rMarg" refType="primFontSz" fact="0.42"/>
-                    </dgm:constrLst>
-                  </dgm:if>
-                  <dgm:else name="Name27">
-                    <dgm:shape xmlns:r="http://schemas.openxmlformats.org/officeDocument/2006/relationships" rot="180" type="chevron" r:blip="">
-                      <dgm:adjLst/>
-                    </dgm:shape>
-                    <dgm:constrLst>
-                      <dgm:constr type="h" refType="w" op="equ" fact="0.4"/>
-                      <dgm:constr type="primFontSz" val="65"/>
-                      <dgm:constr type="tMarg" refType="primFontSz" fact="0.21"/>
-                      <dgm:constr type="bMarg" refType="primFontSz" fact="0.21"/>
-                      <dgm:constr type="lMarg" refType="primFontSz" fact="0.105"/>
-                      <dgm:constr type="rMarg" refType="primFontSz" fact="0.315"/>
-                    </dgm:constrLst>
-                  </dgm:else>
-                </dgm:choose>
-              </dgm:else>
-            </dgm:choose>
-            <dgm:ruleLst>
-              <dgm:rule type="primFontSz" val="5" fact="NaN" max="NaN"/>
-            </dgm:ruleLst>
-          </dgm:layoutNode>
-          <dgm:forEach name="Name28" axis="followSib" ptType="sibTrans" cnt="1">
-            <dgm:layoutNode name="parSpace">
-              <dgm:alg type="sp"/>
-              <dgm:shape xmlns:r="http://schemas.openxmlformats.org/officeDocument/2006/relationships" r:blip="">
-                <dgm:adjLst/>
-              </dgm:shape>
-              <dgm:presOf/>
-              <dgm:constrLst/>
-              <dgm:ruleLst/>
-            </dgm:layoutNode>
-          </dgm:forEach>
-        </dgm:forEach>
-      </dgm:else>
-    </dgm:choose>
+        <dgm:ruleLst>
+          <dgm:rule type="h" val="INF" fact="NaN" max="NaN"/>
+        </dgm:ruleLst>
+        <dgm:layoutNode name="parTx" styleLbl="alignNode1">
+          <dgm:varLst>
+            <dgm:chMax val="0"/>
+            <dgm:chPref val="0"/>
+            <dgm:bulletEnabled val="1"/>
+          </dgm:varLst>
+          <dgm:alg type="tx"/>
+          <dgm:shape xmlns:r="http://schemas.openxmlformats.org/officeDocument/2006/relationships" type="rect" r:blip="">
+            <dgm:adjLst/>
+          </dgm:shape>
+          <dgm:presOf axis="self" ptType="node"/>
+          <dgm:constrLst>
+            <dgm:constr type="h" refType="w" op="lte" fact="0.4"/>
+            <dgm:constr type="h"/>
+            <dgm:constr type="tMarg" refType="primFontSz" fact="0.32"/>
+            <dgm:constr type="bMarg" refType="primFontSz" fact="0.32"/>
+          </dgm:constrLst>
+          <dgm:ruleLst>
+            <dgm:rule type="h" val="INF" fact="NaN" max="NaN"/>
+          </dgm:ruleLst>
+        </dgm:layoutNode>
+        <dgm:layoutNode name="desTx" styleLbl="alignAccFollowNode1">
+          <dgm:varLst>
+            <dgm:bulletEnabled val="1"/>
+          </dgm:varLst>
+          <dgm:alg type="tx">
+            <dgm:param type="stBulletLvl" val="1"/>
+          </dgm:alg>
+          <dgm:shape xmlns:r="http://schemas.openxmlformats.org/officeDocument/2006/relationships" type="rect" r:blip="">
+            <dgm:adjLst/>
+          </dgm:shape>
+          <dgm:presOf axis="des" ptType="node"/>
+          <dgm:constrLst>
+            <dgm:constr type="secFontSz" val="65"/>
+            <dgm:constr type="primFontSz" refType="secFontSz"/>
+            <dgm:constr type="h"/>
+            <dgm:constr type="lMarg" refType="primFontSz" fact="0.42"/>
+            <dgm:constr type="tMarg" refType="primFontSz" fact="0.42"/>
+            <dgm:constr type="bMarg" refType="primFontSz" fact="0.63"/>
+          </dgm:constrLst>
+          <dgm:ruleLst>
+            <dgm:rule type="h" val="INF" fact="NaN" max="NaN"/>
+          </dgm:ruleLst>
+        </dgm:layoutNode>
+      </dgm:layoutNode>
+      <dgm:forEach name="Name5" axis="followSib" ptType="sibTrans" cnt="1">
+        <dgm:layoutNode name="space">
+          <dgm:alg type="sp"/>
+          <dgm:shape xmlns:r="http://schemas.openxmlformats.org/officeDocument/2006/relationships" r:blip="">
+            <dgm:adjLst/>
+          </dgm:shape>
+          <dgm:presOf/>
+          <dgm:constrLst/>
+          <dgm:ruleLst/>
+        </dgm:layoutNode>
+      </dgm:forEach>
+    </dgm:forEach>
   </dgm:layoutNode>
 </dgm:layoutDef>
 </file>
 
-<file path=ppt/diagrams/layout2.xml><?xml version="1.0" encoding="utf-8"?>
+<file path=ppt/diagrams/layout3.xml><?xml version="1.0" encoding="utf-8"?>
 <dgm:layoutDef xmlns:dgm="http://schemas.openxmlformats.org/drawingml/2006/diagram" xmlns:a="http://schemas.openxmlformats.org/drawingml/2006/main" uniqueId="urn:microsoft.com/office/officeart/2005/8/layout/hList1">
   <dgm:title val=""/>
   <dgm:desc val=""/>
@@ -8827,6 +13572,1040 @@
 </file>
 
 <file path=ppt/diagrams/quickStyle2.xml><?xml version="1.0" encoding="utf-8"?>
+<dgm:styleDef xmlns:dgm="http://schemas.openxmlformats.org/drawingml/2006/diagram" xmlns:a="http://schemas.openxmlformats.org/drawingml/2006/main" uniqueId="urn:microsoft.com/office/officeart/2005/8/quickstyle/simple1">
+  <dgm:title val=""/>
+  <dgm:desc val=""/>
+  <dgm:catLst>
+    <dgm:cat type="simple" pri="10100"/>
+  </dgm:catLst>
+  <dgm:scene3d>
+    <a:camera prst="orthographicFront"/>
+    <a:lightRig rig="threePt" dir="t"/>
+  </dgm:scene3d>
+  <dgm:styleLbl name="node0">
+    <dgm:scene3d>
+      <a:camera prst="orthographicFront"/>
+      <a:lightRig rig="threePt" dir="t"/>
+    </dgm:scene3d>
+    <dgm:sp3d/>
+    <dgm:txPr/>
+    <dgm:style>
+      <a:lnRef idx="2">
+        <a:scrgbClr r="0" g="0" b="0"/>
+      </a:lnRef>
+      <a:fillRef idx="1">
+        <a:scrgbClr r="0" g="0" b="0"/>
+      </a:fillRef>
+      <a:effectRef idx="0">
+        <a:scrgbClr r="0" g="0" b="0"/>
+      </a:effectRef>
+      <a:fontRef idx="minor">
+        <a:schemeClr val="lt1"/>
+      </a:fontRef>
+    </dgm:style>
+  </dgm:styleLbl>
+  <dgm:styleLbl name="lnNode1">
+    <dgm:scene3d>
+      <a:camera prst="orthographicFront"/>
+      <a:lightRig rig="threePt" dir="t"/>
+    </dgm:scene3d>
+    <dgm:sp3d/>
+    <dgm:txPr/>
+    <dgm:style>
+      <a:lnRef idx="2">
+        <a:scrgbClr r="0" g="0" b="0"/>
+      </a:lnRef>
+      <a:fillRef idx="1">
+        <a:scrgbClr r="0" g="0" b="0"/>
+      </a:fillRef>
+      <a:effectRef idx="0">
+        <a:scrgbClr r="0" g="0" b="0"/>
+      </a:effectRef>
+      <a:fontRef idx="minor">
+        <a:schemeClr val="lt1"/>
+      </a:fontRef>
+    </dgm:style>
+  </dgm:styleLbl>
+  <dgm:styleLbl name="vennNode1">
+    <dgm:scene3d>
+      <a:camera prst="orthographicFront"/>
+      <a:lightRig rig="threePt" dir="t"/>
+    </dgm:scene3d>
+    <dgm:sp3d/>
+    <dgm:txPr/>
+    <dgm:style>
+      <a:lnRef idx="2">
+        <a:scrgbClr r="0" g="0" b="0"/>
+      </a:lnRef>
+      <a:fillRef idx="1">
+        <a:scrgbClr r="0" g="0" b="0"/>
+      </a:fillRef>
+      <a:effectRef idx="0">
+        <a:scrgbClr r="0" g="0" b="0"/>
+      </a:effectRef>
+      <a:fontRef idx="minor">
+        <a:schemeClr val="tx1"/>
+      </a:fontRef>
+    </dgm:style>
+  </dgm:styleLbl>
+  <dgm:styleLbl name="alignNode1">
+    <dgm:scene3d>
+      <a:camera prst="orthographicFront"/>
+      <a:lightRig rig="threePt" dir="t"/>
+    </dgm:scene3d>
+    <dgm:sp3d/>
+    <dgm:txPr/>
+    <dgm:style>
+      <a:lnRef idx="2">
+        <a:scrgbClr r="0" g="0" b="0"/>
+      </a:lnRef>
+      <a:fillRef idx="1">
+        <a:scrgbClr r="0" g="0" b="0"/>
+      </a:fillRef>
+      <a:effectRef idx="0">
+        <a:scrgbClr r="0" g="0" b="0"/>
+      </a:effectRef>
+      <a:fontRef idx="minor">
+        <a:schemeClr val="lt1"/>
+      </a:fontRef>
+    </dgm:style>
+  </dgm:styleLbl>
+  <dgm:styleLbl name="node1">
+    <dgm:scene3d>
+      <a:camera prst="orthographicFront"/>
+      <a:lightRig rig="threePt" dir="t"/>
+    </dgm:scene3d>
+    <dgm:sp3d/>
+    <dgm:txPr/>
+    <dgm:style>
+      <a:lnRef idx="2">
+        <a:scrgbClr r="0" g="0" b="0"/>
+      </a:lnRef>
+      <a:fillRef idx="1">
+        <a:scrgbClr r="0" g="0" b="0"/>
+      </a:fillRef>
+      <a:effectRef idx="0">
+        <a:scrgbClr r="0" g="0" b="0"/>
+      </a:effectRef>
+      <a:fontRef idx="minor">
+        <a:schemeClr val="lt1"/>
+      </a:fontRef>
+    </dgm:style>
+  </dgm:styleLbl>
+  <dgm:styleLbl name="node2">
+    <dgm:scene3d>
+      <a:camera prst="orthographicFront"/>
+      <a:lightRig rig="threePt" dir="t"/>
+    </dgm:scene3d>
+    <dgm:sp3d/>
+    <dgm:txPr/>
+    <dgm:style>
+      <a:lnRef idx="2">
+        <a:scrgbClr r="0" g="0" b="0"/>
+      </a:lnRef>
+      <a:fillRef idx="1">
+        <a:scrgbClr r="0" g="0" b="0"/>
+      </a:fillRef>
+      <a:effectRef idx="0">
+        <a:scrgbClr r="0" g="0" b="0"/>
+      </a:effectRef>
+      <a:fontRef idx="minor">
+        <a:schemeClr val="lt1"/>
+      </a:fontRef>
+    </dgm:style>
+  </dgm:styleLbl>
+  <dgm:styleLbl name="node3">
+    <dgm:scene3d>
+      <a:camera prst="orthographicFront"/>
+      <a:lightRig rig="threePt" dir="t"/>
+    </dgm:scene3d>
+    <dgm:sp3d/>
+    <dgm:txPr/>
+    <dgm:style>
+      <a:lnRef idx="2">
+        <a:scrgbClr r="0" g="0" b="0"/>
+      </a:lnRef>
+      <a:fillRef idx="1">
+        <a:scrgbClr r="0" g="0" b="0"/>
+      </a:fillRef>
+      <a:effectRef idx="0">
+        <a:scrgbClr r="0" g="0" b="0"/>
+      </a:effectRef>
+      <a:fontRef idx="minor">
+        <a:schemeClr val="lt1"/>
+      </a:fontRef>
+    </dgm:style>
+  </dgm:styleLbl>
+  <dgm:styleLbl name="node4">
+    <dgm:scene3d>
+      <a:camera prst="orthographicFront"/>
+      <a:lightRig rig="threePt" dir="t"/>
+    </dgm:scene3d>
+    <dgm:sp3d/>
+    <dgm:txPr/>
+    <dgm:style>
+      <a:lnRef idx="2">
+        <a:scrgbClr r="0" g="0" b="0"/>
+      </a:lnRef>
+      <a:fillRef idx="1">
+        <a:scrgbClr r="0" g="0" b="0"/>
+      </a:fillRef>
+      <a:effectRef idx="0">
+        <a:scrgbClr r="0" g="0" b="0"/>
+      </a:effectRef>
+      <a:fontRef idx="minor">
+        <a:schemeClr val="lt1"/>
+      </a:fontRef>
+    </dgm:style>
+  </dgm:styleLbl>
+  <dgm:styleLbl name="fgImgPlace1">
+    <dgm:scene3d>
+      <a:camera prst="orthographicFront"/>
+      <a:lightRig rig="threePt" dir="t"/>
+    </dgm:scene3d>
+    <dgm:sp3d/>
+    <dgm:txPr/>
+    <dgm:style>
+      <a:lnRef idx="2">
+        <a:scrgbClr r="0" g="0" b="0"/>
+      </a:lnRef>
+      <a:fillRef idx="1">
+        <a:scrgbClr r="0" g="0" b="0"/>
+      </a:fillRef>
+      <a:effectRef idx="0">
+        <a:scrgbClr r="0" g="0" b="0"/>
+      </a:effectRef>
+      <a:fontRef idx="minor"/>
+    </dgm:style>
+  </dgm:styleLbl>
+  <dgm:styleLbl name="alignImgPlace1">
+    <dgm:scene3d>
+      <a:camera prst="orthographicFront"/>
+      <a:lightRig rig="threePt" dir="t"/>
+    </dgm:scene3d>
+    <dgm:sp3d/>
+    <dgm:txPr/>
+    <dgm:style>
+      <a:lnRef idx="2">
+        <a:scrgbClr r="0" g="0" b="0"/>
+      </a:lnRef>
+      <a:fillRef idx="1">
+        <a:scrgbClr r="0" g="0" b="0"/>
+      </a:fillRef>
+      <a:effectRef idx="0">
+        <a:scrgbClr r="0" g="0" b="0"/>
+      </a:effectRef>
+      <a:fontRef idx="minor"/>
+    </dgm:style>
+  </dgm:styleLbl>
+  <dgm:styleLbl name="bgImgPlace1">
+    <dgm:scene3d>
+      <a:camera prst="orthographicFront"/>
+      <a:lightRig rig="threePt" dir="t"/>
+    </dgm:scene3d>
+    <dgm:sp3d/>
+    <dgm:txPr/>
+    <dgm:style>
+      <a:lnRef idx="2">
+        <a:scrgbClr r="0" g="0" b="0"/>
+      </a:lnRef>
+      <a:fillRef idx="1">
+        <a:scrgbClr r="0" g="0" b="0"/>
+      </a:fillRef>
+      <a:effectRef idx="0">
+        <a:scrgbClr r="0" g="0" b="0"/>
+      </a:effectRef>
+      <a:fontRef idx="minor"/>
+    </dgm:style>
+  </dgm:styleLbl>
+  <dgm:styleLbl name="sibTrans2D1">
+    <dgm:scene3d>
+      <a:camera prst="orthographicFront"/>
+      <a:lightRig rig="threePt" dir="t"/>
+    </dgm:scene3d>
+    <dgm:sp3d/>
+    <dgm:txPr/>
+    <dgm:style>
+      <a:lnRef idx="0">
+        <a:scrgbClr r="0" g="0" b="0"/>
+      </a:lnRef>
+      <a:fillRef idx="1">
+        <a:scrgbClr r="0" g="0" b="0"/>
+      </a:fillRef>
+      <a:effectRef idx="0">
+        <a:scrgbClr r="0" g="0" b="0"/>
+      </a:effectRef>
+      <a:fontRef idx="minor">
+        <a:schemeClr val="lt1"/>
+      </a:fontRef>
+    </dgm:style>
+  </dgm:styleLbl>
+  <dgm:styleLbl name="fgSibTrans2D1">
+    <dgm:scene3d>
+      <a:camera prst="orthographicFront"/>
+      <a:lightRig rig="threePt" dir="t"/>
+    </dgm:scene3d>
+    <dgm:sp3d/>
+    <dgm:txPr/>
+    <dgm:style>
+      <a:lnRef idx="0">
+        <a:scrgbClr r="0" g="0" b="0"/>
+      </a:lnRef>
+      <a:fillRef idx="1">
+        <a:scrgbClr r="0" g="0" b="0"/>
+      </a:fillRef>
+      <a:effectRef idx="0">
+        <a:scrgbClr r="0" g="0" b="0"/>
+      </a:effectRef>
+      <a:fontRef idx="minor">
+        <a:schemeClr val="lt1"/>
+      </a:fontRef>
+    </dgm:style>
+  </dgm:styleLbl>
+  <dgm:styleLbl name="bgSibTrans2D1">
+    <dgm:scene3d>
+      <a:camera prst="orthographicFront"/>
+      <a:lightRig rig="threePt" dir="t"/>
+    </dgm:scene3d>
+    <dgm:sp3d/>
+    <dgm:txPr/>
+    <dgm:style>
+      <a:lnRef idx="0">
+        <a:scrgbClr r="0" g="0" b="0"/>
+      </a:lnRef>
+      <a:fillRef idx="1">
+        <a:scrgbClr r="0" g="0" b="0"/>
+      </a:fillRef>
+      <a:effectRef idx="0">
+        <a:scrgbClr r="0" g="0" b="0"/>
+      </a:effectRef>
+      <a:fontRef idx="minor">
+        <a:schemeClr val="lt1"/>
+      </a:fontRef>
+    </dgm:style>
+  </dgm:styleLbl>
+  <dgm:styleLbl name="sibTrans1D1">
+    <dgm:scene3d>
+      <a:camera prst="orthographicFront"/>
+      <a:lightRig rig="threePt" dir="t"/>
+    </dgm:scene3d>
+    <dgm:sp3d/>
+    <dgm:txPr/>
+    <dgm:style>
+      <a:lnRef idx="1">
+        <a:scrgbClr r="0" g="0" b="0"/>
+      </a:lnRef>
+      <a:fillRef idx="0">
+        <a:scrgbClr r="0" g="0" b="0"/>
+      </a:fillRef>
+      <a:effectRef idx="0">
+        <a:scrgbClr r="0" g="0" b="0"/>
+      </a:effectRef>
+      <a:fontRef idx="minor"/>
+    </dgm:style>
+  </dgm:styleLbl>
+  <dgm:styleLbl name="callout">
+    <dgm:scene3d>
+      <a:camera prst="orthographicFront"/>
+      <a:lightRig rig="threePt" dir="t"/>
+    </dgm:scene3d>
+    <dgm:sp3d/>
+    <dgm:txPr/>
+    <dgm:style>
+      <a:lnRef idx="2">
+        <a:scrgbClr r="0" g="0" b="0"/>
+      </a:lnRef>
+      <a:fillRef idx="1">
+        <a:scrgbClr r="0" g="0" b="0"/>
+      </a:fillRef>
+      <a:effectRef idx="0">
+        <a:scrgbClr r="0" g="0" b="0"/>
+      </a:effectRef>
+      <a:fontRef idx="minor"/>
+    </dgm:style>
+  </dgm:styleLbl>
+  <dgm:styleLbl name="asst0">
+    <dgm:scene3d>
+      <a:camera prst="orthographicFront"/>
+      <a:lightRig rig="threePt" dir="t"/>
+    </dgm:scene3d>
+    <dgm:sp3d/>
+    <dgm:txPr/>
+    <dgm:style>
+      <a:lnRef idx="2">
+        <a:scrgbClr r="0" g="0" b="0"/>
+      </a:lnRef>
+      <a:fillRef idx="1">
+        <a:scrgbClr r="0" g="0" b="0"/>
+      </a:fillRef>
+      <a:effectRef idx="0">
+        <a:scrgbClr r="0" g="0" b="0"/>
+      </a:effectRef>
+      <a:fontRef idx="minor">
+        <a:schemeClr val="lt1"/>
+      </a:fontRef>
+    </dgm:style>
+  </dgm:styleLbl>
+  <dgm:styleLbl name="asst1">
+    <dgm:scene3d>
+      <a:camera prst="orthographicFront"/>
+      <a:lightRig rig="threePt" dir="t"/>
+    </dgm:scene3d>
+    <dgm:sp3d/>
+    <dgm:txPr/>
+    <dgm:style>
+      <a:lnRef idx="2">
+        <a:scrgbClr r="0" g="0" b="0"/>
+      </a:lnRef>
+      <a:fillRef idx="1">
+        <a:scrgbClr r="0" g="0" b="0"/>
+      </a:fillRef>
+      <a:effectRef idx="0">
+        <a:scrgbClr r="0" g="0" b="0"/>
+      </a:effectRef>
+      <a:fontRef idx="minor">
+        <a:schemeClr val="lt1"/>
+      </a:fontRef>
+    </dgm:style>
+  </dgm:styleLbl>
+  <dgm:styleLbl name="asst2">
+    <dgm:scene3d>
+      <a:camera prst="orthographicFront"/>
+      <a:lightRig rig="threePt" dir="t"/>
+    </dgm:scene3d>
+    <dgm:sp3d/>
+    <dgm:txPr/>
+    <dgm:style>
+      <a:lnRef idx="2">
+        <a:scrgbClr r="0" g="0" b="0"/>
+      </a:lnRef>
+      <a:fillRef idx="1">
+        <a:scrgbClr r="0" g="0" b="0"/>
+      </a:fillRef>
+      <a:effectRef idx="0">
+        <a:scrgbClr r="0" g="0" b="0"/>
+      </a:effectRef>
+      <a:fontRef idx="minor">
+        <a:schemeClr val="lt1"/>
+      </a:fontRef>
+    </dgm:style>
+  </dgm:styleLbl>
+  <dgm:styleLbl name="asst3">
+    <dgm:scene3d>
+      <a:camera prst="orthographicFront"/>
+      <a:lightRig rig="threePt" dir="t"/>
+    </dgm:scene3d>
+    <dgm:sp3d/>
+    <dgm:txPr/>
+    <dgm:style>
+      <a:lnRef idx="2">
+        <a:scrgbClr r="0" g="0" b="0"/>
+      </a:lnRef>
+      <a:fillRef idx="1">
+        <a:scrgbClr r="0" g="0" b="0"/>
+      </a:fillRef>
+      <a:effectRef idx="0">
+        <a:scrgbClr r="0" g="0" b="0"/>
+      </a:effectRef>
+      <a:fontRef idx="minor">
+        <a:schemeClr val="lt1"/>
+      </a:fontRef>
+    </dgm:style>
+  </dgm:styleLbl>
+  <dgm:styleLbl name="asst4">
+    <dgm:scene3d>
+      <a:camera prst="orthographicFront"/>
+      <a:lightRig rig="threePt" dir="t"/>
+    </dgm:scene3d>
+    <dgm:sp3d/>
+    <dgm:txPr/>
+    <dgm:style>
+      <a:lnRef idx="2">
+        <a:scrgbClr r="0" g="0" b="0"/>
+      </a:lnRef>
+      <a:fillRef idx="1">
+        <a:scrgbClr r="0" g="0" b="0"/>
+      </a:fillRef>
+      <a:effectRef idx="0">
+        <a:scrgbClr r="0" g="0" b="0"/>
+      </a:effectRef>
+      <a:fontRef idx="minor">
+        <a:schemeClr val="lt1"/>
+      </a:fontRef>
+    </dgm:style>
+  </dgm:styleLbl>
+  <dgm:styleLbl name="parChTrans2D1">
+    <dgm:scene3d>
+      <a:camera prst="orthographicFront"/>
+      <a:lightRig rig="threePt" dir="t"/>
+    </dgm:scene3d>
+    <dgm:sp3d/>
+    <dgm:txPr/>
+    <dgm:style>
+      <a:lnRef idx="2">
+        <a:scrgbClr r="0" g="0" b="0"/>
+      </a:lnRef>
+      <a:fillRef idx="1">
+        <a:scrgbClr r="0" g="0" b="0"/>
+      </a:fillRef>
+      <a:effectRef idx="0">
+        <a:scrgbClr r="0" g="0" b="0"/>
+      </a:effectRef>
+      <a:fontRef idx="minor">
+        <a:schemeClr val="lt1"/>
+      </a:fontRef>
+    </dgm:style>
+  </dgm:styleLbl>
+  <dgm:styleLbl name="parChTrans2D2">
+    <dgm:scene3d>
+      <a:camera prst="orthographicFront"/>
+      <a:lightRig rig="threePt" dir="t"/>
+    </dgm:scene3d>
+    <dgm:sp3d/>
+    <dgm:txPr/>
+    <dgm:style>
+      <a:lnRef idx="2">
+        <a:scrgbClr r="0" g="0" b="0"/>
+      </a:lnRef>
+      <a:fillRef idx="1">
+        <a:scrgbClr r="0" g="0" b="0"/>
+      </a:fillRef>
+      <a:effectRef idx="0">
+        <a:scrgbClr r="0" g="0" b="0"/>
+      </a:effectRef>
+      <a:fontRef idx="minor">
+        <a:schemeClr val="lt1"/>
+      </a:fontRef>
+    </dgm:style>
+  </dgm:styleLbl>
+  <dgm:styleLbl name="parChTrans2D3">
+    <dgm:scene3d>
+      <a:camera prst="orthographicFront"/>
+      <a:lightRig rig="threePt" dir="t"/>
+    </dgm:scene3d>
+    <dgm:sp3d/>
+    <dgm:txPr/>
+    <dgm:style>
+      <a:lnRef idx="2">
+        <a:scrgbClr r="0" g="0" b="0"/>
+      </a:lnRef>
+      <a:fillRef idx="1">
+        <a:scrgbClr r="0" g="0" b="0"/>
+      </a:fillRef>
+      <a:effectRef idx="0">
+        <a:scrgbClr r="0" g="0" b="0"/>
+      </a:effectRef>
+      <a:fontRef idx="minor">
+        <a:schemeClr val="lt1"/>
+      </a:fontRef>
+    </dgm:style>
+  </dgm:styleLbl>
+  <dgm:styleLbl name="parChTrans2D4">
+    <dgm:scene3d>
+      <a:camera prst="orthographicFront"/>
+      <a:lightRig rig="threePt" dir="t"/>
+    </dgm:scene3d>
+    <dgm:sp3d/>
+    <dgm:txPr/>
+    <dgm:style>
+      <a:lnRef idx="2">
+        <a:scrgbClr r="0" g="0" b="0"/>
+      </a:lnRef>
+      <a:fillRef idx="1">
+        <a:scrgbClr r="0" g="0" b="0"/>
+      </a:fillRef>
+      <a:effectRef idx="0">
+        <a:scrgbClr r="0" g="0" b="0"/>
+      </a:effectRef>
+      <a:fontRef idx="minor">
+        <a:schemeClr val="lt1"/>
+      </a:fontRef>
+    </dgm:style>
+  </dgm:styleLbl>
+  <dgm:styleLbl name="parChTrans1D1">
+    <dgm:scene3d>
+      <a:camera prst="orthographicFront"/>
+      <a:lightRig rig="threePt" dir="t"/>
+    </dgm:scene3d>
+    <dgm:sp3d/>
+    <dgm:txPr/>
+    <dgm:style>
+      <a:lnRef idx="2">
+        <a:scrgbClr r="0" g="0" b="0"/>
+      </a:lnRef>
+      <a:fillRef idx="0">
+        <a:scrgbClr r="0" g="0" b="0"/>
+      </a:fillRef>
+      <a:effectRef idx="0">
+        <a:scrgbClr r="0" g="0" b="0"/>
+      </a:effectRef>
+      <a:fontRef idx="minor"/>
+    </dgm:style>
+  </dgm:styleLbl>
+  <dgm:styleLbl name="parChTrans1D2">
+    <dgm:scene3d>
+      <a:camera prst="orthographicFront"/>
+      <a:lightRig rig="threePt" dir="t"/>
+    </dgm:scene3d>
+    <dgm:sp3d/>
+    <dgm:txPr/>
+    <dgm:style>
+      <a:lnRef idx="2">
+        <a:scrgbClr r="0" g="0" b="0"/>
+      </a:lnRef>
+      <a:fillRef idx="0">
+        <a:scrgbClr r="0" g="0" b="0"/>
+      </a:fillRef>
+      <a:effectRef idx="0">
+        <a:scrgbClr r="0" g="0" b="0"/>
+      </a:effectRef>
+      <a:fontRef idx="minor"/>
+    </dgm:style>
+  </dgm:styleLbl>
+  <dgm:styleLbl name="parChTrans1D3">
+    <dgm:scene3d>
+      <a:camera prst="orthographicFront"/>
+      <a:lightRig rig="threePt" dir="t"/>
+    </dgm:scene3d>
+    <dgm:sp3d/>
+    <dgm:txPr/>
+    <dgm:style>
+      <a:lnRef idx="2">
+        <a:scrgbClr r="0" g="0" b="0"/>
+      </a:lnRef>
+      <a:fillRef idx="0">
+        <a:scrgbClr r="0" g="0" b="0"/>
+      </a:fillRef>
+      <a:effectRef idx="0">
+        <a:scrgbClr r="0" g="0" b="0"/>
+      </a:effectRef>
+      <a:fontRef idx="minor"/>
+    </dgm:style>
+  </dgm:styleLbl>
+  <dgm:styleLbl name="parChTrans1D4">
+    <dgm:scene3d>
+      <a:camera prst="orthographicFront"/>
+      <a:lightRig rig="threePt" dir="t"/>
+    </dgm:scene3d>
+    <dgm:sp3d/>
+    <dgm:txPr/>
+    <dgm:style>
+      <a:lnRef idx="2">
+        <a:scrgbClr r="0" g="0" b="0"/>
+      </a:lnRef>
+      <a:fillRef idx="0">
+        <a:scrgbClr r="0" g="0" b="0"/>
+      </a:fillRef>
+      <a:effectRef idx="0">
+        <a:scrgbClr r="0" g="0" b="0"/>
+      </a:effectRef>
+      <a:fontRef idx="minor"/>
+    </dgm:style>
+  </dgm:styleLbl>
+  <dgm:styleLbl name="fgAcc1">
+    <dgm:scene3d>
+      <a:camera prst="orthographicFront"/>
+      <a:lightRig rig="threePt" dir="t"/>
+    </dgm:scene3d>
+    <dgm:sp3d/>
+    <dgm:txPr/>
+    <dgm:style>
+      <a:lnRef idx="2">
+        <a:scrgbClr r="0" g="0" b="0"/>
+      </a:lnRef>
+      <a:fillRef idx="1">
+        <a:scrgbClr r="0" g="0" b="0"/>
+      </a:fillRef>
+      <a:effectRef idx="0">
+        <a:scrgbClr r="0" g="0" b="0"/>
+      </a:effectRef>
+      <a:fontRef idx="minor"/>
+    </dgm:style>
+  </dgm:styleLbl>
+  <dgm:styleLbl name="conFgAcc1">
+    <dgm:scene3d>
+      <a:camera prst="orthographicFront"/>
+      <a:lightRig rig="threePt" dir="t"/>
+    </dgm:scene3d>
+    <dgm:sp3d/>
+    <dgm:txPr/>
+    <dgm:style>
+      <a:lnRef idx="2">
+        <a:scrgbClr r="0" g="0" b="0"/>
+      </a:lnRef>
+      <a:fillRef idx="1">
+        <a:scrgbClr r="0" g="0" b="0"/>
+      </a:fillRef>
+      <a:effectRef idx="0">
+        <a:scrgbClr r="0" g="0" b="0"/>
+      </a:effectRef>
+      <a:fontRef idx="minor"/>
+    </dgm:style>
+  </dgm:styleLbl>
+  <dgm:styleLbl name="alignAcc1">
+    <dgm:scene3d>
+      <a:camera prst="orthographicFront"/>
+      <a:lightRig rig="threePt" dir="t"/>
+    </dgm:scene3d>
+    <dgm:sp3d/>
+    <dgm:txPr/>
+    <dgm:style>
+      <a:lnRef idx="2">
+        <a:scrgbClr r="0" g="0" b="0"/>
+      </a:lnRef>
+      <a:fillRef idx="1">
+        <a:scrgbClr r="0" g="0" b="0"/>
+      </a:fillRef>
+      <a:effectRef idx="0">
+        <a:scrgbClr r="0" g="0" b="0"/>
+      </a:effectRef>
+      <a:fontRef idx="minor"/>
+    </dgm:style>
+  </dgm:styleLbl>
+  <dgm:styleLbl name="trAlignAcc1">
+    <dgm:scene3d>
+      <a:camera prst="orthographicFront"/>
+      <a:lightRig rig="threePt" dir="t"/>
+    </dgm:scene3d>
+    <dgm:sp3d/>
+    <dgm:txPr/>
+    <dgm:style>
+      <a:lnRef idx="1">
+        <a:scrgbClr r="0" g="0" b="0"/>
+      </a:lnRef>
+      <a:fillRef idx="1">
+        <a:scrgbClr r="0" g="0" b="0"/>
+      </a:fillRef>
+      <a:effectRef idx="0">
+        <a:scrgbClr r="0" g="0" b="0"/>
+      </a:effectRef>
+      <a:fontRef idx="minor"/>
+    </dgm:style>
+  </dgm:styleLbl>
+  <dgm:styleLbl name="bgAcc1">
+    <dgm:scene3d>
+      <a:camera prst="orthographicFront"/>
+      <a:lightRig rig="threePt" dir="t"/>
+    </dgm:scene3d>
+    <dgm:sp3d/>
+    <dgm:txPr/>
+    <dgm:style>
+      <a:lnRef idx="2">
+        <a:scrgbClr r="0" g="0" b="0"/>
+      </a:lnRef>
+      <a:fillRef idx="1">
+        <a:scrgbClr r="0" g="0" b="0"/>
+      </a:fillRef>
+      <a:effectRef idx="0">
+        <a:scrgbClr r="0" g="0" b="0"/>
+      </a:effectRef>
+      <a:fontRef idx="minor"/>
+    </dgm:style>
+  </dgm:styleLbl>
+  <dgm:styleLbl name="solidFgAcc1">
+    <dgm:scene3d>
+      <a:camera prst="orthographicFront"/>
+      <a:lightRig rig="threePt" dir="t"/>
+    </dgm:scene3d>
+    <dgm:sp3d/>
+    <dgm:txPr/>
+    <dgm:style>
+      <a:lnRef idx="2">
+        <a:scrgbClr r="0" g="0" b="0"/>
+      </a:lnRef>
+      <a:fillRef idx="1">
+        <a:scrgbClr r="0" g="0" b="0"/>
+      </a:fillRef>
+      <a:effectRef idx="0">
+        <a:scrgbClr r="0" g="0" b="0"/>
+      </a:effectRef>
+      <a:fontRef idx="minor"/>
+    </dgm:style>
+  </dgm:styleLbl>
+  <dgm:styleLbl name="solidAlignAcc1">
+    <dgm:scene3d>
+      <a:camera prst="orthographicFront"/>
+      <a:lightRig rig="threePt" dir="t"/>
+    </dgm:scene3d>
+    <dgm:sp3d/>
+    <dgm:txPr/>
+    <dgm:style>
+      <a:lnRef idx="2">
+        <a:scrgbClr r="0" g="0" b="0"/>
+      </a:lnRef>
+      <a:fillRef idx="1">
+        <a:scrgbClr r="0" g="0" b="0"/>
+      </a:fillRef>
+      <a:effectRef idx="0">
+        <a:scrgbClr r="0" g="0" b="0"/>
+      </a:effectRef>
+      <a:fontRef idx="minor"/>
+    </dgm:style>
+  </dgm:styleLbl>
+  <dgm:styleLbl name="solidBgAcc1">
+    <dgm:scene3d>
+      <a:camera prst="orthographicFront"/>
+      <a:lightRig rig="threePt" dir="t"/>
+    </dgm:scene3d>
+    <dgm:sp3d/>
+    <dgm:txPr/>
+    <dgm:style>
+      <a:lnRef idx="2">
+        <a:scrgbClr r="0" g="0" b="0"/>
+      </a:lnRef>
+      <a:fillRef idx="1">
+        <a:scrgbClr r="0" g="0" b="0"/>
+      </a:fillRef>
+      <a:effectRef idx="0">
+        <a:scrgbClr r="0" g="0" b="0"/>
+      </a:effectRef>
+      <a:fontRef idx="minor"/>
+    </dgm:style>
+  </dgm:styleLbl>
+  <dgm:styleLbl name="fgAccFollowNode1">
+    <dgm:scene3d>
+      <a:camera prst="orthographicFront"/>
+      <a:lightRig rig="threePt" dir="t"/>
+    </dgm:scene3d>
+    <dgm:sp3d/>
+    <dgm:txPr/>
+    <dgm:style>
+      <a:lnRef idx="2">
+        <a:scrgbClr r="0" g="0" b="0"/>
+      </a:lnRef>
+      <a:fillRef idx="1">
+        <a:scrgbClr r="0" g="0" b="0"/>
+      </a:fillRef>
+      <a:effectRef idx="0">
+        <a:scrgbClr r="0" g="0" b="0"/>
+      </a:effectRef>
+      <a:fontRef idx="minor"/>
+    </dgm:style>
+  </dgm:styleLbl>
+  <dgm:styleLbl name="alignAccFollowNode1">
+    <dgm:scene3d>
+      <a:camera prst="orthographicFront"/>
+      <a:lightRig rig="threePt" dir="t"/>
+    </dgm:scene3d>
+    <dgm:sp3d/>
+    <dgm:txPr/>
+    <dgm:style>
+      <a:lnRef idx="2">
+        <a:scrgbClr r="0" g="0" b="0"/>
+      </a:lnRef>
+      <a:fillRef idx="1">
+        <a:scrgbClr r="0" g="0" b="0"/>
+      </a:fillRef>
+      <a:effectRef idx="0">
+        <a:scrgbClr r="0" g="0" b="0"/>
+      </a:effectRef>
+      <a:fontRef idx="minor"/>
+    </dgm:style>
+  </dgm:styleLbl>
+  <dgm:styleLbl name="bgAccFollowNode1">
+    <dgm:scene3d>
+      <a:camera prst="orthographicFront"/>
+      <a:lightRig rig="threePt" dir="t"/>
+    </dgm:scene3d>
+    <dgm:sp3d/>
+    <dgm:txPr/>
+    <dgm:style>
+      <a:lnRef idx="2">
+        <a:scrgbClr r="0" g="0" b="0"/>
+      </a:lnRef>
+      <a:fillRef idx="1">
+        <a:scrgbClr r="0" g="0" b="0"/>
+      </a:fillRef>
+      <a:effectRef idx="0">
+        <a:scrgbClr r="0" g="0" b="0"/>
+      </a:effectRef>
+      <a:fontRef idx="minor"/>
+    </dgm:style>
+  </dgm:styleLbl>
+  <dgm:styleLbl name="fgAcc0">
+    <dgm:scene3d>
+      <a:camera prst="orthographicFront"/>
+      <a:lightRig rig="threePt" dir="t"/>
+    </dgm:scene3d>
+    <dgm:sp3d/>
+    <dgm:txPr/>
+    <dgm:style>
+      <a:lnRef idx="2">
+        <a:scrgbClr r="0" g="0" b="0"/>
+      </a:lnRef>
+      <a:fillRef idx="1">
+        <a:scrgbClr r="0" g="0" b="0"/>
+      </a:fillRef>
+      <a:effectRef idx="0">
+        <a:scrgbClr r="0" g="0" b="0"/>
+      </a:effectRef>
+      <a:fontRef idx="minor"/>
+    </dgm:style>
+  </dgm:styleLbl>
+  <dgm:styleLbl name="fgAcc2">
+    <dgm:scene3d>
+      <a:camera prst="orthographicFront"/>
+      <a:lightRig rig="threePt" dir="t"/>
+    </dgm:scene3d>
+    <dgm:sp3d/>
+    <dgm:txPr/>
+    <dgm:style>
+      <a:lnRef idx="2">
+        <a:scrgbClr r="0" g="0" b="0"/>
+      </a:lnRef>
+      <a:fillRef idx="1">
+        <a:scrgbClr r="0" g="0" b="0"/>
+      </a:fillRef>
+      <a:effectRef idx="0">
+        <a:scrgbClr r="0" g="0" b="0"/>
+      </a:effectRef>
+      <a:fontRef idx="minor"/>
+    </dgm:style>
+  </dgm:styleLbl>
+  <dgm:styleLbl name="fgAcc3">
+    <dgm:scene3d>
+      <a:camera prst="orthographicFront"/>
+      <a:lightRig rig="threePt" dir="t"/>
+    </dgm:scene3d>
+    <dgm:sp3d/>
+    <dgm:txPr/>
+    <dgm:style>
+      <a:lnRef idx="2">
+        <a:scrgbClr r="0" g="0" b="0"/>
+      </a:lnRef>
+      <a:fillRef idx="1">
+        <a:scrgbClr r="0" g="0" b="0"/>
+      </a:fillRef>
+      <a:effectRef idx="0">
+        <a:scrgbClr r="0" g="0" b="0"/>
+      </a:effectRef>
+      <a:fontRef idx="minor"/>
+    </dgm:style>
+  </dgm:styleLbl>
+  <dgm:styleLbl name="fgAcc4">
+    <dgm:scene3d>
+      <a:camera prst="orthographicFront"/>
+      <a:lightRig rig="threePt" dir="t"/>
+    </dgm:scene3d>
+    <dgm:sp3d/>
+    <dgm:txPr/>
+    <dgm:style>
+      <a:lnRef idx="2">
+        <a:scrgbClr r="0" g="0" b="0"/>
+      </a:lnRef>
+      <a:fillRef idx="1">
+        <a:scrgbClr r="0" g="0" b="0"/>
+      </a:fillRef>
+      <a:effectRef idx="0">
+        <a:scrgbClr r="0" g="0" b="0"/>
+      </a:effectRef>
+      <a:fontRef idx="minor"/>
+    </dgm:style>
+  </dgm:styleLbl>
+  <dgm:styleLbl name="bgShp">
+    <dgm:scene3d>
+      <a:camera prst="orthographicFront"/>
+      <a:lightRig rig="threePt" dir="t"/>
+    </dgm:scene3d>
+    <dgm:sp3d/>
+    <dgm:txPr/>
+    <dgm:style>
+      <a:lnRef idx="0">
+        <a:scrgbClr r="0" g="0" b="0"/>
+      </a:lnRef>
+      <a:fillRef idx="1">
+        <a:scrgbClr r="0" g="0" b="0"/>
+      </a:fillRef>
+      <a:effectRef idx="0">
+        <a:scrgbClr r="0" g="0" b="0"/>
+      </a:effectRef>
+      <a:fontRef idx="minor"/>
+    </dgm:style>
+  </dgm:styleLbl>
+  <dgm:styleLbl name="dkBgShp">
+    <dgm:scene3d>
+      <a:camera prst="orthographicFront"/>
+      <a:lightRig rig="threePt" dir="t"/>
+    </dgm:scene3d>
+    <dgm:sp3d/>
+    <dgm:txPr/>
+    <dgm:style>
+      <a:lnRef idx="0">
+        <a:scrgbClr r="0" g="0" b="0"/>
+      </a:lnRef>
+      <a:fillRef idx="1">
+        <a:scrgbClr r="0" g="0" b="0"/>
+      </a:fillRef>
+      <a:effectRef idx="0">
+        <a:scrgbClr r="0" g="0" b="0"/>
+      </a:effectRef>
+      <a:fontRef idx="minor"/>
+    </dgm:style>
+  </dgm:styleLbl>
+  <dgm:styleLbl name="trBgShp">
+    <dgm:scene3d>
+      <a:camera prst="orthographicFront"/>
+      <a:lightRig rig="threePt" dir="t"/>
+    </dgm:scene3d>
+    <dgm:sp3d/>
+    <dgm:txPr/>
+    <dgm:style>
+      <a:lnRef idx="0">
+        <a:scrgbClr r="0" g="0" b="0"/>
+      </a:lnRef>
+      <a:fillRef idx="1">
+        <a:scrgbClr r="0" g="0" b="0"/>
+      </a:fillRef>
+      <a:effectRef idx="0">
+        <a:scrgbClr r="0" g="0" b="0"/>
+      </a:effectRef>
+      <a:fontRef idx="minor"/>
+    </dgm:style>
+  </dgm:styleLbl>
+  <dgm:styleLbl name="fgShp">
+    <dgm:scene3d>
+      <a:camera prst="orthographicFront"/>
+      <a:lightRig rig="threePt" dir="t"/>
+    </dgm:scene3d>
+    <dgm:sp3d/>
+    <dgm:txPr/>
+    <dgm:style>
+      <a:lnRef idx="2">
+        <a:scrgbClr r="0" g="0" b="0"/>
+      </a:lnRef>
+      <a:fillRef idx="1">
+        <a:scrgbClr r="0" g="0" b="0"/>
+      </a:fillRef>
+      <a:effectRef idx="0">
+        <a:scrgbClr r="0" g="0" b="0"/>
+      </a:effectRef>
+      <a:fontRef idx="minor"/>
+    </dgm:style>
+  </dgm:styleLbl>
+  <dgm:styleLbl name="revTx">
+    <dgm:scene3d>
+      <a:camera prst="orthographicFront"/>
+      <a:lightRig rig="threePt" dir="t"/>
+    </dgm:scene3d>
+    <dgm:sp3d/>
+    <dgm:txPr/>
+    <dgm:style>
+      <a:lnRef idx="0">
+        <a:scrgbClr r="0" g="0" b="0"/>
+      </a:lnRef>
+      <a:fillRef idx="0">
+        <a:scrgbClr r="0" g="0" b="0"/>
+      </a:fillRef>
+      <a:effectRef idx="0">
+        <a:scrgbClr r="0" g="0" b="0"/>
+      </a:effectRef>
+      <a:fontRef idx="minor"/>
+    </dgm:style>
+  </dgm:styleLbl>
+</dgm:styleDef>
+</file>
+
+<file path=ppt/diagrams/quickStyle3.xml><?xml version="1.0" encoding="utf-8"?>
 <dgm:styleDef xmlns:dgm="http://schemas.openxmlformats.org/drawingml/2006/diagram" xmlns:a="http://schemas.openxmlformats.org/drawingml/2006/main" uniqueId="urn:microsoft.com/office/officeart/2005/8/quickstyle/simple1">
   <dgm:title val=""/>
   <dgm:desc val=""/>
@@ -16488,7 +22267,15 @@
                   <a:srgbClr val="002060"/>
                 </a:solidFill>
               </a:rPr>
-              <a:t>Regresión lineal múltiple</a:t>
+              <a:t>Regresión lineal múltiple -&gt; </a:t>
+            </a:r>
+            <a:r>
+              <a:rPr lang="es-ES" b="1" dirty="0" err="1">
+                <a:solidFill>
+                  <a:srgbClr val="002060"/>
+                </a:solidFill>
+              </a:rPr>
+              <a:t>page_count</a:t>
             </a:r>
             <a:endParaRPr lang="es-ES" b="1" dirty="0">
               <a:solidFill>
@@ -16577,6 +22364,197 @@
 </file>
 
 <file path=ppt/slides/slide17.xml><?xml version="1.0" encoding="utf-8"?>
+<p:sld xmlns:a="http://schemas.openxmlformats.org/drawingml/2006/main" xmlns:r="http://schemas.openxmlformats.org/officeDocument/2006/relationships" xmlns:p="http://schemas.openxmlformats.org/presentationml/2006/main">
+  <p:cSld>
+    <p:spTree>
+      <p:nvGrpSpPr>
+        <p:cNvPr id="1" name=""/>
+        <p:cNvGrpSpPr/>
+        <p:nvPr/>
+      </p:nvGrpSpPr>
+      <p:grpSpPr>
+        <a:xfrm>
+          <a:off x="0" y="0"/>
+          <a:ext cx="0" cy="0"/>
+          <a:chOff x="0" y="0"/>
+          <a:chExt cx="0" cy="0"/>
+        </a:xfrm>
+      </p:grpSpPr>
+      <p:sp>
+        <p:nvSpPr>
+          <p:cNvPr id="4" name="TextBox 3">
+            <a:extLst>
+              <a:ext uri="{FF2B5EF4-FFF2-40B4-BE49-F238E27FC236}">
+                <a16:creationId xmlns:a16="http://schemas.microsoft.com/office/drawing/2014/main" id="{1AB9453E-4605-B8C4-0C71-3B23CE9F2773}"/>
+              </a:ext>
+            </a:extLst>
+          </p:cNvPr>
+          <p:cNvSpPr txBox="1"/>
+          <p:nvPr/>
+        </p:nvSpPr>
+        <p:spPr>
+          <a:xfrm>
+            <a:off x="440456" y="143702"/>
+            <a:ext cx="9559887" cy="523220"/>
+          </a:xfrm>
+          <a:prstGeom prst="rect">
+            <a:avLst/>
+          </a:prstGeom>
+          <a:noFill/>
+        </p:spPr>
+        <p:txBody>
+          <a:bodyPr wrap="square" rtlCol="0">
+            <a:spAutoFit/>
+          </a:bodyPr>
+          <a:lstStyle/>
+          <a:p>
+            <a:r>
+              <a:rPr lang="es-ES" sz="2800" b="1" dirty="0">
+                <a:solidFill>
+                  <a:srgbClr val="002060"/>
+                </a:solidFill>
+              </a:rPr>
+              <a:t>4. ANÁLISIS DE LOS DATOS</a:t>
+            </a:r>
+          </a:p>
+        </p:txBody>
+      </p:sp>
+      <p:sp>
+        <p:nvSpPr>
+          <p:cNvPr id="6" name="TextBox 5">
+            <a:extLst>
+              <a:ext uri="{FF2B5EF4-FFF2-40B4-BE49-F238E27FC236}">
+                <a16:creationId xmlns:a16="http://schemas.microsoft.com/office/drawing/2014/main" id="{1FA76770-F660-DB19-61AA-87990F00E84D}"/>
+              </a:ext>
+            </a:extLst>
+          </p:cNvPr>
+          <p:cNvSpPr txBox="1"/>
+          <p:nvPr/>
+        </p:nvSpPr>
+        <p:spPr>
+          <a:xfrm>
+            <a:off x="440456" y="798287"/>
+            <a:ext cx="10864282" cy="464871"/>
+          </a:xfrm>
+          <a:prstGeom prst="rect">
+            <a:avLst/>
+          </a:prstGeom>
+          <a:noFill/>
+        </p:spPr>
+        <p:txBody>
+          <a:bodyPr wrap="square">
+            <a:spAutoFit/>
+          </a:bodyPr>
+          <a:lstStyle/>
+          <a:p>
+            <a:pPr algn="just">
+              <a:lnSpc>
+                <a:spcPct val="150000"/>
+              </a:lnSpc>
+            </a:pPr>
+            <a:r>
+              <a:rPr lang="es-ES" b="1" dirty="0">
+                <a:solidFill>
+                  <a:srgbClr val="002060"/>
+                </a:solidFill>
+              </a:rPr>
+              <a:t>Regresión lineal múltiple -&gt; </a:t>
+            </a:r>
+            <a:r>
+              <a:rPr lang="es-ES" b="1" dirty="0" err="1">
+                <a:solidFill>
+                  <a:srgbClr val="002060"/>
+                </a:solidFill>
+              </a:rPr>
+              <a:t>max_price</a:t>
+            </a:r>
+            <a:endParaRPr lang="es-ES" b="1" dirty="0">
+              <a:solidFill>
+                <a:srgbClr val="002060"/>
+              </a:solidFill>
+              <a:sym typeface="Wingdings" panose="05000000000000000000" pitchFamily="2" charset="2"/>
+            </a:endParaRPr>
+          </a:p>
+        </p:txBody>
+      </p:sp>
+      <p:pic>
+        <p:nvPicPr>
+          <p:cNvPr id="5" name="Picture 4" descr="Graphical user interface, text, application, chat or text message&#10;&#10;Description automatically generated">
+            <a:extLst>
+              <a:ext uri="{FF2B5EF4-FFF2-40B4-BE49-F238E27FC236}">
+                <a16:creationId xmlns:a16="http://schemas.microsoft.com/office/drawing/2014/main" id="{6DDDD5D9-A9FE-2A79-7C5E-B7D1A464A414}"/>
+              </a:ext>
+            </a:extLst>
+          </p:cNvPr>
+          <p:cNvPicPr>
+            <a:picLocks noChangeAspect="1"/>
+          </p:cNvPicPr>
+          <p:nvPr/>
+        </p:nvPicPr>
+        <p:blipFill>
+          <a:blip r:embed="rId2">
+            <a:extLst>
+              <a:ext uri="{28A0092B-C50C-407E-A947-70E740481C1C}">
+                <a14:useLocalDpi xmlns:a14="http://schemas.microsoft.com/office/drawing/2010/main" val="0"/>
+              </a:ext>
+            </a:extLst>
+          </a:blip>
+          <a:stretch>
+            <a:fillRect/>
+          </a:stretch>
+        </p:blipFill>
+        <p:spPr>
+          <a:xfrm>
+            <a:off x="10526413" y="5892800"/>
+            <a:ext cx="1536622" cy="965200"/>
+          </a:xfrm>
+          <a:prstGeom prst="rect">
+            <a:avLst/>
+          </a:prstGeom>
+        </p:spPr>
+      </p:pic>
+      <p:graphicFrame>
+        <p:nvGraphicFramePr>
+          <p:cNvPr id="2" name="Diagrama 1">
+            <a:extLst>
+              <a:ext uri="{FF2B5EF4-FFF2-40B4-BE49-F238E27FC236}">
+                <a16:creationId xmlns:a16="http://schemas.microsoft.com/office/drawing/2014/main" id="{2E4C0C41-A806-3D8F-CA48-3AE5CFF80721}"/>
+              </a:ext>
+            </a:extLst>
+          </p:cNvPr>
+          <p:cNvGraphicFramePr/>
+          <p:nvPr>
+            <p:extLst>
+              <p:ext uri="{D42A27DB-BD31-4B8C-83A1-F6EECF244321}">
+                <p14:modId xmlns:p14="http://schemas.microsoft.com/office/powerpoint/2010/main" val="3687210393"/>
+              </p:ext>
+            </p:extLst>
+          </p:nvPr>
+        </p:nvGraphicFramePr>
+        <p:xfrm>
+          <a:off x="686254" y="1263158"/>
+          <a:ext cx="10372685" cy="4743810"/>
+        </p:xfrm>
+        <a:graphic>
+          <a:graphicData uri="http://schemas.openxmlformats.org/drawingml/2006/diagram">
+            <dgm:relIds xmlns:dgm="http://schemas.openxmlformats.org/drawingml/2006/diagram" xmlns:r="http://schemas.openxmlformats.org/officeDocument/2006/relationships" r:dm="rId3" r:lo="rId4" r:qs="rId5" r:cs="rId6"/>
+          </a:graphicData>
+        </a:graphic>
+      </p:graphicFrame>
+    </p:spTree>
+    <p:extLst>
+      <p:ext uri="{BB962C8B-B14F-4D97-AF65-F5344CB8AC3E}">
+        <p14:creationId xmlns:p14="http://schemas.microsoft.com/office/powerpoint/2010/main" val="1592306208"/>
+      </p:ext>
+    </p:extLst>
+  </p:cSld>
+  <p:clrMapOvr>
+    <a:masterClrMapping/>
+  </p:clrMapOvr>
+</p:sld>
+</file>
+
+<file path=ppt/slides/slide18.xml><?xml version="1.0" encoding="utf-8"?>
 <p:sld xmlns:a="http://schemas.openxmlformats.org/drawingml/2006/main" xmlns:r="http://schemas.openxmlformats.org/officeDocument/2006/relationships" xmlns:p="http://schemas.openxmlformats.org/presentationml/2006/main">
   <p:cSld>
     <p:spTree>
@@ -16992,7 +22970,7 @@
 </p:sld>
 </file>
 
-<file path=ppt/slides/slide18.xml><?xml version="1.0" encoding="utf-8"?>
+<file path=ppt/slides/slide19.xml><?xml version="1.0" encoding="utf-8"?>
 <p:sld xmlns:a="http://schemas.openxmlformats.org/drawingml/2006/main" xmlns:r="http://schemas.openxmlformats.org/officeDocument/2006/relationships" xmlns:p="http://schemas.openxmlformats.org/presentationml/2006/main">
   <p:cSld>
     <p:spTree>
@@ -21949,13 +27927,13 @@
           <p:nvPr>
             <p:extLst>
               <p:ext uri="{D42A27DB-BD31-4B8C-83A1-F6EECF244321}">
-                <p14:modId xmlns:p14="http://schemas.microsoft.com/office/powerpoint/2010/main" val="242075117"/>
+                <p14:modId xmlns:p14="http://schemas.microsoft.com/office/powerpoint/2010/main" val="3124290991"/>
               </p:ext>
             </p:extLst>
           </p:nvPr>
         </p:nvGraphicFramePr>
         <p:xfrm>
-          <a:off x="696440" y="1421190"/>
+          <a:off x="696440" y="1715312"/>
           <a:ext cx="10352314" cy="4015619"/>
         </p:xfrm>
         <a:graphic>

--- a/Memoria_pres.pptx
+++ b/Memoria_pres.pptx
@@ -14,8 +14,8 @@
     <p:sldId id="281" r:id="rId8"/>
     <p:sldId id="282" r:id="rId9"/>
     <p:sldId id="283" r:id="rId10"/>
-    <p:sldId id="284" r:id="rId11"/>
-    <p:sldId id="285" r:id="rId12"/>
+    <p:sldId id="294" r:id="rId11"/>
+    <p:sldId id="284" r:id="rId12"/>
     <p:sldId id="286" r:id="rId13"/>
     <p:sldId id="288" r:id="rId14"/>
     <p:sldId id="289" r:id="rId15"/>
@@ -136,8 +136,8 @@
             <p14:sldId id="281"/>
             <p14:sldId id="282"/>
             <p14:sldId id="283"/>
+            <p14:sldId id="294"/>
             <p14:sldId id="284"/>
-            <p14:sldId id="285"/>
             <p14:sldId id="286"/>
             <p14:sldId id="288"/>
             <p14:sldId id="289"/>
@@ -3129,10 +3129,10 @@
     <dgm:cxn modelId="{8AF74424-F329-FC49-B506-4D761EF486ED}" type="presOf" srcId="{EF1185AE-C50F-F545-A7DF-F773CFDD6ACB}" destId="{5409C6C1-0E28-C748-A449-2EBE04AACA35}" srcOrd="1" destOrd="0" presId="urn:microsoft.com/office/officeart/2005/8/layout/vProcess5"/>
     <dgm:cxn modelId="{B6F25928-1C50-584B-8C88-DAC3ABDF22B0}" type="presOf" srcId="{C17FEE4A-8A09-5645-87B4-1B77E7E9E30B}" destId="{09F957A7-3730-DB48-B533-559E6783C573}" srcOrd="0" destOrd="0" presId="urn:microsoft.com/office/officeart/2005/8/layout/vProcess5"/>
     <dgm:cxn modelId="{DE21BF2E-0195-7F4F-BB84-A3CB05658E2D}" srcId="{DBD4B207-E739-4448-B73A-A1908D0C19C9}" destId="{0C9DB628-107A-394D-9DE4-D764D8966AE5}" srcOrd="4" destOrd="0" parTransId="{15649590-0E1C-5644-B7F3-5FCC4FAD83C1}" sibTransId="{F69DB093-57E3-7C4F-B758-960136179907}"/>
+    <dgm:cxn modelId="{D928AB66-0455-5542-B77F-683C188574AD}" type="presOf" srcId="{C17FEE4A-8A09-5645-87B4-1B77E7E9E30B}" destId="{CD96E06C-62BE-4F41-AD4F-A595088DF385}" srcOrd="1" destOrd="0" presId="urn:microsoft.com/office/officeart/2005/8/layout/vProcess5"/>
     <dgm:cxn modelId="{A42BDB4C-B43C-2343-9FC4-2B196AB1DEC1}" type="presOf" srcId="{751B48B7-51CF-8F43-81E1-4E829340731D}" destId="{AAB7B6BE-73AC-FD48-8868-D26FFBCAEE7B}" srcOrd="0" destOrd="0" presId="urn:microsoft.com/office/officeart/2005/8/layout/vProcess5"/>
+    <dgm:cxn modelId="{B46BC871-F6A1-2A45-8794-E723751344DA}" type="presOf" srcId="{0C9DB628-107A-394D-9DE4-D764D8966AE5}" destId="{F7396D1B-13AC-434E-91C0-E3AC39ED3FF8}" srcOrd="0" destOrd="0" presId="urn:microsoft.com/office/officeart/2005/8/layout/vProcess5"/>
     <dgm:cxn modelId="{8811E354-CE42-8942-ADC7-D251A0B45C3C}" type="presOf" srcId="{EF1185AE-C50F-F545-A7DF-F773CFDD6ACB}" destId="{FBB442C6-6A8B-964D-B6A3-A50052BF110E}" srcOrd="0" destOrd="0" presId="urn:microsoft.com/office/officeart/2005/8/layout/vProcess5"/>
-    <dgm:cxn modelId="{D928AB66-0455-5542-B77F-683C188574AD}" type="presOf" srcId="{C17FEE4A-8A09-5645-87B4-1B77E7E9E30B}" destId="{CD96E06C-62BE-4F41-AD4F-A595088DF385}" srcOrd="1" destOrd="0" presId="urn:microsoft.com/office/officeart/2005/8/layout/vProcess5"/>
-    <dgm:cxn modelId="{B46BC871-F6A1-2A45-8794-E723751344DA}" type="presOf" srcId="{0C9DB628-107A-394D-9DE4-D764D8966AE5}" destId="{F7396D1B-13AC-434E-91C0-E3AC39ED3FF8}" srcOrd="0" destOrd="0" presId="urn:microsoft.com/office/officeart/2005/8/layout/vProcess5"/>
     <dgm:cxn modelId="{BB4DA286-80B9-9046-8BA6-53F06B3350E9}" type="presOf" srcId="{C1C7179B-41DD-6C4A-8732-AF83FF30EE4B}" destId="{038A1066-8266-7640-9E1A-8972A37E2DD2}" srcOrd="0" destOrd="0" presId="urn:microsoft.com/office/officeart/2005/8/layout/vProcess5"/>
     <dgm:cxn modelId="{8794E589-0AF3-B845-AB8D-AEE4DC42670E}" type="presOf" srcId="{DBD4B207-E739-4448-B73A-A1908D0C19C9}" destId="{7C74D5C8-F840-974A-A259-3017936A67E8}" srcOrd="0" destOrd="0" presId="urn:microsoft.com/office/officeart/2005/8/layout/vProcess5"/>
     <dgm:cxn modelId="{3B863E9C-2326-594B-A032-7299C88654B6}" srcId="{DBD4B207-E739-4448-B73A-A1908D0C19C9}" destId="{751B48B7-51CF-8F43-81E1-4E829340731D}" srcOrd="1" destOrd="0" parTransId="{8BBB9420-C289-DF43-9FE5-244DED554876}" sibTransId="{6069F0F9-2F9B-F940-A604-665D3CECDA12}"/>
@@ -5732,38 +5732,38 @@
     <dgm:cxn modelId="{EB4AC73A-8536-9544-81CE-BCB700F0DF17}" srcId="{71AAE4DF-DDA9-4949-AD48-6F122CAFD057}" destId="{BA69E4BF-DAB0-7E47-9C50-10FBF59DA58F}" srcOrd="6" destOrd="0" parTransId="{41A38DEB-04F1-A74F-9C95-6A3925EE8857}" sibTransId="{873BDE57-7CC2-0440-82CE-B658469E3861}"/>
     <dgm:cxn modelId="{8DF24F3C-496F-4D41-90D4-4919AB497003}" srcId="{28D5221A-BD74-3D4B-AFB4-4550713B6A46}" destId="{63F9CB0A-1442-A443-A2CC-BDA05E7E2202}" srcOrd="0" destOrd="0" parTransId="{DEC80EDC-48A9-6F4A-91F3-FF9EC7B7432C}" sibTransId="{C71E81B2-057C-1B40-80B5-D59FE4EC5B01}"/>
     <dgm:cxn modelId="{6A2AF43C-CE6C-944C-BB0D-526B75DCB36A}" srcId="{0A895738-3D40-E74A-B397-D507CCF0DD94}" destId="{CFD95037-DBE9-9446-AB53-4E6BACDF12FC}" srcOrd="1" destOrd="0" parTransId="{E46D758E-046D-8F4C-A24E-EA349855564C}" sibTransId="{59C68D5B-CC5D-F348-9F50-AF51690F1EB8}"/>
+    <dgm:cxn modelId="{5A4CED5E-3FCA-DF42-B300-CBA2CCBCF4CA}" type="presOf" srcId="{C6FE8727-257A-8047-8E43-E27FCE69CC84}" destId="{DAB8C1E6-595B-3749-86CB-01C31DF4F5B6}" srcOrd="0" destOrd="10" presId="urn:microsoft.com/office/officeart/2005/8/layout/hList1"/>
+    <dgm:cxn modelId="{DA009D5F-BC16-F94D-9B7D-725A2D7BAB65}" srcId="{63F9CB0A-1442-A443-A2CC-BDA05E7E2202}" destId="{5B289611-B3C7-5F49-B2B2-5E26789841AA}" srcOrd="7" destOrd="0" parTransId="{03D39601-6438-A146-BE76-1F45672854BA}" sibTransId="{4D2CDD66-84BF-D644-91EE-CD39B324C580}"/>
     <dgm:cxn modelId="{0DCF8941-1736-0447-BC18-8F489BCE9C30}" srcId="{71AAE4DF-DDA9-4949-AD48-6F122CAFD057}" destId="{38D892D8-ED0F-6F41-B291-C9FF143724CA}" srcOrd="1" destOrd="0" parTransId="{3859C20E-5D4C-C546-BC75-63B20C1FFD6C}" sibTransId="{450E1B8C-513C-E049-9694-A8036905AB43}"/>
     <dgm:cxn modelId="{F58F9E42-9737-FD4E-8C56-50ABD310EB64}" type="presOf" srcId="{74B7F226-0836-874F-A3BF-207C591BB9FB}" destId="{635F0EEB-03D4-EB4D-9D46-58D81B829861}" srcOrd="0" destOrd="0" presId="urn:microsoft.com/office/officeart/2005/8/layout/hList1"/>
     <dgm:cxn modelId="{9182CE42-8264-0749-8D1B-72CF381A2FE1}" type="presOf" srcId="{ECA19826-E131-3143-8170-6FB978E3B754}" destId="{2B6E9592-A682-6345-BF16-231F2137BE1B}" srcOrd="0" destOrd="3" presId="urn:microsoft.com/office/officeart/2005/8/layout/hList1"/>
+    <dgm:cxn modelId="{DE5FED62-22E0-9847-B18B-8944F01FED78}" srcId="{71AAE4DF-DDA9-4949-AD48-6F122CAFD057}" destId="{1A8C27D0-72C6-5044-8526-797A288D9FB8}" srcOrd="8" destOrd="0" parTransId="{BF4D1E34-1730-3149-B143-4DA14F6CC138}" sibTransId="{3F1D6CBC-1C47-F240-A5D3-7F3BE51E15C7}"/>
     <dgm:cxn modelId="{AA1C1B43-00AA-CD43-BADA-3CABCF9DEA3F}" srcId="{71AAE4DF-DDA9-4949-AD48-6F122CAFD057}" destId="{DFBDC719-3909-9848-9B3E-9161F2C816B5}" srcOrd="0" destOrd="0" parTransId="{E3501F49-5B79-1A42-9160-8689D5B425AE}" sibTransId="{F9A939A6-370A-9646-A802-335EC3E76F01}"/>
     <dgm:cxn modelId="{ACB83243-3E15-0047-B126-0DB74F786719}" type="presOf" srcId="{33F87B13-A418-8349-B69D-B780D63F2FDA}" destId="{635F0EEB-03D4-EB4D-9D46-58D81B829861}" srcOrd="0" destOrd="3" presId="urn:microsoft.com/office/officeart/2005/8/layout/hList1"/>
     <dgm:cxn modelId="{1455AE45-EF51-E04B-9D63-6CD0F1941968}" srcId="{EE002E70-1BA6-414C-9812-44CC66DBF2F7}" destId="{B39BE120-7AA2-5844-B3DE-0FADA010FAFF}" srcOrd="6" destOrd="0" parTransId="{7B870378-EE58-894F-91E1-6AE0EF0BE966}" sibTransId="{09EB3438-EB29-9140-ACF3-893E96C366B4}"/>
+    <dgm:cxn modelId="{698E1966-86C6-2547-AC00-2FEF6A911E04}" type="presOf" srcId="{350484AC-729C-1E4F-8F60-D25F1B7D92AC}" destId="{2B6E9592-A682-6345-BF16-231F2137BE1B}" srcOrd="0" destOrd="11" presId="urn:microsoft.com/office/officeart/2005/8/layout/hList1"/>
     <dgm:cxn modelId="{11B74846-CE22-5F41-ADAE-817B401D7A78}" type="presOf" srcId="{DB8F49CC-0EAE-C943-8887-E112FC932742}" destId="{2B6E9592-A682-6345-BF16-231F2137BE1B}" srcOrd="0" destOrd="18" presId="urn:microsoft.com/office/officeart/2005/8/layout/hList1"/>
+    <dgm:cxn modelId="{FB0F6167-DA1A-8046-AF67-2950F6C79EE0}" srcId="{EE002E70-1BA6-414C-9812-44CC66DBF2F7}" destId="{EE9B25DB-61EB-1045-BC70-1F3C64B65356}" srcOrd="7" destOrd="0" parTransId="{F7053BE5-057A-1C40-8803-5A4671AC87C8}" sibTransId="{30DDA3EF-ED21-0745-811B-C8E5175528D3}"/>
     <dgm:cxn modelId="{F75B6747-C927-AC44-8EFF-83123EFDFCA4}" type="presOf" srcId="{DE92C2D8-B338-3D4D-9994-8CB589DBF76F}" destId="{635F0EEB-03D4-EB4D-9D46-58D81B829861}" srcOrd="0" destOrd="7" presId="urn:microsoft.com/office/officeart/2005/8/layout/hList1"/>
+    <dgm:cxn modelId="{B4623368-49AF-8745-97B2-A793E8F4A78A}" srcId="{713F20A0-BF72-EE43-A8DD-AF185C4B82DC}" destId="{EB634E8C-7C66-7248-9503-36E83DCFFDFA}" srcOrd="2" destOrd="0" parTransId="{A58FFCAF-CA74-D64B-BCBC-313FD4181AC0}" sibTransId="{C89FDDCB-23D7-5B4E-B676-48C917624C53}"/>
     <dgm:cxn modelId="{37DB8149-1371-0C44-8E51-10B8CEA46720}" type="presOf" srcId="{BA69E4BF-DAB0-7E47-9C50-10FBF59DA58F}" destId="{0ACA845D-9FC2-6344-8148-7E8CA16E5E7F}" srcOrd="0" destOrd="7" presId="urn:microsoft.com/office/officeart/2005/8/layout/hList1"/>
     <dgm:cxn modelId="{35AC254A-D83D-5949-A175-3E4E35EB11C1}" type="presOf" srcId="{47063CA0-0CBE-7D49-B314-4F9DB3528C0B}" destId="{0ACA845D-9FC2-6344-8148-7E8CA16E5E7F}" srcOrd="0" destOrd="11" presId="urn:microsoft.com/office/officeart/2005/8/layout/hList1"/>
+    <dgm:cxn modelId="{F0A3286B-BA3C-FD4D-928F-03586CEEC86B}" srcId="{A6D7846F-3016-9146-9509-5F44F23CA934}" destId="{DB8F49CC-0EAE-C943-8887-E112FC932742}" srcOrd="0" destOrd="0" parTransId="{E3E04408-6FAC-664A-9207-A94A01C510DF}" sibTransId="{6FF47A1D-092D-9048-B35D-3C0D6759CB27}"/>
+    <dgm:cxn modelId="{CFC25A6B-9F2E-1F48-B29C-5490C5C944B0}" type="presOf" srcId="{8D2B03F3-2622-FD40-8963-81F8268332EB}" destId="{2B6E9592-A682-6345-BF16-231F2137BE1B}" srcOrd="0" destOrd="5" presId="urn:microsoft.com/office/officeart/2005/8/layout/hList1"/>
     <dgm:cxn modelId="{5A8B324C-9A73-EC43-AD3F-904C10AB887D}" srcId="{8FCAC36B-883B-CB49-B2A9-1726890C69CC}" destId="{A6D7846F-3016-9146-9509-5F44F23CA934}" srcOrd="2" destOrd="0" parTransId="{C7B8E429-BAE6-E549-A96E-B092531533E0}" sibTransId="{46DE24CA-6CE7-3D46-9E35-9921E19A126E}"/>
     <dgm:cxn modelId="{A62C614F-8881-024F-8DC0-C829BF89A990}" type="presOf" srcId="{016DAD64-638E-6240-8EF1-2E8C1B9034C7}" destId="{DAB8C1E6-595B-3749-86CB-01C31DF4F5B6}" srcOrd="0" destOrd="1" presId="urn:microsoft.com/office/officeart/2005/8/layout/hList1"/>
+    <dgm:cxn modelId="{572FEC6F-8262-404D-8F02-18EDD128C399}" srcId="{EE002E70-1BA6-414C-9812-44CC66DBF2F7}" destId="{1A5BA3FE-2D76-3845-96BA-348535CEB8D1}" srcOrd="8" destOrd="0" parTransId="{33965CB0-F7AF-C142-B4EE-6D0EF10D84F5}" sibTransId="{649EEE7D-1563-4248-929D-5CD9299F51A6}"/>
     <dgm:cxn modelId="{4A021050-6BB4-F74E-9BD3-172BBE6445EB}" type="presOf" srcId="{8FCAC36B-883B-CB49-B2A9-1726890C69CC}" destId="{F52438EA-4F92-C240-AFC6-A4B2AEE6AE1C}" srcOrd="0" destOrd="0" presId="urn:microsoft.com/office/officeart/2005/8/layout/hList1"/>
+    <dgm:cxn modelId="{7981D070-E1DA-F441-A142-C50A813AD130}" type="presOf" srcId="{9E251CFC-2A5F-6C42-99D3-BF9BD8EA3EBF}" destId="{DAB8C1E6-595B-3749-86CB-01C31DF4F5B6}" srcOrd="0" destOrd="4" presId="urn:microsoft.com/office/officeart/2005/8/layout/hList1"/>
+    <dgm:cxn modelId="{FD242F71-EE05-3744-BB89-9DE25B5B883E}" type="presOf" srcId="{730D7575-CD34-6C45-9E2D-E56BBC486051}" destId="{0ACA845D-9FC2-6344-8148-7E8CA16E5E7F}" srcOrd="0" destOrd="3" presId="urn:microsoft.com/office/officeart/2005/8/layout/hList1"/>
+    <dgm:cxn modelId="{E2D06871-2BE9-2F41-B849-B0A88E7ED468}" srcId="{63F9CB0A-1442-A443-A2CC-BDA05E7E2202}" destId="{016DAD64-638E-6240-8EF1-2E8C1B9034C7}" srcOrd="0" destOrd="0" parTransId="{DD27D5DA-3834-AB41-828E-98111BE13A1F}" sibTransId="{85689B27-C725-8E4A-A5B6-FB715F75B1B6}"/>
+    <dgm:cxn modelId="{17C6DA72-945A-DE49-901E-57CE0D6BFAD0}" srcId="{819E0C5A-1403-8E41-AAA1-DCD6DD60F058}" destId="{8FCAC36B-883B-CB49-B2A9-1726890C69CC}" srcOrd="3" destOrd="0" parTransId="{E8A03A2C-CA25-EF4D-BF6A-78335E2FE77E}" sibTransId="{D384A8A0-6BAF-884B-BCF0-7AFB8CACFA43}"/>
+    <dgm:cxn modelId="{31264873-1CCA-0944-A0B2-E46D826F39BE}" srcId="{71AAE4DF-DDA9-4949-AD48-6F122CAFD057}" destId="{89E0EB89-7578-E44F-95F9-AF1B2C0F7218}" srcOrd="3" destOrd="0" parTransId="{1EE453C3-B777-2F4F-A36B-B9FDAC3C9150}" sibTransId="{B87A37A3-39B3-B348-903D-BCECF88EB2CC}"/>
     <dgm:cxn modelId="{74B1EC53-1C8F-1F4A-B1CC-C8B5BE590143}" type="presOf" srcId="{6DFC3944-BEA1-F940-ACC7-4FABDF550A56}" destId="{313A1F4D-7CB2-F642-B354-0BDB9ACDF771}" srcOrd="0" destOrd="2" presId="urn:microsoft.com/office/officeart/2005/8/layout/hList1"/>
     <dgm:cxn modelId="{799A2054-F982-8F46-B1C0-73F1B68A7EAC}" type="presOf" srcId="{1A8C27D0-72C6-5044-8526-797A288D9FB8}" destId="{0ACA845D-9FC2-6344-8148-7E8CA16E5E7F}" srcOrd="0" destOrd="9" presId="urn:microsoft.com/office/officeart/2005/8/layout/hList1"/>
     <dgm:cxn modelId="{E8A40256-DAA7-BE47-8BA7-2A4A854BE47B}" type="presOf" srcId="{C835637C-F65B-4A4C-999A-7798918F06BA}" destId="{0ACA845D-9FC2-6344-8148-7E8CA16E5E7F}" srcOrd="0" destOrd="13" presId="urn:microsoft.com/office/officeart/2005/8/layout/hList1"/>
     <dgm:cxn modelId="{318D0458-4882-9241-B8F1-A29B8088BB8D}" srcId="{EE002E70-1BA6-414C-9812-44CC66DBF2F7}" destId="{8F7E1E02-2D70-E04C-90D8-652953180D13}" srcOrd="13" destOrd="0" parTransId="{F80D8DF8-3180-604A-B834-4B3FB4A29CB8}" sibTransId="{93CC8377-6516-F14B-A912-AEC5AE8C1DA1}"/>
     <dgm:cxn modelId="{0C0B6A58-4CDB-DF4E-9B2F-5157383B2868}" srcId="{EE002E70-1BA6-414C-9812-44CC66DBF2F7}" destId="{ECA19826-E131-3143-8170-6FB978E3B754}" srcOrd="2" destOrd="0" parTransId="{A195020A-7C37-EB48-8F08-FC8230E32CC9}" sibTransId="{0FE27D84-46BF-8849-8331-1A5FC8DD2C73}"/>
-    <dgm:cxn modelId="{5A4CED5E-3FCA-DF42-B300-CBA2CCBCF4CA}" type="presOf" srcId="{C6FE8727-257A-8047-8E43-E27FCE69CC84}" destId="{DAB8C1E6-595B-3749-86CB-01C31DF4F5B6}" srcOrd="0" destOrd="10" presId="urn:microsoft.com/office/officeart/2005/8/layout/hList1"/>
-    <dgm:cxn modelId="{DA009D5F-BC16-F94D-9B7D-725A2D7BAB65}" srcId="{63F9CB0A-1442-A443-A2CC-BDA05E7E2202}" destId="{5B289611-B3C7-5F49-B2B2-5E26789841AA}" srcOrd="7" destOrd="0" parTransId="{03D39601-6438-A146-BE76-1F45672854BA}" sibTransId="{4D2CDD66-84BF-D644-91EE-CD39B324C580}"/>
-    <dgm:cxn modelId="{DE5FED62-22E0-9847-B18B-8944F01FED78}" srcId="{71AAE4DF-DDA9-4949-AD48-6F122CAFD057}" destId="{1A8C27D0-72C6-5044-8526-797A288D9FB8}" srcOrd="8" destOrd="0" parTransId="{BF4D1E34-1730-3149-B143-4DA14F6CC138}" sibTransId="{3F1D6CBC-1C47-F240-A5D3-7F3BE51E15C7}"/>
-    <dgm:cxn modelId="{698E1966-86C6-2547-AC00-2FEF6A911E04}" type="presOf" srcId="{350484AC-729C-1E4F-8F60-D25F1B7D92AC}" destId="{2B6E9592-A682-6345-BF16-231F2137BE1B}" srcOrd="0" destOrd="11" presId="urn:microsoft.com/office/officeart/2005/8/layout/hList1"/>
-    <dgm:cxn modelId="{FB0F6167-DA1A-8046-AF67-2950F6C79EE0}" srcId="{EE002E70-1BA6-414C-9812-44CC66DBF2F7}" destId="{EE9B25DB-61EB-1045-BC70-1F3C64B65356}" srcOrd="7" destOrd="0" parTransId="{F7053BE5-057A-1C40-8803-5A4671AC87C8}" sibTransId="{30DDA3EF-ED21-0745-811B-C8E5175528D3}"/>
-    <dgm:cxn modelId="{B4623368-49AF-8745-97B2-A793E8F4A78A}" srcId="{713F20A0-BF72-EE43-A8DD-AF185C4B82DC}" destId="{EB634E8C-7C66-7248-9503-36E83DCFFDFA}" srcOrd="2" destOrd="0" parTransId="{A58FFCAF-CA74-D64B-BCBC-313FD4181AC0}" sibTransId="{C89FDDCB-23D7-5B4E-B676-48C917624C53}"/>
-    <dgm:cxn modelId="{F0A3286B-BA3C-FD4D-928F-03586CEEC86B}" srcId="{A6D7846F-3016-9146-9509-5F44F23CA934}" destId="{DB8F49CC-0EAE-C943-8887-E112FC932742}" srcOrd="0" destOrd="0" parTransId="{E3E04408-6FAC-664A-9207-A94A01C510DF}" sibTransId="{6FF47A1D-092D-9048-B35D-3C0D6759CB27}"/>
-    <dgm:cxn modelId="{CFC25A6B-9F2E-1F48-B29C-5490C5C944B0}" type="presOf" srcId="{8D2B03F3-2622-FD40-8963-81F8268332EB}" destId="{2B6E9592-A682-6345-BF16-231F2137BE1B}" srcOrd="0" destOrd="5" presId="urn:microsoft.com/office/officeart/2005/8/layout/hList1"/>
-    <dgm:cxn modelId="{572FEC6F-8262-404D-8F02-18EDD128C399}" srcId="{EE002E70-1BA6-414C-9812-44CC66DBF2F7}" destId="{1A5BA3FE-2D76-3845-96BA-348535CEB8D1}" srcOrd="8" destOrd="0" parTransId="{33965CB0-F7AF-C142-B4EE-6D0EF10D84F5}" sibTransId="{649EEE7D-1563-4248-929D-5CD9299F51A6}"/>
-    <dgm:cxn modelId="{7981D070-E1DA-F441-A142-C50A813AD130}" type="presOf" srcId="{9E251CFC-2A5F-6C42-99D3-BF9BD8EA3EBF}" destId="{DAB8C1E6-595B-3749-86CB-01C31DF4F5B6}" srcOrd="0" destOrd="4" presId="urn:microsoft.com/office/officeart/2005/8/layout/hList1"/>
-    <dgm:cxn modelId="{FD242F71-EE05-3744-BB89-9DE25B5B883E}" type="presOf" srcId="{730D7575-CD34-6C45-9E2D-E56BBC486051}" destId="{0ACA845D-9FC2-6344-8148-7E8CA16E5E7F}" srcOrd="0" destOrd="3" presId="urn:microsoft.com/office/officeart/2005/8/layout/hList1"/>
-    <dgm:cxn modelId="{E2D06871-2BE9-2F41-B849-B0A88E7ED468}" srcId="{63F9CB0A-1442-A443-A2CC-BDA05E7E2202}" destId="{016DAD64-638E-6240-8EF1-2E8C1B9034C7}" srcOrd="0" destOrd="0" parTransId="{DD27D5DA-3834-AB41-828E-98111BE13A1F}" sibTransId="{85689B27-C725-8E4A-A5B6-FB715F75B1B6}"/>
-    <dgm:cxn modelId="{17C6DA72-945A-DE49-901E-57CE0D6BFAD0}" srcId="{819E0C5A-1403-8E41-AAA1-DCD6DD60F058}" destId="{8FCAC36B-883B-CB49-B2A9-1726890C69CC}" srcOrd="3" destOrd="0" parTransId="{E8A03A2C-CA25-EF4D-BF6A-78335E2FE77E}" sibTransId="{D384A8A0-6BAF-884B-BCF0-7AFB8CACFA43}"/>
-    <dgm:cxn modelId="{31264873-1CCA-0944-A0B2-E46D826F39BE}" srcId="{71AAE4DF-DDA9-4949-AD48-6F122CAFD057}" destId="{89E0EB89-7578-E44F-95F9-AF1B2C0F7218}" srcOrd="3" destOrd="0" parTransId="{1EE453C3-B777-2F4F-A36B-B9FDAC3C9150}" sibTransId="{B87A37A3-39B3-B348-903D-BCECF88EB2CC}"/>
     <dgm:cxn modelId="{8B42517F-F876-9C48-9CD3-43A4A4AD6A5D}" type="presOf" srcId="{D50A149E-1F4A-7548-A154-30DBAE9D26A1}" destId="{2B6E9592-A682-6345-BF16-231F2137BE1B}" srcOrd="0" destOrd="10" presId="urn:microsoft.com/office/officeart/2005/8/layout/hList1"/>
     <dgm:cxn modelId="{68BCD77F-2039-B847-8E91-B391164CFC70}" srcId="{EE002E70-1BA6-414C-9812-44CC66DBF2F7}" destId="{E5B71C87-286A-504C-9FED-D8FBE221DF2E}" srcOrd="3" destOrd="0" parTransId="{9D8232D3-F16E-DE4A-9828-76D8F6823B26}" sibTransId="{22FC9835-6A9E-0245-9C89-EA136571E5E4}"/>
     <dgm:cxn modelId="{4C10B282-7DAF-6648-A847-A56EE0789185}" srcId="{71AAE4DF-DDA9-4949-AD48-6F122CAFD057}" destId="{0CCE534D-A193-4E48-BA6E-8D74D4A58C31}" srcOrd="4" destOrd="0" parTransId="{7BE8AED7-E6D9-E14A-95D7-BEFD8641E486}" sibTransId="{DC5B541F-E831-4E42-8982-F78C49A275C2}"/>
@@ -7267,26 +7267,26 @@
     <dgm:cxn modelId="{DE78263C-5519-0C4D-9F5E-8A21641CCE56}" type="presOf" srcId="{4DF8BBC8-0E97-4B4B-8618-619389319A3E}" destId="{0ACA845D-9FC2-6344-8148-7E8CA16E5E7F}" srcOrd="0" destOrd="5" presId="urn:microsoft.com/office/officeart/2005/8/layout/hList1"/>
     <dgm:cxn modelId="{0DCF8941-1736-0447-BC18-8F489BCE9C30}" srcId="{71AAE4DF-DDA9-4949-AD48-6F122CAFD057}" destId="{38D892D8-ED0F-6F41-B291-C9FF143724CA}" srcOrd="1" destOrd="0" parTransId="{3859C20E-5D4C-C546-BC75-63B20C1FFD6C}" sibTransId="{450E1B8C-513C-E049-9694-A8036905AB43}"/>
     <dgm:cxn modelId="{9182CE42-8264-0749-8D1B-72CF381A2FE1}" type="presOf" srcId="{ECA19826-E131-3143-8170-6FB978E3B754}" destId="{2B6E9592-A682-6345-BF16-231F2137BE1B}" srcOrd="0" destOrd="3" presId="urn:microsoft.com/office/officeart/2005/8/layout/hList1"/>
+    <dgm:cxn modelId="{DE5FED62-22E0-9847-B18B-8944F01FED78}" srcId="{71AAE4DF-DDA9-4949-AD48-6F122CAFD057}" destId="{1A8C27D0-72C6-5044-8526-797A288D9FB8}" srcOrd="7" destOrd="0" parTransId="{BF4D1E34-1730-3149-B143-4DA14F6CC138}" sibTransId="{3F1D6CBC-1C47-F240-A5D3-7F3BE51E15C7}"/>
     <dgm:cxn modelId="{AA1C1B43-00AA-CD43-BADA-3CABCF9DEA3F}" srcId="{71AAE4DF-DDA9-4949-AD48-6F122CAFD057}" destId="{DFBDC719-3909-9848-9B3E-9161F2C816B5}" srcOrd="0" destOrd="0" parTransId="{E3501F49-5B79-1A42-9160-8689D5B425AE}" sibTransId="{F9A939A6-370A-9646-A802-335EC3E76F01}"/>
     <dgm:cxn modelId="{1455AE45-EF51-E04B-9D63-6CD0F1941968}" srcId="{EE002E70-1BA6-414C-9812-44CC66DBF2F7}" destId="{B39BE120-7AA2-5844-B3DE-0FADA010FAFF}" srcOrd="6" destOrd="0" parTransId="{7B870378-EE58-894F-91E1-6AE0EF0BE966}" sibTransId="{09EB3438-EB29-9140-ACF3-893E96C366B4}"/>
+    <dgm:cxn modelId="{698E1966-86C6-2547-AC00-2FEF6A911E04}" type="presOf" srcId="{350484AC-729C-1E4F-8F60-D25F1B7D92AC}" destId="{2B6E9592-A682-6345-BF16-231F2137BE1B}" srcOrd="0" destOrd="11" presId="urn:microsoft.com/office/officeart/2005/8/layout/hList1"/>
     <dgm:cxn modelId="{11B74846-CE22-5F41-ADAE-817B401D7A78}" type="presOf" srcId="{DB8F49CC-0EAE-C943-8887-E112FC932742}" destId="{2B6E9592-A682-6345-BF16-231F2137BE1B}" srcOrd="0" destOrd="18" presId="urn:microsoft.com/office/officeart/2005/8/layout/hList1"/>
+    <dgm:cxn modelId="{FB0F6167-DA1A-8046-AF67-2950F6C79EE0}" srcId="{EE002E70-1BA6-414C-9812-44CC66DBF2F7}" destId="{EE9B25DB-61EB-1045-BC70-1F3C64B65356}" srcOrd="7" destOrd="0" parTransId="{F7053BE5-057A-1C40-8803-5A4671AC87C8}" sibTransId="{30DDA3EF-ED21-0745-811B-C8E5175528D3}"/>
     <dgm:cxn modelId="{37DB8149-1371-0C44-8E51-10B8CEA46720}" type="presOf" srcId="{BA69E4BF-DAB0-7E47-9C50-10FBF59DA58F}" destId="{0ACA845D-9FC2-6344-8148-7E8CA16E5E7F}" srcOrd="0" destOrd="6" presId="urn:microsoft.com/office/officeart/2005/8/layout/hList1"/>
     <dgm:cxn modelId="{35AC254A-D83D-5949-A175-3E4E35EB11C1}" type="presOf" srcId="{47063CA0-0CBE-7D49-B314-4F9DB3528C0B}" destId="{0ACA845D-9FC2-6344-8148-7E8CA16E5E7F}" srcOrd="0" destOrd="11" presId="urn:microsoft.com/office/officeart/2005/8/layout/hList1"/>
+    <dgm:cxn modelId="{F0A3286B-BA3C-FD4D-928F-03586CEEC86B}" srcId="{A6D7846F-3016-9146-9509-5F44F23CA934}" destId="{DB8F49CC-0EAE-C943-8887-E112FC932742}" srcOrd="0" destOrd="0" parTransId="{E3E04408-6FAC-664A-9207-A94A01C510DF}" sibTransId="{6FF47A1D-092D-9048-B35D-3C0D6759CB27}"/>
+    <dgm:cxn modelId="{CFC25A6B-9F2E-1F48-B29C-5490C5C944B0}" type="presOf" srcId="{8D2B03F3-2622-FD40-8963-81F8268332EB}" destId="{2B6E9592-A682-6345-BF16-231F2137BE1B}" srcOrd="0" destOrd="5" presId="urn:microsoft.com/office/officeart/2005/8/layout/hList1"/>
     <dgm:cxn modelId="{5A8B324C-9A73-EC43-AD3F-904C10AB887D}" srcId="{8FCAC36B-883B-CB49-B2A9-1726890C69CC}" destId="{A6D7846F-3016-9146-9509-5F44F23CA934}" srcOrd="2" destOrd="0" parTransId="{C7B8E429-BAE6-E549-A96E-B092531533E0}" sibTransId="{46DE24CA-6CE7-3D46-9E35-9921E19A126E}"/>
+    <dgm:cxn modelId="{572FEC6F-8262-404D-8F02-18EDD128C399}" srcId="{EE002E70-1BA6-414C-9812-44CC66DBF2F7}" destId="{1A5BA3FE-2D76-3845-96BA-348535CEB8D1}" srcOrd="8" destOrd="0" parTransId="{33965CB0-F7AF-C142-B4EE-6D0EF10D84F5}" sibTransId="{649EEE7D-1563-4248-929D-5CD9299F51A6}"/>
     <dgm:cxn modelId="{4A021050-6BB4-F74E-9BD3-172BBE6445EB}" type="presOf" srcId="{8FCAC36B-883B-CB49-B2A9-1726890C69CC}" destId="{F52438EA-4F92-C240-AFC6-A4B2AEE6AE1C}" srcOrd="0" destOrd="0" presId="urn:microsoft.com/office/officeart/2005/8/layout/hList1"/>
+    <dgm:cxn modelId="{17C6DA72-945A-DE49-901E-57CE0D6BFAD0}" srcId="{819E0C5A-1403-8E41-AAA1-DCD6DD60F058}" destId="{8FCAC36B-883B-CB49-B2A9-1726890C69CC}" srcOrd="0" destOrd="0" parTransId="{E8A03A2C-CA25-EF4D-BF6A-78335E2FE77E}" sibTransId="{D384A8A0-6BAF-884B-BCF0-7AFB8CACFA43}"/>
+    <dgm:cxn modelId="{31264873-1CCA-0944-A0B2-E46D826F39BE}" srcId="{71AAE4DF-DDA9-4949-AD48-6F122CAFD057}" destId="{89E0EB89-7578-E44F-95F9-AF1B2C0F7218}" srcOrd="2" destOrd="0" parTransId="{1EE453C3-B777-2F4F-A36B-B9FDAC3C9150}" sibTransId="{B87A37A3-39B3-B348-903D-BCECF88EB2CC}"/>
     <dgm:cxn modelId="{799A2054-F982-8F46-B1C0-73F1B68A7EAC}" type="presOf" srcId="{1A8C27D0-72C6-5044-8526-797A288D9FB8}" destId="{0ACA845D-9FC2-6344-8148-7E8CA16E5E7F}" srcOrd="0" destOrd="8" presId="urn:microsoft.com/office/officeart/2005/8/layout/hList1"/>
     <dgm:cxn modelId="{E8A40256-DAA7-BE47-8BA7-2A4A854BE47B}" type="presOf" srcId="{C835637C-F65B-4A4C-999A-7798918F06BA}" destId="{0ACA845D-9FC2-6344-8148-7E8CA16E5E7F}" srcOrd="0" destOrd="13" presId="urn:microsoft.com/office/officeart/2005/8/layout/hList1"/>
     <dgm:cxn modelId="{96299356-DBF7-7D4D-A130-30D7F9F1BFF4}" srcId="{71AAE4DF-DDA9-4949-AD48-6F122CAFD057}" destId="{4DF8BBC8-0E97-4B4B-8618-619389319A3E}" srcOrd="4" destOrd="0" parTransId="{6D103AB3-7690-3248-9072-663FDEDFDCB8}" sibTransId="{8CB87E1D-C919-C648-B34A-66D1E93A0CB0}"/>
     <dgm:cxn modelId="{318D0458-4882-9241-B8F1-A29B8088BB8D}" srcId="{EE002E70-1BA6-414C-9812-44CC66DBF2F7}" destId="{8F7E1E02-2D70-E04C-90D8-652953180D13}" srcOrd="13" destOrd="0" parTransId="{F80D8DF8-3180-604A-B834-4B3FB4A29CB8}" sibTransId="{93CC8377-6516-F14B-A912-AEC5AE8C1DA1}"/>
     <dgm:cxn modelId="{0C0B6A58-4CDB-DF4E-9B2F-5157383B2868}" srcId="{EE002E70-1BA6-414C-9812-44CC66DBF2F7}" destId="{ECA19826-E131-3143-8170-6FB978E3B754}" srcOrd="2" destOrd="0" parTransId="{A195020A-7C37-EB48-8F08-FC8230E32CC9}" sibTransId="{0FE27D84-46BF-8849-8331-1A5FC8DD2C73}"/>
-    <dgm:cxn modelId="{DE5FED62-22E0-9847-B18B-8944F01FED78}" srcId="{71AAE4DF-DDA9-4949-AD48-6F122CAFD057}" destId="{1A8C27D0-72C6-5044-8526-797A288D9FB8}" srcOrd="7" destOrd="0" parTransId="{BF4D1E34-1730-3149-B143-4DA14F6CC138}" sibTransId="{3F1D6CBC-1C47-F240-A5D3-7F3BE51E15C7}"/>
-    <dgm:cxn modelId="{698E1966-86C6-2547-AC00-2FEF6A911E04}" type="presOf" srcId="{350484AC-729C-1E4F-8F60-D25F1B7D92AC}" destId="{2B6E9592-A682-6345-BF16-231F2137BE1B}" srcOrd="0" destOrd="11" presId="urn:microsoft.com/office/officeart/2005/8/layout/hList1"/>
-    <dgm:cxn modelId="{FB0F6167-DA1A-8046-AF67-2950F6C79EE0}" srcId="{EE002E70-1BA6-414C-9812-44CC66DBF2F7}" destId="{EE9B25DB-61EB-1045-BC70-1F3C64B65356}" srcOrd="7" destOrd="0" parTransId="{F7053BE5-057A-1C40-8803-5A4671AC87C8}" sibTransId="{30DDA3EF-ED21-0745-811B-C8E5175528D3}"/>
-    <dgm:cxn modelId="{F0A3286B-BA3C-FD4D-928F-03586CEEC86B}" srcId="{A6D7846F-3016-9146-9509-5F44F23CA934}" destId="{DB8F49CC-0EAE-C943-8887-E112FC932742}" srcOrd="0" destOrd="0" parTransId="{E3E04408-6FAC-664A-9207-A94A01C510DF}" sibTransId="{6FF47A1D-092D-9048-B35D-3C0D6759CB27}"/>
-    <dgm:cxn modelId="{CFC25A6B-9F2E-1F48-B29C-5490C5C944B0}" type="presOf" srcId="{8D2B03F3-2622-FD40-8963-81F8268332EB}" destId="{2B6E9592-A682-6345-BF16-231F2137BE1B}" srcOrd="0" destOrd="5" presId="urn:microsoft.com/office/officeart/2005/8/layout/hList1"/>
-    <dgm:cxn modelId="{572FEC6F-8262-404D-8F02-18EDD128C399}" srcId="{EE002E70-1BA6-414C-9812-44CC66DBF2F7}" destId="{1A5BA3FE-2D76-3845-96BA-348535CEB8D1}" srcOrd="8" destOrd="0" parTransId="{33965CB0-F7AF-C142-B4EE-6D0EF10D84F5}" sibTransId="{649EEE7D-1563-4248-929D-5CD9299F51A6}"/>
-    <dgm:cxn modelId="{17C6DA72-945A-DE49-901E-57CE0D6BFAD0}" srcId="{819E0C5A-1403-8E41-AAA1-DCD6DD60F058}" destId="{8FCAC36B-883B-CB49-B2A9-1726890C69CC}" srcOrd="0" destOrd="0" parTransId="{E8A03A2C-CA25-EF4D-BF6A-78335E2FE77E}" sibTransId="{D384A8A0-6BAF-884B-BCF0-7AFB8CACFA43}"/>
-    <dgm:cxn modelId="{31264873-1CCA-0944-A0B2-E46D826F39BE}" srcId="{71AAE4DF-DDA9-4949-AD48-6F122CAFD057}" destId="{89E0EB89-7578-E44F-95F9-AF1B2C0F7218}" srcOrd="2" destOrd="0" parTransId="{1EE453C3-B777-2F4F-A36B-B9FDAC3C9150}" sibTransId="{B87A37A3-39B3-B348-903D-BCECF88EB2CC}"/>
     <dgm:cxn modelId="{8B42517F-F876-9C48-9CD3-43A4A4AD6A5D}" type="presOf" srcId="{D50A149E-1F4A-7548-A154-30DBAE9D26A1}" destId="{2B6E9592-A682-6345-BF16-231F2137BE1B}" srcOrd="0" destOrd="10" presId="urn:microsoft.com/office/officeart/2005/8/layout/hList1"/>
     <dgm:cxn modelId="{68BCD77F-2039-B847-8E91-B391164CFC70}" srcId="{EE002E70-1BA6-414C-9812-44CC66DBF2F7}" destId="{E5B71C87-286A-504C-9FED-D8FBE221DF2E}" srcOrd="3" destOrd="0" parTransId="{9D8232D3-F16E-DE4A-9828-76D8F6823B26}" sibTransId="{22FC9835-6A9E-0245-9C89-EA136571E5E4}"/>
     <dgm:cxn modelId="{D32AB586-3E01-B24B-93C4-3AA3F809C4E2}" type="presOf" srcId="{EE002E70-1BA6-414C-9812-44CC66DBF2F7}" destId="{2B6E9592-A682-6345-BF16-231F2137BE1B}" srcOrd="0" destOrd="0" presId="urn:microsoft.com/office/officeart/2005/8/layout/hList1"/>
@@ -15788,7 +15788,7 @@
           <a:p>
             <a:fld id="{73A294DA-5B1F-406C-B1D4-C938C7055EF9}" type="datetimeFigureOut">
               <a:rPr lang="es-ES" smtClean="0"/>
-              <a:t>7/1/23</a:t>
+              <a:t>07/01/2023</a:t>
             </a:fld>
             <a:endParaRPr lang="es-ES"/>
           </a:p>
@@ -15842,7 +15842,7 @@
           <a:p>
             <a:fld id="{B765FBBA-90D6-434F-9C14-208CEA536F2B}" type="slidenum">
               <a:rPr lang="es-ES" smtClean="0"/>
-              <a:t>‹Nº›</a:t>
+              <a:t>‹#›</a:t>
             </a:fld>
             <a:endParaRPr lang="es-ES"/>
           </a:p>
@@ -15988,7 +15988,7 @@
           <a:p>
             <a:fld id="{73A294DA-5B1F-406C-B1D4-C938C7055EF9}" type="datetimeFigureOut">
               <a:rPr lang="es-ES" smtClean="0"/>
-              <a:t>7/1/23</a:t>
+              <a:t>07/01/2023</a:t>
             </a:fld>
             <a:endParaRPr lang="es-ES"/>
           </a:p>
@@ -16042,7 +16042,7 @@
           <a:p>
             <a:fld id="{B765FBBA-90D6-434F-9C14-208CEA536F2B}" type="slidenum">
               <a:rPr lang="es-ES" smtClean="0"/>
-              <a:t>‹Nº›</a:t>
+              <a:t>‹#›</a:t>
             </a:fld>
             <a:endParaRPr lang="es-ES"/>
           </a:p>
@@ -16198,7 +16198,7 @@
           <a:p>
             <a:fld id="{73A294DA-5B1F-406C-B1D4-C938C7055EF9}" type="datetimeFigureOut">
               <a:rPr lang="es-ES" smtClean="0"/>
-              <a:t>7/1/23</a:t>
+              <a:t>07/01/2023</a:t>
             </a:fld>
             <a:endParaRPr lang="es-ES"/>
           </a:p>
@@ -16252,7 +16252,7 @@
           <a:p>
             <a:fld id="{B765FBBA-90D6-434F-9C14-208CEA536F2B}" type="slidenum">
               <a:rPr lang="es-ES" smtClean="0"/>
-              <a:t>‹Nº›</a:t>
+              <a:t>‹#›</a:t>
             </a:fld>
             <a:endParaRPr lang="es-ES"/>
           </a:p>
@@ -16398,7 +16398,7 @@
           <a:p>
             <a:fld id="{73A294DA-5B1F-406C-B1D4-C938C7055EF9}" type="datetimeFigureOut">
               <a:rPr lang="es-ES" smtClean="0"/>
-              <a:t>7/1/23</a:t>
+              <a:t>07/01/2023</a:t>
             </a:fld>
             <a:endParaRPr lang="es-ES"/>
           </a:p>
@@ -16452,7 +16452,7 @@
           <a:p>
             <a:fld id="{B765FBBA-90D6-434F-9C14-208CEA536F2B}" type="slidenum">
               <a:rPr lang="es-ES" smtClean="0"/>
-              <a:t>‹Nº›</a:t>
+              <a:t>‹#›</a:t>
             </a:fld>
             <a:endParaRPr lang="es-ES"/>
           </a:p>
@@ -16674,7 +16674,7 @@
           <a:p>
             <a:fld id="{73A294DA-5B1F-406C-B1D4-C938C7055EF9}" type="datetimeFigureOut">
               <a:rPr lang="es-ES" smtClean="0"/>
-              <a:t>7/1/23</a:t>
+              <a:t>07/01/2023</a:t>
             </a:fld>
             <a:endParaRPr lang="es-ES"/>
           </a:p>
@@ -16728,7 +16728,7 @@
           <a:p>
             <a:fld id="{B765FBBA-90D6-434F-9C14-208CEA536F2B}" type="slidenum">
               <a:rPr lang="es-ES" smtClean="0"/>
-              <a:t>‹Nº›</a:t>
+              <a:t>‹#›</a:t>
             </a:fld>
             <a:endParaRPr lang="es-ES"/>
           </a:p>
@@ -16942,7 +16942,7 @@
           <a:p>
             <a:fld id="{73A294DA-5B1F-406C-B1D4-C938C7055EF9}" type="datetimeFigureOut">
               <a:rPr lang="es-ES" smtClean="0"/>
-              <a:t>7/1/23</a:t>
+              <a:t>07/01/2023</a:t>
             </a:fld>
             <a:endParaRPr lang="es-ES"/>
           </a:p>
@@ -16996,7 +16996,7 @@
           <a:p>
             <a:fld id="{B765FBBA-90D6-434F-9C14-208CEA536F2B}" type="slidenum">
               <a:rPr lang="es-ES" smtClean="0"/>
-              <a:t>‹Nº›</a:t>
+              <a:t>‹#›</a:t>
             </a:fld>
             <a:endParaRPr lang="es-ES"/>
           </a:p>
@@ -17357,7 +17357,7 @@
           <a:p>
             <a:fld id="{73A294DA-5B1F-406C-B1D4-C938C7055EF9}" type="datetimeFigureOut">
               <a:rPr lang="es-ES" smtClean="0"/>
-              <a:t>7/1/23</a:t>
+              <a:t>07/01/2023</a:t>
             </a:fld>
             <a:endParaRPr lang="es-ES"/>
           </a:p>
@@ -17411,7 +17411,7 @@
           <a:p>
             <a:fld id="{B765FBBA-90D6-434F-9C14-208CEA536F2B}" type="slidenum">
               <a:rPr lang="es-ES" smtClean="0"/>
-              <a:t>‹Nº›</a:t>
+              <a:t>‹#›</a:t>
             </a:fld>
             <a:endParaRPr lang="es-ES"/>
           </a:p>
@@ -17499,7 +17499,7 @@
           <a:p>
             <a:fld id="{73A294DA-5B1F-406C-B1D4-C938C7055EF9}" type="datetimeFigureOut">
               <a:rPr lang="es-ES" smtClean="0"/>
-              <a:t>7/1/23</a:t>
+              <a:t>07/01/2023</a:t>
             </a:fld>
             <a:endParaRPr lang="es-ES"/>
           </a:p>
@@ -17553,7 +17553,7 @@
           <a:p>
             <a:fld id="{B765FBBA-90D6-434F-9C14-208CEA536F2B}" type="slidenum">
               <a:rPr lang="es-ES" smtClean="0"/>
-              <a:t>‹Nº›</a:t>
+              <a:t>‹#›</a:t>
             </a:fld>
             <a:endParaRPr lang="es-ES"/>
           </a:p>
@@ -17612,7 +17612,7 @@
           <a:p>
             <a:fld id="{73A294DA-5B1F-406C-B1D4-C938C7055EF9}" type="datetimeFigureOut">
               <a:rPr lang="es-ES" smtClean="0"/>
-              <a:t>7/1/23</a:t>
+              <a:t>07/01/2023</a:t>
             </a:fld>
             <a:endParaRPr lang="es-ES"/>
           </a:p>
@@ -17666,7 +17666,7 @@
           <a:p>
             <a:fld id="{B765FBBA-90D6-434F-9C14-208CEA536F2B}" type="slidenum">
               <a:rPr lang="es-ES" smtClean="0"/>
-              <a:t>‹Nº›</a:t>
+              <a:t>‹#›</a:t>
             </a:fld>
             <a:endParaRPr lang="es-ES"/>
           </a:p>
@@ -17925,7 +17925,7 @@
           <a:p>
             <a:fld id="{73A294DA-5B1F-406C-B1D4-C938C7055EF9}" type="datetimeFigureOut">
               <a:rPr lang="es-ES" smtClean="0"/>
-              <a:t>7/1/23</a:t>
+              <a:t>07/01/2023</a:t>
             </a:fld>
             <a:endParaRPr lang="es-ES"/>
           </a:p>
@@ -17979,7 +17979,7 @@
           <a:p>
             <a:fld id="{B765FBBA-90D6-434F-9C14-208CEA536F2B}" type="slidenum">
               <a:rPr lang="es-ES" smtClean="0"/>
-              <a:t>‹Nº›</a:t>
+              <a:t>‹#›</a:t>
             </a:fld>
             <a:endParaRPr lang="es-ES"/>
           </a:p>
@@ -18214,7 +18214,7 @@
           <a:p>
             <a:fld id="{73A294DA-5B1F-406C-B1D4-C938C7055EF9}" type="datetimeFigureOut">
               <a:rPr lang="es-ES" smtClean="0"/>
-              <a:t>7/1/23</a:t>
+              <a:t>07/01/2023</a:t>
             </a:fld>
             <a:endParaRPr lang="es-ES"/>
           </a:p>
@@ -18268,7 +18268,7 @@
           <a:p>
             <a:fld id="{B765FBBA-90D6-434F-9C14-208CEA536F2B}" type="slidenum">
               <a:rPr lang="es-ES" smtClean="0"/>
-              <a:t>‹Nº›</a:t>
+              <a:t>‹#›</a:t>
             </a:fld>
             <a:endParaRPr lang="es-ES"/>
           </a:p>
@@ -18457,7 +18457,7 @@
           <a:p>
             <a:fld id="{73A294DA-5B1F-406C-B1D4-C938C7055EF9}" type="datetimeFigureOut">
               <a:rPr lang="es-ES" smtClean="0"/>
-              <a:t>7/1/23</a:t>
+              <a:t>07/01/2023</a:t>
             </a:fld>
             <a:endParaRPr lang="es-ES"/>
           </a:p>
@@ -18547,7 +18547,7 @@
           <a:p>
             <a:fld id="{B765FBBA-90D6-434F-9C14-208CEA536F2B}" type="slidenum">
               <a:rPr lang="es-ES" smtClean="0"/>
-              <a:t>‹Nº›</a:t>
+              <a:t>‹#›</a:t>
             </a:fld>
             <a:endParaRPr lang="es-ES"/>
           </a:p>
@@ -19261,7 +19261,7 @@
         <p:spPr>
           <a:xfrm>
             <a:off x="440456" y="143702"/>
-            <a:ext cx="9559887" cy="523220"/>
+            <a:ext cx="9559887" cy="800219"/>
           </a:xfrm>
           <a:prstGeom prst="rect">
             <a:avLst/>
@@ -19283,55 +19283,15 @@
               <a:t>4. ANÁLISIS DE LOS DATOS</a:t>
             </a:r>
           </a:p>
-        </p:txBody>
-      </p:sp>
-      <p:sp>
-        <p:nvSpPr>
-          <p:cNvPr id="6" name="TextBox 5">
-            <a:extLst>
-              <a:ext uri="{FF2B5EF4-FFF2-40B4-BE49-F238E27FC236}">
-                <a16:creationId xmlns:a16="http://schemas.microsoft.com/office/drawing/2014/main" id="{1FA76770-F660-DB19-61AA-87990F00E84D}"/>
-              </a:ext>
-            </a:extLst>
-          </p:cNvPr>
-          <p:cNvSpPr txBox="1"/>
-          <p:nvPr/>
-        </p:nvSpPr>
-        <p:spPr>
-          <a:xfrm>
-            <a:off x="440456" y="798287"/>
-            <a:ext cx="10864282" cy="464871"/>
-          </a:xfrm>
-          <a:prstGeom prst="rect">
-            <a:avLst/>
-          </a:prstGeom>
-          <a:noFill/>
-        </p:spPr>
-        <p:txBody>
-          <a:bodyPr wrap="square">
-            <a:spAutoFit/>
-          </a:bodyPr>
-          <a:lstStyle/>
           <a:p>
-            <a:pPr algn="just">
-              <a:lnSpc>
-                <a:spcPct val="150000"/>
-              </a:lnSpc>
-            </a:pPr>
             <a:r>
               <a:rPr lang="es-ES" b="1" dirty="0">
                 <a:solidFill>
                   <a:srgbClr val="002060"/>
                 </a:solidFill>
               </a:rPr>
-              <a:t>Correlación con la variable objetivo</a:t>
+              <a:t>Correlación con variable objetivo y selección de los grupos de datos a analizar</a:t>
             </a:r>
-            <a:endParaRPr lang="es-ES" b="1" dirty="0">
-              <a:solidFill>
-                <a:srgbClr val="002060"/>
-              </a:solidFill>
-              <a:sym typeface="Wingdings" panose="05000000000000000000" pitchFamily="2" charset="2"/>
-            </a:endParaRPr>
           </a:p>
         </p:txBody>
       </p:sp>
@@ -19371,10 +19331,271 @@
           </a:prstGeom>
         </p:spPr>
       </p:pic>
+      <p:sp>
+        <p:nvSpPr>
+          <p:cNvPr id="2" name="TextBox 1">
+            <a:extLst>
+              <a:ext uri="{FF2B5EF4-FFF2-40B4-BE49-F238E27FC236}">
+                <a16:creationId xmlns:a16="http://schemas.microsoft.com/office/drawing/2014/main" id="{C47917D5-3D4B-1D2D-00CE-424B48A1DE2F}"/>
+              </a:ext>
+            </a:extLst>
+          </p:cNvPr>
+          <p:cNvSpPr txBox="1"/>
+          <p:nvPr/>
+        </p:nvSpPr>
+        <p:spPr>
+          <a:xfrm>
+            <a:off x="440456" y="1119073"/>
+            <a:ext cx="7498858" cy="5266185"/>
+          </a:xfrm>
+          <a:prstGeom prst="rect">
+            <a:avLst/>
+          </a:prstGeom>
+          <a:noFill/>
+        </p:spPr>
+        <p:txBody>
+          <a:bodyPr wrap="square" rtlCol="0">
+            <a:spAutoFit/>
+          </a:bodyPr>
+          <a:lstStyle/>
+          <a:p>
+            <a:pPr marL="285750" indent="-285750" algn="just">
+              <a:lnSpc>
+                <a:spcPct val="150000"/>
+              </a:lnSpc>
+              <a:buFont typeface="Arial" panose="020B0604020202020204" pitchFamily="34" charset="0"/>
+              <a:buChar char="•"/>
+            </a:pPr>
+            <a:r>
+              <a:rPr lang="es-ES" sz="1600" dirty="0">
+                <a:solidFill>
+                  <a:srgbClr val="002060"/>
+                </a:solidFill>
+              </a:rPr>
+              <a:t>En esta sección se analiza la correlación entre todas las variables mediante matrices de correlación. Hemos usado la </a:t>
+            </a:r>
+            <a:r>
+              <a:rPr lang="es-ES" sz="1600" b="1" dirty="0">
+                <a:solidFill>
+                  <a:srgbClr val="002060"/>
+                </a:solidFill>
+              </a:rPr>
+              <a:t>correlación de Spearman</a:t>
+            </a:r>
+            <a:r>
+              <a:rPr lang="es-ES" sz="1600" dirty="0">
+                <a:solidFill>
+                  <a:srgbClr val="002060"/>
+                </a:solidFill>
+              </a:rPr>
+              <a:t>, ya que no sabemos todavía si los datos se distribuyen normalmente.</a:t>
+            </a:r>
+          </a:p>
+          <a:p>
+            <a:pPr marL="285750" indent="-285750" algn="just">
+              <a:lnSpc>
+                <a:spcPct val="150000"/>
+              </a:lnSpc>
+              <a:buFont typeface="Arial" panose="020B0604020202020204" pitchFamily="34" charset="0"/>
+              <a:buChar char="•"/>
+            </a:pPr>
+            <a:r>
+              <a:rPr lang="es-ES" sz="1600" dirty="0">
+                <a:solidFill>
+                  <a:srgbClr val="002060"/>
+                </a:solidFill>
+              </a:rPr>
+              <a:t>Observamos correlaciones elevadas entre las variables de score, como es de esperar, así como entre variables relacionadas con </a:t>
+            </a:r>
+            <a:r>
+              <a:rPr lang="es-ES" sz="1600" dirty="0" err="1">
+                <a:solidFill>
+                  <a:srgbClr val="002060"/>
+                </a:solidFill>
+              </a:rPr>
+              <a:t>features</a:t>
+            </a:r>
+            <a:r>
+              <a:rPr lang="es-ES" sz="1600" dirty="0">
+                <a:solidFill>
+                  <a:srgbClr val="002060"/>
+                </a:solidFill>
+              </a:rPr>
+              <a:t> (Generalmente por la existencia de ciertos </a:t>
+            </a:r>
+            <a:r>
+              <a:rPr lang="es-ES" sz="1600" dirty="0" err="1">
+                <a:solidFill>
+                  <a:srgbClr val="002060"/>
+                </a:solidFill>
+              </a:rPr>
+              <a:t>features</a:t>
+            </a:r>
+            <a:r>
+              <a:rPr lang="es-ES" sz="1600" dirty="0">
+                <a:solidFill>
+                  <a:srgbClr val="002060"/>
+                </a:solidFill>
+              </a:rPr>
+              <a:t> en muchos hoteles). </a:t>
+            </a:r>
+            <a:r>
+              <a:rPr lang="es-ES" sz="1600" b="1" dirty="0">
+                <a:solidFill>
+                  <a:srgbClr val="002060"/>
+                </a:solidFill>
+              </a:rPr>
+              <a:t>Esta información se ha tenido en cuenta para evitar problemas de multicolinealidad.</a:t>
+            </a:r>
+          </a:p>
+          <a:p>
+            <a:pPr marL="285750" indent="-285750" algn="just">
+              <a:lnSpc>
+                <a:spcPct val="150000"/>
+              </a:lnSpc>
+              <a:buFont typeface="Arial" panose="020B0604020202020204" pitchFamily="34" charset="0"/>
+              <a:buChar char="•"/>
+            </a:pPr>
+            <a:r>
+              <a:rPr lang="es-ES" sz="1600" dirty="0">
+                <a:solidFill>
+                  <a:srgbClr val="002060"/>
+                </a:solidFill>
+              </a:rPr>
+              <a:t>Finalizando esta sección, creamos dos </a:t>
+            </a:r>
+            <a:r>
+              <a:rPr lang="es-ES" sz="1600" dirty="0" err="1">
+                <a:solidFill>
+                  <a:srgbClr val="002060"/>
+                </a:solidFill>
+              </a:rPr>
+              <a:t>dataframes</a:t>
+            </a:r>
+            <a:r>
+              <a:rPr lang="es-ES" sz="1600" dirty="0">
+                <a:solidFill>
+                  <a:srgbClr val="002060"/>
+                </a:solidFill>
+              </a:rPr>
+              <a:t> distintos para abordar los dos problemas que tratamos en este proyecto. La selección de las variables se basa en la correlación de Spearman con la variable objetivo en cada caso (otras métricas relacionadas con dependencias no lineales arrojaban los mismos resultados). </a:t>
+            </a:r>
+            <a:r>
+              <a:rPr lang="es-ES" sz="1600" dirty="0">
+                <a:solidFill>
+                  <a:srgbClr val="002060"/>
+                </a:solidFill>
+                <a:sym typeface="Wingdings" panose="05000000000000000000" pitchFamily="2" charset="2"/>
+              </a:rPr>
+              <a:t> </a:t>
+            </a:r>
+            <a:r>
+              <a:rPr lang="es-ES" sz="1600" b="1" dirty="0">
+                <a:solidFill>
+                  <a:srgbClr val="002060"/>
+                </a:solidFill>
+                <a:sym typeface="Wingdings" panose="05000000000000000000" pitchFamily="2" charset="2"/>
+              </a:rPr>
+              <a:t>Lastimosamente, no encontramos correlaciones muy elevadas entre variables independientes y variable dependiente.</a:t>
+            </a:r>
+            <a:endParaRPr lang="es-ES" sz="1600" dirty="0">
+              <a:solidFill>
+                <a:srgbClr val="002060"/>
+              </a:solidFill>
+            </a:endParaRPr>
+          </a:p>
+          <a:p>
+            <a:pPr marL="742950" lvl="1" indent="-285750" algn="just">
+              <a:lnSpc>
+                <a:spcPct val="150000"/>
+              </a:lnSpc>
+              <a:buFont typeface="Arial" panose="020B0604020202020204" pitchFamily="34" charset="0"/>
+              <a:buChar char="•"/>
+            </a:pPr>
+            <a:endParaRPr lang="es-ES" dirty="0">
+              <a:solidFill>
+                <a:srgbClr val="002060"/>
+              </a:solidFill>
+            </a:endParaRPr>
+          </a:p>
+        </p:txBody>
+      </p:sp>
+      <p:pic>
+        <p:nvPicPr>
+          <p:cNvPr id="7" name="Picture">
+            <a:extLst>
+              <a:ext uri="{FF2B5EF4-FFF2-40B4-BE49-F238E27FC236}">
+                <a16:creationId xmlns:a16="http://schemas.microsoft.com/office/drawing/2014/main" id="{6AD7172C-5D36-0ED6-10B9-A6371EF409F3}"/>
+              </a:ext>
+            </a:extLst>
+          </p:cNvPr>
+          <p:cNvPicPr/>
+          <p:nvPr/>
+        </p:nvPicPr>
+        <p:blipFill rotWithShape="1">
+          <a:blip r:embed="rId3">
+            <a:extLst>
+              <a:ext uri="{28A0092B-C50C-407E-A947-70E740481C1C}">
+                <a14:useLocalDpi xmlns:a14="http://schemas.microsoft.com/office/drawing/2010/main" val="0"/>
+              </a:ext>
+            </a:extLst>
+          </a:blip>
+          <a:srcRect l="2474" t="9536" r="10309" b="1546"/>
+          <a:stretch/>
+        </p:blipFill>
+        <p:spPr bwMode="auto">
+          <a:xfrm>
+            <a:off x="8212667" y="480373"/>
+            <a:ext cx="3850368" cy="2948627"/>
+          </a:xfrm>
+          <a:prstGeom prst="rect">
+            <a:avLst/>
+          </a:prstGeom>
+          <a:noFill/>
+          <a:ln>
+            <a:noFill/>
+          </a:ln>
+          <a:extLst>
+            <a:ext uri="{53640926-AAD7-44D8-BBD7-CCE9431645EC}">
+              <a14:shadowObscured xmlns:a14="http://schemas.microsoft.com/office/drawing/2010/main"/>
+            </a:ext>
+          </a:extLst>
+        </p:spPr>
+      </p:pic>
+      <p:pic>
+        <p:nvPicPr>
+          <p:cNvPr id="9" name="Picture 8">
+            <a:extLst>
+              <a:ext uri="{FF2B5EF4-FFF2-40B4-BE49-F238E27FC236}">
+                <a16:creationId xmlns:a16="http://schemas.microsoft.com/office/drawing/2014/main" id="{B5AAC730-0BAC-57B7-B91A-C5A41DCD01DD}"/>
+              </a:ext>
+            </a:extLst>
+          </p:cNvPr>
+          <p:cNvPicPr>
+            <a:picLocks noChangeAspect="1"/>
+          </p:cNvPicPr>
+          <p:nvPr/>
+        </p:nvPicPr>
+        <p:blipFill>
+          <a:blip r:embed="rId4"/>
+          <a:stretch>
+            <a:fillRect/>
+          </a:stretch>
+        </p:blipFill>
+        <p:spPr>
+          <a:xfrm>
+            <a:off x="8385893" y="3588686"/>
+            <a:ext cx="3503915" cy="2144428"/>
+          </a:xfrm>
+          <a:prstGeom prst="rect">
+            <a:avLst/>
+          </a:prstGeom>
+        </p:spPr>
+      </p:pic>
     </p:spTree>
     <p:extLst>
       <p:ext uri="{BB962C8B-B14F-4D97-AF65-F5344CB8AC3E}">
-        <p14:creationId xmlns:p14="http://schemas.microsoft.com/office/powerpoint/2010/main" val="2272010027"/>
+        <p14:creationId xmlns:p14="http://schemas.microsoft.com/office/powerpoint/2010/main" val="1512889017"/>
       </p:ext>
     </p:extLst>
   </p:cSld>
@@ -19416,7 +19637,7 @@
         <p:spPr>
           <a:xfrm>
             <a:off x="440456" y="143702"/>
-            <a:ext cx="9559887" cy="523220"/>
+            <a:ext cx="9559887" cy="800219"/>
           </a:xfrm>
           <a:prstGeom prst="rect">
             <a:avLst/>
@@ -19438,65 +19659,15 @@
               <a:t>4. ANÁLISIS DE LOS DATOS</a:t>
             </a:r>
           </a:p>
-        </p:txBody>
-      </p:sp>
-      <p:sp>
-        <p:nvSpPr>
-          <p:cNvPr id="6" name="TextBox 5">
-            <a:extLst>
-              <a:ext uri="{FF2B5EF4-FFF2-40B4-BE49-F238E27FC236}">
-                <a16:creationId xmlns:a16="http://schemas.microsoft.com/office/drawing/2014/main" id="{1FA76770-F660-DB19-61AA-87990F00E84D}"/>
-              </a:ext>
-            </a:extLst>
-          </p:cNvPr>
-          <p:cNvSpPr txBox="1"/>
-          <p:nvPr/>
-        </p:nvSpPr>
-        <p:spPr>
-          <a:xfrm>
-            <a:off x="440456" y="798287"/>
-            <a:ext cx="10864282" cy="464871"/>
-          </a:xfrm>
-          <a:prstGeom prst="rect">
-            <a:avLst/>
-          </a:prstGeom>
-          <a:noFill/>
-        </p:spPr>
-        <p:txBody>
-          <a:bodyPr wrap="square">
-            <a:spAutoFit/>
-          </a:bodyPr>
-          <a:lstStyle/>
           <a:p>
-            <a:pPr algn="just">
-              <a:lnSpc>
-                <a:spcPct val="150000"/>
-              </a:lnSpc>
-            </a:pPr>
             <a:r>
               <a:rPr lang="es-ES" b="1" dirty="0">
                 <a:solidFill>
                   <a:srgbClr val="002060"/>
                 </a:solidFill>
-                <a:sym typeface="Wingdings" panose="05000000000000000000" pitchFamily="2" charset="2"/>
               </a:rPr>
-              <a:t>Normalidad y </a:t>
+              <a:t>Comprobación de normalidad y homogeneidad de la varianza</a:t>
             </a:r>
-            <a:r>
-              <a:rPr lang="es-ES" b="1" dirty="0" err="1">
-                <a:solidFill>
-                  <a:srgbClr val="002060"/>
-                </a:solidFill>
-                <a:sym typeface="Wingdings" panose="05000000000000000000" pitchFamily="2" charset="2"/>
-              </a:rPr>
-              <a:t>homocedesticidad</a:t>
-            </a:r>
-            <a:endParaRPr lang="es-ES" b="1" dirty="0">
-              <a:solidFill>
-                <a:srgbClr val="002060"/>
-              </a:solidFill>
-              <a:sym typeface="Wingdings" panose="05000000000000000000" pitchFamily="2" charset="2"/>
-            </a:endParaRPr>
           </a:p>
         </p:txBody>
       </p:sp>
@@ -19536,10 +19707,360 @@
           </a:prstGeom>
         </p:spPr>
       </p:pic>
+      <p:sp>
+        <p:nvSpPr>
+          <p:cNvPr id="2" name="TextBox 1">
+            <a:extLst>
+              <a:ext uri="{FF2B5EF4-FFF2-40B4-BE49-F238E27FC236}">
+                <a16:creationId xmlns:a16="http://schemas.microsoft.com/office/drawing/2014/main" id="{CA6DAF81-2FAF-E009-4A13-853F0F376A7B}"/>
+              </a:ext>
+            </a:extLst>
+          </p:cNvPr>
+          <p:cNvSpPr txBox="1"/>
+          <p:nvPr/>
+        </p:nvSpPr>
+        <p:spPr>
+          <a:xfrm>
+            <a:off x="440456" y="1018644"/>
+            <a:ext cx="6934011" cy="5594096"/>
+          </a:xfrm>
+          <a:prstGeom prst="rect">
+            <a:avLst/>
+          </a:prstGeom>
+          <a:noFill/>
+        </p:spPr>
+        <p:txBody>
+          <a:bodyPr wrap="square" rtlCol="0">
+            <a:spAutoFit/>
+          </a:bodyPr>
+          <a:lstStyle/>
+          <a:p>
+            <a:pPr marL="285750" indent="-285750" algn="just">
+              <a:lnSpc>
+                <a:spcPct val="150000"/>
+              </a:lnSpc>
+              <a:buFont typeface="Arial" panose="020B0604020202020204" pitchFamily="34" charset="0"/>
+              <a:buChar char="•"/>
+            </a:pPr>
+            <a:r>
+              <a:rPr lang="es-ES" sz="1600" dirty="0">
+                <a:solidFill>
+                  <a:srgbClr val="002060"/>
+                </a:solidFill>
+              </a:rPr>
+              <a:t>Analizamos visualmente la normalidad de las variables continuas de los datos mediante </a:t>
+            </a:r>
+            <a:r>
+              <a:rPr lang="es-ES" sz="1600" b="1" dirty="0">
+                <a:solidFill>
+                  <a:srgbClr val="002060"/>
+                </a:solidFill>
+              </a:rPr>
+              <a:t>QQ-</a:t>
+            </a:r>
+            <a:r>
+              <a:rPr lang="es-ES" sz="1600" b="1" dirty="0" err="1">
+                <a:solidFill>
+                  <a:srgbClr val="002060"/>
+                </a:solidFill>
+              </a:rPr>
+              <a:t>Plots</a:t>
+            </a:r>
+            <a:r>
+              <a:rPr lang="es-ES" sz="1600" b="1" dirty="0">
+                <a:solidFill>
+                  <a:srgbClr val="002060"/>
+                </a:solidFill>
+              </a:rPr>
+              <a:t> y Histogramas</a:t>
+            </a:r>
+            <a:r>
+              <a:rPr lang="es-ES" sz="1600" dirty="0">
+                <a:solidFill>
+                  <a:srgbClr val="002060"/>
+                </a:solidFill>
+              </a:rPr>
+              <a:t>.</a:t>
+            </a:r>
+          </a:p>
+          <a:p>
+            <a:pPr marL="285750" indent="-285750" algn="just">
+              <a:lnSpc>
+                <a:spcPct val="150000"/>
+              </a:lnSpc>
+              <a:buFont typeface="Arial" panose="020B0604020202020204" pitchFamily="34" charset="0"/>
+              <a:buChar char="•"/>
+            </a:pPr>
+            <a:r>
+              <a:rPr lang="es-ES" sz="1600" dirty="0">
+                <a:solidFill>
+                  <a:srgbClr val="002060"/>
+                </a:solidFill>
+              </a:rPr>
+              <a:t>Analizamos la normalidad de las variables continuas mediante el test </a:t>
+            </a:r>
+            <a:r>
+              <a:rPr lang="es-ES" sz="1600" b="1" dirty="0">
+                <a:solidFill>
+                  <a:srgbClr val="002060"/>
+                </a:solidFill>
+              </a:rPr>
+              <a:t>Shapiro-Wilk.</a:t>
+            </a:r>
+          </a:p>
+          <a:p>
+            <a:pPr marL="742950" lvl="1" indent="-285750" algn="just">
+              <a:lnSpc>
+                <a:spcPct val="150000"/>
+              </a:lnSpc>
+              <a:buFont typeface="Arial" panose="020B0604020202020204" pitchFamily="34" charset="0"/>
+              <a:buChar char="•"/>
+            </a:pPr>
+            <a:r>
+              <a:rPr lang="es-ES" sz="1600" b="1" dirty="0">
+                <a:solidFill>
+                  <a:srgbClr val="002060"/>
+                </a:solidFill>
+              </a:rPr>
+              <a:t>Se prueba a transformar los datos con Box-Cox pero no se logra obtener normalidad en los datos.</a:t>
+            </a:r>
+          </a:p>
+          <a:p>
+            <a:pPr lvl="1" algn="just">
+              <a:lnSpc>
+                <a:spcPct val="150000"/>
+              </a:lnSpc>
+            </a:pPr>
+            <a:endParaRPr lang="es-ES" sz="1600" dirty="0">
+              <a:solidFill>
+                <a:srgbClr val="002060"/>
+              </a:solidFill>
+            </a:endParaRPr>
+          </a:p>
+          <a:p>
+            <a:pPr marL="285750" indent="-285750" algn="just">
+              <a:lnSpc>
+                <a:spcPct val="150000"/>
+              </a:lnSpc>
+              <a:buFont typeface="Arial" panose="020B0604020202020204" pitchFamily="34" charset="0"/>
+              <a:buChar char="•"/>
+            </a:pPr>
+            <a:r>
+              <a:rPr lang="es-ES" sz="1600" dirty="0">
+                <a:solidFill>
+                  <a:srgbClr val="002060"/>
+                </a:solidFill>
+              </a:rPr>
+              <a:t>Analizamos visualmente la homogeneidad de varianzas mediante </a:t>
+            </a:r>
+            <a:r>
+              <a:rPr lang="es-ES" sz="1600" dirty="0" err="1">
+                <a:solidFill>
+                  <a:srgbClr val="002060"/>
+                </a:solidFill>
+              </a:rPr>
+              <a:t>scatter</a:t>
+            </a:r>
+            <a:r>
+              <a:rPr lang="es-ES" sz="1600" dirty="0">
+                <a:solidFill>
+                  <a:srgbClr val="002060"/>
+                </a:solidFill>
+              </a:rPr>
+              <a:t> </a:t>
+            </a:r>
+            <a:r>
+              <a:rPr lang="es-ES" sz="1600" dirty="0" err="1">
+                <a:solidFill>
+                  <a:srgbClr val="002060"/>
+                </a:solidFill>
+              </a:rPr>
+              <a:t>plots</a:t>
+            </a:r>
+            <a:r>
+              <a:rPr lang="es-ES" sz="1600" dirty="0">
+                <a:solidFill>
+                  <a:srgbClr val="002060"/>
+                </a:solidFill>
+              </a:rPr>
+              <a:t>.</a:t>
+            </a:r>
+          </a:p>
+          <a:p>
+            <a:pPr marL="285750" indent="-285750" algn="just">
+              <a:lnSpc>
+                <a:spcPct val="150000"/>
+              </a:lnSpc>
+              <a:buFont typeface="Arial" panose="020B0604020202020204" pitchFamily="34" charset="0"/>
+              <a:buChar char="•"/>
+            </a:pPr>
+            <a:r>
+              <a:rPr lang="es-ES" sz="1600" dirty="0">
+                <a:solidFill>
+                  <a:srgbClr val="002060"/>
+                </a:solidFill>
+              </a:rPr>
+              <a:t>Analizamos la </a:t>
+            </a:r>
+            <a:r>
+              <a:rPr lang="es-ES" sz="1600" dirty="0" err="1">
+                <a:solidFill>
+                  <a:srgbClr val="002060"/>
+                </a:solidFill>
+              </a:rPr>
+              <a:t>homocesdasticidad</a:t>
+            </a:r>
+            <a:r>
+              <a:rPr lang="es-ES" sz="1600" dirty="0">
+                <a:solidFill>
+                  <a:srgbClr val="002060"/>
+                </a:solidFill>
+              </a:rPr>
+              <a:t> mediante el test no paramétrico </a:t>
+            </a:r>
+            <a:r>
+              <a:rPr lang="es-ES" sz="1600" dirty="0" err="1">
+                <a:solidFill>
+                  <a:srgbClr val="002060"/>
+                </a:solidFill>
+              </a:rPr>
+              <a:t>Fligner-Killeen</a:t>
+            </a:r>
+            <a:r>
+              <a:rPr lang="es-ES" sz="1600" dirty="0">
+                <a:solidFill>
+                  <a:srgbClr val="002060"/>
+                </a:solidFill>
+              </a:rPr>
+              <a:t> dada la no normalidad de los datos.</a:t>
+            </a:r>
+          </a:p>
+          <a:p>
+            <a:pPr marL="285750" indent="-285750" algn="just">
+              <a:lnSpc>
+                <a:spcPct val="150000"/>
+              </a:lnSpc>
+              <a:buFont typeface="Arial" panose="020B0604020202020204" pitchFamily="34" charset="0"/>
+              <a:buChar char="•"/>
+            </a:pPr>
+            <a:endParaRPr lang="es-ES" sz="1600" dirty="0">
+              <a:solidFill>
+                <a:srgbClr val="002060"/>
+              </a:solidFill>
+            </a:endParaRPr>
+          </a:p>
+          <a:p>
+            <a:pPr algn="just">
+              <a:lnSpc>
+                <a:spcPct val="150000"/>
+              </a:lnSpc>
+            </a:pPr>
+            <a:r>
+              <a:rPr lang="es-ES" sz="1600" b="1" dirty="0">
+                <a:solidFill>
+                  <a:srgbClr val="002060"/>
+                </a:solidFill>
+              </a:rPr>
+              <a:t>Conclusiones: </a:t>
+            </a:r>
+            <a:r>
+              <a:rPr lang="es-ES" sz="1600" dirty="0">
+                <a:solidFill>
+                  <a:srgbClr val="002060"/>
+                </a:solidFill>
+              </a:rPr>
+              <a:t>Ninguna de las variables analizadas se aproxima a una distribución normal. Por otro lado no encontramos problemas de heterocedasticidad (homogeneidad de varianzas en todos los datos analizados).</a:t>
+            </a:r>
+            <a:endParaRPr lang="es-ES" sz="1600" b="1" dirty="0">
+              <a:solidFill>
+                <a:srgbClr val="002060"/>
+              </a:solidFill>
+            </a:endParaRPr>
+          </a:p>
+        </p:txBody>
+      </p:sp>
+      <p:pic>
+        <p:nvPicPr>
+          <p:cNvPr id="3" name="Picture 2" descr="Chart, histogram&#10;&#10;Description automatically generated">
+            <a:extLst>
+              <a:ext uri="{FF2B5EF4-FFF2-40B4-BE49-F238E27FC236}">
+                <a16:creationId xmlns:a16="http://schemas.microsoft.com/office/drawing/2014/main" id="{9C462BD8-5A34-CD04-45D8-C0AB5954495F}"/>
+              </a:ext>
+            </a:extLst>
+          </p:cNvPr>
+          <p:cNvPicPr>
+            <a:picLocks noChangeAspect="1"/>
+          </p:cNvPicPr>
+          <p:nvPr/>
+        </p:nvPicPr>
+        <p:blipFill>
+          <a:blip r:embed="rId3">
+            <a:extLst>
+              <a:ext uri="{28A0092B-C50C-407E-A947-70E740481C1C}">
+                <a14:useLocalDpi xmlns:a14="http://schemas.microsoft.com/office/drawing/2010/main" val="0"/>
+              </a:ext>
+            </a:extLst>
+          </a:blip>
+          <a:stretch>
+            <a:fillRect/>
+          </a:stretch>
+        </p:blipFill>
+        <p:spPr>
+          <a:xfrm>
+            <a:off x="7696199" y="514060"/>
+            <a:ext cx="4265235" cy="3025007"/>
+          </a:xfrm>
+          <a:prstGeom prst="rect">
+            <a:avLst/>
+          </a:prstGeom>
+        </p:spPr>
+      </p:pic>
+      <p:pic>
+        <p:nvPicPr>
+          <p:cNvPr id="6" name="Picture" descr="Chart, scatter chart&#10;&#10;Description automatically generated">
+            <a:extLst>
+              <a:ext uri="{FF2B5EF4-FFF2-40B4-BE49-F238E27FC236}">
+                <a16:creationId xmlns:a16="http://schemas.microsoft.com/office/drawing/2014/main" id="{341E977A-8160-2A8F-9956-250864F8C71A}"/>
+              </a:ext>
+            </a:extLst>
+          </p:cNvPr>
+          <p:cNvPicPr/>
+          <p:nvPr/>
+        </p:nvPicPr>
+        <p:blipFill rotWithShape="1">
+          <a:blip r:embed="rId4">
+            <a:extLst>
+              <a:ext uri="{28A0092B-C50C-407E-A947-70E740481C1C}">
+                <a14:useLocalDpi xmlns:a14="http://schemas.microsoft.com/office/drawing/2010/main" val="0"/>
+              </a:ext>
+            </a:extLst>
+          </a:blip>
+          <a:srcRect b="1639"/>
+          <a:stretch/>
+        </p:blipFill>
+        <p:spPr bwMode="auto">
+          <a:xfrm>
+            <a:off x="7696199" y="3648651"/>
+            <a:ext cx="4265235" cy="2309554"/>
+          </a:xfrm>
+          <a:prstGeom prst="rect">
+            <a:avLst/>
+          </a:prstGeom>
+          <a:noFill/>
+          <a:ln>
+            <a:noFill/>
+          </a:ln>
+          <a:extLst>
+            <a:ext uri="{53640926-AAD7-44D8-BBD7-CCE9431645EC}">
+              <a14:shadowObscured xmlns:a14="http://schemas.microsoft.com/office/drawing/2010/main"/>
+            </a:ext>
+          </a:extLst>
+        </p:spPr>
+      </p:pic>
     </p:spTree>
     <p:extLst>
       <p:ext uri="{BB962C8B-B14F-4D97-AF65-F5344CB8AC3E}">
-        <p14:creationId xmlns:p14="http://schemas.microsoft.com/office/powerpoint/2010/main" val="1116935007"/>
+        <p14:creationId xmlns:p14="http://schemas.microsoft.com/office/powerpoint/2010/main" val="2806910417"/>
       </p:ext>
     </p:extLst>
   </p:cSld>
@@ -22624,7 +23145,7 @@
         </p:nvSpPr>
         <p:spPr>
           <a:xfrm>
-            <a:off x="440456" y="666922"/>
+            <a:off x="430442" y="997122"/>
             <a:ext cx="10864282" cy="4549964"/>
           </a:xfrm>
           <a:prstGeom prst="rect">
@@ -23387,7 +23908,7 @@
     </p:spTree>
     <p:extLst>
       <p:ext uri="{BB962C8B-B14F-4D97-AF65-F5344CB8AC3E}">
-        <p14:creationId xmlns:p14="http://schemas.microsoft.com/office/powerpoint/2010/main" val="2228874166"/>
+        <p14:creationId xmlns:p14="http://schemas.microsoft.com/office/powerpoint/2010/main" val="3967463015"/>
       </p:ext>
     </p:extLst>
   </p:cSld>
@@ -23462,13 +23983,7 @@
           <p:cNvGraphicFramePr>
             <a:graphicFrameLocks noGrp="1"/>
           </p:cNvGraphicFramePr>
-          <p:nvPr>
-            <p:extLst>
-              <p:ext uri="{D42A27DB-BD31-4B8C-83A1-F6EECF244321}">
-                <p14:modId xmlns:p14="http://schemas.microsoft.com/office/powerpoint/2010/main" val="3594703767"/>
-              </p:ext>
-            </p:extLst>
-          </p:nvPr>
+          <p:nvPr/>
         </p:nvGraphicFramePr>
         <p:xfrm>
           <a:off x="262737" y="666922"/>
@@ -25872,7 +26387,7 @@
     </p:spTree>
     <p:extLst>
       <p:ext uri="{BB962C8B-B14F-4D97-AF65-F5344CB8AC3E}">
-        <p14:creationId xmlns:p14="http://schemas.microsoft.com/office/powerpoint/2010/main" val="2182569502"/>
+        <p14:creationId xmlns:p14="http://schemas.microsoft.com/office/powerpoint/2010/main" val="2187573410"/>
       </p:ext>
     </p:extLst>
   </p:cSld>
@@ -26261,7 +26776,7 @@
     </p:spTree>
     <p:extLst>
       <p:ext uri="{BB962C8B-B14F-4D97-AF65-F5344CB8AC3E}">
-        <p14:creationId xmlns:p14="http://schemas.microsoft.com/office/powerpoint/2010/main" val="535151621"/>
+        <p14:creationId xmlns:p14="http://schemas.microsoft.com/office/powerpoint/2010/main" val="2403070456"/>
       </p:ext>
     </p:extLst>
   </p:cSld>
@@ -26368,7 +26883,7 @@
                   <a:srgbClr val="002060"/>
                 </a:solidFill>
               </a:rPr>
-              <a:t>2.1 Transformación de las variables en el formato adecuado</a:t>
+              <a:t>Transformación de las variables en el formato adecuado</a:t>
             </a:r>
             <a:endParaRPr lang="es-ES" sz="1600" b="1" dirty="0">
               <a:solidFill>
@@ -26742,7 +27257,7 @@
     </p:spTree>
     <p:extLst>
       <p:ext uri="{BB962C8B-B14F-4D97-AF65-F5344CB8AC3E}">
-        <p14:creationId xmlns:p14="http://schemas.microsoft.com/office/powerpoint/2010/main" val="4162112996"/>
+        <p14:creationId xmlns:p14="http://schemas.microsoft.com/office/powerpoint/2010/main" val="1513452804"/>
       </p:ext>
     </p:extLst>
   </p:cSld>
@@ -26834,7 +27349,7 @@
           <a:lstStyle/>
           <a:p>
             <a:r>
-              <a:rPr lang="es-ES" sz="2800" b="1">
+              <a:rPr lang="es-ES" sz="2800" b="1" dirty="0">
                 <a:solidFill>
                   <a:srgbClr val="002060"/>
                 </a:solidFill>
@@ -26844,12 +27359,12 @@
           </a:p>
           <a:p>
             <a:r>
-              <a:rPr lang="es-ES" b="1">
+              <a:rPr lang="es-ES" b="1" dirty="0">
                 <a:solidFill>
                   <a:srgbClr val="002060"/>
                 </a:solidFill>
               </a:rPr>
-              <a:t>2.2 Tratamiento de ceros y elementos vacíos</a:t>
+              <a:t>Tratamiento de ceros y elementos vacíos</a:t>
             </a:r>
             <a:endParaRPr lang="es-ES" sz="1600" b="1" dirty="0">
               <a:solidFill>
@@ -27262,7 +27777,7 @@
     </p:spTree>
     <p:extLst>
       <p:ext uri="{BB962C8B-B14F-4D97-AF65-F5344CB8AC3E}">
-        <p14:creationId xmlns:p14="http://schemas.microsoft.com/office/powerpoint/2010/main" val="2920874984"/>
+        <p14:creationId xmlns:p14="http://schemas.microsoft.com/office/powerpoint/2010/main" val="3058205670"/>
       </p:ext>
     </p:extLst>
   </p:cSld>
@@ -27333,7 +27848,7 @@
                   <a:srgbClr val="002060"/>
                 </a:solidFill>
               </a:rPr>
-              <a:t>2.3 Tratamiento de valores extremos</a:t>
+              <a:t>Tratamiento de valores extremos</a:t>
             </a:r>
             <a:endParaRPr lang="es-ES" sz="1600" b="1" dirty="0">
               <a:solidFill>
@@ -27607,7 +28122,7 @@
     </p:spTree>
     <p:extLst>
       <p:ext uri="{BB962C8B-B14F-4D97-AF65-F5344CB8AC3E}">
-        <p14:creationId xmlns:p14="http://schemas.microsoft.com/office/powerpoint/2010/main" val="2935635008"/>
+        <p14:creationId xmlns:p14="http://schemas.microsoft.com/office/powerpoint/2010/main" val="3408654474"/>
       </p:ext>
     </p:extLst>
   </p:cSld>
@@ -27673,56 +28188,6 @@
           </a:p>
         </p:txBody>
       </p:sp>
-      <p:sp>
-        <p:nvSpPr>
-          <p:cNvPr id="6" name="TextBox 5">
-            <a:extLst>
-              <a:ext uri="{FF2B5EF4-FFF2-40B4-BE49-F238E27FC236}">
-                <a16:creationId xmlns:a16="http://schemas.microsoft.com/office/drawing/2014/main" id="{1FA76770-F660-DB19-61AA-87990F00E84D}"/>
-              </a:ext>
-            </a:extLst>
-          </p:cNvPr>
-          <p:cNvSpPr txBox="1"/>
-          <p:nvPr/>
-        </p:nvSpPr>
-        <p:spPr>
-          <a:xfrm>
-            <a:off x="440456" y="1088573"/>
-            <a:ext cx="10864282" cy="464871"/>
-          </a:xfrm>
-          <a:prstGeom prst="rect">
-            <a:avLst/>
-          </a:prstGeom>
-          <a:noFill/>
-        </p:spPr>
-        <p:txBody>
-          <a:bodyPr wrap="square">
-            <a:spAutoFit/>
-          </a:bodyPr>
-          <a:lstStyle/>
-          <a:p>
-            <a:pPr algn="just">
-              <a:lnSpc>
-                <a:spcPct val="150000"/>
-              </a:lnSpc>
-            </a:pPr>
-            <a:r>
-              <a:rPr lang="es-ES" b="1" dirty="0">
-                <a:solidFill>
-                  <a:srgbClr val="002060"/>
-                </a:solidFill>
-              </a:rPr>
-              <a:t>DATOS DE VUELOS</a:t>
-            </a:r>
-            <a:endParaRPr lang="es-ES" b="1" dirty="0">
-              <a:solidFill>
-                <a:srgbClr val="002060"/>
-              </a:solidFill>
-              <a:sym typeface="Wingdings" panose="05000000000000000000" pitchFamily="2" charset="2"/>
-            </a:endParaRPr>
-          </a:p>
-        </p:txBody>
-      </p:sp>
       <p:pic>
         <p:nvPicPr>
           <p:cNvPr id="5" name="Picture 4" descr="Graphical user interface, text, application, chat or text message&#10;&#10;Description automatically generated">
@@ -27753,6 +28218,176 @@
           <a:xfrm>
             <a:off x="10526413" y="5892800"/>
             <a:ext cx="1536622" cy="965200"/>
+          </a:xfrm>
+          <a:prstGeom prst="rect">
+            <a:avLst/>
+          </a:prstGeom>
+        </p:spPr>
+      </p:pic>
+      <p:sp>
+        <p:nvSpPr>
+          <p:cNvPr id="2" name="TextBox 1">
+            <a:extLst>
+              <a:ext uri="{FF2B5EF4-FFF2-40B4-BE49-F238E27FC236}">
+                <a16:creationId xmlns:a16="http://schemas.microsoft.com/office/drawing/2014/main" id="{D66B18E9-923E-C740-6E77-E7F7A3551AF2}"/>
+              </a:ext>
+            </a:extLst>
+          </p:cNvPr>
+          <p:cNvSpPr txBox="1"/>
+          <p:nvPr/>
+        </p:nvSpPr>
+        <p:spPr>
+          <a:xfrm>
+            <a:off x="440456" y="1235188"/>
+            <a:ext cx="10779087" cy="3615733"/>
+          </a:xfrm>
+          <a:prstGeom prst="rect">
+            <a:avLst/>
+          </a:prstGeom>
+          <a:noFill/>
+        </p:spPr>
+        <p:txBody>
+          <a:bodyPr wrap="square" rtlCol="0">
+            <a:spAutoFit/>
+          </a:bodyPr>
+          <a:lstStyle/>
+          <a:p>
+            <a:pPr marL="285750" indent="-285750" algn="just">
+              <a:lnSpc>
+                <a:spcPct val="150000"/>
+              </a:lnSpc>
+              <a:buFont typeface="Arial" panose="020B0604020202020204" pitchFamily="34" charset="0"/>
+              <a:buChar char="•"/>
+            </a:pPr>
+            <a:r>
+              <a:rPr lang="es-ES" dirty="0">
+                <a:solidFill>
+                  <a:srgbClr val="002060"/>
+                </a:solidFill>
+              </a:rPr>
+              <a:t>La selección ha sido movida después de la limpieza de los datos </a:t>
+            </a:r>
+            <a:r>
+              <a:rPr lang="es-ES" dirty="0">
+                <a:solidFill>
+                  <a:srgbClr val="002060"/>
+                </a:solidFill>
+                <a:sym typeface="Wingdings" panose="05000000000000000000" pitchFamily="2" charset="2"/>
+              </a:rPr>
+              <a:t> Muchas variables han sido utilizadas para extraer la información útil que poseen  Ahora dichas variables se desechan junto con otras de poca utilidad.</a:t>
+            </a:r>
+          </a:p>
+          <a:p>
+            <a:pPr marL="285750" indent="-285750" algn="just">
+              <a:lnSpc>
+                <a:spcPct val="150000"/>
+              </a:lnSpc>
+              <a:buFont typeface="Arial" panose="020B0604020202020204" pitchFamily="34" charset="0"/>
+              <a:buChar char="•"/>
+            </a:pPr>
+            <a:endParaRPr lang="es-ES" sz="1050" dirty="0">
+              <a:solidFill>
+                <a:srgbClr val="002060"/>
+              </a:solidFill>
+              <a:sym typeface="Wingdings" panose="05000000000000000000" pitchFamily="2" charset="2"/>
+            </a:endParaRPr>
+          </a:p>
+          <a:p>
+            <a:pPr marL="285750" indent="-285750" algn="just">
+              <a:lnSpc>
+                <a:spcPct val="150000"/>
+              </a:lnSpc>
+              <a:buFont typeface="Arial" panose="020B0604020202020204" pitchFamily="34" charset="0"/>
+              <a:buChar char="•"/>
+            </a:pPr>
+            <a:r>
+              <a:rPr lang="es-ES" dirty="0">
+                <a:solidFill>
+                  <a:srgbClr val="002060"/>
+                </a:solidFill>
+              </a:rPr>
+              <a:t>Como parte de integración hemos decidido introducir datos sobre el número de vuelos medio por mes (datos extraídos de Eurostat) por distintas razones:</a:t>
+            </a:r>
+          </a:p>
+          <a:p>
+            <a:pPr marL="742950" lvl="1" indent="-285750" algn="just">
+              <a:lnSpc>
+                <a:spcPct val="150000"/>
+              </a:lnSpc>
+              <a:buFont typeface="Arial" panose="020B0604020202020204" pitchFamily="34" charset="0"/>
+              <a:buChar char="•"/>
+            </a:pPr>
+            <a:r>
+              <a:rPr lang="es-ES" dirty="0">
+                <a:solidFill>
+                  <a:srgbClr val="002060"/>
+                </a:solidFill>
+              </a:rPr>
+              <a:t>Más vuelos podría aumentar la búsqueda de hoteles cercanos al aeropuerto.</a:t>
+            </a:r>
+          </a:p>
+          <a:p>
+            <a:pPr marL="742950" lvl="1" indent="-285750" algn="just">
+              <a:lnSpc>
+                <a:spcPct val="150000"/>
+              </a:lnSpc>
+              <a:buFont typeface="Arial" panose="020B0604020202020204" pitchFamily="34" charset="0"/>
+              <a:buChar char="•"/>
+            </a:pPr>
+            <a:r>
+              <a:rPr lang="es-ES" dirty="0">
+                <a:solidFill>
+                  <a:srgbClr val="002060"/>
+                </a:solidFill>
+              </a:rPr>
+              <a:t>Más vuelos equivale a más turismo, lo cual influye tanto en la fijación de precios de los hoteles como sus estrategias para mejorar su posicionamiento en los buscadores.</a:t>
+            </a:r>
+          </a:p>
+          <a:p>
+            <a:pPr marL="742950" lvl="1" indent="-285750" algn="just">
+              <a:lnSpc>
+                <a:spcPct val="150000"/>
+              </a:lnSpc>
+              <a:buFont typeface="Arial" panose="020B0604020202020204" pitchFamily="34" charset="0"/>
+              <a:buChar char="•"/>
+            </a:pPr>
+            <a:endParaRPr lang="es-ES" dirty="0">
+              <a:solidFill>
+                <a:srgbClr val="002060"/>
+              </a:solidFill>
+            </a:endParaRPr>
+          </a:p>
+        </p:txBody>
+      </p:sp>
+      <p:pic>
+        <p:nvPicPr>
+          <p:cNvPr id="7" name="Picture 6" descr="Logo&#10;&#10;Description automatically generated">
+            <a:extLst>
+              <a:ext uri="{FF2B5EF4-FFF2-40B4-BE49-F238E27FC236}">
+                <a16:creationId xmlns:a16="http://schemas.microsoft.com/office/drawing/2014/main" id="{955259D0-EF02-5E99-ECC3-4DC5102B7C0A}"/>
+              </a:ext>
+            </a:extLst>
+          </p:cNvPr>
+          <p:cNvPicPr>
+            <a:picLocks noChangeAspect="1"/>
+          </p:cNvPicPr>
+          <p:nvPr/>
+        </p:nvPicPr>
+        <p:blipFill rotWithShape="1">
+          <a:blip r:embed="rId3">
+            <a:extLst>
+              <a:ext uri="{28A0092B-C50C-407E-A947-70E740481C1C}">
+                <a14:useLocalDpi xmlns:a14="http://schemas.microsoft.com/office/drawing/2010/main" val="0"/>
+              </a:ext>
+            </a:extLst>
+          </a:blip>
+          <a:srcRect t="27517" b="36674"/>
+          <a:stretch/>
+        </p:blipFill>
+        <p:spPr>
+          <a:xfrm>
+            <a:off x="2859027" y="5091193"/>
+            <a:ext cx="5370573" cy="974386"/>
           </a:xfrm>
           <a:prstGeom prst="rect">
             <a:avLst/>

--- a/Memoria_pres.pptx
+++ b/Memoria_pres.pptx
@@ -15788,7 +15788,7 @@
           <a:p>
             <a:fld id="{73A294DA-5B1F-406C-B1D4-C938C7055EF9}" type="datetimeFigureOut">
               <a:rPr lang="es-ES" smtClean="0"/>
-              <a:t>07/01/2023</a:t>
+              <a:t>08/01/2023</a:t>
             </a:fld>
             <a:endParaRPr lang="es-ES"/>
           </a:p>
@@ -15988,7 +15988,7 @@
           <a:p>
             <a:fld id="{73A294DA-5B1F-406C-B1D4-C938C7055EF9}" type="datetimeFigureOut">
               <a:rPr lang="es-ES" smtClean="0"/>
-              <a:t>07/01/2023</a:t>
+              <a:t>08/01/2023</a:t>
             </a:fld>
             <a:endParaRPr lang="es-ES"/>
           </a:p>
@@ -16198,7 +16198,7 @@
           <a:p>
             <a:fld id="{73A294DA-5B1F-406C-B1D4-C938C7055EF9}" type="datetimeFigureOut">
               <a:rPr lang="es-ES" smtClean="0"/>
-              <a:t>07/01/2023</a:t>
+              <a:t>08/01/2023</a:t>
             </a:fld>
             <a:endParaRPr lang="es-ES"/>
           </a:p>
@@ -16398,7 +16398,7 @@
           <a:p>
             <a:fld id="{73A294DA-5B1F-406C-B1D4-C938C7055EF9}" type="datetimeFigureOut">
               <a:rPr lang="es-ES" smtClean="0"/>
-              <a:t>07/01/2023</a:t>
+              <a:t>08/01/2023</a:t>
             </a:fld>
             <a:endParaRPr lang="es-ES"/>
           </a:p>
@@ -16674,7 +16674,7 @@
           <a:p>
             <a:fld id="{73A294DA-5B1F-406C-B1D4-C938C7055EF9}" type="datetimeFigureOut">
               <a:rPr lang="es-ES" smtClean="0"/>
-              <a:t>07/01/2023</a:t>
+              <a:t>08/01/2023</a:t>
             </a:fld>
             <a:endParaRPr lang="es-ES"/>
           </a:p>
@@ -16942,7 +16942,7 @@
           <a:p>
             <a:fld id="{73A294DA-5B1F-406C-B1D4-C938C7055EF9}" type="datetimeFigureOut">
               <a:rPr lang="es-ES" smtClean="0"/>
-              <a:t>07/01/2023</a:t>
+              <a:t>08/01/2023</a:t>
             </a:fld>
             <a:endParaRPr lang="es-ES"/>
           </a:p>
@@ -17357,7 +17357,7 @@
           <a:p>
             <a:fld id="{73A294DA-5B1F-406C-B1D4-C938C7055EF9}" type="datetimeFigureOut">
               <a:rPr lang="es-ES" smtClean="0"/>
-              <a:t>07/01/2023</a:t>
+              <a:t>08/01/2023</a:t>
             </a:fld>
             <a:endParaRPr lang="es-ES"/>
           </a:p>
@@ -17499,7 +17499,7 @@
           <a:p>
             <a:fld id="{73A294DA-5B1F-406C-B1D4-C938C7055EF9}" type="datetimeFigureOut">
               <a:rPr lang="es-ES" smtClean="0"/>
-              <a:t>07/01/2023</a:t>
+              <a:t>08/01/2023</a:t>
             </a:fld>
             <a:endParaRPr lang="es-ES"/>
           </a:p>
@@ -17612,7 +17612,7 @@
           <a:p>
             <a:fld id="{73A294DA-5B1F-406C-B1D4-C938C7055EF9}" type="datetimeFigureOut">
               <a:rPr lang="es-ES" smtClean="0"/>
-              <a:t>07/01/2023</a:t>
+              <a:t>08/01/2023</a:t>
             </a:fld>
             <a:endParaRPr lang="es-ES"/>
           </a:p>
@@ -17925,7 +17925,7 @@
           <a:p>
             <a:fld id="{73A294DA-5B1F-406C-B1D4-C938C7055EF9}" type="datetimeFigureOut">
               <a:rPr lang="es-ES" smtClean="0"/>
-              <a:t>07/01/2023</a:t>
+              <a:t>08/01/2023</a:t>
             </a:fld>
             <a:endParaRPr lang="es-ES"/>
           </a:p>
@@ -18214,7 +18214,7 @@
           <a:p>
             <a:fld id="{73A294DA-5B1F-406C-B1D4-C938C7055EF9}" type="datetimeFigureOut">
               <a:rPr lang="es-ES" smtClean="0"/>
-              <a:t>07/01/2023</a:t>
+              <a:t>08/01/2023</a:t>
             </a:fld>
             <a:endParaRPr lang="es-ES"/>
           </a:p>
@@ -18457,7 +18457,7 @@
           <a:p>
             <a:fld id="{73A294DA-5B1F-406C-B1D4-C938C7055EF9}" type="datetimeFigureOut">
               <a:rPr lang="es-ES" smtClean="0"/>
-              <a:t>07/01/2023</a:t>
+              <a:t>08/01/2023</a:t>
             </a:fld>
             <a:endParaRPr lang="es-ES"/>
           </a:p>
@@ -23761,8 +23761,8 @@
         </p:nvSpPr>
         <p:spPr>
           <a:xfrm>
-            <a:off x="434410" y="1557571"/>
-            <a:ext cx="5162057" cy="4619854"/>
+            <a:off x="338667" y="1978485"/>
+            <a:ext cx="5162057" cy="3373359"/>
           </a:xfrm>
           <a:prstGeom prst="rect">
             <a:avLst/>
@@ -23783,20 +23783,12 @@
               <a:buChar char="•"/>
             </a:pPr>
             <a:r>
-              <a:rPr lang="es-ES" dirty="0">
-                <a:solidFill>
-                  <a:srgbClr val="002060"/>
-                </a:solidFill>
-              </a:rPr>
-              <a:t>El conjunto de datos a tratar es el obtenido como resultado de la práctica anterior de Web </a:t>
-            </a:r>
-            <a:r>
               <a:rPr lang="es-ES" dirty="0" err="1">
                 <a:solidFill>
                   <a:srgbClr val="002060"/>
                 </a:solidFill>
               </a:rPr>
-              <a:t>Scraping</a:t>
+              <a:t>Dataset</a:t>
             </a:r>
             <a:r>
               <a:rPr lang="es-ES" dirty="0">
@@ -23804,7 +23796,7 @@
                   <a:srgbClr val="002060"/>
                 </a:solidFill>
               </a:rPr>
-              <a:t>.</a:t>
+              <a:t> obtenido de la Práctica 1.</a:t>
             </a:r>
           </a:p>
           <a:p>
@@ -23837,7 +23829,7 @@
                   <a:srgbClr val="002060"/>
                 </a:solidFill>
               </a:rPr>
-              <a:t> contiene los datos e indicadores más relevantes de cada uno de los hoteles encontrados en función de determinados criterios de búsqueda.</a:t>
+              <a:t> contiene los datos e indicadores más relevantes de cada uno de los hoteles encontrados:</a:t>
             </a:r>
           </a:p>
           <a:p>
@@ -23854,23 +23846,7 @@
                   <a:srgbClr val="002060"/>
                 </a:solidFill>
               </a:rPr>
-              <a:t>En concreto, en el </a:t>
-            </a:r>
-            <a:r>
-              <a:rPr lang="es-ES" dirty="0" err="1">
-                <a:solidFill>
-                  <a:srgbClr val="002060"/>
-                </a:solidFill>
-              </a:rPr>
-              <a:t>dataset</a:t>
-            </a:r>
-            <a:r>
-              <a:rPr lang="es-ES" dirty="0">
-                <a:solidFill>
-                  <a:srgbClr val="002060"/>
-                </a:solidFill>
-              </a:rPr>
-              <a:t> encontramos datos de habitaciones para tres ciudades distintas (Barcelona, Madrid y Valencia) en tres meses distintos (Diciembre, Marzo y Junio).</a:t>
+              <a:t>Datos de habitaciones para tres ciudades distintas (Barcelona, Madrid y Valencia) en tres meses distintos (Diciembre, Marzo y Junio).</a:t>
             </a:r>
           </a:p>
         </p:txBody>
@@ -26907,8 +26883,8 @@
         </p:nvSpPr>
         <p:spPr>
           <a:xfrm>
-            <a:off x="254190" y="1146074"/>
-            <a:ext cx="6715087" cy="4989186"/>
+            <a:off x="128966" y="1417183"/>
+            <a:ext cx="6715087" cy="4116768"/>
           </a:xfrm>
           <a:prstGeom prst="rect">
             <a:avLst/>
@@ -27003,41 +26979,6 @@
                 </a:solidFill>
                 <a:sym typeface="Wingdings" panose="05000000000000000000" pitchFamily="2" charset="2"/>
               </a:rPr>
-              <a:t>Eliminación de columnas con información redundante (Por. </a:t>
-            </a:r>
-            <a:r>
-              <a:rPr lang="es-ES" sz="1600" dirty="0" err="1">
-                <a:solidFill>
-                  <a:srgbClr val="002060"/>
-                </a:solidFill>
-                <a:sym typeface="Wingdings" panose="05000000000000000000" pitchFamily="2" charset="2"/>
-              </a:rPr>
-              <a:t>Ej</a:t>
-            </a:r>
-            <a:r>
-              <a:rPr lang="es-ES" sz="1600" dirty="0">
-                <a:solidFill>
-                  <a:srgbClr val="002060"/>
-                </a:solidFill>
-                <a:sym typeface="Wingdings" panose="05000000000000000000" pitchFamily="2" charset="2"/>
-              </a:rPr>
-              <a:t>: el nombre del alojamiento).</a:t>
-            </a:r>
-          </a:p>
-          <a:p>
-            <a:pPr marL="342900" indent="-342900" algn="just">
-              <a:lnSpc>
-                <a:spcPct val="150000"/>
-              </a:lnSpc>
-              <a:buAutoNum type="arabicPeriod"/>
-            </a:pPr>
-            <a:r>
-              <a:rPr lang="es-ES" sz="1600" dirty="0">
-                <a:solidFill>
-                  <a:srgbClr val="002060"/>
-                </a:solidFill>
-                <a:sym typeface="Wingdings" panose="05000000000000000000" pitchFamily="2" charset="2"/>
-              </a:rPr>
               <a:t>Split de </a:t>
             </a:r>
             <a:r>
@@ -27056,7 +26997,7 @@
                 </a:solidFill>
                 <a:sym typeface="Wingdings" panose="05000000000000000000" pitchFamily="2" charset="2"/>
               </a:rPr>
-              <a:t> en función de un separador completo para generar 2 o más columnas nuevas.</a:t>
+              <a:t> en función de un separador para generar 2 o más columnas nuevas.</a:t>
             </a:r>
           </a:p>
           <a:p>
@@ -27388,8 +27329,8 @@
         </p:nvSpPr>
         <p:spPr>
           <a:xfrm>
-            <a:off x="440456" y="1080079"/>
-            <a:ext cx="6816687" cy="5732595"/>
+            <a:off x="440456" y="1543740"/>
+            <a:ext cx="6816687" cy="3770519"/>
           </a:xfrm>
           <a:prstGeom prst="rect">
             <a:avLst/>
@@ -27480,8 +27421,23 @@
                 </a:solidFill>
                 <a:sym typeface="Wingdings" panose="05000000000000000000" pitchFamily="2" charset="2"/>
               </a:rPr>
-              <a:t> en la mayoría del resto de columnas, por lo que en estos casos se ha optado por eliminar dichas filas.</a:t>
+              <a:t> en la mayoría del resto de columnas  </a:t>
             </a:r>
+            <a:r>
+              <a:rPr lang="es-ES" sz="1600" b="1" dirty="0">
+                <a:solidFill>
+                  <a:srgbClr val="002060"/>
+                </a:solidFill>
+                <a:sym typeface="Wingdings" panose="05000000000000000000" pitchFamily="2" charset="2"/>
+              </a:rPr>
+              <a:t>Eliminación de registros.</a:t>
+            </a:r>
+            <a:endParaRPr lang="es-ES" sz="1600" dirty="0">
+              <a:solidFill>
+                <a:srgbClr val="002060"/>
+              </a:solidFill>
+              <a:sym typeface="Wingdings" panose="05000000000000000000" pitchFamily="2" charset="2"/>
+            </a:endParaRPr>
           </a:p>
           <a:p>
             <a:pPr marL="342900" indent="-342900" algn="just">
@@ -27552,7 +27508,61 @@
                 </a:solidFill>
                 <a:sym typeface="Wingdings" panose="05000000000000000000" pitchFamily="2" charset="2"/>
               </a:rPr>
-              <a:t> etc.) no presentan la misma problemática que las anteriores, por lo que en estos casos se ha preferido mantener los registros y llevar a cabo una imputación mediante el algoritmo de K Vecinos más Próximos (o KNN).</a:t>
+              <a:t> etc.) no presentan la misma problemática que las anteriores  </a:t>
+            </a:r>
+            <a:r>
+              <a:rPr lang="es-ES" sz="1600" b="1" dirty="0">
+                <a:solidFill>
+                  <a:srgbClr val="002060"/>
+                </a:solidFill>
+                <a:sym typeface="Wingdings" panose="05000000000000000000" pitchFamily="2" charset="2"/>
+              </a:rPr>
+              <a:t>Mantener registros e </a:t>
+            </a:r>
+            <a:r>
+              <a:rPr lang="es-ES" sz="1600" b="1" dirty="0" err="1">
+                <a:solidFill>
+                  <a:srgbClr val="002060"/>
+                </a:solidFill>
+                <a:sym typeface="Wingdings" panose="05000000000000000000" pitchFamily="2" charset="2"/>
+              </a:rPr>
+              <a:t>inputar</a:t>
+            </a:r>
+            <a:r>
+              <a:rPr lang="es-ES" sz="1600" b="1" dirty="0">
+                <a:solidFill>
+                  <a:srgbClr val="002060"/>
+                </a:solidFill>
+                <a:sym typeface="Wingdings" panose="05000000000000000000" pitchFamily="2" charset="2"/>
+              </a:rPr>
+              <a:t> con </a:t>
+            </a:r>
+            <a:r>
+              <a:rPr lang="es-ES" sz="1600" dirty="0">
+                <a:solidFill>
+                  <a:srgbClr val="002060"/>
+                </a:solidFill>
+                <a:sym typeface="Wingdings" panose="05000000000000000000" pitchFamily="2" charset="2"/>
+              </a:rPr>
+              <a:t> </a:t>
+            </a:r>
+            <a:r>
+              <a:rPr lang="es-ES" sz="1600" b="1" dirty="0">
+                <a:solidFill>
+                  <a:srgbClr val="002060"/>
+                </a:solidFill>
+                <a:sym typeface="Wingdings" panose="05000000000000000000" pitchFamily="2" charset="2"/>
+              </a:rPr>
+              <a:t>KNN</a:t>
+            </a:r>
+            <a:r>
+              <a:rPr lang="es-ES" sz="1600" dirty="0">
+                <a:solidFill>
+                  <a:srgbClr val="002060"/>
+                </a:solidFill>
+                <a:sym typeface="Wingdings" panose="05000000000000000000" pitchFamily="2" charset="2"/>
+              </a:rPr>
+              <a:t>.</a:t>
             </a:r>
           </a:p>
           <a:p>
@@ -27570,7 +27580,7 @@
                 </a:solidFill>
                 <a:sym typeface="Wingdings" panose="05000000000000000000" pitchFamily="2" charset="2"/>
               </a:rPr>
-              <a:t>Cabe destacar el caso de </a:t>
+              <a:t>Caso especial con </a:t>
             </a:r>
             <a:r>
               <a:rPr lang="es-ES" sz="1600" dirty="0" err="1">
@@ -27588,43 +27598,7 @@
                 </a:solidFill>
                 <a:sym typeface="Wingdings" panose="05000000000000000000" pitchFamily="2" charset="2"/>
               </a:rPr>
-              <a:t>, en el que encontramos valores faltantes tanto como </a:t>
-            </a:r>
-            <a:r>
-              <a:rPr lang="es-ES" sz="1600" dirty="0" err="1">
-                <a:solidFill>
-                  <a:srgbClr val="002060"/>
-                </a:solidFill>
-                <a:sym typeface="Wingdings" panose="05000000000000000000" pitchFamily="2" charset="2"/>
-              </a:rPr>
-              <a:t>NAs</a:t>
-            </a:r>
-            <a:r>
-              <a:rPr lang="es-ES" sz="1600" dirty="0">
-                <a:solidFill>
-                  <a:srgbClr val="002060"/>
-                </a:solidFill>
-                <a:sym typeface="Wingdings" panose="05000000000000000000" pitchFamily="2" charset="2"/>
-              </a:rPr>
-              <a:t> (por un fallo del web </a:t>
-            </a:r>
-            <a:r>
-              <a:rPr lang="es-ES" sz="1600" dirty="0" err="1">
-                <a:solidFill>
-                  <a:srgbClr val="002060"/>
-                </a:solidFill>
-                <a:sym typeface="Wingdings" panose="05000000000000000000" pitchFamily="2" charset="2"/>
-              </a:rPr>
-              <a:t>scraper</a:t>
-            </a:r>
-            <a:r>
-              <a:rPr lang="es-ES" sz="1600" dirty="0">
-                <a:solidFill>
-                  <a:srgbClr val="002060"/>
-                </a:solidFill>
-                <a:sym typeface="Wingdings" panose="05000000000000000000" pitchFamily="2" charset="2"/>
-              </a:rPr>
-              <a:t>) como con valor “-1” (debido a que el hotel no presentaba estos valores). </a:t>
+              <a:t>  </a:t>
             </a:r>
             <a:r>
               <a:rPr lang="es-ES" sz="1600" b="1" dirty="0">
@@ -27873,7 +27847,7 @@
         <p:spPr>
           <a:xfrm>
             <a:off x="440456" y="1088573"/>
-            <a:ext cx="10864282" cy="2126864"/>
+            <a:ext cx="10864282" cy="1711366"/>
           </a:xfrm>
           <a:prstGeom prst="rect">
             <a:avLst/>
@@ -27897,7 +27871,7 @@
                   <a:srgbClr val="002060"/>
                 </a:solidFill>
               </a:rPr>
-              <a:t>Los valores extremos se han intentado detectar visualmente mediante el uso de box-</a:t>
+              <a:t>Uso de box-</a:t>
             </a:r>
             <a:r>
               <a:rPr lang="es-ES" dirty="0" err="1">
@@ -27913,7 +27887,7 @@
                   <a:srgbClr val="002060"/>
                 </a:solidFill>
               </a:rPr>
-              <a:t> y por otro lado se ha hecho uso de la función “</a:t>
+              <a:t> para detección visual y uso de la función “</a:t>
             </a:r>
             <a:r>
               <a:rPr lang="es-ES" dirty="0" err="1">
@@ -27945,40 +27919,20 @@
                   <a:srgbClr val="002060"/>
                 </a:solidFill>
               </a:rPr>
-              <a:t> si nos basamos en los </a:t>
+              <a:t>. </a:t>
             </a:r>
-            <a:r>
-              <a:rPr lang="es-ES" dirty="0" err="1">
-                <a:solidFill>
-                  <a:srgbClr val="002060"/>
-                </a:solidFill>
-              </a:rPr>
-              <a:t>boxplots</a:t>
-            </a:r>
-            <a:r>
-              <a:rPr lang="es-ES" dirty="0">
-                <a:solidFill>
-                  <a:srgbClr val="002060"/>
-                </a:solidFill>
-              </a:rPr>
-              <a:t>. En este caso, consideramos </a:t>
-            </a:r>
-            <a:r>
-              <a:rPr lang="es-ES" dirty="0" err="1">
-                <a:solidFill>
-                  <a:srgbClr val="002060"/>
-                </a:solidFill>
-              </a:rPr>
-              <a:t>outliers</a:t>
-            </a:r>
-            <a:r>
-              <a:rPr lang="es-ES" dirty="0">
-                <a:solidFill>
-                  <a:srgbClr val="002060"/>
-                </a:solidFill>
-              </a:rPr>
-              <a:t> a aquellos puntos que se sitúan más allá de 1.5 veces el índice intercuartílico con respecto a la mediana. </a:t>
-            </a:r>
+            <a:endParaRPr lang="es-ES" b="1" dirty="0">
+              <a:solidFill>
+                <a:srgbClr val="002060"/>
+              </a:solidFill>
+            </a:endParaRPr>
+          </a:p>
+          <a:p>
+            <a:pPr algn="just">
+              <a:lnSpc>
+                <a:spcPct val="150000"/>
+              </a:lnSpc>
+            </a:pPr>
             <a:r>
               <a:rPr lang="es-ES" b="1" dirty="0">
                 <a:solidFill>
@@ -28037,8 +27991,8 @@
         </p:blipFill>
         <p:spPr bwMode="auto">
           <a:xfrm>
-            <a:off x="5491143" y="3528689"/>
-            <a:ext cx="6260401" cy="2653036"/>
+            <a:off x="5491143" y="2913813"/>
+            <a:ext cx="6260401" cy="3267912"/>
           </a:xfrm>
           <a:prstGeom prst="rect">
             <a:avLst/>
@@ -28075,8 +28029,8 @@
         </p:blipFill>
         <p:spPr>
           <a:xfrm>
-            <a:off x="440456" y="3429000"/>
-            <a:ext cx="4782684" cy="2752725"/>
+            <a:off x="440456" y="3120572"/>
+            <a:ext cx="4782684" cy="3061154"/>
           </a:xfrm>
           <a:prstGeom prst="rect">
             <a:avLst/>
@@ -28239,7 +28193,7 @@
         <p:spPr>
           <a:xfrm>
             <a:off x="440456" y="1235188"/>
-            <a:ext cx="10779087" cy="3615733"/>
+            <a:ext cx="10779087" cy="3200235"/>
           </a:xfrm>
           <a:prstGeom prst="rect">
             <a:avLst/>
@@ -28306,7 +28260,7 @@
                   <a:srgbClr val="002060"/>
                 </a:solidFill>
               </a:rPr>
-              <a:t>Como parte de integración hemos decidido introducir datos sobre el número de vuelos medio por mes (datos extraídos de Eurostat) por distintas razones:</a:t>
+              <a:t>Introducción de datos sobre el número de vuelos medio por mes por distintas razones:</a:t>
             </a:r>
           </a:p>
           <a:p>

--- a/Memoria_pres.pptx
+++ b/Memoria_pres.pptx
@@ -15788,7 +15788,7 @@
           <a:p>
             <a:fld id="{73A294DA-5B1F-406C-B1D4-C938C7055EF9}" type="datetimeFigureOut">
               <a:rPr lang="es-ES" smtClean="0"/>
-              <a:t>08/01/2023</a:t>
+              <a:t>09/01/2023</a:t>
             </a:fld>
             <a:endParaRPr lang="es-ES"/>
           </a:p>
@@ -15988,7 +15988,7 @@
           <a:p>
             <a:fld id="{73A294DA-5B1F-406C-B1D4-C938C7055EF9}" type="datetimeFigureOut">
               <a:rPr lang="es-ES" smtClean="0"/>
-              <a:t>08/01/2023</a:t>
+              <a:t>09/01/2023</a:t>
             </a:fld>
             <a:endParaRPr lang="es-ES"/>
           </a:p>
@@ -16198,7 +16198,7 @@
           <a:p>
             <a:fld id="{73A294DA-5B1F-406C-B1D4-C938C7055EF9}" type="datetimeFigureOut">
               <a:rPr lang="es-ES" smtClean="0"/>
-              <a:t>08/01/2023</a:t>
+              <a:t>09/01/2023</a:t>
             </a:fld>
             <a:endParaRPr lang="es-ES"/>
           </a:p>
@@ -16398,7 +16398,7 @@
           <a:p>
             <a:fld id="{73A294DA-5B1F-406C-B1D4-C938C7055EF9}" type="datetimeFigureOut">
               <a:rPr lang="es-ES" smtClean="0"/>
-              <a:t>08/01/2023</a:t>
+              <a:t>09/01/2023</a:t>
             </a:fld>
             <a:endParaRPr lang="es-ES"/>
           </a:p>
@@ -16674,7 +16674,7 @@
           <a:p>
             <a:fld id="{73A294DA-5B1F-406C-B1D4-C938C7055EF9}" type="datetimeFigureOut">
               <a:rPr lang="es-ES" smtClean="0"/>
-              <a:t>08/01/2023</a:t>
+              <a:t>09/01/2023</a:t>
             </a:fld>
             <a:endParaRPr lang="es-ES"/>
           </a:p>
@@ -16942,7 +16942,7 @@
           <a:p>
             <a:fld id="{73A294DA-5B1F-406C-B1D4-C938C7055EF9}" type="datetimeFigureOut">
               <a:rPr lang="es-ES" smtClean="0"/>
-              <a:t>08/01/2023</a:t>
+              <a:t>09/01/2023</a:t>
             </a:fld>
             <a:endParaRPr lang="es-ES"/>
           </a:p>
@@ -17357,7 +17357,7 @@
           <a:p>
             <a:fld id="{73A294DA-5B1F-406C-B1D4-C938C7055EF9}" type="datetimeFigureOut">
               <a:rPr lang="es-ES" smtClean="0"/>
-              <a:t>08/01/2023</a:t>
+              <a:t>09/01/2023</a:t>
             </a:fld>
             <a:endParaRPr lang="es-ES"/>
           </a:p>
@@ -17499,7 +17499,7 @@
           <a:p>
             <a:fld id="{73A294DA-5B1F-406C-B1D4-C938C7055EF9}" type="datetimeFigureOut">
               <a:rPr lang="es-ES" smtClean="0"/>
-              <a:t>08/01/2023</a:t>
+              <a:t>09/01/2023</a:t>
             </a:fld>
             <a:endParaRPr lang="es-ES"/>
           </a:p>
@@ -17612,7 +17612,7 @@
           <a:p>
             <a:fld id="{73A294DA-5B1F-406C-B1D4-C938C7055EF9}" type="datetimeFigureOut">
               <a:rPr lang="es-ES" smtClean="0"/>
-              <a:t>08/01/2023</a:t>
+              <a:t>09/01/2023</a:t>
             </a:fld>
             <a:endParaRPr lang="es-ES"/>
           </a:p>
@@ -17925,7 +17925,7 @@
           <a:p>
             <a:fld id="{73A294DA-5B1F-406C-B1D4-C938C7055EF9}" type="datetimeFigureOut">
               <a:rPr lang="es-ES" smtClean="0"/>
-              <a:t>08/01/2023</a:t>
+              <a:t>09/01/2023</a:t>
             </a:fld>
             <a:endParaRPr lang="es-ES"/>
           </a:p>
@@ -18214,7 +18214,7 @@
           <a:p>
             <a:fld id="{73A294DA-5B1F-406C-B1D4-C938C7055EF9}" type="datetimeFigureOut">
               <a:rPr lang="es-ES" smtClean="0"/>
-              <a:t>08/01/2023</a:t>
+              <a:t>09/01/2023</a:t>
             </a:fld>
             <a:endParaRPr lang="es-ES"/>
           </a:p>
@@ -18457,7 +18457,7 @@
           <a:p>
             <a:fld id="{73A294DA-5B1F-406C-B1D4-C938C7055EF9}" type="datetimeFigureOut">
               <a:rPr lang="es-ES" smtClean="0"/>
-              <a:t>08/01/2023</a:t>
+              <a:t>09/01/2023</a:t>
             </a:fld>
             <a:endParaRPr lang="es-ES"/>
           </a:p>

--- a/Memoria_pres.pptx
+++ b/Memoria_pres.pptx
@@ -4,6 +4,9 @@
   <p:sldMasterIdLst>
     <p:sldMasterId id="2147483648" r:id="rId1"/>
   </p:sldMasterIdLst>
+  <p:notesMasterIdLst>
+    <p:notesMasterId r:id="rId21"/>
+  </p:notesMasterIdLst>
   <p:sldIdLst>
     <p:sldId id="256" r:id="rId2"/>
     <p:sldId id="269" r:id="rId3"/>
@@ -3129,10 +3132,10 @@
     <dgm:cxn modelId="{8AF74424-F329-FC49-B506-4D761EF486ED}" type="presOf" srcId="{EF1185AE-C50F-F545-A7DF-F773CFDD6ACB}" destId="{5409C6C1-0E28-C748-A449-2EBE04AACA35}" srcOrd="1" destOrd="0" presId="urn:microsoft.com/office/officeart/2005/8/layout/vProcess5"/>
     <dgm:cxn modelId="{B6F25928-1C50-584B-8C88-DAC3ABDF22B0}" type="presOf" srcId="{C17FEE4A-8A09-5645-87B4-1B77E7E9E30B}" destId="{09F957A7-3730-DB48-B533-559E6783C573}" srcOrd="0" destOrd="0" presId="urn:microsoft.com/office/officeart/2005/8/layout/vProcess5"/>
     <dgm:cxn modelId="{DE21BF2E-0195-7F4F-BB84-A3CB05658E2D}" srcId="{DBD4B207-E739-4448-B73A-A1908D0C19C9}" destId="{0C9DB628-107A-394D-9DE4-D764D8966AE5}" srcOrd="4" destOrd="0" parTransId="{15649590-0E1C-5644-B7F3-5FCC4FAD83C1}" sibTransId="{F69DB093-57E3-7C4F-B758-960136179907}"/>
+    <dgm:cxn modelId="{A42BDB4C-B43C-2343-9FC4-2B196AB1DEC1}" type="presOf" srcId="{751B48B7-51CF-8F43-81E1-4E829340731D}" destId="{AAB7B6BE-73AC-FD48-8868-D26FFBCAEE7B}" srcOrd="0" destOrd="0" presId="urn:microsoft.com/office/officeart/2005/8/layout/vProcess5"/>
+    <dgm:cxn modelId="{8811E354-CE42-8942-ADC7-D251A0B45C3C}" type="presOf" srcId="{EF1185AE-C50F-F545-A7DF-F773CFDD6ACB}" destId="{FBB442C6-6A8B-964D-B6A3-A50052BF110E}" srcOrd="0" destOrd="0" presId="urn:microsoft.com/office/officeart/2005/8/layout/vProcess5"/>
     <dgm:cxn modelId="{D928AB66-0455-5542-B77F-683C188574AD}" type="presOf" srcId="{C17FEE4A-8A09-5645-87B4-1B77E7E9E30B}" destId="{CD96E06C-62BE-4F41-AD4F-A595088DF385}" srcOrd="1" destOrd="0" presId="urn:microsoft.com/office/officeart/2005/8/layout/vProcess5"/>
-    <dgm:cxn modelId="{A42BDB4C-B43C-2343-9FC4-2B196AB1DEC1}" type="presOf" srcId="{751B48B7-51CF-8F43-81E1-4E829340731D}" destId="{AAB7B6BE-73AC-FD48-8868-D26FFBCAEE7B}" srcOrd="0" destOrd="0" presId="urn:microsoft.com/office/officeart/2005/8/layout/vProcess5"/>
     <dgm:cxn modelId="{B46BC871-F6A1-2A45-8794-E723751344DA}" type="presOf" srcId="{0C9DB628-107A-394D-9DE4-D764D8966AE5}" destId="{F7396D1B-13AC-434E-91C0-E3AC39ED3FF8}" srcOrd="0" destOrd="0" presId="urn:microsoft.com/office/officeart/2005/8/layout/vProcess5"/>
-    <dgm:cxn modelId="{8811E354-CE42-8942-ADC7-D251A0B45C3C}" type="presOf" srcId="{EF1185AE-C50F-F545-A7DF-F773CFDD6ACB}" destId="{FBB442C6-6A8B-964D-B6A3-A50052BF110E}" srcOrd="0" destOrd="0" presId="urn:microsoft.com/office/officeart/2005/8/layout/vProcess5"/>
     <dgm:cxn modelId="{BB4DA286-80B9-9046-8BA6-53F06B3350E9}" type="presOf" srcId="{C1C7179B-41DD-6C4A-8732-AF83FF30EE4B}" destId="{038A1066-8266-7640-9E1A-8972A37E2DD2}" srcOrd="0" destOrd="0" presId="urn:microsoft.com/office/officeart/2005/8/layout/vProcess5"/>
     <dgm:cxn modelId="{8794E589-0AF3-B845-AB8D-AEE4DC42670E}" type="presOf" srcId="{DBD4B207-E739-4448-B73A-A1908D0C19C9}" destId="{7C74D5C8-F840-974A-A259-3017936A67E8}" srcOrd="0" destOrd="0" presId="urn:microsoft.com/office/officeart/2005/8/layout/vProcess5"/>
     <dgm:cxn modelId="{3B863E9C-2326-594B-A032-7299C88654B6}" srcId="{DBD4B207-E739-4448-B73A-A1908D0C19C9}" destId="{751B48B7-51CF-8F43-81E1-4E829340731D}" srcOrd="1" destOrd="0" parTransId="{8BBB9420-C289-DF43-9FE5-244DED554876}" sibTransId="{6069F0F9-2F9B-F940-A604-665D3CECDA12}"/>
@@ -5732,38 +5735,38 @@
     <dgm:cxn modelId="{EB4AC73A-8536-9544-81CE-BCB700F0DF17}" srcId="{71AAE4DF-DDA9-4949-AD48-6F122CAFD057}" destId="{BA69E4BF-DAB0-7E47-9C50-10FBF59DA58F}" srcOrd="6" destOrd="0" parTransId="{41A38DEB-04F1-A74F-9C95-6A3925EE8857}" sibTransId="{873BDE57-7CC2-0440-82CE-B658469E3861}"/>
     <dgm:cxn modelId="{8DF24F3C-496F-4D41-90D4-4919AB497003}" srcId="{28D5221A-BD74-3D4B-AFB4-4550713B6A46}" destId="{63F9CB0A-1442-A443-A2CC-BDA05E7E2202}" srcOrd="0" destOrd="0" parTransId="{DEC80EDC-48A9-6F4A-91F3-FF9EC7B7432C}" sibTransId="{C71E81B2-057C-1B40-80B5-D59FE4EC5B01}"/>
     <dgm:cxn modelId="{6A2AF43C-CE6C-944C-BB0D-526B75DCB36A}" srcId="{0A895738-3D40-E74A-B397-D507CCF0DD94}" destId="{CFD95037-DBE9-9446-AB53-4E6BACDF12FC}" srcOrd="1" destOrd="0" parTransId="{E46D758E-046D-8F4C-A24E-EA349855564C}" sibTransId="{59C68D5B-CC5D-F348-9F50-AF51690F1EB8}"/>
-    <dgm:cxn modelId="{5A4CED5E-3FCA-DF42-B300-CBA2CCBCF4CA}" type="presOf" srcId="{C6FE8727-257A-8047-8E43-E27FCE69CC84}" destId="{DAB8C1E6-595B-3749-86CB-01C31DF4F5B6}" srcOrd="0" destOrd="10" presId="urn:microsoft.com/office/officeart/2005/8/layout/hList1"/>
-    <dgm:cxn modelId="{DA009D5F-BC16-F94D-9B7D-725A2D7BAB65}" srcId="{63F9CB0A-1442-A443-A2CC-BDA05E7E2202}" destId="{5B289611-B3C7-5F49-B2B2-5E26789841AA}" srcOrd="7" destOrd="0" parTransId="{03D39601-6438-A146-BE76-1F45672854BA}" sibTransId="{4D2CDD66-84BF-D644-91EE-CD39B324C580}"/>
     <dgm:cxn modelId="{0DCF8941-1736-0447-BC18-8F489BCE9C30}" srcId="{71AAE4DF-DDA9-4949-AD48-6F122CAFD057}" destId="{38D892D8-ED0F-6F41-B291-C9FF143724CA}" srcOrd="1" destOrd="0" parTransId="{3859C20E-5D4C-C546-BC75-63B20C1FFD6C}" sibTransId="{450E1B8C-513C-E049-9694-A8036905AB43}"/>
     <dgm:cxn modelId="{F58F9E42-9737-FD4E-8C56-50ABD310EB64}" type="presOf" srcId="{74B7F226-0836-874F-A3BF-207C591BB9FB}" destId="{635F0EEB-03D4-EB4D-9D46-58D81B829861}" srcOrd="0" destOrd="0" presId="urn:microsoft.com/office/officeart/2005/8/layout/hList1"/>
     <dgm:cxn modelId="{9182CE42-8264-0749-8D1B-72CF381A2FE1}" type="presOf" srcId="{ECA19826-E131-3143-8170-6FB978E3B754}" destId="{2B6E9592-A682-6345-BF16-231F2137BE1B}" srcOrd="0" destOrd="3" presId="urn:microsoft.com/office/officeart/2005/8/layout/hList1"/>
-    <dgm:cxn modelId="{DE5FED62-22E0-9847-B18B-8944F01FED78}" srcId="{71AAE4DF-DDA9-4949-AD48-6F122CAFD057}" destId="{1A8C27D0-72C6-5044-8526-797A288D9FB8}" srcOrd="8" destOrd="0" parTransId="{BF4D1E34-1730-3149-B143-4DA14F6CC138}" sibTransId="{3F1D6CBC-1C47-F240-A5D3-7F3BE51E15C7}"/>
     <dgm:cxn modelId="{AA1C1B43-00AA-CD43-BADA-3CABCF9DEA3F}" srcId="{71AAE4DF-DDA9-4949-AD48-6F122CAFD057}" destId="{DFBDC719-3909-9848-9B3E-9161F2C816B5}" srcOrd="0" destOrd="0" parTransId="{E3501F49-5B79-1A42-9160-8689D5B425AE}" sibTransId="{F9A939A6-370A-9646-A802-335EC3E76F01}"/>
     <dgm:cxn modelId="{ACB83243-3E15-0047-B126-0DB74F786719}" type="presOf" srcId="{33F87B13-A418-8349-B69D-B780D63F2FDA}" destId="{635F0EEB-03D4-EB4D-9D46-58D81B829861}" srcOrd="0" destOrd="3" presId="urn:microsoft.com/office/officeart/2005/8/layout/hList1"/>
     <dgm:cxn modelId="{1455AE45-EF51-E04B-9D63-6CD0F1941968}" srcId="{EE002E70-1BA6-414C-9812-44CC66DBF2F7}" destId="{B39BE120-7AA2-5844-B3DE-0FADA010FAFF}" srcOrd="6" destOrd="0" parTransId="{7B870378-EE58-894F-91E1-6AE0EF0BE966}" sibTransId="{09EB3438-EB29-9140-ACF3-893E96C366B4}"/>
-    <dgm:cxn modelId="{698E1966-86C6-2547-AC00-2FEF6A911E04}" type="presOf" srcId="{350484AC-729C-1E4F-8F60-D25F1B7D92AC}" destId="{2B6E9592-A682-6345-BF16-231F2137BE1B}" srcOrd="0" destOrd="11" presId="urn:microsoft.com/office/officeart/2005/8/layout/hList1"/>
     <dgm:cxn modelId="{11B74846-CE22-5F41-ADAE-817B401D7A78}" type="presOf" srcId="{DB8F49CC-0EAE-C943-8887-E112FC932742}" destId="{2B6E9592-A682-6345-BF16-231F2137BE1B}" srcOrd="0" destOrd="18" presId="urn:microsoft.com/office/officeart/2005/8/layout/hList1"/>
-    <dgm:cxn modelId="{FB0F6167-DA1A-8046-AF67-2950F6C79EE0}" srcId="{EE002E70-1BA6-414C-9812-44CC66DBF2F7}" destId="{EE9B25DB-61EB-1045-BC70-1F3C64B65356}" srcOrd="7" destOrd="0" parTransId="{F7053BE5-057A-1C40-8803-5A4671AC87C8}" sibTransId="{30DDA3EF-ED21-0745-811B-C8E5175528D3}"/>
     <dgm:cxn modelId="{F75B6747-C927-AC44-8EFF-83123EFDFCA4}" type="presOf" srcId="{DE92C2D8-B338-3D4D-9994-8CB589DBF76F}" destId="{635F0EEB-03D4-EB4D-9D46-58D81B829861}" srcOrd="0" destOrd="7" presId="urn:microsoft.com/office/officeart/2005/8/layout/hList1"/>
-    <dgm:cxn modelId="{B4623368-49AF-8745-97B2-A793E8F4A78A}" srcId="{713F20A0-BF72-EE43-A8DD-AF185C4B82DC}" destId="{EB634E8C-7C66-7248-9503-36E83DCFFDFA}" srcOrd="2" destOrd="0" parTransId="{A58FFCAF-CA74-D64B-BCBC-313FD4181AC0}" sibTransId="{C89FDDCB-23D7-5B4E-B676-48C917624C53}"/>
     <dgm:cxn modelId="{37DB8149-1371-0C44-8E51-10B8CEA46720}" type="presOf" srcId="{BA69E4BF-DAB0-7E47-9C50-10FBF59DA58F}" destId="{0ACA845D-9FC2-6344-8148-7E8CA16E5E7F}" srcOrd="0" destOrd="7" presId="urn:microsoft.com/office/officeart/2005/8/layout/hList1"/>
     <dgm:cxn modelId="{35AC254A-D83D-5949-A175-3E4E35EB11C1}" type="presOf" srcId="{47063CA0-0CBE-7D49-B314-4F9DB3528C0B}" destId="{0ACA845D-9FC2-6344-8148-7E8CA16E5E7F}" srcOrd="0" destOrd="11" presId="urn:microsoft.com/office/officeart/2005/8/layout/hList1"/>
+    <dgm:cxn modelId="{5A8B324C-9A73-EC43-AD3F-904C10AB887D}" srcId="{8FCAC36B-883B-CB49-B2A9-1726890C69CC}" destId="{A6D7846F-3016-9146-9509-5F44F23CA934}" srcOrd="2" destOrd="0" parTransId="{C7B8E429-BAE6-E549-A96E-B092531533E0}" sibTransId="{46DE24CA-6CE7-3D46-9E35-9921E19A126E}"/>
+    <dgm:cxn modelId="{A62C614F-8881-024F-8DC0-C829BF89A990}" type="presOf" srcId="{016DAD64-638E-6240-8EF1-2E8C1B9034C7}" destId="{DAB8C1E6-595B-3749-86CB-01C31DF4F5B6}" srcOrd="0" destOrd="1" presId="urn:microsoft.com/office/officeart/2005/8/layout/hList1"/>
+    <dgm:cxn modelId="{4A021050-6BB4-F74E-9BD3-172BBE6445EB}" type="presOf" srcId="{8FCAC36B-883B-CB49-B2A9-1726890C69CC}" destId="{F52438EA-4F92-C240-AFC6-A4B2AEE6AE1C}" srcOrd="0" destOrd="0" presId="urn:microsoft.com/office/officeart/2005/8/layout/hList1"/>
+    <dgm:cxn modelId="{74B1EC53-1C8F-1F4A-B1CC-C8B5BE590143}" type="presOf" srcId="{6DFC3944-BEA1-F940-ACC7-4FABDF550A56}" destId="{313A1F4D-7CB2-F642-B354-0BDB9ACDF771}" srcOrd="0" destOrd="2" presId="urn:microsoft.com/office/officeart/2005/8/layout/hList1"/>
+    <dgm:cxn modelId="{799A2054-F982-8F46-B1C0-73F1B68A7EAC}" type="presOf" srcId="{1A8C27D0-72C6-5044-8526-797A288D9FB8}" destId="{0ACA845D-9FC2-6344-8148-7E8CA16E5E7F}" srcOrd="0" destOrd="9" presId="urn:microsoft.com/office/officeart/2005/8/layout/hList1"/>
+    <dgm:cxn modelId="{E8A40256-DAA7-BE47-8BA7-2A4A854BE47B}" type="presOf" srcId="{C835637C-F65B-4A4C-999A-7798918F06BA}" destId="{0ACA845D-9FC2-6344-8148-7E8CA16E5E7F}" srcOrd="0" destOrd="13" presId="urn:microsoft.com/office/officeart/2005/8/layout/hList1"/>
+    <dgm:cxn modelId="{318D0458-4882-9241-B8F1-A29B8088BB8D}" srcId="{EE002E70-1BA6-414C-9812-44CC66DBF2F7}" destId="{8F7E1E02-2D70-E04C-90D8-652953180D13}" srcOrd="13" destOrd="0" parTransId="{F80D8DF8-3180-604A-B834-4B3FB4A29CB8}" sibTransId="{93CC8377-6516-F14B-A912-AEC5AE8C1DA1}"/>
+    <dgm:cxn modelId="{0C0B6A58-4CDB-DF4E-9B2F-5157383B2868}" srcId="{EE002E70-1BA6-414C-9812-44CC66DBF2F7}" destId="{ECA19826-E131-3143-8170-6FB978E3B754}" srcOrd="2" destOrd="0" parTransId="{A195020A-7C37-EB48-8F08-FC8230E32CC9}" sibTransId="{0FE27D84-46BF-8849-8331-1A5FC8DD2C73}"/>
+    <dgm:cxn modelId="{5A4CED5E-3FCA-DF42-B300-CBA2CCBCF4CA}" type="presOf" srcId="{C6FE8727-257A-8047-8E43-E27FCE69CC84}" destId="{DAB8C1E6-595B-3749-86CB-01C31DF4F5B6}" srcOrd="0" destOrd="10" presId="urn:microsoft.com/office/officeart/2005/8/layout/hList1"/>
+    <dgm:cxn modelId="{DA009D5F-BC16-F94D-9B7D-725A2D7BAB65}" srcId="{63F9CB0A-1442-A443-A2CC-BDA05E7E2202}" destId="{5B289611-B3C7-5F49-B2B2-5E26789841AA}" srcOrd="7" destOrd="0" parTransId="{03D39601-6438-A146-BE76-1F45672854BA}" sibTransId="{4D2CDD66-84BF-D644-91EE-CD39B324C580}"/>
+    <dgm:cxn modelId="{DE5FED62-22E0-9847-B18B-8944F01FED78}" srcId="{71AAE4DF-DDA9-4949-AD48-6F122CAFD057}" destId="{1A8C27D0-72C6-5044-8526-797A288D9FB8}" srcOrd="8" destOrd="0" parTransId="{BF4D1E34-1730-3149-B143-4DA14F6CC138}" sibTransId="{3F1D6CBC-1C47-F240-A5D3-7F3BE51E15C7}"/>
+    <dgm:cxn modelId="{698E1966-86C6-2547-AC00-2FEF6A911E04}" type="presOf" srcId="{350484AC-729C-1E4F-8F60-D25F1B7D92AC}" destId="{2B6E9592-A682-6345-BF16-231F2137BE1B}" srcOrd="0" destOrd="11" presId="urn:microsoft.com/office/officeart/2005/8/layout/hList1"/>
+    <dgm:cxn modelId="{FB0F6167-DA1A-8046-AF67-2950F6C79EE0}" srcId="{EE002E70-1BA6-414C-9812-44CC66DBF2F7}" destId="{EE9B25DB-61EB-1045-BC70-1F3C64B65356}" srcOrd="7" destOrd="0" parTransId="{F7053BE5-057A-1C40-8803-5A4671AC87C8}" sibTransId="{30DDA3EF-ED21-0745-811B-C8E5175528D3}"/>
+    <dgm:cxn modelId="{B4623368-49AF-8745-97B2-A793E8F4A78A}" srcId="{713F20A0-BF72-EE43-A8DD-AF185C4B82DC}" destId="{EB634E8C-7C66-7248-9503-36E83DCFFDFA}" srcOrd="2" destOrd="0" parTransId="{A58FFCAF-CA74-D64B-BCBC-313FD4181AC0}" sibTransId="{C89FDDCB-23D7-5B4E-B676-48C917624C53}"/>
     <dgm:cxn modelId="{F0A3286B-BA3C-FD4D-928F-03586CEEC86B}" srcId="{A6D7846F-3016-9146-9509-5F44F23CA934}" destId="{DB8F49CC-0EAE-C943-8887-E112FC932742}" srcOrd="0" destOrd="0" parTransId="{E3E04408-6FAC-664A-9207-A94A01C510DF}" sibTransId="{6FF47A1D-092D-9048-B35D-3C0D6759CB27}"/>
     <dgm:cxn modelId="{CFC25A6B-9F2E-1F48-B29C-5490C5C944B0}" type="presOf" srcId="{8D2B03F3-2622-FD40-8963-81F8268332EB}" destId="{2B6E9592-A682-6345-BF16-231F2137BE1B}" srcOrd="0" destOrd="5" presId="urn:microsoft.com/office/officeart/2005/8/layout/hList1"/>
-    <dgm:cxn modelId="{5A8B324C-9A73-EC43-AD3F-904C10AB887D}" srcId="{8FCAC36B-883B-CB49-B2A9-1726890C69CC}" destId="{A6D7846F-3016-9146-9509-5F44F23CA934}" srcOrd="2" destOrd="0" parTransId="{C7B8E429-BAE6-E549-A96E-B092531533E0}" sibTransId="{46DE24CA-6CE7-3D46-9E35-9921E19A126E}"/>
-    <dgm:cxn modelId="{A62C614F-8881-024F-8DC0-C829BF89A990}" type="presOf" srcId="{016DAD64-638E-6240-8EF1-2E8C1B9034C7}" destId="{DAB8C1E6-595B-3749-86CB-01C31DF4F5B6}" srcOrd="0" destOrd="1" presId="urn:microsoft.com/office/officeart/2005/8/layout/hList1"/>
     <dgm:cxn modelId="{572FEC6F-8262-404D-8F02-18EDD128C399}" srcId="{EE002E70-1BA6-414C-9812-44CC66DBF2F7}" destId="{1A5BA3FE-2D76-3845-96BA-348535CEB8D1}" srcOrd="8" destOrd="0" parTransId="{33965CB0-F7AF-C142-B4EE-6D0EF10D84F5}" sibTransId="{649EEE7D-1563-4248-929D-5CD9299F51A6}"/>
-    <dgm:cxn modelId="{4A021050-6BB4-F74E-9BD3-172BBE6445EB}" type="presOf" srcId="{8FCAC36B-883B-CB49-B2A9-1726890C69CC}" destId="{F52438EA-4F92-C240-AFC6-A4B2AEE6AE1C}" srcOrd="0" destOrd="0" presId="urn:microsoft.com/office/officeart/2005/8/layout/hList1"/>
     <dgm:cxn modelId="{7981D070-E1DA-F441-A142-C50A813AD130}" type="presOf" srcId="{9E251CFC-2A5F-6C42-99D3-BF9BD8EA3EBF}" destId="{DAB8C1E6-595B-3749-86CB-01C31DF4F5B6}" srcOrd="0" destOrd="4" presId="urn:microsoft.com/office/officeart/2005/8/layout/hList1"/>
     <dgm:cxn modelId="{FD242F71-EE05-3744-BB89-9DE25B5B883E}" type="presOf" srcId="{730D7575-CD34-6C45-9E2D-E56BBC486051}" destId="{0ACA845D-9FC2-6344-8148-7E8CA16E5E7F}" srcOrd="0" destOrd="3" presId="urn:microsoft.com/office/officeart/2005/8/layout/hList1"/>
     <dgm:cxn modelId="{E2D06871-2BE9-2F41-B849-B0A88E7ED468}" srcId="{63F9CB0A-1442-A443-A2CC-BDA05E7E2202}" destId="{016DAD64-638E-6240-8EF1-2E8C1B9034C7}" srcOrd="0" destOrd="0" parTransId="{DD27D5DA-3834-AB41-828E-98111BE13A1F}" sibTransId="{85689B27-C725-8E4A-A5B6-FB715F75B1B6}"/>
     <dgm:cxn modelId="{17C6DA72-945A-DE49-901E-57CE0D6BFAD0}" srcId="{819E0C5A-1403-8E41-AAA1-DCD6DD60F058}" destId="{8FCAC36B-883B-CB49-B2A9-1726890C69CC}" srcOrd="3" destOrd="0" parTransId="{E8A03A2C-CA25-EF4D-BF6A-78335E2FE77E}" sibTransId="{D384A8A0-6BAF-884B-BCF0-7AFB8CACFA43}"/>
     <dgm:cxn modelId="{31264873-1CCA-0944-A0B2-E46D826F39BE}" srcId="{71AAE4DF-DDA9-4949-AD48-6F122CAFD057}" destId="{89E0EB89-7578-E44F-95F9-AF1B2C0F7218}" srcOrd="3" destOrd="0" parTransId="{1EE453C3-B777-2F4F-A36B-B9FDAC3C9150}" sibTransId="{B87A37A3-39B3-B348-903D-BCECF88EB2CC}"/>
-    <dgm:cxn modelId="{74B1EC53-1C8F-1F4A-B1CC-C8B5BE590143}" type="presOf" srcId="{6DFC3944-BEA1-F940-ACC7-4FABDF550A56}" destId="{313A1F4D-7CB2-F642-B354-0BDB9ACDF771}" srcOrd="0" destOrd="2" presId="urn:microsoft.com/office/officeart/2005/8/layout/hList1"/>
-    <dgm:cxn modelId="{799A2054-F982-8F46-B1C0-73F1B68A7EAC}" type="presOf" srcId="{1A8C27D0-72C6-5044-8526-797A288D9FB8}" destId="{0ACA845D-9FC2-6344-8148-7E8CA16E5E7F}" srcOrd="0" destOrd="9" presId="urn:microsoft.com/office/officeart/2005/8/layout/hList1"/>
-    <dgm:cxn modelId="{E8A40256-DAA7-BE47-8BA7-2A4A854BE47B}" type="presOf" srcId="{C835637C-F65B-4A4C-999A-7798918F06BA}" destId="{0ACA845D-9FC2-6344-8148-7E8CA16E5E7F}" srcOrd="0" destOrd="13" presId="urn:microsoft.com/office/officeart/2005/8/layout/hList1"/>
-    <dgm:cxn modelId="{318D0458-4882-9241-B8F1-A29B8088BB8D}" srcId="{EE002E70-1BA6-414C-9812-44CC66DBF2F7}" destId="{8F7E1E02-2D70-E04C-90D8-652953180D13}" srcOrd="13" destOrd="0" parTransId="{F80D8DF8-3180-604A-B834-4B3FB4A29CB8}" sibTransId="{93CC8377-6516-F14B-A912-AEC5AE8C1DA1}"/>
-    <dgm:cxn modelId="{0C0B6A58-4CDB-DF4E-9B2F-5157383B2868}" srcId="{EE002E70-1BA6-414C-9812-44CC66DBF2F7}" destId="{ECA19826-E131-3143-8170-6FB978E3B754}" srcOrd="2" destOrd="0" parTransId="{A195020A-7C37-EB48-8F08-FC8230E32CC9}" sibTransId="{0FE27D84-46BF-8849-8331-1A5FC8DD2C73}"/>
     <dgm:cxn modelId="{8B42517F-F876-9C48-9CD3-43A4A4AD6A5D}" type="presOf" srcId="{D50A149E-1F4A-7548-A154-30DBAE9D26A1}" destId="{2B6E9592-A682-6345-BF16-231F2137BE1B}" srcOrd="0" destOrd="10" presId="urn:microsoft.com/office/officeart/2005/8/layout/hList1"/>
     <dgm:cxn modelId="{68BCD77F-2039-B847-8E91-B391164CFC70}" srcId="{EE002E70-1BA6-414C-9812-44CC66DBF2F7}" destId="{E5B71C87-286A-504C-9FED-D8FBE221DF2E}" srcOrd="3" destOrd="0" parTransId="{9D8232D3-F16E-DE4A-9828-76D8F6823B26}" sibTransId="{22FC9835-6A9E-0245-9C89-EA136571E5E4}"/>
     <dgm:cxn modelId="{4C10B282-7DAF-6648-A847-A56EE0789185}" srcId="{71AAE4DF-DDA9-4949-AD48-6F122CAFD057}" destId="{0CCE534D-A193-4E48-BA6E-8D74D4A58C31}" srcOrd="4" destOrd="0" parTransId="{7BE8AED7-E6D9-E14A-95D7-BEFD8641E486}" sibTransId="{DC5B541F-E831-4E42-8982-F78C49A275C2}"/>
@@ -7267,26 +7270,26 @@
     <dgm:cxn modelId="{DE78263C-5519-0C4D-9F5E-8A21641CCE56}" type="presOf" srcId="{4DF8BBC8-0E97-4B4B-8618-619389319A3E}" destId="{0ACA845D-9FC2-6344-8148-7E8CA16E5E7F}" srcOrd="0" destOrd="5" presId="urn:microsoft.com/office/officeart/2005/8/layout/hList1"/>
     <dgm:cxn modelId="{0DCF8941-1736-0447-BC18-8F489BCE9C30}" srcId="{71AAE4DF-DDA9-4949-AD48-6F122CAFD057}" destId="{38D892D8-ED0F-6F41-B291-C9FF143724CA}" srcOrd="1" destOrd="0" parTransId="{3859C20E-5D4C-C546-BC75-63B20C1FFD6C}" sibTransId="{450E1B8C-513C-E049-9694-A8036905AB43}"/>
     <dgm:cxn modelId="{9182CE42-8264-0749-8D1B-72CF381A2FE1}" type="presOf" srcId="{ECA19826-E131-3143-8170-6FB978E3B754}" destId="{2B6E9592-A682-6345-BF16-231F2137BE1B}" srcOrd="0" destOrd="3" presId="urn:microsoft.com/office/officeart/2005/8/layout/hList1"/>
-    <dgm:cxn modelId="{DE5FED62-22E0-9847-B18B-8944F01FED78}" srcId="{71AAE4DF-DDA9-4949-AD48-6F122CAFD057}" destId="{1A8C27D0-72C6-5044-8526-797A288D9FB8}" srcOrd="7" destOrd="0" parTransId="{BF4D1E34-1730-3149-B143-4DA14F6CC138}" sibTransId="{3F1D6CBC-1C47-F240-A5D3-7F3BE51E15C7}"/>
     <dgm:cxn modelId="{AA1C1B43-00AA-CD43-BADA-3CABCF9DEA3F}" srcId="{71AAE4DF-DDA9-4949-AD48-6F122CAFD057}" destId="{DFBDC719-3909-9848-9B3E-9161F2C816B5}" srcOrd="0" destOrd="0" parTransId="{E3501F49-5B79-1A42-9160-8689D5B425AE}" sibTransId="{F9A939A6-370A-9646-A802-335EC3E76F01}"/>
     <dgm:cxn modelId="{1455AE45-EF51-E04B-9D63-6CD0F1941968}" srcId="{EE002E70-1BA6-414C-9812-44CC66DBF2F7}" destId="{B39BE120-7AA2-5844-B3DE-0FADA010FAFF}" srcOrd="6" destOrd="0" parTransId="{7B870378-EE58-894F-91E1-6AE0EF0BE966}" sibTransId="{09EB3438-EB29-9140-ACF3-893E96C366B4}"/>
-    <dgm:cxn modelId="{698E1966-86C6-2547-AC00-2FEF6A911E04}" type="presOf" srcId="{350484AC-729C-1E4F-8F60-D25F1B7D92AC}" destId="{2B6E9592-A682-6345-BF16-231F2137BE1B}" srcOrd="0" destOrd="11" presId="urn:microsoft.com/office/officeart/2005/8/layout/hList1"/>
     <dgm:cxn modelId="{11B74846-CE22-5F41-ADAE-817B401D7A78}" type="presOf" srcId="{DB8F49CC-0EAE-C943-8887-E112FC932742}" destId="{2B6E9592-A682-6345-BF16-231F2137BE1B}" srcOrd="0" destOrd="18" presId="urn:microsoft.com/office/officeart/2005/8/layout/hList1"/>
-    <dgm:cxn modelId="{FB0F6167-DA1A-8046-AF67-2950F6C79EE0}" srcId="{EE002E70-1BA6-414C-9812-44CC66DBF2F7}" destId="{EE9B25DB-61EB-1045-BC70-1F3C64B65356}" srcOrd="7" destOrd="0" parTransId="{F7053BE5-057A-1C40-8803-5A4671AC87C8}" sibTransId="{30DDA3EF-ED21-0745-811B-C8E5175528D3}"/>
     <dgm:cxn modelId="{37DB8149-1371-0C44-8E51-10B8CEA46720}" type="presOf" srcId="{BA69E4BF-DAB0-7E47-9C50-10FBF59DA58F}" destId="{0ACA845D-9FC2-6344-8148-7E8CA16E5E7F}" srcOrd="0" destOrd="6" presId="urn:microsoft.com/office/officeart/2005/8/layout/hList1"/>
     <dgm:cxn modelId="{35AC254A-D83D-5949-A175-3E4E35EB11C1}" type="presOf" srcId="{47063CA0-0CBE-7D49-B314-4F9DB3528C0B}" destId="{0ACA845D-9FC2-6344-8148-7E8CA16E5E7F}" srcOrd="0" destOrd="11" presId="urn:microsoft.com/office/officeart/2005/8/layout/hList1"/>
-    <dgm:cxn modelId="{F0A3286B-BA3C-FD4D-928F-03586CEEC86B}" srcId="{A6D7846F-3016-9146-9509-5F44F23CA934}" destId="{DB8F49CC-0EAE-C943-8887-E112FC932742}" srcOrd="0" destOrd="0" parTransId="{E3E04408-6FAC-664A-9207-A94A01C510DF}" sibTransId="{6FF47A1D-092D-9048-B35D-3C0D6759CB27}"/>
-    <dgm:cxn modelId="{CFC25A6B-9F2E-1F48-B29C-5490C5C944B0}" type="presOf" srcId="{8D2B03F3-2622-FD40-8963-81F8268332EB}" destId="{2B6E9592-A682-6345-BF16-231F2137BE1B}" srcOrd="0" destOrd="5" presId="urn:microsoft.com/office/officeart/2005/8/layout/hList1"/>
     <dgm:cxn modelId="{5A8B324C-9A73-EC43-AD3F-904C10AB887D}" srcId="{8FCAC36B-883B-CB49-B2A9-1726890C69CC}" destId="{A6D7846F-3016-9146-9509-5F44F23CA934}" srcOrd="2" destOrd="0" parTransId="{C7B8E429-BAE6-E549-A96E-B092531533E0}" sibTransId="{46DE24CA-6CE7-3D46-9E35-9921E19A126E}"/>
-    <dgm:cxn modelId="{572FEC6F-8262-404D-8F02-18EDD128C399}" srcId="{EE002E70-1BA6-414C-9812-44CC66DBF2F7}" destId="{1A5BA3FE-2D76-3845-96BA-348535CEB8D1}" srcOrd="8" destOrd="0" parTransId="{33965CB0-F7AF-C142-B4EE-6D0EF10D84F5}" sibTransId="{649EEE7D-1563-4248-929D-5CD9299F51A6}"/>
     <dgm:cxn modelId="{4A021050-6BB4-F74E-9BD3-172BBE6445EB}" type="presOf" srcId="{8FCAC36B-883B-CB49-B2A9-1726890C69CC}" destId="{F52438EA-4F92-C240-AFC6-A4B2AEE6AE1C}" srcOrd="0" destOrd="0" presId="urn:microsoft.com/office/officeart/2005/8/layout/hList1"/>
-    <dgm:cxn modelId="{17C6DA72-945A-DE49-901E-57CE0D6BFAD0}" srcId="{819E0C5A-1403-8E41-AAA1-DCD6DD60F058}" destId="{8FCAC36B-883B-CB49-B2A9-1726890C69CC}" srcOrd="0" destOrd="0" parTransId="{E8A03A2C-CA25-EF4D-BF6A-78335E2FE77E}" sibTransId="{D384A8A0-6BAF-884B-BCF0-7AFB8CACFA43}"/>
-    <dgm:cxn modelId="{31264873-1CCA-0944-A0B2-E46D826F39BE}" srcId="{71AAE4DF-DDA9-4949-AD48-6F122CAFD057}" destId="{89E0EB89-7578-E44F-95F9-AF1B2C0F7218}" srcOrd="2" destOrd="0" parTransId="{1EE453C3-B777-2F4F-A36B-B9FDAC3C9150}" sibTransId="{B87A37A3-39B3-B348-903D-BCECF88EB2CC}"/>
     <dgm:cxn modelId="{799A2054-F982-8F46-B1C0-73F1B68A7EAC}" type="presOf" srcId="{1A8C27D0-72C6-5044-8526-797A288D9FB8}" destId="{0ACA845D-9FC2-6344-8148-7E8CA16E5E7F}" srcOrd="0" destOrd="8" presId="urn:microsoft.com/office/officeart/2005/8/layout/hList1"/>
     <dgm:cxn modelId="{E8A40256-DAA7-BE47-8BA7-2A4A854BE47B}" type="presOf" srcId="{C835637C-F65B-4A4C-999A-7798918F06BA}" destId="{0ACA845D-9FC2-6344-8148-7E8CA16E5E7F}" srcOrd="0" destOrd="13" presId="urn:microsoft.com/office/officeart/2005/8/layout/hList1"/>
     <dgm:cxn modelId="{96299356-DBF7-7D4D-A130-30D7F9F1BFF4}" srcId="{71AAE4DF-DDA9-4949-AD48-6F122CAFD057}" destId="{4DF8BBC8-0E97-4B4B-8618-619389319A3E}" srcOrd="4" destOrd="0" parTransId="{6D103AB3-7690-3248-9072-663FDEDFDCB8}" sibTransId="{8CB87E1D-C919-C648-B34A-66D1E93A0CB0}"/>
     <dgm:cxn modelId="{318D0458-4882-9241-B8F1-A29B8088BB8D}" srcId="{EE002E70-1BA6-414C-9812-44CC66DBF2F7}" destId="{8F7E1E02-2D70-E04C-90D8-652953180D13}" srcOrd="13" destOrd="0" parTransId="{F80D8DF8-3180-604A-B834-4B3FB4A29CB8}" sibTransId="{93CC8377-6516-F14B-A912-AEC5AE8C1DA1}"/>
     <dgm:cxn modelId="{0C0B6A58-4CDB-DF4E-9B2F-5157383B2868}" srcId="{EE002E70-1BA6-414C-9812-44CC66DBF2F7}" destId="{ECA19826-E131-3143-8170-6FB978E3B754}" srcOrd="2" destOrd="0" parTransId="{A195020A-7C37-EB48-8F08-FC8230E32CC9}" sibTransId="{0FE27D84-46BF-8849-8331-1A5FC8DD2C73}"/>
+    <dgm:cxn modelId="{DE5FED62-22E0-9847-B18B-8944F01FED78}" srcId="{71AAE4DF-DDA9-4949-AD48-6F122CAFD057}" destId="{1A8C27D0-72C6-5044-8526-797A288D9FB8}" srcOrd="7" destOrd="0" parTransId="{BF4D1E34-1730-3149-B143-4DA14F6CC138}" sibTransId="{3F1D6CBC-1C47-F240-A5D3-7F3BE51E15C7}"/>
+    <dgm:cxn modelId="{698E1966-86C6-2547-AC00-2FEF6A911E04}" type="presOf" srcId="{350484AC-729C-1E4F-8F60-D25F1B7D92AC}" destId="{2B6E9592-A682-6345-BF16-231F2137BE1B}" srcOrd="0" destOrd="11" presId="urn:microsoft.com/office/officeart/2005/8/layout/hList1"/>
+    <dgm:cxn modelId="{FB0F6167-DA1A-8046-AF67-2950F6C79EE0}" srcId="{EE002E70-1BA6-414C-9812-44CC66DBF2F7}" destId="{EE9B25DB-61EB-1045-BC70-1F3C64B65356}" srcOrd="7" destOrd="0" parTransId="{F7053BE5-057A-1C40-8803-5A4671AC87C8}" sibTransId="{30DDA3EF-ED21-0745-811B-C8E5175528D3}"/>
+    <dgm:cxn modelId="{F0A3286B-BA3C-FD4D-928F-03586CEEC86B}" srcId="{A6D7846F-3016-9146-9509-5F44F23CA934}" destId="{DB8F49CC-0EAE-C943-8887-E112FC932742}" srcOrd="0" destOrd="0" parTransId="{E3E04408-6FAC-664A-9207-A94A01C510DF}" sibTransId="{6FF47A1D-092D-9048-B35D-3C0D6759CB27}"/>
+    <dgm:cxn modelId="{CFC25A6B-9F2E-1F48-B29C-5490C5C944B0}" type="presOf" srcId="{8D2B03F3-2622-FD40-8963-81F8268332EB}" destId="{2B6E9592-A682-6345-BF16-231F2137BE1B}" srcOrd="0" destOrd="5" presId="urn:microsoft.com/office/officeart/2005/8/layout/hList1"/>
+    <dgm:cxn modelId="{572FEC6F-8262-404D-8F02-18EDD128C399}" srcId="{EE002E70-1BA6-414C-9812-44CC66DBF2F7}" destId="{1A5BA3FE-2D76-3845-96BA-348535CEB8D1}" srcOrd="8" destOrd="0" parTransId="{33965CB0-F7AF-C142-B4EE-6D0EF10D84F5}" sibTransId="{649EEE7D-1563-4248-929D-5CD9299F51A6}"/>
+    <dgm:cxn modelId="{17C6DA72-945A-DE49-901E-57CE0D6BFAD0}" srcId="{819E0C5A-1403-8E41-AAA1-DCD6DD60F058}" destId="{8FCAC36B-883B-CB49-B2A9-1726890C69CC}" srcOrd="0" destOrd="0" parTransId="{E8A03A2C-CA25-EF4D-BF6A-78335E2FE77E}" sibTransId="{D384A8A0-6BAF-884B-BCF0-7AFB8CACFA43}"/>
+    <dgm:cxn modelId="{31264873-1CCA-0944-A0B2-E46D826F39BE}" srcId="{71AAE4DF-DDA9-4949-AD48-6F122CAFD057}" destId="{89E0EB89-7578-E44F-95F9-AF1B2C0F7218}" srcOrd="2" destOrd="0" parTransId="{1EE453C3-B777-2F4F-A36B-B9FDAC3C9150}" sibTransId="{B87A37A3-39B3-B348-903D-BCECF88EB2CC}"/>
     <dgm:cxn modelId="{8B42517F-F876-9C48-9CD3-43A4A4AD6A5D}" type="presOf" srcId="{D50A149E-1F4A-7548-A154-30DBAE9D26A1}" destId="{2B6E9592-A682-6345-BF16-231F2137BE1B}" srcOrd="0" destOrd="10" presId="urn:microsoft.com/office/officeart/2005/8/layout/hList1"/>
     <dgm:cxn modelId="{68BCD77F-2039-B847-8E91-B391164CFC70}" srcId="{EE002E70-1BA6-414C-9812-44CC66DBF2F7}" destId="{E5B71C87-286A-504C-9FED-D8FBE221DF2E}" srcOrd="3" destOrd="0" parTransId="{9D8232D3-F16E-DE4A-9828-76D8F6823B26}" sibTransId="{22FC9835-6A9E-0245-9C89-EA136571E5E4}"/>
     <dgm:cxn modelId="{D32AB586-3E01-B24B-93C4-3AA3F809C4E2}" type="presOf" srcId="{EE002E70-1BA6-414C-9812-44CC66DBF2F7}" destId="{2B6E9592-A682-6345-BF16-231F2137BE1B}" srcOrd="0" destOrd="0" presId="urn:microsoft.com/office/officeart/2005/8/layout/hList1"/>
@@ -15639,6 +15642,943 @@
 </dgm:styleDef>
 </file>
 
+<file path=ppt/notesMasters/notesMaster1.xml><?xml version="1.0" encoding="utf-8"?>
+<p:notesMaster xmlns:a="http://schemas.openxmlformats.org/drawingml/2006/main" xmlns:r="http://schemas.openxmlformats.org/officeDocument/2006/relationships" xmlns:p="http://schemas.openxmlformats.org/presentationml/2006/main">
+  <p:cSld>
+    <p:bg>
+      <p:bgRef idx="1001">
+        <a:schemeClr val="bg1"/>
+      </p:bgRef>
+    </p:bg>
+    <p:spTree>
+      <p:nvGrpSpPr>
+        <p:cNvPr id="1" name=""/>
+        <p:cNvGrpSpPr/>
+        <p:nvPr/>
+      </p:nvGrpSpPr>
+      <p:grpSpPr>
+        <a:xfrm>
+          <a:off x="0" y="0"/>
+          <a:ext cx="0" cy="0"/>
+          <a:chOff x="0" y="0"/>
+          <a:chExt cx="0" cy="0"/>
+        </a:xfrm>
+      </p:grpSpPr>
+      <p:sp>
+        <p:nvSpPr>
+          <p:cNvPr id="2" name="Marcador de encabezado 1"/>
+          <p:cNvSpPr>
+            <a:spLocks noGrp="1"/>
+          </p:cNvSpPr>
+          <p:nvPr>
+            <p:ph type="hdr" sz="quarter"/>
+          </p:nvPr>
+        </p:nvSpPr>
+        <p:spPr>
+          <a:xfrm>
+            <a:off x="0" y="0"/>
+            <a:ext cx="2971800" cy="458788"/>
+          </a:xfrm>
+          <a:prstGeom prst="rect">
+            <a:avLst/>
+          </a:prstGeom>
+        </p:spPr>
+        <p:txBody>
+          <a:bodyPr vert="horz" lIns="91440" tIns="45720" rIns="91440" bIns="45720" rtlCol="0"/>
+          <a:lstStyle>
+            <a:lvl1pPr algn="l">
+              <a:defRPr sz="1200"/>
+            </a:lvl1pPr>
+          </a:lstStyle>
+          <a:p>
+            <a:endParaRPr lang="es-ES"/>
+          </a:p>
+        </p:txBody>
+      </p:sp>
+      <p:sp>
+        <p:nvSpPr>
+          <p:cNvPr id="3" name="Marcador de fecha 2"/>
+          <p:cNvSpPr>
+            <a:spLocks noGrp="1"/>
+          </p:cNvSpPr>
+          <p:nvPr>
+            <p:ph type="dt" idx="1"/>
+          </p:nvPr>
+        </p:nvSpPr>
+        <p:spPr>
+          <a:xfrm>
+            <a:off x="3884613" y="0"/>
+            <a:ext cx="2971800" cy="458788"/>
+          </a:xfrm>
+          <a:prstGeom prst="rect">
+            <a:avLst/>
+          </a:prstGeom>
+        </p:spPr>
+        <p:txBody>
+          <a:bodyPr vert="horz" lIns="91440" tIns="45720" rIns="91440" bIns="45720" rtlCol="0"/>
+          <a:lstStyle>
+            <a:lvl1pPr algn="r">
+              <a:defRPr sz="1200"/>
+            </a:lvl1pPr>
+          </a:lstStyle>
+          <a:p>
+            <a:fld id="{6F4F0085-3449-5A4B-B323-6D1DDF96CE22}" type="datetimeFigureOut">
+              <a:rPr lang="es-ES" smtClean="0"/>
+              <a:t>11/1/23</a:t>
+            </a:fld>
+            <a:endParaRPr lang="es-ES"/>
+          </a:p>
+        </p:txBody>
+      </p:sp>
+      <p:sp>
+        <p:nvSpPr>
+          <p:cNvPr id="4" name="Marcador de imagen de diapositiva 3"/>
+          <p:cNvSpPr>
+            <a:spLocks noGrp="1" noRot="1" noChangeAspect="1"/>
+          </p:cNvSpPr>
+          <p:nvPr>
+            <p:ph type="sldImg" idx="2"/>
+          </p:nvPr>
+        </p:nvSpPr>
+        <p:spPr>
+          <a:xfrm>
+            <a:off x="685800" y="1143000"/>
+            <a:ext cx="5486400" cy="3086100"/>
+          </a:xfrm>
+          <a:prstGeom prst="rect">
+            <a:avLst/>
+          </a:prstGeom>
+          <a:noFill/>
+          <a:ln w="12700">
+            <a:solidFill>
+              <a:prstClr val="black"/>
+            </a:solidFill>
+          </a:ln>
+        </p:spPr>
+        <p:txBody>
+          <a:bodyPr vert="horz" lIns="91440" tIns="45720" rIns="91440" bIns="45720" rtlCol="0" anchor="ctr"/>
+          <a:lstStyle/>
+          <a:p>
+            <a:endParaRPr lang="es-ES"/>
+          </a:p>
+        </p:txBody>
+      </p:sp>
+      <p:sp>
+        <p:nvSpPr>
+          <p:cNvPr id="5" name="Marcador de notas 4"/>
+          <p:cNvSpPr>
+            <a:spLocks noGrp="1"/>
+          </p:cNvSpPr>
+          <p:nvPr>
+            <p:ph type="body" sz="quarter" idx="3"/>
+          </p:nvPr>
+        </p:nvSpPr>
+        <p:spPr>
+          <a:xfrm>
+            <a:off x="685800" y="4400550"/>
+            <a:ext cx="5486400" cy="3600450"/>
+          </a:xfrm>
+          <a:prstGeom prst="rect">
+            <a:avLst/>
+          </a:prstGeom>
+        </p:spPr>
+        <p:txBody>
+          <a:bodyPr vert="horz" lIns="91440" tIns="45720" rIns="91440" bIns="45720" rtlCol="0"/>
+          <a:lstStyle/>
+          <a:p>
+            <a:pPr lvl="0"/>
+            <a:r>
+              <a:rPr lang="es-ES"/>
+              <a:t>Haga clic para modificar los estilos de texto del patrón</a:t>
+            </a:r>
+          </a:p>
+          <a:p>
+            <a:pPr lvl="1"/>
+            <a:r>
+              <a:rPr lang="es-ES"/>
+              <a:t>Segundo nivel</a:t>
+            </a:r>
+          </a:p>
+          <a:p>
+            <a:pPr lvl="2"/>
+            <a:r>
+              <a:rPr lang="es-ES"/>
+              <a:t>Tercer nivel</a:t>
+            </a:r>
+          </a:p>
+          <a:p>
+            <a:pPr lvl="3"/>
+            <a:r>
+              <a:rPr lang="es-ES"/>
+              <a:t>Cuarto nivel</a:t>
+            </a:r>
+          </a:p>
+          <a:p>
+            <a:pPr lvl="4"/>
+            <a:r>
+              <a:rPr lang="es-ES"/>
+              <a:t>Quinto nivel</a:t>
+            </a:r>
+          </a:p>
+        </p:txBody>
+      </p:sp>
+      <p:sp>
+        <p:nvSpPr>
+          <p:cNvPr id="6" name="Marcador de pie de página 5"/>
+          <p:cNvSpPr>
+            <a:spLocks noGrp="1"/>
+          </p:cNvSpPr>
+          <p:nvPr>
+            <p:ph type="ftr" sz="quarter" idx="4"/>
+          </p:nvPr>
+        </p:nvSpPr>
+        <p:spPr>
+          <a:xfrm>
+            <a:off x="0" y="8685213"/>
+            <a:ext cx="2971800" cy="458787"/>
+          </a:xfrm>
+          <a:prstGeom prst="rect">
+            <a:avLst/>
+          </a:prstGeom>
+        </p:spPr>
+        <p:txBody>
+          <a:bodyPr vert="horz" lIns="91440" tIns="45720" rIns="91440" bIns="45720" rtlCol="0" anchor="b"/>
+          <a:lstStyle>
+            <a:lvl1pPr algn="l">
+              <a:defRPr sz="1200"/>
+            </a:lvl1pPr>
+          </a:lstStyle>
+          <a:p>
+            <a:endParaRPr lang="es-ES"/>
+          </a:p>
+        </p:txBody>
+      </p:sp>
+      <p:sp>
+        <p:nvSpPr>
+          <p:cNvPr id="7" name="Marcador de número de diapositiva 6"/>
+          <p:cNvSpPr>
+            <a:spLocks noGrp="1"/>
+          </p:cNvSpPr>
+          <p:nvPr>
+            <p:ph type="sldNum" sz="quarter" idx="5"/>
+          </p:nvPr>
+        </p:nvSpPr>
+        <p:spPr>
+          <a:xfrm>
+            <a:off x="3884613" y="8685213"/>
+            <a:ext cx="2971800" cy="458787"/>
+          </a:xfrm>
+          <a:prstGeom prst="rect">
+            <a:avLst/>
+          </a:prstGeom>
+        </p:spPr>
+        <p:txBody>
+          <a:bodyPr vert="horz" lIns="91440" tIns="45720" rIns="91440" bIns="45720" rtlCol="0" anchor="b"/>
+          <a:lstStyle>
+            <a:lvl1pPr algn="r">
+              <a:defRPr sz="1200"/>
+            </a:lvl1pPr>
+          </a:lstStyle>
+          <a:p>
+            <a:fld id="{CE25916A-23E5-904E-9887-AD12773C8500}" type="slidenum">
+              <a:rPr lang="es-ES" smtClean="0"/>
+              <a:t>‹Nº›</a:t>
+            </a:fld>
+            <a:endParaRPr lang="es-ES"/>
+          </a:p>
+        </p:txBody>
+      </p:sp>
+    </p:spTree>
+    <p:extLst>
+      <p:ext uri="{BB962C8B-B14F-4D97-AF65-F5344CB8AC3E}">
+        <p14:creationId xmlns:p14="http://schemas.microsoft.com/office/powerpoint/2010/main" val="2642009149"/>
+      </p:ext>
+    </p:extLst>
+  </p:cSld>
+  <p:clrMap bg1="lt1" tx1="dk1" bg2="lt2" tx2="dk2" accent1="accent1" accent2="accent2" accent3="accent3" accent4="accent4" accent5="accent5" accent6="accent6" hlink="hlink" folHlink="folHlink"/>
+  <p:notesStyle>
+    <a:lvl1pPr marL="0" algn="l" defTabSz="914400" rtl="0" eaLnBrk="1" latinLnBrk="0" hangingPunct="1">
+      <a:defRPr sz="1200" kern="1200">
+        <a:solidFill>
+          <a:schemeClr val="tx1"/>
+        </a:solidFill>
+        <a:latin typeface="+mn-lt"/>
+        <a:ea typeface="+mn-ea"/>
+        <a:cs typeface="+mn-cs"/>
+      </a:defRPr>
+    </a:lvl1pPr>
+    <a:lvl2pPr marL="457200" algn="l" defTabSz="914400" rtl="0" eaLnBrk="1" latinLnBrk="0" hangingPunct="1">
+      <a:defRPr sz="1200" kern="1200">
+        <a:solidFill>
+          <a:schemeClr val="tx1"/>
+        </a:solidFill>
+        <a:latin typeface="+mn-lt"/>
+        <a:ea typeface="+mn-ea"/>
+        <a:cs typeface="+mn-cs"/>
+      </a:defRPr>
+    </a:lvl2pPr>
+    <a:lvl3pPr marL="914400" algn="l" defTabSz="914400" rtl="0" eaLnBrk="1" latinLnBrk="0" hangingPunct="1">
+      <a:defRPr sz="1200" kern="1200">
+        <a:solidFill>
+          <a:schemeClr val="tx1"/>
+        </a:solidFill>
+        <a:latin typeface="+mn-lt"/>
+        <a:ea typeface="+mn-ea"/>
+        <a:cs typeface="+mn-cs"/>
+      </a:defRPr>
+    </a:lvl3pPr>
+    <a:lvl4pPr marL="1371600" algn="l" defTabSz="914400" rtl="0" eaLnBrk="1" latinLnBrk="0" hangingPunct="1">
+      <a:defRPr sz="1200" kern="1200">
+        <a:solidFill>
+          <a:schemeClr val="tx1"/>
+        </a:solidFill>
+        <a:latin typeface="+mn-lt"/>
+        <a:ea typeface="+mn-ea"/>
+        <a:cs typeface="+mn-cs"/>
+      </a:defRPr>
+    </a:lvl4pPr>
+    <a:lvl5pPr marL="1828800" algn="l" defTabSz="914400" rtl="0" eaLnBrk="1" latinLnBrk="0" hangingPunct="1">
+      <a:defRPr sz="1200" kern="1200">
+        <a:solidFill>
+          <a:schemeClr val="tx1"/>
+        </a:solidFill>
+        <a:latin typeface="+mn-lt"/>
+        <a:ea typeface="+mn-ea"/>
+        <a:cs typeface="+mn-cs"/>
+      </a:defRPr>
+    </a:lvl5pPr>
+    <a:lvl6pPr marL="2286000" algn="l" defTabSz="914400" rtl="0" eaLnBrk="1" latinLnBrk="0" hangingPunct="1">
+      <a:defRPr sz="1200" kern="1200">
+        <a:solidFill>
+          <a:schemeClr val="tx1"/>
+        </a:solidFill>
+        <a:latin typeface="+mn-lt"/>
+        <a:ea typeface="+mn-ea"/>
+        <a:cs typeface="+mn-cs"/>
+      </a:defRPr>
+    </a:lvl6pPr>
+    <a:lvl7pPr marL="2743200" algn="l" defTabSz="914400" rtl="0" eaLnBrk="1" latinLnBrk="0" hangingPunct="1">
+      <a:defRPr sz="1200" kern="1200">
+        <a:solidFill>
+          <a:schemeClr val="tx1"/>
+        </a:solidFill>
+        <a:latin typeface="+mn-lt"/>
+        <a:ea typeface="+mn-ea"/>
+        <a:cs typeface="+mn-cs"/>
+      </a:defRPr>
+    </a:lvl7pPr>
+    <a:lvl8pPr marL="3200400" algn="l" defTabSz="914400" rtl="0" eaLnBrk="1" latinLnBrk="0" hangingPunct="1">
+      <a:defRPr sz="1200" kern="1200">
+        <a:solidFill>
+          <a:schemeClr val="tx1"/>
+        </a:solidFill>
+        <a:latin typeface="+mn-lt"/>
+        <a:ea typeface="+mn-ea"/>
+        <a:cs typeface="+mn-cs"/>
+      </a:defRPr>
+    </a:lvl8pPr>
+    <a:lvl9pPr marL="3657600" algn="l" defTabSz="914400" rtl="0" eaLnBrk="1" latinLnBrk="0" hangingPunct="1">
+      <a:defRPr sz="1200" kern="1200">
+        <a:solidFill>
+          <a:schemeClr val="tx1"/>
+        </a:solidFill>
+        <a:latin typeface="+mn-lt"/>
+        <a:ea typeface="+mn-ea"/>
+        <a:cs typeface="+mn-cs"/>
+      </a:defRPr>
+    </a:lvl9pPr>
+  </p:notesStyle>
+</p:notesMaster>
+</file>
+
+<file path=ppt/notesSlides/notesSlide1.xml><?xml version="1.0" encoding="utf-8"?>
+<p:notes xmlns:a="http://schemas.openxmlformats.org/drawingml/2006/main" xmlns:r="http://schemas.openxmlformats.org/officeDocument/2006/relationships" xmlns:p="http://schemas.openxmlformats.org/presentationml/2006/main">
+  <p:cSld>
+    <p:spTree>
+      <p:nvGrpSpPr>
+        <p:cNvPr id="1" name=""/>
+        <p:cNvGrpSpPr/>
+        <p:nvPr/>
+      </p:nvGrpSpPr>
+      <p:grpSpPr>
+        <a:xfrm>
+          <a:off x="0" y="0"/>
+          <a:ext cx="0" cy="0"/>
+          <a:chOff x="0" y="0"/>
+          <a:chExt cx="0" cy="0"/>
+        </a:xfrm>
+      </p:grpSpPr>
+      <p:sp>
+        <p:nvSpPr>
+          <p:cNvPr id="2" name="Marcador de imagen de diapositiva 1"/>
+          <p:cNvSpPr>
+            <a:spLocks noGrp="1" noRot="1" noChangeAspect="1"/>
+          </p:cNvSpPr>
+          <p:nvPr>
+            <p:ph type="sldImg"/>
+          </p:nvPr>
+        </p:nvSpPr>
+        <p:spPr/>
+      </p:sp>
+      <p:sp>
+        <p:nvSpPr>
+          <p:cNvPr id="3" name="Marcador de notas 2"/>
+          <p:cNvSpPr>
+            <a:spLocks noGrp="1"/>
+          </p:cNvSpPr>
+          <p:nvPr>
+            <p:ph type="body" idx="1"/>
+          </p:nvPr>
+        </p:nvSpPr>
+        <p:spPr/>
+        <p:txBody>
+          <a:bodyPr/>
+          <a:lstStyle/>
+          <a:p>
+            <a:pPr algn="just"/>
+            <a:r>
+              <a:rPr lang="es-ES" sz="1800" dirty="0">
+                <a:effectLst/>
+                <a:latin typeface="Calibri" panose="020F0502020204030204" pitchFamily="34" charset="0"/>
+                <a:ea typeface="Calibri" panose="020F0502020204030204" pitchFamily="34" charset="0"/>
+                <a:cs typeface="Times New Roman" panose="02020603050405020304" pitchFamily="18" charset="0"/>
+              </a:rPr>
+              <a:t>Mediante test de contraste de hipótesis se han evaluado distintas hipótesis sobre los datos.</a:t>
+            </a:r>
+          </a:p>
+          <a:p>
+            <a:pPr algn="just"/>
+            <a:r>
+              <a:rPr lang="es-ES" sz="1800" dirty="0">
+                <a:effectLst/>
+                <a:latin typeface="Calibri" panose="020F0502020204030204" pitchFamily="34" charset="0"/>
+                <a:ea typeface="Calibri" panose="020F0502020204030204" pitchFamily="34" charset="0"/>
+                <a:cs typeface="Times New Roman" panose="02020603050405020304" pitchFamily="18" charset="0"/>
+              </a:rPr>
+              <a:t> </a:t>
+            </a:r>
+          </a:p>
+          <a:p>
+            <a:pPr algn="just"/>
+            <a:r>
+              <a:rPr lang="es-ES" sz="1800" dirty="0">
+                <a:effectLst/>
+                <a:latin typeface="Calibri" panose="020F0502020204030204" pitchFamily="34" charset="0"/>
+                <a:ea typeface="Calibri" panose="020F0502020204030204" pitchFamily="34" charset="0"/>
+                <a:cs typeface="Times New Roman" panose="02020603050405020304" pitchFamily="18" charset="0"/>
+              </a:rPr>
+              <a:t>La primera evaluaba si un hotel con aire acondicionado obtendría un mejor posicionamiento que un sin aire acondicionado.</a:t>
+            </a:r>
+          </a:p>
+          <a:p>
+            <a:pPr algn="just"/>
+            <a:r>
+              <a:rPr lang="es-ES" sz="1800" dirty="0">
+                <a:effectLst/>
+                <a:latin typeface="Calibri" panose="020F0502020204030204" pitchFamily="34" charset="0"/>
+                <a:ea typeface="Calibri" panose="020F0502020204030204" pitchFamily="34" charset="0"/>
+                <a:cs typeface="Times New Roman" panose="02020603050405020304" pitchFamily="18" charset="0"/>
+              </a:rPr>
+              <a:t>Para ello se ha empleado un contraste de hipótesis de dos muestras independientes sobre la media con varianzas conocidas empleando un test unilateral por la izquierda (al evaluar si la media del conjunto será inferior a la del resto).</a:t>
+            </a:r>
+          </a:p>
+          <a:p>
+            <a:pPr algn="just"/>
+            <a:r>
+              <a:rPr lang="es-ES" sz="1800" dirty="0">
+                <a:effectLst/>
+                <a:latin typeface="Calibri" panose="020F0502020204030204" pitchFamily="34" charset="0"/>
+                <a:ea typeface="Calibri" panose="020F0502020204030204" pitchFamily="34" charset="0"/>
+                <a:cs typeface="Times New Roman" panose="02020603050405020304" pitchFamily="18" charset="0"/>
+              </a:rPr>
+              <a:t> </a:t>
+            </a:r>
+          </a:p>
+          <a:p>
+            <a:pPr algn="just"/>
+            <a:r>
+              <a:rPr lang="es-ES" sz="1800" dirty="0">
+                <a:effectLst/>
+                <a:latin typeface="Calibri" panose="020F0502020204030204" pitchFamily="34" charset="0"/>
+                <a:ea typeface="Calibri" panose="020F0502020204030204" pitchFamily="34" charset="0"/>
+                <a:cs typeface="Times New Roman" panose="02020603050405020304" pitchFamily="18" charset="0"/>
+              </a:rPr>
+              <a:t>A partir de los datos obtenidos se rechaza la hipótesis nula y concluimos que un hotel con aire acondicionado obtendrá un mejor posicionamiento.</a:t>
+            </a:r>
+          </a:p>
+          <a:p>
+            <a:endParaRPr lang="es-ES" dirty="0"/>
+          </a:p>
+        </p:txBody>
+      </p:sp>
+      <p:sp>
+        <p:nvSpPr>
+          <p:cNvPr id="4" name="Marcador de número de diapositiva 3"/>
+          <p:cNvSpPr>
+            <a:spLocks noGrp="1"/>
+          </p:cNvSpPr>
+          <p:nvPr>
+            <p:ph type="sldNum" sz="quarter" idx="5"/>
+          </p:nvPr>
+        </p:nvSpPr>
+        <p:spPr/>
+        <p:txBody>
+          <a:bodyPr/>
+          <a:lstStyle/>
+          <a:p>
+            <a:fld id="{CE25916A-23E5-904E-9887-AD12773C8500}" type="slidenum">
+              <a:rPr lang="es-ES" smtClean="0"/>
+              <a:t>12</a:t>
+            </a:fld>
+            <a:endParaRPr lang="es-ES"/>
+          </a:p>
+        </p:txBody>
+      </p:sp>
+    </p:spTree>
+    <p:extLst>
+      <p:ext uri="{BB962C8B-B14F-4D97-AF65-F5344CB8AC3E}">
+        <p14:creationId xmlns:p14="http://schemas.microsoft.com/office/powerpoint/2010/main" val="1616960691"/>
+      </p:ext>
+    </p:extLst>
+  </p:cSld>
+  <p:clrMapOvr>
+    <a:masterClrMapping/>
+  </p:clrMapOvr>
+</p:notes>
+</file>
+
+<file path=ppt/notesSlides/notesSlide2.xml><?xml version="1.0" encoding="utf-8"?>
+<p:notes xmlns:a="http://schemas.openxmlformats.org/drawingml/2006/main" xmlns:r="http://schemas.openxmlformats.org/officeDocument/2006/relationships" xmlns:p="http://schemas.openxmlformats.org/presentationml/2006/main">
+  <p:cSld>
+    <p:spTree>
+      <p:nvGrpSpPr>
+        <p:cNvPr id="1" name=""/>
+        <p:cNvGrpSpPr/>
+        <p:nvPr/>
+      </p:nvGrpSpPr>
+      <p:grpSpPr>
+        <a:xfrm>
+          <a:off x="0" y="0"/>
+          <a:ext cx="0" cy="0"/>
+          <a:chOff x="0" y="0"/>
+          <a:chExt cx="0" cy="0"/>
+        </a:xfrm>
+      </p:grpSpPr>
+      <p:sp>
+        <p:nvSpPr>
+          <p:cNvPr id="2" name="Marcador de imagen de diapositiva 1"/>
+          <p:cNvSpPr>
+            <a:spLocks noGrp="1" noRot="1" noChangeAspect="1"/>
+          </p:cNvSpPr>
+          <p:nvPr>
+            <p:ph type="sldImg"/>
+          </p:nvPr>
+        </p:nvSpPr>
+        <p:spPr/>
+      </p:sp>
+      <p:sp>
+        <p:nvSpPr>
+          <p:cNvPr id="3" name="Marcador de notas 2"/>
+          <p:cNvSpPr>
+            <a:spLocks noGrp="1"/>
+          </p:cNvSpPr>
+          <p:nvPr>
+            <p:ph type="body" idx="1"/>
+          </p:nvPr>
+        </p:nvSpPr>
+        <p:spPr/>
+        <p:txBody>
+          <a:bodyPr/>
+          <a:lstStyle/>
+          <a:p>
+            <a:pPr algn="just"/>
+            <a:r>
+              <a:rPr lang="es-ES" sz="1800" dirty="0">
+                <a:effectLst/>
+                <a:latin typeface="Calibri" panose="020F0502020204030204" pitchFamily="34" charset="0"/>
+                <a:ea typeface="Calibri" panose="020F0502020204030204" pitchFamily="34" charset="0"/>
+                <a:cs typeface="Times New Roman" panose="02020603050405020304" pitchFamily="18" charset="0"/>
+              </a:rPr>
+              <a:t>La segunda evaluaba la influencia de la cancelación gratuita en el posicionamiento de un hotel</a:t>
+            </a:r>
+          </a:p>
+          <a:p>
+            <a:pPr algn="just"/>
+            <a:r>
+              <a:rPr lang="es-ES" sz="1800" dirty="0">
+                <a:effectLst/>
+                <a:latin typeface="Calibri" panose="020F0502020204030204" pitchFamily="34" charset="0"/>
+                <a:ea typeface="Calibri" panose="020F0502020204030204" pitchFamily="34" charset="0"/>
+                <a:cs typeface="Times New Roman" panose="02020603050405020304" pitchFamily="18" charset="0"/>
+              </a:rPr>
+              <a:t> </a:t>
+            </a:r>
+          </a:p>
+          <a:p>
+            <a:pPr algn="just"/>
+            <a:r>
+              <a:rPr lang="es-ES" sz="1800" dirty="0">
+                <a:effectLst/>
+                <a:latin typeface="Calibri" panose="020F0502020204030204" pitchFamily="34" charset="0"/>
+                <a:ea typeface="Calibri" panose="020F0502020204030204" pitchFamily="34" charset="0"/>
+                <a:cs typeface="Times New Roman" panose="02020603050405020304" pitchFamily="18" charset="0"/>
+              </a:rPr>
+              <a:t>Para ello se ha realizado un contraste de hipótesis de dos muestras independientes sobre la media con varianzas no conocidas empleando un test bilateral (al evaluar en esta ocasión si la media será diferente).</a:t>
+            </a:r>
+          </a:p>
+          <a:p>
+            <a:pPr algn="just"/>
+            <a:r>
+              <a:rPr lang="es-ES" sz="1800" dirty="0">
+                <a:effectLst/>
+                <a:latin typeface="Calibri" panose="020F0502020204030204" pitchFamily="34" charset="0"/>
+                <a:ea typeface="Calibri" panose="020F0502020204030204" pitchFamily="34" charset="0"/>
+                <a:cs typeface="Times New Roman" panose="02020603050405020304" pitchFamily="18" charset="0"/>
+              </a:rPr>
+              <a:t> </a:t>
+            </a:r>
+          </a:p>
+          <a:p>
+            <a:pPr algn="just"/>
+            <a:r>
+              <a:rPr lang="es-ES" sz="1800" dirty="0">
+                <a:effectLst/>
+                <a:latin typeface="Calibri" panose="020F0502020204030204" pitchFamily="34" charset="0"/>
+                <a:ea typeface="Calibri" panose="020F0502020204030204" pitchFamily="34" charset="0"/>
+                <a:cs typeface="Times New Roman" panose="02020603050405020304" pitchFamily="18" charset="0"/>
+              </a:rPr>
+              <a:t>Con los resultados obtenidos se concluye que se rechaza la hipótesis nula, por lo que sabemos que un hotel con cancelación gratuita será distinta a la de un hotel sin, en concreto será mejor.</a:t>
+            </a:r>
+          </a:p>
+          <a:p>
+            <a:endParaRPr lang="es-ES" dirty="0"/>
+          </a:p>
+        </p:txBody>
+      </p:sp>
+      <p:sp>
+        <p:nvSpPr>
+          <p:cNvPr id="4" name="Marcador de número de diapositiva 3"/>
+          <p:cNvSpPr>
+            <a:spLocks noGrp="1"/>
+          </p:cNvSpPr>
+          <p:nvPr>
+            <p:ph type="sldNum" sz="quarter" idx="5"/>
+          </p:nvPr>
+        </p:nvSpPr>
+        <p:spPr/>
+        <p:txBody>
+          <a:bodyPr/>
+          <a:lstStyle/>
+          <a:p>
+            <a:fld id="{CE25916A-23E5-904E-9887-AD12773C8500}" type="slidenum">
+              <a:rPr lang="es-ES" smtClean="0"/>
+              <a:t>13</a:t>
+            </a:fld>
+            <a:endParaRPr lang="es-ES"/>
+          </a:p>
+        </p:txBody>
+      </p:sp>
+    </p:spTree>
+    <p:extLst>
+      <p:ext uri="{BB962C8B-B14F-4D97-AF65-F5344CB8AC3E}">
+        <p14:creationId xmlns:p14="http://schemas.microsoft.com/office/powerpoint/2010/main" val="437982797"/>
+      </p:ext>
+    </p:extLst>
+  </p:cSld>
+  <p:clrMapOvr>
+    <a:masterClrMapping/>
+  </p:clrMapOvr>
+</p:notes>
+</file>
+
+<file path=ppt/notesSlides/notesSlide3.xml><?xml version="1.0" encoding="utf-8"?>
+<p:notes xmlns:a="http://schemas.openxmlformats.org/drawingml/2006/main" xmlns:r="http://schemas.openxmlformats.org/officeDocument/2006/relationships" xmlns:p="http://schemas.openxmlformats.org/presentationml/2006/main">
+  <p:cSld>
+    <p:spTree>
+      <p:nvGrpSpPr>
+        <p:cNvPr id="1" name=""/>
+        <p:cNvGrpSpPr/>
+        <p:nvPr/>
+      </p:nvGrpSpPr>
+      <p:grpSpPr>
+        <a:xfrm>
+          <a:off x="0" y="0"/>
+          <a:ext cx="0" cy="0"/>
+          <a:chOff x="0" y="0"/>
+          <a:chExt cx="0" cy="0"/>
+        </a:xfrm>
+      </p:grpSpPr>
+      <p:sp>
+        <p:nvSpPr>
+          <p:cNvPr id="2" name="Marcador de imagen de diapositiva 1"/>
+          <p:cNvSpPr>
+            <a:spLocks noGrp="1" noRot="1" noChangeAspect="1"/>
+          </p:cNvSpPr>
+          <p:nvPr>
+            <p:ph type="sldImg"/>
+          </p:nvPr>
+        </p:nvSpPr>
+        <p:spPr/>
+      </p:sp>
+      <p:sp>
+        <p:nvSpPr>
+          <p:cNvPr id="3" name="Marcador de notas 2"/>
+          <p:cNvSpPr>
+            <a:spLocks noGrp="1"/>
+          </p:cNvSpPr>
+          <p:nvPr>
+            <p:ph type="body" idx="1"/>
+          </p:nvPr>
+        </p:nvSpPr>
+        <p:spPr/>
+        <p:txBody>
+          <a:bodyPr/>
+          <a:lstStyle/>
+          <a:p>
+            <a:pPr algn="just"/>
+            <a:r>
+              <a:rPr lang="es-ES" sz="1800" dirty="0">
+                <a:effectLst/>
+                <a:latin typeface="Calibri" panose="020F0502020204030204" pitchFamily="34" charset="0"/>
+                <a:ea typeface="Calibri" panose="020F0502020204030204" pitchFamily="34" charset="0"/>
+                <a:cs typeface="Times New Roman" panose="02020603050405020304" pitchFamily="18" charset="0"/>
+              </a:rPr>
+              <a:t>También se ha evaluado si la posición global de un hotel con una nota global superior a 9 será mejor que la del resto de hoteles.</a:t>
+            </a:r>
+          </a:p>
+          <a:p>
+            <a:pPr algn="just"/>
+            <a:r>
+              <a:rPr lang="es-ES" sz="1800" dirty="0">
+                <a:effectLst/>
+                <a:latin typeface="Calibri" panose="020F0502020204030204" pitchFamily="34" charset="0"/>
+                <a:ea typeface="Calibri" panose="020F0502020204030204" pitchFamily="34" charset="0"/>
+                <a:cs typeface="Times New Roman" panose="02020603050405020304" pitchFamily="18" charset="0"/>
+              </a:rPr>
+              <a:t> </a:t>
+            </a:r>
+          </a:p>
+          <a:p>
+            <a:pPr algn="just"/>
+            <a:r>
+              <a:rPr lang="es-ES" sz="1800" dirty="0">
+                <a:effectLst/>
+                <a:latin typeface="Calibri" panose="020F0502020204030204" pitchFamily="34" charset="0"/>
+                <a:ea typeface="Calibri" panose="020F0502020204030204" pitchFamily="34" charset="0"/>
+                <a:cs typeface="Times New Roman" panose="02020603050405020304" pitchFamily="18" charset="0"/>
+              </a:rPr>
+              <a:t>Para ello se realiza u contraste de hipótesis de dos muestras independientes sobre la media con varianzas no conocidas y se emplea un test unilateral por la izquierda al evaluar si la media será inferior a la del resto.</a:t>
+            </a:r>
+          </a:p>
+          <a:p>
+            <a:pPr algn="just"/>
+            <a:r>
+              <a:rPr lang="es-ES" sz="1800" dirty="0">
+                <a:effectLst/>
+                <a:latin typeface="Calibri" panose="020F0502020204030204" pitchFamily="34" charset="0"/>
+                <a:ea typeface="Calibri" panose="020F0502020204030204" pitchFamily="34" charset="0"/>
+                <a:cs typeface="Times New Roman" panose="02020603050405020304" pitchFamily="18" charset="0"/>
+              </a:rPr>
+              <a:t> </a:t>
+            </a:r>
+          </a:p>
+          <a:p>
+            <a:pPr algn="just"/>
+            <a:r>
+              <a:rPr lang="es-ES" sz="1800" dirty="0">
+                <a:effectLst/>
+                <a:latin typeface="Calibri" panose="020F0502020204030204" pitchFamily="34" charset="0"/>
+                <a:ea typeface="Calibri" panose="020F0502020204030204" pitchFamily="34" charset="0"/>
+                <a:cs typeface="Times New Roman" panose="02020603050405020304" pitchFamily="18" charset="0"/>
+              </a:rPr>
+              <a:t>Los resultados obtenidos nos hacen rechazar la hipótesis nula y podemos afirmar que los hoteles con una nota global superior al 9 obtienen un mejor posicionamiento que el resto.</a:t>
+            </a:r>
+          </a:p>
+          <a:p>
+            <a:endParaRPr lang="es-ES" dirty="0"/>
+          </a:p>
+        </p:txBody>
+      </p:sp>
+      <p:sp>
+        <p:nvSpPr>
+          <p:cNvPr id="4" name="Marcador de número de diapositiva 3"/>
+          <p:cNvSpPr>
+            <a:spLocks noGrp="1"/>
+          </p:cNvSpPr>
+          <p:nvPr>
+            <p:ph type="sldNum" sz="quarter" idx="5"/>
+          </p:nvPr>
+        </p:nvSpPr>
+        <p:spPr/>
+        <p:txBody>
+          <a:bodyPr/>
+          <a:lstStyle/>
+          <a:p>
+            <a:fld id="{CE25916A-23E5-904E-9887-AD12773C8500}" type="slidenum">
+              <a:rPr lang="es-ES" smtClean="0"/>
+              <a:t>14</a:t>
+            </a:fld>
+            <a:endParaRPr lang="es-ES"/>
+          </a:p>
+        </p:txBody>
+      </p:sp>
+    </p:spTree>
+    <p:extLst>
+      <p:ext uri="{BB962C8B-B14F-4D97-AF65-F5344CB8AC3E}">
+        <p14:creationId xmlns:p14="http://schemas.microsoft.com/office/powerpoint/2010/main" val="2414521080"/>
+      </p:ext>
+    </p:extLst>
+  </p:cSld>
+  <p:clrMapOvr>
+    <a:masterClrMapping/>
+  </p:clrMapOvr>
+</p:notes>
+</file>
+
+<file path=ppt/notesSlides/notesSlide4.xml><?xml version="1.0" encoding="utf-8"?>
+<p:notes xmlns:a="http://schemas.openxmlformats.org/drawingml/2006/main" xmlns:r="http://schemas.openxmlformats.org/officeDocument/2006/relationships" xmlns:p="http://schemas.openxmlformats.org/presentationml/2006/main">
+  <p:cSld>
+    <p:spTree>
+      <p:nvGrpSpPr>
+        <p:cNvPr id="1" name=""/>
+        <p:cNvGrpSpPr/>
+        <p:nvPr/>
+      </p:nvGrpSpPr>
+      <p:grpSpPr>
+        <a:xfrm>
+          <a:off x="0" y="0"/>
+          <a:ext cx="0" cy="0"/>
+          <a:chOff x="0" y="0"/>
+          <a:chExt cx="0" cy="0"/>
+        </a:xfrm>
+      </p:grpSpPr>
+      <p:sp>
+        <p:nvSpPr>
+          <p:cNvPr id="2" name="Marcador de imagen de diapositiva 1"/>
+          <p:cNvSpPr>
+            <a:spLocks noGrp="1" noRot="1" noChangeAspect="1"/>
+          </p:cNvSpPr>
+          <p:nvPr>
+            <p:ph type="sldImg"/>
+          </p:nvPr>
+        </p:nvSpPr>
+        <p:spPr/>
+      </p:sp>
+      <p:sp>
+        <p:nvSpPr>
+          <p:cNvPr id="3" name="Marcador de notas 2"/>
+          <p:cNvSpPr>
+            <a:spLocks noGrp="1"/>
+          </p:cNvSpPr>
+          <p:nvPr>
+            <p:ph type="body" idx="1"/>
+          </p:nvPr>
+        </p:nvSpPr>
+        <p:spPr/>
+        <p:txBody>
+          <a:bodyPr/>
+          <a:lstStyle/>
+          <a:p>
+            <a:pPr algn="just"/>
+            <a:r>
+              <a:rPr lang="es-ES" sz="1800" dirty="0">
+                <a:effectLst/>
+                <a:latin typeface="Calibri" panose="020F0502020204030204" pitchFamily="34" charset="0"/>
+                <a:ea typeface="Calibri" panose="020F0502020204030204" pitchFamily="34" charset="0"/>
+                <a:cs typeface="Times New Roman" panose="02020603050405020304" pitchFamily="18" charset="0"/>
+              </a:rPr>
+              <a:t>Finalmente se ha evaluado la influencia del precio máximo, evaluando en concreto si aquellos hoteles con un precio máximo superior a la media obtendrán un peor posicionamiento.</a:t>
+            </a:r>
+          </a:p>
+          <a:p>
+            <a:pPr algn="just"/>
+            <a:r>
+              <a:rPr lang="es-ES" sz="1800" dirty="0">
+                <a:effectLst/>
+                <a:latin typeface="Calibri" panose="020F0502020204030204" pitchFamily="34" charset="0"/>
+                <a:ea typeface="Calibri" panose="020F0502020204030204" pitchFamily="34" charset="0"/>
+                <a:cs typeface="Times New Roman" panose="02020603050405020304" pitchFamily="18" charset="0"/>
+              </a:rPr>
+              <a:t> </a:t>
+            </a:r>
+          </a:p>
+          <a:p>
+            <a:pPr algn="just"/>
+            <a:r>
+              <a:rPr lang="es-ES" sz="1800" dirty="0">
+                <a:effectLst/>
+                <a:latin typeface="Calibri" panose="020F0502020204030204" pitchFamily="34" charset="0"/>
+                <a:ea typeface="Calibri" panose="020F0502020204030204" pitchFamily="34" charset="0"/>
+                <a:cs typeface="Times New Roman" panose="02020603050405020304" pitchFamily="18" charset="0"/>
+              </a:rPr>
+              <a:t>Para ello se ha empleado un contraste de hipótesis de dos muestras independientes sobre la media con varianzas no conocidas empleando un test unilateral por la derecha al evaluar que el posicionamiento sea superior.</a:t>
+            </a:r>
+          </a:p>
+          <a:p>
+            <a:pPr algn="just"/>
+            <a:r>
+              <a:rPr lang="es-ES" sz="1800" dirty="0">
+                <a:effectLst/>
+                <a:latin typeface="Calibri" panose="020F0502020204030204" pitchFamily="34" charset="0"/>
+                <a:ea typeface="Calibri" panose="020F0502020204030204" pitchFamily="34" charset="0"/>
+                <a:cs typeface="Times New Roman" panose="02020603050405020304" pitchFamily="18" charset="0"/>
+              </a:rPr>
+              <a:t> </a:t>
+            </a:r>
+          </a:p>
+          <a:p>
+            <a:pPr algn="just"/>
+            <a:r>
+              <a:rPr lang="es-ES" sz="1800" dirty="0">
+                <a:effectLst/>
+                <a:latin typeface="Calibri" panose="020F0502020204030204" pitchFamily="34" charset="0"/>
+                <a:ea typeface="Calibri" panose="020F0502020204030204" pitchFamily="34" charset="0"/>
+                <a:cs typeface="Times New Roman" panose="02020603050405020304" pitchFamily="18" charset="0"/>
+              </a:rPr>
+              <a:t>Se concluye que no se puede rechazar la hipótesis nula, por lo que el posicionamiento de un hotel con un precio máximo alto no será mejor que el del resto de hoteles, es más se observa que la media es incluso mejor que la del resto de hoteles.</a:t>
+            </a:r>
+          </a:p>
+          <a:p>
+            <a:endParaRPr lang="es-ES" dirty="0"/>
+          </a:p>
+        </p:txBody>
+      </p:sp>
+      <p:sp>
+        <p:nvSpPr>
+          <p:cNvPr id="4" name="Marcador de número de diapositiva 3"/>
+          <p:cNvSpPr>
+            <a:spLocks noGrp="1"/>
+          </p:cNvSpPr>
+          <p:nvPr>
+            <p:ph type="sldNum" sz="quarter" idx="5"/>
+          </p:nvPr>
+        </p:nvSpPr>
+        <p:spPr/>
+        <p:txBody>
+          <a:bodyPr/>
+          <a:lstStyle/>
+          <a:p>
+            <a:fld id="{CE25916A-23E5-904E-9887-AD12773C8500}" type="slidenum">
+              <a:rPr lang="es-ES" smtClean="0"/>
+              <a:t>15</a:t>
+            </a:fld>
+            <a:endParaRPr lang="es-ES"/>
+          </a:p>
+        </p:txBody>
+      </p:sp>
+    </p:spTree>
+    <p:extLst>
+      <p:ext uri="{BB962C8B-B14F-4D97-AF65-F5344CB8AC3E}">
+        <p14:creationId xmlns:p14="http://schemas.microsoft.com/office/powerpoint/2010/main" val="2731222232"/>
+      </p:ext>
+    </p:extLst>
+  </p:cSld>
+  <p:clrMapOvr>
+    <a:masterClrMapping/>
+  </p:clrMapOvr>
+</p:notes>
+</file>
+
 <file path=ppt/slideLayouts/slideLayout1.xml><?xml version="1.0" encoding="utf-8"?>
 <p:sldLayout xmlns:a="http://schemas.openxmlformats.org/drawingml/2006/main" xmlns:r="http://schemas.openxmlformats.org/officeDocument/2006/relationships" xmlns:p="http://schemas.openxmlformats.org/presentationml/2006/main" type="title" preserve="1">
   <p:cSld name="Title Slide">
@@ -15788,7 +16728,7 @@
           <a:p>
             <a:fld id="{73A294DA-5B1F-406C-B1D4-C938C7055EF9}" type="datetimeFigureOut">
               <a:rPr lang="es-ES" smtClean="0"/>
-              <a:t>09/01/2023</a:t>
+              <a:t>11/1/23</a:t>
             </a:fld>
             <a:endParaRPr lang="es-ES"/>
           </a:p>
@@ -15842,7 +16782,7 @@
           <a:p>
             <a:fld id="{B765FBBA-90D6-434F-9C14-208CEA536F2B}" type="slidenum">
               <a:rPr lang="es-ES" smtClean="0"/>
-              <a:t>‹#›</a:t>
+              <a:t>‹Nº›</a:t>
             </a:fld>
             <a:endParaRPr lang="es-ES"/>
           </a:p>
@@ -15988,7 +16928,7 @@
           <a:p>
             <a:fld id="{73A294DA-5B1F-406C-B1D4-C938C7055EF9}" type="datetimeFigureOut">
               <a:rPr lang="es-ES" smtClean="0"/>
-              <a:t>09/01/2023</a:t>
+              <a:t>11/1/23</a:t>
             </a:fld>
             <a:endParaRPr lang="es-ES"/>
           </a:p>
@@ -16042,7 +16982,7 @@
           <a:p>
             <a:fld id="{B765FBBA-90D6-434F-9C14-208CEA536F2B}" type="slidenum">
               <a:rPr lang="es-ES" smtClean="0"/>
-              <a:t>‹#›</a:t>
+              <a:t>‹Nº›</a:t>
             </a:fld>
             <a:endParaRPr lang="es-ES"/>
           </a:p>
@@ -16198,7 +17138,7 @@
           <a:p>
             <a:fld id="{73A294DA-5B1F-406C-B1D4-C938C7055EF9}" type="datetimeFigureOut">
               <a:rPr lang="es-ES" smtClean="0"/>
-              <a:t>09/01/2023</a:t>
+              <a:t>11/1/23</a:t>
             </a:fld>
             <a:endParaRPr lang="es-ES"/>
           </a:p>
@@ -16252,7 +17192,7 @@
           <a:p>
             <a:fld id="{B765FBBA-90D6-434F-9C14-208CEA536F2B}" type="slidenum">
               <a:rPr lang="es-ES" smtClean="0"/>
-              <a:t>‹#›</a:t>
+              <a:t>‹Nº›</a:t>
             </a:fld>
             <a:endParaRPr lang="es-ES"/>
           </a:p>
@@ -16398,7 +17338,7 @@
           <a:p>
             <a:fld id="{73A294DA-5B1F-406C-B1D4-C938C7055EF9}" type="datetimeFigureOut">
               <a:rPr lang="es-ES" smtClean="0"/>
-              <a:t>09/01/2023</a:t>
+              <a:t>11/1/23</a:t>
             </a:fld>
             <a:endParaRPr lang="es-ES"/>
           </a:p>
@@ -16452,7 +17392,7 @@
           <a:p>
             <a:fld id="{B765FBBA-90D6-434F-9C14-208CEA536F2B}" type="slidenum">
               <a:rPr lang="es-ES" smtClean="0"/>
-              <a:t>‹#›</a:t>
+              <a:t>‹Nº›</a:t>
             </a:fld>
             <a:endParaRPr lang="es-ES"/>
           </a:p>
@@ -16674,7 +17614,7 @@
           <a:p>
             <a:fld id="{73A294DA-5B1F-406C-B1D4-C938C7055EF9}" type="datetimeFigureOut">
               <a:rPr lang="es-ES" smtClean="0"/>
-              <a:t>09/01/2023</a:t>
+              <a:t>11/1/23</a:t>
             </a:fld>
             <a:endParaRPr lang="es-ES"/>
           </a:p>
@@ -16728,7 +17668,7 @@
           <a:p>
             <a:fld id="{B765FBBA-90D6-434F-9C14-208CEA536F2B}" type="slidenum">
               <a:rPr lang="es-ES" smtClean="0"/>
-              <a:t>‹#›</a:t>
+              <a:t>‹Nº›</a:t>
             </a:fld>
             <a:endParaRPr lang="es-ES"/>
           </a:p>
@@ -16942,7 +17882,7 @@
           <a:p>
             <a:fld id="{73A294DA-5B1F-406C-B1D4-C938C7055EF9}" type="datetimeFigureOut">
               <a:rPr lang="es-ES" smtClean="0"/>
-              <a:t>09/01/2023</a:t>
+              <a:t>11/1/23</a:t>
             </a:fld>
             <a:endParaRPr lang="es-ES"/>
           </a:p>
@@ -16996,7 +17936,7 @@
           <a:p>
             <a:fld id="{B765FBBA-90D6-434F-9C14-208CEA536F2B}" type="slidenum">
               <a:rPr lang="es-ES" smtClean="0"/>
-              <a:t>‹#›</a:t>
+              <a:t>‹Nº›</a:t>
             </a:fld>
             <a:endParaRPr lang="es-ES"/>
           </a:p>
@@ -17357,7 +18297,7 @@
           <a:p>
             <a:fld id="{73A294DA-5B1F-406C-B1D4-C938C7055EF9}" type="datetimeFigureOut">
               <a:rPr lang="es-ES" smtClean="0"/>
-              <a:t>09/01/2023</a:t>
+              <a:t>11/1/23</a:t>
             </a:fld>
             <a:endParaRPr lang="es-ES"/>
           </a:p>
@@ -17411,7 +18351,7 @@
           <a:p>
             <a:fld id="{B765FBBA-90D6-434F-9C14-208CEA536F2B}" type="slidenum">
               <a:rPr lang="es-ES" smtClean="0"/>
-              <a:t>‹#›</a:t>
+              <a:t>‹Nº›</a:t>
             </a:fld>
             <a:endParaRPr lang="es-ES"/>
           </a:p>
@@ -17499,7 +18439,7 @@
           <a:p>
             <a:fld id="{73A294DA-5B1F-406C-B1D4-C938C7055EF9}" type="datetimeFigureOut">
               <a:rPr lang="es-ES" smtClean="0"/>
-              <a:t>09/01/2023</a:t>
+              <a:t>11/1/23</a:t>
             </a:fld>
             <a:endParaRPr lang="es-ES"/>
           </a:p>
@@ -17553,7 +18493,7 @@
           <a:p>
             <a:fld id="{B765FBBA-90D6-434F-9C14-208CEA536F2B}" type="slidenum">
               <a:rPr lang="es-ES" smtClean="0"/>
-              <a:t>‹#›</a:t>
+              <a:t>‹Nº›</a:t>
             </a:fld>
             <a:endParaRPr lang="es-ES"/>
           </a:p>
@@ -17612,7 +18552,7 @@
           <a:p>
             <a:fld id="{73A294DA-5B1F-406C-B1D4-C938C7055EF9}" type="datetimeFigureOut">
               <a:rPr lang="es-ES" smtClean="0"/>
-              <a:t>09/01/2023</a:t>
+              <a:t>11/1/23</a:t>
             </a:fld>
             <a:endParaRPr lang="es-ES"/>
           </a:p>
@@ -17666,7 +18606,7 @@
           <a:p>
             <a:fld id="{B765FBBA-90D6-434F-9C14-208CEA536F2B}" type="slidenum">
               <a:rPr lang="es-ES" smtClean="0"/>
-              <a:t>‹#›</a:t>
+              <a:t>‹Nº›</a:t>
             </a:fld>
             <a:endParaRPr lang="es-ES"/>
           </a:p>
@@ -17925,7 +18865,7 @@
           <a:p>
             <a:fld id="{73A294DA-5B1F-406C-B1D4-C938C7055EF9}" type="datetimeFigureOut">
               <a:rPr lang="es-ES" smtClean="0"/>
-              <a:t>09/01/2023</a:t>
+              <a:t>11/1/23</a:t>
             </a:fld>
             <a:endParaRPr lang="es-ES"/>
           </a:p>
@@ -17979,7 +18919,7 @@
           <a:p>
             <a:fld id="{B765FBBA-90D6-434F-9C14-208CEA536F2B}" type="slidenum">
               <a:rPr lang="es-ES" smtClean="0"/>
-              <a:t>‹#›</a:t>
+              <a:t>‹Nº›</a:t>
             </a:fld>
             <a:endParaRPr lang="es-ES"/>
           </a:p>
@@ -18214,7 +19154,7 @@
           <a:p>
             <a:fld id="{73A294DA-5B1F-406C-B1D4-C938C7055EF9}" type="datetimeFigureOut">
               <a:rPr lang="es-ES" smtClean="0"/>
-              <a:t>09/01/2023</a:t>
+              <a:t>11/1/23</a:t>
             </a:fld>
             <a:endParaRPr lang="es-ES"/>
           </a:p>
@@ -18268,7 +19208,7 @@
           <a:p>
             <a:fld id="{B765FBBA-90D6-434F-9C14-208CEA536F2B}" type="slidenum">
               <a:rPr lang="es-ES" smtClean="0"/>
-              <a:t>‹#›</a:t>
+              <a:t>‹Nº›</a:t>
             </a:fld>
             <a:endParaRPr lang="es-ES"/>
           </a:p>
@@ -18457,7 +19397,7 @@
           <a:p>
             <a:fld id="{73A294DA-5B1F-406C-B1D4-C938C7055EF9}" type="datetimeFigureOut">
               <a:rPr lang="es-ES" smtClean="0"/>
-              <a:t>09/01/2023</a:t>
+              <a:t>11/1/23</a:t>
             </a:fld>
             <a:endParaRPr lang="es-ES"/>
           </a:p>
@@ -18547,7 +19487,7 @@
           <a:p>
             <a:fld id="{B765FBBA-90D6-434F-9C14-208CEA536F2B}" type="slidenum">
               <a:rPr lang="es-ES" smtClean="0"/>
-              <a:t>‹#›</a:t>
+              <a:t>‹Nº›</a:t>
             </a:fld>
             <a:endParaRPr lang="es-ES"/>
           </a:p>
@@ -20191,7 +21131,7 @@
           <p:nvPr/>
         </p:nvPicPr>
         <p:blipFill>
-          <a:blip r:embed="rId2">
+          <a:blip r:embed="rId3">
             <a:extLst>
               <a:ext uri="{28A0092B-C50C-407E-A947-70E740481C1C}">
                 <a14:useLocalDpi xmlns:a14="http://schemas.microsoft.com/office/drawing/2010/main" val="0"/>
@@ -20212,8 +21152,8 @@
           </a:prstGeom>
         </p:spPr>
       </p:pic>
-      <mc:AlternateContent xmlns:mc="http://schemas.openxmlformats.org/markup-compatibility/2006" xmlns:a14="http://schemas.microsoft.com/office/drawing/2010/main">
-        <mc:Choice Requires="a14">
+      <mc:AlternateContent xmlns:mc="http://schemas.openxmlformats.org/markup-compatibility/2006">
+        <mc:Choice xmlns:a14="http://schemas.microsoft.com/office/drawing/2010/main" Requires="a14">
           <p:sp>
             <p:nvSpPr>
               <p:cNvPr id="3" name="CuadroTexto 2">
@@ -20395,7 +21335,7 @@
                     <a:ea typeface="Cambria" panose="02040503050406030204" pitchFamily="18" charset="0"/>
                     <a:cs typeface="Times New Roman" panose="02020603050405020304" pitchFamily="18" charset="0"/>
                   </a:rPr>
-                  <a:t>ontraste de hipótesis de dos muestras independientes sobre la media con varianzas conocidas</a:t>
+                  <a:t>ontraste de hipótesis de dos muestras independientes sobre la media con varianzas no conocidas</a:t>
                 </a:r>
               </a:p>
               <a:p>
@@ -20494,7 +21434,7 @@
                     <a:ea typeface="Cambria" panose="02040503050406030204" pitchFamily="18" charset="0"/>
                     <a:cs typeface="Times New Roman" panose="02020603050405020304" pitchFamily="18" charset="0"/>
                   </a:rPr>
-                  <a:t>: 6.35e-13</a:t>
+                  <a:t>: 5.33e-13</a:t>
                 </a:r>
               </a:p>
               <a:p>
@@ -20672,7 +21612,7 @@
             </p:txBody>
           </p:sp>
         </mc:Choice>
-        <mc:Fallback xmlns="">
+        <mc:Fallback>
           <p:sp>
             <p:nvSpPr>
               <p:cNvPr id="3" name="CuadroTexto 2">
@@ -20696,7 +21636,7 @@
                 <a:avLst/>
               </a:prstGeom>
               <a:blipFill>
-                <a:blip r:embed="rId3"/>
+                <a:blip r:embed="rId4"/>
                 <a:stretch>
                   <a:fillRect l="-878" t="-993"/>
                 </a:stretch>
@@ -20851,7 +21791,7 @@
           <p:nvPr/>
         </p:nvPicPr>
         <p:blipFill>
-          <a:blip r:embed="rId2">
+          <a:blip r:embed="rId3">
             <a:extLst>
               <a:ext uri="{28A0092B-C50C-407E-A947-70E740481C1C}">
                 <a14:useLocalDpi xmlns:a14="http://schemas.microsoft.com/office/drawing/2010/main" val="0"/>
@@ -20872,8 +21812,8 @@
           </a:prstGeom>
         </p:spPr>
       </p:pic>
-      <mc:AlternateContent xmlns:mc="http://schemas.openxmlformats.org/markup-compatibility/2006" xmlns:a14="http://schemas.microsoft.com/office/drawing/2010/main">
-        <mc:Choice Requires="a14">
+      <mc:AlternateContent xmlns:mc="http://schemas.openxmlformats.org/markup-compatibility/2006">
+        <mc:Choice xmlns:a14="http://schemas.microsoft.com/office/drawing/2010/main" Requires="a14">
           <p:sp>
             <p:nvSpPr>
               <p:cNvPr id="3" name="CuadroTexto 2">
@@ -21055,7 +21995,7 @@
                     <a:ea typeface="Cambria" panose="02040503050406030204" pitchFamily="18" charset="0"/>
                     <a:cs typeface="Times New Roman" panose="02020603050405020304" pitchFamily="18" charset="0"/>
                   </a:rPr>
-                  <a:t>ontraste de hipótesis de dos muestras independientes sobre la media con varianzas conocidas</a:t>
+                  <a:t>ontraste de hipótesis de dos muestras independientes sobre la media con varianzas no conocidas</a:t>
                 </a:r>
               </a:p>
               <a:p>
@@ -21154,7 +22094,7 @@
                     <a:ea typeface="Cambria" panose="02040503050406030204" pitchFamily="18" charset="0"/>
                     <a:cs typeface="Times New Roman" panose="02020603050405020304" pitchFamily="18" charset="0"/>
                   </a:rPr>
-                  <a:t>: 0.00015</a:t>
+                  <a:t>: 0.00038</a:t>
                 </a:r>
               </a:p>
               <a:p>
@@ -21332,7 +22272,7 @@
             </p:txBody>
           </p:sp>
         </mc:Choice>
-        <mc:Fallback xmlns="">
+        <mc:Fallback>
           <p:sp>
             <p:nvSpPr>
               <p:cNvPr id="3" name="CuadroTexto 2">
@@ -21356,7 +22296,7 @@
                 <a:avLst/>
               </a:prstGeom>
               <a:blipFill>
-                <a:blip r:embed="rId3"/>
+                <a:blip r:embed="rId4"/>
                 <a:stretch>
                   <a:fillRect l="-878" t="-993"/>
                 </a:stretch>
@@ -21511,7 +22451,7 @@
           <p:nvPr/>
         </p:nvPicPr>
         <p:blipFill>
-          <a:blip r:embed="rId2">
+          <a:blip r:embed="rId3">
             <a:extLst>
               <a:ext uri="{28A0092B-C50C-407E-A947-70E740481C1C}">
                 <a14:useLocalDpi xmlns:a14="http://schemas.microsoft.com/office/drawing/2010/main" val="0"/>
@@ -21532,8 +22472,8 @@
           </a:prstGeom>
         </p:spPr>
       </p:pic>
-      <mc:AlternateContent xmlns:mc="http://schemas.openxmlformats.org/markup-compatibility/2006" xmlns:a14="http://schemas.microsoft.com/office/drawing/2010/main">
-        <mc:Choice Requires="a14">
+      <mc:AlternateContent xmlns:mc="http://schemas.openxmlformats.org/markup-compatibility/2006">
+        <mc:Choice xmlns:a14="http://schemas.microsoft.com/office/drawing/2010/main" Requires="a14">
           <p:sp>
             <p:nvSpPr>
               <p:cNvPr id="3" name="CuadroTexto 2">
@@ -21715,7 +22655,7 @@
                     <a:ea typeface="Cambria" panose="02040503050406030204" pitchFamily="18" charset="0"/>
                     <a:cs typeface="Times New Roman" panose="02020603050405020304" pitchFamily="18" charset="0"/>
                   </a:rPr>
-                  <a:t>ontraste de hipótesis de dos muestras independientes sobre la media con varianzas conocidas</a:t>
+                  <a:t>ontraste de hipótesis de dos muestras independientes sobre la media con varianzas no conocidas</a:t>
                 </a:r>
               </a:p>
               <a:p>
@@ -21814,7 +22754,7 @@
                     <a:ea typeface="Cambria" panose="02040503050406030204" pitchFamily="18" charset="0"/>
                     <a:cs typeface="Times New Roman" panose="02020603050405020304" pitchFamily="18" charset="0"/>
                   </a:rPr>
-                  <a:t>: 0.044</a:t>
+                  <a:t>: 0.048</a:t>
                 </a:r>
               </a:p>
               <a:p>
@@ -21992,7 +22932,7 @@
             </p:txBody>
           </p:sp>
         </mc:Choice>
-        <mc:Fallback xmlns="">
+        <mc:Fallback>
           <p:sp>
             <p:nvSpPr>
               <p:cNvPr id="3" name="CuadroTexto 2">
@@ -22016,7 +22956,7 @@
                 <a:avLst/>
               </a:prstGeom>
               <a:blipFill>
-                <a:blip r:embed="rId3"/>
+                <a:blip r:embed="rId4"/>
                 <a:stretch>
                   <a:fillRect l="-878" t="-895" r="-502"/>
                 </a:stretch>
@@ -22171,7 +23111,7 @@
           <p:nvPr/>
         </p:nvPicPr>
         <p:blipFill>
-          <a:blip r:embed="rId2">
+          <a:blip r:embed="rId3">
             <a:extLst>
               <a:ext uri="{28A0092B-C50C-407E-A947-70E740481C1C}">
                 <a14:useLocalDpi xmlns:a14="http://schemas.microsoft.com/office/drawing/2010/main" val="0"/>
@@ -22192,8 +23132,8 @@
           </a:prstGeom>
         </p:spPr>
       </p:pic>
-      <mc:AlternateContent xmlns:mc="http://schemas.openxmlformats.org/markup-compatibility/2006" xmlns:a14="http://schemas.microsoft.com/office/drawing/2010/main">
-        <mc:Choice Requires="a14">
+      <mc:AlternateContent xmlns:mc="http://schemas.openxmlformats.org/markup-compatibility/2006">
+        <mc:Choice xmlns:a14="http://schemas.microsoft.com/office/drawing/2010/main" Requires="a14">
           <p:sp>
             <p:nvSpPr>
               <p:cNvPr id="3" name="CuadroTexto 2">
@@ -22274,7 +23214,7 @@
                     <a:ea typeface="Cambria" panose="02040503050406030204" pitchFamily="18" charset="0"/>
                     <a:cs typeface="Times New Roman" panose="02020603050405020304" pitchFamily="18" charset="0"/>
                   </a:rPr>
-                  <a:t>: La posición global de un hotel con precio mínimo inferior a la media y uno superior serán iguales.</a:t>
+                  <a:t>: La posición global de un hotel con precio máximo superior a la media y uno inferior serán iguales.</a:t>
                 </a:r>
               </a:p>
               <a:p>
@@ -22313,7 +23253,7 @@
                     <a:ea typeface="Cambria" panose="02040503050406030204" pitchFamily="18" charset="0"/>
                     <a:cs typeface="Times New Roman" panose="02020603050405020304" pitchFamily="18" charset="0"/>
                   </a:rPr>
-                  <a:t>: La posición global de un hotel con precio mínimo inferior a la media será mejor (inferior) a la de uno con precio superior.</a:t>
+                  <a:t>: La posición global de un hotel con precio máximo superior a la media será peor (mayor) a la de uno con precio inferior.</a:t>
                 </a:r>
               </a:p>
               <a:p>
@@ -22375,7 +23315,7 @@
                     <a:ea typeface="Cambria" panose="02040503050406030204" pitchFamily="18" charset="0"/>
                     <a:cs typeface="Times New Roman" panose="02020603050405020304" pitchFamily="18" charset="0"/>
                   </a:rPr>
-                  <a:t>ontraste de hipótesis de dos muestras independientes sobre la media con varianzas conocidas</a:t>
+                  <a:t>ontraste de hipótesis de dos muestras independientes sobre la media con varianzas no conocidas</a:t>
                 </a:r>
               </a:p>
               <a:p>
@@ -22394,7 +23334,7 @@
                     <a:latin typeface="Cambria" panose="02040503050406030204" pitchFamily="18" charset="0"/>
                     <a:cs typeface="Times New Roman" panose="02020603050405020304" pitchFamily="18" charset="0"/>
                   </a:rPr>
-                  <a:t>Test unilateral por la izquierda</a:t>
+                  <a:t>Test unilateral por la derecha</a:t>
                 </a:r>
                 <a:r>
                   <a:rPr lang="es-ES" dirty="0">
@@ -22474,7 +23414,7 @@
                     <a:ea typeface="Cambria" panose="02040503050406030204" pitchFamily="18" charset="0"/>
                     <a:cs typeface="Times New Roman" panose="02020603050405020304" pitchFamily="18" charset="0"/>
                   </a:rPr>
-                  <a:t>: 0.9899</a:t>
+                  <a:t>: 0.9799</a:t>
                 </a:r>
               </a:p>
               <a:p>
@@ -22527,7 +23467,15 @@
                         <a:ea typeface="Cambria Math" panose="02040503050406030204" pitchFamily="18" charset="0"/>
                         <a:cs typeface="Times New Roman" panose="02020603050405020304" pitchFamily="18" charset="0"/>
                       </a:rPr>
-                      <m:t>=58.6</m:t>
+                      <m:t>=5</m:t>
+                    </m:r>
+                    <m:r>
+                      <a:rPr lang="es-ES" b="0" i="1" smtClean="0">
+                        <a:latin typeface="Cambria Math" panose="02040503050406030204" pitchFamily="18" charset="0"/>
+                        <a:ea typeface="Cambria Math" panose="02040503050406030204" pitchFamily="18" charset="0"/>
+                        <a:cs typeface="Times New Roman" panose="02020603050405020304" pitchFamily="18" charset="0"/>
+                      </a:rPr>
+                      <m:t>7.0</m:t>
                     </m:r>
                   </m:oMath>
                 </a14:m>
@@ -22587,7 +23535,31 @@
                         <a:ea typeface="Cambria Math" panose="02040503050406030204" pitchFamily="18" charset="0"/>
                         <a:cs typeface="Times New Roman" panose="02020603050405020304" pitchFamily="18" charset="0"/>
                       </a:rPr>
-                      <m:t>=55.8</m:t>
+                      <m:t>=5</m:t>
+                    </m:r>
+                    <m:r>
+                      <a:rPr lang="es-ES" b="0" i="1" smtClean="0">
+                        <a:latin typeface="Cambria Math" panose="02040503050406030204" pitchFamily="18" charset="0"/>
+                        <a:ea typeface="Cambria Math" panose="02040503050406030204" pitchFamily="18" charset="0"/>
+                        <a:cs typeface="Times New Roman" panose="02020603050405020304" pitchFamily="18" charset="0"/>
+                      </a:rPr>
+                      <m:t>9</m:t>
+                    </m:r>
+                    <m:r>
+                      <a:rPr lang="es-ES" b="0" i="1" smtClean="0">
+                        <a:latin typeface="Cambria Math" panose="02040503050406030204" pitchFamily="18" charset="0"/>
+                        <a:ea typeface="Cambria Math" panose="02040503050406030204" pitchFamily="18" charset="0"/>
+                        <a:cs typeface="Times New Roman" panose="02020603050405020304" pitchFamily="18" charset="0"/>
+                      </a:rPr>
+                      <m:t>.</m:t>
+                    </m:r>
+                    <m:r>
+                      <a:rPr lang="es-ES" b="0" i="1" smtClean="0">
+                        <a:latin typeface="Cambria Math" panose="02040503050406030204" pitchFamily="18" charset="0"/>
+                        <a:ea typeface="Cambria Math" panose="02040503050406030204" pitchFamily="18" charset="0"/>
+                        <a:cs typeface="Times New Roman" panose="02020603050405020304" pitchFamily="18" charset="0"/>
+                      </a:rPr>
+                      <m:t>5</m:t>
                     </m:r>
                   </m:oMath>
                 </a14:m>
@@ -22635,7 +23607,7 @@
             </p:txBody>
           </p:sp>
         </mc:Choice>
-        <mc:Fallback xmlns="">
+        <mc:Fallback>
           <p:sp>
             <p:nvSpPr>
               <p:cNvPr id="3" name="CuadroTexto 2">
@@ -22659,7 +23631,7 @@
                 <a:avLst/>
               </a:prstGeom>
               <a:blipFill>
-                <a:blip r:embed="rId3"/>
+                <a:blip r:embed="rId4"/>
                 <a:stretch>
                   <a:fillRect l="-878" t="-950" r="-502"/>
                 </a:stretch>
@@ -28837,4 +29809,299 @@
     </a:ext>
   </a:extLst>
 </a:theme>
+</file>
+
+<file path=ppt/theme/theme2.xml><?xml version="1.0" encoding="utf-8"?>
+<a:theme xmlns:a="http://schemas.openxmlformats.org/drawingml/2006/main" name="Tema de Office 2013 - 2022">
+  <a:themeElements>
+    <a:clrScheme name="Office">
+      <a:dk1>
+        <a:sysClr val="windowText" lastClr="000000"/>
+      </a:dk1>
+      <a:lt1>
+        <a:sysClr val="window" lastClr="FFFFFF"/>
+      </a:lt1>
+      <a:dk2>
+        <a:srgbClr val="44546A"/>
+      </a:dk2>
+      <a:lt2>
+        <a:srgbClr val="E7E6E6"/>
+      </a:lt2>
+      <a:accent1>
+        <a:srgbClr val="4472C4"/>
+      </a:accent1>
+      <a:accent2>
+        <a:srgbClr val="ED7D31"/>
+      </a:accent2>
+      <a:accent3>
+        <a:srgbClr val="A5A5A5"/>
+      </a:accent3>
+      <a:accent4>
+        <a:srgbClr val="FFC000"/>
+      </a:accent4>
+      <a:accent5>
+        <a:srgbClr val="5B9BD5"/>
+      </a:accent5>
+      <a:accent6>
+        <a:srgbClr val="70AD47"/>
+      </a:accent6>
+      <a:hlink>
+        <a:srgbClr val="0563C1"/>
+      </a:hlink>
+      <a:folHlink>
+        <a:srgbClr val="954F72"/>
+      </a:folHlink>
+    </a:clrScheme>
+    <a:fontScheme name="Office">
+      <a:majorFont>
+        <a:latin typeface="Calibri Light" panose="020F0302020204030204"/>
+        <a:ea typeface=""/>
+        <a:cs typeface=""/>
+        <a:font script="Jpan" typeface="游ゴシック Light"/>
+        <a:font script="Hang" typeface="맑은 고딕"/>
+        <a:font script="Hans" typeface="等线 Light"/>
+        <a:font script="Hant" typeface="新細明體"/>
+        <a:font script="Arab" typeface="Times New Roman"/>
+        <a:font script="Hebr" typeface="Times New Roman"/>
+        <a:font script="Thai" typeface="Angsana New"/>
+        <a:font script="Ethi" typeface="Nyala"/>
+        <a:font script="Beng" typeface="Vrinda"/>
+        <a:font script="Gujr" typeface="Shruti"/>
+        <a:font script="Khmr" typeface="MoolBoran"/>
+        <a:font script="Knda" typeface="Tunga"/>
+        <a:font script="Guru" typeface="Raavi"/>
+        <a:font script="Cans" typeface="Euphemia"/>
+        <a:font script="Cher" typeface="Plantagenet Cherokee"/>
+        <a:font script="Yiii" typeface="Microsoft Yi Baiti"/>
+        <a:font script="Tibt" typeface="Microsoft Himalaya"/>
+        <a:font script="Thaa" typeface="MV Boli"/>
+        <a:font script="Deva" typeface="Mangal"/>
+        <a:font script="Telu" typeface="Gautami"/>
+        <a:font script="Taml" typeface="Latha"/>
+        <a:font script="Syrc" typeface="Estrangelo Edessa"/>
+        <a:font script="Orya" typeface="Kalinga"/>
+        <a:font script="Mlym" typeface="Kartika"/>
+        <a:font script="Laoo" typeface="DokChampa"/>
+        <a:font script="Sinh" typeface="Iskoola Pota"/>
+        <a:font script="Mong" typeface="Mongolian Baiti"/>
+        <a:font script="Viet" typeface="Times New Roman"/>
+        <a:font script="Uigh" typeface="Microsoft Uighur"/>
+        <a:font script="Geor" typeface="Sylfaen"/>
+        <a:font script="Armn" typeface="Arial"/>
+        <a:font script="Bugi" typeface="Leelawadee UI"/>
+        <a:font script="Bopo" typeface="Microsoft JhengHei"/>
+        <a:font script="Java" typeface="Javanese Text"/>
+        <a:font script="Lisu" typeface="Segoe UI"/>
+        <a:font script="Mymr" typeface="Myanmar Text"/>
+        <a:font script="Nkoo" typeface="Ebrima"/>
+        <a:font script="Olck" typeface="Nirmala UI"/>
+        <a:font script="Osma" typeface="Ebrima"/>
+        <a:font script="Phag" typeface="Phagspa"/>
+        <a:font script="Syrn" typeface="Estrangelo Edessa"/>
+        <a:font script="Syrj" typeface="Estrangelo Edessa"/>
+        <a:font script="Syre" typeface="Estrangelo Edessa"/>
+        <a:font script="Sora" typeface="Nirmala UI"/>
+        <a:font script="Tale" typeface="Microsoft Tai Le"/>
+        <a:font script="Talu" typeface="Microsoft New Tai Lue"/>
+        <a:font script="Tfng" typeface="Ebrima"/>
+      </a:majorFont>
+      <a:minorFont>
+        <a:latin typeface="Calibri" panose="020F0502020204030204"/>
+        <a:ea typeface=""/>
+        <a:cs typeface=""/>
+        <a:font script="Jpan" typeface="游ゴシック"/>
+        <a:font script="Hang" typeface="맑은 고딕"/>
+        <a:font script="Hans" typeface="等线"/>
+        <a:font script="Hant" typeface="新細明體"/>
+        <a:font script="Arab" typeface="Arial"/>
+        <a:font script="Hebr" typeface="Arial"/>
+        <a:font script="Thai" typeface="Cordia New"/>
+        <a:font script="Ethi" typeface="Nyala"/>
+        <a:font script="Beng" typeface="Vrinda"/>
+        <a:font script="Gujr" typeface="Shruti"/>
+        <a:font script="Khmr" typeface="DaunPenh"/>
+        <a:font script="Knda" typeface="Tunga"/>
+        <a:font script="Guru" typeface="Raavi"/>
+        <a:font script="Cans" typeface="Euphemia"/>
+        <a:font script="Cher" typeface="Plantagenet Cherokee"/>
+        <a:font script="Yiii" typeface="Microsoft Yi Baiti"/>
+        <a:font script="Tibt" typeface="Microsoft Himalaya"/>
+        <a:font script="Thaa" typeface="MV Boli"/>
+        <a:font script="Deva" typeface="Mangal"/>
+        <a:font script="Telu" typeface="Gautami"/>
+        <a:font script="Taml" typeface="Latha"/>
+        <a:font script="Syrc" typeface="Estrangelo Edessa"/>
+        <a:font script="Orya" typeface="Kalinga"/>
+        <a:font script="Mlym" typeface="Kartika"/>
+        <a:font script="Laoo" typeface="DokChampa"/>
+        <a:font script="Sinh" typeface="Iskoola Pota"/>
+        <a:font script="Mong" typeface="Mongolian Baiti"/>
+        <a:font script="Viet" typeface="Arial"/>
+        <a:font script="Uigh" typeface="Microsoft Uighur"/>
+        <a:font script="Geor" typeface="Sylfaen"/>
+        <a:font script="Armn" typeface="Arial"/>
+        <a:font script="Bugi" typeface="Leelawadee UI"/>
+        <a:font script="Bopo" typeface="Microsoft JhengHei"/>
+        <a:font script="Java" typeface="Javanese Text"/>
+        <a:font script="Lisu" typeface="Segoe UI"/>
+        <a:font script="Mymr" typeface="Myanmar Text"/>
+        <a:font script="Nkoo" typeface="Ebrima"/>
+        <a:font script="Olck" typeface="Nirmala UI"/>
+        <a:font script="Osma" typeface="Ebrima"/>
+        <a:font script="Phag" typeface="Phagspa"/>
+        <a:font script="Syrn" typeface="Estrangelo Edessa"/>
+        <a:font script="Syrj" typeface="Estrangelo Edessa"/>
+        <a:font script="Syre" typeface="Estrangelo Edessa"/>
+        <a:font script="Sora" typeface="Nirmala UI"/>
+        <a:font script="Tale" typeface="Microsoft Tai Le"/>
+        <a:font script="Talu" typeface="Microsoft New Tai Lue"/>
+        <a:font script="Tfng" typeface="Ebrima"/>
+      </a:minorFont>
+    </a:fontScheme>
+    <a:fmtScheme name="Office">
+      <a:fillStyleLst>
+        <a:solidFill>
+          <a:schemeClr val="phClr"/>
+        </a:solidFill>
+        <a:gradFill rotWithShape="1">
+          <a:gsLst>
+            <a:gs pos="0">
+              <a:schemeClr val="phClr">
+                <a:lumMod val="110000"/>
+                <a:satMod val="105000"/>
+                <a:tint val="67000"/>
+              </a:schemeClr>
+            </a:gs>
+            <a:gs pos="50000">
+              <a:schemeClr val="phClr">
+                <a:lumMod val="105000"/>
+                <a:satMod val="103000"/>
+                <a:tint val="73000"/>
+              </a:schemeClr>
+            </a:gs>
+            <a:gs pos="100000">
+              <a:schemeClr val="phClr">
+                <a:lumMod val="105000"/>
+                <a:satMod val="109000"/>
+                <a:tint val="81000"/>
+              </a:schemeClr>
+            </a:gs>
+          </a:gsLst>
+          <a:lin ang="5400000" scaled="0"/>
+        </a:gradFill>
+        <a:gradFill rotWithShape="1">
+          <a:gsLst>
+            <a:gs pos="0">
+              <a:schemeClr val="phClr">
+                <a:satMod val="103000"/>
+                <a:lumMod val="102000"/>
+                <a:tint val="94000"/>
+              </a:schemeClr>
+            </a:gs>
+            <a:gs pos="50000">
+              <a:schemeClr val="phClr">
+                <a:satMod val="110000"/>
+                <a:lumMod val="100000"/>
+                <a:shade val="100000"/>
+              </a:schemeClr>
+            </a:gs>
+            <a:gs pos="100000">
+              <a:schemeClr val="phClr">
+                <a:lumMod val="99000"/>
+                <a:satMod val="120000"/>
+                <a:shade val="78000"/>
+              </a:schemeClr>
+            </a:gs>
+          </a:gsLst>
+          <a:lin ang="5400000" scaled="0"/>
+        </a:gradFill>
+      </a:fillStyleLst>
+      <a:lnStyleLst>
+        <a:ln w="6350" cap="flat" cmpd="sng" algn="ctr">
+          <a:solidFill>
+            <a:schemeClr val="phClr"/>
+          </a:solidFill>
+          <a:prstDash val="solid"/>
+          <a:miter lim="800000"/>
+        </a:ln>
+        <a:ln w="12700" cap="flat" cmpd="sng" algn="ctr">
+          <a:solidFill>
+            <a:schemeClr val="phClr"/>
+          </a:solidFill>
+          <a:prstDash val="solid"/>
+          <a:miter lim="800000"/>
+        </a:ln>
+        <a:ln w="19050" cap="flat" cmpd="sng" algn="ctr">
+          <a:solidFill>
+            <a:schemeClr val="phClr"/>
+          </a:solidFill>
+          <a:prstDash val="solid"/>
+          <a:miter lim="800000"/>
+        </a:ln>
+      </a:lnStyleLst>
+      <a:effectStyleLst>
+        <a:effectStyle>
+          <a:effectLst/>
+        </a:effectStyle>
+        <a:effectStyle>
+          <a:effectLst/>
+        </a:effectStyle>
+        <a:effectStyle>
+          <a:effectLst>
+            <a:outerShdw blurRad="57150" dist="19050" dir="5400000" algn="ctr" rotWithShape="0">
+              <a:srgbClr val="000000">
+                <a:alpha val="63000"/>
+              </a:srgbClr>
+            </a:outerShdw>
+          </a:effectLst>
+        </a:effectStyle>
+      </a:effectStyleLst>
+      <a:bgFillStyleLst>
+        <a:solidFill>
+          <a:schemeClr val="phClr"/>
+        </a:solidFill>
+        <a:solidFill>
+          <a:schemeClr val="phClr">
+            <a:tint val="95000"/>
+            <a:satMod val="170000"/>
+          </a:schemeClr>
+        </a:solidFill>
+        <a:gradFill rotWithShape="1">
+          <a:gsLst>
+            <a:gs pos="0">
+              <a:schemeClr val="phClr">
+                <a:tint val="93000"/>
+                <a:satMod val="150000"/>
+                <a:shade val="98000"/>
+                <a:lumMod val="102000"/>
+              </a:schemeClr>
+            </a:gs>
+            <a:gs pos="50000">
+              <a:schemeClr val="phClr">
+                <a:tint val="98000"/>
+                <a:satMod val="130000"/>
+                <a:shade val="90000"/>
+                <a:lumMod val="103000"/>
+              </a:schemeClr>
+            </a:gs>
+            <a:gs pos="100000">
+              <a:schemeClr val="phClr">
+                <a:shade val="63000"/>
+                <a:satMod val="120000"/>
+              </a:schemeClr>
+            </a:gs>
+          </a:gsLst>
+          <a:lin ang="5400000" scaled="0"/>
+        </a:gradFill>
+      </a:bgFillStyleLst>
+    </a:fmtScheme>
+  </a:themeElements>
+  <a:objectDefaults/>
+  <a:extraClrSchemeLst/>
+  <a:extLst>
+    <a:ext uri="{05A4C25C-085E-4340-85A3-A5531E510DB2}">
+      <thm15:themeFamily xmlns:thm15="http://schemas.microsoft.com/office/thememl/2012/main" name="Office Theme 2013 - 2022" id="{62F939B6-93AF-4DB8-9C6B-D6C7DFDC589F}" vid="{4A3C46E8-61CC-4603-A589-7422A47A8E4A}"/>
+    </a:ext>
+  </a:extLst>
+</a:theme>
 </file>